--- a/Apresentação1.pptx
+++ b/Apresentação1.pptx
@@ -19,37 +19,36 @@
     <p:sldId id="274" r:id="rId13"/>
     <p:sldId id="264" r:id="rId14"/>
     <p:sldId id="265" r:id="rId15"/>
-    <p:sldId id="301" r:id="rId16"/>
-    <p:sldId id="302" r:id="rId17"/>
-    <p:sldId id="303" r:id="rId18"/>
-    <p:sldId id="304" r:id="rId19"/>
-    <p:sldId id="305" r:id="rId20"/>
-    <p:sldId id="269" r:id="rId21"/>
-    <p:sldId id="270" r:id="rId22"/>
-    <p:sldId id="271" r:id="rId23"/>
-    <p:sldId id="272" r:id="rId24"/>
-    <p:sldId id="285" r:id="rId25"/>
-    <p:sldId id="287" r:id="rId26"/>
-    <p:sldId id="289" r:id="rId27"/>
-    <p:sldId id="275" r:id="rId28"/>
-    <p:sldId id="276" r:id="rId29"/>
-    <p:sldId id="290" r:id="rId30"/>
-    <p:sldId id="291" r:id="rId31"/>
-    <p:sldId id="292" r:id="rId32"/>
-    <p:sldId id="293" r:id="rId33"/>
-    <p:sldId id="294" r:id="rId34"/>
-    <p:sldId id="295" r:id="rId35"/>
-    <p:sldId id="296" r:id="rId36"/>
-    <p:sldId id="297" r:id="rId37"/>
-    <p:sldId id="298" r:id="rId38"/>
-    <p:sldId id="299" r:id="rId39"/>
-    <p:sldId id="300" r:id="rId40"/>
-    <p:sldId id="277" r:id="rId41"/>
-    <p:sldId id="278" r:id="rId42"/>
-    <p:sldId id="279" r:id="rId43"/>
-    <p:sldId id="280" r:id="rId44"/>
-    <p:sldId id="281" r:id="rId45"/>
-    <p:sldId id="282" r:id="rId46"/>
+    <p:sldId id="304" r:id="rId16"/>
+    <p:sldId id="305" r:id="rId17"/>
+    <p:sldId id="306" r:id="rId18"/>
+    <p:sldId id="269" r:id="rId19"/>
+    <p:sldId id="270" r:id="rId20"/>
+    <p:sldId id="271" r:id="rId21"/>
+    <p:sldId id="272" r:id="rId22"/>
+    <p:sldId id="285" r:id="rId23"/>
+    <p:sldId id="287" r:id="rId24"/>
+    <p:sldId id="289" r:id="rId25"/>
+    <p:sldId id="275" r:id="rId26"/>
+    <p:sldId id="276" r:id="rId27"/>
+    <p:sldId id="290" r:id="rId28"/>
+    <p:sldId id="291" r:id="rId29"/>
+    <p:sldId id="292" r:id="rId30"/>
+    <p:sldId id="293" r:id="rId31"/>
+    <p:sldId id="294" r:id="rId32"/>
+    <p:sldId id="295" r:id="rId33"/>
+    <p:sldId id="296" r:id="rId34"/>
+    <p:sldId id="297" r:id="rId35"/>
+    <p:sldId id="298" r:id="rId36"/>
+    <p:sldId id="299" r:id="rId37"/>
+    <p:sldId id="300" r:id="rId38"/>
+    <p:sldId id="277" r:id="rId39"/>
+    <p:sldId id="278" r:id="rId40"/>
+    <p:sldId id="279" r:id="rId41"/>
+    <p:sldId id="280" r:id="rId42"/>
+    <p:sldId id="281" r:id="rId43"/>
+    <p:sldId id="282" r:id="rId44"/>
+    <p:sldId id="302" r:id="rId45"/>
   </p:sldIdLst>
   <p:sldSz cx="12192000" cy="6858000"/>
   <p:notesSz cx="6858000" cy="9144000"/>
@@ -8729,7 +8728,7 @@
                   <a:schemeClr val="tx1"/>
                 </a:solidFill>
               </a:rPr>
-              <a:t>Após entrevistar e reunir com o Dr. Bernardo Esteves e a sua equipa de trabalho individualmente e em grupo, observar os métodos de trabalho e através de questionários, conseguimos melhor entender as necessidades da empresa e perceber que requisitos levantar para a Base de Dados. </a:t>
+              <a:t>Após documentar, entrevistar e reunir com o Dr. Bernardo Esteves e a sua equipa de trabalho individualmente e em grupo, observar os métodos de trabalho e através de inquéritos, conseguimos melhor entender as necessidades da empresa e perceber que requisitos levantar para a Base de Dados. </a:t>
             </a:r>
           </a:p>
           <a:p>
@@ -8872,690 +8871,40 @@
           <a:chExt cx="0" cy="0"/>
         </a:xfrm>
       </p:grpSpPr>
-      <p:sp>
-        <p:nvSpPr>
-          <p:cNvPr id="2" name="Título 1">
+      <p:pic>
+        <p:nvPicPr>
+          <p:cNvPr id="5" name="Imagem 4">
             <a:extLst>
               <a:ext uri="{FF2B5EF4-FFF2-40B4-BE49-F238E27FC236}">
-                <a16:creationId xmlns:a16="http://schemas.microsoft.com/office/drawing/2014/main" id="{6CB400D9-2848-70B9-B891-7C3B5522CD93}"/>
+                <a16:creationId xmlns:a16="http://schemas.microsoft.com/office/drawing/2014/main" id="{F106C30A-C4C8-1334-C50B-FC278E644665}"/>
               </a:ext>
             </a:extLst>
           </p:cNvPr>
-          <p:cNvSpPr>
-            <a:spLocks noGrp="1"/>
-          </p:cNvSpPr>
-          <p:nvPr>
-            <p:ph type="title"/>
-          </p:nvPr>
-        </p:nvSpPr>
-        <p:spPr/>
-        <p:txBody>
-          <a:bodyPr/>
-          <a:lstStyle/>
-          <a:p>
-            <a:r>
-              <a:rPr lang="pt-PT" dirty="0"/>
-              <a:t>Requisitos de descrição</a:t>
-            </a:r>
-          </a:p>
-        </p:txBody>
-      </p:sp>
-      <p:sp>
-        <p:nvSpPr>
-          <p:cNvPr id="3" name="Marcador de Posição de Conteúdo 2">
-            <a:extLst>
-              <a:ext uri="{FF2B5EF4-FFF2-40B4-BE49-F238E27FC236}">
-                <a16:creationId xmlns:a16="http://schemas.microsoft.com/office/drawing/2014/main" id="{C66EE6BC-765D-78E6-D392-55BEC1D6687E}"/>
-              </a:ext>
-            </a:extLst>
-          </p:cNvPr>
-          <p:cNvSpPr>
-            <a:spLocks noGrp="1"/>
-          </p:cNvSpPr>
-          <p:nvPr>
-            <p:ph idx="1"/>
-          </p:nvPr>
-        </p:nvSpPr>
-        <p:spPr/>
-        <p:txBody>
-          <a:bodyPr/>
-          <a:lstStyle/>
-          <a:p>
-            <a:r>
-              <a:rPr lang="pt-PT" b="0" i="0" u="none" strike="noStrike" dirty="0">
-                <a:solidFill>
-                  <a:srgbClr val="000000"/>
-                </a:solidFill>
-                <a:effectLst/>
-                <a:latin typeface="Arial" panose="020B0604020202020204" pitchFamily="34" charset="0"/>
-              </a:rPr>
-              <a:t>Uma </a:t>
-            </a:r>
-            <a:r>
-              <a:rPr lang="pt-PT" b="1" i="0" u="none" strike="noStrike" dirty="0">
-                <a:solidFill>
-                  <a:srgbClr val="000000"/>
-                </a:solidFill>
-                <a:effectLst/>
-                <a:latin typeface=" Arial'"/>
-              </a:rPr>
-              <a:t>Encomenda</a:t>
-            </a:r>
-            <a:r>
-              <a:rPr lang="pt-PT" b="0" i="0" u="none" strike="noStrike" dirty="0">
-                <a:solidFill>
-                  <a:srgbClr val="000000"/>
-                </a:solidFill>
-                <a:effectLst/>
-                <a:latin typeface="Arial" panose="020B0604020202020204" pitchFamily="34" charset="0"/>
-              </a:rPr>
-              <a:t> é constituída por ID (</a:t>
-            </a:r>
-            <a:r>
-              <a:rPr lang="pt-PT" b="0" i="0" u="none" strike="noStrike" dirty="0" err="1">
-                <a:solidFill>
-                  <a:srgbClr val="000000"/>
-                </a:solidFill>
-                <a:effectLst/>
-                <a:latin typeface="Arial" panose="020B0604020202020204" pitchFamily="34" charset="0"/>
-              </a:rPr>
-              <a:t>int</a:t>
-            </a:r>
-            <a:r>
-              <a:rPr lang="pt-PT" b="0" i="0" u="none" strike="noStrike" dirty="0">
-                <a:solidFill>
-                  <a:srgbClr val="000000"/>
-                </a:solidFill>
-                <a:effectLst/>
-                <a:latin typeface="Arial" panose="020B0604020202020204" pitchFamily="34" charset="0"/>
-              </a:rPr>
-              <a:t>, </a:t>
-            </a:r>
-            <a:r>
-              <a:rPr lang="pt-PT" b="0" i="0" u="none" strike="noStrike" dirty="0" err="1">
-                <a:solidFill>
-                  <a:srgbClr val="000000"/>
-                </a:solidFill>
-                <a:effectLst/>
-                <a:latin typeface="Arial" panose="020B0604020202020204" pitchFamily="34" charset="0"/>
-              </a:rPr>
-              <a:t>primary</a:t>
-            </a:r>
-            <a:r>
-              <a:rPr lang="pt-PT" b="0" i="0" u="none" strike="noStrike" dirty="0">
-                <a:solidFill>
-                  <a:srgbClr val="000000"/>
-                </a:solidFill>
-                <a:effectLst/>
-                <a:latin typeface="Arial" panose="020B0604020202020204" pitchFamily="34" charset="0"/>
-              </a:rPr>
-              <a:t> </a:t>
-            </a:r>
-            <a:r>
-              <a:rPr lang="pt-PT" b="0" i="0" u="none" strike="noStrike" dirty="0" err="1">
-                <a:solidFill>
-                  <a:srgbClr val="000000"/>
-                </a:solidFill>
-                <a:effectLst/>
-                <a:latin typeface="Arial" panose="020B0604020202020204" pitchFamily="34" charset="0"/>
-              </a:rPr>
-              <a:t>key</a:t>
-            </a:r>
-            <a:r>
-              <a:rPr lang="pt-PT" b="0" i="0" u="none" strike="noStrike" dirty="0">
-                <a:solidFill>
-                  <a:srgbClr val="000000"/>
-                </a:solidFill>
-                <a:effectLst/>
-                <a:latin typeface="Arial" panose="020B0604020202020204" pitchFamily="34" charset="0"/>
-              </a:rPr>
-              <a:t>), Cliente (entidade),um ou mais endereços(entidade), um Item ou mais (entidade), Estado de Pagamento (</a:t>
-            </a:r>
-            <a:r>
-              <a:rPr lang="pt-PT" b="0" i="0" u="none" strike="noStrike" dirty="0" err="1">
-                <a:solidFill>
-                  <a:srgbClr val="000000"/>
-                </a:solidFill>
-                <a:effectLst/>
-                <a:latin typeface="Arial" panose="020B0604020202020204" pitchFamily="34" charset="0"/>
-              </a:rPr>
-              <a:t>bool</a:t>
-            </a:r>
-            <a:r>
-              <a:rPr lang="pt-PT" b="0" i="0" u="none" strike="noStrike" dirty="0">
-                <a:solidFill>
-                  <a:srgbClr val="000000"/>
-                </a:solidFill>
-                <a:effectLst/>
-                <a:latin typeface="Arial" panose="020B0604020202020204" pitchFamily="34" charset="0"/>
-              </a:rPr>
-              <a:t>), Data de Registo (</a:t>
-            </a:r>
-            <a:r>
-              <a:rPr lang="pt-PT" b="0" i="0" u="none" strike="noStrike" dirty="0" err="1">
-                <a:solidFill>
-                  <a:srgbClr val="000000"/>
-                </a:solidFill>
-                <a:effectLst/>
-                <a:latin typeface="Arial" panose="020B0604020202020204" pitchFamily="34" charset="0"/>
-              </a:rPr>
-              <a:t>DateTime</a:t>
-            </a:r>
-            <a:r>
-              <a:rPr lang="pt-PT" b="0" i="0" u="none" strike="noStrike" dirty="0">
-                <a:solidFill>
-                  <a:srgbClr val="000000"/>
-                </a:solidFill>
-                <a:effectLst/>
-                <a:latin typeface="Arial" panose="020B0604020202020204" pitchFamily="34" charset="0"/>
-              </a:rPr>
-              <a:t>), Prioridade(</a:t>
-            </a:r>
-            <a:r>
-              <a:rPr lang="pt-PT" b="0" i="0" u="none" strike="noStrike" dirty="0" err="1">
-                <a:solidFill>
-                  <a:srgbClr val="000000"/>
-                </a:solidFill>
-                <a:effectLst/>
-                <a:latin typeface="Arial" panose="020B0604020202020204" pitchFamily="34" charset="0"/>
-              </a:rPr>
-              <a:t>Int</a:t>
-            </a:r>
-            <a:r>
-              <a:rPr lang="pt-PT" b="0" i="0" u="none" strike="noStrike" dirty="0">
-                <a:solidFill>
-                  <a:srgbClr val="000000"/>
-                </a:solidFill>
-                <a:effectLst/>
-                <a:latin typeface="Arial" panose="020B0604020202020204" pitchFamily="34" charset="0"/>
-              </a:rPr>
-              <a:t>), Estado de Entrega (</a:t>
-            </a:r>
-            <a:r>
-              <a:rPr lang="pt-PT" b="0" i="0" u="none" strike="noStrike" dirty="0" err="1">
-                <a:solidFill>
-                  <a:srgbClr val="000000"/>
-                </a:solidFill>
-                <a:effectLst/>
-                <a:latin typeface="Arial" panose="020B0604020202020204" pitchFamily="34" charset="0"/>
-              </a:rPr>
-              <a:t>bool</a:t>
-            </a:r>
-            <a:r>
-              <a:rPr lang="pt-PT" b="0" i="0" u="none" strike="noStrike" dirty="0">
-                <a:solidFill>
-                  <a:srgbClr val="000000"/>
-                </a:solidFill>
-                <a:effectLst/>
-                <a:latin typeface="Arial" panose="020B0604020202020204" pitchFamily="34" charset="0"/>
-              </a:rPr>
-              <a:t>), Estado de Validação Médica (</a:t>
-            </a:r>
-            <a:r>
-              <a:rPr lang="pt-PT" b="0" i="0" u="none" strike="noStrike" dirty="0" err="1">
-                <a:solidFill>
-                  <a:srgbClr val="000000"/>
-                </a:solidFill>
-                <a:effectLst/>
-                <a:latin typeface="Arial" panose="020B0604020202020204" pitchFamily="34" charset="0"/>
-              </a:rPr>
-              <a:t>bool</a:t>
-            </a:r>
-            <a:r>
-              <a:rPr lang="pt-PT" b="0" i="0" u="none" strike="noStrike" dirty="0">
-                <a:solidFill>
-                  <a:srgbClr val="000000"/>
-                </a:solidFill>
-                <a:effectLst/>
-                <a:latin typeface="Arial" panose="020B0604020202020204" pitchFamily="34" charset="0"/>
-              </a:rPr>
-              <a:t>, opcional), Custo da entrega(</a:t>
-            </a:r>
-            <a:r>
-              <a:rPr lang="pt-PT" b="0" i="0" u="none" strike="noStrike" dirty="0" err="1">
-                <a:solidFill>
-                  <a:srgbClr val="000000"/>
-                </a:solidFill>
-                <a:effectLst/>
-                <a:latin typeface="Arial" panose="020B0604020202020204" pitchFamily="34" charset="0"/>
-              </a:rPr>
-              <a:t>Double</a:t>
-            </a:r>
-            <a:r>
-              <a:rPr lang="pt-PT" b="0" i="0" u="none" strike="noStrike" dirty="0">
-                <a:solidFill>
-                  <a:srgbClr val="000000"/>
-                </a:solidFill>
-                <a:effectLst/>
-                <a:latin typeface="Arial" panose="020B0604020202020204" pitchFamily="34" charset="0"/>
-              </a:rPr>
-              <a:t>).</a:t>
-            </a:r>
-          </a:p>
-          <a:p>
-            <a:r>
-              <a:rPr lang="pt-PT" b="0" i="0" u="none" strike="noStrike" dirty="0">
-                <a:solidFill>
-                  <a:srgbClr val="000000"/>
-                </a:solidFill>
-                <a:effectLst/>
-                <a:latin typeface="Arial" panose="020B0604020202020204" pitchFamily="34" charset="0"/>
-              </a:rPr>
-              <a:t>Um </a:t>
-            </a:r>
-            <a:r>
-              <a:rPr lang="pt-PT" b="1" i="0" u="none" strike="noStrike" dirty="0">
-                <a:solidFill>
-                  <a:srgbClr val="000000"/>
-                </a:solidFill>
-                <a:effectLst/>
-                <a:latin typeface=" Arial'"/>
-              </a:rPr>
-              <a:t>Cliente </a:t>
-            </a:r>
-            <a:r>
-              <a:rPr lang="pt-PT" b="0" i="0" u="none" strike="noStrike" dirty="0">
-                <a:solidFill>
-                  <a:srgbClr val="000000"/>
-                </a:solidFill>
-                <a:effectLst/>
-                <a:latin typeface="Arial" panose="020B0604020202020204" pitchFamily="34" charset="0"/>
-              </a:rPr>
-              <a:t>é constituído por ID (</a:t>
-            </a:r>
-            <a:r>
-              <a:rPr lang="pt-PT" b="0" i="0" u="none" strike="noStrike" dirty="0" err="1">
-                <a:solidFill>
-                  <a:srgbClr val="000000"/>
-                </a:solidFill>
-                <a:effectLst/>
-                <a:latin typeface="Arial" panose="020B0604020202020204" pitchFamily="34" charset="0"/>
-              </a:rPr>
-              <a:t>int</a:t>
-            </a:r>
-            <a:r>
-              <a:rPr lang="pt-PT" b="0" i="0" u="none" strike="noStrike" dirty="0">
-                <a:solidFill>
-                  <a:srgbClr val="000000"/>
-                </a:solidFill>
-                <a:effectLst/>
-                <a:latin typeface="Arial" panose="020B0604020202020204" pitchFamily="34" charset="0"/>
-              </a:rPr>
-              <a:t>, </a:t>
-            </a:r>
-            <a:r>
-              <a:rPr lang="pt-PT" b="0" i="0" u="none" strike="noStrike" dirty="0" err="1">
-                <a:solidFill>
-                  <a:srgbClr val="000000"/>
-                </a:solidFill>
-                <a:effectLst/>
-                <a:latin typeface="Arial" panose="020B0604020202020204" pitchFamily="34" charset="0"/>
-              </a:rPr>
-              <a:t>primary</a:t>
-            </a:r>
-            <a:r>
-              <a:rPr lang="pt-PT" b="0" i="0" u="none" strike="noStrike" dirty="0">
-                <a:solidFill>
-                  <a:srgbClr val="000000"/>
-                </a:solidFill>
-                <a:effectLst/>
-                <a:latin typeface="Arial" panose="020B0604020202020204" pitchFamily="34" charset="0"/>
-              </a:rPr>
-              <a:t> </a:t>
-            </a:r>
-            <a:r>
-              <a:rPr lang="pt-PT" b="0" i="0" u="none" strike="noStrike" dirty="0" err="1">
-                <a:solidFill>
-                  <a:srgbClr val="000000"/>
-                </a:solidFill>
-                <a:effectLst/>
-                <a:latin typeface="Arial" panose="020B0604020202020204" pitchFamily="34" charset="0"/>
-              </a:rPr>
-              <a:t>key</a:t>
-            </a:r>
-            <a:r>
-              <a:rPr lang="pt-PT" b="0" i="0" u="none" strike="noStrike" dirty="0">
-                <a:solidFill>
-                  <a:srgbClr val="000000"/>
-                </a:solidFill>
-                <a:effectLst/>
-                <a:latin typeface="Arial" panose="020B0604020202020204" pitchFamily="34" charset="0"/>
-              </a:rPr>
-              <a:t>), Nome (</a:t>
-            </a:r>
-            <a:r>
-              <a:rPr lang="pt-PT" b="0" i="0" u="none" strike="noStrike" dirty="0" err="1">
-                <a:solidFill>
-                  <a:srgbClr val="000000"/>
-                </a:solidFill>
-                <a:effectLst/>
-                <a:latin typeface="Arial" panose="020B0604020202020204" pitchFamily="34" charset="0"/>
-              </a:rPr>
-              <a:t>string</a:t>
-            </a:r>
-            <a:r>
-              <a:rPr lang="pt-PT" b="0" i="0" u="none" strike="noStrike" dirty="0">
-                <a:solidFill>
-                  <a:srgbClr val="000000"/>
-                </a:solidFill>
-                <a:effectLst/>
-                <a:latin typeface="Arial" panose="020B0604020202020204" pitchFamily="34" charset="0"/>
-              </a:rPr>
-              <a:t>), NIF (</a:t>
-            </a:r>
-            <a:r>
-              <a:rPr lang="pt-PT" b="0" i="0" u="none" strike="noStrike" dirty="0" err="1">
-                <a:solidFill>
-                  <a:srgbClr val="000000"/>
-                </a:solidFill>
-                <a:effectLst/>
-                <a:latin typeface="Arial" panose="020B0604020202020204" pitchFamily="34" charset="0"/>
-              </a:rPr>
-              <a:t>String</a:t>
-            </a:r>
-            <a:r>
-              <a:rPr lang="pt-PT" b="0" i="0" u="none" strike="noStrike" dirty="0">
-                <a:solidFill>
-                  <a:srgbClr val="000000"/>
-                </a:solidFill>
-                <a:effectLst/>
-                <a:latin typeface="Arial" panose="020B0604020202020204" pitchFamily="34" charset="0"/>
-              </a:rPr>
-              <a:t> 9), um ou mais </a:t>
-            </a:r>
-            <a:r>
-              <a:rPr lang="pt-PT" b="0" i="0" u="none" strike="noStrike" dirty="0" err="1">
-                <a:solidFill>
-                  <a:srgbClr val="000000"/>
-                </a:solidFill>
-                <a:effectLst/>
-                <a:latin typeface="Arial" panose="020B0604020202020204" pitchFamily="34" charset="0"/>
-              </a:rPr>
-              <a:t>enderços</a:t>
-            </a:r>
-            <a:r>
-              <a:rPr lang="pt-PT" b="0" i="0" u="none" strike="noStrike" dirty="0">
-                <a:solidFill>
-                  <a:srgbClr val="000000"/>
-                </a:solidFill>
-                <a:effectLst/>
-                <a:latin typeface="Arial" panose="020B0604020202020204" pitchFamily="34" charset="0"/>
-              </a:rPr>
-              <a:t>(entidade), contactos (número de telemóvel, </a:t>
-            </a:r>
-            <a:r>
-              <a:rPr lang="pt-PT" b="0" i="0" u="none" strike="noStrike" dirty="0" err="1">
-                <a:solidFill>
-                  <a:srgbClr val="000000"/>
-                </a:solidFill>
-                <a:effectLst/>
-                <a:latin typeface="Arial" panose="020B0604020202020204" pitchFamily="34" charset="0"/>
-              </a:rPr>
-              <a:t>email,numero</a:t>
-            </a:r>
-            <a:r>
-              <a:rPr lang="pt-PT" b="0" i="0" u="none" strike="noStrike" dirty="0">
-                <a:solidFill>
-                  <a:srgbClr val="000000"/>
-                </a:solidFill>
-                <a:effectLst/>
-                <a:latin typeface="Arial" panose="020B0604020202020204" pitchFamily="34" charset="0"/>
-              </a:rPr>
-              <a:t> telefone), uma Encomenda ou mais (entidade), Género(</a:t>
-            </a:r>
-            <a:r>
-              <a:rPr lang="pt-PT" b="0" i="0" u="none" strike="noStrike" dirty="0" err="1">
-                <a:solidFill>
-                  <a:srgbClr val="000000"/>
-                </a:solidFill>
-                <a:effectLst/>
-                <a:latin typeface="Arial" panose="020B0604020202020204" pitchFamily="34" charset="0"/>
-              </a:rPr>
-              <a:t>String,opcional</a:t>
-            </a:r>
-            <a:r>
-              <a:rPr lang="pt-PT" b="0" i="0" u="none" strike="noStrike" dirty="0">
-                <a:solidFill>
-                  <a:srgbClr val="000000"/>
-                </a:solidFill>
-                <a:effectLst/>
-                <a:latin typeface="Arial" panose="020B0604020202020204" pitchFamily="34" charset="0"/>
-              </a:rPr>
-              <a:t>), Data Nascimento(</a:t>
-            </a:r>
-            <a:r>
-              <a:rPr lang="pt-PT" b="0" i="0" u="none" strike="noStrike" dirty="0" err="1">
-                <a:solidFill>
-                  <a:srgbClr val="000000"/>
-                </a:solidFill>
-                <a:effectLst/>
-                <a:latin typeface="Arial" panose="020B0604020202020204" pitchFamily="34" charset="0"/>
-              </a:rPr>
-              <a:t>Date,opcional</a:t>
-            </a:r>
-            <a:r>
-              <a:rPr lang="pt-PT" b="0" i="0" u="none" strike="noStrike" dirty="0">
-                <a:solidFill>
-                  <a:srgbClr val="000000"/>
-                </a:solidFill>
-                <a:effectLst/>
-                <a:latin typeface="Arial" panose="020B0604020202020204" pitchFamily="34" charset="0"/>
-              </a:rPr>
-              <a:t>), e premium(</a:t>
-            </a:r>
-            <a:r>
-              <a:rPr lang="pt-PT" b="0" i="0" u="none" strike="noStrike" dirty="0" err="1">
-                <a:solidFill>
-                  <a:srgbClr val="000000"/>
-                </a:solidFill>
-                <a:effectLst/>
-                <a:latin typeface="Arial" panose="020B0604020202020204" pitchFamily="34" charset="0"/>
-              </a:rPr>
-              <a:t>bool</a:t>
-            </a:r>
-            <a:r>
-              <a:rPr lang="pt-PT" b="0" i="0" u="none" strike="noStrike" dirty="0">
-                <a:solidFill>
-                  <a:srgbClr val="000000"/>
-                </a:solidFill>
-                <a:effectLst/>
-                <a:latin typeface="Arial" panose="020B0604020202020204" pitchFamily="34" charset="0"/>
-              </a:rPr>
-              <a:t>)</a:t>
-            </a:r>
-            <a:endParaRPr lang="pt-PT" dirty="0">
-              <a:solidFill>
-                <a:srgbClr val="000000"/>
-              </a:solidFill>
-              <a:latin typeface="Arial" panose="020B0604020202020204" pitchFamily="34" charset="0"/>
-            </a:endParaRPr>
-          </a:p>
-          <a:p>
-            <a:r>
-              <a:rPr lang="pt-PT" b="0" i="0" u="none" strike="noStrike" dirty="0">
-                <a:solidFill>
-                  <a:srgbClr val="000000"/>
-                </a:solidFill>
-                <a:effectLst/>
-                <a:latin typeface="Arial" panose="020B0604020202020204" pitchFamily="34" charset="0"/>
-              </a:rPr>
-              <a:t>Um </a:t>
-            </a:r>
-            <a:r>
-              <a:rPr lang="pt-PT" b="1" i="0" u="none" strike="noStrike" dirty="0">
-                <a:solidFill>
-                  <a:srgbClr val="000000"/>
-                </a:solidFill>
-                <a:effectLst/>
-                <a:latin typeface=" Arial'"/>
-              </a:rPr>
-              <a:t>Item</a:t>
-            </a:r>
-            <a:r>
-              <a:rPr lang="pt-PT" b="0" i="0" u="none" strike="noStrike" dirty="0">
-                <a:solidFill>
-                  <a:srgbClr val="000000"/>
-                </a:solidFill>
-                <a:effectLst/>
-                <a:latin typeface="Arial" panose="020B0604020202020204" pitchFamily="34" charset="0"/>
-              </a:rPr>
-              <a:t> é </a:t>
-            </a:r>
-            <a:r>
-              <a:rPr lang="pt-PT" b="0" i="0" u="none" strike="noStrike" dirty="0" err="1">
-                <a:solidFill>
-                  <a:srgbClr val="000000"/>
-                </a:solidFill>
-                <a:effectLst/>
-                <a:latin typeface="Arial" panose="020B0604020202020204" pitchFamily="34" charset="0"/>
-              </a:rPr>
-              <a:t>contituido</a:t>
-            </a:r>
-            <a:r>
-              <a:rPr lang="pt-PT" b="0" i="0" u="none" strike="noStrike" dirty="0">
-                <a:solidFill>
-                  <a:srgbClr val="000000"/>
-                </a:solidFill>
-                <a:effectLst/>
-                <a:latin typeface="Arial" panose="020B0604020202020204" pitchFamily="34" charset="0"/>
-              </a:rPr>
-              <a:t> por um ID (</a:t>
-            </a:r>
-            <a:r>
-              <a:rPr lang="pt-PT" b="0" i="0" u="none" strike="noStrike" dirty="0" err="1">
-                <a:solidFill>
-                  <a:srgbClr val="000000"/>
-                </a:solidFill>
-                <a:effectLst/>
-                <a:latin typeface="Arial" panose="020B0604020202020204" pitchFamily="34" charset="0"/>
-              </a:rPr>
-              <a:t>int</a:t>
-            </a:r>
-            <a:r>
-              <a:rPr lang="pt-PT" b="0" i="0" u="none" strike="noStrike" dirty="0">
-                <a:solidFill>
-                  <a:srgbClr val="000000"/>
-                </a:solidFill>
-                <a:effectLst/>
-                <a:latin typeface="Arial" panose="020B0604020202020204" pitchFamily="34" charset="0"/>
-              </a:rPr>
-              <a:t>), um nome(</a:t>
-            </a:r>
-            <a:r>
-              <a:rPr lang="pt-PT" b="0" i="0" u="none" strike="noStrike" dirty="0" err="1">
-                <a:solidFill>
-                  <a:srgbClr val="000000"/>
-                </a:solidFill>
-                <a:effectLst/>
-                <a:latin typeface="Arial" panose="020B0604020202020204" pitchFamily="34" charset="0"/>
-              </a:rPr>
-              <a:t>string</a:t>
-            </a:r>
-            <a:r>
-              <a:rPr lang="pt-PT" b="0" i="0" u="none" strike="noStrike" dirty="0">
-                <a:solidFill>
-                  <a:srgbClr val="000000"/>
-                </a:solidFill>
-                <a:effectLst/>
-                <a:latin typeface="Arial" panose="020B0604020202020204" pitchFamily="34" charset="0"/>
-              </a:rPr>
-              <a:t>), um custo(</a:t>
-            </a:r>
-            <a:r>
-              <a:rPr lang="pt-PT" b="0" i="0" u="none" strike="noStrike" dirty="0" err="1">
-                <a:solidFill>
-                  <a:srgbClr val="000000"/>
-                </a:solidFill>
-                <a:effectLst/>
-                <a:latin typeface="Arial" panose="020B0604020202020204" pitchFamily="34" charset="0"/>
-              </a:rPr>
-              <a:t>double</a:t>
-            </a:r>
-            <a:r>
-              <a:rPr lang="pt-PT" b="0" i="0" u="none" strike="noStrike" dirty="0">
-                <a:solidFill>
-                  <a:srgbClr val="000000"/>
-                </a:solidFill>
-                <a:effectLst/>
-                <a:latin typeface="Arial" panose="020B0604020202020204" pitchFamily="34" charset="0"/>
-              </a:rPr>
-              <a:t>),uma comparticipação(</a:t>
-            </a:r>
-            <a:r>
-              <a:rPr lang="pt-PT" b="0" i="0" u="none" strike="noStrike" dirty="0" err="1">
-                <a:solidFill>
-                  <a:srgbClr val="000000"/>
-                </a:solidFill>
-                <a:effectLst/>
-                <a:latin typeface="Arial" panose="020B0604020202020204" pitchFamily="34" charset="0"/>
-              </a:rPr>
-              <a:t>double</a:t>
-            </a:r>
-            <a:r>
-              <a:rPr lang="pt-PT" b="0" i="0" u="none" strike="noStrike" dirty="0">
-                <a:solidFill>
-                  <a:srgbClr val="000000"/>
-                </a:solidFill>
-                <a:effectLst/>
-                <a:latin typeface="Arial" panose="020B0604020202020204" pitchFamily="34" charset="0"/>
-              </a:rPr>
-              <a:t>) e imposto(</a:t>
-            </a:r>
-            <a:r>
-              <a:rPr lang="pt-PT" b="0" i="0" u="none" strike="noStrike" dirty="0" err="1">
-                <a:solidFill>
-                  <a:srgbClr val="000000"/>
-                </a:solidFill>
-                <a:effectLst/>
-                <a:latin typeface="Arial" panose="020B0604020202020204" pitchFamily="34" charset="0"/>
-              </a:rPr>
-              <a:t>double</a:t>
-            </a:r>
-            <a:r>
-              <a:rPr lang="pt-PT" b="0" i="0" u="none" strike="noStrike" dirty="0">
-                <a:solidFill>
-                  <a:srgbClr val="000000"/>
-                </a:solidFill>
-                <a:effectLst/>
-                <a:latin typeface="Arial" panose="020B0604020202020204" pitchFamily="34" charset="0"/>
-              </a:rPr>
-              <a:t>), Tipo de Conservação(entidade), quantidade(</a:t>
-            </a:r>
-            <a:r>
-              <a:rPr lang="pt-PT" b="0" i="0" u="none" strike="noStrike" dirty="0" err="1">
-                <a:solidFill>
-                  <a:srgbClr val="000000"/>
-                </a:solidFill>
-                <a:effectLst/>
-                <a:latin typeface="Arial" panose="020B0604020202020204" pitchFamily="34" charset="0"/>
-              </a:rPr>
-              <a:t>int</a:t>
-            </a:r>
-            <a:r>
-              <a:rPr lang="pt-PT" b="0" i="0" u="none" strike="noStrike" dirty="0">
-                <a:solidFill>
-                  <a:srgbClr val="000000"/>
-                </a:solidFill>
-                <a:effectLst/>
-                <a:latin typeface="Arial" panose="020B0604020202020204" pitchFamily="34" charset="0"/>
-              </a:rPr>
-              <a:t>), descrição(descrição), e uma compra(entidade)</a:t>
-            </a:r>
-            <a:br>
-              <a:rPr lang="pt-PT" dirty="0"/>
-            </a:br>
-            <a:endParaRPr lang="pt-PT" dirty="0"/>
-          </a:p>
-          <a:p>
-            <a:pPr lvl="1"/>
-            <a:endParaRPr lang="pt-PT" dirty="0"/>
-          </a:p>
-        </p:txBody>
-      </p:sp>
+          <p:cNvPicPr>
+            <a:picLocks noChangeAspect="1"/>
+          </p:cNvPicPr>
+          <p:nvPr/>
+        </p:nvPicPr>
+        <p:blipFill>
+          <a:blip r:embed="rId2"/>
+          <a:stretch>
+            <a:fillRect/>
+          </a:stretch>
+        </p:blipFill>
+        <p:spPr>
+          <a:xfrm>
+            <a:off x="411519" y="1890944"/>
+            <a:ext cx="11528759" cy="4268853"/>
+          </a:xfrm>
+          <a:prstGeom prst="rect">
+            <a:avLst/>
+          </a:prstGeom>
+        </p:spPr>
+      </p:pic>
     </p:spTree>
     <p:extLst>
       <p:ext uri="{BB962C8B-B14F-4D97-AF65-F5344CB8AC3E}">
-        <p14:creationId xmlns:p14="http://schemas.microsoft.com/office/powerpoint/2010/main" val="4291849547"/>
+        <p14:creationId xmlns:p14="http://schemas.microsoft.com/office/powerpoint/2010/main" val="3069045878"/>
       </p:ext>
     </p:extLst>
   </p:cSld>
@@ -9582,582 +8931,40 @@
           <a:chExt cx="0" cy="0"/>
         </a:xfrm>
       </p:grpSpPr>
-      <p:sp>
-        <p:nvSpPr>
-          <p:cNvPr id="2" name="Título 1">
+      <p:pic>
+        <p:nvPicPr>
+          <p:cNvPr id="5" name="Imagem 4">
             <a:extLst>
               <a:ext uri="{FF2B5EF4-FFF2-40B4-BE49-F238E27FC236}">
-                <a16:creationId xmlns:a16="http://schemas.microsoft.com/office/drawing/2014/main" id="{6AEA5674-A42D-5137-E176-EF629610A5C5}"/>
+                <a16:creationId xmlns:a16="http://schemas.microsoft.com/office/drawing/2014/main" id="{AE28F1AF-EB55-6A17-DDE7-692183608F0C}"/>
               </a:ext>
             </a:extLst>
           </p:cNvPr>
-          <p:cNvSpPr>
-            <a:spLocks noGrp="1"/>
-          </p:cNvSpPr>
-          <p:nvPr>
-            <p:ph type="title"/>
-          </p:nvPr>
-        </p:nvSpPr>
-        <p:spPr/>
-        <p:txBody>
-          <a:bodyPr/>
-          <a:lstStyle/>
-          <a:p>
-            <a:endParaRPr lang="pt-PT"/>
-          </a:p>
-        </p:txBody>
-      </p:sp>
-      <p:sp>
-        <p:nvSpPr>
-          <p:cNvPr id="3" name="Marcador de Posição de Conteúdo 2">
-            <a:extLst>
-              <a:ext uri="{FF2B5EF4-FFF2-40B4-BE49-F238E27FC236}">
-                <a16:creationId xmlns:a16="http://schemas.microsoft.com/office/drawing/2014/main" id="{1BF2D407-A1F9-4675-3015-1CB751818871}"/>
-              </a:ext>
-            </a:extLst>
-          </p:cNvPr>
-          <p:cNvSpPr>
-            <a:spLocks noGrp="1"/>
-          </p:cNvSpPr>
-          <p:nvPr>
-            <p:ph idx="1"/>
-          </p:nvPr>
-        </p:nvSpPr>
-        <p:spPr/>
-        <p:txBody>
-          <a:bodyPr>
-            <a:normAutofit lnSpcReduction="10000"/>
-          </a:bodyPr>
-          <a:lstStyle/>
-          <a:p>
-            <a:r>
-              <a:rPr lang="pt-PT" b="0" i="0" u="none" strike="noStrike" dirty="0">
-                <a:solidFill>
-                  <a:srgbClr val="000000"/>
-                </a:solidFill>
-                <a:effectLst/>
-                <a:latin typeface="Arial" panose="020B0604020202020204" pitchFamily="34" charset="0"/>
-              </a:rPr>
-              <a:t>Um </a:t>
-            </a:r>
-            <a:r>
-              <a:rPr lang="pt-PT" b="1" i="0" u="none" strike="noStrike" dirty="0">
-                <a:solidFill>
-                  <a:srgbClr val="000000"/>
-                </a:solidFill>
-                <a:effectLst/>
-                <a:latin typeface=" Arial'"/>
-              </a:rPr>
-              <a:t>Funcionário</a:t>
-            </a:r>
-            <a:r>
-              <a:rPr lang="pt-PT" b="0" i="0" u="none" strike="noStrike" dirty="0">
-                <a:solidFill>
-                  <a:srgbClr val="000000"/>
-                </a:solidFill>
-                <a:effectLst/>
-                <a:latin typeface="Arial" panose="020B0604020202020204" pitchFamily="34" charset="0"/>
-              </a:rPr>
-              <a:t> é </a:t>
-            </a:r>
-            <a:r>
-              <a:rPr lang="pt-PT" b="0" i="0" u="none" strike="noStrike" dirty="0" err="1">
-                <a:solidFill>
-                  <a:srgbClr val="000000"/>
-                </a:solidFill>
-                <a:effectLst/>
-                <a:latin typeface="Arial" panose="020B0604020202020204" pitchFamily="34" charset="0"/>
-              </a:rPr>
-              <a:t>constituido</a:t>
-            </a:r>
-            <a:r>
-              <a:rPr lang="pt-PT" b="0" i="0" u="none" strike="noStrike" dirty="0">
-                <a:solidFill>
-                  <a:srgbClr val="000000"/>
-                </a:solidFill>
-                <a:effectLst/>
-                <a:latin typeface="Arial" panose="020B0604020202020204" pitchFamily="34" charset="0"/>
-              </a:rPr>
-              <a:t> por um ID(</a:t>
-            </a:r>
-            <a:r>
-              <a:rPr lang="pt-PT" b="0" i="0" u="none" strike="noStrike" dirty="0" err="1">
-                <a:solidFill>
-                  <a:srgbClr val="000000"/>
-                </a:solidFill>
-                <a:effectLst/>
-                <a:latin typeface="Arial" panose="020B0604020202020204" pitchFamily="34" charset="0"/>
-              </a:rPr>
-              <a:t>int</a:t>
-            </a:r>
-            <a:r>
-              <a:rPr lang="pt-PT" b="0" i="0" u="none" strike="noStrike" dirty="0">
-                <a:solidFill>
-                  <a:srgbClr val="000000"/>
-                </a:solidFill>
-                <a:effectLst/>
-                <a:latin typeface="Arial" panose="020B0604020202020204" pitchFamily="34" charset="0"/>
-              </a:rPr>
-              <a:t>), um nome(</a:t>
-            </a:r>
-            <a:r>
-              <a:rPr lang="pt-PT" b="0" i="0" u="none" strike="noStrike" dirty="0" err="1">
-                <a:solidFill>
-                  <a:srgbClr val="000000"/>
-                </a:solidFill>
-                <a:effectLst/>
-                <a:latin typeface="Arial" panose="020B0604020202020204" pitchFamily="34" charset="0"/>
-              </a:rPr>
-              <a:t>string</a:t>
-            </a:r>
-            <a:r>
-              <a:rPr lang="pt-PT" b="0" i="0" u="none" strike="noStrike" dirty="0">
-                <a:solidFill>
-                  <a:srgbClr val="000000"/>
-                </a:solidFill>
-                <a:effectLst/>
-                <a:latin typeface="Arial" panose="020B0604020202020204" pitchFamily="34" charset="0"/>
-              </a:rPr>
-              <a:t>), uma posição(</a:t>
-            </a:r>
-            <a:r>
-              <a:rPr lang="pt-PT" b="0" i="0" u="none" strike="noStrike" dirty="0" err="1">
-                <a:solidFill>
-                  <a:srgbClr val="000000"/>
-                </a:solidFill>
-                <a:effectLst/>
-                <a:latin typeface="Arial" panose="020B0604020202020204" pitchFamily="34" charset="0"/>
-              </a:rPr>
-              <a:t>string</a:t>
-            </a:r>
-            <a:r>
-              <a:rPr lang="pt-PT" b="0" i="0" u="none" strike="noStrike" dirty="0">
-                <a:solidFill>
-                  <a:srgbClr val="000000"/>
-                </a:solidFill>
-                <a:effectLst/>
-                <a:latin typeface="Arial" panose="020B0604020202020204" pitchFamily="34" charset="0"/>
-              </a:rPr>
-              <a:t>), uma data de entrada(</a:t>
-            </a:r>
-            <a:r>
-              <a:rPr lang="pt-PT" b="0" i="0" u="none" strike="noStrike" dirty="0" err="1">
-                <a:solidFill>
-                  <a:srgbClr val="000000"/>
-                </a:solidFill>
-                <a:effectLst/>
-                <a:latin typeface="Arial" panose="020B0604020202020204" pitchFamily="34" charset="0"/>
-              </a:rPr>
-              <a:t>string</a:t>
-            </a:r>
-            <a:r>
-              <a:rPr lang="pt-PT" b="0" i="0" u="none" strike="noStrike" dirty="0">
-                <a:solidFill>
-                  <a:srgbClr val="000000"/>
-                </a:solidFill>
-                <a:effectLst/>
-                <a:latin typeface="Arial" panose="020B0604020202020204" pitchFamily="34" charset="0"/>
-              </a:rPr>
-              <a:t>), e um salario(</a:t>
-            </a:r>
-            <a:r>
-              <a:rPr lang="pt-PT" b="0" i="0" u="none" strike="noStrike" dirty="0" err="1">
-                <a:solidFill>
-                  <a:srgbClr val="000000"/>
-                </a:solidFill>
-                <a:effectLst/>
-                <a:latin typeface="Arial" panose="020B0604020202020204" pitchFamily="34" charset="0"/>
-              </a:rPr>
-              <a:t>double</a:t>
-            </a:r>
-            <a:r>
-              <a:rPr lang="pt-PT" b="0" i="0" u="none" strike="noStrike" dirty="0">
-                <a:solidFill>
-                  <a:srgbClr val="000000"/>
-                </a:solidFill>
-                <a:effectLst/>
-                <a:latin typeface="Arial" panose="020B0604020202020204" pitchFamily="34" charset="0"/>
-              </a:rPr>
-              <a:t>), uma data de Nascimento(Date), Habilitação Automobilística (</a:t>
-            </a:r>
-            <a:r>
-              <a:rPr lang="pt-PT" b="0" i="0" u="none" strike="noStrike" dirty="0" err="1">
-                <a:solidFill>
-                  <a:srgbClr val="000000"/>
-                </a:solidFill>
-                <a:effectLst/>
-                <a:latin typeface="Arial" panose="020B0604020202020204" pitchFamily="34" charset="0"/>
-              </a:rPr>
-              <a:t>string</a:t>
-            </a:r>
-            <a:r>
-              <a:rPr lang="pt-PT" b="0" i="0" u="none" strike="noStrike" dirty="0">
-                <a:solidFill>
-                  <a:srgbClr val="000000"/>
-                </a:solidFill>
-                <a:effectLst/>
-                <a:latin typeface="Arial" panose="020B0604020202020204" pitchFamily="34" charset="0"/>
-              </a:rPr>
-              <a:t> 3,opcional), Data Expiração Habilitação(</a:t>
-            </a:r>
-            <a:r>
-              <a:rPr lang="pt-PT" b="0" i="0" u="none" strike="noStrike" dirty="0" err="1">
-                <a:solidFill>
-                  <a:srgbClr val="000000"/>
-                </a:solidFill>
-                <a:effectLst/>
-                <a:latin typeface="Arial" panose="020B0604020202020204" pitchFamily="34" charset="0"/>
-              </a:rPr>
-              <a:t>Date,opcional</a:t>
-            </a:r>
-            <a:r>
-              <a:rPr lang="pt-PT" b="0" i="0" u="none" strike="noStrike" dirty="0">
-                <a:solidFill>
-                  <a:srgbClr val="000000"/>
-                </a:solidFill>
-                <a:effectLst/>
-                <a:latin typeface="Arial" panose="020B0604020202020204" pitchFamily="34" charset="0"/>
-              </a:rPr>
-              <a:t>)., Nenhum ou mais percursos(entidade).</a:t>
-            </a:r>
-            <a:br>
-              <a:rPr lang="pt-PT" dirty="0"/>
-            </a:br>
-            <a:endParaRPr lang="pt-PT" dirty="0"/>
-          </a:p>
-          <a:p>
-            <a:r>
-              <a:rPr lang="pt-PT" b="0" i="0" u="none" strike="noStrike" dirty="0">
-                <a:solidFill>
-                  <a:srgbClr val="000000"/>
-                </a:solidFill>
-                <a:effectLst/>
-                <a:latin typeface="Arial" panose="020B0604020202020204" pitchFamily="34" charset="0"/>
-              </a:rPr>
-              <a:t>Um </a:t>
-            </a:r>
-            <a:r>
-              <a:rPr lang="pt-PT" b="1" i="0" u="none" strike="noStrike" dirty="0">
-                <a:solidFill>
-                  <a:srgbClr val="000000"/>
-                </a:solidFill>
-                <a:effectLst/>
-                <a:latin typeface=" Arial'"/>
-              </a:rPr>
-              <a:t>Percurso</a:t>
-            </a:r>
-            <a:r>
-              <a:rPr lang="pt-PT" b="0" i="0" u="none" strike="noStrike" dirty="0">
-                <a:solidFill>
-                  <a:srgbClr val="000000"/>
-                </a:solidFill>
-                <a:effectLst/>
-                <a:latin typeface="Arial" panose="020B0604020202020204" pitchFamily="34" charset="0"/>
-              </a:rPr>
-              <a:t> é constituído por uma Encomenda ou mais (entidade), um ou mais endereços(entidade), Hora de chegada(</a:t>
-            </a:r>
-            <a:r>
-              <a:rPr lang="pt-PT" b="0" i="0" u="none" strike="noStrike" dirty="0" err="1">
-                <a:solidFill>
-                  <a:srgbClr val="000000"/>
-                </a:solidFill>
-                <a:effectLst/>
-                <a:latin typeface="Arial" panose="020B0604020202020204" pitchFamily="34" charset="0"/>
-              </a:rPr>
-              <a:t>DateTime</a:t>
-            </a:r>
-            <a:r>
-              <a:rPr lang="pt-PT" b="0" i="0" u="none" strike="noStrike" dirty="0">
-                <a:solidFill>
-                  <a:srgbClr val="000000"/>
-                </a:solidFill>
-                <a:effectLst/>
-                <a:latin typeface="Arial" panose="020B0604020202020204" pitchFamily="34" charset="0"/>
-              </a:rPr>
-              <a:t>), hora de partida(</a:t>
-            </a:r>
-            <a:r>
-              <a:rPr lang="pt-PT" b="0" i="0" u="none" strike="noStrike" dirty="0" err="1">
-                <a:solidFill>
-                  <a:srgbClr val="000000"/>
-                </a:solidFill>
-                <a:effectLst/>
-                <a:latin typeface="Arial" panose="020B0604020202020204" pitchFamily="34" charset="0"/>
-              </a:rPr>
-              <a:t>DateTime</a:t>
-            </a:r>
-            <a:r>
-              <a:rPr lang="pt-PT" b="0" i="0" u="none" strike="noStrike" dirty="0">
-                <a:solidFill>
-                  <a:srgbClr val="000000"/>
-                </a:solidFill>
-                <a:effectLst/>
-                <a:latin typeface="Arial" panose="020B0604020202020204" pitchFamily="34" charset="0"/>
-              </a:rPr>
-              <a:t>),Distância total(</a:t>
-            </a:r>
-            <a:r>
-              <a:rPr lang="pt-PT" b="0" i="0" u="none" strike="noStrike" dirty="0" err="1">
-                <a:solidFill>
-                  <a:srgbClr val="000000"/>
-                </a:solidFill>
-                <a:effectLst/>
-                <a:latin typeface="Arial" panose="020B0604020202020204" pitchFamily="34" charset="0"/>
-              </a:rPr>
-              <a:t>Double</a:t>
-            </a:r>
-            <a:r>
-              <a:rPr lang="pt-PT" b="0" i="0" u="none" strike="noStrike" dirty="0">
-                <a:solidFill>
-                  <a:srgbClr val="000000"/>
-                </a:solidFill>
-                <a:effectLst/>
-                <a:latin typeface="Arial" panose="020B0604020202020204" pitchFamily="34" charset="0"/>
-              </a:rPr>
-              <a:t>), </a:t>
-            </a:r>
-            <a:r>
-              <a:rPr lang="pt-PT" b="0" i="0" u="none" strike="noStrike" dirty="0" err="1">
-                <a:solidFill>
-                  <a:srgbClr val="000000"/>
-                </a:solidFill>
-                <a:effectLst/>
-                <a:latin typeface="Arial" panose="020B0604020202020204" pitchFamily="34" charset="0"/>
-              </a:rPr>
-              <a:t>funcionario</a:t>
-            </a:r>
-            <a:r>
-              <a:rPr lang="pt-PT" b="0" i="0" u="none" strike="noStrike" dirty="0">
-                <a:solidFill>
-                  <a:srgbClr val="000000"/>
-                </a:solidFill>
-                <a:effectLst/>
-                <a:latin typeface="Arial" panose="020B0604020202020204" pitchFamily="34" charset="0"/>
-              </a:rPr>
-              <a:t>(entidade), Veiculo(entidade).</a:t>
-            </a:r>
-          </a:p>
-          <a:p>
-            <a:r>
-              <a:rPr lang="pt-PT" b="0" i="0" u="none" strike="noStrike" dirty="0">
-                <a:solidFill>
-                  <a:srgbClr val="000000"/>
-                </a:solidFill>
-                <a:effectLst/>
-                <a:latin typeface="Arial" panose="020B0604020202020204" pitchFamily="34" charset="0"/>
-              </a:rPr>
-              <a:t>Um </a:t>
-            </a:r>
-            <a:r>
-              <a:rPr lang="pt-PT" b="1" i="0" u="none" strike="noStrike" dirty="0">
-                <a:solidFill>
-                  <a:srgbClr val="000000"/>
-                </a:solidFill>
-                <a:effectLst/>
-                <a:latin typeface=" Arial'"/>
-              </a:rPr>
-              <a:t>Veículo </a:t>
-            </a:r>
-            <a:r>
-              <a:rPr lang="pt-PT" b="0" i="0" u="none" strike="noStrike" dirty="0">
-                <a:solidFill>
-                  <a:srgbClr val="000000"/>
-                </a:solidFill>
-                <a:effectLst/>
-                <a:latin typeface="Arial" panose="020B0604020202020204" pitchFamily="34" charset="0"/>
-              </a:rPr>
-              <a:t>é constituído por um Tipo de conservação (entidade), Data das Inspeções Passadas (date; 1 a n), Data da próxima Inspeção (date), Categoria de Automóvel (</a:t>
-            </a:r>
-            <a:r>
-              <a:rPr lang="pt-PT" b="0" i="0" u="none" strike="noStrike" dirty="0" err="1">
-                <a:solidFill>
-                  <a:srgbClr val="000000"/>
-                </a:solidFill>
-                <a:effectLst/>
-                <a:latin typeface="Arial" panose="020B0604020202020204" pitchFamily="34" charset="0"/>
-              </a:rPr>
-              <a:t>string</a:t>
-            </a:r>
-            <a:r>
-              <a:rPr lang="pt-PT" b="0" i="0" u="none" strike="noStrike" dirty="0">
-                <a:solidFill>
-                  <a:srgbClr val="000000"/>
-                </a:solidFill>
-                <a:effectLst/>
-                <a:latin typeface="Arial" panose="020B0604020202020204" pitchFamily="34" charset="0"/>
-              </a:rPr>
-              <a:t> 3), Combustível (</a:t>
-            </a:r>
-            <a:r>
-              <a:rPr lang="pt-PT" b="0" i="0" u="none" strike="noStrike" dirty="0" err="1">
-                <a:solidFill>
-                  <a:srgbClr val="000000"/>
-                </a:solidFill>
-                <a:effectLst/>
-                <a:latin typeface="Arial" panose="020B0604020202020204" pitchFamily="34" charset="0"/>
-              </a:rPr>
-              <a:t>int</a:t>
-            </a:r>
-            <a:r>
-              <a:rPr lang="pt-PT" b="0" i="0" u="none" strike="noStrike" dirty="0">
-                <a:solidFill>
-                  <a:srgbClr val="000000"/>
-                </a:solidFill>
-                <a:effectLst/>
-                <a:latin typeface="Arial" panose="020B0604020202020204" pitchFamily="34" charset="0"/>
-              </a:rPr>
-              <a:t>), estado operacional (</a:t>
-            </a:r>
-            <a:r>
-              <a:rPr lang="pt-PT" b="0" i="0" u="none" strike="noStrike" dirty="0" err="1">
-                <a:solidFill>
-                  <a:srgbClr val="000000"/>
-                </a:solidFill>
-                <a:effectLst/>
-                <a:latin typeface="Arial" panose="020B0604020202020204" pitchFamily="34" charset="0"/>
-              </a:rPr>
-              <a:t>bool</a:t>
-            </a:r>
-            <a:r>
-              <a:rPr lang="pt-PT" b="0" i="0" u="none" strike="noStrike" dirty="0">
-                <a:solidFill>
-                  <a:srgbClr val="000000"/>
-                </a:solidFill>
-                <a:effectLst/>
-                <a:latin typeface="Arial" panose="020B0604020202020204" pitchFamily="34" charset="0"/>
-              </a:rPr>
-              <a:t>), </a:t>
-            </a:r>
-            <a:r>
-              <a:rPr lang="pt-PT" b="0" i="0" u="none" strike="noStrike" dirty="0" err="1">
-                <a:solidFill>
-                  <a:srgbClr val="000000"/>
-                </a:solidFill>
-                <a:effectLst/>
-                <a:latin typeface="Arial" panose="020B0604020202020204" pitchFamily="34" charset="0"/>
-              </a:rPr>
-              <a:t>Kilometragem</a:t>
-            </a:r>
-            <a:r>
-              <a:rPr lang="pt-PT" b="0" i="0" u="none" strike="noStrike" dirty="0">
-                <a:solidFill>
-                  <a:srgbClr val="000000"/>
-                </a:solidFill>
-                <a:effectLst/>
-                <a:latin typeface="Arial" panose="020B0604020202020204" pitchFamily="34" charset="0"/>
-              </a:rPr>
-              <a:t> (</a:t>
-            </a:r>
-            <a:r>
-              <a:rPr lang="pt-PT" b="0" i="0" u="none" strike="noStrike" dirty="0" err="1">
-                <a:solidFill>
-                  <a:srgbClr val="000000"/>
-                </a:solidFill>
-                <a:effectLst/>
-                <a:latin typeface="Arial" panose="020B0604020202020204" pitchFamily="34" charset="0"/>
-              </a:rPr>
-              <a:t>Int</a:t>
-            </a:r>
-            <a:r>
-              <a:rPr lang="pt-PT" b="0" i="0" u="none" strike="noStrike" dirty="0">
-                <a:solidFill>
-                  <a:srgbClr val="000000"/>
-                </a:solidFill>
-                <a:effectLst/>
-                <a:latin typeface="Arial" panose="020B0604020202020204" pitchFamily="34" charset="0"/>
-              </a:rPr>
-              <a:t>), tipo de </a:t>
-            </a:r>
-            <a:r>
-              <a:rPr lang="pt-PT" b="0" i="0" u="none" strike="noStrike" dirty="0" err="1">
-                <a:solidFill>
-                  <a:srgbClr val="000000"/>
-                </a:solidFill>
-                <a:effectLst/>
-                <a:latin typeface="Arial" panose="020B0604020202020204" pitchFamily="34" charset="0"/>
-              </a:rPr>
-              <a:t>combustivel</a:t>
-            </a:r>
-            <a:r>
-              <a:rPr lang="pt-PT" b="0" i="0" u="none" strike="noStrike" dirty="0">
-                <a:solidFill>
-                  <a:srgbClr val="000000"/>
-                </a:solidFill>
-                <a:effectLst/>
-                <a:latin typeface="Arial" panose="020B0604020202020204" pitchFamily="34" charset="0"/>
-              </a:rPr>
-              <a:t>(</a:t>
-            </a:r>
-            <a:r>
-              <a:rPr lang="pt-PT" b="0" i="0" u="none" strike="noStrike" dirty="0" err="1">
-                <a:solidFill>
-                  <a:srgbClr val="000000"/>
-                </a:solidFill>
-                <a:effectLst/>
-                <a:latin typeface="Arial" panose="020B0604020202020204" pitchFamily="34" charset="0"/>
-              </a:rPr>
-              <a:t>string</a:t>
-            </a:r>
-            <a:r>
-              <a:rPr lang="pt-PT" b="0" i="0" u="none" strike="noStrike" dirty="0">
-                <a:solidFill>
-                  <a:srgbClr val="000000"/>
-                </a:solidFill>
-                <a:effectLst/>
-                <a:latin typeface="Arial" panose="020B0604020202020204" pitchFamily="34" charset="0"/>
-              </a:rPr>
-              <a:t>), IUC(</a:t>
-            </a:r>
-            <a:r>
-              <a:rPr lang="pt-PT" b="0" i="0" u="none" strike="noStrike" dirty="0" err="1">
-                <a:solidFill>
-                  <a:srgbClr val="000000"/>
-                </a:solidFill>
-                <a:effectLst/>
-                <a:latin typeface="Arial" panose="020B0604020202020204" pitchFamily="34" charset="0"/>
-              </a:rPr>
-              <a:t>Double</a:t>
-            </a:r>
-            <a:r>
-              <a:rPr lang="pt-PT" b="0" i="0" u="none" strike="noStrike" dirty="0">
-                <a:solidFill>
-                  <a:srgbClr val="000000"/>
-                </a:solidFill>
-                <a:effectLst/>
-                <a:latin typeface="Arial" panose="020B0604020202020204" pitchFamily="34" charset="0"/>
-              </a:rPr>
-              <a:t>) e Matricula(</a:t>
-            </a:r>
-            <a:r>
-              <a:rPr lang="pt-PT" b="0" i="0" u="none" strike="noStrike" dirty="0" err="1">
-                <a:solidFill>
-                  <a:srgbClr val="000000"/>
-                </a:solidFill>
-                <a:effectLst/>
-                <a:latin typeface="Arial" panose="020B0604020202020204" pitchFamily="34" charset="0"/>
-              </a:rPr>
-              <a:t>string</a:t>
-            </a:r>
-            <a:r>
-              <a:rPr lang="pt-PT" b="0" i="0" u="none" strike="noStrike" dirty="0">
-                <a:solidFill>
-                  <a:srgbClr val="000000"/>
-                </a:solidFill>
-                <a:effectLst/>
-                <a:latin typeface="Arial" panose="020B0604020202020204" pitchFamily="34" charset="0"/>
-              </a:rPr>
-              <a:t>)</a:t>
-            </a:r>
-          </a:p>
-          <a:p>
-            <a:endParaRPr lang="pt-PT" dirty="0"/>
-          </a:p>
-        </p:txBody>
-      </p:sp>
+          <p:cNvPicPr>
+            <a:picLocks noChangeAspect="1"/>
+          </p:cNvPicPr>
+          <p:nvPr/>
+        </p:nvPicPr>
+        <p:blipFill>
+          <a:blip r:embed="rId2"/>
+          <a:stretch>
+            <a:fillRect/>
+          </a:stretch>
+        </p:blipFill>
+        <p:spPr>
+          <a:xfrm>
+            <a:off x="99134" y="1957568"/>
+            <a:ext cx="11993732" cy="3916622"/>
+          </a:xfrm>
+          <a:prstGeom prst="rect">
+            <a:avLst/>
+          </a:prstGeom>
+        </p:spPr>
+      </p:pic>
     </p:spTree>
     <p:extLst>
       <p:ext uri="{BB962C8B-B14F-4D97-AF65-F5344CB8AC3E}">
-        <p14:creationId xmlns:p14="http://schemas.microsoft.com/office/powerpoint/2010/main" val="3908186955"/>
+        <p14:creationId xmlns:p14="http://schemas.microsoft.com/office/powerpoint/2010/main" val="772681566"/>
       </p:ext>
     </p:extLst>
   </p:cSld>
@@ -10184,786 +8991,40 @@
           <a:chExt cx="0" cy="0"/>
         </a:xfrm>
       </p:grpSpPr>
-      <p:sp>
-        <p:nvSpPr>
-          <p:cNvPr id="2" name="Título 1">
+      <p:pic>
+        <p:nvPicPr>
+          <p:cNvPr id="5" name="Imagem 4">
             <a:extLst>
               <a:ext uri="{FF2B5EF4-FFF2-40B4-BE49-F238E27FC236}">
-                <a16:creationId xmlns:a16="http://schemas.microsoft.com/office/drawing/2014/main" id="{67B67244-4A3F-7DF1-183A-F4EC14FA1835}"/>
+                <a16:creationId xmlns:a16="http://schemas.microsoft.com/office/drawing/2014/main" id="{0DEBACB3-873C-B8B5-9395-8C99A962D6AB}"/>
               </a:ext>
             </a:extLst>
           </p:cNvPr>
-          <p:cNvSpPr>
-            <a:spLocks noGrp="1"/>
-          </p:cNvSpPr>
-          <p:nvPr>
-            <p:ph type="title"/>
-          </p:nvPr>
-        </p:nvSpPr>
-        <p:spPr/>
-        <p:txBody>
-          <a:bodyPr/>
-          <a:lstStyle/>
-          <a:p>
-            <a:endParaRPr lang="pt-PT"/>
-          </a:p>
-        </p:txBody>
-      </p:sp>
-      <p:sp>
-        <p:nvSpPr>
-          <p:cNvPr id="3" name="Marcador de Posição de Conteúdo 2">
-            <a:extLst>
-              <a:ext uri="{FF2B5EF4-FFF2-40B4-BE49-F238E27FC236}">
-                <a16:creationId xmlns:a16="http://schemas.microsoft.com/office/drawing/2014/main" id="{D22FEA7F-66D1-1462-475F-CA2FF31CC6CC}"/>
-              </a:ext>
-            </a:extLst>
-          </p:cNvPr>
-          <p:cNvSpPr>
-            <a:spLocks noGrp="1"/>
-          </p:cNvSpPr>
-          <p:nvPr>
-            <p:ph idx="1"/>
-          </p:nvPr>
-        </p:nvSpPr>
-        <p:spPr/>
-        <p:txBody>
-          <a:bodyPr>
-            <a:normAutofit fontScale="92500" lnSpcReduction="10000"/>
-          </a:bodyPr>
-          <a:lstStyle/>
-          <a:p>
-            <a:r>
-              <a:rPr lang="pt-PT" b="0" i="0" u="none" strike="noStrike" dirty="0">
-                <a:solidFill>
-                  <a:srgbClr val="000000"/>
-                </a:solidFill>
-                <a:effectLst/>
-                <a:latin typeface="Arial" panose="020B0604020202020204" pitchFamily="34" charset="0"/>
-              </a:rPr>
-              <a:t>Uma </a:t>
-            </a:r>
-            <a:r>
-              <a:rPr lang="pt-PT" b="1" i="0" u="none" strike="noStrike" dirty="0">
-                <a:solidFill>
-                  <a:srgbClr val="000000"/>
-                </a:solidFill>
-                <a:effectLst/>
-                <a:latin typeface=" Arial'"/>
-              </a:rPr>
-              <a:t>Compra </a:t>
-            </a:r>
-            <a:r>
-              <a:rPr lang="pt-PT" b="0" i="0" u="none" strike="noStrike" dirty="0">
-                <a:solidFill>
-                  <a:srgbClr val="000000"/>
-                </a:solidFill>
-                <a:effectLst/>
-                <a:latin typeface="Arial" panose="020B0604020202020204" pitchFamily="34" charset="0"/>
-              </a:rPr>
-              <a:t>é </a:t>
-            </a:r>
-            <a:r>
-              <a:rPr lang="pt-PT" b="0" i="0" u="none" strike="noStrike" dirty="0" err="1">
-                <a:solidFill>
-                  <a:srgbClr val="000000"/>
-                </a:solidFill>
-                <a:effectLst/>
-                <a:latin typeface="Arial" panose="020B0604020202020204" pitchFamily="34" charset="0"/>
-              </a:rPr>
-              <a:t>constituida</a:t>
-            </a:r>
-            <a:r>
-              <a:rPr lang="pt-PT" b="0" i="0" u="none" strike="noStrike" dirty="0">
-                <a:solidFill>
-                  <a:srgbClr val="000000"/>
-                </a:solidFill>
-                <a:effectLst/>
-                <a:latin typeface="Arial" panose="020B0604020202020204" pitchFamily="34" charset="0"/>
-              </a:rPr>
-              <a:t> por Data de entrega(</a:t>
-            </a:r>
-            <a:r>
-              <a:rPr lang="pt-PT" b="0" i="0" u="none" strike="noStrike" dirty="0" err="1">
-                <a:solidFill>
-                  <a:srgbClr val="000000"/>
-                </a:solidFill>
-                <a:effectLst/>
-                <a:latin typeface="Arial" panose="020B0604020202020204" pitchFamily="34" charset="0"/>
-              </a:rPr>
-              <a:t>DateTime</a:t>
-            </a:r>
-            <a:r>
-              <a:rPr lang="pt-PT" b="0" i="0" u="none" strike="noStrike" dirty="0">
-                <a:solidFill>
-                  <a:srgbClr val="000000"/>
-                </a:solidFill>
-                <a:effectLst/>
-                <a:latin typeface="Arial" panose="020B0604020202020204" pitchFamily="34" charset="0"/>
-              </a:rPr>
-              <a:t>), ID(</a:t>
-            </a:r>
-            <a:r>
-              <a:rPr lang="pt-PT" b="0" i="0" u="none" strike="noStrike" dirty="0" err="1">
-                <a:solidFill>
-                  <a:srgbClr val="000000"/>
-                </a:solidFill>
-                <a:effectLst/>
-                <a:latin typeface="Arial" panose="020B0604020202020204" pitchFamily="34" charset="0"/>
-              </a:rPr>
-              <a:t>int</a:t>
-            </a:r>
-            <a:r>
-              <a:rPr lang="pt-PT" b="0" i="0" u="none" strike="noStrike" dirty="0">
-                <a:solidFill>
-                  <a:srgbClr val="000000"/>
-                </a:solidFill>
-                <a:effectLst/>
-                <a:latin typeface="Arial" panose="020B0604020202020204" pitchFamily="34" charset="0"/>
-              </a:rPr>
-              <a:t>, </a:t>
-            </a:r>
-            <a:r>
-              <a:rPr lang="pt-PT" b="0" i="0" u="none" strike="noStrike" dirty="0" err="1">
-                <a:solidFill>
-                  <a:srgbClr val="000000"/>
-                </a:solidFill>
-                <a:effectLst/>
-                <a:latin typeface="Arial" panose="020B0604020202020204" pitchFamily="34" charset="0"/>
-              </a:rPr>
-              <a:t>primary</a:t>
-            </a:r>
-            <a:r>
-              <a:rPr lang="pt-PT" b="0" i="0" u="none" strike="noStrike" dirty="0">
-                <a:solidFill>
-                  <a:srgbClr val="000000"/>
-                </a:solidFill>
-                <a:effectLst/>
-                <a:latin typeface="Arial" panose="020B0604020202020204" pitchFamily="34" charset="0"/>
-              </a:rPr>
-              <a:t> </a:t>
-            </a:r>
-            <a:r>
-              <a:rPr lang="pt-PT" b="0" i="0" u="none" strike="noStrike" dirty="0" err="1">
-                <a:solidFill>
-                  <a:srgbClr val="000000"/>
-                </a:solidFill>
-                <a:effectLst/>
-                <a:latin typeface="Arial" panose="020B0604020202020204" pitchFamily="34" charset="0"/>
-              </a:rPr>
-              <a:t>key</a:t>
-            </a:r>
-            <a:r>
-              <a:rPr lang="pt-PT" b="0" i="0" u="none" strike="noStrike" dirty="0">
-                <a:solidFill>
-                  <a:srgbClr val="000000"/>
-                </a:solidFill>
-                <a:effectLst/>
-                <a:latin typeface="Arial" panose="020B0604020202020204" pitchFamily="34" charset="0"/>
-              </a:rPr>
-              <a:t>), Data emissão(</a:t>
-            </a:r>
-            <a:r>
-              <a:rPr lang="pt-PT" b="0" i="0" u="none" strike="noStrike" dirty="0" err="1">
-                <a:solidFill>
-                  <a:srgbClr val="000000"/>
-                </a:solidFill>
-                <a:effectLst/>
-                <a:latin typeface="Arial" panose="020B0604020202020204" pitchFamily="34" charset="0"/>
-              </a:rPr>
-              <a:t>DateTime</a:t>
-            </a:r>
-            <a:r>
-              <a:rPr lang="pt-PT" b="0" i="0" u="none" strike="noStrike" dirty="0">
-                <a:solidFill>
-                  <a:srgbClr val="000000"/>
-                </a:solidFill>
-                <a:effectLst/>
-                <a:latin typeface="Arial" panose="020B0604020202020204" pitchFamily="34" charset="0"/>
-              </a:rPr>
-              <a:t>), Custo(</a:t>
-            </a:r>
-            <a:r>
-              <a:rPr lang="pt-PT" b="0" i="0" u="none" strike="noStrike" dirty="0" err="1">
-                <a:solidFill>
-                  <a:srgbClr val="000000"/>
-                </a:solidFill>
-                <a:effectLst/>
-                <a:latin typeface="Arial" panose="020B0604020202020204" pitchFamily="34" charset="0"/>
-              </a:rPr>
-              <a:t>Double</a:t>
-            </a:r>
-            <a:r>
-              <a:rPr lang="pt-PT" b="0" i="0" u="none" strike="noStrike" dirty="0">
-                <a:solidFill>
-                  <a:srgbClr val="000000"/>
-                </a:solidFill>
-                <a:effectLst/>
-                <a:latin typeface="Arial" panose="020B0604020202020204" pitchFamily="34" charset="0"/>
-              </a:rPr>
-              <a:t>), um conjunto de </a:t>
-            </a:r>
-            <a:r>
-              <a:rPr lang="pt-PT" b="0" i="0" u="none" strike="noStrike" dirty="0" err="1">
-                <a:solidFill>
-                  <a:srgbClr val="000000"/>
-                </a:solidFill>
-                <a:effectLst/>
-                <a:latin typeface="Arial" panose="020B0604020202020204" pitchFamily="34" charset="0"/>
-              </a:rPr>
-              <a:t>Items</a:t>
-            </a:r>
-            <a:r>
-              <a:rPr lang="pt-PT" b="0" i="0" u="none" strike="noStrike" dirty="0">
-                <a:solidFill>
-                  <a:srgbClr val="000000"/>
-                </a:solidFill>
-                <a:effectLst/>
-                <a:latin typeface="Arial" panose="020B0604020202020204" pitchFamily="34" charset="0"/>
-              </a:rPr>
-              <a:t>(entidade), e um fornecedor(entidade)</a:t>
-            </a:r>
-            <a:br>
-              <a:rPr lang="pt-PT" dirty="0"/>
-            </a:br>
-            <a:endParaRPr lang="pt-PT" dirty="0"/>
-          </a:p>
-          <a:p>
-            <a:r>
-              <a:rPr lang="pt-PT" b="0" i="0" u="none" strike="noStrike" dirty="0">
-                <a:solidFill>
-                  <a:srgbClr val="000000"/>
-                </a:solidFill>
-                <a:effectLst/>
-                <a:latin typeface="Arial" panose="020B0604020202020204" pitchFamily="34" charset="0"/>
-              </a:rPr>
-              <a:t>Um </a:t>
-            </a:r>
-            <a:r>
-              <a:rPr lang="pt-PT" b="1" i="0" u="none" strike="noStrike" dirty="0">
-                <a:solidFill>
-                  <a:srgbClr val="000000"/>
-                </a:solidFill>
-                <a:effectLst/>
-                <a:latin typeface=" Arial'"/>
-              </a:rPr>
-              <a:t>Fornecedor </a:t>
-            </a:r>
-            <a:r>
-              <a:rPr lang="pt-PT" b="0" i="0" u="none" strike="noStrike" dirty="0">
-                <a:solidFill>
-                  <a:srgbClr val="000000"/>
-                </a:solidFill>
-                <a:effectLst/>
-                <a:latin typeface="Arial" panose="020B0604020202020204" pitchFamily="34" charset="0"/>
-              </a:rPr>
-              <a:t>é constituído por ID(</a:t>
-            </a:r>
-            <a:r>
-              <a:rPr lang="pt-PT" b="0" i="0" u="none" strike="noStrike" dirty="0" err="1">
-                <a:solidFill>
-                  <a:srgbClr val="000000"/>
-                </a:solidFill>
-                <a:effectLst/>
-                <a:latin typeface="Arial" panose="020B0604020202020204" pitchFamily="34" charset="0"/>
-              </a:rPr>
-              <a:t>int</a:t>
-            </a:r>
-            <a:r>
-              <a:rPr lang="pt-PT" b="0" i="0" u="none" strike="noStrike" dirty="0">
-                <a:solidFill>
-                  <a:srgbClr val="000000"/>
-                </a:solidFill>
-                <a:effectLst/>
-                <a:latin typeface="Arial" panose="020B0604020202020204" pitchFamily="34" charset="0"/>
-              </a:rPr>
-              <a:t>, </a:t>
-            </a:r>
-            <a:r>
-              <a:rPr lang="pt-PT" b="0" i="0" u="none" strike="noStrike" dirty="0" err="1">
-                <a:solidFill>
-                  <a:srgbClr val="000000"/>
-                </a:solidFill>
-                <a:effectLst/>
-                <a:latin typeface="Arial" panose="020B0604020202020204" pitchFamily="34" charset="0"/>
-              </a:rPr>
-              <a:t>primary</a:t>
-            </a:r>
-            <a:r>
-              <a:rPr lang="pt-PT" b="0" i="0" u="none" strike="noStrike" dirty="0">
-                <a:solidFill>
-                  <a:srgbClr val="000000"/>
-                </a:solidFill>
-                <a:effectLst/>
-                <a:latin typeface="Arial" panose="020B0604020202020204" pitchFamily="34" charset="0"/>
-              </a:rPr>
-              <a:t> </a:t>
-            </a:r>
-            <a:r>
-              <a:rPr lang="pt-PT" b="0" i="0" u="none" strike="noStrike" dirty="0" err="1">
-                <a:solidFill>
-                  <a:srgbClr val="000000"/>
-                </a:solidFill>
-                <a:effectLst/>
-                <a:latin typeface="Arial" panose="020B0604020202020204" pitchFamily="34" charset="0"/>
-              </a:rPr>
-              <a:t>key</a:t>
-            </a:r>
-            <a:r>
-              <a:rPr lang="pt-PT" b="0" i="0" u="none" strike="noStrike" dirty="0">
-                <a:solidFill>
-                  <a:srgbClr val="000000"/>
-                </a:solidFill>
-                <a:effectLst/>
-                <a:latin typeface="Arial" panose="020B0604020202020204" pitchFamily="34" charset="0"/>
-              </a:rPr>
-              <a:t>), designação(</a:t>
-            </a:r>
-            <a:r>
-              <a:rPr lang="pt-PT" b="0" i="0" u="none" strike="noStrike" dirty="0" err="1">
-                <a:solidFill>
-                  <a:srgbClr val="000000"/>
-                </a:solidFill>
-                <a:effectLst/>
-                <a:latin typeface="Arial" panose="020B0604020202020204" pitchFamily="34" charset="0"/>
-              </a:rPr>
-              <a:t>string</a:t>
-            </a:r>
-            <a:r>
-              <a:rPr lang="pt-PT" b="0" i="0" u="none" strike="noStrike" dirty="0">
-                <a:solidFill>
-                  <a:srgbClr val="000000"/>
-                </a:solidFill>
-                <a:effectLst/>
-                <a:latin typeface="Arial" panose="020B0604020202020204" pitchFamily="34" charset="0"/>
-              </a:rPr>
-              <a:t>), </a:t>
-            </a:r>
-            <a:r>
-              <a:rPr lang="pt-PT" b="0" i="0" u="none" strike="noStrike" dirty="0" err="1">
-                <a:solidFill>
-                  <a:srgbClr val="000000"/>
-                </a:solidFill>
-                <a:effectLst/>
-                <a:latin typeface="Arial" panose="020B0604020202020204" pitchFamily="34" charset="0"/>
-              </a:rPr>
-              <a:t>contribuite</a:t>
-            </a:r>
-            <a:r>
-              <a:rPr lang="pt-PT" b="0" i="0" u="none" strike="noStrike" dirty="0">
-                <a:solidFill>
-                  <a:srgbClr val="000000"/>
-                </a:solidFill>
-                <a:effectLst/>
-                <a:latin typeface="Arial" panose="020B0604020202020204" pitchFamily="34" charset="0"/>
-              </a:rPr>
-              <a:t>(</a:t>
-            </a:r>
-            <a:r>
-              <a:rPr lang="pt-PT" b="0" i="0" u="none" strike="noStrike" dirty="0" err="1">
-                <a:solidFill>
-                  <a:srgbClr val="000000"/>
-                </a:solidFill>
-                <a:effectLst/>
-                <a:latin typeface="Arial" panose="020B0604020202020204" pitchFamily="34" charset="0"/>
-              </a:rPr>
-              <a:t>string</a:t>
-            </a:r>
-            <a:r>
-              <a:rPr lang="pt-PT" b="0" i="0" u="none" strike="noStrike" dirty="0">
-                <a:solidFill>
-                  <a:srgbClr val="000000"/>
-                </a:solidFill>
-                <a:effectLst/>
-                <a:latin typeface="Arial" panose="020B0604020202020204" pitchFamily="34" charset="0"/>
-              </a:rPr>
-              <a:t>), contactos(email, número telefone), um ou mais endereços(entidade) e zero ou mais </a:t>
-            </a:r>
-            <a:r>
-              <a:rPr lang="pt-PT" b="0" i="0" u="none" strike="noStrike" dirty="0" err="1">
-                <a:solidFill>
-                  <a:srgbClr val="000000"/>
-                </a:solidFill>
-                <a:effectLst/>
-                <a:latin typeface="Arial" panose="020B0604020202020204" pitchFamily="34" charset="0"/>
-              </a:rPr>
-              <a:t>items</a:t>
-            </a:r>
-            <a:r>
-              <a:rPr lang="pt-PT" b="0" i="0" u="none" strike="noStrike" dirty="0">
-                <a:solidFill>
-                  <a:srgbClr val="000000"/>
-                </a:solidFill>
-                <a:effectLst/>
-                <a:latin typeface="Arial" panose="020B0604020202020204" pitchFamily="34" charset="0"/>
-              </a:rPr>
-              <a:t>(entidade)</a:t>
-            </a:r>
-            <a:br>
-              <a:rPr lang="pt-PT" dirty="0"/>
-            </a:br>
-            <a:endParaRPr lang="pt-PT" dirty="0"/>
-          </a:p>
-          <a:p>
-            <a:r>
-              <a:rPr lang="pt-PT" b="0" i="0" u="none" strike="noStrike" dirty="0">
-                <a:solidFill>
-                  <a:srgbClr val="000000"/>
-                </a:solidFill>
-                <a:effectLst/>
-                <a:latin typeface="Arial" panose="020B0604020202020204" pitchFamily="34" charset="0"/>
-              </a:rPr>
-              <a:t>Um </a:t>
-            </a:r>
-            <a:r>
-              <a:rPr lang="pt-PT" b="1" i="0" u="none" strike="noStrike" dirty="0">
-                <a:solidFill>
-                  <a:srgbClr val="000000"/>
-                </a:solidFill>
-                <a:effectLst/>
-                <a:latin typeface=" Arial'"/>
-              </a:rPr>
-              <a:t>Tipo de Conservação </a:t>
-            </a:r>
-            <a:r>
-              <a:rPr lang="pt-PT" b="0" i="0" u="none" strike="noStrike" dirty="0">
-                <a:solidFill>
-                  <a:srgbClr val="000000"/>
-                </a:solidFill>
-                <a:effectLst/>
-                <a:latin typeface="Arial" panose="020B0604020202020204" pitchFamily="34" charset="0"/>
-              </a:rPr>
-              <a:t>é </a:t>
-            </a:r>
-            <a:r>
-              <a:rPr lang="pt-PT" b="0" i="0" u="none" strike="noStrike" dirty="0" err="1">
-                <a:solidFill>
-                  <a:srgbClr val="000000"/>
-                </a:solidFill>
-                <a:effectLst/>
-                <a:latin typeface="Arial" panose="020B0604020202020204" pitchFamily="34" charset="0"/>
-              </a:rPr>
-              <a:t>costituido</a:t>
-            </a:r>
-            <a:r>
-              <a:rPr lang="pt-PT" b="0" i="0" u="none" strike="noStrike" dirty="0">
-                <a:solidFill>
-                  <a:srgbClr val="000000"/>
-                </a:solidFill>
-                <a:effectLst/>
-                <a:latin typeface="Arial" panose="020B0604020202020204" pitchFamily="34" charset="0"/>
-              </a:rPr>
-              <a:t> por um ID(</a:t>
-            </a:r>
-            <a:r>
-              <a:rPr lang="pt-PT" b="0" i="0" u="none" strike="noStrike" dirty="0" err="1">
-                <a:solidFill>
-                  <a:srgbClr val="000000"/>
-                </a:solidFill>
-                <a:effectLst/>
-                <a:latin typeface="Arial" panose="020B0604020202020204" pitchFamily="34" charset="0"/>
-              </a:rPr>
-              <a:t>int</a:t>
-            </a:r>
-            <a:r>
-              <a:rPr lang="pt-PT" b="0" i="0" u="none" strike="noStrike" dirty="0">
-                <a:solidFill>
-                  <a:srgbClr val="000000"/>
-                </a:solidFill>
-                <a:effectLst/>
-                <a:latin typeface="Arial" panose="020B0604020202020204" pitchFamily="34" charset="0"/>
-              </a:rPr>
-              <a:t>, </a:t>
-            </a:r>
-            <a:r>
-              <a:rPr lang="pt-PT" b="0" i="0" u="none" strike="noStrike" dirty="0" err="1">
-                <a:solidFill>
-                  <a:srgbClr val="000000"/>
-                </a:solidFill>
-                <a:effectLst/>
-                <a:latin typeface="Arial" panose="020B0604020202020204" pitchFamily="34" charset="0"/>
-              </a:rPr>
-              <a:t>primary</a:t>
-            </a:r>
-            <a:r>
-              <a:rPr lang="pt-PT" b="0" i="0" u="none" strike="noStrike" dirty="0">
-                <a:solidFill>
-                  <a:srgbClr val="000000"/>
-                </a:solidFill>
-                <a:effectLst/>
-                <a:latin typeface="Arial" panose="020B0604020202020204" pitchFamily="34" charset="0"/>
-              </a:rPr>
-              <a:t> </a:t>
-            </a:r>
-            <a:r>
-              <a:rPr lang="pt-PT" b="0" i="0" u="none" strike="noStrike" dirty="0" err="1">
-                <a:solidFill>
-                  <a:srgbClr val="000000"/>
-                </a:solidFill>
-                <a:effectLst/>
-                <a:latin typeface="Arial" panose="020B0604020202020204" pitchFamily="34" charset="0"/>
-              </a:rPr>
-              <a:t>key</a:t>
-            </a:r>
-            <a:r>
-              <a:rPr lang="pt-PT" b="0" i="0" u="none" strike="noStrike" dirty="0">
-                <a:solidFill>
-                  <a:srgbClr val="000000"/>
-                </a:solidFill>
-                <a:effectLst/>
-                <a:latin typeface="Arial" panose="020B0604020202020204" pitchFamily="34" charset="0"/>
-              </a:rPr>
-              <a:t>), um tipo(</a:t>
-            </a:r>
-            <a:r>
-              <a:rPr lang="pt-PT" b="0" i="0" u="none" strike="noStrike" dirty="0" err="1">
-                <a:solidFill>
-                  <a:srgbClr val="000000"/>
-                </a:solidFill>
-                <a:effectLst/>
-                <a:latin typeface="Arial" panose="020B0604020202020204" pitchFamily="34" charset="0"/>
-              </a:rPr>
-              <a:t>string</a:t>
-            </a:r>
-            <a:r>
-              <a:rPr lang="pt-PT" b="0" i="0" u="none" strike="noStrike" dirty="0">
-                <a:solidFill>
-                  <a:srgbClr val="000000"/>
-                </a:solidFill>
-                <a:effectLst/>
-                <a:latin typeface="Arial" panose="020B0604020202020204" pitchFamily="34" charset="0"/>
-              </a:rPr>
-              <a:t>), e uma descrição(</a:t>
-            </a:r>
-            <a:r>
-              <a:rPr lang="pt-PT" b="0" i="0" u="none" strike="noStrike" dirty="0" err="1">
-                <a:solidFill>
-                  <a:srgbClr val="000000"/>
-                </a:solidFill>
-                <a:effectLst/>
-                <a:latin typeface="Arial" panose="020B0604020202020204" pitchFamily="34" charset="0"/>
-              </a:rPr>
-              <a:t>string</a:t>
-            </a:r>
-            <a:r>
-              <a:rPr lang="pt-PT" b="0" i="0" u="none" strike="noStrike" dirty="0">
-                <a:solidFill>
-                  <a:srgbClr val="000000"/>
-                </a:solidFill>
-                <a:effectLst/>
-                <a:latin typeface="Arial" panose="020B0604020202020204" pitchFamily="34" charset="0"/>
-              </a:rPr>
-              <a:t>)</a:t>
-            </a:r>
-            <a:br>
-              <a:rPr lang="pt-PT" dirty="0"/>
-            </a:br>
-            <a:endParaRPr lang="pt-PT" dirty="0"/>
-          </a:p>
-          <a:p>
-            <a:r>
-              <a:rPr lang="pt-PT" b="0" i="0" u="none" strike="noStrike" dirty="0">
-                <a:solidFill>
-                  <a:srgbClr val="000000"/>
-                </a:solidFill>
-                <a:effectLst/>
-                <a:latin typeface="Arial" panose="020B0604020202020204" pitchFamily="34" charset="0"/>
-              </a:rPr>
-              <a:t>Um </a:t>
-            </a:r>
-            <a:r>
-              <a:rPr lang="pt-PT" b="1" i="0" u="none" strike="noStrike" dirty="0">
-                <a:solidFill>
-                  <a:srgbClr val="000000"/>
-                </a:solidFill>
-                <a:effectLst/>
-                <a:latin typeface=" Arial'"/>
-              </a:rPr>
-              <a:t>Contacto </a:t>
-            </a:r>
-            <a:r>
-              <a:rPr lang="pt-PT" b="0" i="0" u="none" strike="noStrike" dirty="0">
-                <a:solidFill>
-                  <a:srgbClr val="000000"/>
-                </a:solidFill>
-                <a:effectLst/>
-                <a:latin typeface="Arial" panose="020B0604020202020204" pitchFamily="34" charset="0"/>
-              </a:rPr>
-              <a:t>é </a:t>
-            </a:r>
-            <a:r>
-              <a:rPr lang="pt-PT" b="0" i="0" u="none" strike="noStrike" dirty="0" err="1">
-                <a:solidFill>
-                  <a:srgbClr val="000000"/>
-                </a:solidFill>
-                <a:effectLst/>
-                <a:latin typeface="Arial" panose="020B0604020202020204" pitchFamily="34" charset="0"/>
-              </a:rPr>
-              <a:t>constituido</a:t>
-            </a:r>
-            <a:r>
-              <a:rPr lang="pt-PT" b="0" i="0" u="none" strike="noStrike" dirty="0">
-                <a:solidFill>
-                  <a:srgbClr val="000000"/>
-                </a:solidFill>
-                <a:effectLst/>
-                <a:latin typeface="Arial" panose="020B0604020202020204" pitchFamily="34" charset="0"/>
-              </a:rPr>
-              <a:t> por um ID(</a:t>
-            </a:r>
-            <a:r>
-              <a:rPr lang="pt-PT" b="0" i="0" u="none" strike="noStrike" dirty="0" err="1">
-                <a:solidFill>
-                  <a:srgbClr val="000000"/>
-                </a:solidFill>
-                <a:effectLst/>
-                <a:latin typeface="Arial" panose="020B0604020202020204" pitchFamily="34" charset="0"/>
-              </a:rPr>
-              <a:t>int</a:t>
-            </a:r>
-            <a:r>
-              <a:rPr lang="pt-PT" b="0" i="0" u="none" strike="noStrike" dirty="0">
-                <a:solidFill>
-                  <a:srgbClr val="000000"/>
-                </a:solidFill>
-                <a:effectLst/>
-                <a:latin typeface="Arial" panose="020B0604020202020204" pitchFamily="34" charset="0"/>
-              </a:rPr>
-              <a:t>, </a:t>
-            </a:r>
-            <a:r>
-              <a:rPr lang="pt-PT" b="0" i="0" u="none" strike="noStrike" dirty="0" err="1">
-                <a:solidFill>
-                  <a:srgbClr val="000000"/>
-                </a:solidFill>
-                <a:effectLst/>
-                <a:latin typeface="Arial" panose="020B0604020202020204" pitchFamily="34" charset="0"/>
-              </a:rPr>
-              <a:t>primary</a:t>
-            </a:r>
-            <a:r>
-              <a:rPr lang="pt-PT" b="0" i="0" u="none" strike="noStrike" dirty="0">
-                <a:solidFill>
-                  <a:srgbClr val="000000"/>
-                </a:solidFill>
-                <a:effectLst/>
-                <a:latin typeface="Arial" panose="020B0604020202020204" pitchFamily="34" charset="0"/>
-              </a:rPr>
-              <a:t> </a:t>
-            </a:r>
-            <a:r>
-              <a:rPr lang="pt-PT" b="0" i="0" u="none" strike="noStrike" dirty="0" err="1">
-                <a:solidFill>
-                  <a:srgbClr val="000000"/>
-                </a:solidFill>
-                <a:effectLst/>
-                <a:latin typeface="Arial" panose="020B0604020202020204" pitchFamily="34" charset="0"/>
-              </a:rPr>
-              <a:t>key</a:t>
-            </a:r>
-            <a:r>
-              <a:rPr lang="pt-PT" b="0" i="0" u="none" strike="noStrike" dirty="0">
-                <a:solidFill>
-                  <a:srgbClr val="000000"/>
-                </a:solidFill>
-                <a:effectLst/>
-                <a:latin typeface="Arial" panose="020B0604020202020204" pitchFamily="34" charset="0"/>
-              </a:rPr>
-              <a:t>), um </a:t>
-            </a:r>
-            <a:r>
-              <a:rPr lang="pt-PT" b="0" i="0" u="none" strike="noStrike" dirty="0" err="1">
-                <a:solidFill>
-                  <a:srgbClr val="000000"/>
-                </a:solidFill>
-                <a:effectLst/>
-                <a:latin typeface="Arial" panose="020B0604020202020204" pitchFamily="34" charset="0"/>
-              </a:rPr>
-              <a:t>télemovel</a:t>
-            </a:r>
-            <a:r>
-              <a:rPr lang="pt-PT" b="0" i="0" u="none" strike="noStrike" dirty="0">
-                <a:solidFill>
-                  <a:srgbClr val="000000"/>
-                </a:solidFill>
-                <a:effectLst/>
-                <a:latin typeface="Arial" panose="020B0604020202020204" pitchFamily="34" charset="0"/>
-              </a:rPr>
-              <a:t>(</a:t>
-            </a:r>
-            <a:r>
-              <a:rPr lang="pt-PT" b="0" i="0" u="none" strike="noStrike" dirty="0" err="1">
-                <a:solidFill>
-                  <a:srgbClr val="000000"/>
-                </a:solidFill>
-                <a:effectLst/>
-                <a:latin typeface="Arial" panose="020B0604020202020204" pitchFamily="34" charset="0"/>
-              </a:rPr>
-              <a:t>string</a:t>
-            </a:r>
-            <a:r>
-              <a:rPr lang="pt-PT" b="0" i="0" u="none" strike="noStrike" dirty="0">
-                <a:solidFill>
-                  <a:srgbClr val="000000"/>
-                </a:solidFill>
-                <a:effectLst/>
-                <a:latin typeface="Arial" panose="020B0604020202020204" pitchFamily="34" charset="0"/>
-              </a:rPr>
-              <a:t>), email(</a:t>
-            </a:r>
-            <a:r>
-              <a:rPr lang="pt-PT" b="0" i="0" u="none" strike="noStrike" dirty="0" err="1">
-                <a:solidFill>
-                  <a:srgbClr val="000000"/>
-                </a:solidFill>
-                <a:effectLst/>
-                <a:latin typeface="Arial" panose="020B0604020202020204" pitchFamily="34" charset="0"/>
-              </a:rPr>
-              <a:t>string</a:t>
-            </a:r>
-            <a:r>
-              <a:rPr lang="pt-PT" b="0" i="0" u="none" strike="noStrike" dirty="0">
-                <a:solidFill>
-                  <a:srgbClr val="000000"/>
-                </a:solidFill>
-                <a:effectLst/>
-                <a:latin typeface="Arial" panose="020B0604020202020204" pitchFamily="34" charset="0"/>
-              </a:rPr>
-              <a:t>) e telefone(</a:t>
-            </a:r>
-            <a:r>
-              <a:rPr lang="pt-PT" b="0" i="0" u="none" strike="noStrike" dirty="0" err="1">
-                <a:solidFill>
-                  <a:srgbClr val="000000"/>
-                </a:solidFill>
-                <a:effectLst/>
-                <a:latin typeface="Arial" panose="020B0604020202020204" pitchFamily="34" charset="0"/>
-              </a:rPr>
-              <a:t>string</a:t>
-            </a:r>
-            <a:r>
-              <a:rPr lang="pt-PT" b="0" i="0" u="none" strike="noStrike" dirty="0">
-                <a:solidFill>
-                  <a:srgbClr val="000000"/>
-                </a:solidFill>
-                <a:effectLst/>
-                <a:latin typeface="Arial" panose="020B0604020202020204" pitchFamily="34" charset="0"/>
-              </a:rPr>
-              <a:t>)</a:t>
-            </a:r>
-            <a:br>
-              <a:rPr lang="pt-PT" dirty="0"/>
-            </a:br>
-            <a:endParaRPr lang="pt-PT" dirty="0"/>
-          </a:p>
-          <a:p>
-            <a:endParaRPr lang="pt-PT" dirty="0"/>
-          </a:p>
-        </p:txBody>
-      </p:sp>
+          <p:cNvPicPr>
+            <a:picLocks noChangeAspect="1"/>
+          </p:cNvPicPr>
+          <p:nvPr/>
+        </p:nvPicPr>
+        <p:blipFill>
+          <a:blip r:embed="rId2"/>
+          <a:stretch>
+            <a:fillRect/>
+          </a:stretch>
+        </p:blipFill>
+        <p:spPr>
+          <a:xfrm>
+            <a:off x="0" y="2548157"/>
+            <a:ext cx="12192000" cy="1921483"/>
+          </a:xfrm>
+          <a:prstGeom prst="rect">
+            <a:avLst/>
+          </a:prstGeom>
+        </p:spPr>
+      </p:pic>
     </p:spTree>
     <p:extLst>
       <p:ext uri="{BB962C8B-B14F-4D97-AF65-F5344CB8AC3E}">
-        <p14:creationId xmlns:p14="http://schemas.microsoft.com/office/powerpoint/2010/main" val="3509597546"/>
+        <p14:creationId xmlns:p14="http://schemas.microsoft.com/office/powerpoint/2010/main" val="2556386369"/>
       </p:ext>
     </p:extLst>
   </p:cSld>
@@ -10995,878 +9056,6 @@
           <p:cNvPr id="2" name="Título 1">
             <a:extLst>
               <a:ext uri="{FF2B5EF4-FFF2-40B4-BE49-F238E27FC236}">
-                <a16:creationId xmlns:a16="http://schemas.microsoft.com/office/drawing/2014/main" id="{AB04BFB7-04FD-CB58-6E36-4DE8A46D2640}"/>
-              </a:ext>
-            </a:extLst>
-          </p:cNvPr>
-          <p:cNvSpPr>
-            <a:spLocks noGrp="1"/>
-          </p:cNvSpPr>
-          <p:nvPr>
-            <p:ph type="title"/>
-          </p:nvPr>
-        </p:nvSpPr>
-        <p:spPr/>
-        <p:txBody>
-          <a:bodyPr/>
-          <a:lstStyle/>
-          <a:p>
-            <a:endParaRPr lang="pt-PT"/>
-          </a:p>
-        </p:txBody>
-      </p:sp>
-      <p:sp>
-        <p:nvSpPr>
-          <p:cNvPr id="3" name="Marcador de Posição de Conteúdo 2">
-            <a:extLst>
-              <a:ext uri="{FF2B5EF4-FFF2-40B4-BE49-F238E27FC236}">
-                <a16:creationId xmlns:a16="http://schemas.microsoft.com/office/drawing/2014/main" id="{4273150B-4986-6E3F-978E-2B7B1C94978F}"/>
-              </a:ext>
-            </a:extLst>
-          </p:cNvPr>
-          <p:cNvSpPr>
-            <a:spLocks noGrp="1"/>
-          </p:cNvSpPr>
-          <p:nvPr>
-            <p:ph idx="1"/>
-          </p:nvPr>
-        </p:nvSpPr>
-        <p:spPr/>
-        <p:txBody>
-          <a:bodyPr/>
-          <a:lstStyle/>
-          <a:p>
-            <a:r>
-              <a:rPr lang="pt-PT" b="0" i="0" u="none" strike="noStrike" dirty="0">
-                <a:solidFill>
-                  <a:srgbClr val="000000"/>
-                </a:solidFill>
-                <a:effectLst/>
-                <a:latin typeface="Arial" panose="020B0604020202020204" pitchFamily="34" charset="0"/>
-              </a:rPr>
-              <a:t>Um </a:t>
-            </a:r>
-            <a:r>
-              <a:rPr lang="pt-PT" b="1" i="0" u="none" strike="noStrike" dirty="0">
-                <a:solidFill>
-                  <a:srgbClr val="000000"/>
-                </a:solidFill>
-                <a:effectLst/>
-                <a:latin typeface=" Arial'"/>
-              </a:rPr>
-              <a:t>Relatório</a:t>
-            </a:r>
-            <a:r>
-              <a:rPr lang="pt-PT" b="0" i="0" u="none" strike="noStrike" dirty="0">
-                <a:solidFill>
-                  <a:srgbClr val="000000"/>
-                </a:solidFill>
-                <a:effectLst/>
-                <a:latin typeface="Arial" panose="020B0604020202020204" pitchFamily="34" charset="0"/>
-              </a:rPr>
-              <a:t> é constituído por uma data(Data), um estado(</a:t>
-            </a:r>
-            <a:r>
-              <a:rPr lang="pt-PT" b="0" i="0" u="none" strike="noStrike" dirty="0" err="1">
-                <a:solidFill>
-                  <a:srgbClr val="000000"/>
-                </a:solidFill>
-                <a:effectLst/>
-                <a:latin typeface="Arial" panose="020B0604020202020204" pitchFamily="34" charset="0"/>
-              </a:rPr>
-              <a:t>bool</a:t>
-            </a:r>
-            <a:r>
-              <a:rPr lang="pt-PT" b="0" i="0" u="none" strike="noStrike" dirty="0">
-                <a:solidFill>
-                  <a:srgbClr val="000000"/>
-                </a:solidFill>
-                <a:effectLst/>
-                <a:latin typeface="Arial" panose="020B0604020202020204" pitchFamily="34" charset="0"/>
-              </a:rPr>
-              <a:t>), ID(</a:t>
-            </a:r>
-            <a:r>
-              <a:rPr lang="pt-PT" b="0" i="0" u="none" strike="noStrike" dirty="0" err="1">
-                <a:solidFill>
-                  <a:srgbClr val="000000"/>
-                </a:solidFill>
-                <a:effectLst/>
-                <a:latin typeface="Arial" panose="020B0604020202020204" pitchFamily="34" charset="0"/>
-              </a:rPr>
-              <a:t>int</a:t>
-            </a:r>
-            <a:r>
-              <a:rPr lang="pt-PT" b="0" i="0" u="none" strike="noStrike" dirty="0">
-                <a:solidFill>
-                  <a:srgbClr val="000000"/>
-                </a:solidFill>
-                <a:effectLst/>
-                <a:latin typeface="Arial" panose="020B0604020202020204" pitchFamily="34" charset="0"/>
-              </a:rPr>
-              <a:t>, </a:t>
-            </a:r>
-            <a:r>
-              <a:rPr lang="pt-PT" b="0" i="0" u="none" strike="noStrike" dirty="0" err="1">
-                <a:solidFill>
-                  <a:srgbClr val="000000"/>
-                </a:solidFill>
-                <a:effectLst/>
-                <a:latin typeface="Arial" panose="020B0604020202020204" pitchFamily="34" charset="0"/>
-              </a:rPr>
-              <a:t>primary</a:t>
-            </a:r>
-            <a:r>
-              <a:rPr lang="pt-PT" b="0" i="0" u="none" strike="noStrike" dirty="0">
-                <a:solidFill>
-                  <a:srgbClr val="000000"/>
-                </a:solidFill>
-                <a:effectLst/>
-                <a:latin typeface="Arial" panose="020B0604020202020204" pitchFamily="34" charset="0"/>
-              </a:rPr>
-              <a:t> </a:t>
-            </a:r>
-            <a:r>
-              <a:rPr lang="pt-PT" b="0" i="0" u="none" strike="noStrike" dirty="0" err="1">
-                <a:solidFill>
-                  <a:srgbClr val="000000"/>
-                </a:solidFill>
-                <a:effectLst/>
-                <a:latin typeface="Arial" panose="020B0604020202020204" pitchFamily="34" charset="0"/>
-              </a:rPr>
-              <a:t>key</a:t>
-            </a:r>
-            <a:r>
-              <a:rPr lang="pt-PT" b="0" i="0" u="none" strike="noStrike" dirty="0">
-                <a:solidFill>
-                  <a:srgbClr val="000000"/>
-                </a:solidFill>
-                <a:effectLst/>
-                <a:latin typeface="Arial" panose="020B0604020202020204" pitchFamily="34" charset="0"/>
-              </a:rPr>
-              <a:t>), descrição(</a:t>
-            </a:r>
-            <a:r>
-              <a:rPr lang="pt-PT" b="0" i="0" u="none" strike="noStrike" dirty="0" err="1">
-                <a:solidFill>
-                  <a:srgbClr val="000000"/>
-                </a:solidFill>
-                <a:effectLst/>
-                <a:latin typeface="Arial" panose="020B0604020202020204" pitchFamily="34" charset="0"/>
-              </a:rPr>
-              <a:t>string</a:t>
-            </a:r>
-            <a:r>
-              <a:rPr lang="pt-PT" b="0" i="0" u="none" strike="noStrike" dirty="0">
-                <a:solidFill>
-                  <a:srgbClr val="000000"/>
-                </a:solidFill>
-                <a:effectLst/>
-                <a:latin typeface="Arial" panose="020B0604020202020204" pitchFamily="34" charset="0"/>
-              </a:rPr>
-              <a:t>), gravidade(</a:t>
-            </a:r>
-            <a:r>
-              <a:rPr lang="pt-PT" b="0" i="0" u="none" strike="noStrike" dirty="0" err="1">
-                <a:solidFill>
-                  <a:srgbClr val="000000"/>
-                </a:solidFill>
-                <a:effectLst/>
-                <a:latin typeface="Arial" panose="020B0604020202020204" pitchFamily="34" charset="0"/>
-              </a:rPr>
-              <a:t>string</a:t>
-            </a:r>
-            <a:r>
-              <a:rPr lang="pt-PT" b="0" i="0" u="none" strike="noStrike" dirty="0">
-                <a:solidFill>
-                  <a:srgbClr val="000000"/>
-                </a:solidFill>
-                <a:effectLst/>
-                <a:latin typeface="Arial" panose="020B0604020202020204" pitchFamily="34" charset="0"/>
-              </a:rPr>
-              <a:t>), veículo(entidade) e </a:t>
-            </a:r>
-            <a:r>
-              <a:rPr lang="pt-PT" b="0" i="0" u="none" strike="noStrike" dirty="0" err="1">
-                <a:solidFill>
-                  <a:srgbClr val="000000"/>
-                </a:solidFill>
-                <a:effectLst/>
-                <a:latin typeface="Arial" panose="020B0604020202020204" pitchFamily="34" charset="0"/>
-              </a:rPr>
-              <a:t>funcionario</a:t>
-            </a:r>
-            <a:r>
-              <a:rPr lang="pt-PT" b="0" i="0" u="none" strike="noStrike" dirty="0">
-                <a:solidFill>
-                  <a:srgbClr val="000000"/>
-                </a:solidFill>
-                <a:effectLst/>
-                <a:latin typeface="Arial" panose="020B0604020202020204" pitchFamily="34" charset="0"/>
-              </a:rPr>
-              <a:t>(entidade)</a:t>
-            </a:r>
-            <a:br>
-              <a:rPr lang="pt-PT" dirty="0"/>
-            </a:br>
-            <a:endParaRPr lang="pt-PT" dirty="0"/>
-          </a:p>
-          <a:p>
-            <a:r>
-              <a:rPr lang="pt-PT" b="0" i="0" u="none" strike="noStrike" dirty="0">
-                <a:solidFill>
-                  <a:srgbClr val="000000"/>
-                </a:solidFill>
-                <a:effectLst/>
-                <a:latin typeface="Arial" panose="020B0604020202020204" pitchFamily="34" charset="0"/>
-              </a:rPr>
-              <a:t>Um </a:t>
-            </a:r>
-            <a:r>
-              <a:rPr lang="pt-PT" b="1" i="0" u="none" strike="noStrike" dirty="0">
-                <a:solidFill>
-                  <a:srgbClr val="000000"/>
-                </a:solidFill>
-                <a:effectLst/>
-                <a:latin typeface=" Arial'"/>
-              </a:rPr>
-              <a:t>Endereço</a:t>
-            </a:r>
-            <a:r>
-              <a:rPr lang="pt-PT" b="0" i="0" u="none" strike="noStrike" dirty="0">
-                <a:solidFill>
-                  <a:srgbClr val="000000"/>
-                </a:solidFill>
-                <a:effectLst/>
-                <a:latin typeface="Arial" panose="020B0604020202020204" pitchFamily="34" charset="0"/>
-              </a:rPr>
-              <a:t> é constituído por um </a:t>
-            </a:r>
-            <a:r>
-              <a:rPr lang="pt-PT" b="0" i="0" u="none" strike="noStrike" dirty="0" err="1">
-                <a:solidFill>
-                  <a:srgbClr val="000000"/>
-                </a:solidFill>
-                <a:effectLst/>
-                <a:latin typeface="Arial" panose="020B0604020202020204" pitchFamily="34" charset="0"/>
-              </a:rPr>
-              <a:t>codPostal</a:t>
-            </a:r>
-            <a:r>
-              <a:rPr lang="pt-PT" b="0" i="0" u="none" strike="noStrike" dirty="0">
-                <a:solidFill>
-                  <a:srgbClr val="000000"/>
-                </a:solidFill>
-                <a:effectLst/>
-                <a:latin typeface="Arial" panose="020B0604020202020204" pitchFamily="34" charset="0"/>
-              </a:rPr>
-              <a:t>(</a:t>
-            </a:r>
-            <a:r>
-              <a:rPr lang="pt-PT" b="0" i="0" u="none" strike="noStrike" dirty="0" err="1">
-                <a:solidFill>
-                  <a:srgbClr val="000000"/>
-                </a:solidFill>
-                <a:effectLst/>
-                <a:latin typeface="Arial" panose="020B0604020202020204" pitchFamily="34" charset="0"/>
-              </a:rPr>
-              <a:t>string</a:t>
-            </a:r>
-            <a:r>
-              <a:rPr lang="pt-PT" b="0" i="0" u="none" strike="noStrike" dirty="0">
-                <a:solidFill>
-                  <a:srgbClr val="000000"/>
-                </a:solidFill>
-                <a:effectLst/>
-                <a:latin typeface="Arial" panose="020B0604020202020204" pitchFamily="34" charset="0"/>
-              </a:rPr>
-              <a:t>), uma rua(</a:t>
-            </a:r>
-            <a:r>
-              <a:rPr lang="pt-PT" b="0" i="0" u="none" strike="noStrike" dirty="0" err="1">
-                <a:solidFill>
-                  <a:srgbClr val="000000"/>
-                </a:solidFill>
-                <a:effectLst/>
-                <a:latin typeface="Arial" panose="020B0604020202020204" pitchFamily="34" charset="0"/>
-              </a:rPr>
-              <a:t>string</a:t>
-            </a:r>
-            <a:r>
-              <a:rPr lang="pt-PT" b="0" i="0" u="none" strike="noStrike" dirty="0">
-                <a:solidFill>
-                  <a:srgbClr val="000000"/>
-                </a:solidFill>
-                <a:effectLst/>
-                <a:latin typeface="Arial" panose="020B0604020202020204" pitchFamily="34" charset="0"/>
-              </a:rPr>
-              <a:t>), um numero de porta(</a:t>
-            </a:r>
-            <a:r>
-              <a:rPr lang="pt-PT" b="0" i="0" u="none" strike="noStrike" dirty="0" err="1">
-                <a:solidFill>
-                  <a:srgbClr val="000000"/>
-                </a:solidFill>
-                <a:effectLst/>
-                <a:latin typeface="Arial" panose="020B0604020202020204" pitchFamily="34" charset="0"/>
-              </a:rPr>
-              <a:t>string</a:t>
-            </a:r>
-            <a:r>
-              <a:rPr lang="pt-PT" b="0" i="0" u="none" strike="noStrike" dirty="0">
-                <a:solidFill>
-                  <a:srgbClr val="000000"/>
-                </a:solidFill>
-                <a:effectLst/>
-                <a:latin typeface="Arial" panose="020B0604020202020204" pitchFamily="34" charset="0"/>
-              </a:rPr>
-              <a:t>), e um ID(</a:t>
-            </a:r>
-            <a:r>
-              <a:rPr lang="pt-PT" b="0" i="0" u="none" strike="noStrike" dirty="0" err="1">
-                <a:solidFill>
-                  <a:srgbClr val="000000"/>
-                </a:solidFill>
-                <a:effectLst/>
-                <a:latin typeface="Arial" panose="020B0604020202020204" pitchFamily="34" charset="0"/>
-              </a:rPr>
-              <a:t>int</a:t>
-            </a:r>
-            <a:r>
-              <a:rPr lang="pt-PT" b="0" i="0" u="none" strike="noStrike" dirty="0">
-                <a:solidFill>
-                  <a:srgbClr val="000000"/>
-                </a:solidFill>
-                <a:effectLst/>
-                <a:latin typeface="Arial" panose="020B0604020202020204" pitchFamily="34" charset="0"/>
-              </a:rPr>
-              <a:t>, </a:t>
-            </a:r>
-            <a:r>
-              <a:rPr lang="pt-PT" b="0" i="0" u="none" strike="noStrike" dirty="0" err="1">
-                <a:solidFill>
-                  <a:srgbClr val="000000"/>
-                </a:solidFill>
-                <a:effectLst/>
-                <a:latin typeface="Arial" panose="020B0604020202020204" pitchFamily="34" charset="0"/>
-              </a:rPr>
-              <a:t>orimary</a:t>
-            </a:r>
-            <a:r>
-              <a:rPr lang="pt-PT" b="0" i="0" u="none" strike="noStrike" dirty="0">
-                <a:solidFill>
-                  <a:srgbClr val="000000"/>
-                </a:solidFill>
-                <a:effectLst/>
-                <a:latin typeface="Arial" panose="020B0604020202020204" pitchFamily="34" charset="0"/>
-              </a:rPr>
-              <a:t> </a:t>
-            </a:r>
-            <a:r>
-              <a:rPr lang="pt-PT" b="0" i="0" u="none" strike="noStrike" dirty="0" err="1">
-                <a:solidFill>
-                  <a:srgbClr val="000000"/>
-                </a:solidFill>
-                <a:effectLst/>
-                <a:latin typeface="Arial" panose="020B0604020202020204" pitchFamily="34" charset="0"/>
-              </a:rPr>
-              <a:t>key</a:t>
-            </a:r>
-            <a:r>
-              <a:rPr lang="pt-PT" b="0" i="0" u="none" strike="noStrike" dirty="0">
-                <a:solidFill>
-                  <a:srgbClr val="000000"/>
-                </a:solidFill>
-                <a:effectLst/>
-                <a:latin typeface="Arial" panose="020B0604020202020204" pitchFamily="34" charset="0"/>
-              </a:rPr>
-              <a:t>)</a:t>
-            </a:r>
-            <a:br>
-              <a:rPr lang="pt-PT" dirty="0"/>
-            </a:br>
-            <a:endParaRPr lang="pt-PT" dirty="0"/>
-          </a:p>
-        </p:txBody>
-      </p:sp>
-    </p:spTree>
-    <p:extLst>
-      <p:ext uri="{BB962C8B-B14F-4D97-AF65-F5344CB8AC3E}">
-        <p14:creationId xmlns:p14="http://schemas.microsoft.com/office/powerpoint/2010/main" val="3858334958"/>
-      </p:ext>
-    </p:extLst>
-  </p:cSld>
-  <p:clrMapOvr>
-    <a:masterClrMapping/>
-  </p:clrMapOvr>
-</p:sld>
-</file>
-
-<file path=ppt/slides/slide19.xml><?xml version="1.0" encoding="utf-8"?>
-<p:sld xmlns:a="http://schemas.openxmlformats.org/drawingml/2006/main" xmlns:r="http://schemas.openxmlformats.org/officeDocument/2006/relationships" xmlns:p="http://schemas.openxmlformats.org/presentationml/2006/main">
-  <p:cSld>
-    <p:spTree>
-      <p:nvGrpSpPr>
-        <p:cNvPr id="1" name=""/>
-        <p:cNvGrpSpPr/>
-        <p:nvPr/>
-      </p:nvGrpSpPr>
-      <p:grpSpPr>
-        <a:xfrm>
-          <a:off x="0" y="0"/>
-          <a:ext cx="0" cy="0"/>
-          <a:chOff x="0" y="0"/>
-          <a:chExt cx="0" cy="0"/>
-        </a:xfrm>
-      </p:grpSpPr>
-      <p:sp>
-        <p:nvSpPr>
-          <p:cNvPr id="2" name="Título 1">
-            <a:extLst>
-              <a:ext uri="{FF2B5EF4-FFF2-40B4-BE49-F238E27FC236}">
-                <a16:creationId xmlns:a16="http://schemas.microsoft.com/office/drawing/2014/main" id="{604CA83F-A383-6971-8C66-E7FCE0C37129}"/>
-              </a:ext>
-            </a:extLst>
-          </p:cNvPr>
-          <p:cNvSpPr>
-            <a:spLocks noGrp="1"/>
-          </p:cNvSpPr>
-          <p:nvPr>
-            <p:ph type="title"/>
-          </p:nvPr>
-        </p:nvSpPr>
-        <p:spPr/>
-        <p:txBody>
-          <a:bodyPr/>
-          <a:lstStyle/>
-          <a:p>
-            <a:r>
-              <a:rPr lang="pt-PT" dirty="0"/>
-              <a:t>Requisitos de Exploração</a:t>
-            </a:r>
-          </a:p>
-        </p:txBody>
-      </p:sp>
-      <p:sp>
-        <p:nvSpPr>
-          <p:cNvPr id="3" name="Marcador de Posição de Conteúdo 2">
-            <a:extLst>
-              <a:ext uri="{FF2B5EF4-FFF2-40B4-BE49-F238E27FC236}">
-                <a16:creationId xmlns:a16="http://schemas.microsoft.com/office/drawing/2014/main" id="{ED007CDE-7396-FC1D-0E43-8D0B4FCC9F17}"/>
-              </a:ext>
-            </a:extLst>
-          </p:cNvPr>
-          <p:cNvSpPr>
-            <a:spLocks noGrp="1"/>
-          </p:cNvSpPr>
-          <p:nvPr>
-            <p:ph idx="1"/>
-          </p:nvPr>
-        </p:nvSpPr>
-        <p:spPr/>
-        <p:txBody>
-          <a:bodyPr/>
-          <a:lstStyle/>
-          <a:p>
-            <a:r>
-              <a:rPr lang="pt-PT" b="0" i="0" u="none" strike="noStrike" dirty="0">
-                <a:solidFill>
-                  <a:srgbClr val="000000"/>
-                </a:solidFill>
-                <a:effectLst/>
-                <a:latin typeface="Arial" panose="020B0604020202020204" pitchFamily="34" charset="0"/>
-              </a:rPr>
-              <a:t>Deve ser </a:t>
-            </a:r>
-            <a:r>
-              <a:rPr lang="pt-PT" b="0" i="0" u="none" strike="noStrike" dirty="0" err="1">
-                <a:solidFill>
-                  <a:srgbClr val="000000"/>
-                </a:solidFill>
-                <a:effectLst/>
-                <a:latin typeface="Arial" panose="020B0604020202020204" pitchFamily="34" charset="0"/>
-              </a:rPr>
-              <a:t>possivel</a:t>
-            </a:r>
-            <a:r>
-              <a:rPr lang="pt-PT" b="0" i="0" u="none" strike="noStrike" dirty="0">
-                <a:solidFill>
-                  <a:srgbClr val="000000"/>
-                </a:solidFill>
-                <a:effectLst/>
-                <a:latin typeface="Arial" panose="020B0604020202020204" pitchFamily="34" charset="0"/>
-              </a:rPr>
-              <a:t> verificar se uma Encomenda foi ou não paga</a:t>
-            </a:r>
-            <a:br>
-              <a:rPr lang="pt-PT" dirty="0"/>
-            </a:br>
-            <a:endParaRPr lang="pt-PT" dirty="0"/>
-          </a:p>
-          <a:p>
-            <a:r>
-              <a:rPr lang="pt-PT" b="0" i="0" u="none" strike="noStrike" dirty="0">
-                <a:solidFill>
-                  <a:srgbClr val="000000"/>
-                </a:solidFill>
-                <a:effectLst/>
-                <a:latin typeface="Arial" panose="020B0604020202020204" pitchFamily="34" charset="0"/>
-              </a:rPr>
-              <a:t>Deve ser </a:t>
-            </a:r>
-            <a:r>
-              <a:rPr lang="pt-PT" b="0" i="0" u="none" strike="noStrike" dirty="0" err="1">
-                <a:solidFill>
-                  <a:srgbClr val="000000"/>
-                </a:solidFill>
-                <a:effectLst/>
-                <a:latin typeface="Arial" panose="020B0604020202020204" pitchFamily="34" charset="0"/>
-              </a:rPr>
-              <a:t>possivel</a:t>
-            </a:r>
-            <a:r>
-              <a:rPr lang="pt-PT" b="0" i="0" u="none" strike="noStrike" dirty="0">
-                <a:solidFill>
-                  <a:srgbClr val="000000"/>
-                </a:solidFill>
-                <a:effectLst/>
-                <a:latin typeface="Arial" panose="020B0604020202020204" pitchFamily="34" charset="0"/>
-              </a:rPr>
-              <a:t> verificar se uma Encomenda foi </a:t>
-            </a:r>
-            <a:r>
-              <a:rPr lang="pt-PT" b="0" i="0" u="none" strike="noStrike" dirty="0" err="1">
-                <a:solidFill>
-                  <a:srgbClr val="000000"/>
-                </a:solidFill>
-                <a:effectLst/>
-                <a:latin typeface="Arial" panose="020B0604020202020204" pitchFamily="34" charset="0"/>
-              </a:rPr>
-              <a:t>entrege</a:t>
-            </a:r>
-            <a:br>
-              <a:rPr lang="pt-PT" dirty="0"/>
-            </a:br>
-            <a:endParaRPr lang="pt-PT" dirty="0"/>
-          </a:p>
-          <a:p>
-            <a:endParaRPr lang="pt-PT" u="sng" dirty="0"/>
-          </a:p>
-        </p:txBody>
-      </p:sp>
-    </p:spTree>
-    <p:extLst>
-      <p:ext uri="{BB962C8B-B14F-4D97-AF65-F5344CB8AC3E}">
-        <p14:creationId xmlns:p14="http://schemas.microsoft.com/office/powerpoint/2010/main" val="121004733"/>
-      </p:ext>
-    </p:extLst>
-  </p:cSld>
-  <p:clrMapOvr>
-    <a:masterClrMapping/>
-  </p:clrMapOvr>
-</p:sld>
-</file>
-
-<file path=ppt/slides/slide2.xml><?xml version="1.0" encoding="utf-8"?>
-<p:sld xmlns:a="http://schemas.openxmlformats.org/drawingml/2006/main" xmlns:r="http://schemas.openxmlformats.org/officeDocument/2006/relationships" xmlns:p="http://schemas.openxmlformats.org/presentationml/2006/main">
-  <p:cSld>
-    <p:spTree>
-      <p:nvGrpSpPr>
-        <p:cNvPr id="1" name=""/>
-        <p:cNvGrpSpPr/>
-        <p:nvPr/>
-      </p:nvGrpSpPr>
-      <p:grpSpPr>
-        <a:xfrm>
-          <a:off x="0" y="0"/>
-          <a:ext cx="0" cy="0"/>
-          <a:chOff x="0" y="0"/>
-          <a:chExt cx="0" cy="0"/>
-        </a:xfrm>
-      </p:grpSpPr>
-      <p:sp>
-        <p:nvSpPr>
-          <p:cNvPr id="2" name="Título 1">
-            <a:extLst>
-              <a:ext uri="{FF2B5EF4-FFF2-40B4-BE49-F238E27FC236}">
-                <a16:creationId xmlns:a16="http://schemas.microsoft.com/office/drawing/2014/main" id="{29E5984D-0A47-F9CF-A194-FDC2D09E7471}"/>
-              </a:ext>
-            </a:extLst>
-          </p:cNvPr>
-          <p:cNvSpPr>
-            <a:spLocks noGrp="1"/>
-          </p:cNvSpPr>
-          <p:nvPr>
-            <p:ph type="title"/>
-          </p:nvPr>
-        </p:nvSpPr>
-        <p:spPr/>
-        <p:txBody>
-          <a:bodyPr/>
-          <a:lstStyle/>
-          <a:p>
-            <a:r>
-              <a:rPr lang="pt-PT" sz="4800" b="1" dirty="0">
-                <a:solidFill>
-                  <a:schemeClr val="tx1"/>
-                </a:solidFill>
-                <a:latin typeface="Abadi" panose="020B0604020104020204" pitchFamily="34" charset="0"/>
-              </a:rPr>
-              <a:t>Índice</a:t>
-            </a:r>
-            <a:endParaRPr lang="pt-PT" b="1" dirty="0">
-              <a:solidFill>
-                <a:schemeClr val="tx1"/>
-              </a:solidFill>
-              <a:latin typeface="Abadi" panose="020B0604020104020204" pitchFamily="34" charset="0"/>
-            </a:endParaRPr>
-          </a:p>
-        </p:txBody>
-      </p:sp>
-      <p:sp>
-        <p:nvSpPr>
-          <p:cNvPr id="3" name="Marcador de Posição de Conteúdo 2">
-            <a:extLst>
-              <a:ext uri="{FF2B5EF4-FFF2-40B4-BE49-F238E27FC236}">
-                <a16:creationId xmlns:a16="http://schemas.microsoft.com/office/drawing/2014/main" id="{376E7E70-79CB-FAE1-1B36-E47586186F36}"/>
-              </a:ext>
-            </a:extLst>
-          </p:cNvPr>
-          <p:cNvSpPr>
-            <a:spLocks noGrp="1"/>
-          </p:cNvSpPr>
-          <p:nvPr>
-            <p:ph idx="1"/>
-          </p:nvPr>
-        </p:nvSpPr>
-        <p:spPr>
-          <a:xfrm>
-            <a:off x="1141413" y="1772461"/>
-            <a:ext cx="10515600" cy="4926049"/>
-          </a:xfrm>
-        </p:spPr>
-        <p:txBody>
-          <a:bodyPr>
-            <a:normAutofit fontScale="85000" lnSpcReduction="20000"/>
-          </a:bodyPr>
-          <a:lstStyle/>
-          <a:p>
-            <a:pPr marL="0" indent="0">
-              <a:buNone/>
-            </a:pPr>
-            <a:r>
-              <a:rPr lang="pt-PT" sz="3200" b="1" dirty="0">
-                <a:solidFill>
-                  <a:schemeClr val="tx1"/>
-                </a:solidFill>
-                <a:effectLst/>
-                <a:latin typeface="Abadi" panose="020B0604020104020204" pitchFamily="34" charset="0"/>
-              </a:rPr>
-              <a:t>1. Definição do Sistema</a:t>
-            </a:r>
-          </a:p>
-          <a:p>
-            <a:r>
-              <a:rPr lang="pt-PT" dirty="0">
-                <a:solidFill>
-                  <a:schemeClr val="tx1"/>
-                </a:solidFill>
-                <a:effectLst/>
-                <a:latin typeface="Abadi" panose="020B0604020104020204" pitchFamily="34" charset="0"/>
-              </a:rPr>
-              <a:t>1.1 Contexto de aplicação e fundamentação do sistema</a:t>
-            </a:r>
-          </a:p>
-          <a:p>
-            <a:r>
-              <a:rPr lang="pt-PT" dirty="0">
-                <a:solidFill>
-                  <a:schemeClr val="tx1"/>
-                </a:solidFill>
-                <a:effectLst/>
-                <a:latin typeface="Abadi" panose="020B0604020104020204" pitchFamily="34" charset="0"/>
-              </a:rPr>
-              <a:t>1.2 Motivação e Objetivos do Trabalho</a:t>
-            </a:r>
-          </a:p>
-          <a:p>
-            <a:r>
-              <a:rPr lang="pt-PT" dirty="0">
-                <a:solidFill>
-                  <a:schemeClr val="tx1"/>
-                </a:solidFill>
-                <a:effectLst/>
-                <a:latin typeface="Abadi" panose="020B0604020104020204" pitchFamily="34" charset="0"/>
-              </a:rPr>
-              <a:t>1.3 Análise da viabilidade do processo</a:t>
-            </a:r>
-          </a:p>
-          <a:p>
-            <a:r>
-              <a:rPr lang="pt-PT" dirty="0">
-                <a:solidFill>
-                  <a:schemeClr val="tx1"/>
-                </a:solidFill>
-                <a:effectLst/>
-                <a:latin typeface="Abadi" panose="020B0604020104020204" pitchFamily="34" charset="0"/>
-              </a:rPr>
-              <a:t>1.4 Recursos e Equipa de Trabalho</a:t>
-            </a:r>
-          </a:p>
-          <a:p>
-            <a:r>
-              <a:rPr lang="pt-PT" dirty="0">
-                <a:solidFill>
-                  <a:schemeClr val="tx1"/>
-                </a:solidFill>
-                <a:effectLst/>
-                <a:latin typeface="Abadi" panose="020B0604020104020204" pitchFamily="34" charset="0"/>
-              </a:rPr>
-              <a:t>1.5 Plano de Execução do Projeto</a:t>
-            </a:r>
-          </a:p>
-          <a:p>
-            <a:pPr marL="0" indent="0">
-              <a:buNone/>
-            </a:pPr>
-            <a:r>
-              <a:rPr lang="pt-PT" sz="3200" b="1" dirty="0">
-                <a:solidFill>
-                  <a:schemeClr val="tx1"/>
-                </a:solidFill>
-                <a:effectLst/>
-                <a:latin typeface="Abadi" panose="020B0604020104020204" pitchFamily="34" charset="0"/>
-              </a:rPr>
-              <a:t>2. Levantamento e Análise de Requisitos</a:t>
-            </a:r>
-          </a:p>
-          <a:p>
-            <a:r>
-              <a:rPr lang="pt-PT" dirty="0">
-                <a:solidFill>
-                  <a:schemeClr val="tx1"/>
-                </a:solidFill>
-                <a:effectLst/>
-                <a:latin typeface="Abadi" panose="020B0604020104020204" pitchFamily="34" charset="0"/>
-              </a:rPr>
-              <a:t>2.1 Método de levantamento e de análise de requisitos adotado</a:t>
-            </a:r>
-          </a:p>
-          <a:p>
-            <a:r>
-              <a:rPr lang="pt-PT" dirty="0">
-                <a:solidFill>
-                  <a:schemeClr val="tx1"/>
-                </a:solidFill>
-                <a:effectLst/>
-                <a:latin typeface="Abadi" panose="020B0604020104020204" pitchFamily="34" charset="0"/>
-              </a:rPr>
-              <a:t>2.2 Organização dos requisitos levantados</a:t>
-            </a:r>
-          </a:p>
-          <a:p>
-            <a:r>
-              <a:rPr lang="pt-PT" dirty="0">
-                <a:solidFill>
-                  <a:schemeClr val="tx1"/>
-                </a:solidFill>
-                <a:effectLst/>
-                <a:latin typeface="Abadi" panose="020B0604020104020204" pitchFamily="34" charset="0"/>
-              </a:rPr>
-              <a:t>2.2 Organização dos requisitos levantados</a:t>
-            </a:r>
-          </a:p>
-          <a:p>
-            <a:r>
-              <a:rPr lang="pt-PT" dirty="0">
-                <a:solidFill>
-                  <a:schemeClr val="tx1"/>
-                </a:solidFill>
-                <a:effectLst/>
-                <a:latin typeface="Abadi" panose="020B0604020104020204" pitchFamily="34" charset="0"/>
-              </a:rPr>
-              <a:t>2.2.1 Requisitos de descrição</a:t>
-            </a:r>
-          </a:p>
-          <a:p>
-            <a:r>
-              <a:rPr lang="pt-PT" dirty="0">
-                <a:solidFill>
-                  <a:schemeClr val="tx1"/>
-                </a:solidFill>
-                <a:effectLst/>
-                <a:latin typeface="Abadi" panose="020B0604020104020204" pitchFamily="34" charset="0"/>
-              </a:rPr>
-              <a:t>2.2.2 Requisitos de exploração</a:t>
-            </a:r>
-          </a:p>
-          <a:p>
-            <a:r>
-              <a:rPr lang="pt-PT" dirty="0">
-                <a:solidFill>
-                  <a:schemeClr val="tx1"/>
-                </a:solidFill>
-                <a:effectLst/>
-                <a:latin typeface="Abadi" panose="020B0604020104020204" pitchFamily="34" charset="0"/>
-              </a:rPr>
-              <a:t>2.2.3 Requisitos de controlo</a:t>
-            </a:r>
-          </a:p>
-          <a:p>
-            <a:r>
-              <a:rPr lang="pt-PT" dirty="0">
-                <a:solidFill>
-                  <a:schemeClr val="tx1"/>
-                </a:solidFill>
-                <a:effectLst/>
-                <a:latin typeface="Abadi" panose="020B0604020104020204" pitchFamily="34" charset="0"/>
-              </a:rPr>
-              <a:t>2.3 Análise e validação geral dos requisitos</a:t>
-            </a:r>
-            <a:endParaRPr lang="pt-PT" dirty="0">
-              <a:solidFill>
-                <a:schemeClr val="tx1"/>
-              </a:solidFill>
-              <a:latin typeface="Abadi" panose="020B0604020104020204" pitchFamily="34" charset="0"/>
-            </a:endParaRPr>
-          </a:p>
-        </p:txBody>
-      </p:sp>
-    </p:spTree>
-    <p:extLst>
-      <p:ext uri="{BB962C8B-B14F-4D97-AF65-F5344CB8AC3E}">
-        <p14:creationId xmlns:p14="http://schemas.microsoft.com/office/powerpoint/2010/main" val="3742953099"/>
-      </p:ext>
-    </p:extLst>
-  </p:cSld>
-  <p:clrMapOvr>
-    <a:masterClrMapping/>
-  </p:clrMapOvr>
-</p:sld>
-</file>
-
-<file path=ppt/slides/slide20.xml><?xml version="1.0" encoding="utf-8"?>
-<p:sld xmlns:a="http://schemas.openxmlformats.org/drawingml/2006/main" xmlns:r="http://schemas.openxmlformats.org/officeDocument/2006/relationships" xmlns:p="http://schemas.openxmlformats.org/presentationml/2006/main">
-  <p:cSld>
-    <p:spTree>
-      <p:nvGrpSpPr>
-        <p:cNvPr id="1" name=""/>
-        <p:cNvGrpSpPr/>
-        <p:nvPr/>
-      </p:nvGrpSpPr>
-      <p:grpSpPr>
-        <a:xfrm>
-          <a:off x="0" y="0"/>
-          <a:ext cx="0" cy="0"/>
-          <a:chOff x="0" y="0"/>
-          <a:chExt cx="0" cy="0"/>
-        </a:xfrm>
-      </p:grpSpPr>
-      <p:sp>
-        <p:nvSpPr>
-          <p:cNvPr id="2" name="Título 1">
-            <a:extLst>
-              <a:ext uri="{FF2B5EF4-FFF2-40B4-BE49-F238E27FC236}">
                 <a16:creationId xmlns:a16="http://schemas.microsoft.com/office/drawing/2014/main" id="{9134116F-7718-5327-CC13-F4CB9A87FA75}"/>
               </a:ext>
             </a:extLst>
@@ -11957,7 +9146,7 @@
 </p:sld>
 </file>
 
-<file path=ppt/slides/slide21.xml><?xml version="1.0" encoding="utf-8"?>
+<file path=ppt/slides/slide19.xml><?xml version="1.0" encoding="utf-8"?>
 <p:sld xmlns:a="http://schemas.openxmlformats.org/drawingml/2006/main" xmlns:r="http://schemas.openxmlformats.org/officeDocument/2006/relationships" xmlns:p="http://schemas.openxmlformats.org/presentationml/2006/main">
   <p:cSld>
     <p:bg>
@@ -12410,6 +9599,687 @@
 </p:sld>
 </file>
 
+<file path=ppt/slides/slide2.xml><?xml version="1.0" encoding="utf-8"?>
+<p:sld xmlns:a="http://schemas.openxmlformats.org/drawingml/2006/main" xmlns:r="http://schemas.openxmlformats.org/officeDocument/2006/relationships" xmlns:p="http://schemas.openxmlformats.org/presentationml/2006/main">
+  <p:cSld>
+    <p:spTree>
+      <p:nvGrpSpPr>
+        <p:cNvPr id="1" name=""/>
+        <p:cNvGrpSpPr/>
+        <p:nvPr/>
+      </p:nvGrpSpPr>
+      <p:grpSpPr>
+        <a:xfrm>
+          <a:off x="0" y="0"/>
+          <a:ext cx="0" cy="0"/>
+          <a:chOff x="0" y="0"/>
+          <a:chExt cx="0" cy="0"/>
+        </a:xfrm>
+      </p:grpSpPr>
+      <p:sp>
+        <p:nvSpPr>
+          <p:cNvPr id="2" name="Título 1">
+            <a:extLst>
+              <a:ext uri="{FF2B5EF4-FFF2-40B4-BE49-F238E27FC236}">
+                <a16:creationId xmlns:a16="http://schemas.microsoft.com/office/drawing/2014/main" id="{29E5984D-0A47-F9CF-A194-FDC2D09E7471}"/>
+              </a:ext>
+            </a:extLst>
+          </p:cNvPr>
+          <p:cNvSpPr>
+            <a:spLocks noGrp="1"/>
+          </p:cNvSpPr>
+          <p:nvPr>
+            <p:ph type="title"/>
+          </p:nvPr>
+        </p:nvSpPr>
+        <p:spPr/>
+        <p:txBody>
+          <a:bodyPr/>
+          <a:lstStyle/>
+          <a:p>
+            <a:r>
+              <a:rPr lang="pt-PT" sz="4800" b="1" dirty="0">
+                <a:solidFill>
+                  <a:schemeClr val="tx1"/>
+                </a:solidFill>
+                <a:latin typeface="Abadi" panose="020B0604020104020204" pitchFamily="34" charset="0"/>
+              </a:rPr>
+              <a:t>Índice</a:t>
+            </a:r>
+            <a:endParaRPr lang="pt-PT" b="1" dirty="0">
+              <a:solidFill>
+                <a:schemeClr val="tx1"/>
+              </a:solidFill>
+              <a:latin typeface="Abadi" panose="020B0604020104020204" pitchFamily="34" charset="0"/>
+            </a:endParaRPr>
+          </a:p>
+        </p:txBody>
+      </p:sp>
+      <p:sp>
+        <p:nvSpPr>
+          <p:cNvPr id="3" name="Marcador de Posição de Conteúdo 2">
+            <a:extLst>
+              <a:ext uri="{FF2B5EF4-FFF2-40B4-BE49-F238E27FC236}">
+                <a16:creationId xmlns:a16="http://schemas.microsoft.com/office/drawing/2014/main" id="{376E7E70-79CB-FAE1-1B36-E47586186F36}"/>
+              </a:ext>
+            </a:extLst>
+          </p:cNvPr>
+          <p:cNvSpPr>
+            <a:spLocks noGrp="1"/>
+          </p:cNvSpPr>
+          <p:nvPr>
+            <p:ph idx="1"/>
+          </p:nvPr>
+        </p:nvSpPr>
+        <p:spPr>
+          <a:xfrm>
+            <a:off x="1141413" y="1772461"/>
+            <a:ext cx="10515600" cy="4926049"/>
+          </a:xfrm>
+        </p:spPr>
+        <p:txBody>
+          <a:bodyPr>
+            <a:normAutofit fontScale="85000" lnSpcReduction="20000"/>
+          </a:bodyPr>
+          <a:lstStyle/>
+          <a:p>
+            <a:pPr marL="0" indent="0">
+              <a:buNone/>
+            </a:pPr>
+            <a:r>
+              <a:rPr lang="pt-PT" sz="3200" b="1" dirty="0">
+                <a:solidFill>
+                  <a:schemeClr val="tx1"/>
+                </a:solidFill>
+                <a:effectLst/>
+                <a:latin typeface="Abadi" panose="020B0604020104020204" pitchFamily="34" charset="0"/>
+              </a:rPr>
+              <a:t>1. Definição do Sistema</a:t>
+            </a:r>
+          </a:p>
+          <a:p>
+            <a:r>
+              <a:rPr lang="pt-PT" dirty="0">
+                <a:solidFill>
+                  <a:schemeClr val="tx1"/>
+                </a:solidFill>
+                <a:effectLst/>
+                <a:latin typeface="Abadi" panose="020B0604020104020204" pitchFamily="34" charset="0"/>
+              </a:rPr>
+              <a:t>1.1 Contexto de aplicação e fundamentação do sistema</a:t>
+            </a:r>
+          </a:p>
+          <a:p>
+            <a:r>
+              <a:rPr lang="pt-PT" dirty="0">
+                <a:solidFill>
+                  <a:schemeClr val="tx1"/>
+                </a:solidFill>
+                <a:effectLst/>
+                <a:latin typeface="Abadi" panose="020B0604020104020204" pitchFamily="34" charset="0"/>
+              </a:rPr>
+              <a:t>1.2 Motivação e Objetivos do Trabalho</a:t>
+            </a:r>
+          </a:p>
+          <a:p>
+            <a:r>
+              <a:rPr lang="pt-PT" dirty="0">
+                <a:solidFill>
+                  <a:schemeClr val="tx1"/>
+                </a:solidFill>
+                <a:effectLst/>
+                <a:latin typeface="Abadi" panose="020B0604020104020204" pitchFamily="34" charset="0"/>
+              </a:rPr>
+              <a:t>1.3 Análise da viabilidade do processo</a:t>
+            </a:r>
+          </a:p>
+          <a:p>
+            <a:r>
+              <a:rPr lang="pt-PT" dirty="0">
+                <a:solidFill>
+                  <a:schemeClr val="tx1"/>
+                </a:solidFill>
+                <a:effectLst/>
+                <a:latin typeface="Abadi" panose="020B0604020104020204" pitchFamily="34" charset="0"/>
+              </a:rPr>
+              <a:t>1.4 Recursos e Equipa de Trabalho</a:t>
+            </a:r>
+          </a:p>
+          <a:p>
+            <a:r>
+              <a:rPr lang="pt-PT" dirty="0">
+                <a:solidFill>
+                  <a:schemeClr val="tx1"/>
+                </a:solidFill>
+                <a:effectLst/>
+                <a:latin typeface="Abadi" panose="020B0604020104020204" pitchFamily="34" charset="0"/>
+              </a:rPr>
+              <a:t>1.5 Plano de Execução do Projeto</a:t>
+            </a:r>
+          </a:p>
+          <a:p>
+            <a:pPr marL="0" indent="0">
+              <a:buNone/>
+            </a:pPr>
+            <a:r>
+              <a:rPr lang="pt-PT" sz="3200" b="1" dirty="0">
+                <a:solidFill>
+                  <a:schemeClr val="tx1"/>
+                </a:solidFill>
+                <a:effectLst/>
+                <a:latin typeface="Abadi" panose="020B0604020104020204" pitchFamily="34" charset="0"/>
+              </a:rPr>
+              <a:t>2. Levantamento e Análise de Requisitos</a:t>
+            </a:r>
+          </a:p>
+          <a:p>
+            <a:r>
+              <a:rPr lang="pt-PT" dirty="0">
+                <a:solidFill>
+                  <a:schemeClr val="tx1"/>
+                </a:solidFill>
+                <a:effectLst/>
+                <a:latin typeface="Abadi" panose="020B0604020104020204" pitchFamily="34" charset="0"/>
+              </a:rPr>
+              <a:t>2.1 Método de levantamento e de análise de requisitos adotado</a:t>
+            </a:r>
+          </a:p>
+          <a:p>
+            <a:r>
+              <a:rPr lang="pt-PT" dirty="0">
+                <a:solidFill>
+                  <a:schemeClr val="tx1"/>
+                </a:solidFill>
+                <a:effectLst/>
+                <a:latin typeface="Abadi" panose="020B0604020104020204" pitchFamily="34" charset="0"/>
+              </a:rPr>
+              <a:t>2.2 Organização dos requisitos levantados</a:t>
+            </a:r>
+          </a:p>
+          <a:p>
+            <a:r>
+              <a:rPr lang="pt-PT" dirty="0">
+                <a:solidFill>
+                  <a:schemeClr val="tx1"/>
+                </a:solidFill>
+                <a:effectLst/>
+                <a:latin typeface="Abadi" panose="020B0604020104020204" pitchFamily="34" charset="0"/>
+              </a:rPr>
+              <a:t>2.2 Organização dos requisitos levantados</a:t>
+            </a:r>
+          </a:p>
+          <a:p>
+            <a:r>
+              <a:rPr lang="pt-PT" dirty="0">
+                <a:solidFill>
+                  <a:schemeClr val="tx1"/>
+                </a:solidFill>
+                <a:effectLst/>
+                <a:latin typeface="Abadi" panose="020B0604020104020204" pitchFamily="34" charset="0"/>
+              </a:rPr>
+              <a:t>2.2.1 Requisitos de descrição</a:t>
+            </a:r>
+          </a:p>
+          <a:p>
+            <a:r>
+              <a:rPr lang="pt-PT" dirty="0">
+                <a:solidFill>
+                  <a:schemeClr val="tx1"/>
+                </a:solidFill>
+                <a:effectLst/>
+                <a:latin typeface="Abadi" panose="020B0604020104020204" pitchFamily="34" charset="0"/>
+              </a:rPr>
+              <a:t>2.2.2 Requisitos de exploração</a:t>
+            </a:r>
+          </a:p>
+          <a:p>
+            <a:r>
+              <a:rPr lang="pt-PT" dirty="0">
+                <a:solidFill>
+                  <a:schemeClr val="tx1"/>
+                </a:solidFill>
+                <a:effectLst/>
+                <a:latin typeface="Abadi" panose="020B0604020104020204" pitchFamily="34" charset="0"/>
+              </a:rPr>
+              <a:t>2.2.3 Requisitos de controlo</a:t>
+            </a:r>
+          </a:p>
+          <a:p>
+            <a:r>
+              <a:rPr lang="pt-PT" dirty="0">
+                <a:solidFill>
+                  <a:schemeClr val="tx1"/>
+                </a:solidFill>
+                <a:effectLst/>
+                <a:latin typeface="Abadi" panose="020B0604020104020204" pitchFamily="34" charset="0"/>
+              </a:rPr>
+              <a:t>2.3 Análise e validação geral dos requisitos</a:t>
+            </a:r>
+            <a:endParaRPr lang="pt-PT" dirty="0">
+              <a:solidFill>
+                <a:schemeClr val="tx1"/>
+              </a:solidFill>
+              <a:latin typeface="Abadi" panose="020B0604020104020204" pitchFamily="34" charset="0"/>
+            </a:endParaRPr>
+          </a:p>
+        </p:txBody>
+      </p:sp>
+    </p:spTree>
+    <p:extLst>
+      <p:ext uri="{BB962C8B-B14F-4D97-AF65-F5344CB8AC3E}">
+        <p14:creationId xmlns:p14="http://schemas.microsoft.com/office/powerpoint/2010/main" val="3742953099"/>
+      </p:ext>
+    </p:extLst>
+  </p:cSld>
+  <p:clrMapOvr>
+    <a:masterClrMapping/>
+  </p:clrMapOvr>
+</p:sld>
+</file>
+
+<file path=ppt/slides/slide20.xml><?xml version="1.0" encoding="utf-8"?>
+<p:sld xmlns:a="http://schemas.openxmlformats.org/drawingml/2006/main" xmlns:r="http://schemas.openxmlformats.org/officeDocument/2006/relationships" xmlns:p="http://schemas.openxmlformats.org/presentationml/2006/main">
+  <p:cSld>
+    <p:spTree>
+      <p:nvGrpSpPr>
+        <p:cNvPr id="1" name=""/>
+        <p:cNvGrpSpPr/>
+        <p:nvPr/>
+      </p:nvGrpSpPr>
+      <p:grpSpPr>
+        <a:xfrm>
+          <a:off x="0" y="0"/>
+          <a:ext cx="0" cy="0"/>
+          <a:chOff x="0" y="0"/>
+          <a:chExt cx="0" cy="0"/>
+        </a:xfrm>
+      </p:grpSpPr>
+      <p:sp>
+        <p:nvSpPr>
+          <p:cNvPr id="2" name="Título 1">
+            <a:extLst>
+              <a:ext uri="{FF2B5EF4-FFF2-40B4-BE49-F238E27FC236}">
+                <a16:creationId xmlns:a16="http://schemas.microsoft.com/office/drawing/2014/main" id="{9120109A-8C85-C9A3-283A-39646E58D129}"/>
+              </a:ext>
+            </a:extLst>
+          </p:cNvPr>
+          <p:cNvSpPr>
+            <a:spLocks noGrp="1"/>
+          </p:cNvSpPr>
+          <p:nvPr>
+            <p:ph type="title"/>
+          </p:nvPr>
+        </p:nvSpPr>
+        <p:spPr/>
+        <p:txBody>
+          <a:bodyPr>
+            <a:normAutofit/>
+          </a:bodyPr>
+          <a:lstStyle/>
+          <a:p>
+            <a:r>
+              <a:rPr lang="pt-PT" b="1" dirty="0">
+                <a:solidFill>
+                  <a:schemeClr val="tx1"/>
+                </a:solidFill>
+                <a:effectLst/>
+                <a:latin typeface="Abadi" panose="020B0604020104020204" pitchFamily="34" charset="0"/>
+              </a:rPr>
+              <a:t>3.1 Apresentação da abordagem de modelação realizada</a:t>
+            </a:r>
+            <a:endParaRPr lang="pt-PT" b="1" dirty="0">
+              <a:solidFill>
+                <a:schemeClr val="tx1"/>
+              </a:solidFill>
+            </a:endParaRPr>
+          </a:p>
+        </p:txBody>
+      </p:sp>
+      <p:sp>
+        <p:nvSpPr>
+          <p:cNvPr id="3" name="Marcador de Posição de Conteúdo 2">
+            <a:extLst>
+              <a:ext uri="{FF2B5EF4-FFF2-40B4-BE49-F238E27FC236}">
+                <a16:creationId xmlns:a16="http://schemas.microsoft.com/office/drawing/2014/main" id="{CE394C8F-2A1B-7D30-FE97-30B62324588F}"/>
+              </a:ext>
+            </a:extLst>
+          </p:cNvPr>
+          <p:cNvSpPr>
+            <a:spLocks noGrp="1"/>
+          </p:cNvSpPr>
+          <p:nvPr>
+            <p:ph idx="1"/>
+          </p:nvPr>
+        </p:nvSpPr>
+        <p:spPr/>
+        <p:txBody>
+          <a:bodyPr>
+            <a:normAutofit/>
+          </a:bodyPr>
+          <a:lstStyle/>
+          <a:p>
+            <a:pPr algn="just"/>
+            <a:r>
+              <a:rPr lang="pt-PT" dirty="0">
+                <a:solidFill>
+                  <a:schemeClr val="tx1"/>
+                </a:solidFill>
+              </a:rPr>
+              <a:t>Após a formulação e validação dos requisitos começa-se agora o planeamento da estrutura do Sistema de Base de Dados que se pretende implementar.</a:t>
+            </a:r>
+          </a:p>
+          <a:p>
+            <a:pPr algn="just"/>
+            <a:r>
+              <a:rPr lang="pt-PT" dirty="0">
+                <a:solidFill>
+                  <a:schemeClr val="tx1"/>
+                </a:solidFill>
+              </a:rPr>
+              <a:t>Para iniciar o planeamento a equipa decidiu começar com um modelo conceptual, nomeadamente um Diagrama Entidade-Relacionamento, um fluxograma conceptual composto de tabelas (entidades) com atributos relacionadas entre si (relacionamento), que ajudam a melhor entender como produzir um sistema de Base de Dados. </a:t>
+            </a:r>
+          </a:p>
+          <a:p>
+            <a:pPr algn="just"/>
+            <a:r>
+              <a:rPr lang="pt-PT" dirty="0">
+                <a:solidFill>
+                  <a:schemeClr val="tx1"/>
+                </a:solidFill>
+              </a:rPr>
+              <a:t>Para este caso, decidimos fazer um Diagrama ER que melhor representava a realidade do funcionamento dos armazéns e do seu sistema de entregas.</a:t>
+            </a:r>
+          </a:p>
+        </p:txBody>
+      </p:sp>
+    </p:spTree>
+    <p:extLst>
+      <p:ext uri="{BB962C8B-B14F-4D97-AF65-F5344CB8AC3E}">
+        <p14:creationId xmlns:p14="http://schemas.microsoft.com/office/powerpoint/2010/main" val="461892113"/>
+      </p:ext>
+    </p:extLst>
+  </p:cSld>
+  <p:clrMapOvr>
+    <a:masterClrMapping/>
+  </p:clrMapOvr>
+</p:sld>
+</file>
+
+<file path=ppt/slides/slide21.xml><?xml version="1.0" encoding="utf-8"?>
+<p:sld xmlns:a="http://schemas.openxmlformats.org/drawingml/2006/main" xmlns:r="http://schemas.openxmlformats.org/officeDocument/2006/relationships" xmlns:p="http://schemas.openxmlformats.org/presentationml/2006/main">
+  <p:cSld>
+    <p:spTree>
+      <p:nvGrpSpPr>
+        <p:cNvPr id="1" name=""/>
+        <p:cNvGrpSpPr/>
+        <p:nvPr/>
+      </p:nvGrpSpPr>
+      <p:grpSpPr>
+        <a:xfrm>
+          <a:off x="0" y="0"/>
+          <a:ext cx="0" cy="0"/>
+          <a:chOff x="0" y="0"/>
+          <a:chExt cx="0" cy="0"/>
+        </a:xfrm>
+      </p:grpSpPr>
+      <p:sp>
+        <p:nvSpPr>
+          <p:cNvPr id="2" name="Título 1">
+            <a:extLst>
+              <a:ext uri="{FF2B5EF4-FFF2-40B4-BE49-F238E27FC236}">
+                <a16:creationId xmlns:a16="http://schemas.microsoft.com/office/drawing/2014/main" id="{2E5A00FA-AB8B-2854-A21E-F4716E48C8DD}"/>
+              </a:ext>
+            </a:extLst>
+          </p:cNvPr>
+          <p:cNvSpPr>
+            <a:spLocks noGrp="1"/>
+          </p:cNvSpPr>
+          <p:nvPr>
+            <p:ph type="title"/>
+          </p:nvPr>
+        </p:nvSpPr>
+        <p:spPr/>
+        <p:txBody>
+          <a:bodyPr>
+            <a:normAutofit/>
+          </a:bodyPr>
+          <a:lstStyle/>
+          <a:p>
+            <a:r>
+              <a:rPr lang="pt-PT" b="1" dirty="0">
+                <a:solidFill>
+                  <a:schemeClr val="tx1"/>
+                </a:solidFill>
+                <a:effectLst/>
+                <a:latin typeface="Abadi" panose="020B0604020104020204" pitchFamily="34" charset="0"/>
+              </a:rPr>
+              <a:t>3.2 Identificação e caracterização das entidades </a:t>
+            </a:r>
+            <a:endParaRPr lang="pt-PT" b="1" dirty="0">
+              <a:solidFill>
+                <a:schemeClr val="tx1"/>
+              </a:solidFill>
+            </a:endParaRPr>
+          </a:p>
+        </p:txBody>
+      </p:sp>
+      <p:sp>
+        <p:nvSpPr>
+          <p:cNvPr id="3" name="Marcador de Posição de Conteúdo 2">
+            <a:extLst>
+              <a:ext uri="{FF2B5EF4-FFF2-40B4-BE49-F238E27FC236}">
+                <a16:creationId xmlns:a16="http://schemas.microsoft.com/office/drawing/2014/main" id="{2C166282-F942-CCCB-1D2E-9CBDFFD4C7B1}"/>
+              </a:ext>
+            </a:extLst>
+          </p:cNvPr>
+          <p:cNvSpPr>
+            <a:spLocks noGrp="1"/>
+          </p:cNvSpPr>
+          <p:nvPr>
+            <p:ph idx="1"/>
+          </p:nvPr>
+        </p:nvSpPr>
+        <p:spPr>
+          <a:xfrm>
+            <a:off x="1141412" y="2292017"/>
+            <a:ext cx="9905999" cy="3541714"/>
+          </a:xfrm>
+        </p:spPr>
+        <p:txBody>
+          <a:bodyPr>
+            <a:normAutofit fontScale="92500"/>
+          </a:bodyPr>
+          <a:lstStyle/>
+          <a:p>
+            <a:pPr marL="0" indent="0" algn="just">
+              <a:buNone/>
+            </a:pPr>
+            <a:r>
+              <a:rPr lang="pt-PT" sz="1800" dirty="0">
+                <a:solidFill>
+                  <a:schemeClr val="tx1"/>
+                </a:solidFill>
+                <a:effectLst/>
+                <a:latin typeface="Arial" panose="020B0604020202020204" pitchFamily="34" charset="0"/>
+              </a:rPr>
+              <a:t>A observação dos métodos de trabalho da empresa para o levantamento de requisitos teve também um impacto positivo para identificar as entidades necessárias para o SBD. Depois de reunir o grupo decidiu então declarar as seguintes entidades:</a:t>
+            </a:r>
+            <a:endParaRPr lang="pt-PT" sz="1800" i="0" dirty="0">
+              <a:solidFill>
+                <a:schemeClr val="tx1"/>
+              </a:solidFill>
+              <a:effectLst/>
+              <a:latin typeface="Arial" panose="020B0604020202020204" pitchFamily="34" charset="0"/>
+            </a:endParaRPr>
+          </a:p>
+          <a:p>
+            <a:pPr algn="just"/>
+            <a:r>
+              <a:rPr lang="pt-PT" sz="1800" b="1" i="0" dirty="0">
+                <a:solidFill>
+                  <a:schemeClr val="tx1"/>
+                </a:solidFill>
+                <a:effectLst/>
+                <a:latin typeface="Arial" panose="020B0604020202020204" pitchFamily="34" charset="0"/>
+              </a:rPr>
+              <a:t>Encomenda</a:t>
+            </a:r>
+            <a:r>
+              <a:rPr lang="pt-PT" sz="1800" b="1" dirty="0">
+                <a:solidFill>
+                  <a:schemeClr val="tx1"/>
+                </a:solidFill>
+                <a:effectLst/>
+                <a:latin typeface="Arial" panose="020B0604020202020204" pitchFamily="34" charset="0"/>
+              </a:rPr>
+              <a:t>: </a:t>
+            </a:r>
+            <a:r>
+              <a:rPr lang="pt-PT" sz="1800" dirty="0">
+                <a:solidFill>
+                  <a:schemeClr val="tx1"/>
+                </a:solidFill>
+                <a:effectLst/>
+                <a:latin typeface="Arial" panose="020B0604020202020204" pitchFamily="34" charset="0"/>
+              </a:rPr>
+              <a:t>A encomenda é a tarefa que ultimamente tem ajudado a empresa do Dr. Bernardo a crescer, ao em vez de um cliente ter que ir a farmácia e comprar medicação, um estafeta entrega ao domicílio a encomenda de um cliente. Na base de dados uma encomenda é c</a:t>
+            </a:r>
+            <a:r>
+              <a:rPr lang="pt-PT" sz="1800" i="0" dirty="0">
+                <a:solidFill>
+                  <a:schemeClr val="tx1"/>
+                </a:solidFill>
+                <a:effectLst/>
+                <a:latin typeface="Arial" panose="020B0604020202020204" pitchFamily="34" charset="0"/>
+              </a:rPr>
+              <a:t>onstituída por um Identificador, </a:t>
+            </a:r>
+            <a:r>
+              <a:rPr lang="pt-PT" sz="1800" dirty="0">
+                <a:solidFill>
+                  <a:schemeClr val="tx1"/>
+                </a:solidFill>
+                <a:effectLst/>
+                <a:latin typeface="Arial" panose="020B0604020202020204" pitchFamily="34" charset="0"/>
+              </a:rPr>
+              <a:t>o/os item/itens que serão entregues, o e</a:t>
+            </a:r>
+            <a:r>
+              <a:rPr lang="pt-PT" sz="1800" i="0" dirty="0">
+                <a:solidFill>
+                  <a:schemeClr val="tx1"/>
+                </a:solidFill>
+                <a:effectLst/>
+                <a:latin typeface="Arial" panose="020B0604020202020204" pitchFamily="34" charset="0"/>
+              </a:rPr>
+              <a:t>stado de </a:t>
+            </a:r>
+            <a:r>
+              <a:rPr lang="pt-PT" sz="1800" dirty="0">
+                <a:solidFill>
+                  <a:schemeClr val="tx1"/>
+                </a:solidFill>
+                <a:effectLst/>
+                <a:latin typeface="Arial" panose="020B0604020202020204" pitchFamily="34" charset="0"/>
+              </a:rPr>
+              <a:t>p</a:t>
+            </a:r>
+            <a:r>
+              <a:rPr lang="pt-PT" sz="1800" i="0" dirty="0">
+                <a:solidFill>
+                  <a:schemeClr val="tx1"/>
+                </a:solidFill>
+                <a:effectLst/>
+                <a:latin typeface="Arial" panose="020B0604020202020204" pitchFamily="34" charset="0"/>
+              </a:rPr>
+              <a:t>agamento,  a sua Data de Registo, o nível de Prioridade (de 1 a 5, sendo 5 o nível de maior prioridade), o Estado de Entrega e por fim, </a:t>
+            </a:r>
+            <a:r>
+              <a:rPr lang="pt-PT" sz="1800" dirty="0">
+                <a:solidFill>
+                  <a:schemeClr val="tx1"/>
+                </a:solidFill>
+                <a:effectLst/>
+                <a:latin typeface="Arial" panose="020B0604020202020204" pitchFamily="34" charset="0"/>
+              </a:rPr>
+              <a:t>opcionalmente o </a:t>
+            </a:r>
+            <a:r>
+              <a:rPr lang="pt-PT" sz="1800" i="0" dirty="0">
+                <a:solidFill>
+                  <a:schemeClr val="tx1"/>
+                </a:solidFill>
+                <a:effectLst/>
+                <a:latin typeface="Arial" panose="020B0604020202020204" pitchFamily="34" charset="0"/>
+              </a:rPr>
+              <a:t>Estado de Validação Médica. </a:t>
+            </a:r>
+          </a:p>
+          <a:p>
+            <a:pPr algn="just"/>
+            <a:r>
+              <a:rPr lang="pt-PT" b="1" dirty="0">
+                <a:solidFill>
+                  <a:schemeClr val="tx1"/>
+                </a:solidFill>
+                <a:effectLst/>
+              </a:rPr>
+              <a:t>Cliente</a:t>
+            </a:r>
+            <a:r>
+              <a:rPr lang="pt-PT" dirty="0">
+                <a:solidFill>
+                  <a:schemeClr val="tx1"/>
+                </a:solidFill>
+              </a:rPr>
+              <a:t>: </a:t>
+            </a:r>
+            <a:r>
+              <a:rPr lang="pt-PT" sz="1800" dirty="0">
+                <a:solidFill>
+                  <a:schemeClr val="tx1"/>
+                </a:solidFill>
+                <a:effectLst/>
+                <a:latin typeface="Arial" panose="020B0604020202020204" pitchFamily="34" charset="0"/>
+                <a:cs typeface="Arial" panose="020B0604020202020204" pitchFamily="34" charset="0"/>
+              </a:rPr>
+              <a:t>O cliente é a pessoa que encomenda um ou mais produtos da farmácia, para usos futuros o cliente é registado na base de dados com um </a:t>
+            </a:r>
+            <a:r>
+              <a:rPr lang="pt-PT" sz="1800" i="0" dirty="0">
+                <a:solidFill>
+                  <a:schemeClr val="tx1"/>
+                </a:solidFill>
+                <a:effectLst/>
+                <a:latin typeface="Arial" panose="020B0604020202020204" pitchFamily="34" charset="0"/>
+                <a:cs typeface="Arial" panose="020B0604020202020204" pitchFamily="34" charset="0"/>
+              </a:rPr>
+              <a:t>Identificador, o seu Nome, o seu NIF, opcional Data de nascimento, género e se o cliente tem serviço premium ou não.</a:t>
+            </a:r>
+            <a:endParaRPr lang="pt-PT" dirty="0">
+              <a:solidFill>
+                <a:schemeClr val="tx1"/>
+              </a:solidFill>
+              <a:effectLst/>
+              <a:latin typeface="Arial" panose="020B0604020202020204" pitchFamily="34" charset="0"/>
+              <a:cs typeface="Arial" panose="020B0604020202020204" pitchFamily="34" charset="0"/>
+            </a:endParaRPr>
+          </a:p>
+        </p:txBody>
+      </p:sp>
+    </p:spTree>
+    <p:extLst>
+      <p:ext uri="{BB962C8B-B14F-4D97-AF65-F5344CB8AC3E}">
+        <p14:creationId xmlns:p14="http://schemas.microsoft.com/office/powerpoint/2010/main" val="652027117"/>
+      </p:ext>
+    </p:extLst>
+  </p:cSld>
+  <p:clrMapOvr>
+    <a:masterClrMapping/>
+  </p:clrMapOvr>
+</p:sld>
+</file>
+
 <file path=ppt/slides/slide22.xml><?xml version="1.0" encoding="utf-8"?>
 <p:sld xmlns:a="http://schemas.openxmlformats.org/drawingml/2006/main" xmlns:r="http://schemas.openxmlformats.org/officeDocument/2006/relationships" xmlns:p="http://schemas.openxmlformats.org/presentationml/2006/main">
   <p:cSld>
@@ -12429,10 +10299,10 @@
       </p:grpSpPr>
       <p:sp>
         <p:nvSpPr>
-          <p:cNvPr id="2" name="Título 1">
+          <p:cNvPr id="3" name="Marcador de Posição de Conteúdo 2">
             <a:extLst>
               <a:ext uri="{FF2B5EF4-FFF2-40B4-BE49-F238E27FC236}">
-                <a16:creationId xmlns:a16="http://schemas.microsoft.com/office/drawing/2014/main" id="{9120109A-8C85-C9A3-283A-39646E58D129}"/>
+                <a16:creationId xmlns:a16="http://schemas.microsoft.com/office/drawing/2014/main" id="{C790A8A5-96AE-FC53-6A14-2ECCE49AEDEF}"/>
               </a:ext>
             </a:extLst>
           </p:cNvPr>
@@ -12440,95 +10310,72 @@
             <a:spLocks noGrp="1"/>
           </p:cNvSpPr>
           <p:nvPr>
-            <p:ph type="title"/>
-          </p:nvPr>
-        </p:nvSpPr>
-        <p:spPr/>
-        <p:txBody>
-          <a:bodyPr>
-            <a:normAutofit/>
-          </a:bodyPr>
+            <p:ph idx="1"/>
+          </p:nvPr>
+        </p:nvSpPr>
+        <p:spPr>
+          <a:xfrm>
+            <a:off x="1141412" y="627321"/>
+            <a:ext cx="9905999" cy="5163880"/>
+          </a:xfrm>
+        </p:spPr>
+        <p:txBody>
+          <a:bodyPr/>
           <a:lstStyle/>
           <a:p>
+            <a:pPr algn="just"/>
             <a:r>
               <a:rPr lang="pt-PT" b="1" dirty="0">
                 <a:solidFill>
                   <a:schemeClr val="tx1"/>
                 </a:solidFill>
                 <a:effectLst/>
-                <a:latin typeface="Abadi" panose="020B0604020104020204" pitchFamily="34" charset="0"/>
-              </a:rPr>
-              <a:t>3.1 Apresentação da abordagem de modelação realizada</a:t>
+              </a:rPr>
+              <a:t>Percurso: </a:t>
+            </a:r>
+            <a:r>
+              <a:rPr lang="pt-PT" dirty="0">
+                <a:solidFill>
+                  <a:schemeClr val="tx1"/>
+                </a:solidFill>
+                <a:effectLst/>
+              </a:rPr>
+              <a:t>O percurso dos armazéns até ao cliente é realizado por uma outra entidade “Funcionário”, o percurso em si tem como atributos a identificação (ID), a sua distância total (distância do percurso em si), a hora prevista até o destino, a hora de partida, a hora de chegada, a distância parcial (distância percorrida de cada ponto de entrega durante o percurso) e as horas de entrega ao longo do caminho.</a:t>
+            </a:r>
+          </a:p>
+          <a:p>
+            <a:pPr algn="just"/>
+            <a:r>
+              <a:rPr lang="pt-PT" b="1" dirty="0">
+                <a:solidFill>
+                  <a:schemeClr val="tx1"/>
+                </a:solidFill>
+                <a:effectLst/>
+              </a:rPr>
+              <a:t>Funcionário: </a:t>
+            </a:r>
+            <a:r>
+              <a:rPr lang="pt-PT" dirty="0">
+                <a:solidFill>
+                  <a:schemeClr val="tx1"/>
+                </a:solidFill>
+                <a:effectLst/>
+              </a:rPr>
+              <a:t>Como referido antes, os percursos são realizados por funcionários da empresa, cada um deles com registo de Nome, o seu salário, a sua habilitação automobilística bem como a sua data de expiração, a sua posição na empresa, a sua data de nascimento e a data de entrada na empresa. </a:t>
             </a:r>
             <a:endParaRPr lang="pt-PT" b="1" dirty="0">
               <a:solidFill>
                 <a:schemeClr val="tx1"/>
               </a:solidFill>
+              <a:effectLst/>
             </a:endParaRPr>
-          </a:p>
-        </p:txBody>
-      </p:sp>
-      <p:sp>
-        <p:nvSpPr>
-          <p:cNvPr id="3" name="Marcador de Posição de Conteúdo 2">
-            <a:extLst>
-              <a:ext uri="{FF2B5EF4-FFF2-40B4-BE49-F238E27FC236}">
-                <a16:creationId xmlns:a16="http://schemas.microsoft.com/office/drawing/2014/main" id="{CE394C8F-2A1B-7D30-FE97-30B62324588F}"/>
-              </a:ext>
-            </a:extLst>
-          </p:cNvPr>
-          <p:cNvSpPr>
-            <a:spLocks noGrp="1"/>
-          </p:cNvSpPr>
-          <p:nvPr>
-            <p:ph idx="1"/>
-          </p:nvPr>
-        </p:nvSpPr>
-        <p:spPr/>
-        <p:txBody>
-          <a:bodyPr>
-            <a:normAutofit/>
-          </a:bodyPr>
-          <a:lstStyle/>
-          <a:p>
-            <a:pPr algn="just"/>
-            <a:r>
-              <a:rPr lang="pt-PT" dirty="0">
-                <a:solidFill>
-                  <a:schemeClr val="tx1"/>
-                </a:solidFill>
-              </a:rPr>
-              <a:t>Após a formulação e validação dos requisitos começa-se agora o planeamento da estrutura do Sistema de Base de Dados que se pretende implementar.</a:t>
-            </a:r>
-          </a:p>
-          <a:p>
-            <a:pPr algn="just"/>
-            <a:r>
-              <a:rPr lang="pt-PT" dirty="0">
-                <a:solidFill>
-                  <a:schemeClr val="tx1"/>
-                </a:solidFill>
-              </a:rPr>
-              <a:t>Para iniciar o planeamento a equipa decidiu começar com um modelo conceptual, nomeadamente um Diagrama Entidade-Relacionamento, um fluxograma conceptual composto de tabelas (entidades) com atributos relacionadas entre si (relacionamento), que ajudam a melhor entender como produzir um sistema de Base de Dados. </a:t>
-            </a:r>
-          </a:p>
-          <a:p>
-            <a:pPr algn="just"/>
-            <a:r>
-              <a:rPr lang="pt-PT" dirty="0">
-                <a:solidFill>
-                  <a:schemeClr val="tx1"/>
-                </a:solidFill>
-              </a:rPr>
-              <a:t>Para este caso, decidimos fazer um Diagrama ER que melhor representava a realidade do funcionamento dos armazéns e do seu sistema de entregas.</a:t>
-            </a:r>
           </a:p>
         </p:txBody>
       </p:sp>
     </p:spTree>
     <p:extLst>
       <p:ext uri="{BB962C8B-B14F-4D97-AF65-F5344CB8AC3E}">
-        <p14:creationId xmlns:p14="http://schemas.microsoft.com/office/powerpoint/2010/main" val="461892113"/>
+        <p14:creationId xmlns:p14="http://schemas.microsoft.com/office/powerpoint/2010/main" val="2193799714"/>
       </p:ext>
     </p:extLst>
   </p:cSld>
@@ -12557,10 +10404,10 @@
       </p:grpSpPr>
       <p:sp>
         <p:nvSpPr>
-          <p:cNvPr id="2" name="Título 1">
+          <p:cNvPr id="3" name="Marcador de Posição de Conteúdo 2">
             <a:extLst>
               <a:ext uri="{FF2B5EF4-FFF2-40B4-BE49-F238E27FC236}">
-                <a16:creationId xmlns:a16="http://schemas.microsoft.com/office/drawing/2014/main" id="{2E5A00FA-AB8B-2854-A21E-F4716E48C8DD}"/>
+                <a16:creationId xmlns:a16="http://schemas.microsoft.com/office/drawing/2014/main" id="{C790A8A5-96AE-FC53-6A14-2ECCE49AEDEF}"/>
               </a:ext>
             </a:extLst>
           </p:cNvPr>
@@ -12568,234 +10415,123 @@
             <a:spLocks noGrp="1"/>
           </p:cNvSpPr>
           <p:nvPr>
-            <p:ph type="title"/>
-          </p:nvPr>
-        </p:nvSpPr>
-        <p:spPr/>
+            <p:ph idx="1"/>
+          </p:nvPr>
+        </p:nvSpPr>
+        <p:spPr>
+          <a:xfrm>
+            <a:off x="1141412" y="627321"/>
+            <a:ext cx="9905999" cy="5163880"/>
+          </a:xfrm>
+        </p:spPr>
         <p:txBody>
           <a:bodyPr>
             <a:normAutofit/>
           </a:bodyPr>
           <a:lstStyle/>
           <a:p>
+            <a:pPr algn="just"/>
             <a:r>
               <a:rPr lang="pt-PT" b="1" dirty="0">
                 <a:solidFill>
                   <a:schemeClr val="tx1"/>
                 </a:solidFill>
                 <a:effectLst/>
-                <a:latin typeface="Abadi" panose="020B0604020104020204" pitchFamily="34" charset="0"/>
-              </a:rPr>
-              <a:t>3.2 Identificação e caracterização das entidades </a:t>
+              </a:rPr>
+              <a:t>Endereço: </a:t>
+            </a:r>
+            <a:r>
+              <a:rPr lang="pt-PT" dirty="0">
+                <a:solidFill>
+                  <a:schemeClr val="tx1"/>
+                </a:solidFill>
+                <a:effectLst/>
+              </a:rPr>
+              <a:t>A entidade endereço está relacionada com outras várias pois, numa empresa que tem sistema de entregas, os endereços dos clientes são dos principais atributos a seguir. O endereço é composto de uma localidade, de uma rua e do seu código postal.</a:t>
+            </a:r>
+          </a:p>
+          <a:p>
+            <a:pPr algn="just"/>
+            <a:r>
+              <a:rPr lang="pt-PT" b="1" dirty="0">
+                <a:solidFill>
+                  <a:schemeClr val="tx1"/>
+                </a:solidFill>
+                <a:effectLst/>
+              </a:rPr>
+              <a:t>Veículo: </a:t>
+            </a:r>
+            <a:r>
+              <a:rPr lang="pt-PT" dirty="0">
+                <a:solidFill>
+                  <a:schemeClr val="tx1"/>
+                </a:solidFill>
+                <a:effectLst/>
+              </a:rPr>
+              <a:t>Representa o automóvel que entrega a encomenda ao domicílio, descrito na base de dados com um número de identificação (ID), a sua matrícula, categoria, a quantidade e o tipo de combustível que utiliza, a sua contagem de Quilómetros, o seu estado operacional, o Imposto único de circulação (IUC) e a data da próxima inspeção.</a:t>
+            </a:r>
+          </a:p>
+          <a:p>
+            <a:pPr algn="just"/>
+            <a:r>
+              <a:rPr lang="pt-PT" b="1" dirty="0">
+                <a:solidFill>
+                  <a:schemeClr val="tx1"/>
+                </a:solidFill>
+                <a:effectLst/>
+              </a:rPr>
+              <a:t>Item: </a:t>
+            </a:r>
+            <a:r>
+              <a:rPr lang="pt-PT" dirty="0">
+                <a:solidFill>
+                  <a:schemeClr val="tx1"/>
+                </a:solidFill>
+                <a:effectLst/>
+              </a:rPr>
+              <a:t>Uma encomenda é composta </a:t>
+            </a:r>
+            <a:r>
+              <a:rPr lang="pt-PT" dirty="0">
+                <a:solidFill>
+                  <a:schemeClr val="tx1"/>
+                </a:solidFill>
+              </a:rPr>
+              <a:t>por</a:t>
+            </a:r>
+            <a:r>
+              <a:rPr lang="pt-PT" dirty="0">
+                <a:solidFill>
+                  <a:schemeClr val="tx1"/>
+                </a:solidFill>
+                <a:effectLst/>
+              </a:rPr>
+              <a:t> itens, itens esses que têm um identificador (ID), um Nome, o seu custo, a descrição do item, a quantidade no stock, a percentagem de comparticipação do estado  e o imposto associado.</a:t>
+            </a:r>
+          </a:p>
+          <a:p>
+            <a:pPr algn="just"/>
+            <a:r>
+              <a:rPr lang="pt-PT" b="1" dirty="0">
+                <a:solidFill>
+                  <a:schemeClr val="tx1"/>
+                </a:solidFill>
+              </a:rPr>
+              <a:t>Relatório: </a:t>
+            </a:r>
+            <a:r>
+              <a:rPr lang="pt-PT" dirty="0">
+                <a:solidFill>
+                  <a:schemeClr val="tx1"/>
+                </a:solidFill>
+              </a:rPr>
+              <a:t>Um relatório é composto por uma data, um estado, descrição, ID e gravidade.</a:t>
             </a:r>
             <a:endParaRPr lang="pt-PT" b="1" dirty="0">
               <a:solidFill>
                 <a:schemeClr val="tx1"/>
               </a:solidFill>
-            </a:endParaRPr>
-          </a:p>
-        </p:txBody>
-      </p:sp>
-      <p:sp>
-        <p:nvSpPr>
-          <p:cNvPr id="3" name="Marcador de Posição de Conteúdo 2">
-            <a:extLst>
-              <a:ext uri="{FF2B5EF4-FFF2-40B4-BE49-F238E27FC236}">
-                <a16:creationId xmlns:a16="http://schemas.microsoft.com/office/drawing/2014/main" id="{2C166282-F942-CCCB-1D2E-9CBDFFD4C7B1}"/>
-              </a:ext>
-            </a:extLst>
-          </p:cNvPr>
-          <p:cNvSpPr>
-            <a:spLocks noGrp="1"/>
-          </p:cNvSpPr>
-          <p:nvPr>
-            <p:ph idx="1"/>
-          </p:nvPr>
-        </p:nvSpPr>
-        <p:spPr>
-          <a:xfrm>
-            <a:off x="1141412" y="2292017"/>
-            <a:ext cx="9905999" cy="3541714"/>
-          </a:xfrm>
-        </p:spPr>
-        <p:txBody>
-          <a:bodyPr>
-            <a:normAutofit fontScale="92500"/>
-          </a:bodyPr>
-          <a:lstStyle/>
-          <a:p>
-            <a:pPr marL="0" indent="0" algn="just">
-              <a:buNone/>
-            </a:pPr>
-            <a:r>
-              <a:rPr lang="pt-PT" sz="1800" dirty="0">
-                <a:solidFill>
-                  <a:schemeClr val="tx1"/>
-                </a:solidFill>
-                <a:effectLst/>
-                <a:latin typeface="Arial" panose="020B0604020202020204" pitchFamily="34" charset="0"/>
-              </a:rPr>
-              <a:t>A observação dos métodos de trabalho da empresa para o levantamento de requisitos teve também um impacto positivo para identificar as entidades necessárias para o SBD. Depois de reunir o grupo decidiu então declarar as seguintes entidades:</a:t>
-            </a:r>
-            <a:endParaRPr lang="pt-PT" sz="1800" i="0" dirty="0">
-              <a:solidFill>
-                <a:schemeClr val="tx1"/>
-              </a:solidFill>
               <a:effectLst/>
-              <a:latin typeface="Arial" panose="020B0604020202020204" pitchFamily="34" charset="0"/>
-            </a:endParaRPr>
-          </a:p>
-          <a:p>
-            <a:pPr algn="just"/>
-            <a:r>
-              <a:rPr lang="pt-PT" sz="1800" b="1" i="0" dirty="0">
-                <a:solidFill>
-                  <a:schemeClr val="tx1"/>
-                </a:solidFill>
-                <a:effectLst/>
-                <a:latin typeface="Arial" panose="020B0604020202020204" pitchFamily="34" charset="0"/>
-              </a:rPr>
-              <a:t>Encomenda</a:t>
-            </a:r>
-            <a:r>
-              <a:rPr lang="pt-PT" sz="1800" b="1" dirty="0">
-                <a:solidFill>
-                  <a:schemeClr val="tx1"/>
-                </a:solidFill>
-                <a:effectLst/>
-                <a:latin typeface="Arial" panose="020B0604020202020204" pitchFamily="34" charset="0"/>
-              </a:rPr>
-              <a:t>: </a:t>
-            </a:r>
-            <a:r>
-              <a:rPr lang="pt-PT" sz="1800" dirty="0">
-                <a:solidFill>
-                  <a:schemeClr val="tx1"/>
-                </a:solidFill>
-                <a:effectLst/>
-                <a:latin typeface="Arial" panose="020B0604020202020204" pitchFamily="34" charset="0"/>
-              </a:rPr>
-              <a:t>A encomenda é a tarefa que ultimamente tem ajudado a empresa do Dr. Bernardo a crescer, ao em vez de um cliente ter que ir a farmácia e comprar medicação, um estafeta entrega ao domicílio a encomenda de um cliente. Na base de dados uma encomenda é c</a:t>
-            </a:r>
-            <a:r>
-              <a:rPr lang="pt-PT" sz="1800" i="0" dirty="0">
-                <a:solidFill>
-                  <a:schemeClr val="tx1"/>
-                </a:solidFill>
-                <a:effectLst/>
-                <a:latin typeface="Arial" panose="020B0604020202020204" pitchFamily="34" charset="0"/>
-              </a:rPr>
-              <a:t>onstituída por um Identificador, </a:t>
-            </a:r>
-            <a:r>
-              <a:rPr lang="pt-PT" sz="1800" dirty="0">
-                <a:solidFill>
-                  <a:schemeClr val="tx1"/>
-                </a:solidFill>
-                <a:effectLst/>
-                <a:latin typeface="Arial" panose="020B0604020202020204" pitchFamily="34" charset="0"/>
-              </a:rPr>
-              <a:t>o/os item/itens que serão entregues, o e</a:t>
-            </a:r>
-            <a:r>
-              <a:rPr lang="pt-PT" sz="1800" i="0" dirty="0">
-                <a:solidFill>
-                  <a:schemeClr val="tx1"/>
-                </a:solidFill>
-                <a:effectLst/>
-                <a:latin typeface="Arial" panose="020B0604020202020204" pitchFamily="34" charset="0"/>
-              </a:rPr>
-              <a:t>stado de </a:t>
-            </a:r>
-            <a:r>
-              <a:rPr lang="pt-PT" sz="1800" dirty="0">
-                <a:solidFill>
-                  <a:schemeClr val="tx1"/>
-                </a:solidFill>
-                <a:effectLst/>
-                <a:latin typeface="Arial" panose="020B0604020202020204" pitchFamily="34" charset="0"/>
-              </a:rPr>
-              <a:t>p</a:t>
-            </a:r>
-            <a:r>
-              <a:rPr lang="pt-PT" sz="1800" i="0" dirty="0">
-                <a:solidFill>
-                  <a:schemeClr val="tx1"/>
-                </a:solidFill>
-                <a:effectLst/>
-                <a:latin typeface="Arial" panose="020B0604020202020204" pitchFamily="34" charset="0"/>
-              </a:rPr>
-              <a:t>agamento,  a sua Data de Registo, o nível de Prioridade (de 1 a 5, sendo 5 o nível de maior prioridade), o Estado de Entrega e por fim, </a:t>
-            </a:r>
-            <a:r>
-              <a:rPr lang="pt-PT" sz="1800" dirty="0">
-                <a:solidFill>
-                  <a:schemeClr val="tx1"/>
-                </a:solidFill>
-                <a:effectLst/>
-                <a:latin typeface="Arial" panose="020B0604020202020204" pitchFamily="34" charset="0"/>
-              </a:rPr>
-              <a:t>opcionalmente o </a:t>
-            </a:r>
-            <a:r>
-              <a:rPr lang="pt-PT" sz="1800" i="0" dirty="0">
-                <a:solidFill>
-                  <a:schemeClr val="tx1"/>
-                </a:solidFill>
-                <a:effectLst/>
-                <a:latin typeface="Arial" panose="020B0604020202020204" pitchFamily="34" charset="0"/>
-              </a:rPr>
-              <a:t>Estado de Validação Médica. </a:t>
-            </a:r>
-          </a:p>
-          <a:p>
-            <a:pPr algn="just"/>
-            <a:r>
-              <a:rPr lang="pt-PT" b="1" dirty="0">
-                <a:solidFill>
-                  <a:schemeClr val="tx1"/>
-                </a:solidFill>
-                <a:effectLst/>
-              </a:rPr>
-              <a:t>Cliente</a:t>
-            </a:r>
-            <a:r>
-              <a:rPr lang="pt-PT" dirty="0">
-                <a:solidFill>
-                  <a:schemeClr val="tx1"/>
-                </a:solidFill>
-              </a:rPr>
-              <a:t>: </a:t>
-            </a:r>
-            <a:r>
-              <a:rPr lang="pt-PT" sz="1800" dirty="0">
-                <a:solidFill>
-                  <a:schemeClr val="tx1"/>
-                </a:solidFill>
-                <a:effectLst/>
-                <a:latin typeface="Arial" panose="020B0604020202020204" pitchFamily="34" charset="0"/>
-                <a:cs typeface="Arial" panose="020B0604020202020204" pitchFamily="34" charset="0"/>
-              </a:rPr>
-              <a:t>O cliente é a pessoa que encomenda um ou mais produtos da farmácia, para usos futuros o cliente é registado na base de dados com um </a:t>
-            </a:r>
-            <a:r>
-              <a:rPr lang="pt-PT" sz="1800" i="0" dirty="0">
-                <a:solidFill>
-                  <a:schemeClr val="tx1"/>
-                </a:solidFill>
-                <a:effectLst/>
-                <a:latin typeface="Arial" panose="020B0604020202020204" pitchFamily="34" charset="0"/>
-                <a:cs typeface="Arial" panose="020B0604020202020204" pitchFamily="34" charset="0"/>
-              </a:rPr>
-              <a:t>Identificador, o seu Nome, o seu NIF, opcional Data de nascimento, género e se o cliente tem serviço premium ou não.</a:t>
-            </a:r>
-            <a:endParaRPr lang="pt-PT" dirty="0">
-              <a:solidFill>
-                <a:schemeClr val="tx1"/>
-              </a:solidFill>
-              <a:effectLst/>
-              <a:latin typeface="Arial" panose="020B0604020202020204" pitchFamily="34" charset="0"/>
-              <a:cs typeface="Arial" panose="020B0604020202020204" pitchFamily="34" charset="0"/>
             </a:endParaRPr>
           </a:p>
         </p:txBody>
@@ -12803,7 +10539,7 @@
     </p:spTree>
     <p:extLst>
       <p:ext uri="{BB962C8B-B14F-4D97-AF65-F5344CB8AC3E}">
-        <p14:creationId xmlns:p14="http://schemas.microsoft.com/office/powerpoint/2010/main" val="652027117"/>
+        <p14:creationId xmlns:p14="http://schemas.microsoft.com/office/powerpoint/2010/main" val="1284617323"/>
       </p:ext>
     </p:extLst>
   </p:cSld>
@@ -12853,275 +10589,6 @@
           </a:xfrm>
         </p:spPr>
         <p:txBody>
-          <a:bodyPr/>
-          <a:lstStyle/>
-          <a:p>
-            <a:pPr algn="just"/>
-            <a:r>
-              <a:rPr lang="pt-PT" b="1" dirty="0">
-                <a:solidFill>
-                  <a:schemeClr val="tx1"/>
-                </a:solidFill>
-                <a:effectLst/>
-              </a:rPr>
-              <a:t>Percurso: </a:t>
-            </a:r>
-            <a:r>
-              <a:rPr lang="pt-PT" dirty="0">
-                <a:solidFill>
-                  <a:schemeClr val="tx1"/>
-                </a:solidFill>
-                <a:effectLst/>
-              </a:rPr>
-              <a:t>O percurso dos armazéns até ao cliente é realizado por uma outra entidade “Funcionário”, o percurso em si tem como atributos a identificação (ID), a sua distância total (distância do percurso em si), a hora prevista até o destino, a hora de partida, a hora de chegada, a distância parcial (distância percorrida de cada ponto de entrega durante o percurso) e as horas de entrega ao longo do caminho.</a:t>
-            </a:r>
-          </a:p>
-          <a:p>
-            <a:pPr algn="just"/>
-            <a:r>
-              <a:rPr lang="pt-PT" b="1" dirty="0">
-                <a:solidFill>
-                  <a:schemeClr val="tx1"/>
-                </a:solidFill>
-                <a:effectLst/>
-              </a:rPr>
-              <a:t>Funcionário: </a:t>
-            </a:r>
-            <a:r>
-              <a:rPr lang="pt-PT" dirty="0">
-                <a:solidFill>
-                  <a:schemeClr val="tx1"/>
-                </a:solidFill>
-                <a:effectLst/>
-              </a:rPr>
-              <a:t>Como referido antes, os percursos são realizados por funcionários da empresa, cada um deles com registo de Nome, o seu salário, a sua habilitação automobilística bem como a sua data de expiração, a sua posição na empresa, a sua data de nascimento e a data de entrada na empresa. </a:t>
-            </a:r>
-            <a:endParaRPr lang="pt-PT" b="1" dirty="0">
-              <a:solidFill>
-                <a:schemeClr val="tx1"/>
-              </a:solidFill>
-              <a:effectLst/>
-            </a:endParaRPr>
-          </a:p>
-        </p:txBody>
-      </p:sp>
-    </p:spTree>
-    <p:extLst>
-      <p:ext uri="{BB962C8B-B14F-4D97-AF65-F5344CB8AC3E}">
-        <p14:creationId xmlns:p14="http://schemas.microsoft.com/office/powerpoint/2010/main" val="2193799714"/>
-      </p:ext>
-    </p:extLst>
-  </p:cSld>
-  <p:clrMapOvr>
-    <a:masterClrMapping/>
-  </p:clrMapOvr>
-</p:sld>
-</file>
-
-<file path=ppt/slides/slide25.xml><?xml version="1.0" encoding="utf-8"?>
-<p:sld xmlns:a="http://schemas.openxmlformats.org/drawingml/2006/main" xmlns:r="http://schemas.openxmlformats.org/officeDocument/2006/relationships" xmlns:p="http://schemas.openxmlformats.org/presentationml/2006/main">
-  <p:cSld>
-    <p:spTree>
-      <p:nvGrpSpPr>
-        <p:cNvPr id="1" name=""/>
-        <p:cNvGrpSpPr/>
-        <p:nvPr/>
-      </p:nvGrpSpPr>
-      <p:grpSpPr>
-        <a:xfrm>
-          <a:off x="0" y="0"/>
-          <a:ext cx="0" cy="0"/>
-          <a:chOff x="0" y="0"/>
-          <a:chExt cx="0" cy="0"/>
-        </a:xfrm>
-      </p:grpSpPr>
-      <p:sp>
-        <p:nvSpPr>
-          <p:cNvPr id="3" name="Marcador de Posição de Conteúdo 2">
-            <a:extLst>
-              <a:ext uri="{FF2B5EF4-FFF2-40B4-BE49-F238E27FC236}">
-                <a16:creationId xmlns:a16="http://schemas.microsoft.com/office/drawing/2014/main" id="{C790A8A5-96AE-FC53-6A14-2ECCE49AEDEF}"/>
-              </a:ext>
-            </a:extLst>
-          </p:cNvPr>
-          <p:cNvSpPr>
-            <a:spLocks noGrp="1"/>
-          </p:cNvSpPr>
-          <p:nvPr>
-            <p:ph idx="1"/>
-          </p:nvPr>
-        </p:nvSpPr>
-        <p:spPr>
-          <a:xfrm>
-            <a:off x="1141412" y="627321"/>
-            <a:ext cx="9905999" cy="5163880"/>
-          </a:xfrm>
-        </p:spPr>
-        <p:txBody>
-          <a:bodyPr>
-            <a:normAutofit/>
-          </a:bodyPr>
-          <a:lstStyle/>
-          <a:p>
-            <a:pPr algn="just"/>
-            <a:r>
-              <a:rPr lang="pt-PT" b="1" dirty="0">
-                <a:solidFill>
-                  <a:schemeClr val="tx1"/>
-                </a:solidFill>
-                <a:effectLst/>
-              </a:rPr>
-              <a:t>Endereço: </a:t>
-            </a:r>
-            <a:r>
-              <a:rPr lang="pt-PT" dirty="0">
-                <a:solidFill>
-                  <a:schemeClr val="tx1"/>
-                </a:solidFill>
-                <a:effectLst/>
-              </a:rPr>
-              <a:t>A entidade endereço está relacionada com outras várias pois, numa empresa que tem sistema de entregas, os endereços dos clientes são dos principais atributos a seguir. O endereço é composto de uma localidade, de uma rua e do seu código postal.</a:t>
-            </a:r>
-          </a:p>
-          <a:p>
-            <a:pPr algn="just"/>
-            <a:r>
-              <a:rPr lang="pt-PT" b="1" dirty="0">
-                <a:solidFill>
-                  <a:schemeClr val="tx1"/>
-                </a:solidFill>
-                <a:effectLst/>
-              </a:rPr>
-              <a:t>Veículo: </a:t>
-            </a:r>
-            <a:r>
-              <a:rPr lang="pt-PT" dirty="0">
-                <a:solidFill>
-                  <a:schemeClr val="tx1"/>
-                </a:solidFill>
-                <a:effectLst/>
-              </a:rPr>
-              <a:t>Representa o automóvel que entrega a encomenda ao domicílio, descrito na base de dados com um número de identificação (ID), a sua matrícula, categoria, a quantidade e o tipo de combustível que utiliza, a sua contagem de Quilómetros, o seu estado operacional, o Imposto único de circulação (IUC) e a data da próxima inspeção.</a:t>
-            </a:r>
-          </a:p>
-          <a:p>
-            <a:pPr algn="just"/>
-            <a:r>
-              <a:rPr lang="pt-PT" b="1" dirty="0">
-                <a:solidFill>
-                  <a:schemeClr val="tx1"/>
-                </a:solidFill>
-                <a:effectLst/>
-              </a:rPr>
-              <a:t>Item: </a:t>
-            </a:r>
-            <a:r>
-              <a:rPr lang="pt-PT" dirty="0">
-                <a:solidFill>
-                  <a:schemeClr val="tx1"/>
-                </a:solidFill>
-                <a:effectLst/>
-              </a:rPr>
-              <a:t>Uma encomenda é composta </a:t>
-            </a:r>
-            <a:r>
-              <a:rPr lang="pt-PT" dirty="0">
-                <a:solidFill>
-                  <a:schemeClr val="tx1"/>
-                </a:solidFill>
-              </a:rPr>
-              <a:t>por</a:t>
-            </a:r>
-            <a:r>
-              <a:rPr lang="pt-PT" dirty="0">
-                <a:solidFill>
-                  <a:schemeClr val="tx1"/>
-                </a:solidFill>
-                <a:effectLst/>
-              </a:rPr>
-              <a:t> itens, itens esses que têm um identificador (ID), um Nome, o seu custo, a descrição do item, a quantidade no stock, a percentagem de comparticipação do estado  e o imposto associado.</a:t>
-            </a:r>
-          </a:p>
-          <a:p>
-            <a:pPr algn="just"/>
-            <a:r>
-              <a:rPr lang="pt-PT" b="1" dirty="0">
-                <a:solidFill>
-                  <a:schemeClr val="tx1"/>
-                </a:solidFill>
-              </a:rPr>
-              <a:t>Relatório: </a:t>
-            </a:r>
-            <a:r>
-              <a:rPr lang="pt-PT" dirty="0">
-                <a:solidFill>
-                  <a:schemeClr val="tx1"/>
-                </a:solidFill>
-              </a:rPr>
-              <a:t>Um relatório é composto por uma data, um estado, descrição, ID e gravidade.</a:t>
-            </a:r>
-            <a:endParaRPr lang="pt-PT" b="1" dirty="0">
-              <a:solidFill>
-                <a:schemeClr val="tx1"/>
-              </a:solidFill>
-              <a:effectLst/>
-            </a:endParaRPr>
-          </a:p>
-        </p:txBody>
-      </p:sp>
-    </p:spTree>
-    <p:extLst>
-      <p:ext uri="{BB962C8B-B14F-4D97-AF65-F5344CB8AC3E}">
-        <p14:creationId xmlns:p14="http://schemas.microsoft.com/office/powerpoint/2010/main" val="1284617323"/>
-      </p:ext>
-    </p:extLst>
-  </p:cSld>
-  <p:clrMapOvr>
-    <a:masterClrMapping/>
-  </p:clrMapOvr>
-</p:sld>
-</file>
-
-<file path=ppt/slides/slide26.xml><?xml version="1.0" encoding="utf-8"?>
-<p:sld xmlns:a="http://schemas.openxmlformats.org/drawingml/2006/main" xmlns:r="http://schemas.openxmlformats.org/officeDocument/2006/relationships" xmlns:p="http://schemas.openxmlformats.org/presentationml/2006/main">
-  <p:cSld>
-    <p:spTree>
-      <p:nvGrpSpPr>
-        <p:cNvPr id="1" name=""/>
-        <p:cNvGrpSpPr/>
-        <p:nvPr/>
-      </p:nvGrpSpPr>
-      <p:grpSpPr>
-        <a:xfrm>
-          <a:off x="0" y="0"/>
-          <a:ext cx="0" cy="0"/>
-          <a:chOff x="0" y="0"/>
-          <a:chExt cx="0" cy="0"/>
-        </a:xfrm>
-      </p:grpSpPr>
-      <p:sp>
-        <p:nvSpPr>
-          <p:cNvPr id="3" name="Marcador de Posição de Conteúdo 2">
-            <a:extLst>
-              <a:ext uri="{FF2B5EF4-FFF2-40B4-BE49-F238E27FC236}">
-                <a16:creationId xmlns:a16="http://schemas.microsoft.com/office/drawing/2014/main" id="{C790A8A5-96AE-FC53-6A14-2ECCE49AEDEF}"/>
-              </a:ext>
-            </a:extLst>
-          </p:cNvPr>
-          <p:cNvSpPr>
-            <a:spLocks noGrp="1"/>
-          </p:cNvSpPr>
-          <p:nvPr>
-            <p:ph idx="1"/>
-          </p:nvPr>
-        </p:nvSpPr>
-        <p:spPr>
-          <a:xfrm>
-            <a:off x="1141412" y="627321"/>
-            <a:ext cx="9905999" cy="5163880"/>
-          </a:xfrm>
-        </p:spPr>
-        <p:txBody>
           <a:bodyPr>
             <a:normAutofit/>
           </a:bodyPr>
@@ -13240,7 +10707,7 @@
 </p:sld>
 </file>
 
-<file path=ppt/slides/slide27.xml><?xml version="1.0" encoding="utf-8"?>
+<file path=ppt/slides/slide25.xml><?xml version="1.0" encoding="utf-8"?>
 <p:sld xmlns:a="http://schemas.openxmlformats.org/drawingml/2006/main" xmlns:r="http://schemas.openxmlformats.org/officeDocument/2006/relationships" xmlns:p="http://schemas.openxmlformats.org/presentationml/2006/main">
   <p:cSld>
     <p:spTree>
@@ -13487,7 +10954,7 @@
 </p:sld>
 </file>
 
-<file path=ppt/slides/slide28.xml><?xml version="1.0" encoding="utf-8"?>
+<file path=ppt/slides/slide26.xml><?xml version="1.0" encoding="utf-8"?>
 <p:sld xmlns:a="http://schemas.openxmlformats.org/drawingml/2006/main" xmlns:r="http://schemas.openxmlformats.org/officeDocument/2006/relationships" xmlns:p="http://schemas.openxmlformats.org/presentationml/2006/main">
   <p:cSld>
     <p:spTree>
@@ -13587,7 +11054,7 @@
 </p:sld>
 </file>
 
-<file path=ppt/slides/slide29.xml><?xml version="1.0" encoding="utf-8"?>
+<file path=ppt/slides/slide27.xml><?xml version="1.0" encoding="utf-8"?>
 <p:sld xmlns:a="http://schemas.openxmlformats.org/drawingml/2006/main" xmlns:r="http://schemas.openxmlformats.org/officeDocument/2006/relationships" xmlns:p="http://schemas.openxmlformats.org/presentationml/2006/main">
   <p:cSld>
     <p:bg>
@@ -13741,7 +11208,7 @@
 </p:sld>
 </file>
 
-<file path=ppt/slides/slide3.xml><?xml version="1.0" encoding="utf-8"?>
+<file path=ppt/slides/slide28.xml><?xml version="1.0" encoding="utf-8"?>
 <p:sld xmlns:a="http://schemas.openxmlformats.org/drawingml/2006/main" xmlns:r="http://schemas.openxmlformats.org/officeDocument/2006/relationships" xmlns:p="http://schemas.openxmlformats.org/presentationml/2006/main">
   <p:cSld>
     <p:spTree>
@@ -13758,304 +11225,12 @@
           <a:chExt cx="0" cy="0"/>
         </a:xfrm>
       </p:grpSpPr>
-      <p:sp>
-        <p:nvSpPr>
-          <p:cNvPr id="2" name="Título 1">
+      <p:pic>
+        <p:nvPicPr>
+          <p:cNvPr id="6" name="Imagem 5">
             <a:extLst>
               <a:ext uri="{FF2B5EF4-FFF2-40B4-BE49-F238E27FC236}">
-                <a16:creationId xmlns:a16="http://schemas.microsoft.com/office/drawing/2014/main" id="{955023A1-A3FF-EB22-DE1D-F1048E73C95A}"/>
-              </a:ext>
-            </a:extLst>
-          </p:cNvPr>
-          <p:cNvSpPr>
-            <a:spLocks noGrp="1"/>
-          </p:cNvSpPr>
-          <p:nvPr>
-            <p:ph type="title"/>
-          </p:nvPr>
-        </p:nvSpPr>
-        <p:spPr>
-          <a:xfrm>
-            <a:off x="2619558" y="624110"/>
-            <a:ext cx="8911687" cy="1280890"/>
-          </a:xfrm>
-        </p:spPr>
-        <p:txBody>
-          <a:bodyPr>
-            <a:normAutofit/>
-          </a:bodyPr>
-          <a:lstStyle/>
-          <a:p>
-            <a:r>
-              <a:rPr lang="pt-PT" sz="4800" b="1" dirty="0">
-                <a:solidFill>
-                  <a:schemeClr val="tx1"/>
-                </a:solidFill>
-              </a:rPr>
-              <a:t>Índice</a:t>
-            </a:r>
-          </a:p>
-        </p:txBody>
-      </p:sp>
-      <p:sp>
-        <p:nvSpPr>
-          <p:cNvPr id="3" name="Marcador de Posição de Conteúdo 2">
-            <a:extLst>
-              <a:ext uri="{FF2B5EF4-FFF2-40B4-BE49-F238E27FC236}">
-                <a16:creationId xmlns:a16="http://schemas.microsoft.com/office/drawing/2014/main" id="{558887E8-6BA6-B321-A07F-9BEE8E3A6A04}"/>
-              </a:ext>
-            </a:extLst>
-          </p:cNvPr>
-          <p:cNvSpPr>
-            <a:spLocks noGrp="1"/>
-          </p:cNvSpPr>
-          <p:nvPr>
-            <p:ph idx="1"/>
-          </p:nvPr>
-        </p:nvSpPr>
-        <p:spPr>
-          <a:xfrm>
-            <a:off x="1141413" y="1786270"/>
-            <a:ext cx="9905999" cy="4561367"/>
-          </a:xfrm>
-        </p:spPr>
-        <p:txBody>
-          <a:bodyPr>
-            <a:normAutofit fontScale="92500" lnSpcReduction="10000"/>
-          </a:bodyPr>
-          <a:lstStyle/>
-          <a:p>
-            <a:pPr marL="0" indent="0">
-              <a:buNone/>
-            </a:pPr>
-            <a:r>
-              <a:rPr lang="pt-PT" sz="3100" b="1" dirty="0">
-                <a:solidFill>
-                  <a:schemeClr val="tx1"/>
-                </a:solidFill>
-                <a:effectLst/>
-                <a:latin typeface="Abadi" panose="020B0604020104020204" pitchFamily="34" charset="0"/>
-              </a:rPr>
-              <a:t>3. Modelação Conceptual</a:t>
-            </a:r>
-          </a:p>
-          <a:p>
-            <a:r>
-              <a:rPr lang="pt-PT" dirty="0">
-                <a:solidFill>
-                  <a:schemeClr val="tx1"/>
-                </a:solidFill>
-                <a:effectLst/>
-                <a:latin typeface="Abadi" panose="020B0604020104020204" pitchFamily="34" charset="0"/>
-              </a:rPr>
-              <a:t>3.1 Apresentação da abordagem de modelação realizada</a:t>
-            </a:r>
-          </a:p>
-          <a:p>
-            <a:r>
-              <a:rPr lang="pt-PT" dirty="0">
-                <a:solidFill>
-                  <a:schemeClr val="tx1"/>
-                </a:solidFill>
-                <a:effectLst/>
-                <a:latin typeface="Abadi" panose="020B0604020104020204" pitchFamily="34" charset="0"/>
-              </a:rPr>
-              <a:t>3.2 Identificação e caracterização das entidades </a:t>
-            </a:r>
-          </a:p>
-          <a:p>
-            <a:r>
-              <a:rPr lang="pt-PT" dirty="0">
-                <a:solidFill>
-                  <a:schemeClr val="tx1"/>
-                </a:solidFill>
-                <a:effectLst/>
-                <a:latin typeface="Abadi" panose="020B0604020104020204" pitchFamily="34" charset="0"/>
-              </a:rPr>
-              <a:t>3.3 Identificação e caracterização dos relacionamentos</a:t>
-            </a:r>
-          </a:p>
-          <a:p>
-            <a:r>
-              <a:rPr lang="pt-PT" dirty="0">
-                <a:solidFill>
-                  <a:schemeClr val="tx1"/>
-                </a:solidFill>
-                <a:effectLst/>
-                <a:latin typeface="Abadi" panose="020B0604020104020204" pitchFamily="34" charset="0"/>
-              </a:rPr>
-              <a:t>3.4 Identificação e caracterização da associação dos atributos com as entidades e relacionamentos.</a:t>
-            </a:r>
-          </a:p>
-          <a:p>
-            <a:r>
-              <a:rPr lang="pt-PT" dirty="0">
-                <a:solidFill>
-                  <a:schemeClr val="tx1"/>
-                </a:solidFill>
-                <a:effectLst/>
-                <a:latin typeface="Abadi" panose="020B0604020104020204" pitchFamily="34" charset="0"/>
-              </a:rPr>
-              <a:t>3.5 Apresentação e explicação do diagrama ER produzido</a:t>
-            </a:r>
-          </a:p>
-          <a:p>
-            <a:pPr marL="0" indent="0">
-              <a:buNone/>
-            </a:pPr>
-            <a:r>
-              <a:rPr lang="pt-PT" sz="3100" b="1" dirty="0">
-                <a:solidFill>
-                  <a:schemeClr val="tx1"/>
-                </a:solidFill>
-                <a:effectLst/>
-                <a:latin typeface="Abadi" panose="020B0604020104020204" pitchFamily="34" charset="0"/>
-              </a:rPr>
-              <a:t>4. Modelação Lógica</a:t>
-            </a:r>
-          </a:p>
-          <a:p>
-            <a:r>
-              <a:rPr lang="pt-PT" dirty="0">
-                <a:solidFill>
-                  <a:schemeClr val="tx1"/>
-                </a:solidFill>
-                <a:effectLst/>
-                <a:latin typeface="Abadi" panose="020B0604020104020204" pitchFamily="34" charset="0"/>
-              </a:rPr>
-              <a:t>4.1 Construção e validação do modelo de dados lógico</a:t>
-            </a:r>
-          </a:p>
-          <a:p>
-            <a:r>
-              <a:rPr lang="pt-PT" dirty="0">
-                <a:solidFill>
-                  <a:schemeClr val="tx1"/>
-                </a:solidFill>
-                <a:effectLst/>
-                <a:latin typeface="Abadi" panose="020B0604020104020204" pitchFamily="34" charset="0"/>
-              </a:rPr>
-              <a:t>4.2 Normalização de Dados</a:t>
-            </a:r>
-          </a:p>
-          <a:p>
-            <a:r>
-              <a:rPr lang="pt-PT" dirty="0">
-                <a:solidFill>
-                  <a:schemeClr val="tx1"/>
-                </a:solidFill>
-                <a:effectLst/>
-                <a:latin typeface="Abadi" panose="020B0604020104020204" pitchFamily="34" charset="0"/>
-              </a:rPr>
-              <a:t>4.3 Apresentação e explicação do modelo lógico produzido</a:t>
-            </a:r>
-          </a:p>
-          <a:p>
-            <a:r>
-              <a:rPr lang="pt-PT" dirty="0">
-                <a:solidFill>
-                  <a:schemeClr val="tx1"/>
-                </a:solidFill>
-                <a:effectLst/>
-                <a:latin typeface="Abadi" panose="020B0604020104020204" pitchFamily="34" charset="0"/>
-              </a:rPr>
-              <a:t>4.4 Validação do modelo com interrogações do utilizador</a:t>
-            </a:r>
-            <a:endParaRPr lang="pt-PT" dirty="0">
-              <a:solidFill>
-                <a:schemeClr val="tx1"/>
-              </a:solidFill>
-              <a:latin typeface="Abadi" panose="020B0604020104020204" pitchFamily="34" charset="0"/>
-            </a:endParaRPr>
-          </a:p>
-        </p:txBody>
-      </p:sp>
-    </p:spTree>
-    <p:extLst>
-      <p:ext uri="{BB962C8B-B14F-4D97-AF65-F5344CB8AC3E}">
-        <p14:creationId xmlns:p14="http://schemas.microsoft.com/office/powerpoint/2010/main" val="1621368749"/>
-      </p:ext>
-    </p:extLst>
-  </p:cSld>
-  <p:clrMapOvr>
-    <a:masterClrMapping/>
-  </p:clrMapOvr>
-</p:sld>
-</file>
-
-<file path=ppt/slides/slide30.xml><?xml version="1.0" encoding="utf-8"?>
-<p:sld xmlns:a="http://schemas.openxmlformats.org/drawingml/2006/main" xmlns:r="http://schemas.openxmlformats.org/officeDocument/2006/relationships" xmlns:p="http://schemas.openxmlformats.org/presentationml/2006/main">
-  <p:cSld>
-    <p:spTree>
-      <p:nvGrpSpPr>
-        <p:cNvPr id="1" name=""/>
-        <p:cNvGrpSpPr/>
-        <p:nvPr/>
-      </p:nvGrpSpPr>
-      <p:grpSpPr>
-        <a:xfrm>
-          <a:off x="0" y="0"/>
-          <a:ext cx="0" cy="0"/>
-          <a:chOff x="0" y="0"/>
-          <a:chExt cx="0" cy="0"/>
-        </a:xfrm>
-      </p:grpSpPr>
-      <p:sp>
-        <p:nvSpPr>
-          <p:cNvPr id="2" name="Título 1">
-            <a:extLst>
-              <a:ext uri="{FF2B5EF4-FFF2-40B4-BE49-F238E27FC236}">
-                <a16:creationId xmlns:a16="http://schemas.microsoft.com/office/drawing/2014/main" id="{63C162E4-2632-CD38-3DDB-D8E79F72CB7A}"/>
-              </a:ext>
-            </a:extLst>
-          </p:cNvPr>
-          <p:cNvSpPr>
-            <a:spLocks noGrp="1"/>
-          </p:cNvSpPr>
-          <p:nvPr>
-            <p:ph type="title"/>
-          </p:nvPr>
-        </p:nvSpPr>
-        <p:spPr/>
-        <p:txBody>
-          <a:bodyPr/>
-          <a:lstStyle/>
-          <a:p>
-            <a:endParaRPr lang="pt-PT"/>
-          </a:p>
-        </p:txBody>
-      </p:sp>
-      <p:sp>
-        <p:nvSpPr>
-          <p:cNvPr id="3" name="Marcador de Posição de Conteúdo 2">
-            <a:extLst>
-              <a:ext uri="{FF2B5EF4-FFF2-40B4-BE49-F238E27FC236}">
-                <a16:creationId xmlns:a16="http://schemas.microsoft.com/office/drawing/2014/main" id="{6677A237-3175-2D80-0F4D-9EA7A5FDFDED}"/>
-              </a:ext>
-            </a:extLst>
-          </p:cNvPr>
-          <p:cNvSpPr>
-            <a:spLocks noGrp="1"/>
-          </p:cNvSpPr>
-          <p:nvPr>
-            <p:ph idx="1"/>
-          </p:nvPr>
-        </p:nvSpPr>
-        <p:spPr/>
-        <p:txBody>
-          <a:bodyPr/>
-          <a:lstStyle/>
-          <a:p>
-            <a:endParaRPr lang="pt-PT"/>
-          </a:p>
-        </p:txBody>
-      </p:sp>
-      <p:pic>
-        <p:nvPicPr>
-          <p:cNvPr id="5" name="Imagem 4">
-            <a:extLst>
-              <a:ext uri="{FF2B5EF4-FFF2-40B4-BE49-F238E27FC236}">
-                <a16:creationId xmlns:a16="http://schemas.microsoft.com/office/drawing/2014/main" id="{57B09102-BA69-EF6A-034A-8DEC668F5594}"/>
+                <a16:creationId xmlns:a16="http://schemas.microsoft.com/office/drawing/2014/main" id="{4FCE644C-77BF-627C-9790-2F4A990E7911}"/>
               </a:ext>
             </a:extLst>
           </p:cNvPr>
@@ -14072,8 +11247,8 @@
         </p:blipFill>
         <p:spPr>
           <a:xfrm>
-            <a:off x="2595074" y="204337"/>
-            <a:ext cx="7001852" cy="6449325"/>
+            <a:off x="2561732" y="194811"/>
+            <a:ext cx="7068536" cy="6468378"/>
           </a:xfrm>
           <a:prstGeom prst="rect">
             <a:avLst/>
@@ -14093,7 +11268,7 @@
 </p:sld>
 </file>
 
-<file path=ppt/slides/slide31.xml><?xml version="1.0" encoding="utf-8"?>
+<file path=ppt/slides/slide29.xml><?xml version="1.0" encoding="utf-8"?>
 <p:sld xmlns:a="http://schemas.openxmlformats.org/drawingml/2006/main" xmlns:r="http://schemas.openxmlformats.org/officeDocument/2006/relationships" xmlns:p="http://schemas.openxmlformats.org/presentationml/2006/main">
   <p:cSld>
     <p:spTree>
@@ -14203,7 +11378,249 @@
 </p:sld>
 </file>
 
-<file path=ppt/slides/slide32.xml><?xml version="1.0" encoding="utf-8"?>
+<file path=ppt/slides/slide3.xml><?xml version="1.0" encoding="utf-8"?>
+<p:sld xmlns:a="http://schemas.openxmlformats.org/drawingml/2006/main" xmlns:r="http://schemas.openxmlformats.org/officeDocument/2006/relationships" xmlns:p="http://schemas.openxmlformats.org/presentationml/2006/main">
+  <p:cSld>
+    <p:spTree>
+      <p:nvGrpSpPr>
+        <p:cNvPr id="1" name=""/>
+        <p:cNvGrpSpPr/>
+        <p:nvPr/>
+      </p:nvGrpSpPr>
+      <p:grpSpPr>
+        <a:xfrm>
+          <a:off x="0" y="0"/>
+          <a:ext cx="0" cy="0"/>
+          <a:chOff x="0" y="0"/>
+          <a:chExt cx="0" cy="0"/>
+        </a:xfrm>
+      </p:grpSpPr>
+      <p:sp>
+        <p:nvSpPr>
+          <p:cNvPr id="2" name="Título 1">
+            <a:extLst>
+              <a:ext uri="{FF2B5EF4-FFF2-40B4-BE49-F238E27FC236}">
+                <a16:creationId xmlns:a16="http://schemas.microsoft.com/office/drawing/2014/main" id="{955023A1-A3FF-EB22-DE1D-F1048E73C95A}"/>
+              </a:ext>
+            </a:extLst>
+          </p:cNvPr>
+          <p:cNvSpPr>
+            <a:spLocks noGrp="1"/>
+          </p:cNvSpPr>
+          <p:nvPr>
+            <p:ph type="title"/>
+          </p:nvPr>
+        </p:nvSpPr>
+        <p:spPr>
+          <a:xfrm>
+            <a:off x="2619558" y="624110"/>
+            <a:ext cx="8911687" cy="1280890"/>
+          </a:xfrm>
+        </p:spPr>
+        <p:txBody>
+          <a:bodyPr>
+            <a:normAutofit/>
+          </a:bodyPr>
+          <a:lstStyle/>
+          <a:p>
+            <a:r>
+              <a:rPr lang="pt-PT" sz="4800" b="1" dirty="0">
+                <a:solidFill>
+                  <a:schemeClr val="tx1"/>
+                </a:solidFill>
+              </a:rPr>
+              <a:t>Índice</a:t>
+            </a:r>
+          </a:p>
+        </p:txBody>
+      </p:sp>
+      <p:sp>
+        <p:nvSpPr>
+          <p:cNvPr id="3" name="Marcador de Posição de Conteúdo 2">
+            <a:extLst>
+              <a:ext uri="{FF2B5EF4-FFF2-40B4-BE49-F238E27FC236}">
+                <a16:creationId xmlns:a16="http://schemas.microsoft.com/office/drawing/2014/main" id="{558887E8-6BA6-B321-A07F-9BEE8E3A6A04}"/>
+              </a:ext>
+            </a:extLst>
+          </p:cNvPr>
+          <p:cNvSpPr>
+            <a:spLocks noGrp="1"/>
+          </p:cNvSpPr>
+          <p:nvPr>
+            <p:ph idx="1"/>
+          </p:nvPr>
+        </p:nvSpPr>
+        <p:spPr>
+          <a:xfrm>
+            <a:off x="1141413" y="1786270"/>
+            <a:ext cx="9905999" cy="4561367"/>
+          </a:xfrm>
+        </p:spPr>
+        <p:txBody>
+          <a:bodyPr>
+            <a:normAutofit fontScale="92500" lnSpcReduction="10000"/>
+          </a:bodyPr>
+          <a:lstStyle/>
+          <a:p>
+            <a:pPr marL="0" indent="0">
+              <a:buNone/>
+            </a:pPr>
+            <a:r>
+              <a:rPr lang="pt-PT" sz="3100" b="1" dirty="0">
+                <a:solidFill>
+                  <a:schemeClr val="tx1"/>
+                </a:solidFill>
+                <a:effectLst/>
+                <a:latin typeface="Abadi" panose="020B0604020104020204" pitchFamily="34" charset="0"/>
+              </a:rPr>
+              <a:t>3. Modelação Conceptual</a:t>
+            </a:r>
+          </a:p>
+          <a:p>
+            <a:r>
+              <a:rPr lang="pt-PT" dirty="0">
+                <a:solidFill>
+                  <a:schemeClr val="tx1"/>
+                </a:solidFill>
+                <a:effectLst/>
+                <a:latin typeface="Abadi" panose="020B0604020104020204" pitchFamily="34" charset="0"/>
+              </a:rPr>
+              <a:t>3.1 Apresentação da abordagem de modelação realizada</a:t>
+            </a:r>
+          </a:p>
+          <a:p>
+            <a:r>
+              <a:rPr lang="pt-PT" dirty="0">
+                <a:solidFill>
+                  <a:schemeClr val="tx1"/>
+                </a:solidFill>
+                <a:effectLst/>
+                <a:latin typeface="Abadi" panose="020B0604020104020204" pitchFamily="34" charset="0"/>
+              </a:rPr>
+              <a:t>3.2 Identificação e caracterização das entidades </a:t>
+            </a:r>
+          </a:p>
+          <a:p>
+            <a:r>
+              <a:rPr lang="pt-PT" dirty="0">
+                <a:solidFill>
+                  <a:schemeClr val="tx1"/>
+                </a:solidFill>
+                <a:effectLst/>
+                <a:latin typeface="Abadi" panose="020B0604020104020204" pitchFamily="34" charset="0"/>
+              </a:rPr>
+              <a:t>3.3 Identificação e caracterização dos relacionamentos</a:t>
+            </a:r>
+          </a:p>
+          <a:p>
+            <a:r>
+              <a:rPr lang="pt-PT" dirty="0">
+                <a:solidFill>
+                  <a:schemeClr val="tx1"/>
+                </a:solidFill>
+                <a:effectLst/>
+                <a:latin typeface="Abadi" panose="020B0604020104020204" pitchFamily="34" charset="0"/>
+              </a:rPr>
+              <a:t>3.4 Identificação e caracterização da associação dos atributos com as entidades e relacionamentos.</a:t>
+            </a:r>
+          </a:p>
+          <a:p>
+            <a:r>
+              <a:rPr lang="pt-PT" dirty="0">
+                <a:solidFill>
+                  <a:schemeClr val="tx1"/>
+                </a:solidFill>
+                <a:effectLst/>
+                <a:latin typeface="Abadi" panose="020B0604020104020204" pitchFamily="34" charset="0"/>
+              </a:rPr>
+              <a:t>3.5 Apresentação e explicação do diagrama ER produzido</a:t>
+            </a:r>
+          </a:p>
+          <a:p>
+            <a:pPr marL="0" indent="0">
+              <a:buNone/>
+            </a:pPr>
+            <a:r>
+              <a:rPr lang="pt-PT" sz="3100" b="1" dirty="0">
+                <a:solidFill>
+                  <a:schemeClr val="tx1"/>
+                </a:solidFill>
+                <a:effectLst/>
+                <a:latin typeface="Abadi" panose="020B0604020104020204" pitchFamily="34" charset="0"/>
+              </a:rPr>
+              <a:t>4. Modelação Lógica</a:t>
+            </a:r>
+          </a:p>
+          <a:p>
+            <a:r>
+              <a:rPr lang="pt-PT" dirty="0">
+                <a:solidFill>
+                  <a:schemeClr val="tx1"/>
+                </a:solidFill>
+                <a:effectLst/>
+                <a:latin typeface="Abadi" panose="020B0604020104020204" pitchFamily="34" charset="0"/>
+              </a:rPr>
+              <a:t>4.1 Construção e validação do modelo de dados lógico</a:t>
+            </a:r>
+          </a:p>
+          <a:p>
+            <a:r>
+              <a:rPr lang="pt-PT" dirty="0">
+                <a:solidFill>
+                  <a:schemeClr val="tx1"/>
+                </a:solidFill>
+                <a:effectLst/>
+                <a:latin typeface="Abadi" panose="020B0604020104020204" pitchFamily="34" charset="0"/>
+              </a:rPr>
+              <a:t>4.2 Normalização de Dados</a:t>
+            </a:r>
+          </a:p>
+          <a:p>
+            <a:r>
+              <a:rPr lang="pt-PT" dirty="0">
+                <a:solidFill>
+                  <a:schemeClr val="tx1"/>
+                </a:solidFill>
+                <a:effectLst/>
+                <a:latin typeface="Abadi" panose="020B0604020104020204" pitchFamily="34" charset="0"/>
+              </a:rPr>
+              <a:t>4.3 Apresentação e explicação do modelo lógico produzido</a:t>
+            </a:r>
+          </a:p>
+          <a:p>
+            <a:r>
+              <a:rPr lang="pt-PT" dirty="0">
+                <a:solidFill>
+                  <a:schemeClr val="tx1"/>
+                </a:solidFill>
+                <a:effectLst/>
+                <a:latin typeface="Abadi" panose="020B0604020104020204" pitchFamily="34" charset="0"/>
+              </a:rPr>
+              <a:t>4.4 Validação do modelo com interrogações do utilizador</a:t>
+            </a:r>
+            <a:endParaRPr lang="pt-PT" dirty="0">
+              <a:solidFill>
+                <a:schemeClr val="tx1"/>
+              </a:solidFill>
+              <a:latin typeface="Abadi" panose="020B0604020104020204" pitchFamily="34" charset="0"/>
+            </a:endParaRPr>
+          </a:p>
+        </p:txBody>
+      </p:sp>
+    </p:spTree>
+    <p:extLst>
+      <p:ext uri="{BB962C8B-B14F-4D97-AF65-F5344CB8AC3E}">
+        <p14:creationId xmlns:p14="http://schemas.microsoft.com/office/powerpoint/2010/main" val="1621368749"/>
+      </p:ext>
+    </p:extLst>
+  </p:cSld>
+  <p:clrMapOvr>
+    <a:masterClrMapping/>
+  </p:clrMapOvr>
+</p:sld>
+</file>
+
+<file path=ppt/slides/slide30.xml><?xml version="1.0" encoding="utf-8"?>
 <p:sld xmlns:a="http://schemas.openxmlformats.org/drawingml/2006/main" xmlns:r="http://schemas.openxmlformats.org/officeDocument/2006/relationships" xmlns:p="http://schemas.openxmlformats.org/presentationml/2006/main">
   <p:cSld>
     <p:spTree>
@@ -14313,7 +11730,7 @@
 </p:sld>
 </file>
 
-<file path=ppt/slides/slide33.xml><?xml version="1.0" encoding="utf-8"?>
+<file path=ppt/slides/slide31.xml><?xml version="1.0" encoding="utf-8"?>
 <p:sld xmlns:a="http://schemas.openxmlformats.org/drawingml/2006/main" xmlns:r="http://schemas.openxmlformats.org/officeDocument/2006/relationships" xmlns:p="http://schemas.openxmlformats.org/presentationml/2006/main">
   <p:cSld>
     <p:spTree>
@@ -14423,7 +11840,7 @@
 </p:sld>
 </file>
 
-<file path=ppt/slides/slide34.xml><?xml version="1.0" encoding="utf-8"?>
+<file path=ppt/slides/slide32.xml><?xml version="1.0" encoding="utf-8"?>
 <p:sld xmlns:a="http://schemas.openxmlformats.org/drawingml/2006/main" xmlns:r="http://schemas.openxmlformats.org/officeDocument/2006/relationships" xmlns:p="http://schemas.openxmlformats.org/presentationml/2006/main">
   <p:cSld>
     <p:spTree>
@@ -14533,7 +11950,7 @@
 </p:sld>
 </file>
 
-<file path=ppt/slides/slide35.xml><?xml version="1.0" encoding="utf-8"?>
+<file path=ppt/slides/slide33.xml><?xml version="1.0" encoding="utf-8"?>
 <p:sld xmlns:a="http://schemas.openxmlformats.org/drawingml/2006/main" xmlns:r="http://schemas.openxmlformats.org/officeDocument/2006/relationships" xmlns:p="http://schemas.openxmlformats.org/presentationml/2006/main">
   <p:cSld>
     <p:spTree>
@@ -14643,7 +12060,7 @@
 </p:sld>
 </file>
 
-<file path=ppt/slides/slide36.xml><?xml version="1.0" encoding="utf-8"?>
+<file path=ppt/slides/slide34.xml><?xml version="1.0" encoding="utf-8"?>
 <p:sld xmlns:a="http://schemas.openxmlformats.org/drawingml/2006/main" xmlns:r="http://schemas.openxmlformats.org/officeDocument/2006/relationships" xmlns:p="http://schemas.openxmlformats.org/presentationml/2006/main">
   <p:cSld>
     <p:spTree>
@@ -14753,7 +12170,7 @@
 </p:sld>
 </file>
 
-<file path=ppt/slides/slide37.xml><?xml version="1.0" encoding="utf-8"?>
+<file path=ppt/slides/slide35.xml><?xml version="1.0" encoding="utf-8"?>
 <p:sld xmlns:a="http://schemas.openxmlformats.org/drawingml/2006/main" xmlns:r="http://schemas.openxmlformats.org/officeDocument/2006/relationships" xmlns:p="http://schemas.openxmlformats.org/presentationml/2006/main">
   <p:cSld>
     <p:spTree>
@@ -14863,7 +12280,7 @@
 </p:sld>
 </file>
 
-<file path=ppt/slides/slide38.xml><?xml version="1.0" encoding="utf-8"?>
+<file path=ppt/slides/slide36.xml><?xml version="1.0" encoding="utf-8"?>
 <p:sld xmlns:a="http://schemas.openxmlformats.org/drawingml/2006/main" xmlns:r="http://schemas.openxmlformats.org/officeDocument/2006/relationships" xmlns:p="http://schemas.openxmlformats.org/presentationml/2006/main">
   <p:cSld>
     <p:spTree>
@@ -14978,7 +12395,7 @@
 </p:sld>
 </file>
 
-<file path=ppt/slides/slide39.xml><?xml version="1.0" encoding="utf-8"?>
+<file path=ppt/slides/slide37.xml><?xml version="1.0" encoding="utf-8"?>
 <p:sld xmlns:a="http://schemas.openxmlformats.org/drawingml/2006/main" xmlns:r="http://schemas.openxmlformats.org/officeDocument/2006/relationships" xmlns:p="http://schemas.openxmlformats.org/presentationml/2006/main">
   <p:cSld>
     <p:spTree>
@@ -15085,6 +12502,563 @@
   <p:clrMapOvr>
     <a:masterClrMapping/>
   </p:clrMapOvr>
+</p:sld>
+</file>
+
+<file path=ppt/slides/slide38.xml><?xml version="1.0" encoding="utf-8"?>
+<p:sld xmlns:a="http://schemas.openxmlformats.org/drawingml/2006/main" xmlns:r="http://schemas.openxmlformats.org/officeDocument/2006/relationships" xmlns:p="http://schemas.openxmlformats.org/presentationml/2006/main">
+  <p:cSld>
+    <p:spTree>
+      <p:nvGrpSpPr>
+        <p:cNvPr id="1" name=""/>
+        <p:cNvGrpSpPr/>
+        <p:nvPr/>
+      </p:nvGrpSpPr>
+      <p:grpSpPr>
+        <a:xfrm>
+          <a:off x="0" y="0"/>
+          <a:ext cx="0" cy="0"/>
+          <a:chOff x="0" y="0"/>
+          <a:chExt cx="0" cy="0"/>
+        </a:xfrm>
+      </p:grpSpPr>
+      <p:sp>
+        <p:nvSpPr>
+          <p:cNvPr id="2" name="Título 1">
+            <a:extLst>
+              <a:ext uri="{FF2B5EF4-FFF2-40B4-BE49-F238E27FC236}">
+                <a16:creationId xmlns:a16="http://schemas.microsoft.com/office/drawing/2014/main" id="{82D233BD-0DA1-B8AD-BACB-AA7F5CB5B648}"/>
+              </a:ext>
+            </a:extLst>
+          </p:cNvPr>
+          <p:cNvSpPr>
+            <a:spLocks noGrp="1"/>
+          </p:cNvSpPr>
+          <p:nvPr>
+            <p:ph type="title"/>
+          </p:nvPr>
+        </p:nvSpPr>
+        <p:spPr>
+          <a:xfrm>
+            <a:off x="497795" y="1469336"/>
+            <a:ext cx="3310725" cy="475855"/>
+          </a:xfrm>
+        </p:spPr>
+        <p:txBody>
+          <a:bodyPr>
+            <a:normAutofit fontScale="90000"/>
+          </a:bodyPr>
+          <a:lstStyle/>
+          <a:p>
+            <a:r>
+              <a:rPr lang="pt-PT" b="1" dirty="0">
+                <a:solidFill>
+                  <a:schemeClr val="tx1"/>
+                </a:solidFill>
+                <a:effectLst/>
+                <a:latin typeface="Abadi" panose="020B0604020104020204" pitchFamily="34" charset="0"/>
+              </a:rPr>
+              <a:t>3.5 Apresentação e explicação do diagrama ER produzido</a:t>
+            </a:r>
+            <a:endParaRPr lang="pt-PT" b="1" dirty="0">
+              <a:solidFill>
+                <a:schemeClr val="tx1"/>
+              </a:solidFill>
+            </a:endParaRPr>
+          </a:p>
+        </p:txBody>
+      </p:sp>
+      <p:pic>
+        <p:nvPicPr>
+          <p:cNvPr id="13" name="Marcador de Posição de Conteúdo 12">
+            <a:extLst>
+              <a:ext uri="{FF2B5EF4-FFF2-40B4-BE49-F238E27FC236}">
+                <a16:creationId xmlns:a16="http://schemas.microsoft.com/office/drawing/2014/main" id="{B07C7C8B-CCD4-8A14-8509-C5DC3DAEC57C}"/>
+              </a:ext>
+            </a:extLst>
+          </p:cNvPr>
+          <p:cNvPicPr>
+            <a:picLocks noGrp="1" noChangeAspect="1"/>
+          </p:cNvPicPr>
+          <p:nvPr>
+            <p:ph idx="1"/>
+          </p:nvPr>
+        </p:nvPicPr>
+        <p:blipFill>
+          <a:blip r:embed="rId2"/>
+          <a:stretch>
+            <a:fillRect/>
+          </a:stretch>
+        </p:blipFill>
+        <p:spPr>
+          <a:xfrm>
+            <a:off x="4579122" y="544288"/>
+            <a:ext cx="6511401" cy="6077775"/>
+          </a:xfrm>
+        </p:spPr>
+      </p:pic>
+    </p:spTree>
+    <p:extLst>
+      <p:ext uri="{BB962C8B-B14F-4D97-AF65-F5344CB8AC3E}">
+        <p14:creationId xmlns:p14="http://schemas.microsoft.com/office/powerpoint/2010/main" val="1334778605"/>
+      </p:ext>
+    </p:extLst>
+  </p:cSld>
+  <p:clrMapOvr>
+    <a:masterClrMapping/>
+  </p:clrMapOvr>
+</p:sld>
+</file>
+
+<file path=ppt/slides/slide39.xml><?xml version="1.0" encoding="utf-8"?>
+<p:sld xmlns:a="http://schemas.openxmlformats.org/drawingml/2006/main" xmlns:r="http://schemas.openxmlformats.org/officeDocument/2006/relationships" xmlns:p="http://schemas.openxmlformats.org/presentationml/2006/main">
+  <p:cSld>
+    <p:bg>
+      <p:bgPr>
+        <a:solidFill>
+          <a:schemeClr val="bg1"/>
+        </a:solidFill>
+        <a:effectLst/>
+      </p:bgPr>
+    </p:bg>
+    <p:spTree>
+      <p:nvGrpSpPr>
+        <p:cNvPr id="1" name=""/>
+        <p:cNvGrpSpPr/>
+        <p:nvPr/>
+      </p:nvGrpSpPr>
+      <p:grpSpPr>
+        <a:xfrm>
+          <a:off x="0" y="0"/>
+          <a:ext cx="0" cy="0"/>
+          <a:chOff x="0" y="0"/>
+          <a:chExt cx="0" cy="0"/>
+        </a:xfrm>
+      </p:grpSpPr>
+      <p:sp useBgFill="1">
+        <p:nvSpPr>
+          <p:cNvPr id="11" name="Rectangle 10">
+            <a:extLst>
+              <a:ext uri="{FF2B5EF4-FFF2-40B4-BE49-F238E27FC236}">
+                <a16:creationId xmlns:a16="http://schemas.microsoft.com/office/drawing/2014/main" id="{1FF9CEF5-A50D-4B8B-9852-D76F7037867E}"/>
+              </a:ext>
+              <a:ext uri="{C183D7F6-B498-43B3-948B-1728B52AA6E4}">
+                <adec:decorative xmlns:adec="http://schemas.microsoft.com/office/drawing/2017/decorative" val="1"/>
+              </a:ext>
+            </a:extLst>
+          </p:cNvPr>
+          <p:cNvSpPr>
+            <a:spLocks noGrp="1" noRot="1" noChangeAspect="1" noMove="1" noResize="1" noEditPoints="1" noAdjustHandles="1" noChangeArrowheads="1" noChangeShapeType="1" noTextEdit="1"/>
+          </p:cNvSpPr>
+          <p:nvPr>
+            <p:extLst>
+              <p:ext uri="{386F3935-93C4-4BCD-93E2-E3B085C9AB24}">
+                <p16:designElem xmlns:p16="http://schemas.microsoft.com/office/powerpoint/2015/main" val="1"/>
+              </p:ext>
+            </p:extLst>
+          </p:nvPr>
+        </p:nvSpPr>
+        <p:spPr>
+          <a:xfrm>
+            <a:off x="0" y="-786"/>
+            <a:ext cx="12192000" cy="6854038"/>
+          </a:xfrm>
+          <a:prstGeom prst="rect">
+            <a:avLst/>
+          </a:prstGeom>
+          <a:ln>
+            <a:noFill/>
+          </a:ln>
+        </p:spPr>
+        <p:style>
+          <a:lnRef idx="2">
+            <a:schemeClr val="accent1">
+              <a:shade val="50000"/>
+            </a:schemeClr>
+          </a:lnRef>
+          <a:fillRef idx="1">
+            <a:schemeClr val="accent1"/>
+          </a:fillRef>
+          <a:effectRef idx="0">
+            <a:schemeClr val="accent1"/>
+          </a:effectRef>
+          <a:fontRef idx="minor">
+            <a:schemeClr val="lt1"/>
+          </a:fontRef>
+        </p:style>
+        <p:txBody>
+          <a:bodyPr rtlCol="0" anchor="ctr"/>
+          <a:lstStyle/>
+          <a:p>
+            <a:pPr algn="ctr"/>
+            <a:endParaRPr lang="en-US"/>
+          </a:p>
+        </p:txBody>
+      </p:sp>
+      <p:pic>
+        <p:nvPicPr>
+          <p:cNvPr id="7" name="Picture 6" descr="Números e símbolos">
+            <a:extLst>
+              <a:ext uri="{FF2B5EF4-FFF2-40B4-BE49-F238E27FC236}">
+                <a16:creationId xmlns:a16="http://schemas.microsoft.com/office/drawing/2014/main" id="{04B5C4AB-B89B-1D77-9C04-628FD941A935}"/>
+              </a:ext>
+            </a:extLst>
+          </p:cNvPr>
+          <p:cNvPicPr>
+            <a:picLocks noChangeAspect="1"/>
+          </p:cNvPicPr>
+          <p:nvPr/>
+        </p:nvPicPr>
+        <p:blipFill rotWithShape="1">
+          <a:blip r:embed="rId2">
+            <a:alphaModFix amt="40000"/>
+          </a:blip>
+          <a:srcRect t="13028" b="2702"/>
+          <a:stretch/>
+        </p:blipFill>
+        <p:spPr>
+          <a:xfrm>
+            <a:off x="20" y="10"/>
+            <a:ext cx="12191980" cy="6857990"/>
+          </a:xfrm>
+          <a:prstGeom prst="rect">
+            <a:avLst/>
+          </a:prstGeom>
+        </p:spPr>
+      </p:pic>
+      <p:sp>
+        <p:nvSpPr>
+          <p:cNvPr id="4" name="Título 3">
+            <a:extLst>
+              <a:ext uri="{FF2B5EF4-FFF2-40B4-BE49-F238E27FC236}">
+                <a16:creationId xmlns:a16="http://schemas.microsoft.com/office/drawing/2014/main" id="{AD6C13BE-376F-A072-4E02-6AE2488BF4E1}"/>
+              </a:ext>
+            </a:extLst>
+          </p:cNvPr>
+          <p:cNvSpPr>
+            <a:spLocks noGrp="1"/>
+          </p:cNvSpPr>
+          <p:nvPr>
+            <p:ph type="ctrTitle"/>
+          </p:nvPr>
+        </p:nvSpPr>
+        <p:spPr>
+          <a:xfrm>
+            <a:off x="2589213" y="2514600"/>
+            <a:ext cx="8915399" cy="2262781"/>
+          </a:xfrm>
+        </p:spPr>
+        <p:txBody>
+          <a:bodyPr>
+            <a:normAutofit/>
+          </a:bodyPr>
+          <a:lstStyle/>
+          <a:p>
+            <a:r>
+              <a:rPr lang="pt-PT" b="1" dirty="0">
+                <a:solidFill>
+                  <a:schemeClr val="tx1"/>
+                </a:solidFill>
+                <a:effectLst/>
+                <a:latin typeface="Abadi" panose="020B0604020104020204" pitchFamily="34" charset="0"/>
+              </a:rPr>
+              <a:t>4. Modelação Lógica</a:t>
+            </a:r>
+            <a:endParaRPr lang="pt-PT" dirty="0">
+              <a:solidFill>
+                <a:schemeClr val="tx1"/>
+              </a:solidFill>
+            </a:endParaRPr>
+          </a:p>
+        </p:txBody>
+      </p:sp>
+      <p:sp>
+        <p:nvSpPr>
+          <p:cNvPr id="5" name="Subtítulo 4">
+            <a:extLst>
+              <a:ext uri="{FF2B5EF4-FFF2-40B4-BE49-F238E27FC236}">
+                <a16:creationId xmlns:a16="http://schemas.microsoft.com/office/drawing/2014/main" id="{DC77BD1C-81D3-2D8A-70B1-F76DCE8567F7}"/>
+              </a:ext>
+            </a:extLst>
+          </p:cNvPr>
+          <p:cNvSpPr>
+            <a:spLocks noGrp="1"/>
+          </p:cNvSpPr>
+          <p:nvPr>
+            <p:ph type="subTitle" idx="1"/>
+          </p:nvPr>
+        </p:nvSpPr>
+        <p:spPr>
+          <a:xfrm>
+            <a:off x="2589213" y="4777379"/>
+            <a:ext cx="8915399" cy="1126283"/>
+          </a:xfrm>
+        </p:spPr>
+        <p:txBody>
+          <a:bodyPr>
+            <a:normAutofit/>
+          </a:bodyPr>
+          <a:lstStyle/>
+          <a:p>
+            <a:endParaRPr lang="pt-PT"/>
+          </a:p>
+        </p:txBody>
+      </p:sp>
+      <p:sp>
+        <p:nvSpPr>
+          <p:cNvPr id="13" name="Rectangle 12">
+            <a:extLst>
+              <a:ext uri="{FF2B5EF4-FFF2-40B4-BE49-F238E27FC236}">
+                <a16:creationId xmlns:a16="http://schemas.microsoft.com/office/drawing/2014/main" id="{30684D86-C9D1-40C3-A9B6-EC935C7312E3}"/>
+              </a:ext>
+              <a:ext uri="{C183D7F6-B498-43B3-948B-1728B52AA6E4}">
+                <adec:decorative xmlns:adec="http://schemas.microsoft.com/office/drawing/2017/decorative" val="1"/>
+              </a:ext>
+            </a:extLst>
+          </p:cNvPr>
+          <p:cNvSpPr>
+            <a:spLocks noGrp="1" noRot="1" noChangeAspect="1" noMove="1" noResize="1" noEditPoints="1" noAdjustHandles="1" noChangeArrowheads="1" noChangeShapeType="1" noTextEdit="1"/>
+          </p:cNvSpPr>
+          <p:nvPr>
+            <p:extLst>
+              <p:ext uri="{386F3935-93C4-4BCD-93E2-E3B085C9AB24}">
+                <p16:designElem xmlns:p16="http://schemas.microsoft.com/office/powerpoint/2015/main" val="1"/>
+              </p:ext>
+            </p:extLst>
+          </p:nvPr>
+        </p:nvSpPr>
+        <p:spPr>
+          <a:xfrm>
+            <a:off x="0" y="0"/>
+            <a:ext cx="182880" cy="6858000"/>
+          </a:xfrm>
+          <a:prstGeom prst="rect">
+            <a:avLst/>
+          </a:prstGeom>
+          <a:solidFill>
+            <a:schemeClr val="bg2"/>
+          </a:solidFill>
+          <a:ln>
+            <a:noFill/>
+          </a:ln>
+          <a:effectLst/>
+        </p:spPr>
+        <p:style>
+          <a:lnRef idx="1">
+            <a:schemeClr val="accent1"/>
+          </a:lnRef>
+          <a:fillRef idx="3">
+            <a:schemeClr val="accent1"/>
+          </a:fillRef>
+          <a:effectRef idx="2">
+            <a:schemeClr val="accent1"/>
+          </a:effectRef>
+          <a:fontRef idx="minor">
+            <a:schemeClr val="lt1"/>
+          </a:fontRef>
+        </p:style>
+      </p:sp>
+      <p:sp>
+        <p:nvSpPr>
+          <p:cNvPr id="15" name="Freeform 33">
+            <a:extLst>
+              <a:ext uri="{FF2B5EF4-FFF2-40B4-BE49-F238E27FC236}">
+                <a16:creationId xmlns:a16="http://schemas.microsoft.com/office/drawing/2014/main" id="{1EDF7896-F56A-49DA-90F3-F5CE8B9833AD}"/>
+              </a:ext>
+              <a:ext uri="{C183D7F6-B498-43B3-948B-1728B52AA6E4}">
+                <adec:decorative xmlns:adec="http://schemas.microsoft.com/office/drawing/2017/decorative" val="1"/>
+              </a:ext>
+            </a:extLst>
+          </p:cNvPr>
+          <p:cNvSpPr>
+            <a:spLocks noGrp="1" noRot="1" noChangeAspect="1" noMove="1" noResize="1" noEditPoints="1" noAdjustHandles="1" noChangeArrowheads="1" noChangeShapeType="1" noTextEdit="1"/>
+          </p:cNvSpPr>
+          <p:nvPr>
+            <p:extLst>
+              <p:ext uri="{386F3935-93C4-4BCD-93E2-E3B085C9AB24}">
+                <p16:designElem xmlns:p16="http://schemas.microsoft.com/office/powerpoint/2015/main" val="1"/>
+              </p:ext>
+            </p:extLst>
+          </p:nvPr>
+        </p:nvSpPr>
+        <p:spPr bwMode="auto">
+          <a:xfrm>
+            <a:off x="0" y="4323810"/>
+            <a:ext cx="1744652" cy="778589"/>
+          </a:xfrm>
+          <a:custGeom>
+            <a:avLst/>
+            <a:gdLst/>
+            <a:ahLst/>
+            <a:cxnLst/>
+            <a:rect l="0" t="0" r="r" b="b"/>
+            <a:pathLst>
+              <a:path w="372" h="166">
+                <a:moveTo>
+                  <a:pt x="287" y="166"/>
+                </a:moveTo>
+                <a:cubicBezTo>
+                  <a:pt x="290" y="166"/>
+                  <a:pt x="292" y="165"/>
+                  <a:pt x="293" y="164"/>
+                </a:cubicBezTo>
+                <a:cubicBezTo>
+                  <a:pt x="293" y="163"/>
+                  <a:pt x="294" y="163"/>
+                  <a:pt x="294" y="163"/>
+                </a:cubicBezTo>
+                <a:cubicBezTo>
+                  <a:pt x="370" y="87"/>
+                  <a:pt x="370" y="87"/>
+                  <a:pt x="370" y="87"/>
+                </a:cubicBezTo>
+                <a:cubicBezTo>
+                  <a:pt x="372" y="85"/>
+                  <a:pt x="372" y="81"/>
+                  <a:pt x="370" y="78"/>
+                </a:cubicBezTo>
+                <a:cubicBezTo>
+                  <a:pt x="294" y="3"/>
+                  <a:pt x="294" y="3"/>
+                  <a:pt x="294" y="3"/>
+                </a:cubicBezTo>
+                <a:cubicBezTo>
+                  <a:pt x="294" y="2"/>
+                  <a:pt x="293" y="2"/>
+                  <a:pt x="293" y="2"/>
+                </a:cubicBezTo>
+                <a:cubicBezTo>
+                  <a:pt x="292" y="1"/>
+                  <a:pt x="290" y="0"/>
+                  <a:pt x="287" y="0"/>
+                </a:cubicBezTo>
+                <a:cubicBezTo>
+                  <a:pt x="0" y="0"/>
+                  <a:pt x="0" y="0"/>
+                  <a:pt x="0" y="0"/>
+                </a:cubicBezTo>
+                <a:cubicBezTo>
+                  <a:pt x="0" y="166"/>
+                  <a:pt x="0" y="166"/>
+                  <a:pt x="0" y="166"/>
+                </a:cubicBezTo>
+                <a:lnTo>
+                  <a:pt x="287" y="166"/>
+                </a:lnTo>
+                <a:close/>
+              </a:path>
+            </a:pathLst>
+          </a:custGeom>
+          <a:solidFill>
+            <a:schemeClr val="accent1"/>
+          </a:solidFill>
+          <a:ln>
+            <a:noFill/>
+          </a:ln>
+        </p:spPr>
+      </p:sp>
+    </p:spTree>
+    <p:extLst>
+      <p:ext uri="{BB962C8B-B14F-4D97-AF65-F5344CB8AC3E}">
+        <p14:creationId xmlns:p14="http://schemas.microsoft.com/office/powerpoint/2010/main" val="2096585200"/>
+      </p:ext>
+    </p:extLst>
+  </p:cSld>
+  <p:clrMapOvr>
+    <a:overrideClrMapping bg1="dk1" tx1="lt1" bg2="dk2" tx2="lt2" accent1="accent1" accent2="accent2" accent3="accent3" accent4="accent4" accent5="accent5" accent6="accent6" hlink="hlink" folHlink="folHlink"/>
+  </p:clrMapOvr>
+  <p:timing>
+    <p:tnLst>
+      <p:par>
+        <p:cTn id="1" dur="indefinite" restart="never" nodeType="tmRoot">
+          <p:childTnLst>
+            <p:seq concurrent="1" nextAc="seek">
+              <p:cTn id="2" dur="indefinite" nodeType="mainSeq">
+                <p:childTnLst>
+                  <p:par>
+                    <p:cTn id="3" fill="hold">
+                      <p:stCondLst>
+                        <p:cond delay="indefinite"/>
+                        <p:cond evt="onBegin" delay="0">
+                          <p:tn val="2"/>
+                        </p:cond>
+                      </p:stCondLst>
+                      <p:childTnLst>
+                        <p:par>
+                          <p:cTn id="4" fill="hold">
+                            <p:stCondLst>
+                              <p:cond delay="0"/>
+                            </p:stCondLst>
+                            <p:childTnLst>
+                              <p:par>
+                                <p:cTn id="5" presetID="10" presetClass="entr" presetSubtype="0" fill="hold" grpId="0" nodeType="withEffect">
+                                  <p:stCondLst>
+                                    <p:cond delay="1000"/>
+                                  </p:stCondLst>
+                                  <p:iterate>
+                                    <p:tmPct val="10000"/>
+                                  </p:iterate>
+                                  <p:childTnLst>
+                                    <p:set>
+                                      <p:cBhvr>
+                                        <p:cTn id="6" dur="1" fill="hold">
+                                          <p:stCondLst>
+                                            <p:cond delay="0"/>
+                                          </p:stCondLst>
+                                        </p:cTn>
+                                        <p:tgtEl>
+                                          <p:spTgt spid="4"/>
+                                        </p:tgtEl>
+                                        <p:attrNameLst>
+                                          <p:attrName>style.visibility</p:attrName>
+                                        </p:attrNameLst>
+                                      </p:cBhvr>
+                                      <p:to>
+                                        <p:strVal val="visible"/>
+                                      </p:to>
+                                    </p:set>
+                                    <p:animEffect transition="in" filter="fade">
+                                      <p:cBhvr>
+                                        <p:cTn id="7" dur="700"/>
+                                        <p:tgtEl>
+                                          <p:spTgt spid="4"/>
+                                        </p:tgtEl>
+                                      </p:cBhvr>
+                                    </p:animEffect>
+                                  </p:childTnLst>
+                                </p:cTn>
+                              </p:par>
+                            </p:childTnLst>
+                          </p:cTn>
+                        </p:par>
+                      </p:childTnLst>
+                    </p:cTn>
+                  </p:par>
+                </p:childTnLst>
+              </p:cTn>
+              <p:prevCondLst>
+                <p:cond evt="onPrev" delay="0">
+                  <p:tgtEl>
+                    <p:sldTgt/>
+                  </p:tgtEl>
+                </p:cond>
+              </p:prevCondLst>
+              <p:nextCondLst>
+                <p:cond evt="onNext" delay="0">
+                  <p:tgtEl>
+                    <p:sldTgt/>
+                  </p:tgtEl>
+                </p:cond>
+              </p:nextCondLst>
+            </p:seq>
+          </p:childTnLst>
+        </p:cTn>
+      </p:par>
+    </p:tnLst>
+    <p:bldLst>
+      <p:bldP spid="4" grpId="0"/>
+    </p:bldLst>
+  </p:timing>
 </p:sld>
 </file>
 
@@ -15563,7 +13537,7 @@
           <p:cNvPr id="2" name="Título 1">
             <a:extLst>
               <a:ext uri="{FF2B5EF4-FFF2-40B4-BE49-F238E27FC236}">
-                <a16:creationId xmlns:a16="http://schemas.microsoft.com/office/drawing/2014/main" id="{82D233BD-0DA1-B8AD-BACB-AA7F5CB5B648}"/>
+                <a16:creationId xmlns:a16="http://schemas.microsoft.com/office/drawing/2014/main" id="{15196BFB-FB2D-8200-D3EC-FA87A4E7AFFE}"/>
               </a:ext>
             </a:extLst>
           </p:cNvPr>
@@ -15574,15 +13548,10 @@
             <p:ph type="title"/>
           </p:nvPr>
         </p:nvSpPr>
-        <p:spPr>
-          <a:xfrm>
-            <a:off x="497795" y="1469336"/>
-            <a:ext cx="3310725" cy="475855"/>
-          </a:xfrm>
-        </p:spPr>
+        <p:spPr/>
         <p:txBody>
           <a:bodyPr>
-            <a:normAutofit fontScale="90000"/>
+            <a:normAutofit/>
           </a:bodyPr>
           <a:lstStyle/>
           <a:p>
@@ -15594,7 +13563,7 @@
                 <a:effectLst/>
                 <a:latin typeface="Abadi" panose="020B0604020104020204" pitchFamily="34" charset="0"/>
               </a:rPr>
-              <a:t>3.5 Apresentação e explicação do diagrama ER produzido</a:t>
+              <a:t>4.1 Construção e validação do modelo de dados lógico</a:t>
             </a:r>
             <a:endParaRPr lang="pt-PT" b="1" dirty="0">
               <a:solidFill>
@@ -15604,39 +13573,35 @@
           </a:p>
         </p:txBody>
       </p:sp>
-      <p:pic>
-        <p:nvPicPr>
-          <p:cNvPr id="13" name="Marcador de Posição de Conteúdo 12">
+      <p:sp>
+        <p:nvSpPr>
+          <p:cNvPr id="3" name="Marcador de Posição de Conteúdo 2">
             <a:extLst>
               <a:ext uri="{FF2B5EF4-FFF2-40B4-BE49-F238E27FC236}">
-                <a16:creationId xmlns:a16="http://schemas.microsoft.com/office/drawing/2014/main" id="{B07C7C8B-CCD4-8A14-8509-C5DC3DAEC57C}"/>
+                <a16:creationId xmlns:a16="http://schemas.microsoft.com/office/drawing/2014/main" id="{B2709D89-8CAC-A4D4-89D1-B945F9CF5438}"/>
               </a:ext>
             </a:extLst>
           </p:cNvPr>
-          <p:cNvPicPr>
-            <a:picLocks noGrp="1" noChangeAspect="1"/>
-          </p:cNvPicPr>
+          <p:cNvSpPr>
+            <a:spLocks noGrp="1"/>
+          </p:cNvSpPr>
           <p:nvPr>
             <p:ph idx="1"/>
           </p:nvPr>
-        </p:nvPicPr>
-        <p:blipFill>
-          <a:blip r:embed="rId2"/>
-          <a:stretch>
-            <a:fillRect/>
-          </a:stretch>
-        </p:blipFill>
-        <p:spPr>
-          <a:xfrm>
-            <a:off x="4579122" y="544288"/>
-            <a:ext cx="6511401" cy="6077775"/>
-          </a:xfrm>
-        </p:spPr>
-      </p:pic>
+        </p:nvSpPr>
+        <p:spPr/>
+        <p:txBody>
+          <a:bodyPr/>
+          <a:lstStyle/>
+          <a:p>
+            <a:endParaRPr lang="pt-PT"/>
+          </a:p>
+        </p:txBody>
+      </p:sp>
     </p:spTree>
     <p:extLst>
       <p:ext uri="{BB962C8B-B14F-4D97-AF65-F5344CB8AC3E}">
-        <p14:creationId xmlns:p14="http://schemas.microsoft.com/office/powerpoint/2010/main" val="1334778605"/>
+        <p14:creationId xmlns:p14="http://schemas.microsoft.com/office/powerpoint/2010/main" val="546604150"/>
       </p:ext>
     </p:extLst>
   </p:cSld>
@@ -15647,458 +13612,6 @@
 </file>
 
 <file path=ppt/slides/slide41.xml><?xml version="1.0" encoding="utf-8"?>
-<p:sld xmlns:a="http://schemas.openxmlformats.org/drawingml/2006/main" xmlns:r="http://schemas.openxmlformats.org/officeDocument/2006/relationships" xmlns:p="http://schemas.openxmlformats.org/presentationml/2006/main">
-  <p:cSld>
-    <p:bg>
-      <p:bgPr>
-        <a:solidFill>
-          <a:schemeClr val="bg1"/>
-        </a:solidFill>
-        <a:effectLst/>
-      </p:bgPr>
-    </p:bg>
-    <p:spTree>
-      <p:nvGrpSpPr>
-        <p:cNvPr id="1" name=""/>
-        <p:cNvGrpSpPr/>
-        <p:nvPr/>
-      </p:nvGrpSpPr>
-      <p:grpSpPr>
-        <a:xfrm>
-          <a:off x="0" y="0"/>
-          <a:ext cx="0" cy="0"/>
-          <a:chOff x="0" y="0"/>
-          <a:chExt cx="0" cy="0"/>
-        </a:xfrm>
-      </p:grpSpPr>
-      <p:sp useBgFill="1">
-        <p:nvSpPr>
-          <p:cNvPr id="11" name="Rectangle 10">
-            <a:extLst>
-              <a:ext uri="{FF2B5EF4-FFF2-40B4-BE49-F238E27FC236}">
-                <a16:creationId xmlns:a16="http://schemas.microsoft.com/office/drawing/2014/main" id="{1FF9CEF5-A50D-4B8B-9852-D76F7037867E}"/>
-              </a:ext>
-              <a:ext uri="{C183D7F6-B498-43B3-948B-1728B52AA6E4}">
-                <adec:decorative xmlns:adec="http://schemas.microsoft.com/office/drawing/2017/decorative" val="1"/>
-              </a:ext>
-            </a:extLst>
-          </p:cNvPr>
-          <p:cNvSpPr>
-            <a:spLocks noGrp="1" noRot="1" noChangeAspect="1" noMove="1" noResize="1" noEditPoints="1" noAdjustHandles="1" noChangeArrowheads="1" noChangeShapeType="1" noTextEdit="1"/>
-          </p:cNvSpPr>
-          <p:nvPr>
-            <p:extLst>
-              <p:ext uri="{386F3935-93C4-4BCD-93E2-E3B085C9AB24}">
-                <p16:designElem xmlns:p16="http://schemas.microsoft.com/office/powerpoint/2015/main" val="1"/>
-              </p:ext>
-            </p:extLst>
-          </p:nvPr>
-        </p:nvSpPr>
-        <p:spPr>
-          <a:xfrm>
-            <a:off x="0" y="-786"/>
-            <a:ext cx="12192000" cy="6854038"/>
-          </a:xfrm>
-          <a:prstGeom prst="rect">
-            <a:avLst/>
-          </a:prstGeom>
-          <a:ln>
-            <a:noFill/>
-          </a:ln>
-        </p:spPr>
-        <p:style>
-          <a:lnRef idx="2">
-            <a:schemeClr val="accent1">
-              <a:shade val="50000"/>
-            </a:schemeClr>
-          </a:lnRef>
-          <a:fillRef idx="1">
-            <a:schemeClr val="accent1"/>
-          </a:fillRef>
-          <a:effectRef idx="0">
-            <a:schemeClr val="accent1"/>
-          </a:effectRef>
-          <a:fontRef idx="minor">
-            <a:schemeClr val="lt1"/>
-          </a:fontRef>
-        </p:style>
-        <p:txBody>
-          <a:bodyPr rtlCol="0" anchor="ctr"/>
-          <a:lstStyle/>
-          <a:p>
-            <a:pPr algn="ctr"/>
-            <a:endParaRPr lang="en-US"/>
-          </a:p>
-        </p:txBody>
-      </p:sp>
-      <p:pic>
-        <p:nvPicPr>
-          <p:cNvPr id="7" name="Picture 6" descr="Números e símbolos">
-            <a:extLst>
-              <a:ext uri="{FF2B5EF4-FFF2-40B4-BE49-F238E27FC236}">
-                <a16:creationId xmlns:a16="http://schemas.microsoft.com/office/drawing/2014/main" id="{04B5C4AB-B89B-1D77-9C04-628FD941A935}"/>
-              </a:ext>
-            </a:extLst>
-          </p:cNvPr>
-          <p:cNvPicPr>
-            <a:picLocks noChangeAspect="1"/>
-          </p:cNvPicPr>
-          <p:nvPr/>
-        </p:nvPicPr>
-        <p:blipFill rotWithShape="1">
-          <a:blip r:embed="rId2">
-            <a:alphaModFix amt="40000"/>
-          </a:blip>
-          <a:srcRect t="13028" b="2702"/>
-          <a:stretch/>
-        </p:blipFill>
-        <p:spPr>
-          <a:xfrm>
-            <a:off x="20" y="10"/>
-            <a:ext cx="12191980" cy="6857990"/>
-          </a:xfrm>
-          <a:prstGeom prst="rect">
-            <a:avLst/>
-          </a:prstGeom>
-        </p:spPr>
-      </p:pic>
-      <p:sp>
-        <p:nvSpPr>
-          <p:cNvPr id="4" name="Título 3">
-            <a:extLst>
-              <a:ext uri="{FF2B5EF4-FFF2-40B4-BE49-F238E27FC236}">
-                <a16:creationId xmlns:a16="http://schemas.microsoft.com/office/drawing/2014/main" id="{AD6C13BE-376F-A072-4E02-6AE2488BF4E1}"/>
-              </a:ext>
-            </a:extLst>
-          </p:cNvPr>
-          <p:cNvSpPr>
-            <a:spLocks noGrp="1"/>
-          </p:cNvSpPr>
-          <p:nvPr>
-            <p:ph type="ctrTitle"/>
-          </p:nvPr>
-        </p:nvSpPr>
-        <p:spPr>
-          <a:xfrm>
-            <a:off x="2589213" y="2514600"/>
-            <a:ext cx="8915399" cy="2262781"/>
-          </a:xfrm>
-        </p:spPr>
-        <p:txBody>
-          <a:bodyPr>
-            <a:normAutofit/>
-          </a:bodyPr>
-          <a:lstStyle/>
-          <a:p>
-            <a:r>
-              <a:rPr lang="pt-PT" b="1" dirty="0">
-                <a:solidFill>
-                  <a:schemeClr val="tx1"/>
-                </a:solidFill>
-                <a:effectLst/>
-                <a:latin typeface="Abadi" panose="020B0604020104020204" pitchFamily="34" charset="0"/>
-              </a:rPr>
-              <a:t>4. Modelação Lógica</a:t>
-            </a:r>
-            <a:endParaRPr lang="pt-PT" dirty="0">
-              <a:solidFill>
-                <a:schemeClr val="tx1"/>
-              </a:solidFill>
-            </a:endParaRPr>
-          </a:p>
-        </p:txBody>
-      </p:sp>
-      <p:sp>
-        <p:nvSpPr>
-          <p:cNvPr id="5" name="Subtítulo 4">
-            <a:extLst>
-              <a:ext uri="{FF2B5EF4-FFF2-40B4-BE49-F238E27FC236}">
-                <a16:creationId xmlns:a16="http://schemas.microsoft.com/office/drawing/2014/main" id="{DC77BD1C-81D3-2D8A-70B1-F76DCE8567F7}"/>
-              </a:ext>
-            </a:extLst>
-          </p:cNvPr>
-          <p:cNvSpPr>
-            <a:spLocks noGrp="1"/>
-          </p:cNvSpPr>
-          <p:nvPr>
-            <p:ph type="subTitle" idx="1"/>
-          </p:nvPr>
-        </p:nvSpPr>
-        <p:spPr>
-          <a:xfrm>
-            <a:off x="2589213" y="4777379"/>
-            <a:ext cx="8915399" cy="1126283"/>
-          </a:xfrm>
-        </p:spPr>
-        <p:txBody>
-          <a:bodyPr>
-            <a:normAutofit/>
-          </a:bodyPr>
-          <a:lstStyle/>
-          <a:p>
-            <a:endParaRPr lang="pt-PT"/>
-          </a:p>
-        </p:txBody>
-      </p:sp>
-      <p:sp>
-        <p:nvSpPr>
-          <p:cNvPr id="13" name="Rectangle 12">
-            <a:extLst>
-              <a:ext uri="{FF2B5EF4-FFF2-40B4-BE49-F238E27FC236}">
-                <a16:creationId xmlns:a16="http://schemas.microsoft.com/office/drawing/2014/main" id="{30684D86-C9D1-40C3-A9B6-EC935C7312E3}"/>
-              </a:ext>
-              <a:ext uri="{C183D7F6-B498-43B3-948B-1728B52AA6E4}">
-                <adec:decorative xmlns:adec="http://schemas.microsoft.com/office/drawing/2017/decorative" val="1"/>
-              </a:ext>
-            </a:extLst>
-          </p:cNvPr>
-          <p:cNvSpPr>
-            <a:spLocks noGrp="1" noRot="1" noChangeAspect="1" noMove="1" noResize="1" noEditPoints="1" noAdjustHandles="1" noChangeArrowheads="1" noChangeShapeType="1" noTextEdit="1"/>
-          </p:cNvSpPr>
-          <p:nvPr>
-            <p:extLst>
-              <p:ext uri="{386F3935-93C4-4BCD-93E2-E3B085C9AB24}">
-                <p16:designElem xmlns:p16="http://schemas.microsoft.com/office/powerpoint/2015/main" val="1"/>
-              </p:ext>
-            </p:extLst>
-          </p:nvPr>
-        </p:nvSpPr>
-        <p:spPr>
-          <a:xfrm>
-            <a:off x="0" y="0"/>
-            <a:ext cx="182880" cy="6858000"/>
-          </a:xfrm>
-          <a:prstGeom prst="rect">
-            <a:avLst/>
-          </a:prstGeom>
-          <a:solidFill>
-            <a:schemeClr val="bg2"/>
-          </a:solidFill>
-          <a:ln>
-            <a:noFill/>
-          </a:ln>
-          <a:effectLst/>
-        </p:spPr>
-        <p:style>
-          <a:lnRef idx="1">
-            <a:schemeClr val="accent1"/>
-          </a:lnRef>
-          <a:fillRef idx="3">
-            <a:schemeClr val="accent1"/>
-          </a:fillRef>
-          <a:effectRef idx="2">
-            <a:schemeClr val="accent1"/>
-          </a:effectRef>
-          <a:fontRef idx="minor">
-            <a:schemeClr val="lt1"/>
-          </a:fontRef>
-        </p:style>
-      </p:sp>
-      <p:sp>
-        <p:nvSpPr>
-          <p:cNvPr id="15" name="Freeform 33">
-            <a:extLst>
-              <a:ext uri="{FF2B5EF4-FFF2-40B4-BE49-F238E27FC236}">
-                <a16:creationId xmlns:a16="http://schemas.microsoft.com/office/drawing/2014/main" id="{1EDF7896-F56A-49DA-90F3-F5CE8B9833AD}"/>
-              </a:ext>
-              <a:ext uri="{C183D7F6-B498-43B3-948B-1728B52AA6E4}">
-                <adec:decorative xmlns:adec="http://schemas.microsoft.com/office/drawing/2017/decorative" val="1"/>
-              </a:ext>
-            </a:extLst>
-          </p:cNvPr>
-          <p:cNvSpPr>
-            <a:spLocks noGrp="1" noRot="1" noChangeAspect="1" noMove="1" noResize="1" noEditPoints="1" noAdjustHandles="1" noChangeArrowheads="1" noChangeShapeType="1" noTextEdit="1"/>
-          </p:cNvSpPr>
-          <p:nvPr>
-            <p:extLst>
-              <p:ext uri="{386F3935-93C4-4BCD-93E2-E3B085C9AB24}">
-                <p16:designElem xmlns:p16="http://schemas.microsoft.com/office/powerpoint/2015/main" val="1"/>
-              </p:ext>
-            </p:extLst>
-          </p:nvPr>
-        </p:nvSpPr>
-        <p:spPr bwMode="auto">
-          <a:xfrm>
-            <a:off x="0" y="4323810"/>
-            <a:ext cx="1744652" cy="778589"/>
-          </a:xfrm>
-          <a:custGeom>
-            <a:avLst/>
-            <a:gdLst/>
-            <a:ahLst/>
-            <a:cxnLst/>
-            <a:rect l="0" t="0" r="r" b="b"/>
-            <a:pathLst>
-              <a:path w="372" h="166">
-                <a:moveTo>
-                  <a:pt x="287" y="166"/>
-                </a:moveTo>
-                <a:cubicBezTo>
-                  <a:pt x="290" y="166"/>
-                  <a:pt x="292" y="165"/>
-                  <a:pt x="293" y="164"/>
-                </a:cubicBezTo>
-                <a:cubicBezTo>
-                  <a:pt x="293" y="163"/>
-                  <a:pt x="294" y="163"/>
-                  <a:pt x="294" y="163"/>
-                </a:cubicBezTo>
-                <a:cubicBezTo>
-                  <a:pt x="370" y="87"/>
-                  <a:pt x="370" y="87"/>
-                  <a:pt x="370" y="87"/>
-                </a:cubicBezTo>
-                <a:cubicBezTo>
-                  <a:pt x="372" y="85"/>
-                  <a:pt x="372" y="81"/>
-                  <a:pt x="370" y="78"/>
-                </a:cubicBezTo>
-                <a:cubicBezTo>
-                  <a:pt x="294" y="3"/>
-                  <a:pt x="294" y="3"/>
-                  <a:pt x="294" y="3"/>
-                </a:cubicBezTo>
-                <a:cubicBezTo>
-                  <a:pt x="294" y="2"/>
-                  <a:pt x="293" y="2"/>
-                  <a:pt x="293" y="2"/>
-                </a:cubicBezTo>
-                <a:cubicBezTo>
-                  <a:pt x="292" y="1"/>
-                  <a:pt x="290" y="0"/>
-                  <a:pt x="287" y="0"/>
-                </a:cubicBezTo>
-                <a:cubicBezTo>
-                  <a:pt x="0" y="0"/>
-                  <a:pt x="0" y="0"/>
-                  <a:pt x="0" y="0"/>
-                </a:cubicBezTo>
-                <a:cubicBezTo>
-                  <a:pt x="0" y="166"/>
-                  <a:pt x="0" y="166"/>
-                  <a:pt x="0" y="166"/>
-                </a:cubicBezTo>
-                <a:lnTo>
-                  <a:pt x="287" y="166"/>
-                </a:lnTo>
-                <a:close/>
-              </a:path>
-            </a:pathLst>
-          </a:custGeom>
-          <a:solidFill>
-            <a:schemeClr val="accent1"/>
-          </a:solidFill>
-          <a:ln>
-            <a:noFill/>
-          </a:ln>
-        </p:spPr>
-      </p:sp>
-    </p:spTree>
-    <p:extLst>
-      <p:ext uri="{BB962C8B-B14F-4D97-AF65-F5344CB8AC3E}">
-        <p14:creationId xmlns:p14="http://schemas.microsoft.com/office/powerpoint/2010/main" val="2096585200"/>
-      </p:ext>
-    </p:extLst>
-  </p:cSld>
-  <p:clrMapOvr>
-    <a:overrideClrMapping bg1="dk1" tx1="lt1" bg2="dk2" tx2="lt2" accent1="accent1" accent2="accent2" accent3="accent3" accent4="accent4" accent5="accent5" accent6="accent6" hlink="hlink" folHlink="folHlink"/>
-  </p:clrMapOvr>
-  <p:timing>
-    <p:tnLst>
-      <p:par>
-        <p:cTn id="1" dur="indefinite" restart="never" nodeType="tmRoot">
-          <p:childTnLst>
-            <p:seq concurrent="1" nextAc="seek">
-              <p:cTn id="2" dur="indefinite" nodeType="mainSeq">
-                <p:childTnLst>
-                  <p:par>
-                    <p:cTn id="3" fill="hold">
-                      <p:stCondLst>
-                        <p:cond delay="indefinite"/>
-                        <p:cond evt="onBegin" delay="0">
-                          <p:tn val="2"/>
-                        </p:cond>
-                      </p:stCondLst>
-                      <p:childTnLst>
-                        <p:par>
-                          <p:cTn id="4" fill="hold">
-                            <p:stCondLst>
-                              <p:cond delay="0"/>
-                            </p:stCondLst>
-                            <p:childTnLst>
-                              <p:par>
-                                <p:cTn id="5" presetID="10" presetClass="entr" presetSubtype="0" fill="hold" grpId="0" nodeType="withEffect">
-                                  <p:stCondLst>
-                                    <p:cond delay="1000"/>
-                                  </p:stCondLst>
-                                  <p:iterate>
-                                    <p:tmPct val="10000"/>
-                                  </p:iterate>
-                                  <p:childTnLst>
-                                    <p:set>
-                                      <p:cBhvr>
-                                        <p:cTn id="6" dur="1" fill="hold">
-                                          <p:stCondLst>
-                                            <p:cond delay="0"/>
-                                          </p:stCondLst>
-                                        </p:cTn>
-                                        <p:tgtEl>
-                                          <p:spTgt spid="4"/>
-                                        </p:tgtEl>
-                                        <p:attrNameLst>
-                                          <p:attrName>style.visibility</p:attrName>
-                                        </p:attrNameLst>
-                                      </p:cBhvr>
-                                      <p:to>
-                                        <p:strVal val="visible"/>
-                                      </p:to>
-                                    </p:set>
-                                    <p:animEffect transition="in" filter="fade">
-                                      <p:cBhvr>
-                                        <p:cTn id="7" dur="700"/>
-                                        <p:tgtEl>
-                                          <p:spTgt spid="4"/>
-                                        </p:tgtEl>
-                                      </p:cBhvr>
-                                    </p:animEffect>
-                                  </p:childTnLst>
-                                </p:cTn>
-                              </p:par>
-                            </p:childTnLst>
-                          </p:cTn>
-                        </p:par>
-                      </p:childTnLst>
-                    </p:cTn>
-                  </p:par>
-                </p:childTnLst>
-              </p:cTn>
-              <p:prevCondLst>
-                <p:cond evt="onPrev" delay="0">
-                  <p:tgtEl>
-                    <p:sldTgt/>
-                  </p:tgtEl>
-                </p:cond>
-              </p:prevCondLst>
-              <p:nextCondLst>
-                <p:cond evt="onNext" delay="0">
-                  <p:tgtEl>
-                    <p:sldTgt/>
-                  </p:tgtEl>
-                </p:cond>
-              </p:nextCondLst>
-            </p:seq>
-          </p:childTnLst>
-        </p:cTn>
-      </p:par>
-    </p:tnLst>
-    <p:bldLst>
-      <p:bldP spid="4" grpId="0"/>
-    </p:bldLst>
-  </p:timing>
-</p:sld>
-</file>
-
-<file path=ppt/slides/slide42.xml><?xml version="1.0" encoding="utf-8"?>
 <p:sld xmlns:a="http://schemas.openxmlformats.org/drawingml/2006/main" xmlns:r="http://schemas.openxmlformats.org/officeDocument/2006/relationships" xmlns:p="http://schemas.openxmlformats.org/presentationml/2006/main">
   <p:cSld>
     <p:spTree>
@@ -16120,102 +13633,6 @@
           <p:cNvPr id="2" name="Título 1">
             <a:extLst>
               <a:ext uri="{FF2B5EF4-FFF2-40B4-BE49-F238E27FC236}">
-                <a16:creationId xmlns:a16="http://schemas.microsoft.com/office/drawing/2014/main" id="{15196BFB-FB2D-8200-D3EC-FA87A4E7AFFE}"/>
-              </a:ext>
-            </a:extLst>
-          </p:cNvPr>
-          <p:cNvSpPr>
-            <a:spLocks noGrp="1"/>
-          </p:cNvSpPr>
-          <p:nvPr>
-            <p:ph type="title"/>
-          </p:nvPr>
-        </p:nvSpPr>
-        <p:spPr/>
-        <p:txBody>
-          <a:bodyPr>
-            <a:normAutofit/>
-          </a:bodyPr>
-          <a:lstStyle/>
-          <a:p>
-            <a:r>
-              <a:rPr lang="pt-PT" b="1" dirty="0">
-                <a:solidFill>
-                  <a:schemeClr val="tx1"/>
-                </a:solidFill>
-                <a:effectLst/>
-                <a:latin typeface="Abadi" panose="020B0604020104020204" pitchFamily="34" charset="0"/>
-              </a:rPr>
-              <a:t>4.1 Construção e validação do modelo de dados lógico</a:t>
-            </a:r>
-            <a:endParaRPr lang="pt-PT" b="1" dirty="0">
-              <a:solidFill>
-                <a:schemeClr val="tx1"/>
-              </a:solidFill>
-            </a:endParaRPr>
-          </a:p>
-        </p:txBody>
-      </p:sp>
-      <p:sp>
-        <p:nvSpPr>
-          <p:cNvPr id="3" name="Marcador de Posição de Conteúdo 2">
-            <a:extLst>
-              <a:ext uri="{FF2B5EF4-FFF2-40B4-BE49-F238E27FC236}">
-                <a16:creationId xmlns:a16="http://schemas.microsoft.com/office/drawing/2014/main" id="{B2709D89-8CAC-A4D4-89D1-B945F9CF5438}"/>
-              </a:ext>
-            </a:extLst>
-          </p:cNvPr>
-          <p:cNvSpPr>
-            <a:spLocks noGrp="1"/>
-          </p:cNvSpPr>
-          <p:nvPr>
-            <p:ph idx="1"/>
-          </p:nvPr>
-        </p:nvSpPr>
-        <p:spPr/>
-        <p:txBody>
-          <a:bodyPr/>
-          <a:lstStyle/>
-          <a:p>
-            <a:endParaRPr lang="pt-PT"/>
-          </a:p>
-        </p:txBody>
-      </p:sp>
-    </p:spTree>
-    <p:extLst>
-      <p:ext uri="{BB962C8B-B14F-4D97-AF65-F5344CB8AC3E}">
-        <p14:creationId xmlns:p14="http://schemas.microsoft.com/office/powerpoint/2010/main" val="546604150"/>
-      </p:ext>
-    </p:extLst>
-  </p:cSld>
-  <p:clrMapOvr>
-    <a:masterClrMapping/>
-  </p:clrMapOvr>
-</p:sld>
-</file>
-
-<file path=ppt/slides/slide43.xml><?xml version="1.0" encoding="utf-8"?>
-<p:sld xmlns:a="http://schemas.openxmlformats.org/drawingml/2006/main" xmlns:r="http://schemas.openxmlformats.org/officeDocument/2006/relationships" xmlns:p="http://schemas.openxmlformats.org/presentationml/2006/main">
-  <p:cSld>
-    <p:spTree>
-      <p:nvGrpSpPr>
-        <p:cNvPr id="1" name=""/>
-        <p:cNvGrpSpPr/>
-        <p:nvPr/>
-      </p:nvGrpSpPr>
-      <p:grpSpPr>
-        <a:xfrm>
-          <a:off x="0" y="0"/>
-          <a:ext cx="0" cy="0"/>
-          <a:chOff x="0" y="0"/>
-          <a:chExt cx="0" cy="0"/>
-        </a:xfrm>
-      </p:grpSpPr>
-      <p:sp>
-        <p:nvSpPr>
-          <p:cNvPr id="2" name="Título 1">
-            <a:extLst>
-              <a:ext uri="{FF2B5EF4-FFF2-40B4-BE49-F238E27FC236}">
                 <a16:creationId xmlns:a16="http://schemas.microsoft.com/office/drawing/2014/main" id="{C759CBE9-52BB-463A-E478-DAC9BA52A765}"/>
               </a:ext>
             </a:extLst>
@@ -16271,7 +13688,14 @@
           <a:bodyPr/>
           <a:lstStyle/>
           <a:p>
-            <a:endParaRPr lang="pt-PT"/>
+            <a:r>
+              <a:rPr lang="pt-PT" dirty="0"/>
+              <a:t>Eu acho que </a:t>
+            </a:r>
+            <a:r>
+              <a:rPr lang="pt-PT"/>
+              <a:t>está normalizado.</a:t>
+            </a:r>
           </a:p>
         </p:txBody>
       </p:sp>
@@ -16288,7 +13712,7 @@
 </p:sld>
 </file>
 
-<file path=ppt/slides/slide44.xml><?xml version="1.0" encoding="utf-8"?>
+<file path=ppt/slides/slide42.xml><?xml version="1.0" encoding="utf-8"?>
 <p:sld xmlns:a="http://schemas.openxmlformats.org/drawingml/2006/main" xmlns:r="http://schemas.openxmlformats.org/officeDocument/2006/relationships" xmlns:p="http://schemas.openxmlformats.org/presentationml/2006/main">
   <p:cSld>
     <p:bg>
@@ -16418,7 +13842,7 @@
 </p:sld>
 </file>
 
-<file path=ppt/slides/slide45.xml><?xml version="1.0" encoding="utf-8"?>
+<file path=ppt/slides/slide43.xml><?xml version="1.0" encoding="utf-8"?>
 <p:sld xmlns:a="http://schemas.openxmlformats.org/drawingml/2006/main" xmlns:r="http://schemas.openxmlformats.org/officeDocument/2006/relationships" xmlns:p="http://schemas.openxmlformats.org/presentationml/2006/main">
   <p:cSld>
     <p:spTree>
@@ -16511,6 +13935,152 @@
   <p:clrMapOvr>
     <a:masterClrMapping/>
   </p:clrMapOvr>
+</p:sld>
+</file>
+
+<file path=ppt/slides/slide44.xml><?xml version="1.0" encoding="utf-8"?>
+<p:sld xmlns:a="http://schemas.openxmlformats.org/drawingml/2006/main" xmlns:r="http://schemas.openxmlformats.org/officeDocument/2006/relationships" xmlns:p="http://schemas.openxmlformats.org/presentationml/2006/main">
+  <p:cSld>
+    <p:spTree>
+      <p:nvGrpSpPr>
+        <p:cNvPr id="1" name=""/>
+        <p:cNvGrpSpPr/>
+        <p:nvPr/>
+      </p:nvGrpSpPr>
+      <p:grpSpPr>
+        <a:xfrm>
+          <a:off x="0" y="0"/>
+          <a:ext cx="0" cy="0"/>
+          <a:chOff x="0" y="0"/>
+          <a:chExt cx="0" cy="0"/>
+        </a:xfrm>
+      </p:grpSpPr>
+      <p:sp>
+        <p:nvSpPr>
+          <p:cNvPr id="2" name="Título 1">
+            <a:extLst>
+              <a:ext uri="{FF2B5EF4-FFF2-40B4-BE49-F238E27FC236}">
+                <a16:creationId xmlns:a16="http://schemas.microsoft.com/office/drawing/2014/main" id="{E15FCBF6-1DC0-52CB-C0E0-36771B3E845E}"/>
+              </a:ext>
+            </a:extLst>
+          </p:cNvPr>
+          <p:cNvSpPr>
+            <a:spLocks noGrp="1"/>
+          </p:cNvSpPr>
+          <p:nvPr>
+            <p:ph type="title"/>
+          </p:nvPr>
+        </p:nvSpPr>
+        <p:spPr/>
+        <p:txBody>
+          <a:bodyPr/>
+          <a:lstStyle/>
+          <a:p>
+            <a:r>
+              <a:rPr lang="pt-PT" dirty="0"/>
+              <a:t>Bibliografia</a:t>
+            </a:r>
+          </a:p>
+        </p:txBody>
+      </p:sp>
+      <p:sp>
+        <p:nvSpPr>
+          <p:cNvPr id="3" name="Marcador de Posição de Conteúdo 2">
+            <a:extLst>
+              <a:ext uri="{FF2B5EF4-FFF2-40B4-BE49-F238E27FC236}">
+                <a16:creationId xmlns:a16="http://schemas.microsoft.com/office/drawing/2014/main" id="{AD73333B-5737-E4C0-7D88-446B62DCE808}"/>
+              </a:ext>
+            </a:extLst>
+          </p:cNvPr>
+          <p:cNvSpPr>
+            <a:spLocks noGrp="1"/>
+          </p:cNvSpPr>
+          <p:nvPr>
+            <p:ph idx="1"/>
+          </p:nvPr>
+        </p:nvSpPr>
+        <p:spPr/>
+        <p:txBody>
+          <a:bodyPr/>
+          <a:lstStyle/>
+          <a:p>
+            <a:r>
+              <a:rPr lang="pt-PT" b="0" i="0" u="sng" dirty="0">
+                <a:solidFill>
+                  <a:srgbClr val="1155CC"/>
+                </a:solidFill>
+                <a:effectLst/>
+                <a:latin typeface="Arial" panose="020B0604020202020204" pitchFamily="34" charset="0"/>
+                <a:hlinkClick r:id="rId2"/>
+              </a:rPr>
+              <a:t>https://www.infarmed.pt/documents/15786/17838/Normas_Prescri%C3%A7%C3%A3o/bcd0b378-3b00-4ee0-9104-28d0db0b7872</a:t>
+            </a:r>
+            <a:br>
+              <a:rPr lang="pt-PT" dirty="0"/>
+            </a:br>
+            <a:endParaRPr lang="pt-PT" dirty="0"/>
+          </a:p>
+          <a:p>
+            <a:r>
+              <a:rPr lang="pt-PT" b="0" i="0" u="sng" dirty="0">
+                <a:solidFill>
+                  <a:srgbClr val="1155CC"/>
+                </a:solidFill>
+                <a:effectLst/>
+                <a:latin typeface="Arial" panose="020B0604020202020204" pitchFamily="34" charset="0"/>
+                <a:hlinkClick r:id="rId3"/>
+              </a:rPr>
+              <a:t>https://www.farmaciaemcasa.pt/</a:t>
+            </a:r>
+            <a:br>
+              <a:rPr lang="pt-PT" dirty="0"/>
+            </a:br>
+            <a:endParaRPr lang="pt-PT" dirty="0"/>
+          </a:p>
+          <a:p>
+            <a:r>
+              <a:rPr lang="pt-PT" b="0" i="0" u="sng" dirty="0">
+                <a:solidFill>
+                  <a:srgbClr val="1155CC"/>
+                </a:solidFill>
+                <a:effectLst/>
+                <a:latin typeface="Arial" panose="020B0604020202020204" pitchFamily="34" charset="0"/>
+                <a:hlinkClick r:id="rId4"/>
+              </a:rPr>
+              <a:t>https://www.tive.com/blog/pharmaceutical-transport-best-practices-for-shippers-to-know</a:t>
+            </a:r>
+            <a:br>
+              <a:rPr lang="pt-PT" dirty="0"/>
+            </a:br>
+            <a:endParaRPr lang="pt-PT" dirty="0"/>
+          </a:p>
+          <a:p>
+            <a:endParaRPr lang="pt-PT" dirty="0"/>
+          </a:p>
+        </p:txBody>
+      </p:sp>
+    </p:spTree>
+    <p:extLst>
+      <p:ext uri="{BB962C8B-B14F-4D97-AF65-F5344CB8AC3E}">
+        <p14:creationId xmlns:p14="http://schemas.microsoft.com/office/powerpoint/2010/main" val="540418576"/>
+      </p:ext>
+    </p:extLst>
+  </p:cSld>
+  <p:clrMapOvr>
+    <a:masterClrMapping/>
+  </p:clrMapOvr>
+  <mc:AlternateContent xmlns:mc="http://schemas.openxmlformats.org/markup-compatibility/2006">
+    <mc:Choice xmlns:p15="http://schemas.microsoft.com/office/powerpoint/2012/main" Requires="p15">
+      <p:transition xmlns:p14="http://schemas.microsoft.com/office/powerpoint/2010/main" spd="slow" p14:dur="1250">
+        <p15:prstTrans prst="airplane"/>
+      </p:transition>
+    </mc:Choice>
+    <mc:Fallback>
+      <p:transition spd="slow">
+        <p:fade/>
+      </p:transition>
+    </mc:Fallback>
+  </mc:AlternateContent>
 </p:sld>
 </file>
 

--- a/Apresentação1.pptx
+++ b/Apresentação1.pptx
@@ -13594,7 +13594,10 @@
           <a:bodyPr/>
           <a:lstStyle/>
           <a:p>
-            <a:endParaRPr lang="pt-PT"/>
+            <a:r>
+              <a:rPr lang="pt-PT" dirty="0"/>
+              <a:t>O nosso modelo lógico foi construído a partir do modelo concetual.</a:t>
+            </a:r>
           </a:p>
         </p:txBody>
       </p:sp>
@@ -13690,11 +13693,7 @@
           <a:p>
             <a:r>
               <a:rPr lang="pt-PT" dirty="0"/>
-              <a:t>Eu acho que </a:t>
-            </a:r>
-            <a:r>
-              <a:rPr lang="pt-PT"/>
-              <a:t>está normalizado.</a:t>
+              <a:t>Certamente, está normalizado.</a:t>
             </a:r>
           </a:p>
         </p:txBody>
@@ -14069,13 +14068,13 @@
   <p:clrMapOvr>
     <a:masterClrMapping/>
   </p:clrMapOvr>
-  <mc:AlternateContent xmlns:mc="http://schemas.openxmlformats.org/markup-compatibility/2006">
-    <mc:Choice xmlns:p15="http://schemas.microsoft.com/office/powerpoint/2012/main" Requires="p15">
+  <mc:AlternateContent xmlns:mc="http://schemas.openxmlformats.org/markup-compatibility/2006" xmlns:p15="http://schemas.microsoft.com/office/powerpoint/2012/main">
+    <mc:Choice Requires="p15">
       <p:transition xmlns:p14="http://schemas.microsoft.com/office/powerpoint/2010/main" spd="slow" p14:dur="1250">
         <p15:prstTrans prst="airplane"/>
       </p:transition>
     </mc:Choice>
-    <mc:Fallback>
+    <mc:Fallback xmlns="">
       <p:transition spd="slow">
         <p:fade/>
       </p:transition>

--- a/Apresentação1.pptx
+++ b/Apresentação1.pptx
@@ -43,12 +43,15 @@
     <p:sldId id="299" r:id="rId37"/>
     <p:sldId id="300" r:id="rId38"/>
     <p:sldId id="277" r:id="rId39"/>
-    <p:sldId id="278" r:id="rId40"/>
-    <p:sldId id="279" r:id="rId41"/>
-    <p:sldId id="280" r:id="rId42"/>
-    <p:sldId id="281" r:id="rId43"/>
-    <p:sldId id="282" r:id="rId44"/>
-    <p:sldId id="302" r:id="rId45"/>
+    <p:sldId id="307" r:id="rId40"/>
+    <p:sldId id="278" r:id="rId41"/>
+    <p:sldId id="279" r:id="rId42"/>
+    <p:sldId id="280" r:id="rId43"/>
+    <p:sldId id="281" r:id="rId44"/>
+    <p:sldId id="308" r:id="rId45"/>
+    <p:sldId id="309" r:id="rId46"/>
+    <p:sldId id="282" r:id="rId47"/>
+    <p:sldId id="302" r:id="rId48"/>
   </p:sldIdLst>
   <p:sldSz cx="12192000" cy="6858000"/>
   <p:notesSz cx="6858000" cy="9144000"/>
@@ -12570,19 +12573,17 @@
       </p:sp>
       <p:pic>
         <p:nvPicPr>
-          <p:cNvPr id="13" name="Marcador de Posição de Conteúdo 12">
+          <p:cNvPr id="6" name="Imagem 5">
             <a:extLst>
               <a:ext uri="{FF2B5EF4-FFF2-40B4-BE49-F238E27FC236}">
-                <a16:creationId xmlns:a16="http://schemas.microsoft.com/office/drawing/2014/main" id="{B07C7C8B-CCD4-8A14-8509-C5DC3DAEC57C}"/>
+                <a16:creationId xmlns:a16="http://schemas.microsoft.com/office/drawing/2014/main" id="{5812E7E4-05EC-E304-26D2-7AC258562C12}"/>
               </a:ext>
             </a:extLst>
           </p:cNvPr>
           <p:cNvPicPr>
-            <a:picLocks noGrp="1" noChangeAspect="1"/>
+            <a:picLocks noChangeAspect="1"/>
           </p:cNvPicPr>
-          <p:nvPr>
-            <p:ph idx="1"/>
-          </p:nvPr>
+          <p:nvPr/>
         </p:nvPicPr>
         <p:blipFill>
           <a:blip r:embed="rId2"/>
@@ -12592,9 +12593,12 @@
         </p:blipFill>
         <p:spPr>
           <a:xfrm>
-            <a:off x="4579122" y="544288"/>
-            <a:ext cx="6511401" cy="6077775"/>
+            <a:off x="3808520" y="1083075"/>
+            <a:ext cx="8022646" cy="4507104"/>
           </a:xfrm>
+          <a:prstGeom prst="rect">
+            <a:avLst/>
+          </a:prstGeom>
         </p:spPr>
       </p:pic>
     </p:spTree>
@@ -12613,14 +12617,6 @@
 <file path=ppt/slides/slide39.xml><?xml version="1.0" encoding="utf-8"?>
 <p:sld xmlns:a="http://schemas.openxmlformats.org/drawingml/2006/main" xmlns:r="http://schemas.openxmlformats.org/officeDocument/2006/relationships" xmlns:p="http://schemas.openxmlformats.org/presentationml/2006/main">
   <p:cSld>
-    <p:bg>
-      <p:bgPr>
-        <a:solidFill>
-          <a:schemeClr val="bg1"/>
-        </a:solidFill>
-        <a:effectLst/>
-      </p:bgPr>
-    </p:bg>
     <p:spTree>
       <p:nvGrpSpPr>
         <p:cNvPr id="1" name=""/>
@@ -12635,72 +12631,12 @@
           <a:chExt cx="0" cy="0"/>
         </a:xfrm>
       </p:grpSpPr>
-      <p:sp useBgFill="1">
-        <p:nvSpPr>
-          <p:cNvPr id="11" name="Rectangle 10">
+      <p:pic>
+        <p:nvPicPr>
+          <p:cNvPr id="4" name="Imagem 3">
             <a:extLst>
               <a:ext uri="{FF2B5EF4-FFF2-40B4-BE49-F238E27FC236}">
-                <a16:creationId xmlns:a16="http://schemas.microsoft.com/office/drawing/2014/main" id="{1FF9CEF5-A50D-4B8B-9852-D76F7037867E}"/>
-              </a:ext>
-              <a:ext uri="{C183D7F6-B498-43B3-948B-1728B52AA6E4}">
-                <adec:decorative xmlns:adec="http://schemas.microsoft.com/office/drawing/2017/decorative" val="1"/>
-              </a:ext>
-            </a:extLst>
-          </p:cNvPr>
-          <p:cNvSpPr>
-            <a:spLocks noGrp="1" noRot="1" noChangeAspect="1" noMove="1" noResize="1" noEditPoints="1" noAdjustHandles="1" noChangeArrowheads="1" noChangeShapeType="1" noTextEdit="1"/>
-          </p:cNvSpPr>
-          <p:nvPr>
-            <p:extLst>
-              <p:ext uri="{386F3935-93C4-4BCD-93E2-E3B085C9AB24}">
-                <p16:designElem xmlns:p16="http://schemas.microsoft.com/office/powerpoint/2015/main" val="1"/>
-              </p:ext>
-            </p:extLst>
-          </p:nvPr>
-        </p:nvSpPr>
-        <p:spPr>
-          <a:xfrm>
-            <a:off x="0" y="-786"/>
-            <a:ext cx="12192000" cy="6854038"/>
-          </a:xfrm>
-          <a:prstGeom prst="rect">
-            <a:avLst/>
-          </a:prstGeom>
-          <a:ln>
-            <a:noFill/>
-          </a:ln>
-        </p:spPr>
-        <p:style>
-          <a:lnRef idx="2">
-            <a:schemeClr val="accent1">
-              <a:shade val="50000"/>
-            </a:schemeClr>
-          </a:lnRef>
-          <a:fillRef idx="1">
-            <a:schemeClr val="accent1"/>
-          </a:fillRef>
-          <a:effectRef idx="0">
-            <a:schemeClr val="accent1"/>
-          </a:effectRef>
-          <a:fontRef idx="minor">
-            <a:schemeClr val="lt1"/>
-          </a:fontRef>
-        </p:style>
-        <p:txBody>
-          <a:bodyPr rtlCol="0" anchor="ctr"/>
-          <a:lstStyle/>
-          <a:p>
-            <a:pPr algn="ctr"/>
-            <a:endParaRPr lang="en-US"/>
-          </a:p>
-        </p:txBody>
-      </p:sp>
-      <p:pic>
-        <p:nvPicPr>
-          <p:cNvPr id="7" name="Picture 6" descr="Números e símbolos">
-            <a:extLst>
-              <a:ext uri="{FF2B5EF4-FFF2-40B4-BE49-F238E27FC236}">
-                <a16:creationId xmlns:a16="http://schemas.microsoft.com/office/drawing/2014/main" id="{04B5C4AB-B89B-1D77-9C04-628FD941A935}"/>
+                <a16:creationId xmlns:a16="http://schemas.microsoft.com/office/drawing/2014/main" id="{0163DC56-9BA6-FE86-11A3-CF9131059365}"/>
               </a:ext>
             </a:extLst>
           </p:cNvPr>
@@ -12709,356 +12645,32 @@
           </p:cNvPicPr>
           <p:nvPr/>
         </p:nvPicPr>
-        <p:blipFill rotWithShape="1">
-          <a:blip r:embed="rId2">
-            <a:alphaModFix amt="40000"/>
-          </a:blip>
-          <a:srcRect t="13028" b="2702"/>
-          <a:stretch/>
+        <p:blipFill>
+          <a:blip r:embed="rId2"/>
+          <a:stretch>
+            <a:fillRect/>
+          </a:stretch>
         </p:blipFill>
         <p:spPr>
           <a:xfrm>
-            <a:off x="20" y="10"/>
-            <a:ext cx="12191980" cy="6857990"/>
+            <a:off x="2184701" y="1207364"/>
+            <a:ext cx="8813085" cy="4935760"/>
           </a:xfrm>
           <a:prstGeom prst="rect">
             <a:avLst/>
           </a:prstGeom>
         </p:spPr>
       </p:pic>
-      <p:sp>
-        <p:nvSpPr>
-          <p:cNvPr id="4" name="Título 3">
-            <a:extLst>
-              <a:ext uri="{FF2B5EF4-FFF2-40B4-BE49-F238E27FC236}">
-                <a16:creationId xmlns:a16="http://schemas.microsoft.com/office/drawing/2014/main" id="{AD6C13BE-376F-A072-4E02-6AE2488BF4E1}"/>
-              </a:ext>
-            </a:extLst>
-          </p:cNvPr>
-          <p:cNvSpPr>
-            <a:spLocks noGrp="1"/>
-          </p:cNvSpPr>
-          <p:nvPr>
-            <p:ph type="ctrTitle"/>
-          </p:nvPr>
-        </p:nvSpPr>
-        <p:spPr>
-          <a:xfrm>
-            <a:off x="2589213" y="2514600"/>
-            <a:ext cx="8915399" cy="2262781"/>
-          </a:xfrm>
-        </p:spPr>
-        <p:txBody>
-          <a:bodyPr>
-            <a:normAutofit/>
-          </a:bodyPr>
-          <a:lstStyle/>
-          <a:p>
-            <a:r>
-              <a:rPr lang="pt-PT" b="1" dirty="0">
-                <a:solidFill>
-                  <a:schemeClr val="tx1"/>
-                </a:solidFill>
-                <a:effectLst/>
-                <a:latin typeface="Abadi" panose="020B0604020104020204" pitchFamily="34" charset="0"/>
-              </a:rPr>
-              <a:t>4. Modelação Lógica</a:t>
-            </a:r>
-            <a:endParaRPr lang="pt-PT" dirty="0">
-              <a:solidFill>
-                <a:schemeClr val="tx1"/>
-              </a:solidFill>
-            </a:endParaRPr>
-          </a:p>
-        </p:txBody>
-      </p:sp>
-      <p:sp>
-        <p:nvSpPr>
-          <p:cNvPr id="5" name="Subtítulo 4">
-            <a:extLst>
-              <a:ext uri="{FF2B5EF4-FFF2-40B4-BE49-F238E27FC236}">
-                <a16:creationId xmlns:a16="http://schemas.microsoft.com/office/drawing/2014/main" id="{DC77BD1C-81D3-2D8A-70B1-F76DCE8567F7}"/>
-              </a:ext>
-            </a:extLst>
-          </p:cNvPr>
-          <p:cNvSpPr>
-            <a:spLocks noGrp="1"/>
-          </p:cNvSpPr>
-          <p:nvPr>
-            <p:ph type="subTitle" idx="1"/>
-          </p:nvPr>
-        </p:nvSpPr>
-        <p:spPr>
-          <a:xfrm>
-            <a:off x="2589213" y="4777379"/>
-            <a:ext cx="8915399" cy="1126283"/>
-          </a:xfrm>
-        </p:spPr>
-        <p:txBody>
-          <a:bodyPr>
-            <a:normAutofit/>
-          </a:bodyPr>
-          <a:lstStyle/>
-          <a:p>
-            <a:endParaRPr lang="pt-PT"/>
-          </a:p>
-        </p:txBody>
-      </p:sp>
-      <p:sp>
-        <p:nvSpPr>
-          <p:cNvPr id="13" name="Rectangle 12">
-            <a:extLst>
-              <a:ext uri="{FF2B5EF4-FFF2-40B4-BE49-F238E27FC236}">
-                <a16:creationId xmlns:a16="http://schemas.microsoft.com/office/drawing/2014/main" id="{30684D86-C9D1-40C3-A9B6-EC935C7312E3}"/>
-              </a:ext>
-              <a:ext uri="{C183D7F6-B498-43B3-948B-1728B52AA6E4}">
-                <adec:decorative xmlns:adec="http://schemas.microsoft.com/office/drawing/2017/decorative" val="1"/>
-              </a:ext>
-            </a:extLst>
-          </p:cNvPr>
-          <p:cNvSpPr>
-            <a:spLocks noGrp="1" noRot="1" noChangeAspect="1" noMove="1" noResize="1" noEditPoints="1" noAdjustHandles="1" noChangeArrowheads="1" noChangeShapeType="1" noTextEdit="1"/>
-          </p:cNvSpPr>
-          <p:nvPr>
-            <p:extLst>
-              <p:ext uri="{386F3935-93C4-4BCD-93E2-E3B085C9AB24}">
-                <p16:designElem xmlns:p16="http://schemas.microsoft.com/office/powerpoint/2015/main" val="1"/>
-              </p:ext>
-            </p:extLst>
-          </p:nvPr>
-        </p:nvSpPr>
-        <p:spPr>
-          <a:xfrm>
-            <a:off x="0" y="0"/>
-            <a:ext cx="182880" cy="6858000"/>
-          </a:xfrm>
-          <a:prstGeom prst="rect">
-            <a:avLst/>
-          </a:prstGeom>
-          <a:solidFill>
-            <a:schemeClr val="bg2"/>
-          </a:solidFill>
-          <a:ln>
-            <a:noFill/>
-          </a:ln>
-          <a:effectLst/>
-        </p:spPr>
-        <p:style>
-          <a:lnRef idx="1">
-            <a:schemeClr val="accent1"/>
-          </a:lnRef>
-          <a:fillRef idx="3">
-            <a:schemeClr val="accent1"/>
-          </a:fillRef>
-          <a:effectRef idx="2">
-            <a:schemeClr val="accent1"/>
-          </a:effectRef>
-          <a:fontRef idx="minor">
-            <a:schemeClr val="lt1"/>
-          </a:fontRef>
-        </p:style>
-      </p:sp>
-      <p:sp>
-        <p:nvSpPr>
-          <p:cNvPr id="15" name="Freeform 33">
-            <a:extLst>
-              <a:ext uri="{FF2B5EF4-FFF2-40B4-BE49-F238E27FC236}">
-                <a16:creationId xmlns:a16="http://schemas.microsoft.com/office/drawing/2014/main" id="{1EDF7896-F56A-49DA-90F3-F5CE8B9833AD}"/>
-              </a:ext>
-              <a:ext uri="{C183D7F6-B498-43B3-948B-1728B52AA6E4}">
-                <adec:decorative xmlns:adec="http://schemas.microsoft.com/office/drawing/2017/decorative" val="1"/>
-              </a:ext>
-            </a:extLst>
-          </p:cNvPr>
-          <p:cNvSpPr>
-            <a:spLocks noGrp="1" noRot="1" noChangeAspect="1" noMove="1" noResize="1" noEditPoints="1" noAdjustHandles="1" noChangeArrowheads="1" noChangeShapeType="1" noTextEdit="1"/>
-          </p:cNvSpPr>
-          <p:nvPr>
-            <p:extLst>
-              <p:ext uri="{386F3935-93C4-4BCD-93E2-E3B085C9AB24}">
-                <p16:designElem xmlns:p16="http://schemas.microsoft.com/office/powerpoint/2015/main" val="1"/>
-              </p:ext>
-            </p:extLst>
-          </p:nvPr>
-        </p:nvSpPr>
-        <p:spPr bwMode="auto">
-          <a:xfrm>
-            <a:off x="0" y="4323810"/>
-            <a:ext cx="1744652" cy="778589"/>
-          </a:xfrm>
-          <a:custGeom>
-            <a:avLst/>
-            <a:gdLst/>
-            <a:ahLst/>
-            <a:cxnLst/>
-            <a:rect l="0" t="0" r="r" b="b"/>
-            <a:pathLst>
-              <a:path w="372" h="166">
-                <a:moveTo>
-                  <a:pt x="287" y="166"/>
-                </a:moveTo>
-                <a:cubicBezTo>
-                  <a:pt x="290" y="166"/>
-                  <a:pt x="292" y="165"/>
-                  <a:pt x="293" y="164"/>
-                </a:cubicBezTo>
-                <a:cubicBezTo>
-                  <a:pt x="293" y="163"/>
-                  <a:pt x="294" y="163"/>
-                  <a:pt x="294" y="163"/>
-                </a:cubicBezTo>
-                <a:cubicBezTo>
-                  <a:pt x="370" y="87"/>
-                  <a:pt x="370" y="87"/>
-                  <a:pt x="370" y="87"/>
-                </a:cubicBezTo>
-                <a:cubicBezTo>
-                  <a:pt x="372" y="85"/>
-                  <a:pt x="372" y="81"/>
-                  <a:pt x="370" y="78"/>
-                </a:cubicBezTo>
-                <a:cubicBezTo>
-                  <a:pt x="294" y="3"/>
-                  <a:pt x="294" y="3"/>
-                  <a:pt x="294" y="3"/>
-                </a:cubicBezTo>
-                <a:cubicBezTo>
-                  <a:pt x="294" y="2"/>
-                  <a:pt x="293" y="2"/>
-                  <a:pt x="293" y="2"/>
-                </a:cubicBezTo>
-                <a:cubicBezTo>
-                  <a:pt x="292" y="1"/>
-                  <a:pt x="290" y="0"/>
-                  <a:pt x="287" y="0"/>
-                </a:cubicBezTo>
-                <a:cubicBezTo>
-                  <a:pt x="0" y="0"/>
-                  <a:pt x="0" y="0"/>
-                  <a:pt x="0" y="0"/>
-                </a:cubicBezTo>
-                <a:cubicBezTo>
-                  <a:pt x="0" y="166"/>
-                  <a:pt x="0" y="166"/>
-                  <a:pt x="0" y="166"/>
-                </a:cubicBezTo>
-                <a:lnTo>
-                  <a:pt x="287" y="166"/>
-                </a:lnTo>
-                <a:close/>
-              </a:path>
-            </a:pathLst>
-          </a:custGeom>
-          <a:solidFill>
-            <a:schemeClr val="accent1"/>
-          </a:solidFill>
-          <a:ln>
-            <a:noFill/>
-          </a:ln>
-        </p:spPr>
-      </p:sp>
     </p:spTree>
     <p:extLst>
       <p:ext uri="{BB962C8B-B14F-4D97-AF65-F5344CB8AC3E}">
-        <p14:creationId xmlns:p14="http://schemas.microsoft.com/office/powerpoint/2010/main" val="2096585200"/>
+        <p14:creationId xmlns:p14="http://schemas.microsoft.com/office/powerpoint/2010/main" val="1490232617"/>
       </p:ext>
     </p:extLst>
   </p:cSld>
   <p:clrMapOvr>
-    <a:overrideClrMapping bg1="dk1" tx1="lt1" bg2="dk2" tx2="lt2" accent1="accent1" accent2="accent2" accent3="accent3" accent4="accent4" accent5="accent5" accent6="accent6" hlink="hlink" folHlink="folHlink"/>
+    <a:masterClrMapping/>
   </p:clrMapOvr>
-  <p:timing>
-    <p:tnLst>
-      <p:par>
-        <p:cTn id="1" dur="indefinite" restart="never" nodeType="tmRoot">
-          <p:childTnLst>
-            <p:seq concurrent="1" nextAc="seek">
-              <p:cTn id="2" dur="indefinite" nodeType="mainSeq">
-                <p:childTnLst>
-                  <p:par>
-                    <p:cTn id="3" fill="hold">
-                      <p:stCondLst>
-                        <p:cond delay="indefinite"/>
-                        <p:cond evt="onBegin" delay="0">
-                          <p:tn val="2"/>
-                        </p:cond>
-                      </p:stCondLst>
-                      <p:childTnLst>
-                        <p:par>
-                          <p:cTn id="4" fill="hold">
-                            <p:stCondLst>
-                              <p:cond delay="0"/>
-                            </p:stCondLst>
-                            <p:childTnLst>
-                              <p:par>
-                                <p:cTn id="5" presetID="10" presetClass="entr" presetSubtype="0" fill="hold" grpId="0" nodeType="withEffect">
-                                  <p:stCondLst>
-                                    <p:cond delay="1000"/>
-                                  </p:stCondLst>
-                                  <p:iterate>
-                                    <p:tmPct val="10000"/>
-                                  </p:iterate>
-                                  <p:childTnLst>
-                                    <p:set>
-                                      <p:cBhvr>
-                                        <p:cTn id="6" dur="1" fill="hold">
-                                          <p:stCondLst>
-                                            <p:cond delay="0"/>
-                                          </p:stCondLst>
-                                        </p:cTn>
-                                        <p:tgtEl>
-                                          <p:spTgt spid="4"/>
-                                        </p:tgtEl>
-                                        <p:attrNameLst>
-                                          <p:attrName>style.visibility</p:attrName>
-                                        </p:attrNameLst>
-                                      </p:cBhvr>
-                                      <p:to>
-                                        <p:strVal val="visible"/>
-                                      </p:to>
-                                    </p:set>
-                                    <p:animEffect transition="in" filter="fade">
-                                      <p:cBhvr>
-                                        <p:cTn id="7" dur="700"/>
-                                        <p:tgtEl>
-                                          <p:spTgt spid="4"/>
-                                        </p:tgtEl>
-                                      </p:cBhvr>
-                                    </p:animEffect>
-                                  </p:childTnLst>
-                                </p:cTn>
-                              </p:par>
-                            </p:childTnLst>
-                          </p:cTn>
-                        </p:par>
-                      </p:childTnLst>
-                    </p:cTn>
-                  </p:par>
-                </p:childTnLst>
-              </p:cTn>
-              <p:prevCondLst>
-                <p:cond evt="onPrev" delay="0">
-                  <p:tgtEl>
-                    <p:sldTgt/>
-                  </p:tgtEl>
-                </p:cond>
-              </p:prevCondLst>
-              <p:nextCondLst>
-                <p:cond evt="onNext" delay="0">
-                  <p:tgtEl>
-                    <p:sldTgt/>
-                  </p:tgtEl>
-                </p:cond>
-              </p:nextCondLst>
-            </p:seq>
-          </p:childTnLst>
-        </p:cTn>
-      </p:par>
-    </p:tnLst>
-    <p:bldLst>
-      <p:bldP spid="4" grpId="0"/>
-    </p:bldLst>
-  </p:timing>
 </p:sld>
 </file>
 
@@ -13518,6 +13130,14 @@
 <file path=ppt/slides/slide40.xml><?xml version="1.0" encoding="utf-8"?>
 <p:sld xmlns:a="http://schemas.openxmlformats.org/drawingml/2006/main" xmlns:r="http://schemas.openxmlformats.org/officeDocument/2006/relationships" xmlns:p="http://schemas.openxmlformats.org/presentationml/2006/main">
   <p:cSld>
+    <p:bg>
+      <p:bgPr>
+        <a:solidFill>
+          <a:schemeClr val="bg1"/>
+        </a:solidFill>
+        <a:effectLst/>
+      </p:bgPr>
+    </p:bg>
     <p:spTree>
       <p:nvGrpSpPr>
         <p:cNvPr id="1" name=""/>
@@ -13532,23 +13152,119 @@
           <a:chExt cx="0" cy="0"/>
         </a:xfrm>
       </p:grpSpPr>
-      <p:sp>
-        <p:nvSpPr>
-          <p:cNvPr id="2" name="Título 1">
+      <p:sp useBgFill="1">
+        <p:nvSpPr>
+          <p:cNvPr id="11" name="Rectangle 10">
             <a:extLst>
               <a:ext uri="{FF2B5EF4-FFF2-40B4-BE49-F238E27FC236}">
-                <a16:creationId xmlns:a16="http://schemas.microsoft.com/office/drawing/2014/main" id="{15196BFB-FB2D-8200-D3EC-FA87A4E7AFFE}"/>
+                <a16:creationId xmlns:a16="http://schemas.microsoft.com/office/drawing/2014/main" id="{1FF9CEF5-A50D-4B8B-9852-D76F7037867E}"/>
+              </a:ext>
+              <a:ext uri="{C183D7F6-B498-43B3-948B-1728B52AA6E4}">
+                <adec:decorative xmlns:adec="http://schemas.microsoft.com/office/drawing/2017/decorative" val="1"/>
               </a:ext>
             </a:extLst>
           </p:cNvPr>
           <p:cNvSpPr>
-            <a:spLocks noGrp="1"/>
-          </p:cNvSpPr>
-          <p:nvPr>
-            <p:ph type="title"/>
-          </p:nvPr>
-        </p:nvSpPr>
-        <p:spPr/>
+            <a:spLocks noGrp="1" noRot="1" noChangeAspect="1" noMove="1" noResize="1" noEditPoints="1" noAdjustHandles="1" noChangeArrowheads="1" noChangeShapeType="1" noTextEdit="1"/>
+          </p:cNvSpPr>
+          <p:nvPr>
+            <p:extLst>
+              <p:ext uri="{386F3935-93C4-4BCD-93E2-E3B085C9AB24}">
+                <p16:designElem xmlns:p16="http://schemas.microsoft.com/office/powerpoint/2015/main" val="1"/>
+              </p:ext>
+            </p:extLst>
+          </p:nvPr>
+        </p:nvSpPr>
+        <p:spPr>
+          <a:xfrm>
+            <a:off x="0" y="-786"/>
+            <a:ext cx="12192000" cy="6854038"/>
+          </a:xfrm>
+          <a:prstGeom prst="rect">
+            <a:avLst/>
+          </a:prstGeom>
+          <a:ln>
+            <a:noFill/>
+          </a:ln>
+        </p:spPr>
+        <p:style>
+          <a:lnRef idx="2">
+            <a:schemeClr val="accent1">
+              <a:shade val="50000"/>
+            </a:schemeClr>
+          </a:lnRef>
+          <a:fillRef idx="1">
+            <a:schemeClr val="accent1"/>
+          </a:fillRef>
+          <a:effectRef idx="0">
+            <a:schemeClr val="accent1"/>
+          </a:effectRef>
+          <a:fontRef idx="minor">
+            <a:schemeClr val="lt1"/>
+          </a:fontRef>
+        </p:style>
+        <p:txBody>
+          <a:bodyPr rtlCol="0" anchor="ctr"/>
+          <a:lstStyle/>
+          <a:p>
+            <a:pPr algn="ctr"/>
+            <a:endParaRPr lang="en-US"/>
+          </a:p>
+        </p:txBody>
+      </p:sp>
+      <p:pic>
+        <p:nvPicPr>
+          <p:cNvPr id="7" name="Picture 6" descr="Números e símbolos">
+            <a:extLst>
+              <a:ext uri="{FF2B5EF4-FFF2-40B4-BE49-F238E27FC236}">
+                <a16:creationId xmlns:a16="http://schemas.microsoft.com/office/drawing/2014/main" id="{04B5C4AB-B89B-1D77-9C04-628FD941A935}"/>
+              </a:ext>
+            </a:extLst>
+          </p:cNvPr>
+          <p:cNvPicPr>
+            <a:picLocks noChangeAspect="1"/>
+          </p:cNvPicPr>
+          <p:nvPr/>
+        </p:nvPicPr>
+        <p:blipFill rotWithShape="1">
+          <a:blip r:embed="rId2">
+            <a:alphaModFix amt="40000"/>
+          </a:blip>
+          <a:srcRect t="13028" b="2702"/>
+          <a:stretch/>
+        </p:blipFill>
+        <p:spPr>
+          <a:xfrm>
+            <a:off x="20" y="10"/>
+            <a:ext cx="12191980" cy="6857990"/>
+          </a:xfrm>
+          <a:prstGeom prst="rect">
+            <a:avLst/>
+          </a:prstGeom>
+        </p:spPr>
+      </p:pic>
+      <p:sp>
+        <p:nvSpPr>
+          <p:cNvPr id="4" name="Título 3">
+            <a:extLst>
+              <a:ext uri="{FF2B5EF4-FFF2-40B4-BE49-F238E27FC236}">
+                <a16:creationId xmlns:a16="http://schemas.microsoft.com/office/drawing/2014/main" id="{AD6C13BE-376F-A072-4E02-6AE2488BF4E1}"/>
+              </a:ext>
+            </a:extLst>
+          </p:cNvPr>
+          <p:cNvSpPr>
+            <a:spLocks noGrp="1"/>
+          </p:cNvSpPr>
+          <p:nvPr>
+            <p:ph type="ctrTitle"/>
+          </p:nvPr>
+        </p:nvSpPr>
+        <p:spPr>
+          <a:xfrm>
+            <a:off x="2589213" y="2514600"/>
+            <a:ext cx="8915399" cy="2262781"/>
+          </a:xfrm>
+        </p:spPr>
         <p:txBody>
           <a:bodyPr>
             <a:normAutofit/>
@@ -13563,9 +13279,9 @@
                 <a:effectLst/>
                 <a:latin typeface="Abadi" panose="020B0604020104020204" pitchFamily="34" charset="0"/>
               </a:rPr>
-              <a:t>4.1 Construção e validação do modelo de dados lógico</a:t>
-            </a:r>
-            <a:endParaRPr lang="pt-PT" b="1" dirty="0">
+              <a:t>4. Modelação Lógica</a:t>
+            </a:r>
+            <a:endParaRPr lang="pt-PT" dirty="0">
               <a:solidFill>
                 <a:schemeClr val="tx1"/>
               </a:solidFill>
@@ -13575,10 +13291,10 @@
       </p:sp>
       <p:sp>
         <p:nvSpPr>
-          <p:cNvPr id="3" name="Marcador de Posição de Conteúdo 2">
+          <p:cNvPr id="5" name="Subtítulo 4">
             <a:extLst>
               <a:ext uri="{FF2B5EF4-FFF2-40B4-BE49-F238E27FC236}">
-                <a16:creationId xmlns:a16="http://schemas.microsoft.com/office/drawing/2014/main" id="{B2709D89-8CAC-A4D4-89D1-B945F9CF5438}"/>
+                <a16:creationId xmlns:a16="http://schemas.microsoft.com/office/drawing/2014/main" id="{DC77BD1C-81D3-2D8A-70B1-F76DCE8567F7}"/>
               </a:ext>
             </a:extLst>
           </p:cNvPr>
@@ -13586,31 +13302,280 @@
             <a:spLocks noGrp="1"/>
           </p:cNvSpPr>
           <p:nvPr>
-            <p:ph idx="1"/>
-          </p:nvPr>
-        </p:nvSpPr>
-        <p:spPr/>
-        <p:txBody>
-          <a:bodyPr/>
+            <p:ph type="subTitle" idx="1"/>
+          </p:nvPr>
+        </p:nvSpPr>
+        <p:spPr>
+          <a:xfrm>
+            <a:off x="2589213" y="4777379"/>
+            <a:ext cx="8915399" cy="1126283"/>
+          </a:xfrm>
+        </p:spPr>
+        <p:txBody>
+          <a:bodyPr>
+            <a:normAutofit/>
+          </a:bodyPr>
           <a:lstStyle/>
           <a:p>
-            <a:r>
-              <a:rPr lang="pt-PT" dirty="0"/>
-              <a:t>O nosso modelo lógico foi construído a partir do modelo concetual.</a:t>
-            </a:r>
-          </a:p>
-        </p:txBody>
+            <a:endParaRPr lang="pt-PT"/>
+          </a:p>
+        </p:txBody>
+      </p:sp>
+      <p:sp>
+        <p:nvSpPr>
+          <p:cNvPr id="13" name="Rectangle 12">
+            <a:extLst>
+              <a:ext uri="{FF2B5EF4-FFF2-40B4-BE49-F238E27FC236}">
+                <a16:creationId xmlns:a16="http://schemas.microsoft.com/office/drawing/2014/main" id="{30684D86-C9D1-40C3-A9B6-EC935C7312E3}"/>
+              </a:ext>
+              <a:ext uri="{C183D7F6-B498-43B3-948B-1728B52AA6E4}">
+                <adec:decorative xmlns:adec="http://schemas.microsoft.com/office/drawing/2017/decorative" val="1"/>
+              </a:ext>
+            </a:extLst>
+          </p:cNvPr>
+          <p:cNvSpPr>
+            <a:spLocks noGrp="1" noRot="1" noChangeAspect="1" noMove="1" noResize="1" noEditPoints="1" noAdjustHandles="1" noChangeArrowheads="1" noChangeShapeType="1" noTextEdit="1"/>
+          </p:cNvSpPr>
+          <p:nvPr>
+            <p:extLst>
+              <p:ext uri="{386F3935-93C4-4BCD-93E2-E3B085C9AB24}">
+                <p16:designElem xmlns:p16="http://schemas.microsoft.com/office/powerpoint/2015/main" val="1"/>
+              </p:ext>
+            </p:extLst>
+          </p:nvPr>
+        </p:nvSpPr>
+        <p:spPr>
+          <a:xfrm>
+            <a:off x="0" y="0"/>
+            <a:ext cx="182880" cy="6858000"/>
+          </a:xfrm>
+          <a:prstGeom prst="rect">
+            <a:avLst/>
+          </a:prstGeom>
+          <a:solidFill>
+            <a:schemeClr val="bg2"/>
+          </a:solidFill>
+          <a:ln>
+            <a:noFill/>
+          </a:ln>
+          <a:effectLst/>
+        </p:spPr>
+        <p:style>
+          <a:lnRef idx="1">
+            <a:schemeClr val="accent1"/>
+          </a:lnRef>
+          <a:fillRef idx="3">
+            <a:schemeClr val="accent1"/>
+          </a:fillRef>
+          <a:effectRef idx="2">
+            <a:schemeClr val="accent1"/>
+          </a:effectRef>
+          <a:fontRef idx="minor">
+            <a:schemeClr val="lt1"/>
+          </a:fontRef>
+        </p:style>
+      </p:sp>
+      <p:sp>
+        <p:nvSpPr>
+          <p:cNvPr id="15" name="Freeform 33">
+            <a:extLst>
+              <a:ext uri="{FF2B5EF4-FFF2-40B4-BE49-F238E27FC236}">
+                <a16:creationId xmlns:a16="http://schemas.microsoft.com/office/drawing/2014/main" id="{1EDF7896-F56A-49DA-90F3-F5CE8B9833AD}"/>
+              </a:ext>
+              <a:ext uri="{C183D7F6-B498-43B3-948B-1728B52AA6E4}">
+                <adec:decorative xmlns:adec="http://schemas.microsoft.com/office/drawing/2017/decorative" val="1"/>
+              </a:ext>
+            </a:extLst>
+          </p:cNvPr>
+          <p:cNvSpPr>
+            <a:spLocks noGrp="1" noRot="1" noChangeAspect="1" noMove="1" noResize="1" noEditPoints="1" noAdjustHandles="1" noChangeArrowheads="1" noChangeShapeType="1" noTextEdit="1"/>
+          </p:cNvSpPr>
+          <p:nvPr>
+            <p:extLst>
+              <p:ext uri="{386F3935-93C4-4BCD-93E2-E3B085C9AB24}">
+                <p16:designElem xmlns:p16="http://schemas.microsoft.com/office/powerpoint/2015/main" val="1"/>
+              </p:ext>
+            </p:extLst>
+          </p:nvPr>
+        </p:nvSpPr>
+        <p:spPr bwMode="auto">
+          <a:xfrm>
+            <a:off x="0" y="4323810"/>
+            <a:ext cx="1744652" cy="778589"/>
+          </a:xfrm>
+          <a:custGeom>
+            <a:avLst/>
+            <a:gdLst/>
+            <a:ahLst/>
+            <a:cxnLst/>
+            <a:rect l="0" t="0" r="r" b="b"/>
+            <a:pathLst>
+              <a:path w="372" h="166">
+                <a:moveTo>
+                  <a:pt x="287" y="166"/>
+                </a:moveTo>
+                <a:cubicBezTo>
+                  <a:pt x="290" y="166"/>
+                  <a:pt x="292" y="165"/>
+                  <a:pt x="293" y="164"/>
+                </a:cubicBezTo>
+                <a:cubicBezTo>
+                  <a:pt x="293" y="163"/>
+                  <a:pt x="294" y="163"/>
+                  <a:pt x="294" y="163"/>
+                </a:cubicBezTo>
+                <a:cubicBezTo>
+                  <a:pt x="370" y="87"/>
+                  <a:pt x="370" y="87"/>
+                  <a:pt x="370" y="87"/>
+                </a:cubicBezTo>
+                <a:cubicBezTo>
+                  <a:pt x="372" y="85"/>
+                  <a:pt x="372" y="81"/>
+                  <a:pt x="370" y="78"/>
+                </a:cubicBezTo>
+                <a:cubicBezTo>
+                  <a:pt x="294" y="3"/>
+                  <a:pt x="294" y="3"/>
+                  <a:pt x="294" y="3"/>
+                </a:cubicBezTo>
+                <a:cubicBezTo>
+                  <a:pt x="294" y="2"/>
+                  <a:pt x="293" y="2"/>
+                  <a:pt x="293" y="2"/>
+                </a:cubicBezTo>
+                <a:cubicBezTo>
+                  <a:pt x="292" y="1"/>
+                  <a:pt x="290" y="0"/>
+                  <a:pt x="287" y="0"/>
+                </a:cubicBezTo>
+                <a:cubicBezTo>
+                  <a:pt x="0" y="0"/>
+                  <a:pt x="0" y="0"/>
+                  <a:pt x="0" y="0"/>
+                </a:cubicBezTo>
+                <a:cubicBezTo>
+                  <a:pt x="0" y="166"/>
+                  <a:pt x="0" y="166"/>
+                  <a:pt x="0" y="166"/>
+                </a:cubicBezTo>
+                <a:lnTo>
+                  <a:pt x="287" y="166"/>
+                </a:lnTo>
+                <a:close/>
+              </a:path>
+            </a:pathLst>
+          </a:custGeom>
+          <a:solidFill>
+            <a:schemeClr val="accent1"/>
+          </a:solidFill>
+          <a:ln>
+            <a:noFill/>
+          </a:ln>
+        </p:spPr>
       </p:sp>
     </p:spTree>
     <p:extLst>
       <p:ext uri="{BB962C8B-B14F-4D97-AF65-F5344CB8AC3E}">
-        <p14:creationId xmlns:p14="http://schemas.microsoft.com/office/powerpoint/2010/main" val="546604150"/>
+        <p14:creationId xmlns:p14="http://schemas.microsoft.com/office/powerpoint/2010/main" val="2096585200"/>
       </p:ext>
     </p:extLst>
   </p:cSld>
   <p:clrMapOvr>
-    <a:masterClrMapping/>
+    <a:overrideClrMapping bg1="dk1" tx1="lt1" bg2="dk2" tx2="lt2" accent1="accent1" accent2="accent2" accent3="accent3" accent4="accent4" accent5="accent5" accent6="accent6" hlink="hlink" folHlink="folHlink"/>
   </p:clrMapOvr>
+  <p:timing>
+    <p:tnLst>
+      <p:par>
+        <p:cTn id="1" dur="indefinite" restart="never" nodeType="tmRoot">
+          <p:childTnLst>
+            <p:seq concurrent="1" nextAc="seek">
+              <p:cTn id="2" dur="indefinite" nodeType="mainSeq">
+                <p:childTnLst>
+                  <p:par>
+                    <p:cTn id="3" fill="hold">
+                      <p:stCondLst>
+                        <p:cond delay="indefinite"/>
+                        <p:cond evt="onBegin" delay="0">
+                          <p:tn val="2"/>
+                        </p:cond>
+                      </p:stCondLst>
+                      <p:childTnLst>
+                        <p:par>
+                          <p:cTn id="4" fill="hold">
+                            <p:stCondLst>
+                              <p:cond delay="0"/>
+                            </p:stCondLst>
+                            <p:childTnLst>
+                              <p:par>
+                                <p:cTn id="5" presetID="10" presetClass="entr" presetSubtype="0" fill="hold" grpId="0" nodeType="withEffect">
+                                  <p:stCondLst>
+                                    <p:cond delay="1000"/>
+                                  </p:stCondLst>
+                                  <p:iterate>
+                                    <p:tmPct val="10000"/>
+                                  </p:iterate>
+                                  <p:childTnLst>
+                                    <p:set>
+                                      <p:cBhvr>
+                                        <p:cTn id="6" dur="1" fill="hold">
+                                          <p:stCondLst>
+                                            <p:cond delay="0"/>
+                                          </p:stCondLst>
+                                        </p:cTn>
+                                        <p:tgtEl>
+                                          <p:spTgt spid="4"/>
+                                        </p:tgtEl>
+                                        <p:attrNameLst>
+                                          <p:attrName>style.visibility</p:attrName>
+                                        </p:attrNameLst>
+                                      </p:cBhvr>
+                                      <p:to>
+                                        <p:strVal val="visible"/>
+                                      </p:to>
+                                    </p:set>
+                                    <p:animEffect transition="in" filter="fade">
+                                      <p:cBhvr>
+                                        <p:cTn id="7" dur="700"/>
+                                        <p:tgtEl>
+                                          <p:spTgt spid="4"/>
+                                        </p:tgtEl>
+                                      </p:cBhvr>
+                                    </p:animEffect>
+                                  </p:childTnLst>
+                                </p:cTn>
+                              </p:par>
+                            </p:childTnLst>
+                          </p:cTn>
+                        </p:par>
+                      </p:childTnLst>
+                    </p:cTn>
+                  </p:par>
+                </p:childTnLst>
+              </p:cTn>
+              <p:prevCondLst>
+                <p:cond evt="onPrev" delay="0">
+                  <p:tgtEl>
+                    <p:sldTgt/>
+                  </p:tgtEl>
+                </p:cond>
+              </p:prevCondLst>
+              <p:nextCondLst>
+                <p:cond evt="onNext" delay="0">
+                  <p:tgtEl>
+                    <p:sldTgt/>
+                  </p:tgtEl>
+                </p:cond>
+              </p:nextCondLst>
+            </p:seq>
+          </p:childTnLst>
+        </p:cTn>
+      </p:par>
+    </p:tnLst>
+    <p:bldLst>
+      <p:bldP spid="4" grpId="0"/>
+    </p:bldLst>
+  </p:timing>
 </p:sld>
 </file>
 
@@ -13636,6 +13601,105 @@
           <p:cNvPr id="2" name="Título 1">
             <a:extLst>
               <a:ext uri="{FF2B5EF4-FFF2-40B4-BE49-F238E27FC236}">
+                <a16:creationId xmlns:a16="http://schemas.microsoft.com/office/drawing/2014/main" id="{15196BFB-FB2D-8200-D3EC-FA87A4E7AFFE}"/>
+              </a:ext>
+            </a:extLst>
+          </p:cNvPr>
+          <p:cNvSpPr>
+            <a:spLocks noGrp="1"/>
+          </p:cNvSpPr>
+          <p:nvPr>
+            <p:ph type="title"/>
+          </p:nvPr>
+        </p:nvSpPr>
+        <p:spPr/>
+        <p:txBody>
+          <a:bodyPr>
+            <a:normAutofit/>
+          </a:bodyPr>
+          <a:lstStyle/>
+          <a:p>
+            <a:r>
+              <a:rPr lang="pt-PT" b="1" dirty="0">
+                <a:solidFill>
+                  <a:schemeClr val="tx1"/>
+                </a:solidFill>
+                <a:effectLst/>
+                <a:latin typeface="Abadi" panose="020B0604020104020204" pitchFamily="34" charset="0"/>
+              </a:rPr>
+              <a:t>4.1 Construção e validação do modelo de dados lógico</a:t>
+            </a:r>
+            <a:endParaRPr lang="pt-PT" b="1" dirty="0">
+              <a:solidFill>
+                <a:schemeClr val="tx1"/>
+              </a:solidFill>
+            </a:endParaRPr>
+          </a:p>
+        </p:txBody>
+      </p:sp>
+      <p:sp>
+        <p:nvSpPr>
+          <p:cNvPr id="3" name="Marcador de Posição de Conteúdo 2">
+            <a:extLst>
+              <a:ext uri="{FF2B5EF4-FFF2-40B4-BE49-F238E27FC236}">
+                <a16:creationId xmlns:a16="http://schemas.microsoft.com/office/drawing/2014/main" id="{B2709D89-8CAC-A4D4-89D1-B945F9CF5438}"/>
+              </a:ext>
+            </a:extLst>
+          </p:cNvPr>
+          <p:cNvSpPr>
+            <a:spLocks noGrp="1"/>
+          </p:cNvSpPr>
+          <p:nvPr>
+            <p:ph idx="1"/>
+          </p:nvPr>
+        </p:nvSpPr>
+        <p:spPr/>
+        <p:txBody>
+          <a:bodyPr/>
+          <a:lstStyle/>
+          <a:p>
+            <a:r>
+              <a:rPr lang="pt-PT" dirty="0"/>
+              <a:t>O nosso modelo lógico foi construído a partir do modelo concetual.</a:t>
+            </a:r>
+          </a:p>
+        </p:txBody>
+      </p:sp>
+    </p:spTree>
+    <p:extLst>
+      <p:ext uri="{BB962C8B-B14F-4D97-AF65-F5344CB8AC3E}">
+        <p14:creationId xmlns:p14="http://schemas.microsoft.com/office/powerpoint/2010/main" val="546604150"/>
+      </p:ext>
+    </p:extLst>
+  </p:cSld>
+  <p:clrMapOvr>
+    <a:masterClrMapping/>
+  </p:clrMapOvr>
+</p:sld>
+</file>
+
+<file path=ppt/slides/slide42.xml><?xml version="1.0" encoding="utf-8"?>
+<p:sld xmlns:a="http://schemas.openxmlformats.org/drawingml/2006/main" xmlns:r="http://schemas.openxmlformats.org/officeDocument/2006/relationships" xmlns:p="http://schemas.openxmlformats.org/presentationml/2006/main">
+  <p:cSld>
+    <p:spTree>
+      <p:nvGrpSpPr>
+        <p:cNvPr id="1" name=""/>
+        <p:cNvGrpSpPr/>
+        <p:nvPr/>
+      </p:nvGrpSpPr>
+      <p:grpSpPr>
+        <a:xfrm>
+          <a:off x="0" y="0"/>
+          <a:ext cx="0" cy="0"/>
+          <a:chOff x="0" y="0"/>
+          <a:chExt cx="0" cy="0"/>
+        </a:xfrm>
+      </p:grpSpPr>
+      <p:sp>
+        <p:nvSpPr>
+          <p:cNvPr id="2" name="Título 1">
+            <a:extLst>
+              <a:ext uri="{FF2B5EF4-FFF2-40B4-BE49-F238E27FC236}">
                 <a16:creationId xmlns:a16="http://schemas.microsoft.com/office/drawing/2014/main" id="{C759CBE9-52BB-463A-E478-DAC9BA52A765}"/>
               </a:ext>
             </a:extLst>
@@ -13711,7 +13775,7 @@
 </p:sld>
 </file>
 
-<file path=ppt/slides/slide42.xml><?xml version="1.0" encoding="utf-8"?>
+<file path=ppt/slides/slide43.xml><?xml version="1.0" encoding="utf-8"?>
 <p:sld xmlns:a="http://schemas.openxmlformats.org/drawingml/2006/main" xmlns:r="http://schemas.openxmlformats.org/officeDocument/2006/relationships" xmlns:p="http://schemas.openxmlformats.org/presentationml/2006/main">
   <p:cSld>
     <p:bg>
@@ -13800,10 +13864,10 @@
       </p:sp>
       <p:pic>
         <p:nvPicPr>
-          <p:cNvPr id="5" name="Imagem 4">
+          <p:cNvPr id="4" name="Imagem 3">
             <a:extLst>
               <a:ext uri="{FF2B5EF4-FFF2-40B4-BE49-F238E27FC236}">
-                <a16:creationId xmlns:a16="http://schemas.microsoft.com/office/drawing/2014/main" id="{85556BA9-AF23-4B8C-0324-A583326DF659}"/>
+                <a16:creationId xmlns:a16="http://schemas.microsoft.com/office/drawing/2014/main" id="{B2CE965C-4A14-9F2D-23CD-14948182890C}"/>
               </a:ext>
             </a:extLst>
           </p:cNvPr>
@@ -13820,8 +13884,8 @@
         </p:blipFill>
         <p:spPr>
           <a:xfrm>
-            <a:off x="4072395" y="25649"/>
-            <a:ext cx="7459697" cy="6732377"/>
+            <a:off x="4102957" y="373604"/>
+            <a:ext cx="7316221" cy="5258534"/>
           </a:xfrm>
           <a:prstGeom prst="rect">
             <a:avLst/>
@@ -13841,7 +13905,7 @@
 </p:sld>
 </file>
 
-<file path=ppt/slides/slide43.xml><?xml version="1.0" encoding="utf-8"?>
+<file path=ppt/slides/slide44.xml><?xml version="1.0" encoding="utf-8"?>
 <p:sld xmlns:a="http://schemas.openxmlformats.org/drawingml/2006/main" xmlns:r="http://schemas.openxmlformats.org/officeDocument/2006/relationships" xmlns:p="http://schemas.openxmlformats.org/presentationml/2006/main">
   <p:cSld>
     <p:spTree>
@@ -13863,6 +13927,226 @@
           <p:cNvPr id="2" name="Título 1">
             <a:extLst>
               <a:ext uri="{FF2B5EF4-FFF2-40B4-BE49-F238E27FC236}">
+                <a16:creationId xmlns:a16="http://schemas.microsoft.com/office/drawing/2014/main" id="{0E2E2D06-E23C-1338-0618-4DBD33EE3AE7}"/>
+              </a:ext>
+            </a:extLst>
+          </p:cNvPr>
+          <p:cNvSpPr>
+            <a:spLocks noGrp="1"/>
+          </p:cNvSpPr>
+          <p:nvPr>
+            <p:ph type="title"/>
+          </p:nvPr>
+        </p:nvSpPr>
+        <p:spPr/>
+        <p:txBody>
+          <a:bodyPr/>
+          <a:lstStyle/>
+          <a:p>
+            <a:endParaRPr lang="pt-PT"/>
+          </a:p>
+        </p:txBody>
+      </p:sp>
+      <p:sp>
+        <p:nvSpPr>
+          <p:cNvPr id="3" name="Marcador de Posição de Conteúdo 2">
+            <a:extLst>
+              <a:ext uri="{FF2B5EF4-FFF2-40B4-BE49-F238E27FC236}">
+                <a16:creationId xmlns:a16="http://schemas.microsoft.com/office/drawing/2014/main" id="{96F89B51-E0D6-3343-862B-D2D3DFA2E20D}"/>
+              </a:ext>
+            </a:extLst>
+          </p:cNvPr>
+          <p:cNvSpPr>
+            <a:spLocks noGrp="1"/>
+          </p:cNvSpPr>
+          <p:nvPr>
+            <p:ph idx="1"/>
+          </p:nvPr>
+        </p:nvSpPr>
+        <p:spPr/>
+        <p:txBody>
+          <a:bodyPr/>
+          <a:lstStyle/>
+          <a:p>
+            <a:endParaRPr lang="pt-PT"/>
+          </a:p>
+        </p:txBody>
+      </p:sp>
+      <p:pic>
+        <p:nvPicPr>
+          <p:cNvPr id="5" name="Imagem 4">
+            <a:extLst>
+              <a:ext uri="{FF2B5EF4-FFF2-40B4-BE49-F238E27FC236}">
+                <a16:creationId xmlns:a16="http://schemas.microsoft.com/office/drawing/2014/main" id="{DA5D3F6C-40DB-7D50-6B6D-ECA5534873B9}"/>
+              </a:ext>
+            </a:extLst>
+          </p:cNvPr>
+          <p:cNvPicPr>
+            <a:picLocks noChangeAspect="1"/>
+          </p:cNvPicPr>
+          <p:nvPr/>
+        </p:nvPicPr>
+        <p:blipFill>
+          <a:blip r:embed="rId2"/>
+          <a:stretch>
+            <a:fillRect/>
+          </a:stretch>
+        </p:blipFill>
+        <p:spPr>
+          <a:xfrm>
+            <a:off x="1966336" y="771154"/>
+            <a:ext cx="8259328" cy="5315692"/>
+          </a:xfrm>
+          <a:prstGeom prst="rect">
+            <a:avLst/>
+          </a:prstGeom>
+        </p:spPr>
+      </p:pic>
+    </p:spTree>
+    <p:extLst>
+      <p:ext uri="{BB962C8B-B14F-4D97-AF65-F5344CB8AC3E}">
+        <p14:creationId xmlns:p14="http://schemas.microsoft.com/office/powerpoint/2010/main" val="602785400"/>
+      </p:ext>
+    </p:extLst>
+  </p:cSld>
+  <p:clrMapOvr>
+    <a:masterClrMapping/>
+  </p:clrMapOvr>
+</p:sld>
+</file>
+
+<file path=ppt/slides/slide45.xml><?xml version="1.0" encoding="utf-8"?>
+<p:sld xmlns:a="http://schemas.openxmlformats.org/drawingml/2006/main" xmlns:r="http://schemas.openxmlformats.org/officeDocument/2006/relationships" xmlns:p="http://schemas.openxmlformats.org/presentationml/2006/main">
+  <p:cSld>
+    <p:spTree>
+      <p:nvGrpSpPr>
+        <p:cNvPr id="1" name=""/>
+        <p:cNvGrpSpPr/>
+        <p:nvPr/>
+      </p:nvGrpSpPr>
+      <p:grpSpPr>
+        <a:xfrm>
+          <a:off x="0" y="0"/>
+          <a:ext cx="0" cy="0"/>
+          <a:chOff x="0" y="0"/>
+          <a:chExt cx="0" cy="0"/>
+        </a:xfrm>
+      </p:grpSpPr>
+      <p:sp>
+        <p:nvSpPr>
+          <p:cNvPr id="2" name="Título 1">
+            <a:extLst>
+              <a:ext uri="{FF2B5EF4-FFF2-40B4-BE49-F238E27FC236}">
+                <a16:creationId xmlns:a16="http://schemas.microsoft.com/office/drawing/2014/main" id="{3AA856FB-D08E-BD49-EDBA-97E6E97C268E}"/>
+              </a:ext>
+            </a:extLst>
+          </p:cNvPr>
+          <p:cNvSpPr>
+            <a:spLocks noGrp="1"/>
+          </p:cNvSpPr>
+          <p:nvPr>
+            <p:ph type="title"/>
+          </p:nvPr>
+        </p:nvSpPr>
+        <p:spPr/>
+        <p:txBody>
+          <a:bodyPr/>
+          <a:lstStyle/>
+          <a:p>
+            <a:endParaRPr lang="pt-PT"/>
+          </a:p>
+        </p:txBody>
+      </p:sp>
+      <p:sp>
+        <p:nvSpPr>
+          <p:cNvPr id="3" name="Marcador de Posição de Conteúdo 2">
+            <a:extLst>
+              <a:ext uri="{FF2B5EF4-FFF2-40B4-BE49-F238E27FC236}">
+                <a16:creationId xmlns:a16="http://schemas.microsoft.com/office/drawing/2014/main" id="{CACFCF82-A57E-1350-89E7-5F3225D0810C}"/>
+              </a:ext>
+            </a:extLst>
+          </p:cNvPr>
+          <p:cNvSpPr>
+            <a:spLocks noGrp="1"/>
+          </p:cNvSpPr>
+          <p:nvPr>
+            <p:ph idx="1"/>
+          </p:nvPr>
+        </p:nvSpPr>
+        <p:spPr/>
+        <p:txBody>
+          <a:bodyPr/>
+          <a:lstStyle/>
+          <a:p>
+            <a:endParaRPr lang="pt-PT"/>
+          </a:p>
+        </p:txBody>
+      </p:sp>
+      <p:pic>
+        <p:nvPicPr>
+          <p:cNvPr id="5" name="Imagem 4">
+            <a:extLst>
+              <a:ext uri="{FF2B5EF4-FFF2-40B4-BE49-F238E27FC236}">
+                <a16:creationId xmlns:a16="http://schemas.microsoft.com/office/drawing/2014/main" id="{43D709CB-97CD-F089-9FD5-B502170BE286}"/>
+              </a:ext>
+            </a:extLst>
+          </p:cNvPr>
+          <p:cNvPicPr>
+            <a:picLocks noChangeAspect="1"/>
+          </p:cNvPicPr>
+          <p:nvPr/>
+        </p:nvPicPr>
+        <p:blipFill>
+          <a:blip r:embed="rId2"/>
+          <a:stretch>
+            <a:fillRect/>
+          </a:stretch>
+        </p:blipFill>
+        <p:spPr>
+          <a:xfrm>
+            <a:off x="2133047" y="961680"/>
+            <a:ext cx="7925906" cy="4934639"/>
+          </a:xfrm>
+          <a:prstGeom prst="rect">
+            <a:avLst/>
+          </a:prstGeom>
+        </p:spPr>
+      </p:pic>
+    </p:spTree>
+    <p:extLst>
+      <p:ext uri="{BB962C8B-B14F-4D97-AF65-F5344CB8AC3E}">
+        <p14:creationId xmlns:p14="http://schemas.microsoft.com/office/powerpoint/2010/main" val="3410091011"/>
+      </p:ext>
+    </p:extLst>
+  </p:cSld>
+  <p:clrMapOvr>
+    <a:masterClrMapping/>
+  </p:clrMapOvr>
+</p:sld>
+</file>
+
+<file path=ppt/slides/slide46.xml><?xml version="1.0" encoding="utf-8"?>
+<p:sld xmlns:a="http://schemas.openxmlformats.org/drawingml/2006/main" xmlns:r="http://schemas.openxmlformats.org/officeDocument/2006/relationships" xmlns:p="http://schemas.openxmlformats.org/presentationml/2006/main">
+  <p:cSld>
+    <p:spTree>
+      <p:nvGrpSpPr>
+        <p:cNvPr id="1" name=""/>
+        <p:cNvGrpSpPr/>
+        <p:nvPr/>
+      </p:nvGrpSpPr>
+      <p:grpSpPr>
+        <a:xfrm>
+          <a:off x="0" y="0"/>
+          <a:ext cx="0" cy="0"/>
+          <a:chOff x="0" y="0"/>
+          <a:chExt cx="0" cy="0"/>
+        </a:xfrm>
+      </p:grpSpPr>
+      <p:sp>
+        <p:nvSpPr>
+          <p:cNvPr id="2" name="Título 1">
+            <a:extLst>
+              <a:ext uri="{FF2B5EF4-FFF2-40B4-BE49-F238E27FC236}">
                 <a16:creationId xmlns:a16="http://schemas.microsoft.com/office/drawing/2014/main" id="{201CAD1E-F8DD-7524-DE02-40A6167EBE7C}"/>
               </a:ext>
             </a:extLst>
@@ -13937,7 +14221,7 @@
 </p:sld>
 </file>
 
-<file path=ppt/slides/slide44.xml><?xml version="1.0" encoding="utf-8"?>
+<file path=ppt/slides/slide47.xml><?xml version="1.0" encoding="utf-8"?>
 <p:sld xmlns:a="http://schemas.openxmlformats.org/drawingml/2006/main" xmlns:r="http://schemas.openxmlformats.org/officeDocument/2006/relationships" xmlns:p="http://schemas.openxmlformats.org/presentationml/2006/main">
   <p:cSld>
     <p:spTree>

--- a/Apresentação1.pptx
+++ b/Apresentação1.pptx
@@ -51,7 +51,8 @@
     <p:sldId id="308" r:id="rId45"/>
     <p:sldId id="309" r:id="rId46"/>
     <p:sldId id="282" r:id="rId47"/>
-    <p:sldId id="302" r:id="rId48"/>
+    <p:sldId id="310" r:id="rId48"/>
+    <p:sldId id="302" r:id="rId49"/>
   </p:sldIdLst>
   <p:sldSz cx="12192000" cy="6858000"/>
   <p:notesSz cx="6858000" cy="9144000"/>
@@ -346,7 +347,7 @@
           <a:p>
             <a:fld id="{57EA0C54-2197-473E-929D-B958A575CA24}" type="datetimeFigureOut">
               <a:rPr lang="pt-PT" smtClean="0"/>
-              <a:t>20/11/2022</a:t>
+              <a:t>21/11/2022</a:t>
             </a:fld>
             <a:endParaRPr lang="pt-PT"/>
           </a:p>
@@ -684,7 +685,7 @@
           <a:p>
             <a:fld id="{57EA0C54-2197-473E-929D-B958A575CA24}" type="datetimeFigureOut">
               <a:rPr lang="pt-PT" smtClean="0"/>
-              <a:t>20/11/2022</a:t>
+              <a:t>21/11/2022</a:t>
             </a:fld>
             <a:endParaRPr lang="pt-PT"/>
           </a:p>
@@ -1085,7 +1086,7 @@
           <a:p>
             <a:fld id="{57EA0C54-2197-473E-929D-B958A575CA24}" type="datetimeFigureOut">
               <a:rPr lang="pt-PT" smtClean="0"/>
-              <a:t>20/11/2022</a:t>
+              <a:t>21/11/2022</a:t>
             </a:fld>
             <a:endParaRPr lang="pt-PT"/>
           </a:p>
@@ -1421,7 +1422,7 @@
           <a:p>
             <a:fld id="{57EA0C54-2197-473E-929D-B958A575CA24}" type="datetimeFigureOut">
               <a:rPr lang="pt-PT" smtClean="0"/>
-              <a:t>20/11/2022</a:t>
+              <a:t>21/11/2022</a:t>
             </a:fld>
             <a:endParaRPr lang="pt-PT"/>
           </a:p>
@@ -1741,7 +1742,7 @@
           <a:p>
             <a:fld id="{57EA0C54-2197-473E-929D-B958A575CA24}" type="datetimeFigureOut">
               <a:rPr lang="pt-PT" smtClean="0"/>
-              <a:t>20/11/2022</a:t>
+              <a:t>21/11/2022</a:t>
             </a:fld>
             <a:endParaRPr lang="pt-PT"/>
           </a:p>
@@ -2137,7 +2138,7 @@
           <a:p>
             <a:fld id="{57EA0C54-2197-473E-929D-B958A575CA24}" type="datetimeFigureOut">
               <a:rPr lang="pt-PT" smtClean="0"/>
-              <a:t>20/11/2022</a:t>
+              <a:t>21/11/2022</a:t>
             </a:fld>
             <a:endParaRPr lang="pt-PT"/>
           </a:p>
@@ -2394,7 +2395,7 @@
           <a:p>
             <a:fld id="{57EA0C54-2197-473E-929D-B958A575CA24}" type="datetimeFigureOut">
               <a:rPr lang="pt-PT" smtClean="0"/>
-              <a:t>20/11/2022</a:t>
+              <a:t>21/11/2022</a:t>
             </a:fld>
             <a:endParaRPr lang="pt-PT"/>
           </a:p>
@@ -2656,7 +2657,7 @@
           <a:p>
             <a:fld id="{57EA0C54-2197-473E-929D-B958A575CA24}" type="datetimeFigureOut">
               <a:rPr lang="pt-PT" smtClean="0"/>
-              <a:t>20/11/2022</a:t>
+              <a:t>21/11/2022</a:t>
             </a:fld>
             <a:endParaRPr lang="pt-PT"/>
           </a:p>
@@ -2918,7 +2919,7 @@
           <a:p>
             <a:fld id="{57EA0C54-2197-473E-929D-B958A575CA24}" type="datetimeFigureOut">
               <a:rPr lang="pt-PT" smtClean="0"/>
-              <a:t>20/11/2022</a:t>
+              <a:t>21/11/2022</a:t>
             </a:fld>
             <a:endParaRPr lang="pt-PT"/>
           </a:p>
@@ -3247,7 +3248,7 @@
           <a:p>
             <a:fld id="{57EA0C54-2197-473E-929D-B958A575CA24}" type="datetimeFigureOut">
               <a:rPr lang="pt-PT" smtClean="0"/>
-              <a:t>20/11/2022</a:t>
+              <a:t>21/11/2022</a:t>
             </a:fld>
             <a:endParaRPr lang="pt-PT"/>
           </a:p>
@@ -3570,7 +3571,7 @@
           <a:p>
             <a:fld id="{57EA0C54-2197-473E-929D-B958A575CA24}" type="datetimeFigureOut">
               <a:rPr lang="pt-PT" smtClean="0"/>
-              <a:t>20/11/2022</a:t>
+              <a:t>21/11/2022</a:t>
             </a:fld>
             <a:endParaRPr lang="pt-PT"/>
           </a:p>
@@ -4027,7 +4028,7 @@
           <a:p>
             <a:fld id="{57EA0C54-2197-473E-929D-B958A575CA24}" type="datetimeFigureOut">
               <a:rPr lang="pt-PT" smtClean="0"/>
-              <a:t>20/11/2022</a:t>
+              <a:t>21/11/2022</a:t>
             </a:fld>
             <a:endParaRPr lang="pt-PT"/>
           </a:p>
@@ -4232,7 +4233,7 @@
           <a:p>
             <a:fld id="{57EA0C54-2197-473E-929D-B958A575CA24}" type="datetimeFigureOut">
               <a:rPr lang="pt-PT" smtClean="0"/>
-              <a:t>20/11/2022</a:t>
+              <a:t>21/11/2022</a:t>
             </a:fld>
             <a:endParaRPr lang="pt-PT"/>
           </a:p>
@@ -4409,7 +4410,7 @@
           <a:p>
             <a:fld id="{57EA0C54-2197-473E-929D-B958A575CA24}" type="datetimeFigureOut">
               <a:rPr lang="pt-PT" smtClean="0"/>
-              <a:t>20/11/2022</a:t>
+              <a:t>21/11/2022</a:t>
             </a:fld>
             <a:endParaRPr lang="pt-PT"/>
           </a:p>
@@ -4742,7 +4743,7 @@
           <a:p>
             <a:fld id="{57EA0C54-2197-473E-929D-B958A575CA24}" type="datetimeFigureOut">
               <a:rPr lang="pt-PT" smtClean="0"/>
-              <a:t>20/11/2022</a:t>
+              <a:t>21/11/2022</a:t>
             </a:fld>
             <a:endParaRPr lang="pt-PT"/>
           </a:p>
@@ -5087,7 +5088,7 @@
           <a:p>
             <a:fld id="{57EA0C54-2197-473E-929D-B958A575CA24}" type="datetimeFigureOut">
               <a:rPr lang="pt-PT" smtClean="0"/>
-              <a:t>20/11/2022</a:t>
+              <a:t>21/11/2022</a:t>
             </a:fld>
             <a:endParaRPr lang="pt-PT"/>
           </a:p>
@@ -7204,7 +7205,7 @@
           <a:p>
             <a:fld id="{57EA0C54-2197-473E-929D-B958A575CA24}" type="datetimeFigureOut">
               <a:rPr lang="pt-PT" smtClean="0"/>
-              <a:t>20/11/2022</a:t>
+              <a:t>21/11/2022</a:t>
             </a:fld>
             <a:endParaRPr lang="pt-PT"/>
           </a:p>
@@ -8731,7 +8732,7 @@
                   <a:schemeClr val="tx1"/>
                 </a:solidFill>
               </a:rPr>
-              <a:t>Após documentar, entrevistar e reunir com o Dr. Bernardo Esteves e a sua equipa de trabalho individualmente e em grupo, observar os métodos de trabalho e através de inquéritos, conseguimos melhor entender as necessidades da empresa e perceber que requisitos levantar para a Base de Dados. </a:t>
+              <a:t>Após ler a documentação da empresa, entrevistar e reunir com o Dr. Bernardo Esteves e a sua equipa de trabalho individualmente e em grupo, observar os métodos de trabalho e através de inquéritos, conseguimos melhor entender as necessidades da empresa e perceber que requisitos levantar para a Base de Dados. </a:t>
             </a:r>
           </a:p>
           <a:p>
@@ -8837,10 +8838,7 @@
           <a:bodyPr/>
           <a:lstStyle/>
           <a:p>
-            <a:r>
-              <a:rPr lang="pt-PT" dirty="0"/>
-              <a:t>(EXCEL)</a:t>
-            </a:r>
+            <a:endParaRPr lang="pt-PT" dirty="0"/>
           </a:p>
         </p:txBody>
       </p:sp>
@@ -10318,8 +10316,8 @@
         </p:nvSpPr>
         <p:spPr>
           <a:xfrm>
-            <a:off x="1141412" y="627321"/>
-            <a:ext cx="9905999" cy="5163880"/>
+            <a:off x="1141412" y="1474237"/>
+            <a:ext cx="9905999" cy="4316964"/>
           </a:xfrm>
         </p:spPr>
         <p:txBody>
@@ -10423,8 +10421,8 @@
         </p:nvSpPr>
         <p:spPr>
           <a:xfrm>
-            <a:off x="1141412" y="627321"/>
-            <a:ext cx="9905999" cy="5163880"/>
+            <a:off x="1141412" y="1306285"/>
+            <a:ext cx="9905999" cy="4484915"/>
           </a:xfrm>
         </p:spPr>
         <p:txBody>
@@ -10528,7 +10526,23 @@
                   <a:schemeClr val="tx1"/>
                 </a:solidFill>
               </a:rPr>
-              <a:t>Um relatório é composto por uma data, um estado, descrição, ID e gravidade.</a:t>
+              <a:t>Um relatório representa um incidente relatado por um funcionário sobre </a:t>
+            </a:r>
+            <a:r>
+              <a:rPr lang="pt-PT">
+                <a:solidFill>
+                  <a:schemeClr val="tx1"/>
+                </a:solidFill>
+              </a:rPr>
+              <a:t>um veículo e é </a:t>
+            </a:r>
+            <a:r>
+              <a:rPr lang="pt-PT" dirty="0">
+                <a:solidFill>
+                  <a:schemeClr val="tx1"/>
+                </a:solidFill>
+              </a:rPr>
+              <a:t>composto por uma data, um estado, descrição, ID e gravidade.</a:t>
             </a:r>
             <a:endParaRPr lang="pt-PT" b="1" dirty="0">
               <a:solidFill>
@@ -10587,8 +10601,8 @@
         </p:nvSpPr>
         <p:spPr>
           <a:xfrm>
-            <a:off x="1141412" y="627321"/>
-            <a:ext cx="9905999" cy="5163880"/>
+            <a:off x="1141412" y="1380931"/>
+            <a:ext cx="9905999" cy="4410270"/>
           </a:xfrm>
         </p:spPr>
         <p:txBody>
@@ -14243,6 +14257,114 @@
           <p:cNvPr id="2" name="Título 1">
             <a:extLst>
               <a:ext uri="{FF2B5EF4-FFF2-40B4-BE49-F238E27FC236}">
+                <a16:creationId xmlns:a16="http://schemas.microsoft.com/office/drawing/2014/main" id="{1E10B638-D778-C4F1-F54F-08F221A07009}"/>
+              </a:ext>
+            </a:extLst>
+          </p:cNvPr>
+          <p:cNvSpPr>
+            <a:spLocks noGrp="1"/>
+          </p:cNvSpPr>
+          <p:nvPr>
+            <p:ph type="title"/>
+          </p:nvPr>
+        </p:nvSpPr>
+        <p:spPr/>
+        <p:txBody>
+          <a:bodyPr/>
+          <a:lstStyle/>
+          <a:p>
+            <a:r>
+              <a:rPr lang="pt-PT" dirty="0"/>
+              <a:t>Trabalho futuro</a:t>
+            </a:r>
+          </a:p>
+        </p:txBody>
+      </p:sp>
+      <p:sp>
+        <p:nvSpPr>
+          <p:cNvPr id="3" name="Marcador de Posição de Conteúdo 2">
+            <a:extLst>
+              <a:ext uri="{FF2B5EF4-FFF2-40B4-BE49-F238E27FC236}">
+                <a16:creationId xmlns:a16="http://schemas.microsoft.com/office/drawing/2014/main" id="{71364231-DBCC-D202-0712-90C9867550DE}"/>
+              </a:ext>
+            </a:extLst>
+          </p:cNvPr>
+          <p:cNvSpPr>
+            <a:spLocks noGrp="1"/>
+          </p:cNvSpPr>
+          <p:nvPr>
+            <p:ph idx="1"/>
+          </p:nvPr>
+        </p:nvSpPr>
+        <p:spPr>
+          <a:xfrm>
+            <a:off x="2530721" y="2142930"/>
+            <a:ext cx="8915400" cy="3777622"/>
+          </a:xfrm>
+        </p:spPr>
+        <p:txBody>
+          <a:bodyPr/>
+          <a:lstStyle/>
+          <a:p>
+            <a:r>
+              <a:rPr lang="pt-PT" dirty="0"/>
+              <a:t>Implementar entregas rotineiras</a:t>
+            </a:r>
+          </a:p>
+          <a:p>
+            <a:r>
+              <a:rPr lang="pt-PT" dirty="0"/>
+              <a:t>Criar um diagrama de </a:t>
+            </a:r>
+            <a:r>
+              <a:rPr lang="pt-PT" dirty="0" err="1"/>
+              <a:t>Gantt</a:t>
+            </a:r>
+            <a:r>
+              <a:rPr lang="pt-PT" dirty="0"/>
+              <a:t> para organização do trabalho</a:t>
+            </a:r>
+          </a:p>
+          <a:p>
+            <a:endParaRPr lang="pt-PT" dirty="0"/>
+          </a:p>
+        </p:txBody>
+      </p:sp>
+    </p:spTree>
+    <p:extLst>
+      <p:ext uri="{BB962C8B-B14F-4D97-AF65-F5344CB8AC3E}">
+        <p14:creationId xmlns:p14="http://schemas.microsoft.com/office/powerpoint/2010/main" val="3991612209"/>
+      </p:ext>
+    </p:extLst>
+  </p:cSld>
+  <p:clrMapOvr>
+    <a:masterClrMapping/>
+  </p:clrMapOvr>
+</p:sld>
+</file>
+
+<file path=ppt/slides/slide48.xml><?xml version="1.0" encoding="utf-8"?>
+<p:sld xmlns:a="http://schemas.openxmlformats.org/drawingml/2006/main" xmlns:r="http://schemas.openxmlformats.org/officeDocument/2006/relationships" xmlns:p="http://schemas.openxmlformats.org/presentationml/2006/main">
+  <p:cSld>
+    <p:spTree>
+      <p:nvGrpSpPr>
+        <p:cNvPr id="1" name=""/>
+        <p:cNvGrpSpPr/>
+        <p:nvPr/>
+      </p:nvGrpSpPr>
+      <p:grpSpPr>
+        <a:xfrm>
+          <a:off x="0" y="0"/>
+          <a:ext cx="0" cy="0"/>
+          <a:chOff x="0" y="0"/>
+          <a:chExt cx="0" cy="0"/>
+        </a:xfrm>
+      </p:grpSpPr>
+      <p:sp>
+        <p:nvSpPr>
+          <p:cNvPr id="2" name="Título 1">
+            <a:extLst>
+              <a:ext uri="{FF2B5EF4-FFF2-40B4-BE49-F238E27FC236}">
                 <a16:creationId xmlns:a16="http://schemas.microsoft.com/office/drawing/2014/main" id="{E15FCBF6-1DC0-52CB-C0E0-36771B3E845E}"/>
               </a:ext>
             </a:extLst>
@@ -14680,7 +14802,7 @@
                 <a:effectLst/>
                 <a:latin typeface="Arial" panose="020B0604020202020204" pitchFamily="34" charset="0"/>
               </a:rPr>
-              <a:t>“Dr. Bernardo” considera ser necessário uma base de dados para cada armazém e uma base de dados central, com a possibilidade de adicionar armazéns no futuro. Por um lado, cada um dos armazéns tem de ser capaz de gerir o seu </a:t>
+              <a:t>“Dr. Bernardo” considera ser necessário uma base de dados para cada armazém, com a possibilidade de adicionar armazéns no futuro. Por um lado, cada um dos armazéns tem de ser capaz de gerir o seu </a:t>
             </a:r>
             <a:r>
               <a:rPr lang="pt-PT" sz="1800" b="1" i="1" u="none" strike="noStrike" dirty="0">
@@ -14700,7 +14822,26 @@
                 <a:effectLst/>
                 <a:latin typeface="Arial" panose="020B0604020202020204" pitchFamily="34" charset="0"/>
               </a:rPr>
-              <a:t>. Por outro lado, nos casos em que faltem recursos, deverá ser possível aceder ao que se encontra disponível nos outros armazéns. Um dos motivos que o levou a tomar esta decisão foi o facto de não se ter tornado complexo controlar os trajetos dos seus funcionários, como no combustível gasto e na organização dos estafetas, o que acabava por levar a prejuízos de 30% e a atrasos.</a:t>
+              <a:t>. Por outro lado, nos casos em que faltem recursos, deverá ser possível aceder ao que se encontra disponível nos outros armazéns. Um dos motivos que o levou a tomar esta decisão foi o facto de se ter tornado complexo controlar os trajetos dos seus funcionários, como no combustível gasto e na organização dos estafetas, o que acabava por levar a prejuízos de </a:t>
+            </a:r>
+            <a:r>
+              <a:rPr lang="pt-PT" b="1" dirty="0">
+                <a:solidFill>
+                  <a:srgbClr val="000000"/>
+                </a:solidFill>
+                <a:latin typeface="Arial" panose="020B0604020202020204" pitchFamily="34" charset="0"/>
+              </a:rPr>
+              <a:t>5</a:t>
+            </a:r>
+            <a:r>
+              <a:rPr lang="pt-PT" sz="1800" b="1" i="0" u="none" strike="noStrike" dirty="0">
+                <a:solidFill>
+                  <a:srgbClr val="000000"/>
+                </a:solidFill>
+                <a:effectLst/>
+                <a:latin typeface="Arial" panose="020B0604020202020204" pitchFamily="34" charset="0"/>
+              </a:rPr>
+              <a:t>% e a atrasos.</a:t>
             </a:r>
             <a:endParaRPr lang="pt-PT" b="1" dirty="0">
               <a:effectLst/>
@@ -15178,7 +15319,7 @@
                 <a:effectLst/>
                 <a:latin typeface="Arial" panose="020B0604020202020204" pitchFamily="34" charset="0"/>
               </a:rPr>
-              <a:t> de entrega, como combinação de um número de encomendas realizadas, para possivelmente os otimizar. Deve também ser possível associar mais que um funcionário</a:t>
+              <a:t> de entrega, como combinação de um número de encomendas realizadas, para possivelmente os otimizar. Deve também ser possível associar mais do que um funcionário</a:t>
             </a:r>
           </a:p>
           <a:p>
@@ -15299,7 +15440,7 @@
         </p:spPr>
         <p:txBody>
           <a:bodyPr>
-            <a:normAutofit fontScale="85000" lnSpcReduction="10000"/>
+            <a:normAutofit fontScale="92500" lnSpcReduction="10000"/>
           </a:bodyPr>
           <a:lstStyle/>
           <a:p>
@@ -15526,88 +15667,6 @@
                 <a:latin typeface="Arial" panose="020B0604020202020204" pitchFamily="34" charset="0"/>
               </a:rPr>
               <a:t>, principalmente no que concerne ao estado dos veículos, para evitar falhas.</a:t>
-            </a:r>
-          </a:p>
-          <a:p>
-            <a:pPr algn="just" rtl="0" fontAlgn="base">
-              <a:spcBef>
-                <a:spcPts val="0"/>
-              </a:spcBef>
-              <a:spcAft>
-                <a:spcPts val="0"/>
-              </a:spcAft>
-              <a:buFont typeface="Arial" panose="020B0604020202020204" pitchFamily="34" charset="0"/>
-              <a:buChar char="•"/>
-            </a:pPr>
-            <a:r>
-              <a:rPr lang="pt-PT" sz="2400" b="0" i="0" u="none" strike="noStrike" dirty="0">
-                <a:solidFill>
-                  <a:srgbClr val="000000"/>
-                </a:solidFill>
-                <a:effectLst/>
-                <a:latin typeface="Arial" panose="020B0604020202020204" pitchFamily="34" charset="0"/>
-              </a:rPr>
-              <a:t>Manutenção de </a:t>
-            </a:r>
-            <a:r>
-              <a:rPr lang="pt-PT" sz="2400" b="1" i="0" u="none" strike="noStrike" dirty="0">
-                <a:solidFill>
-                  <a:srgbClr val="000000"/>
-                </a:solidFill>
-                <a:effectLst/>
-                <a:latin typeface="Arial" panose="020B0604020202020204" pitchFamily="34" charset="0"/>
-              </a:rPr>
-              <a:t>entregas rotineiras </a:t>
-            </a:r>
-            <a:r>
-              <a:rPr lang="pt-PT" sz="2400" b="0" i="0" u="none" strike="noStrike" dirty="0">
-                <a:solidFill>
-                  <a:srgbClr val="000000"/>
-                </a:solidFill>
-                <a:effectLst/>
-                <a:latin typeface="Arial" panose="020B0604020202020204" pitchFamily="34" charset="0"/>
-              </a:rPr>
-              <a:t>de medicamentos, por </a:t>
-            </a:r>
-            <a:r>
-              <a:rPr lang="pt-PT" sz="2400" b="1" i="0" u="none" strike="noStrike" dirty="0">
-                <a:solidFill>
-                  <a:srgbClr val="000000"/>
-                </a:solidFill>
-                <a:effectLst/>
-                <a:latin typeface="Arial" panose="020B0604020202020204" pitchFamily="34" charset="0"/>
-              </a:rPr>
-              <a:t>prescrição</a:t>
-            </a:r>
-            <a:r>
-              <a:rPr lang="pt-PT" sz="2400" b="0" i="0" u="none" strike="noStrike" dirty="0">
-                <a:solidFill>
-                  <a:srgbClr val="000000"/>
-                </a:solidFill>
-                <a:effectLst/>
-                <a:latin typeface="Arial" panose="020B0604020202020204" pitchFamily="34" charset="0"/>
-              </a:rPr>
-              <a:t>, com cuidado em não violar </a:t>
-            </a:r>
-            <a:r>
-              <a:rPr lang="pt-PT" sz="2400" b="1" i="0" u="none" strike="noStrike" dirty="0">
-                <a:solidFill>
-                  <a:srgbClr val="000000"/>
-                </a:solidFill>
-                <a:effectLst/>
-                <a:latin typeface="Arial" panose="020B0604020202020204" pitchFamily="34" charset="0"/>
-              </a:rPr>
-              <a:t>proteção de dados</a:t>
-            </a:r>
-            <a:r>
-              <a:rPr lang="pt-PT" sz="2400" b="0" i="0" u="none" strike="noStrike" dirty="0">
-                <a:solidFill>
-                  <a:srgbClr val="000000"/>
-                </a:solidFill>
-                <a:effectLst/>
-                <a:latin typeface="Arial" panose="020B0604020202020204" pitchFamily="34" charset="0"/>
-              </a:rPr>
-              <a:t> (em relação aos estafetas, por exemplo).</a:t>
             </a:r>
           </a:p>
           <a:p>

--- a/Apresentação1.pptx
+++ b/Apresentação1.pptx
@@ -30,29 +30,36 @@
     <p:sldId id="287" r:id="rId24"/>
     <p:sldId id="289" r:id="rId25"/>
     <p:sldId id="275" r:id="rId26"/>
-    <p:sldId id="276" r:id="rId27"/>
-    <p:sldId id="290" r:id="rId28"/>
-    <p:sldId id="291" r:id="rId29"/>
-    <p:sldId id="292" r:id="rId30"/>
-    <p:sldId id="293" r:id="rId31"/>
-    <p:sldId id="294" r:id="rId32"/>
-    <p:sldId id="295" r:id="rId33"/>
-    <p:sldId id="296" r:id="rId34"/>
-    <p:sldId id="297" r:id="rId35"/>
-    <p:sldId id="298" r:id="rId36"/>
-    <p:sldId id="299" r:id="rId37"/>
-    <p:sldId id="300" r:id="rId38"/>
-    <p:sldId id="277" r:id="rId39"/>
-    <p:sldId id="307" r:id="rId40"/>
-    <p:sldId id="278" r:id="rId41"/>
-    <p:sldId id="279" r:id="rId42"/>
-    <p:sldId id="280" r:id="rId43"/>
-    <p:sldId id="281" r:id="rId44"/>
-    <p:sldId id="308" r:id="rId45"/>
-    <p:sldId id="309" r:id="rId46"/>
-    <p:sldId id="282" r:id="rId47"/>
-    <p:sldId id="310" r:id="rId48"/>
-    <p:sldId id="302" r:id="rId49"/>
+    <p:sldId id="313" r:id="rId27"/>
+    <p:sldId id="311" r:id="rId28"/>
+    <p:sldId id="315" r:id="rId29"/>
+    <p:sldId id="317" r:id="rId30"/>
+    <p:sldId id="316" r:id="rId31"/>
+    <p:sldId id="318" r:id="rId32"/>
+    <p:sldId id="319" r:id="rId33"/>
+    <p:sldId id="276" r:id="rId34"/>
+    <p:sldId id="290" r:id="rId35"/>
+    <p:sldId id="291" r:id="rId36"/>
+    <p:sldId id="292" r:id="rId37"/>
+    <p:sldId id="293" r:id="rId38"/>
+    <p:sldId id="294" r:id="rId39"/>
+    <p:sldId id="295" r:id="rId40"/>
+    <p:sldId id="296" r:id="rId41"/>
+    <p:sldId id="297" r:id="rId42"/>
+    <p:sldId id="298" r:id="rId43"/>
+    <p:sldId id="299" r:id="rId44"/>
+    <p:sldId id="300" r:id="rId45"/>
+    <p:sldId id="277" r:id="rId46"/>
+    <p:sldId id="307" r:id="rId47"/>
+    <p:sldId id="278" r:id="rId48"/>
+    <p:sldId id="279" r:id="rId49"/>
+    <p:sldId id="280" r:id="rId50"/>
+    <p:sldId id="281" r:id="rId51"/>
+    <p:sldId id="308" r:id="rId52"/>
+    <p:sldId id="309" r:id="rId53"/>
+    <p:sldId id="282" r:id="rId54"/>
+    <p:sldId id="310" r:id="rId55"/>
+    <p:sldId id="302" r:id="rId56"/>
   </p:sldIdLst>
   <p:sldSz cx="12192000" cy="6858000"/>
   <p:notesSz cx="6858000" cy="9144000"/>
@@ -157,6 +164,3049 @@
     </p:ext>
   </p:extLst>
 </p:presentation>
+</file>
+
+<file path=ppt/diagrams/colors1.xml><?xml version="1.0" encoding="utf-8"?>
+<dgm:colorsDef xmlns:dgm="http://schemas.openxmlformats.org/drawingml/2006/diagram" xmlns:a="http://schemas.openxmlformats.org/drawingml/2006/main" uniqueId="urn:microsoft.com/office/officeart/2018/5/colors/Iconchunking_neutralbg_colorful1">
+  <dgm:title val=""/>
+  <dgm:desc val=""/>
+  <dgm:catLst>
+    <dgm:cat type="colorful" pri="10100"/>
+  </dgm:catLst>
+  <dgm:styleLbl name="node0">
+    <dgm:fillClrLst meth="repeat">
+      <a:schemeClr val="accent1"/>
+    </dgm:fillClrLst>
+    <dgm:linClrLst meth="repeat">
+      <a:schemeClr val="lt1"/>
+    </dgm:linClrLst>
+    <dgm:effectClrLst/>
+    <dgm:txLinClrLst/>
+    <dgm:txFillClrLst/>
+    <dgm:txEffectClrLst/>
+  </dgm:styleLbl>
+  <dgm:styleLbl name="node1">
+    <dgm:fillClrLst meth="repeat">
+      <a:schemeClr val="accent2"/>
+      <a:schemeClr val="accent3"/>
+      <a:schemeClr val="accent4"/>
+      <a:schemeClr val="accent5"/>
+      <a:schemeClr val="accent6"/>
+    </dgm:fillClrLst>
+    <dgm:linClrLst meth="repeat">
+      <a:schemeClr val="lt1">
+        <a:alpha val="0"/>
+      </a:schemeClr>
+    </dgm:linClrLst>
+    <dgm:effectClrLst/>
+    <dgm:txLinClrLst/>
+    <dgm:txFillClrLst/>
+    <dgm:txEffectClrLst/>
+  </dgm:styleLbl>
+  <dgm:styleLbl name="alignNode1">
+    <dgm:fillClrLst meth="repeat">
+      <a:schemeClr val="accent2"/>
+      <a:schemeClr val="accent3"/>
+      <a:schemeClr val="accent4"/>
+      <a:schemeClr val="accent5"/>
+      <a:schemeClr val="accent6"/>
+    </dgm:fillClrLst>
+    <dgm:linClrLst meth="repeat">
+      <a:schemeClr val="accent2"/>
+      <a:schemeClr val="accent3"/>
+      <a:schemeClr val="accent4"/>
+      <a:schemeClr val="accent5"/>
+      <a:schemeClr val="accent6"/>
+    </dgm:linClrLst>
+    <dgm:effectClrLst/>
+    <dgm:txLinClrLst/>
+    <dgm:txFillClrLst/>
+    <dgm:txEffectClrLst/>
+  </dgm:styleLbl>
+  <dgm:styleLbl name="lnNode1">
+    <dgm:fillClrLst meth="repeat">
+      <a:schemeClr val="accent2"/>
+      <a:schemeClr val="accent3"/>
+      <a:schemeClr val="accent4"/>
+      <a:schemeClr val="accent5"/>
+      <a:schemeClr val="accent6"/>
+    </dgm:fillClrLst>
+    <dgm:linClrLst meth="repeat">
+      <a:schemeClr val="lt1"/>
+    </dgm:linClrLst>
+    <dgm:effectClrLst/>
+    <dgm:txLinClrLst/>
+    <dgm:txFillClrLst/>
+    <dgm:txEffectClrLst/>
+  </dgm:styleLbl>
+  <dgm:styleLbl name="vennNode1">
+    <dgm:fillClrLst meth="repeat">
+      <a:schemeClr val="accent2">
+        <a:alpha val="50000"/>
+      </a:schemeClr>
+      <a:schemeClr val="accent3">
+        <a:alpha val="50000"/>
+      </a:schemeClr>
+      <a:schemeClr val="accent4">
+        <a:alpha val="50000"/>
+      </a:schemeClr>
+      <a:schemeClr val="accent5">
+        <a:alpha val="50000"/>
+      </a:schemeClr>
+      <a:schemeClr val="accent6">
+        <a:alpha val="50000"/>
+      </a:schemeClr>
+    </dgm:fillClrLst>
+    <dgm:linClrLst meth="repeat">
+      <a:schemeClr val="lt1"/>
+    </dgm:linClrLst>
+    <dgm:effectClrLst/>
+    <dgm:txLinClrLst/>
+    <dgm:txFillClrLst/>
+    <dgm:txEffectClrLst/>
+  </dgm:styleLbl>
+  <dgm:styleLbl name="node2">
+    <dgm:fillClrLst>
+      <a:schemeClr val="accent2"/>
+    </dgm:fillClrLst>
+    <dgm:linClrLst meth="repeat">
+      <a:schemeClr val="lt1"/>
+    </dgm:linClrLst>
+    <dgm:effectClrLst/>
+    <dgm:txLinClrLst/>
+    <dgm:txFillClrLst/>
+    <dgm:txEffectClrLst/>
+  </dgm:styleLbl>
+  <dgm:styleLbl name="node3">
+    <dgm:fillClrLst>
+      <a:schemeClr val="accent3"/>
+    </dgm:fillClrLst>
+    <dgm:linClrLst meth="repeat">
+      <a:schemeClr val="lt1"/>
+    </dgm:linClrLst>
+    <dgm:effectClrLst/>
+    <dgm:txLinClrLst/>
+    <dgm:txFillClrLst/>
+    <dgm:txEffectClrLst/>
+  </dgm:styleLbl>
+  <dgm:styleLbl name="node4">
+    <dgm:fillClrLst>
+      <a:schemeClr val="accent4"/>
+    </dgm:fillClrLst>
+    <dgm:linClrLst meth="repeat">
+      <a:schemeClr val="lt1"/>
+    </dgm:linClrLst>
+    <dgm:effectClrLst/>
+    <dgm:txLinClrLst/>
+    <dgm:txFillClrLst/>
+    <dgm:txEffectClrLst/>
+  </dgm:styleLbl>
+  <dgm:styleLbl name="fgImgPlace1">
+    <dgm:fillClrLst meth="repeat">
+      <a:schemeClr val="accent2">
+        <a:tint val="50000"/>
+      </a:schemeClr>
+      <a:schemeClr val="accent3">
+        <a:tint val="50000"/>
+      </a:schemeClr>
+      <a:schemeClr val="accent4">
+        <a:tint val="50000"/>
+      </a:schemeClr>
+      <a:schemeClr val="accent5">
+        <a:tint val="50000"/>
+      </a:schemeClr>
+      <a:schemeClr val="accent6">
+        <a:tint val="50000"/>
+      </a:schemeClr>
+    </dgm:fillClrLst>
+    <dgm:linClrLst meth="repeat">
+      <a:schemeClr val="lt1"/>
+    </dgm:linClrLst>
+    <dgm:effectClrLst/>
+    <dgm:txLinClrLst/>
+    <dgm:txFillClrLst meth="repeat">
+      <a:schemeClr val="lt1"/>
+    </dgm:txFillClrLst>
+    <dgm:txEffectClrLst/>
+  </dgm:styleLbl>
+  <dgm:styleLbl name="alignImgPlace1">
+    <dgm:fillClrLst>
+      <a:schemeClr val="accent1">
+        <a:tint val="50000"/>
+      </a:schemeClr>
+      <a:schemeClr val="accent2">
+        <a:tint val="20000"/>
+      </a:schemeClr>
+    </dgm:fillClrLst>
+    <dgm:linClrLst meth="repeat">
+      <a:schemeClr val="lt1"/>
+    </dgm:linClrLst>
+    <dgm:effectClrLst/>
+    <dgm:txLinClrLst/>
+    <dgm:txFillClrLst meth="repeat">
+      <a:schemeClr val="lt1"/>
+    </dgm:txFillClrLst>
+    <dgm:txEffectClrLst/>
+  </dgm:styleLbl>
+  <dgm:styleLbl name="bgImgPlace1">
+    <dgm:fillClrLst>
+      <a:schemeClr val="accent1">
+        <a:tint val="50000"/>
+      </a:schemeClr>
+      <a:schemeClr val="accent2">
+        <a:tint val="20000"/>
+      </a:schemeClr>
+    </dgm:fillClrLst>
+    <dgm:linClrLst meth="repeat">
+      <a:schemeClr val="lt1"/>
+    </dgm:linClrLst>
+    <dgm:effectClrLst/>
+    <dgm:txLinClrLst/>
+    <dgm:txFillClrLst meth="repeat">
+      <a:schemeClr val="lt1"/>
+    </dgm:txFillClrLst>
+    <dgm:txEffectClrLst/>
+  </dgm:styleLbl>
+  <dgm:styleLbl name="sibTrans2D1">
+    <dgm:fillClrLst meth="repeat">
+      <a:schemeClr val="accent2"/>
+      <a:schemeClr val="accent3"/>
+      <a:schemeClr val="accent4"/>
+      <a:schemeClr val="accent5"/>
+      <a:schemeClr val="accent6"/>
+    </dgm:fillClrLst>
+    <dgm:linClrLst meth="cycle">
+      <a:schemeClr val="lt1"/>
+    </dgm:linClrLst>
+    <dgm:effectClrLst/>
+    <dgm:txLinClrLst/>
+    <dgm:txFillClrLst/>
+    <dgm:txEffectClrLst/>
+  </dgm:styleLbl>
+  <dgm:styleLbl name="fgSibTrans2D1">
+    <dgm:fillClrLst meth="repeat">
+      <a:schemeClr val="accent2"/>
+      <a:schemeClr val="accent3"/>
+      <a:schemeClr val="accent4"/>
+      <a:schemeClr val="accent5"/>
+      <a:schemeClr val="accent6"/>
+    </dgm:fillClrLst>
+    <dgm:linClrLst meth="cycle">
+      <a:schemeClr val="lt1"/>
+    </dgm:linClrLst>
+    <dgm:effectClrLst/>
+    <dgm:txLinClrLst/>
+    <dgm:txFillClrLst meth="repeat">
+      <a:schemeClr val="lt1"/>
+    </dgm:txFillClrLst>
+    <dgm:txEffectClrLst/>
+  </dgm:styleLbl>
+  <dgm:styleLbl name="bgSibTrans2D1">
+    <dgm:fillClrLst meth="repeat">
+      <a:schemeClr val="accent2"/>
+      <a:schemeClr val="accent3"/>
+      <a:schemeClr val="accent4"/>
+      <a:schemeClr val="accent5"/>
+      <a:schemeClr val="accent6"/>
+    </dgm:fillClrLst>
+    <dgm:linClrLst meth="cycle">
+      <a:schemeClr val="lt1"/>
+    </dgm:linClrLst>
+    <dgm:effectClrLst/>
+    <dgm:txLinClrLst/>
+    <dgm:txFillClrLst meth="repeat">
+      <a:schemeClr val="lt1"/>
+    </dgm:txFillClrLst>
+    <dgm:txEffectClrLst/>
+  </dgm:styleLbl>
+  <dgm:styleLbl name="sibTrans1D1">
+    <dgm:fillClrLst meth="repeat">
+      <a:schemeClr val="accent2"/>
+      <a:schemeClr val="accent3"/>
+      <a:schemeClr val="accent4"/>
+      <a:schemeClr val="accent5"/>
+      <a:schemeClr val="accent6"/>
+    </dgm:fillClrLst>
+    <dgm:linClrLst meth="repeat">
+      <a:schemeClr val="accent2"/>
+      <a:schemeClr val="accent3"/>
+      <a:schemeClr val="accent4"/>
+      <a:schemeClr val="accent5"/>
+      <a:schemeClr val="accent6"/>
+    </dgm:linClrLst>
+    <dgm:effectClrLst/>
+    <dgm:txLinClrLst/>
+    <dgm:txFillClrLst meth="repeat">
+      <a:schemeClr val="tx1"/>
+    </dgm:txFillClrLst>
+    <dgm:txEffectClrLst/>
+  </dgm:styleLbl>
+  <dgm:styleLbl name="callout">
+    <dgm:fillClrLst meth="repeat">
+      <a:schemeClr val="accent2"/>
+    </dgm:fillClrLst>
+    <dgm:linClrLst meth="repeat">
+      <a:schemeClr val="accent2">
+        <a:tint val="50000"/>
+      </a:schemeClr>
+    </dgm:linClrLst>
+    <dgm:effectClrLst/>
+    <dgm:txLinClrLst/>
+    <dgm:txFillClrLst meth="repeat">
+      <a:schemeClr val="tx1"/>
+    </dgm:txFillClrLst>
+    <dgm:txEffectClrLst/>
+  </dgm:styleLbl>
+  <dgm:styleLbl name="asst0">
+    <dgm:fillClrLst meth="repeat">
+      <a:schemeClr val="accent1"/>
+    </dgm:fillClrLst>
+    <dgm:linClrLst meth="repeat">
+      <a:schemeClr val="lt1"/>
+    </dgm:linClrLst>
+    <dgm:effectClrLst/>
+    <dgm:txLinClrLst/>
+    <dgm:txFillClrLst/>
+    <dgm:txEffectClrLst/>
+  </dgm:styleLbl>
+  <dgm:styleLbl name="asst1">
+    <dgm:fillClrLst meth="repeat">
+      <a:schemeClr val="accent2"/>
+    </dgm:fillClrLst>
+    <dgm:linClrLst meth="repeat">
+      <a:schemeClr val="lt1"/>
+    </dgm:linClrLst>
+    <dgm:effectClrLst/>
+    <dgm:txLinClrLst/>
+    <dgm:txFillClrLst/>
+    <dgm:txEffectClrLst/>
+  </dgm:styleLbl>
+  <dgm:styleLbl name="asst2">
+    <dgm:fillClrLst>
+      <a:schemeClr val="accent3"/>
+    </dgm:fillClrLst>
+    <dgm:linClrLst meth="repeat">
+      <a:schemeClr val="lt1"/>
+    </dgm:linClrLst>
+    <dgm:effectClrLst/>
+    <dgm:txLinClrLst/>
+    <dgm:txFillClrLst/>
+    <dgm:txEffectClrLst/>
+  </dgm:styleLbl>
+  <dgm:styleLbl name="asst3">
+    <dgm:fillClrLst>
+      <a:schemeClr val="accent4"/>
+    </dgm:fillClrLst>
+    <dgm:linClrLst meth="repeat">
+      <a:schemeClr val="lt1"/>
+    </dgm:linClrLst>
+    <dgm:effectClrLst/>
+    <dgm:txLinClrLst/>
+    <dgm:txFillClrLst/>
+    <dgm:txEffectClrLst/>
+  </dgm:styleLbl>
+  <dgm:styleLbl name="asst4">
+    <dgm:fillClrLst>
+      <a:schemeClr val="accent5"/>
+    </dgm:fillClrLst>
+    <dgm:linClrLst meth="repeat">
+      <a:schemeClr val="lt1"/>
+    </dgm:linClrLst>
+    <dgm:effectClrLst/>
+    <dgm:txLinClrLst/>
+    <dgm:txFillClrLst/>
+    <dgm:txEffectClrLst/>
+  </dgm:styleLbl>
+  <dgm:styleLbl name="parChTrans2D1">
+    <dgm:fillClrLst meth="repeat">
+      <a:schemeClr val="accent2"/>
+    </dgm:fillClrLst>
+    <dgm:linClrLst meth="repeat">
+      <a:schemeClr val="lt1"/>
+    </dgm:linClrLst>
+    <dgm:effectClrLst/>
+    <dgm:txLinClrLst/>
+    <dgm:txFillClrLst meth="repeat">
+      <a:schemeClr val="lt1"/>
+    </dgm:txFillClrLst>
+    <dgm:txEffectClrLst/>
+  </dgm:styleLbl>
+  <dgm:styleLbl name="parChTrans2D2">
+    <dgm:fillClrLst meth="repeat">
+      <a:schemeClr val="accent3"/>
+    </dgm:fillClrLst>
+    <dgm:linClrLst meth="repeat">
+      <a:schemeClr val="lt1"/>
+    </dgm:linClrLst>
+    <dgm:effectClrLst/>
+    <dgm:txLinClrLst/>
+    <dgm:txFillClrLst/>
+    <dgm:txEffectClrLst/>
+  </dgm:styleLbl>
+  <dgm:styleLbl name="parChTrans2D3">
+    <dgm:fillClrLst meth="repeat">
+      <a:schemeClr val="accent4"/>
+    </dgm:fillClrLst>
+    <dgm:linClrLst meth="repeat">
+      <a:schemeClr val="lt1"/>
+    </dgm:linClrLst>
+    <dgm:effectClrLst/>
+    <dgm:txLinClrLst/>
+    <dgm:txFillClrLst/>
+    <dgm:txEffectClrLst/>
+  </dgm:styleLbl>
+  <dgm:styleLbl name="parChTrans2D4">
+    <dgm:fillClrLst meth="repeat">
+      <a:schemeClr val="accent5"/>
+    </dgm:fillClrLst>
+    <dgm:linClrLst meth="repeat">
+      <a:schemeClr val="lt1"/>
+    </dgm:linClrLst>
+    <dgm:effectClrLst/>
+    <dgm:txLinClrLst/>
+    <dgm:txFillClrLst meth="repeat">
+      <a:schemeClr val="lt1"/>
+    </dgm:txFillClrLst>
+    <dgm:txEffectClrLst/>
+  </dgm:styleLbl>
+  <dgm:styleLbl name="parChTrans1D1">
+    <dgm:fillClrLst meth="repeat">
+      <a:schemeClr val="accent2"/>
+    </dgm:fillClrLst>
+    <dgm:linClrLst meth="repeat">
+      <a:schemeClr val="accent1"/>
+    </dgm:linClrLst>
+    <dgm:effectClrLst/>
+    <dgm:txLinClrLst/>
+    <dgm:txFillClrLst meth="repeat">
+      <a:schemeClr val="tx1"/>
+    </dgm:txFillClrLst>
+    <dgm:txEffectClrLst/>
+  </dgm:styleLbl>
+  <dgm:styleLbl name="parChTrans1D2">
+    <dgm:fillClrLst meth="repeat">
+      <a:schemeClr val="accent3">
+        <a:tint val="90000"/>
+      </a:schemeClr>
+    </dgm:fillClrLst>
+    <dgm:linClrLst meth="repeat">
+      <a:schemeClr val="accent2"/>
+    </dgm:linClrLst>
+    <dgm:effectClrLst/>
+    <dgm:txLinClrLst/>
+    <dgm:txFillClrLst meth="repeat">
+      <a:schemeClr val="tx1"/>
+    </dgm:txFillClrLst>
+    <dgm:txEffectClrLst/>
+  </dgm:styleLbl>
+  <dgm:styleLbl name="parChTrans1D3">
+    <dgm:fillClrLst meth="repeat">
+      <a:schemeClr val="accent4">
+        <a:tint val="70000"/>
+      </a:schemeClr>
+    </dgm:fillClrLst>
+    <dgm:linClrLst meth="repeat">
+      <a:schemeClr val="accent3"/>
+    </dgm:linClrLst>
+    <dgm:effectClrLst/>
+    <dgm:txLinClrLst/>
+    <dgm:txFillClrLst meth="repeat">
+      <a:schemeClr val="tx1"/>
+    </dgm:txFillClrLst>
+    <dgm:txEffectClrLst/>
+  </dgm:styleLbl>
+  <dgm:styleLbl name="parChTrans1D4">
+    <dgm:fillClrLst meth="repeat">
+      <a:schemeClr val="accent5">
+        <a:tint val="50000"/>
+      </a:schemeClr>
+    </dgm:fillClrLst>
+    <dgm:linClrLst meth="repeat">
+      <a:schemeClr val="accent4"/>
+    </dgm:linClrLst>
+    <dgm:effectClrLst/>
+    <dgm:txLinClrLst/>
+    <dgm:txFillClrLst meth="repeat">
+      <a:schemeClr val="tx1"/>
+    </dgm:txFillClrLst>
+    <dgm:txEffectClrLst/>
+  </dgm:styleLbl>
+  <dgm:styleLbl name="fgAcc1">
+    <dgm:fillClrLst meth="repeat">
+      <a:schemeClr val="lt1">
+        <a:alpha val="90000"/>
+      </a:schemeClr>
+    </dgm:fillClrLst>
+    <dgm:linClrLst meth="repeat">
+      <a:schemeClr val="accent2"/>
+      <a:schemeClr val="accent3"/>
+      <a:schemeClr val="accent4"/>
+      <a:schemeClr val="accent5"/>
+      <a:schemeClr val="accent6"/>
+    </dgm:linClrLst>
+    <dgm:effectClrLst/>
+    <dgm:txLinClrLst/>
+    <dgm:txFillClrLst meth="repeat">
+      <a:schemeClr val="dk1"/>
+    </dgm:txFillClrLst>
+    <dgm:txEffectClrLst/>
+  </dgm:styleLbl>
+  <dgm:styleLbl name="conFgAcc1">
+    <dgm:fillClrLst meth="repeat">
+      <a:schemeClr val="lt1">
+        <a:alpha val="90000"/>
+      </a:schemeClr>
+    </dgm:fillClrLst>
+    <dgm:linClrLst meth="repeat">
+      <a:schemeClr val="accent2"/>
+      <a:schemeClr val="accent3"/>
+      <a:schemeClr val="accent4"/>
+      <a:schemeClr val="accent5"/>
+      <a:schemeClr val="accent6"/>
+    </dgm:linClrLst>
+    <dgm:effectClrLst/>
+    <dgm:txLinClrLst/>
+    <dgm:txFillClrLst meth="repeat">
+      <a:schemeClr val="dk1"/>
+    </dgm:txFillClrLst>
+    <dgm:txEffectClrLst/>
+  </dgm:styleLbl>
+  <dgm:styleLbl name="alignAcc1">
+    <dgm:fillClrLst meth="repeat">
+      <a:schemeClr val="lt1">
+        <a:alpha val="90000"/>
+      </a:schemeClr>
+    </dgm:fillClrLst>
+    <dgm:linClrLst meth="repeat">
+      <a:schemeClr val="accent2"/>
+      <a:schemeClr val="accent3"/>
+      <a:schemeClr val="accent4"/>
+      <a:schemeClr val="accent5"/>
+      <a:schemeClr val="accent6"/>
+    </dgm:linClrLst>
+    <dgm:effectClrLst/>
+    <dgm:txLinClrLst/>
+    <dgm:txFillClrLst meth="repeat">
+      <a:schemeClr val="dk1"/>
+    </dgm:txFillClrLst>
+    <dgm:txEffectClrLst/>
+  </dgm:styleLbl>
+  <dgm:styleLbl name="trAlignAcc1">
+    <dgm:fillClrLst meth="repeat">
+      <a:schemeClr val="lt1">
+        <a:alpha val="40000"/>
+      </a:schemeClr>
+    </dgm:fillClrLst>
+    <dgm:linClrLst meth="repeat">
+      <a:schemeClr val="accent1"/>
+    </dgm:linClrLst>
+    <dgm:effectClrLst/>
+    <dgm:txLinClrLst/>
+    <dgm:txFillClrLst meth="repeat">
+      <a:schemeClr val="dk1"/>
+    </dgm:txFillClrLst>
+    <dgm:txEffectClrLst/>
+  </dgm:styleLbl>
+  <dgm:styleLbl name="bgAcc1">
+    <dgm:fillClrLst meth="repeat">
+      <a:schemeClr val="lt1">
+        <a:alpha val="90000"/>
+      </a:schemeClr>
+    </dgm:fillClrLst>
+    <dgm:linClrLst meth="repeat">
+      <a:schemeClr val="accent2"/>
+      <a:schemeClr val="accent3"/>
+      <a:schemeClr val="accent4"/>
+      <a:schemeClr val="accent5"/>
+      <a:schemeClr val="accent6"/>
+    </dgm:linClrLst>
+    <dgm:effectClrLst/>
+    <dgm:txLinClrLst/>
+    <dgm:txFillClrLst meth="repeat">
+      <a:schemeClr val="dk1"/>
+    </dgm:txFillClrLst>
+    <dgm:txEffectClrLst/>
+  </dgm:styleLbl>
+  <dgm:styleLbl name="solidFgAcc1">
+    <dgm:fillClrLst meth="repeat">
+      <a:schemeClr val="lt1"/>
+    </dgm:fillClrLst>
+    <dgm:linClrLst meth="repeat">
+      <a:schemeClr val="accent2"/>
+      <a:schemeClr val="accent3"/>
+      <a:schemeClr val="accent4"/>
+      <a:schemeClr val="accent5"/>
+      <a:schemeClr val="accent6"/>
+    </dgm:linClrLst>
+    <dgm:effectClrLst/>
+    <dgm:txLinClrLst/>
+    <dgm:txFillClrLst meth="repeat">
+      <a:schemeClr val="dk1"/>
+    </dgm:txFillClrLst>
+    <dgm:txEffectClrLst/>
+  </dgm:styleLbl>
+  <dgm:styleLbl name="solidAlignAcc1">
+    <dgm:fillClrLst meth="repeat">
+      <a:schemeClr val="lt1"/>
+    </dgm:fillClrLst>
+    <dgm:linClrLst meth="repeat">
+      <a:schemeClr val="accent2"/>
+      <a:schemeClr val="accent3"/>
+      <a:schemeClr val="accent4"/>
+      <a:schemeClr val="accent5"/>
+      <a:schemeClr val="accent6"/>
+    </dgm:linClrLst>
+    <dgm:effectClrLst/>
+    <dgm:txLinClrLst/>
+    <dgm:txFillClrLst meth="repeat">
+      <a:schemeClr val="dk1"/>
+    </dgm:txFillClrLst>
+    <dgm:txEffectClrLst/>
+  </dgm:styleLbl>
+  <dgm:styleLbl name="solidBgAcc1">
+    <dgm:fillClrLst meth="repeat">
+      <a:schemeClr val="lt1"/>
+    </dgm:fillClrLst>
+    <dgm:linClrLst meth="repeat">
+      <a:schemeClr val="accent2"/>
+      <a:schemeClr val="accent3"/>
+      <a:schemeClr val="accent4"/>
+      <a:schemeClr val="accent5"/>
+      <a:schemeClr val="accent6"/>
+    </dgm:linClrLst>
+    <dgm:effectClrLst/>
+    <dgm:txLinClrLst/>
+    <dgm:txFillClrLst meth="repeat">
+      <a:schemeClr val="dk1"/>
+    </dgm:txFillClrLst>
+    <dgm:txEffectClrLst/>
+  </dgm:styleLbl>
+  <dgm:styleLbl name="fgAccFollowNode1">
+    <dgm:fillClrLst meth="repeat">
+      <a:schemeClr val="accent2">
+        <a:tint val="40000"/>
+        <a:alpha val="90000"/>
+      </a:schemeClr>
+      <a:schemeClr val="accent3">
+        <a:tint val="40000"/>
+        <a:alpha val="90000"/>
+      </a:schemeClr>
+      <a:schemeClr val="accent4">
+        <a:tint val="40000"/>
+        <a:alpha val="90000"/>
+      </a:schemeClr>
+      <a:schemeClr val="accent5">
+        <a:tint val="40000"/>
+        <a:alpha val="90000"/>
+      </a:schemeClr>
+      <a:schemeClr val="accent6">
+        <a:tint val="40000"/>
+        <a:alpha val="90000"/>
+      </a:schemeClr>
+    </dgm:fillClrLst>
+    <dgm:linClrLst meth="repeat">
+      <a:schemeClr val="accent2">
+        <a:tint val="40000"/>
+        <a:alpha val="90000"/>
+      </a:schemeClr>
+      <a:schemeClr val="accent3">
+        <a:tint val="40000"/>
+        <a:alpha val="90000"/>
+      </a:schemeClr>
+      <a:schemeClr val="accent4">
+        <a:tint val="40000"/>
+        <a:alpha val="90000"/>
+      </a:schemeClr>
+      <a:schemeClr val="accent5">
+        <a:tint val="40000"/>
+        <a:alpha val="90000"/>
+      </a:schemeClr>
+      <a:schemeClr val="accent6">
+        <a:tint val="40000"/>
+        <a:alpha val="90000"/>
+      </a:schemeClr>
+    </dgm:linClrLst>
+    <dgm:effectClrLst/>
+    <dgm:txLinClrLst/>
+    <dgm:txFillClrLst meth="repeat">
+      <a:schemeClr val="dk1"/>
+    </dgm:txFillClrLst>
+    <dgm:txEffectClrLst/>
+  </dgm:styleLbl>
+  <dgm:styleLbl name="alignAccFollowNode1">
+    <dgm:fillClrLst meth="repeat">
+      <a:schemeClr val="accent2">
+        <a:tint val="40000"/>
+        <a:alpha val="90000"/>
+      </a:schemeClr>
+      <a:schemeClr val="accent3">
+        <a:tint val="40000"/>
+        <a:alpha val="90000"/>
+      </a:schemeClr>
+      <a:schemeClr val="accent4">
+        <a:tint val="40000"/>
+        <a:alpha val="90000"/>
+      </a:schemeClr>
+      <a:schemeClr val="accent5">
+        <a:tint val="40000"/>
+        <a:alpha val="90000"/>
+      </a:schemeClr>
+      <a:schemeClr val="accent6">
+        <a:tint val="40000"/>
+        <a:alpha val="90000"/>
+      </a:schemeClr>
+    </dgm:fillClrLst>
+    <dgm:linClrLst meth="repeat">
+      <a:schemeClr val="accent2">
+        <a:tint val="40000"/>
+        <a:alpha val="90000"/>
+      </a:schemeClr>
+      <a:schemeClr val="accent3">
+        <a:tint val="40000"/>
+        <a:alpha val="90000"/>
+      </a:schemeClr>
+      <a:schemeClr val="accent4">
+        <a:tint val="40000"/>
+        <a:alpha val="90000"/>
+      </a:schemeClr>
+      <a:schemeClr val="accent5">
+        <a:tint val="40000"/>
+        <a:alpha val="90000"/>
+      </a:schemeClr>
+      <a:schemeClr val="accent6">
+        <a:tint val="40000"/>
+        <a:alpha val="90000"/>
+      </a:schemeClr>
+    </dgm:linClrLst>
+    <dgm:effectClrLst/>
+    <dgm:txLinClrLst/>
+    <dgm:txFillClrLst meth="repeat">
+      <a:schemeClr val="dk1"/>
+    </dgm:txFillClrLst>
+    <dgm:txEffectClrLst/>
+  </dgm:styleLbl>
+  <dgm:styleLbl name="bgAccFollowNode1">
+    <dgm:fillClrLst meth="repeat">
+      <a:schemeClr val="accent2">
+        <a:tint val="40000"/>
+        <a:alpha val="90000"/>
+      </a:schemeClr>
+      <a:schemeClr val="accent3">
+        <a:tint val="40000"/>
+        <a:alpha val="90000"/>
+      </a:schemeClr>
+      <a:schemeClr val="accent4">
+        <a:tint val="40000"/>
+        <a:alpha val="90000"/>
+      </a:schemeClr>
+      <a:schemeClr val="accent5">
+        <a:tint val="40000"/>
+        <a:alpha val="90000"/>
+      </a:schemeClr>
+      <a:schemeClr val="accent6">
+        <a:tint val="40000"/>
+        <a:alpha val="90000"/>
+      </a:schemeClr>
+    </dgm:fillClrLst>
+    <dgm:linClrLst meth="repeat">
+      <a:schemeClr val="accent2">
+        <a:tint val="40000"/>
+        <a:alpha val="90000"/>
+      </a:schemeClr>
+      <a:schemeClr val="accent3">
+        <a:tint val="40000"/>
+        <a:alpha val="90000"/>
+      </a:schemeClr>
+      <a:schemeClr val="accent4">
+        <a:tint val="40000"/>
+        <a:alpha val="90000"/>
+      </a:schemeClr>
+      <a:schemeClr val="accent5">
+        <a:tint val="40000"/>
+        <a:alpha val="90000"/>
+      </a:schemeClr>
+      <a:schemeClr val="accent6">
+        <a:tint val="40000"/>
+        <a:alpha val="90000"/>
+      </a:schemeClr>
+    </dgm:linClrLst>
+    <dgm:effectClrLst/>
+    <dgm:txLinClrLst/>
+    <dgm:txFillClrLst meth="repeat">
+      <a:schemeClr val="dk1"/>
+    </dgm:txFillClrLst>
+    <dgm:txEffectClrLst/>
+  </dgm:styleLbl>
+  <dgm:styleLbl name="fgAcc0">
+    <dgm:fillClrLst meth="repeat">
+      <a:schemeClr val="lt1">
+        <a:alpha val="90000"/>
+      </a:schemeClr>
+    </dgm:fillClrLst>
+    <dgm:linClrLst>
+      <a:schemeClr val="accent1"/>
+    </dgm:linClrLst>
+    <dgm:effectClrLst/>
+    <dgm:txLinClrLst/>
+    <dgm:txFillClrLst meth="repeat">
+      <a:schemeClr val="dk1"/>
+    </dgm:txFillClrLst>
+    <dgm:txEffectClrLst/>
+  </dgm:styleLbl>
+  <dgm:styleLbl name="fgAcc2">
+    <dgm:fillClrLst meth="repeat">
+      <a:schemeClr val="lt1">
+        <a:alpha val="90000"/>
+      </a:schemeClr>
+    </dgm:fillClrLst>
+    <dgm:linClrLst>
+      <a:schemeClr val="accent2"/>
+    </dgm:linClrLst>
+    <dgm:effectClrLst/>
+    <dgm:txLinClrLst/>
+    <dgm:txFillClrLst meth="repeat">
+      <a:schemeClr val="dk1"/>
+    </dgm:txFillClrLst>
+    <dgm:txEffectClrLst/>
+  </dgm:styleLbl>
+  <dgm:styleLbl name="fgAcc3">
+    <dgm:fillClrLst meth="repeat">
+      <a:schemeClr val="lt1">
+        <a:alpha val="90000"/>
+      </a:schemeClr>
+    </dgm:fillClrLst>
+    <dgm:linClrLst>
+      <a:schemeClr val="accent3"/>
+    </dgm:linClrLst>
+    <dgm:effectClrLst/>
+    <dgm:txLinClrLst/>
+    <dgm:txFillClrLst meth="repeat">
+      <a:schemeClr val="dk1"/>
+    </dgm:txFillClrLst>
+    <dgm:txEffectClrLst/>
+  </dgm:styleLbl>
+  <dgm:styleLbl name="fgAcc4">
+    <dgm:fillClrLst meth="repeat">
+      <a:schemeClr val="lt1">
+        <a:alpha val="90000"/>
+      </a:schemeClr>
+    </dgm:fillClrLst>
+    <dgm:linClrLst>
+      <a:schemeClr val="accent4"/>
+    </dgm:linClrLst>
+    <dgm:effectClrLst/>
+    <dgm:txLinClrLst/>
+    <dgm:txFillClrLst meth="repeat">
+      <a:schemeClr val="dk1"/>
+    </dgm:txFillClrLst>
+    <dgm:txEffectClrLst/>
+  </dgm:styleLbl>
+  <dgm:styleLbl name="bgShp">
+    <dgm:fillClrLst meth="repeat">
+      <a:schemeClr val="bg1">
+        <a:lumMod val="95000"/>
+      </a:schemeClr>
+    </dgm:fillClrLst>
+    <dgm:linClrLst meth="repeat">
+      <a:schemeClr val="dk1"/>
+    </dgm:linClrLst>
+    <dgm:effectClrLst/>
+    <dgm:txLinClrLst/>
+    <dgm:txFillClrLst meth="repeat">
+      <a:schemeClr val="dk1"/>
+    </dgm:txFillClrLst>
+    <dgm:txEffectClrLst/>
+  </dgm:styleLbl>
+  <dgm:styleLbl name="dkBgShp">
+    <dgm:fillClrLst meth="repeat">
+      <a:schemeClr val="accent2">
+        <a:shade val="90000"/>
+      </a:schemeClr>
+    </dgm:fillClrLst>
+    <dgm:linClrLst meth="repeat">
+      <a:schemeClr val="dk1"/>
+    </dgm:linClrLst>
+    <dgm:effectClrLst/>
+    <dgm:txLinClrLst/>
+    <dgm:txFillClrLst meth="repeat">
+      <a:schemeClr val="lt1"/>
+    </dgm:txFillClrLst>
+    <dgm:txEffectClrLst/>
+  </dgm:styleLbl>
+  <dgm:styleLbl name="trBgShp">
+    <dgm:fillClrLst meth="repeat">
+      <a:schemeClr val="accent1">
+        <a:tint val="50000"/>
+        <a:alpha val="40000"/>
+      </a:schemeClr>
+    </dgm:fillClrLst>
+    <dgm:linClrLst meth="repeat">
+      <a:schemeClr val="accent2"/>
+    </dgm:linClrLst>
+    <dgm:effectClrLst/>
+    <dgm:txLinClrLst/>
+    <dgm:txFillClrLst meth="repeat">
+      <a:schemeClr val="lt1"/>
+    </dgm:txFillClrLst>
+    <dgm:txEffectClrLst/>
+  </dgm:styleLbl>
+  <dgm:styleLbl name="fgShp">
+    <dgm:fillClrLst meth="repeat">
+      <a:schemeClr val="accent2">
+        <a:tint val="40000"/>
+      </a:schemeClr>
+    </dgm:fillClrLst>
+    <dgm:linClrLst meth="repeat">
+      <a:schemeClr val="lt1"/>
+    </dgm:linClrLst>
+    <dgm:effectClrLst/>
+    <dgm:txLinClrLst/>
+    <dgm:txFillClrLst meth="repeat">
+      <a:schemeClr val="dk1"/>
+    </dgm:txFillClrLst>
+    <dgm:txEffectClrLst/>
+  </dgm:styleLbl>
+  <dgm:styleLbl name="revTx">
+    <dgm:fillClrLst meth="repeat">
+      <a:schemeClr val="lt1">
+        <a:alpha val="0"/>
+      </a:schemeClr>
+    </dgm:fillClrLst>
+    <dgm:linClrLst meth="repeat">
+      <a:schemeClr val="dk1">
+        <a:alpha val="0"/>
+      </a:schemeClr>
+    </dgm:linClrLst>
+    <dgm:effectClrLst/>
+    <dgm:txLinClrLst/>
+    <dgm:txFillClrLst meth="repeat">
+      <a:schemeClr val="tx1"/>
+    </dgm:txFillClrLst>
+    <dgm:txEffectClrLst/>
+  </dgm:styleLbl>
+</dgm:colorsDef>
+</file>
+
+<file path=ppt/diagrams/data1.xml><?xml version="1.0" encoding="utf-8"?>
+<dgm:dataModel xmlns:dgm="http://schemas.openxmlformats.org/drawingml/2006/diagram" xmlns:a="http://schemas.openxmlformats.org/drawingml/2006/main">
+  <dgm:ptLst>
+    <dgm:pt modelId="{2E5CB75B-1D36-4CA1-B79D-0F29086A81DD}" type="doc">
+      <dgm:prSet loTypeId="urn:microsoft.com/office/officeart/2018/2/layout/IconVerticalSolidList" loCatId="icon" qsTypeId="urn:microsoft.com/office/officeart/2005/8/quickstyle/simple1" qsCatId="simple" csTypeId="urn:microsoft.com/office/officeart/2018/5/colors/Iconchunking_neutralbg_colorful1" csCatId="colorful" phldr="1"/>
+      <dgm:spPr/>
+      <dgm:t>
+        <a:bodyPr/>
+        <a:lstStyle/>
+        <a:p>
+          <a:endParaRPr lang="en-US"/>
+        </a:p>
+      </dgm:t>
+    </dgm:pt>
+    <dgm:pt modelId="{7D181FFA-924B-4FDF-B06E-7033DC297C71}">
+      <dgm:prSet/>
+      <dgm:spPr/>
+      <dgm:t>
+        <a:bodyPr/>
+        <a:lstStyle/>
+        <a:p>
+          <a:r>
+            <a:rPr lang="pt-PT"/>
+            <a:t>Implementar entregas rotineiras</a:t>
+          </a:r>
+          <a:endParaRPr lang="en-US"/>
+        </a:p>
+      </dgm:t>
+    </dgm:pt>
+    <dgm:pt modelId="{FA2F7EB2-B78B-493A-B0C3-E58DA6F8A9E2}" type="parTrans" cxnId="{4798C6F4-2D76-418D-9227-6C43A1790B81}">
+      <dgm:prSet/>
+      <dgm:spPr/>
+      <dgm:t>
+        <a:bodyPr/>
+        <a:lstStyle/>
+        <a:p>
+          <a:endParaRPr lang="en-US"/>
+        </a:p>
+      </dgm:t>
+    </dgm:pt>
+    <dgm:pt modelId="{F3315DFB-1E8D-4054-9CFC-FD3A00B2E798}" type="sibTrans" cxnId="{4798C6F4-2D76-418D-9227-6C43A1790B81}">
+      <dgm:prSet/>
+      <dgm:spPr/>
+      <dgm:t>
+        <a:bodyPr/>
+        <a:lstStyle/>
+        <a:p>
+          <a:endParaRPr lang="en-US"/>
+        </a:p>
+      </dgm:t>
+    </dgm:pt>
+    <dgm:pt modelId="{5EB54148-FAA6-47CD-AF6A-4B05E0CBF044}">
+      <dgm:prSet/>
+      <dgm:spPr/>
+      <dgm:t>
+        <a:bodyPr/>
+        <a:lstStyle/>
+        <a:p>
+          <a:r>
+            <a:rPr lang="pt-PT"/>
+            <a:t>Criar um diagrama de Gantt para organização do trabalho</a:t>
+          </a:r>
+          <a:endParaRPr lang="en-US"/>
+        </a:p>
+      </dgm:t>
+    </dgm:pt>
+    <dgm:pt modelId="{5FF200AE-9599-457A-ABD4-848C483AE12F}" type="parTrans" cxnId="{2D08BBA3-0C32-4CD3-81F6-EF30EF52F5B0}">
+      <dgm:prSet/>
+      <dgm:spPr/>
+      <dgm:t>
+        <a:bodyPr/>
+        <a:lstStyle/>
+        <a:p>
+          <a:endParaRPr lang="en-US"/>
+        </a:p>
+      </dgm:t>
+    </dgm:pt>
+    <dgm:pt modelId="{ECA266F8-1534-4C8E-8BE3-BFC3096FFFE3}" type="sibTrans" cxnId="{2D08BBA3-0C32-4CD3-81F6-EF30EF52F5B0}">
+      <dgm:prSet/>
+      <dgm:spPr/>
+      <dgm:t>
+        <a:bodyPr/>
+        <a:lstStyle/>
+        <a:p>
+          <a:endParaRPr lang="en-US"/>
+        </a:p>
+      </dgm:t>
+    </dgm:pt>
+    <dgm:pt modelId="{3761C063-8FF3-4098-B27E-4A7767AE7C78}">
+      <dgm:prSet/>
+      <dgm:spPr/>
+      <dgm:t>
+        <a:bodyPr/>
+        <a:lstStyle/>
+        <a:p>
+          <a:r>
+            <a:rPr lang="pt-PT" dirty="0"/>
+            <a:t>Ponderar a existência de uma entidade “armazém”  </a:t>
+          </a:r>
+          <a:endParaRPr lang="en-US" dirty="0"/>
+        </a:p>
+      </dgm:t>
+    </dgm:pt>
+    <dgm:pt modelId="{00672C2E-B9BD-46A0-8E47-347D0EAD159D}" type="parTrans" cxnId="{09630220-6FD7-48D4-869D-E753070ED309}">
+      <dgm:prSet/>
+      <dgm:spPr/>
+      <dgm:t>
+        <a:bodyPr/>
+        <a:lstStyle/>
+        <a:p>
+          <a:endParaRPr lang="en-US"/>
+        </a:p>
+      </dgm:t>
+    </dgm:pt>
+    <dgm:pt modelId="{9BA5352F-11C5-4CB1-AC39-6DD63DA35934}" type="sibTrans" cxnId="{09630220-6FD7-48D4-869D-E753070ED309}">
+      <dgm:prSet/>
+      <dgm:spPr/>
+      <dgm:t>
+        <a:bodyPr/>
+        <a:lstStyle/>
+        <a:p>
+          <a:endParaRPr lang="en-US"/>
+        </a:p>
+      </dgm:t>
+    </dgm:pt>
+    <dgm:pt modelId="{C02FA5DF-0B5B-4085-8FA1-392F05BBA554}" type="pres">
+      <dgm:prSet presAssocID="{2E5CB75B-1D36-4CA1-B79D-0F29086A81DD}" presName="root" presStyleCnt="0">
+        <dgm:presLayoutVars>
+          <dgm:dir/>
+          <dgm:resizeHandles val="exact"/>
+        </dgm:presLayoutVars>
+      </dgm:prSet>
+      <dgm:spPr/>
+    </dgm:pt>
+    <dgm:pt modelId="{B872E5A3-2F5A-4FC8-B1DB-3B5538519A4B}" type="pres">
+      <dgm:prSet presAssocID="{7D181FFA-924B-4FDF-B06E-7033DC297C71}" presName="compNode" presStyleCnt="0"/>
+      <dgm:spPr/>
+    </dgm:pt>
+    <dgm:pt modelId="{4B3343BD-5327-4226-B20D-640F4DE6E11E}" type="pres">
+      <dgm:prSet presAssocID="{7D181FFA-924B-4FDF-B06E-7033DC297C71}" presName="bgRect" presStyleLbl="bgShp" presStyleIdx="0" presStyleCnt="3"/>
+      <dgm:spPr/>
+    </dgm:pt>
+    <dgm:pt modelId="{ED83B77E-D51D-40CD-A00E-E1E62AA236B5}" type="pres">
+      <dgm:prSet presAssocID="{7D181FFA-924B-4FDF-B06E-7033DC297C71}" presName="iconRect" presStyleLbl="node1" presStyleIdx="0" presStyleCnt="3"/>
+      <dgm:spPr>
+        <a:blipFill>
+          <a:blip xmlns:r="http://schemas.openxmlformats.org/officeDocument/2006/relationships" r:embed="rId1">
+            <a:extLst>
+              <a:ext uri="{28A0092B-C50C-407E-A947-70E740481C1C}">
+                <a14:useLocalDpi xmlns:a14="http://schemas.microsoft.com/office/drawing/2010/main" val="0"/>
+              </a:ext>
+              <a:ext uri="{96DAC541-7B7A-43D3-8B79-37D633B846F1}">
+                <asvg:svgBlip xmlns:asvg="http://schemas.microsoft.com/office/drawing/2016/SVG/main" r:embed="rId2"/>
+              </a:ext>
+            </a:extLst>
+          </a:blip>
+          <a:stretch>
+            <a:fillRect/>
+          </a:stretch>
+        </a:blipFill>
+        <a:ln>
+          <a:noFill/>
+        </a:ln>
+      </dgm:spPr>
+      <dgm:extLst>
+        <a:ext uri="{E40237B7-FDA0-4F09-8148-C483321AD2D9}">
+          <dgm14:cNvPr xmlns:dgm14="http://schemas.microsoft.com/office/drawing/2010/diagram" id="0" name="" descr="Marca de Verificação"/>
+        </a:ext>
+      </dgm:extLst>
+    </dgm:pt>
+    <dgm:pt modelId="{46C97BEF-448F-4A0A-B311-8B42681029AF}" type="pres">
+      <dgm:prSet presAssocID="{7D181FFA-924B-4FDF-B06E-7033DC297C71}" presName="spaceRect" presStyleCnt="0"/>
+      <dgm:spPr/>
+    </dgm:pt>
+    <dgm:pt modelId="{76A68047-A8D8-4EF5-8B91-6927E17CDB7E}" type="pres">
+      <dgm:prSet presAssocID="{7D181FFA-924B-4FDF-B06E-7033DC297C71}" presName="parTx" presStyleLbl="revTx" presStyleIdx="0" presStyleCnt="3">
+        <dgm:presLayoutVars>
+          <dgm:chMax val="0"/>
+          <dgm:chPref val="0"/>
+        </dgm:presLayoutVars>
+      </dgm:prSet>
+      <dgm:spPr/>
+    </dgm:pt>
+    <dgm:pt modelId="{C98AA5C9-84C7-44BB-8ACA-547F371E86BB}" type="pres">
+      <dgm:prSet presAssocID="{F3315DFB-1E8D-4054-9CFC-FD3A00B2E798}" presName="sibTrans" presStyleCnt="0"/>
+      <dgm:spPr/>
+    </dgm:pt>
+    <dgm:pt modelId="{8112F7B7-9F91-42CC-8DD3-55A47600ACC6}" type="pres">
+      <dgm:prSet presAssocID="{5EB54148-FAA6-47CD-AF6A-4B05E0CBF044}" presName="compNode" presStyleCnt="0"/>
+      <dgm:spPr/>
+    </dgm:pt>
+    <dgm:pt modelId="{BB633A8B-FF4A-4CBF-9926-8E9040EE10B8}" type="pres">
+      <dgm:prSet presAssocID="{5EB54148-FAA6-47CD-AF6A-4B05E0CBF044}" presName="bgRect" presStyleLbl="bgShp" presStyleIdx="1" presStyleCnt="3"/>
+      <dgm:spPr/>
+    </dgm:pt>
+    <dgm:pt modelId="{5FE48CAB-A1FF-475F-A356-3BDDF28E0D84}" type="pres">
+      <dgm:prSet presAssocID="{5EB54148-FAA6-47CD-AF6A-4B05E0CBF044}" presName="iconRect" presStyleLbl="node1" presStyleIdx="1" presStyleCnt="3"/>
+      <dgm:spPr>
+        <a:blipFill>
+          <a:blip xmlns:r="http://schemas.openxmlformats.org/officeDocument/2006/relationships" r:embed="rId3">
+            <a:extLst>
+              <a:ext uri="{28A0092B-C50C-407E-A947-70E740481C1C}">
+                <a14:useLocalDpi xmlns:a14="http://schemas.microsoft.com/office/drawing/2010/main" val="0"/>
+              </a:ext>
+              <a:ext uri="{96DAC541-7B7A-43D3-8B79-37D633B846F1}">
+                <asvg:svgBlip xmlns:asvg="http://schemas.microsoft.com/office/drawing/2016/SVG/main" r:embed="rId4"/>
+              </a:ext>
+            </a:extLst>
+          </a:blip>
+          <a:stretch>
+            <a:fillRect/>
+          </a:stretch>
+        </a:blipFill>
+        <a:ln>
+          <a:noFill/>
+        </a:ln>
+      </dgm:spPr>
+      <dgm:extLst>
+        <a:ext uri="{E40237B7-FDA0-4F09-8148-C483321AD2D9}">
+          <dgm14:cNvPr xmlns:dgm14="http://schemas.microsoft.com/office/drawing/2010/diagram" id="0" name="" descr="Hierarquia"/>
+        </a:ext>
+      </dgm:extLst>
+    </dgm:pt>
+    <dgm:pt modelId="{2DA11E34-87D7-4959-B1CB-BE9760A68BBD}" type="pres">
+      <dgm:prSet presAssocID="{5EB54148-FAA6-47CD-AF6A-4B05E0CBF044}" presName="spaceRect" presStyleCnt="0"/>
+      <dgm:spPr/>
+    </dgm:pt>
+    <dgm:pt modelId="{826133F0-92D6-4280-ABA7-4931A3BA46DE}" type="pres">
+      <dgm:prSet presAssocID="{5EB54148-FAA6-47CD-AF6A-4B05E0CBF044}" presName="parTx" presStyleLbl="revTx" presStyleIdx="1" presStyleCnt="3">
+        <dgm:presLayoutVars>
+          <dgm:chMax val="0"/>
+          <dgm:chPref val="0"/>
+        </dgm:presLayoutVars>
+      </dgm:prSet>
+      <dgm:spPr/>
+    </dgm:pt>
+    <dgm:pt modelId="{99E18769-265D-45E2-B0DC-7BA1F63D99C6}" type="pres">
+      <dgm:prSet presAssocID="{ECA266F8-1534-4C8E-8BE3-BFC3096FFFE3}" presName="sibTrans" presStyleCnt="0"/>
+      <dgm:spPr/>
+    </dgm:pt>
+    <dgm:pt modelId="{13600381-1099-4AA8-8D7C-D88438E013BB}" type="pres">
+      <dgm:prSet presAssocID="{3761C063-8FF3-4098-B27E-4A7767AE7C78}" presName="compNode" presStyleCnt="0"/>
+      <dgm:spPr/>
+    </dgm:pt>
+    <dgm:pt modelId="{8B397E4B-2C9F-444D-A38F-17B76F2D04D5}" type="pres">
+      <dgm:prSet presAssocID="{3761C063-8FF3-4098-B27E-4A7767AE7C78}" presName="bgRect" presStyleLbl="bgShp" presStyleIdx="2" presStyleCnt="3"/>
+      <dgm:spPr/>
+    </dgm:pt>
+    <dgm:pt modelId="{91AF63D9-A248-4623-8475-74D1409A8947}" type="pres">
+      <dgm:prSet presAssocID="{3761C063-8FF3-4098-B27E-4A7767AE7C78}" presName="iconRect" presStyleLbl="node1" presStyleIdx="2" presStyleCnt="3"/>
+      <dgm:spPr>
+        <a:blipFill>
+          <a:blip xmlns:r="http://schemas.openxmlformats.org/officeDocument/2006/relationships" r:embed="rId5">
+            <a:extLst>
+              <a:ext uri="{28A0092B-C50C-407E-A947-70E740481C1C}">
+                <a14:useLocalDpi xmlns:a14="http://schemas.microsoft.com/office/drawing/2010/main" val="0"/>
+              </a:ext>
+              <a:ext uri="{96DAC541-7B7A-43D3-8B79-37D633B846F1}">
+                <asvg:svgBlip xmlns:asvg="http://schemas.microsoft.com/office/drawing/2016/SVG/main" r:embed="rId6"/>
+              </a:ext>
+            </a:extLst>
+          </a:blip>
+          <a:stretch>
+            <a:fillRect/>
+          </a:stretch>
+        </a:blipFill>
+        <a:ln>
+          <a:noFill/>
+        </a:ln>
+      </dgm:spPr>
+      <dgm:extLst>
+        <a:ext uri="{E40237B7-FDA0-4F09-8148-C483321AD2D9}">
+          <dgm14:cNvPr xmlns:dgm14="http://schemas.microsoft.com/office/drawing/2010/diagram" id="0" name="" descr="Perguntas"/>
+        </a:ext>
+      </dgm:extLst>
+    </dgm:pt>
+    <dgm:pt modelId="{D06BA6FD-10DD-4B57-B846-7FCADADB10B8}" type="pres">
+      <dgm:prSet presAssocID="{3761C063-8FF3-4098-B27E-4A7767AE7C78}" presName="spaceRect" presStyleCnt="0"/>
+      <dgm:spPr/>
+    </dgm:pt>
+    <dgm:pt modelId="{248603B5-D96A-4D53-92EE-BD37F409DA01}" type="pres">
+      <dgm:prSet presAssocID="{3761C063-8FF3-4098-B27E-4A7767AE7C78}" presName="parTx" presStyleLbl="revTx" presStyleIdx="2" presStyleCnt="3">
+        <dgm:presLayoutVars>
+          <dgm:chMax val="0"/>
+          <dgm:chPref val="0"/>
+        </dgm:presLayoutVars>
+      </dgm:prSet>
+      <dgm:spPr/>
+    </dgm:pt>
+  </dgm:ptLst>
+  <dgm:cxnLst>
+    <dgm:cxn modelId="{09630220-6FD7-48D4-869D-E753070ED309}" srcId="{2E5CB75B-1D36-4CA1-B79D-0F29086A81DD}" destId="{3761C063-8FF3-4098-B27E-4A7767AE7C78}" srcOrd="2" destOrd="0" parTransId="{00672C2E-B9BD-46A0-8E47-347D0EAD159D}" sibTransId="{9BA5352F-11C5-4CB1-AC39-6DD63DA35934}"/>
+    <dgm:cxn modelId="{7E2E3840-0B89-4081-AB22-D9A24AD8B75C}" type="presOf" srcId="{3761C063-8FF3-4098-B27E-4A7767AE7C78}" destId="{248603B5-D96A-4D53-92EE-BD37F409DA01}" srcOrd="0" destOrd="0" presId="urn:microsoft.com/office/officeart/2018/2/layout/IconVerticalSolidList"/>
+    <dgm:cxn modelId="{1319EE4B-CE50-4A64-BBA3-50A87E6304AA}" type="presOf" srcId="{7D181FFA-924B-4FDF-B06E-7033DC297C71}" destId="{76A68047-A8D8-4EF5-8B91-6927E17CDB7E}" srcOrd="0" destOrd="0" presId="urn:microsoft.com/office/officeart/2018/2/layout/IconVerticalSolidList"/>
+    <dgm:cxn modelId="{87E7E984-4967-42F5-9A7D-7D2785EE3A0F}" type="presOf" srcId="{5EB54148-FAA6-47CD-AF6A-4B05E0CBF044}" destId="{826133F0-92D6-4280-ABA7-4931A3BA46DE}" srcOrd="0" destOrd="0" presId="urn:microsoft.com/office/officeart/2018/2/layout/IconVerticalSolidList"/>
+    <dgm:cxn modelId="{2D08BBA3-0C32-4CD3-81F6-EF30EF52F5B0}" srcId="{2E5CB75B-1D36-4CA1-B79D-0F29086A81DD}" destId="{5EB54148-FAA6-47CD-AF6A-4B05E0CBF044}" srcOrd="1" destOrd="0" parTransId="{5FF200AE-9599-457A-ABD4-848C483AE12F}" sibTransId="{ECA266F8-1534-4C8E-8BE3-BFC3096FFFE3}"/>
+    <dgm:cxn modelId="{1EC397B1-BA0D-4BBC-B2B9-3025659D9D83}" type="presOf" srcId="{2E5CB75B-1D36-4CA1-B79D-0F29086A81DD}" destId="{C02FA5DF-0B5B-4085-8FA1-392F05BBA554}" srcOrd="0" destOrd="0" presId="urn:microsoft.com/office/officeart/2018/2/layout/IconVerticalSolidList"/>
+    <dgm:cxn modelId="{4798C6F4-2D76-418D-9227-6C43A1790B81}" srcId="{2E5CB75B-1D36-4CA1-B79D-0F29086A81DD}" destId="{7D181FFA-924B-4FDF-B06E-7033DC297C71}" srcOrd="0" destOrd="0" parTransId="{FA2F7EB2-B78B-493A-B0C3-E58DA6F8A9E2}" sibTransId="{F3315DFB-1E8D-4054-9CFC-FD3A00B2E798}"/>
+    <dgm:cxn modelId="{499A3935-077D-4EA5-A8EA-3A96DF81CB28}" type="presParOf" srcId="{C02FA5DF-0B5B-4085-8FA1-392F05BBA554}" destId="{B872E5A3-2F5A-4FC8-B1DB-3B5538519A4B}" srcOrd="0" destOrd="0" presId="urn:microsoft.com/office/officeart/2018/2/layout/IconVerticalSolidList"/>
+    <dgm:cxn modelId="{29E47972-9C91-4100-A995-E582E9A56C67}" type="presParOf" srcId="{B872E5A3-2F5A-4FC8-B1DB-3B5538519A4B}" destId="{4B3343BD-5327-4226-B20D-640F4DE6E11E}" srcOrd="0" destOrd="0" presId="urn:microsoft.com/office/officeart/2018/2/layout/IconVerticalSolidList"/>
+    <dgm:cxn modelId="{54A02FD9-2FCB-4FF2-8701-B03B5A9D9E32}" type="presParOf" srcId="{B872E5A3-2F5A-4FC8-B1DB-3B5538519A4B}" destId="{ED83B77E-D51D-40CD-A00E-E1E62AA236B5}" srcOrd="1" destOrd="0" presId="urn:microsoft.com/office/officeart/2018/2/layout/IconVerticalSolidList"/>
+    <dgm:cxn modelId="{FF4D3AD0-6360-49E1-8F04-122D9011E80F}" type="presParOf" srcId="{B872E5A3-2F5A-4FC8-B1DB-3B5538519A4B}" destId="{46C97BEF-448F-4A0A-B311-8B42681029AF}" srcOrd="2" destOrd="0" presId="urn:microsoft.com/office/officeart/2018/2/layout/IconVerticalSolidList"/>
+    <dgm:cxn modelId="{3FB1AB86-08C6-4105-99E5-608A27EAC8C0}" type="presParOf" srcId="{B872E5A3-2F5A-4FC8-B1DB-3B5538519A4B}" destId="{76A68047-A8D8-4EF5-8B91-6927E17CDB7E}" srcOrd="3" destOrd="0" presId="urn:microsoft.com/office/officeart/2018/2/layout/IconVerticalSolidList"/>
+    <dgm:cxn modelId="{16AB8D03-F0DC-41C4-87C2-9BEF1A1F0E5F}" type="presParOf" srcId="{C02FA5DF-0B5B-4085-8FA1-392F05BBA554}" destId="{C98AA5C9-84C7-44BB-8ACA-547F371E86BB}" srcOrd="1" destOrd="0" presId="urn:microsoft.com/office/officeart/2018/2/layout/IconVerticalSolidList"/>
+    <dgm:cxn modelId="{89F75D5E-C10C-4B37-9063-E173D2F654E2}" type="presParOf" srcId="{C02FA5DF-0B5B-4085-8FA1-392F05BBA554}" destId="{8112F7B7-9F91-42CC-8DD3-55A47600ACC6}" srcOrd="2" destOrd="0" presId="urn:microsoft.com/office/officeart/2018/2/layout/IconVerticalSolidList"/>
+    <dgm:cxn modelId="{FE8F99BC-8AE1-432C-845C-D9C3F5B6D927}" type="presParOf" srcId="{8112F7B7-9F91-42CC-8DD3-55A47600ACC6}" destId="{BB633A8B-FF4A-4CBF-9926-8E9040EE10B8}" srcOrd="0" destOrd="0" presId="urn:microsoft.com/office/officeart/2018/2/layout/IconVerticalSolidList"/>
+    <dgm:cxn modelId="{0AD2A510-3062-4837-BF7F-A92870B626A0}" type="presParOf" srcId="{8112F7B7-9F91-42CC-8DD3-55A47600ACC6}" destId="{5FE48CAB-A1FF-475F-A356-3BDDF28E0D84}" srcOrd="1" destOrd="0" presId="urn:microsoft.com/office/officeart/2018/2/layout/IconVerticalSolidList"/>
+    <dgm:cxn modelId="{68FF1D04-AB68-4CFB-842E-6FE3502971E0}" type="presParOf" srcId="{8112F7B7-9F91-42CC-8DD3-55A47600ACC6}" destId="{2DA11E34-87D7-4959-B1CB-BE9760A68BBD}" srcOrd="2" destOrd="0" presId="urn:microsoft.com/office/officeart/2018/2/layout/IconVerticalSolidList"/>
+    <dgm:cxn modelId="{ACFF3BB2-2DC9-4651-A3C6-B5810A1A670A}" type="presParOf" srcId="{8112F7B7-9F91-42CC-8DD3-55A47600ACC6}" destId="{826133F0-92D6-4280-ABA7-4931A3BA46DE}" srcOrd="3" destOrd="0" presId="urn:microsoft.com/office/officeart/2018/2/layout/IconVerticalSolidList"/>
+    <dgm:cxn modelId="{5FCBA89D-AE90-406B-B9A3-16A5DD4F89E2}" type="presParOf" srcId="{C02FA5DF-0B5B-4085-8FA1-392F05BBA554}" destId="{99E18769-265D-45E2-B0DC-7BA1F63D99C6}" srcOrd="3" destOrd="0" presId="urn:microsoft.com/office/officeart/2018/2/layout/IconVerticalSolidList"/>
+    <dgm:cxn modelId="{3A0B863E-A05B-457E-83A7-C7C964EA3177}" type="presParOf" srcId="{C02FA5DF-0B5B-4085-8FA1-392F05BBA554}" destId="{13600381-1099-4AA8-8D7C-D88438E013BB}" srcOrd="4" destOrd="0" presId="urn:microsoft.com/office/officeart/2018/2/layout/IconVerticalSolidList"/>
+    <dgm:cxn modelId="{21D184C9-01A9-48F9-8206-37DCDE3414C4}" type="presParOf" srcId="{13600381-1099-4AA8-8D7C-D88438E013BB}" destId="{8B397E4B-2C9F-444D-A38F-17B76F2D04D5}" srcOrd="0" destOrd="0" presId="urn:microsoft.com/office/officeart/2018/2/layout/IconVerticalSolidList"/>
+    <dgm:cxn modelId="{3C2954A4-9875-48F6-AB90-85D7207B1A4E}" type="presParOf" srcId="{13600381-1099-4AA8-8D7C-D88438E013BB}" destId="{91AF63D9-A248-4623-8475-74D1409A8947}" srcOrd="1" destOrd="0" presId="urn:microsoft.com/office/officeart/2018/2/layout/IconVerticalSolidList"/>
+    <dgm:cxn modelId="{F8C1376D-1717-4281-90A4-6A7BA0F588A4}" type="presParOf" srcId="{13600381-1099-4AA8-8D7C-D88438E013BB}" destId="{D06BA6FD-10DD-4B57-B846-7FCADADB10B8}" srcOrd="2" destOrd="0" presId="urn:microsoft.com/office/officeart/2018/2/layout/IconVerticalSolidList"/>
+    <dgm:cxn modelId="{DE7702FD-78EF-46F3-95CD-431FADB44A11}" type="presParOf" srcId="{13600381-1099-4AA8-8D7C-D88438E013BB}" destId="{248603B5-D96A-4D53-92EE-BD37F409DA01}" srcOrd="3" destOrd="0" presId="urn:microsoft.com/office/officeart/2018/2/layout/IconVerticalSolidList"/>
+  </dgm:cxnLst>
+  <dgm:bg/>
+  <dgm:whole/>
+  <dgm:extLst>
+    <a:ext uri="http://schemas.microsoft.com/office/drawing/2008/diagram">
+      <dsp:dataModelExt xmlns:dsp="http://schemas.microsoft.com/office/drawing/2008/diagram" relId="rId6" minVer="http://schemas.openxmlformats.org/drawingml/2006/diagram"/>
+    </a:ext>
+  </dgm:extLst>
+</dgm:dataModel>
+</file>
+
+<file path=ppt/diagrams/drawing1.xml><?xml version="1.0" encoding="utf-8"?>
+<dsp:drawing xmlns:dgm="http://schemas.openxmlformats.org/drawingml/2006/diagram" xmlns:dsp="http://schemas.microsoft.com/office/drawing/2008/diagram" xmlns:a="http://schemas.openxmlformats.org/drawingml/2006/main">
+  <dsp:spTree>
+    <dsp:nvGrpSpPr>
+      <dsp:cNvPr id="0" name=""/>
+      <dsp:cNvGrpSpPr/>
+    </dsp:nvGrpSpPr>
+    <dsp:grpSpPr/>
+    <dsp:sp modelId="{4B3343BD-5327-4226-B20D-640F4DE6E11E}">
+      <dsp:nvSpPr>
+        <dsp:cNvPr id="0" name=""/>
+        <dsp:cNvSpPr/>
+      </dsp:nvSpPr>
+      <dsp:spPr>
+        <a:xfrm>
+          <a:off x="0" y="642"/>
+          <a:ext cx="6832212" cy="1503855"/>
+        </a:xfrm>
+        <a:prstGeom prst="roundRect">
+          <a:avLst>
+            <a:gd name="adj" fmla="val 10000"/>
+          </a:avLst>
+        </a:prstGeom>
+        <a:solidFill>
+          <a:schemeClr val="bg1">
+            <a:lumMod val="95000"/>
+            <a:hueOff val="0"/>
+            <a:satOff val="0"/>
+            <a:lumOff val="0"/>
+            <a:alphaOff val="0"/>
+          </a:schemeClr>
+        </a:solidFill>
+        <a:ln>
+          <a:noFill/>
+        </a:ln>
+        <a:effectLst/>
+      </dsp:spPr>
+      <dsp:style>
+        <a:lnRef idx="0">
+          <a:scrgbClr r="0" g="0" b="0"/>
+        </a:lnRef>
+        <a:fillRef idx="1">
+          <a:scrgbClr r="0" g="0" b="0"/>
+        </a:fillRef>
+        <a:effectRef idx="0">
+          <a:scrgbClr r="0" g="0" b="0"/>
+        </a:effectRef>
+        <a:fontRef idx="minor"/>
+      </dsp:style>
+    </dsp:sp>
+    <dsp:sp modelId="{ED83B77E-D51D-40CD-A00E-E1E62AA236B5}">
+      <dsp:nvSpPr>
+        <dsp:cNvPr id="0" name=""/>
+        <dsp:cNvSpPr/>
+      </dsp:nvSpPr>
+      <dsp:spPr>
+        <a:xfrm>
+          <a:off x="454916" y="339010"/>
+          <a:ext cx="827120" cy="827120"/>
+        </a:xfrm>
+        <a:prstGeom prst="rect">
+          <a:avLst/>
+        </a:prstGeom>
+        <a:blipFill>
+          <a:blip xmlns:r="http://schemas.openxmlformats.org/officeDocument/2006/relationships" r:embed="rId1">
+            <a:extLst>
+              <a:ext uri="{28A0092B-C50C-407E-A947-70E740481C1C}">
+                <a14:useLocalDpi xmlns:a14="http://schemas.microsoft.com/office/drawing/2010/main" val="0"/>
+              </a:ext>
+              <a:ext uri="{96DAC541-7B7A-43D3-8B79-37D633B846F1}">
+                <asvg:svgBlip xmlns:asvg="http://schemas.microsoft.com/office/drawing/2016/SVG/main" r:embed="rId2"/>
+              </a:ext>
+            </a:extLst>
+          </a:blip>
+          <a:stretch>
+            <a:fillRect/>
+          </a:stretch>
+        </a:blipFill>
+        <a:ln w="15875" cap="rnd" cmpd="sng" algn="ctr">
+          <a:noFill/>
+          <a:prstDash val="solid"/>
+        </a:ln>
+        <a:effectLst/>
+      </dsp:spPr>
+      <dsp:style>
+        <a:lnRef idx="2">
+          <a:scrgbClr r="0" g="0" b="0"/>
+        </a:lnRef>
+        <a:fillRef idx="1">
+          <a:scrgbClr r="0" g="0" b="0"/>
+        </a:fillRef>
+        <a:effectRef idx="0">
+          <a:scrgbClr r="0" g="0" b="0"/>
+        </a:effectRef>
+        <a:fontRef idx="minor">
+          <a:schemeClr val="lt1"/>
+        </a:fontRef>
+      </dsp:style>
+    </dsp:sp>
+    <dsp:sp modelId="{76A68047-A8D8-4EF5-8B91-6927E17CDB7E}">
+      <dsp:nvSpPr>
+        <dsp:cNvPr id="0" name=""/>
+        <dsp:cNvSpPr/>
+      </dsp:nvSpPr>
+      <dsp:spPr>
+        <a:xfrm>
+          <a:off x="1736952" y="642"/>
+          <a:ext cx="5095259" cy="1503855"/>
+        </a:xfrm>
+        <a:prstGeom prst="rect">
+          <a:avLst/>
+        </a:prstGeom>
+        <a:noFill/>
+        <a:ln>
+          <a:noFill/>
+        </a:ln>
+        <a:effectLst/>
+      </dsp:spPr>
+      <dsp:style>
+        <a:lnRef idx="0">
+          <a:scrgbClr r="0" g="0" b="0"/>
+        </a:lnRef>
+        <a:fillRef idx="0">
+          <a:scrgbClr r="0" g="0" b="0"/>
+        </a:fillRef>
+        <a:effectRef idx="0">
+          <a:scrgbClr r="0" g="0" b="0"/>
+        </a:effectRef>
+        <a:fontRef idx="minor"/>
+      </dsp:style>
+      <dsp:txBody>
+        <a:bodyPr spcFirstLastPara="0" vert="horz" wrap="square" lIns="159158" tIns="159158" rIns="159158" bIns="159158" numCol="1" spcCol="1270" anchor="ctr" anchorCtr="0">
+          <a:noAutofit/>
+        </a:bodyPr>
+        <a:lstStyle/>
+        <a:p>
+          <a:pPr marL="0" lvl="0" indent="0" algn="l" defTabSz="1111250">
+            <a:lnSpc>
+              <a:spcPct val="90000"/>
+            </a:lnSpc>
+            <a:spcBef>
+              <a:spcPct val="0"/>
+            </a:spcBef>
+            <a:spcAft>
+              <a:spcPct val="35000"/>
+            </a:spcAft>
+            <a:buNone/>
+          </a:pPr>
+          <a:r>
+            <a:rPr lang="pt-PT" sz="2500" kern="1200"/>
+            <a:t>Implementar entregas rotineiras</a:t>
+          </a:r>
+          <a:endParaRPr lang="en-US" sz="2500" kern="1200"/>
+        </a:p>
+      </dsp:txBody>
+      <dsp:txXfrm>
+        <a:off x="1736952" y="642"/>
+        <a:ext cx="5095259" cy="1503855"/>
+      </dsp:txXfrm>
+    </dsp:sp>
+    <dsp:sp modelId="{BB633A8B-FF4A-4CBF-9926-8E9040EE10B8}">
+      <dsp:nvSpPr>
+        <dsp:cNvPr id="0" name=""/>
+        <dsp:cNvSpPr/>
+      </dsp:nvSpPr>
+      <dsp:spPr>
+        <a:xfrm>
+          <a:off x="0" y="1880461"/>
+          <a:ext cx="6832212" cy="1503855"/>
+        </a:xfrm>
+        <a:prstGeom prst="roundRect">
+          <a:avLst>
+            <a:gd name="adj" fmla="val 10000"/>
+          </a:avLst>
+        </a:prstGeom>
+        <a:solidFill>
+          <a:schemeClr val="bg1">
+            <a:lumMod val="95000"/>
+            <a:hueOff val="0"/>
+            <a:satOff val="0"/>
+            <a:lumOff val="0"/>
+            <a:alphaOff val="0"/>
+          </a:schemeClr>
+        </a:solidFill>
+        <a:ln>
+          <a:noFill/>
+        </a:ln>
+        <a:effectLst/>
+      </dsp:spPr>
+      <dsp:style>
+        <a:lnRef idx="0">
+          <a:scrgbClr r="0" g="0" b="0"/>
+        </a:lnRef>
+        <a:fillRef idx="1">
+          <a:scrgbClr r="0" g="0" b="0"/>
+        </a:fillRef>
+        <a:effectRef idx="0">
+          <a:scrgbClr r="0" g="0" b="0"/>
+        </a:effectRef>
+        <a:fontRef idx="minor"/>
+      </dsp:style>
+    </dsp:sp>
+    <dsp:sp modelId="{5FE48CAB-A1FF-475F-A356-3BDDF28E0D84}">
+      <dsp:nvSpPr>
+        <dsp:cNvPr id="0" name=""/>
+        <dsp:cNvSpPr/>
+      </dsp:nvSpPr>
+      <dsp:spPr>
+        <a:xfrm>
+          <a:off x="454916" y="2218829"/>
+          <a:ext cx="827120" cy="827120"/>
+        </a:xfrm>
+        <a:prstGeom prst="rect">
+          <a:avLst/>
+        </a:prstGeom>
+        <a:blipFill>
+          <a:blip xmlns:r="http://schemas.openxmlformats.org/officeDocument/2006/relationships" r:embed="rId3">
+            <a:extLst>
+              <a:ext uri="{28A0092B-C50C-407E-A947-70E740481C1C}">
+                <a14:useLocalDpi xmlns:a14="http://schemas.microsoft.com/office/drawing/2010/main" val="0"/>
+              </a:ext>
+              <a:ext uri="{96DAC541-7B7A-43D3-8B79-37D633B846F1}">
+                <asvg:svgBlip xmlns:asvg="http://schemas.microsoft.com/office/drawing/2016/SVG/main" r:embed="rId4"/>
+              </a:ext>
+            </a:extLst>
+          </a:blip>
+          <a:stretch>
+            <a:fillRect/>
+          </a:stretch>
+        </a:blipFill>
+        <a:ln w="15875" cap="rnd" cmpd="sng" algn="ctr">
+          <a:noFill/>
+          <a:prstDash val="solid"/>
+        </a:ln>
+        <a:effectLst/>
+      </dsp:spPr>
+      <dsp:style>
+        <a:lnRef idx="2">
+          <a:scrgbClr r="0" g="0" b="0"/>
+        </a:lnRef>
+        <a:fillRef idx="1">
+          <a:scrgbClr r="0" g="0" b="0"/>
+        </a:fillRef>
+        <a:effectRef idx="0">
+          <a:scrgbClr r="0" g="0" b="0"/>
+        </a:effectRef>
+        <a:fontRef idx="minor">
+          <a:schemeClr val="lt1"/>
+        </a:fontRef>
+      </dsp:style>
+    </dsp:sp>
+    <dsp:sp modelId="{826133F0-92D6-4280-ABA7-4931A3BA46DE}">
+      <dsp:nvSpPr>
+        <dsp:cNvPr id="0" name=""/>
+        <dsp:cNvSpPr/>
+      </dsp:nvSpPr>
+      <dsp:spPr>
+        <a:xfrm>
+          <a:off x="1736952" y="1880461"/>
+          <a:ext cx="5095259" cy="1503855"/>
+        </a:xfrm>
+        <a:prstGeom prst="rect">
+          <a:avLst/>
+        </a:prstGeom>
+        <a:noFill/>
+        <a:ln>
+          <a:noFill/>
+        </a:ln>
+        <a:effectLst/>
+      </dsp:spPr>
+      <dsp:style>
+        <a:lnRef idx="0">
+          <a:scrgbClr r="0" g="0" b="0"/>
+        </a:lnRef>
+        <a:fillRef idx="0">
+          <a:scrgbClr r="0" g="0" b="0"/>
+        </a:fillRef>
+        <a:effectRef idx="0">
+          <a:scrgbClr r="0" g="0" b="0"/>
+        </a:effectRef>
+        <a:fontRef idx="minor"/>
+      </dsp:style>
+      <dsp:txBody>
+        <a:bodyPr spcFirstLastPara="0" vert="horz" wrap="square" lIns="159158" tIns="159158" rIns="159158" bIns="159158" numCol="1" spcCol="1270" anchor="ctr" anchorCtr="0">
+          <a:noAutofit/>
+        </a:bodyPr>
+        <a:lstStyle/>
+        <a:p>
+          <a:pPr marL="0" lvl="0" indent="0" algn="l" defTabSz="1111250">
+            <a:lnSpc>
+              <a:spcPct val="90000"/>
+            </a:lnSpc>
+            <a:spcBef>
+              <a:spcPct val="0"/>
+            </a:spcBef>
+            <a:spcAft>
+              <a:spcPct val="35000"/>
+            </a:spcAft>
+            <a:buNone/>
+          </a:pPr>
+          <a:r>
+            <a:rPr lang="pt-PT" sz="2500" kern="1200"/>
+            <a:t>Criar um diagrama de Gantt para organização do trabalho</a:t>
+          </a:r>
+          <a:endParaRPr lang="en-US" sz="2500" kern="1200"/>
+        </a:p>
+      </dsp:txBody>
+      <dsp:txXfrm>
+        <a:off x="1736952" y="1880461"/>
+        <a:ext cx="5095259" cy="1503855"/>
+      </dsp:txXfrm>
+    </dsp:sp>
+    <dsp:sp modelId="{8B397E4B-2C9F-444D-A38F-17B76F2D04D5}">
+      <dsp:nvSpPr>
+        <dsp:cNvPr id="0" name=""/>
+        <dsp:cNvSpPr/>
+      </dsp:nvSpPr>
+      <dsp:spPr>
+        <a:xfrm>
+          <a:off x="0" y="3760280"/>
+          <a:ext cx="6832212" cy="1503855"/>
+        </a:xfrm>
+        <a:prstGeom prst="roundRect">
+          <a:avLst>
+            <a:gd name="adj" fmla="val 10000"/>
+          </a:avLst>
+        </a:prstGeom>
+        <a:solidFill>
+          <a:schemeClr val="bg1">
+            <a:lumMod val="95000"/>
+            <a:hueOff val="0"/>
+            <a:satOff val="0"/>
+            <a:lumOff val="0"/>
+            <a:alphaOff val="0"/>
+          </a:schemeClr>
+        </a:solidFill>
+        <a:ln>
+          <a:noFill/>
+        </a:ln>
+        <a:effectLst/>
+      </dsp:spPr>
+      <dsp:style>
+        <a:lnRef idx="0">
+          <a:scrgbClr r="0" g="0" b="0"/>
+        </a:lnRef>
+        <a:fillRef idx="1">
+          <a:scrgbClr r="0" g="0" b="0"/>
+        </a:fillRef>
+        <a:effectRef idx="0">
+          <a:scrgbClr r="0" g="0" b="0"/>
+        </a:effectRef>
+        <a:fontRef idx="minor"/>
+      </dsp:style>
+    </dsp:sp>
+    <dsp:sp modelId="{91AF63D9-A248-4623-8475-74D1409A8947}">
+      <dsp:nvSpPr>
+        <dsp:cNvPr id="0" name=""/>
+        <dsp:cNvSpPr/>
+      </dsp:nvSpPr>
+      <dsp:spPr>
+        <a:xfrm>
+          <a:off x="454916" y="4098648"/>
+          <a:ext cx="827120" cy="827120"/>
+        </a:xfrm>
+        <a:prstGeom prst="rect">
+          <a:avLst/>
+        </a:prstGeom>
+        <a:blipFill>
+          <a:blip xmlns:r="http://schemas.openxmlformats.org/officeDocument/2006/relationships" r:embed="rId5">
+            <a:extLst>
+              <a:ext uri="{28A0092B-C50C-407E-A947-70E740481C1C}">
+                <a14:useLocalDpi xmlns:a14="http://schemas.microsoft.com/office/drawing/2010/main" val="0"/>
+              </a:ext>
+              <a:ext uri="{96DAC541-7B7A-43D3-8B79-37D633B846F1}">
+                <asvg:svgBlip xmlns:asvg="http://schemas.microsoft.com/office/drawing/2016/SVG/main" r:embed="rId6"/>
+              </a:ext>
+            </a:extLst>
+          </a:blip>
+          <a:stretch>
+            <a:fillRect/>
+          </a:stretch>
+        </a:blipFill>
+        <a:ln w="15875" cap="rnd" cmpd="sng" algn="ctr">
+          <a:noFill/>
+          <a:prstDash val="solid"/>
+        </a:ln>
+        <a:effectLst/>
+      </dsp:spPr>
+      <dsp:style>
+        <a:lnRef idx="2">
+          <a:scrgbClr r="0" g="0" b="0"/>
+        </a:lnRef>
+        <a:fillRef idx="1">
+          <a:scrgbClr r="0" g="0" b="0"/>
+        </a:fillRef>
+        <a:effectRef idx="0">
+          <a:scrgbClr r="0" g="0" b="0"/>
+        </a:effectRef>
+        <a:fontRef idx="minor">
+          <a:schemeClr val="lt1"/>
+        </a:fontRef>
+      </dsp:style>
+    </dsp:sp>
+    <dsp:sp modelId="{248603B5-D96A-4D53-92EE-BD37F409DA01}">
+      <dsp:nvSpPr>
+        <dsp:cNvPr id="0" name=""/>
+        <dsp:cNvSpPr/>
+      </dsp:nvSpPr>
+      <dsp:spPr>
+        <a:xfrm>
+          <a:off x="1736952" y="3760280"/>
+          <a:ext cx="5095259" cy="1503855"/>
+        </a:xfrm>
+        <a:prstGeom prst="rect">
+          <a:avLst/>
+        </a:prstGeom>
+        <a:noFill/>
+        <a:ln>
+          <a:noFill/>
+        </a:ln>
+        <a:effectLst/>
+      </dsp:spPr>
+      <dsp:style>
+        <a:lnRef idx="0">
+          <a:scrgbClr r="0" g="0" b="0"/>
+        </a:lnRef>
+        <a:fillRef idx="0">
+          <a:scrgbClr r="0" g="0" b="0"/>
+        </a:fillRef>
+        <a:effectRef idx="0">
+          <a:scrgbClr r="0" g="0" b="0"/>
+        </a:effectRef>
+        <a:fontRef idx="minor"/>
+      </dsp:style>
+      <dsp:txBody>
+        <a:bodyPr spcFirstLastPara="0" vert="horz" wrap="square" lIns="159158" tIns="159158" rIns="159158" bIns="159158" numCol="1" spcCol="1270" anchor="ctr" anchorCtr="0">
+          <a:noAutofit/>
+        </a:bodyPr>
+        <a:lstStyle/>
+        <a:p>
+          <a:pPr marL="0" lvl="0" indent="0" algn="l" defTabSz="1111250">
+            <a:lnSpc>
+              <a:spcPct val="90000"/>
+            </a:lnSpc>
+            <a:spcBef>
+              <a:spcPct val="0"/>
+            </a:spcBef>
+            <a:spcAft>
+              <a:spcPct val="35000"/>
+            </a:spcAft>
+            <a:buNone/>
+          </a:pPr>
+          <a:r>
+            <a:rPr lang="pt-PT" sz="2500" kern="1200" dirty="0"/>
+            <a:t>Ponderar a existência de uma entidade “armazém”  </a:t>
+          </a:r>
+          <a:endParaRPr lang="en-US" sz="2500" kern="1200" dirty="0"/>
+        </a:p>
+      </dsp:txBody>
+      <dsp:txXfrm>
+        <a:off x="1736952" y="3760280"/>
+        <a:ext cx="5095259" cy="1503855"/>
+      </dsp:txXfrm>
+    </dsp:sp>
+  </dsp:spTree>
+</dsp:drawing>
+</file>
+
+<file path=ppt/diagrams/layout1.xml><?xml version="1.0" encoding="utf-8"?>
+<dgm:layoutDef xmlns:dgm="http://schemas.openxmlformats.org/drawingml/2006/diagram" xmlns:a="http://schemas.openxmlformats.org/drawingml/2006/main" uniqueId="urn:microsoft.com/office/officeart/2018/2/layout/IconVerticalSolidList">
+  <dgm:title val="Icon Vertical Solid List"/>
+  <dgm:desc val="Use to show a series of visuals from top to bottom with Level 1 or Level 1 and Level 2 text grouped in a shape. Works best with icons or small pictures with lengthier descriptions."/>
+  <dgm:catLst>
+    <dgm:cat type="icon" pri="500"/>
+  </dgm:catLst>
+  <dgm:sampData useDef="1">
+    <dgm:dataModel>
+      <dgm:ptLst/>
+      <dgm:bg/>
+      <dgm:whole/>
+    </dgm:dataModel>
+  </dgm:sampData>
+  <dgm:styleData useDef="1">
+    <dgm:dataModel>
+      <dgm:ptLst/>
+      <dgm:bg/>
+      <dgm:whole/>
+    </dgm:dataModel>
+  </dgm:styleData>
+  <dgm:clrData useDef="1">
+    <dgm:dataModel>
+      <dgm:ptLst/>
+      <dgm:bg/>
+      <dgm:whole/>
+    </dgm:dataModel>
+  </dgm:clrData>
+  <dgm:layoutNode name="root">
+    <dgm:varLst>
+      <dgm:dir/>
+      <dgm:resizeHandles val="exact"/>
+    </dgm:varLst>
+    <dgm:choose name="Name0">
+      <dgm:if name="Name1" axis="self" func="var" arg="dir" op="equ" val="norm">
+        <dgm:alg type="lin">
+          <dgm:param type="linDir" val="fromT"/>
+          <dgm:param type="nodeHorzAlign" val="l"/>
+        </dgm:alg>
+      </dgm:if>
+      <dgm:else name="Name2">
+        <dgm:alg type="lin">
+          <dgm:param type="linDir" val="fromT"/>
+          <dgm:param type="nodeHorzAlign" val="r"/>
+        </dgm:alg>
+      </dgm:else>
+    </dgm:choose>
+    <dgm:shape xmlns:r="http://schemas.openxmlformats.org/officeDocument/2006/relationships" r:blip="">
+      <dgm:adjLst/>
+    </dgm:shape>
+    <dgm:presOf/>
+    <dgm:choose name="Name3">
+      <dgm:if name="Name4" axis="ch" ptType="node" func="cnt" op="lte" val="3">
+        <dgm:constrLst>
+          <dgm:constr type="h" for="ch" forName="compNode" refType="h" fact="0.3"/>
+          <dgm:constr type="w" for="ch" forName="compNode" refType="w"/>
+          <dgm:constr type="h" for="ch" forName="sibTrans" refType="h" refFor="ch" refForName="compNode" fact="0.25"/>
+          <dgm:constr type="primFontSz" for="des" forName="parTx" val="25"/>
+          <dgm:constr type="primFontSz" for="des" forName="desTx" refType="primFontSz" refFor="des" refForName="parTx" op="lte" fact="0.75"/>
+          <dgm:constr type="h" for="des" forName="compNode" op="equ"/>
+          <dgm:constr type="h" for="des" forName="bgRect" op="equ"/>
+          <dgm:constr type="h" for="des" forName="iconRect" op="equ"/>
+          <dgm:constr type="w" for="des" forName="iconRect" op="equ"/>
+          <dgm:constr type="h" for="des" forName="spaceRect" op="equ"/>
+          <dgm:constr type="h" for="des" forName="parTx" op="equ"/>
+          <dgm:constr type="h" for="des" forName="desTx" op="equ"/>
+        </dgm:constrLst>
+      </dgm:if>
+      <dgm:if name="Name5" axis="ch" ptType="node" func="cnt" op="lte" val="4">
+        <dgm:constrLst>
+          <dgm:constr type="h" for="ch" forName="compNode" refType="h" fact="0.3"/>
+          <dgm:constr type="w" for="ch" forName="compNode" refType="w"/>
+          <dgm:constr type="h" for="ch" forName="sibTrans" refType="h" refFor="ch" refForName="compNode" fact="0.25"/>
+          <dgm:constr type="primFontSz" for="des" forName="parTx" val="22"/>
+          <dgm:constr type="primFontSz" for="des" forName="desTx" refType="primFontSz" refFor="des" refForName="parTx" op="lte" fact="0.75"/>
+          <dgm:constr type="h" for="des" forName="compNode" op="equ"/>
+          <dgm:constr type="h" for="des" forName="bgRect" op="equ"/>
+          <dgm:constr type="h" for="des" forName="iconRect" op="equ"/>
+          <dgm:constr type="w" for="des" forName="iconRect" op="equ"/>
+          <dgm:constr type="h" for="des" forName="spaceRect" op="equ"/>
+          <dgm:constr type="h" for="des" forName="parTx" op="equ"/>
+          <dgm:constr type="h" for="des" forName="desTx" op="equ"/>
+        </dgm:constrLst>
+      </dgm:if>
+      <dgm:if name="Name6" axis="ch" ptType="node" func="cnt" op="lte" val="6">
+        <dgm:constrLst>
+          <dgm:constr type="h" for="ch" forName="compNode" refType="h" fact="0.3"/>
+          <dgm:constr type="w" for="ch" forName="compNode" refType="w"/>
+          <dgm:constr type="h" for="ch" forName="sibTrans" refType="h" refFor="ch" refForName="compNode" fact="0.25"/>
+          <dgm:constr type="primFontSz" for="des" forName="parTx" val="19"/>
+          <dgm:constr type="primFontSz" for="des" forName="desTx" refType="primFontSz" refFor="des" refForName="parTx" op="lte" fact="0.75"/>
+          <dgm:constr type="h" for="des" forName="compNode" op="equ"/>
+          <dgm:constr type="h" for="des" forName="bgRect" op="equ"/>
+          <dgm:constr type="h" for="des" forName="iconRect" op="equ"/>
+          <dgm:constr type="w" for="des" forName="iconRect" op="equ"/>
+          <dgm:constr type="h" for="des" forName="spaceRect" op="equ"/>
+          <dgm:constr type="h" for="des" forName="parTx" op="equ"/>
+          <dgm:constr type="h" for="des" forName="desTx" op="equ"/>
+        </dgm:constrLst>
+      </dgm:if>
+      <dgm:else name="Name7">
+        <dgm:constrLst>
+          <dgm:constr type="h" for="ch" forName="compNode" refType="h" fact="0.3"/>
+          <dgm:constr type="w" for="ch" forName="compNode" refType="w"/>
+          <dgm:constr type="h" for="ch" forName="sibTrans" refType="h" refFor="ch" refForName="compNode" fact="0.25"/>
+          <dgm:constr type="primFontSz" for="des" forName="parTx" val="16"/>
+          <dgm:constr type="primFontSz" for="des" forName="desTx" refType="primFontSz" refFor="des" refForName="parTx" op="lte" fact="0.75"/>
+          <dgm:constr type="h" for="des" forName="compNode" op="equ"/>
+          <dgm:constr type="h" for="des" forName="bgRect" op="equ"/>
+          <dgm:constr type="h" for="des" forName="iconRect" op="equ"/>
+          <dgm:constr type="w" for="des" forName="iconRect" op="equ"/>
+          <dgm:constr type="h" for="des" forName="spaceRect" op="equ"/>
+          <dgm:constr type="h" for="des" forName="parTx" op="equ"/>
+          <dgm:constr type="h" for="des" forName="desTx" op="equ"/>
+        </dgm:constrLst>
+      </dgm:else>
+    </dgm:choose>
+    <dgm:ruleLst>
+      <dgm:rule type="h" for="ch" forName="compNode" val="0" fact="NaN" max="NaN"/>
+    </dgm:ruleLst>
+    <dgm:forEach name="Name8" axis="ch" ptType="node">
+      <dgm:layoutNode name="compNode">
+        <dgm:alg type="composite"/>
+        <dgm:shape xmlns:r="http://schemas.openxmlformats.org/officeDocument/2006/relationships" r:blip="">
+          <dgm:adjLst/>
+        </dgm:shape>
+        <dgm:presOf axis="self"/>
+        <dgm:choose name="Name9">
+          <dgm:if name="Name10" axis="ch" ptType="node" func="cnt" op="gte" val="1">
+            <dgm:constrLst>
+              <dgm:constr type="w" for="ch" forName="bgRect" refType="w"/>
+              <dgm:constr type="h" for="ch" forName="bgRect" refType="h"/>
+              <dgm:constr type="l" for="ch" forName="bgRect"/>
+              <dgm:constr type="t" for="ch" forName="bgRect"/>
+              <dgm:constr type="h" for="ch" forName="iconRect" refType="h" fact="0.55"/>
+              <dgm:constr type="w" for="ch" forName="iconRect" refType="h" refFor="ch" refForName="iconRect"/>
+              <dgm:constr type="l" for="ch" forName="iconRect" refType="h" refFor="ch" refForName="iconRect" fact="0.55"/>
+              <dgm:constr type="ctrY" for="ch" forName="iconRect" refType="ctrY" refFor="ch" refForName="bgRect"/>
+              <dgm:constr type="w" for="ch" forName="spaceRect" refType="l" refFor="ch" refForName="iconRect"/>
+              <dgm:constr type="h" for="ch" forName="spaceRect" refType="h"/>
+              <dgm:constr type="l" for="ch" forName="spaceRect" refType="r" refFor="ch" refForName="iconRect"/>
+              <dgm:constr type="t" for="ch" forName="spaceRect"/>
+              <dgm:constr type="w" for="ch" forName="parTx" refType="w" fact="0.45"/>
+              <dgm:constr type="h" for="ch" forName="parTx" refType="h"/>
+              <dgm:constr type="l" for="ch" forName="parTx" refType="r" refFor="ch" refForName="spaceRect"/>
+              <dgm:constr type="t" for="ch" forName="parTx"/>
+              <dgm:constr type="h" for="ch" forName="desTx" refType="h"/>
+              <dgm:constr type="l" for="ch" forName="desTx" refType="r" refFor="ch" refForName="parTx"/>
+              <dgm:constr type="t" for="ch" forName="desTx"/>
+            </dgm:constrLst>
+          </dgm:if>
+          <dgm:else name="Name11">
+            <dgm:constrLst>
+              <dgm:constr type="w" for="ch" forName="bgRect" refType="w"/>
+              <dgm:constr type="h" for="ch" forName="bgRect" refType="h"/>
+              <dgm:constr type="l" for="ch" forName="bgRect"/>
+              <dgm:constr type="t" for="ch" forName="bgRect"/>
+              <dgm:constr type="h" for="ch" forName="iconRect" refType="h" fact="0.55"/>
+              <dgm:constr type="w" for="ch" forName="iconRect" refType="h" refFor="ch" refForName="iconRect"/>
+              <dgm:constr type="l" for="ch" forName="iconRect" refType="h" refFor="ch" refForName="iconRect" fact="0.55"/>
+              <dgm:constr type="ctrY" for="ch" forName="iconRect" refType="ctrY" refFor="ch" refForName="bgRect"/>
+              <dgm:constr type="w" for="ch" forName="spaceRect" refType="l" refFor="ch" refForName="iconRect"/>
+              <dgm:constr type="h" for="ch" forName="spaceRect" refType="h"/>
+              <dgm:constr type="l" for="ch" forName="spaceRect" refType="r" refFor="ch" refForName="iconRect"/>
+              <dgm:constr type="t" for="ch" forName="spaceRect"/>
+              <dgm:constr type="h" for="ch" forName="parTx" refType="h"/>
+              <dgm:constr type="l" for="ch" forName="parTx" refType="r" refFor="ch" refForName="spaceRect"/>
+              <dgm:constr type="t" for="ch" forName="parTx"/>
+            </dgm:constrLst>
+          </dgm:else>
+        </dgm:choose>
+        <dgm:ruleLst>
+          <dgm:rule type="h" val="INF" fact="NaN" max="NaN"/>
+        </dgm:ruleLst>
+        <dgm:layoutNode name="bgRect" styleLbl="bgShp">
+          <dgm:alg type="sp"/>
+          <dgm:shape xmlns:r="http://schemas.openxmlformats.org/officeDocument/2006/relationships" type="roundRect" r:blip="">
+            <dgm:adjLst>
+              <dgm:adj idx="1" val="0.1"/>
+            </dgm:adjLst>
+          </dgm:shape>
+          <dgm:presOf/>
+          <dgm:constrLst/>
+          <dgm:ruleLst/>
+        </dgm:layoutNode>
+        <dgm:layoutNode name="iconRect" styleLbl="node1">
+          <dgm:alg type="sp"/>
+          <dgm:shape xmlns:r="http://schemas.openxmlformats.org/officeDocument/2006/relationships" type="rect" r:blip="" blipPhldr="1">
+            <dgm:adjLst/>
+          </dgm:shape>
+          <dgm:presOf/>
+          <dgm:constrLst/>
+          <dgm:ruleLst/>
+        </dgm:layoutNode>
+        <dgm:layoutNode name="spaceRect">
+          <dgm:alg type="sp"/>
+          <dgm:shape xmlns:r="http://schemas.openxmlformats.org/officeDocument/2006/relationships" r:blip="">
+            <dgm:adjLst/>
+          </dgm:shape>
+          <dgm:presOf/>
+          <dgm:constrLst/>
+          <dgm:ruleLst/>
+        </dgm:layoutNode>
+        <dgm:layoutNode name="parTx" styleLbl="revTx">
+          <dgm:varLst>
+            <dgm:chMax val="0"/>
+            <dgm:chPref val="0"/>
+          </dgm:varLst>
+          <dgm:alg type="tx">
+            <dgm:param type="txAnchorVert" val="mid"/>
+            <dgm:param type="parTxLTRAlign" val="l"/>
+            <dgm:param type="shpTxLTRAlignCh" val="l"/>
+            <dgm:param type="parTxRTLAlign" val="r"/>
+            <dgm:param type="shpTxRTLAlignCh" val="r"/>
+          </dgm:alg>
+          <dgm:shape xmlns:r="http://schemas.openxmlformats.org/officeDocument/2006/relationships" type="rect" r:blip="">
+            <dgm:adjLst/>
+          </dgm:shape>
+          <dgm:presOf axis="self" ptType="node"/>
+          <dgm:constrLst>
+            <dgm:constr type="lMarg" refType="h" fact="0.3"/>
+            <dgm:constr type="rMarg" refType="h" fact="0.3"/>
+            <dgm:constr type="tMarg" refType="h" fact="0.3"/>
+            <dgm:constr type="bMarg" refType="h" fact="0.3"/>
+          </dgm:constrLst>
+          <dgm:ruleLst>
+            <dgm:rule type="primFontSz" val="14" fact="NaN" max="NaN"/>
+            <dgm:rule type="h" val="INF" fact="NaN" max="NaN"/>
+          </dgm:ruleLst>
+        </dgm:layoutNode>
+        <dgm:choose name="Name12">
+          <dgm:if name="Name13" axis="ch" ptType="node" func="cnt" op="gte" val="1">
+            <dgm:layoutNode name="desTx" styleLbl="revTx">
+              <dgm:varLst/>
+              <dgm:alg type="tx">
+                <dgm:param type="txAnchorVertCh" val="mid"/>
+                <dgm:param type="parTxLTRAlign" val="l"/>
+                <dgm:param type="shpTxLTRAlignCh" val="l"/>
+                <dgm:param type="parTxRTLAlign" val="r"/>
+                <dgm:param type="shpTxRTLAlignCh" val="r"/>
+                <dgm:param type="stBulletLvl" val="0"/>
+              </dgm:alg>
+              <dgm:shape xmlns:r="http://schemas.openxmlformats.org/officeDocument/2006/relationships" type="rect" r:blip="">
+                <dgm:adjLst/>
+              </dgm:shape>
+              <dgm:presOf axis="des" ptType="node"/>
+              <dgm:constrLst>
+                <dgm:constr type="primFontSz" val="18"/>
+                <dgm:constr type="secFontSz" refType="primFontSz"/>
+                <dgm:constr type="lMarg" refType="h" fact="0.3"/>
+                <dgm:constr type="rMarg" refType="h" fact="0.3"/>
+                <dgm:constr type="tMarg" refType="h" fact="0.3"/>
+                <dgm:constr type="bMarg" refType="h" fact="0.3"/>
+              </dgm:constrLst>
+              <dgm:ruleLst>
+                <dgm:rule type="primFontSz" val="11" fact="NaN" max="NaN"/>
+              </dgm:ruleLst>
+            </dgm:layoutNode>
+          </dgm:if>
+          <dgm:else name="Name14"/>
+        </dgm:choose>
+      </dgm:layoutNode>
+      <dgm:forEach name="Name15" axis="followSib" ptType="sibTrans" cnt="1">
+        <dgm:layoutNode name="sibTrans">
+          <dgm:alg type="sp"/>
+          <dgm:shape xmlns:r="http://schemas.openxmlformats.org/officeDocument/2006/relationships" r:blip="">
+            <dgm:adjLst/>
+          </dgm:shape>
+          <dgm:presOf axis="self"/>
+          <dgm:constrLst/>
+          <dgm:ruleLst/>
+        </dgm:layoutNode>
+      </dgm:forEach>
+    </dgm:forEach>
+  </dgm:layoutNode>
+  <dgm:extLst>
+    <a:ext uri="{68A01E43-0DF5-4B5B-8FA6-DAF915123BFB}">
+      <dgm1612:lstStyle xmlns:dgm1612="http://schemas.microsoft.com/office/drawing/2016/12/diagram">
+        <a:lvl1pPr>
+          <a:lnSpc>
+            <a:spcPct val="100000"/>
+          </a:lnSpc>
+        </a:lvl1pPr>
+        <a:lvl2pPr>
+          <a:lnSpc>
+            <a:spcPct val="100000"/>
+          </a:lnSpc>
+        </a:lvl2pPr>
+      </dgm1612:lstStyle>
+    </a:ext>
+  </dgm:extLst>
+</dgm:layoutDef>
+</file>
+
+<file path=ppt/diagrams/quickStyle1.xml><?xml version="1.0" encoding="utf-8"?>
+<dgm:styleDef xmlns:dgm="http://schemas.openxmlformats.org/drawingml/2006/diagram" xmlns:a="http://schemas.openxmlformats.org/drawingml/2006/main" uniqueId="urn:microsoft.com/office/officeart/2005/8/quickstyle/simple1">
+  <dgm:title val=""/>
+  <dgm:desc val=""/>
+  <dgm:catLst>
+    <dgm:cat type="simple" pri="10100"/>
+  </dgm:catLst>
+  <dgm:scene3d>
+    <a:camera prst="orthographicFront"/>
+    <a:lightRig rig="threePt" dir="t"/>
+  </dgm:scene3d>
+  <dgm:styleLbl name="node0">
+    <dgm:scene3d>
+      <a:camera prst="orthographicFront"/>
+      <a:lightRig rig="threePt" dir="t"/>
+    </dgm:scene3d>
+    <dgm:sp3d/>
+    <dgm:txPr/>
+    <dgm:style>
+      <a:lnRef idx="2">
+        <a:scrgbClr r="0" g="0" b="0"/>
+      </a:lnRef>
+      <a:fillRef idx="1">
+        <a:scrgbClr r="0" g="0" b="0"/>
+      </a:fillRef>
+      <a:effectRef idx="0">
+        <a:scrgbClr r="0" g="0" b="0"/>
+      </a:effectRef>
+      <a:fontRef idx="minor">
+        <a:schemeClr val="lt1"/>
+      </a:fontRef>
+    </dgm:style>
+  </dgm:styleLbl>
+  <dgm:styleLbl name="lnNode1">
+    <dgm:scene3d>
+      <a:camera prst="orthographicFront"/>
+      <a:lightRig rig="threePt" dir="t"/>
+    </dgm:scene3d>
+    <dgm:sp3d/>
+    <dgm:txPr/>
+    <dgm:style>
+      <a:lnRef idx="2">
+        <a:scrgbClr r="0" g="0" b="0"/>
+      </a:lnRef>
+      <a:fillRef idx="1">
+        <a:scrgbClr r="0" g="0" b="0"/>
+      </a:fillRef>
+      <a:effectRef idx="0">
+        <a:scrgbClr r="0" g="0" b="0"/>
+      </a:effectRef>
+      <a:fontRef idx="minor">
+        <a:schemeClr val="lt1"/>
+      </a:fontRef>
+    </dgm:style>
+  </dgm:styleLbl>
+  <dgm:styleLbl name="vennNode1">
+    <dgm:scene3d>
+      <a:camera prst="orthographicFront"/>
+      <a:lightRig rig="threePt" dir="t"/>
+    </dgm:scene3d>
+    <dgm:sp3d/>
+    <dgm:txPr/>
+    <dgm:style>
+      <a:lnRef idx="2">
+        <a:scrgbClr r="0" g="0" b="0"/>
+      </a:lnRef>
+      <a:fillRef idx="1">
+        <a:scrgbClr r="0" g="0" b="0"/>
+      </a:fillRef>
+      <a:effectRef idx="0">
+        <a:scrgbClr r="0" g="0" b="0"/>
+      </a:effectRef>
+      <a:fontRef idx="minor">
+        <a:schemeClr val="tx1"/>
+      </a:fontRef>
+    </dgm:style>
+  </dgm:styleLbl>
+  <dgm:styleLbl name="alignNode1">
+    <dgm:scene3d>
+      <a:camera prst="orthographicFront"/>
+      <a:lightRig rig="threePt" dir="t"/>
+    </dgm:scene3d>
+    <dgm:sp3d/>
+    <dgm:txPr/>
+    <dgm:style>
+      <a:lnRef idx="2">
+        <a:scrgbClr r="0" g="0" b="0"/>
+      </a:lnRef>
+      <a:fillRef idx="1">
+        <a:scrgbClr r="0" g="0" b="0"/>
+      </a:fillRef>
+      <a:effectRef idx="0">
+        <a:scrgbClr r="0" g="0" b="0"/>
+      </a:effectRef>
+      <a:fontRef idx="minor">
+        <a:schemeClr val="lt1"/>
+      </a:fontRef>
+    </dgm:style>
+  </dgm:styleLbl>
+  <dgm:styleLbl name="node1">
+    <dgm:scene3d>
+      <a:camera prst="orthographicFront"/>
+      <a:lightRig rig="threePt" dir="t"/>
+    </dgm:scene3d>
+    <dgm:sp3d/>
+    <dgm:txPr/>
+    <dgm:style>
+      <a:lnRef idx="2">
+        <a:scrgbClr r="0" g="0" b="0"/>
+      </a:lnRef>
+      <a:fillRef idx="1">
+        <a:scrgbClr r="0" g="0" b="0"/>
+      </a:fillRef>
+      <a:effectRef idx="0">
+        <a:scrgbClr r="0" g="0" b="0"/>
+      </a:effectRef>
+      <a:fontRef idx="minor">
+        <a:schemeClr val="lt1"/>
+      </a:fontRef>
+    </dgm:style>
+  </dgm:styleLbl>
+  <dgm:styleLbl name="node2">
+    <dgm:scene3d>
+      <a:camera prst="orthographicFront"/>
+      <a:lightRig rig="threePt" dir="t"/>
+    </dgm:scene3d>
+    <dgm:sp3d/>
+    <dgm:txPr/>
+    <dgm:style>
+      <a:lnRef idx="2">
+        <a:scrgbClr r="0" g="0" b="0"/>
+      </a:lnRef>
+      <a:fillRef idx="1">
+        <a:scrgbClr r="0" g="0" b="0"/>
+      </a:fillRef>
+      <a:effectRef idx="0">
+        <a:scrgbClr r="0" g="0" b="0"/>
+      </a:effectRef>
+      <a:fontRef idx="minor">
+        <a:schemeClr val="lt1"/>
+      </a:fontRef>
+    </dgm:style>
+  </dgm:styleLbl>
+  <dgm:styleLbl name="node3">
+    <dgm:scene3d>
+      <a:camera prst="orthographicFront"/>
+      <a:lightRig rig="threePt" dir="t"/>
+    </dgm:scene3d>
+    <dgm:sp3d/>
+    <dgm:txPr/>
+    <dgm:style>
+      <a:lnRef idx="2">
+        <a:scrgbClr r="0" g="0" b="0"/>
+      </a:lnRef>
+      <a:fillRef idx="1">
+        <a:scrgbClr r="0" g="0" b="0"/>
+      </a:fillRef>
+      <a:effectRef idx="0">
+        <a:scrgbClr r="0" g="0" b="0"/>
+      </a:effectRef>
+      <a:fontRef idx="minor">
+        <a:schemeClr val="lt1"/>
+      </a:fontRef>
+    </dgm:style>
+  </dgm:styleLbl>
+  <dgm:styleLbl name="node4">
+    <dgm:scene3d>
+      <a:camera prst="orthographicFront"/>
+      <a:lightRig rig="threePt" dir="t"/>
+    </dgm:scene3d>
+    <dgm:sp3d/>
+    <dgm:txPr/>
+    <dgm:style>
+      <a:lnRef idx="2">
+        <a:scrgbClr r="0" g="0" b="0"/>
+      </a:lnRef>
+      <a:fillRef idx="1">
+        <a:scrgbClr r="0" g="0" b="0"/>
+      </a:fillRef>
+      <a:effectRef idx="0">
+        <a:scrgbClr r="0" g="0" b="0"/>
+      </a:effectRef>
+      <a:fontRef idx="minor">
+        <a:schemeClr val="lt1"/>
+      </a:fontRef>
+    </dgm:style>
+  </dgm:styleLbl>
+  <dgm:styleLbl name="fgImgPlace1">
+    <dgm:scene3d>
+      <a:camera prst="orthographicFront"/>
+      <a:lightRig rig="threePt" dir="t"/>
+    </dgm:scene3d>
+    <dgm:sp3d/>
+    <dgm:txPr/>
+    <dgm:style>
+      <a:lnRef idx="2">
+        <a:scrgbClr r="0" g="0" b="0"/>
+      </a:lnRef>
+      <a:fillRef idx="1">
+        <a:scrgbClr r="0" g="0" b="0"/>
+      </a:fillRef>
+      <a:effectRef idx="0">
+        <a:scrgbClr r="0" g="0" b="0"/>
+      </a:effectRef>
+      <a:fontRef idx="minor"/>
+    </dgm:style>
+  </dgm:styleLbl>
+  <dgm:styleLbl name="alignImgPlace1">
+    <dgm:scene3d>
+      <a:camera prst="orthographicFront"/>
+      <a:lightRig rig="threePt" dir="t"/>
+    </dgm:scene3d>
+    <dgm:sp3d/>
+    <dgm:txPr/>
+    <dgm:style>
+      <a:lnRef idx="2">
+        <a:scrgbClr r="0" g="0" b="0"/>
+      </a:lnRef>
+      <a:fillRef idx="1">
+        <a:scrgbClr r="0" g="0" b="0"/>
+      </a:fillRef>
+      <a:effectRef idx="0">
+        <a:scrgbClr r="0" g="0" b="0"/>
+      </a:effectRef>
+      <a:fontRef idx="minor"/>
+    </dgm:style>
+  </dgm:styleLbl>
+  <dgm:styleLbl name="bgImgPlace1">
+    <dgm:scene3d>
+      <a:camera prst="orthographicFront"/>
+      <a:lightRig rig="threePt" dir="t"/>
+    </dgm:scene3d>
+    <dgm:sp3d/>
+    <dgm:txPr/>
+    <dgm:style>
+      <a:lnRef idx="2">
+        <a:scrgbClr r="0" g="0" b="0"/>
+      </a:lnRef>
+      <a:fillRef idx="1">
+        <a:scrgbClr r="0" g="0" b="0"/>
+      </a:fillRef>
+      <a:effectRef idx="0">
+        <a:scrgbClr r="0" g="0" b="0"/>
+      </a:effectRef>
+      <a:fontRef idx="minor"/>
+    </dgm:style>
+  </dgm:styleLbl>
+  <dgm:styleLbl name="sibTrans2D1">
+    <dgm:scene3d>
+      <a:camera prst="orthographicFront"/>
+      <a:lightRig rig="threePt" dir="t"/>
+    </dgm:scene3d>
+    <dgm:sp3d/>
+    <dgm:txPr/>
+    <dgm:style>
+      <a:lnRef idx="0">
+        <a:scrgbClr r="0" g="0" b="0"/>
+      </a:lnRef>
+      <a:fillRef idx="1">
+        <a:scrgbClr r="0" g="0" b="0"/>
+      </a:fillRef>
+      <a:effectRef idx="0">
+        <a:scrgbClr r="0" g="0" b="0"/>
+      </a:effectRef>
+      <a:fontRef idx="minor">
+        <a:schemeClr val="lt1"/>
+      </a:fontRef>
+    </dgm:style>
+  </dgm:styleLbl>
+  <dgm:styleLbl name="fgSibTrans2D1">
+    <dgm:scene3d>
+      <a:camera prst="orthographicFront"/>
+      <a:lightRig rig="threePt" dir="t"/>
+    </dgm:scene3d>
+    <dgm:sp3d/>
+    <dgm:txPr/>
+    <dgm:style>
+      <a:lnRef idx="0">
+        <a:scrgbClr r="0" g="0" b="0"/>
+      </a:lnRef>
+      <a:fillRef idx="1">
+        <a:scrgbClr r="0" g="0" b="0"/>
+      </a:fillRef>
+      <a:effectRef idx="0">
+        <a:scrgbClr r="0" g="0" b="0"/>
+      </a:effectRef>
+      <a:fontRef idx="minor">
+        <a:schemeClr val="lt1"/>
+      </a:fontRef>
+    </dgm:style>
+  </dgm:styleLbl>
+  <dgm:styleLbl name="bgSibTrans2D1">
+    <dgm:scene3d>
+      <a:camera prst="orthographicFront"/>
+      <a:lightRig rig="threePt" dir="t"/>
+    </dgm:scene3d>
+    <dgm:sp3d/>
+    <dgm:txPr/>
+    <dgm:style>
+      <a:lnRef idx="0">
+        <a:scrgbClr r="0" g="0" b="0"/>
+      </a:lnRef>
+      <a:fillRef idx="1">
+        <a:scrgbClr r="0" g="0" b="0"/>
+      </a:fillRef>
+      <a:effectRef idx="0">
+        <a:scrgbClr r="0" g="0" b="0"/>
+      </a:effectRef>
+      <a:fontRef idx="minor">
+        <a:schemeClr val="lt1"/>
+      </a:fontRef>
+    </dgm:style>
+  </dgm:styleLbl>
+  <dgm:styleLbl name="sibTrans1D1">
+    <dgm:scene3d>
+      <a:camera prst="orthographicFront"/>
+      <a:lightRig rig="threePt" dir="t"/>
+    </dgm:scene3d>
+    <dgm:sp3d/>
+    <dgm:txPr/>
+    <dgm:style>
+      <a:lnRef idx="1">
+        <a:scrgbClr r="0" g="0" b="0"/>
+      </a:lnRef>
+      <a:fillRef idx="0">
+        <a:scrgbClr r="0" g="0" b="0"/>
+      </a:fillRef>
+      <a:effectRef idx="0">
+        <a:scrgbClr r="0" g="0" b="0"/>
+      </a:effectRef>
+      <a:fontRef idx="minor"/>
+    </dgm:style>
+  </dgm:styleLbl>
+  <dgm:styleLbl name="callout">
+    <dgm:scene3d>
+      <a:camera prst="orthographicFront"/>
+      <a:lightRig rig="threePt" dir="t"/>
+    </dgm:scene3d>
+    <dgm:sp3d/>
+    <dgm:txPr/>
+    <dgm:style>
+      <a:lnRef idx="2">
+        <a:scrgbClr r="0" g="0" b="0"/>
+      </a:lnRef>
+      <a:fillRef idx="1">
+        <a:scrgbClr r="0" g="0" b="0"/>
+      </a:fillRef>
+      <a:effectRef idx="0">
+        <a:scrgbClr r="0" g="0" b="0"/>
+      </a:effectRef>
+      <a:fontRef idx="minor"/>
+    </dgm:style>
+  </dgm:styleLbl>
+  <dgm:styleLbl name="asst0">
+    <dgm:scene3d>
+      <a:camera prst="orthographicFront"/>
+      <a:lightRig rig="threePt" dir="t"/>
+    </dgm:scene3d>
+    <dgm:sp3d/>
+    <dgm:txPr/>
+    <dgm:style>
+      <a:lnRef idx="2">
+        <a:scrgbClr r="0" g="0" b="0"/>
+      </a:lnRef>
+      <a:fillRef idx="1">
+        <a:scrgbClr r="0" g="0" b="0"/>
+      </a:fillRef>
+      <a:effectRef idx="0">
+        <a:scrgbClr r="0" g="0" b="0"/>
+      </a:effectRef>
+      <a:fontRef idx="minor">
+        <a:schemeClr val="lt1"/>
+      </a:fontRef>
+    </dgm:style>
+  </dgm:styleLbl>
+  <dgm:styleLbl name="asst1">
+    <dgm:scene3d>
+      <a:camera prst="orthographicFront"/>
+      <a:lightRig rig="threePt" dir="t"/>
+    </dgm:scene3d>
+    <dgm:sp3d/>
+    <dgm:txPr/>
+    <dgm:style>
+      <a:lnRef idx="2">
+        <a:scrgbClr r="0" g="0" b="0"/>
+      </a:lnRef>
+      <a:fillRef idx="1">
+        <a:scrgbClr r="0" g="0" b="0"/>
+      </a:fillRef>
+      <a:effectRef idx="0">
+        <a:scrgbClr r="0" g="0" b="0"/>
+      </a:effectRef>
+      <a:fontRef idx="minor">
+        <a:schemeClr val="lt1"/>
+      </a:fontRef>
+    </dgm:style>
+  </dgm:styleLbl>
+  <dgm:styleLbl name="asst2">
+    <dgm:scene3d>
+      <a:camera prst="orthographicFront"/>
+      <a:lightRig rig="threePt" dir="t"/>
+    </dgm:scene3d>
+    <dgm:sp3d/>
+    <dgm:txPr/>
+    <dgm:style>
+      <a:lnRef idx="2">
+        <a:scrgbClr r="0" g="0" b="0"/>
+      </a:lnRef>
+      <a:fillRef idx="1">
+        <a:scrgbClr r="0" g="0" b="0"/>
+      </a:fillRef>
+      <a:effectRef idx="0">
+        <a:scrgbClr r="0" g="0" b="0"/>
+      </a:effectRef>
+      <a:fontRef idx="minor">
+        <a:schemeClr val="lt1"/>
+      </a:fontRef>
+    </dgm:style>
+  </dgm:styleLbl>
+  <dgm:styleLbl name="asst3">
+    <dgm:scene3d>
+      <a:camera prst="orthographicFront"/>
+      <a:lightRig rig="threePt" dir="t"/>
+    </dgm:scene3d>
+    <dgm:sp3d/>
+    <dgm:txPr/>
+    <dgm:style>
+      <a:lnRef idx="2">
+        <a:scrgbClr r="0" g="0" b="0"/>
+      </a:lnRef>
+      <a:fillRef idx="1">
+        <a:scrgbClr r="0" g="0" b="0"/>
+      </a:fillRef>
+      <a:effectRef idx="0">
+        <a:scrgbClr r="0" g="0" b="0"/>
+      </a:effectRef>
+      <a:fontRef idx="minor">
+        <a:schemeClr val="lt1"/>
+      </a:fontRef>
+    </dgm:style>
+  </dgm:styleLbl>
+  <dgm:styleLbl name="asst4">
+    <dgm:scene3d>
+      <a:camera prst="orthographicFront"/>
+      <a:lightRig rig="threePt" dir="t"/>
+    </dgm:scene3d>
+    <dgm:sp3d/>
+    <dgm:txPr/>
+    <dgm:style>
+      <a:lnRef idx="2">
+        <a:scrgbClr r="0" g="0" b="0"/>
+      </a:lnRef>
+      <a:fillRef idx="1">
+        <a:scrgbClr r="0" g="0" b="0"/>
+      </a:fillRef>
+      <a:effectRef idx="0">
+        <a:scrgbClr r="0" g="0" b="0"/>
+      </a:effectRef>
+      <a:fontRef idx="minor">
+        <a:schemeClr val="lt1"/>
+      </a:fontRef>
+    </dgm:style>
+  </dgm:styleLbl>
+  <dgm:styleLbl name="parChTrans2D1">
+    <dgm:scene3d>
+      <a:camera prst="orthographicFront"/>
+      <a:lightRig rig="threePt" dir="t"/>
+    </dgm:scene3d>
+    <dgm:sp3d/>
+    <dgm:txPr/>
+    <dgm:style>
+      <a:lnRef idx="2">
+        <a:scrgbClr r="0" g="0" b="0"/>
+      </a:lnRef>
+      <a:fillRef idx="1">
+        <a:scrgbClr r="0" g="0" b="0"/>
+      </a:fillRef>
+      <a:effectRef idx="0">
+        <a:scrgbClr r="0" g="0" b="0"/>
+      </a:effectRef>
+      <a:fontRef idx="minor">
+        <a:schemeClr val="lt1"/>
+      </a:fontRef>
+    </dgm:style>
+  </dgm:styleLbl>
+  <dgm:styleLbl name="parChTrans2D2">
+    <dgm:scene3d>
+      <a:camera prst="orthographicFront"/>
+      <a:lightRig rig="threePt" dir="t"/>
+    </dgm:scene3d>
+    <dgm:sp3d/>
+    <dgm:txPr/>
+    <dgm:style>
+      <a:lnRef idx="2">
+        <a:scrgbClr r="0" g="0" b="0"/>
+      </a:lnRef>
+      <a:fillRef idx="1">
+        <a:scrgbClr r="0" g="0" b="0"/>
+      </a:fillRef>
+      <a:effectRef idx="0">
+        <a:scrgbClr r="0" g="0" b="0"/>
+      </a:effectRef>
+      <a:fontRef idx="minor">
+        <a:schemeClr val="lt1"/>
+      </a:fontRef>
+    </dgm:style>
+  </dgm:styleLbl>
+  <dgm:styleLbl name="parChTrans2D3">
+    <dgm:scene3d>
+      <a:camera prst="orthographicFront"/>
+      <a:lightRig rig="threePt" dir="t"/>
+    </dgm:scene3d>
+    <dgm:sp3d/>
+    <dgm:txPr/>
+    <dgm:style>
+      <a:lnRef idx="2">
+        <a:scrgbClr r="0" g="0" b="0"/>
+      </a:lnRef>
+      <a:fillRef idx="1">
+        <a:scrgbClr r="0" g="0" b="0"/>
+      </a:fillRef>
+      <a:effectRef idx="0">
+        <a:scrgbClr r="0" g="0" b="0"/>
+      </a:effectRef>
+      <a:fontRef idx="minor">
+        <a:schemeClr val="lt1"/>
+      </a:fontRef>
+    </dgm:style>
+  </dgm:styleLbl>
+  <dgm:styleLbl name="parChTrans2D4">
+    <dgm:scene3d>
+      <a:camera prst="orthographicFront"/>
+      <a:lightRig rig="threePt" dir="t"/>
+    </dgm:scene3d>
+    <dgm:sp3d/>
+    <dgm:txPr/>
+    <dgm:style>
+      <a:lnRef idx="2">
+        <a:scrgbClr r="0" g="0" b="0"/>
+      </a:lnRef>
+      <a:fillRef idx="1">
+        <a:scrgbClr r="0" g="0" b="0"/>
+      </a:fillRef>
+      <a:effectRef idx="0">
+        <a:scrgbClr r="0" g="0" b="0"/>
+      </a:effectRef>
+      <a:fontRef idx="minor">
+        <a:schemeClr val="lt1"/>
+      </a:fontRef>
+    </dgm:style>
+  </dgm:styleLbl>
+  <dgm:styleLbl name="parChTrans1D1">
+    <dgm:scene3d>
+      <a:camera prst="orthographicFront"/>
+      <a:lightRig rig="threePt" dir="t"/>
+    </dgm:scene3d>
+    <dgm:sp3d/>
+    <dgm:txPr/>
+    <dgm:style>
+      <a:lnRef idx="2">
+        <a:scrgbClr r="0" g="0" b="0"/>
+      </a:lnRef>
+      <a:fillRef idx="0">
+        <a:scrgbClr r="0" g="0" b="0"/>
+      </a:fillRef>
+      <a:effectRef idx="0">
+        <a:scrgbClr r="0" g="0" b="0"/>
+      </a:effectRef>
+      <a:fontRef idx="minor"/>
+    </dgm:style>
+  </dgm:styleLbl>
+  <dgm:styleLbl name="parChTrans1D2">
+    <dgm:scene3d>
+      <a:camera prst="orthographicFront"/>
+      <a:lightRig rig="threePt" dir="t"/>
+    </dgm:scene3d>
+    <dgm:sp3d/>
+    <dgm:txPr/>
+    <dgm:style>
+      <a:lnRef idx="2">
+        <a:scrgbClr r="0" g="0" b="0"/>
+      </a:lnRef>
+      <a:fillRef idx="0">
+        <a:scrgbClr r="0" g="0" b="0"/>
+      </a:fillRef>
+      <a:effectRef idx="0">
+        <a:scrgbClr r="0" g="0" b="0"/>
+      </a:effectRef>
+      <a:fontRef idx="minor"/>
+    </dgm:style>
+  </dgm:styleLbl>
+  <dgm:styleLbl name="parChTrans1D3">
+    <dgm:scene3d>
+      <a:camera prst="orthographicFront"/>
+      <a:lightRig rig="threePt" dir="t"/>
+    </dgm:scene3d>
+    <dgm:sp3d/>
+    <dgm:txPr/>
+    <dgm:style>
+      <a:lnRef idx="2">
+        <a:scrgbClr r="0" g="0" b="0"/>
+      </a:lnRef>
+      <a:fillRef idx="0">
+        <a:scrgbClr r="0" g="0" b="0"/>
+      </a:fillRef>
+      <a:effectRef idx="0">
+        <a:scrgbClr r="0" g="0" b="0"/>
+      </a:effectRef>
+      <a:fontRef idx="minor"/>
+    </dgm:style>
+  </dgm:styleLbl>
+  <dgm:styleLbl name="parChTrans1D4">
+    <dgm:scene3d>
+      <a:camera prst="orthographicFront"/>
+      <a:lightRig rig="threePt" dir="t"/>
+    </dgm:scene3d>
+    <dgm:sp3d/>
+    <dgm:txPr/>
+    <dgm:style>
+      <a:lnRef idx="2">
+        <a:scrgbClr r="0" g="0" b="0"/>
+      </a:lnRef>
+      <a:fillRef idx="0">
+        <a:scrgbClr r="0" g="0" b="0"/>
+      </a:fillRef>
+      <a:effectRef idx="0">
+        <a:scrgbClr r="0" g="0" b="0"/>
+      </a:effectRef>
+      <a:fontRef idx="minor"/>
+    </dgm:style>
+  </dgm:styleLbl>
+  <dgm:styleLbl name="fgAcc1">
+    <dgm:scene3d>
+      <a:camera prst="orthographicFront"/>
+      <a:lightRig rig="threePt" dir="t"/>
+    </dgm:scene3d>
+    <dgm:sp3d/>
+    <dgm:txPr/>
+    <dgm:style>
+      <a:lnRef idx="2">
+        <a:scrgbClr r="0" g="0" b="0"/>
+      </a:lnRef>
+      <a:fillRef idx="1">
+        <a:scrgbClr r="0" g="0" b="0"/>
+      </a:fillRef>
+      <a:effectRef idx="0">
+        <a:scrgbClr r="0" g="0" b="0"/>
+      </a:effectRef>
+      <a:fontRef idx="minor"/>
+    </dgm:style>
+  </dgm:styleLbl>
+  <dgm:styleLbl name="conFgAcc1">
+    <dgm:scene3d>
+      <a:camera prst="orthographicFront"/>
+      <a:lightRig rig="threePt" dir="t"/>
+    </dgm:scene3d>
+    <dgm:sp3d/>
+    <dgm:txPr/>
+    <dgm:style>
+      <a:lnRef idx="2">
+        <a:scrgbClr r="0" g="0" b="0"/>
+      </a:lnRef>
+      <a:fillRef idx="1">
+        <a:scrgbClr r="0" g="0" b="0"/>
+      </a:fillRef>
+      <a:effectRef idx="0">
+        <a:scrgbClr r="0" g="0" b="0"/>
+      </a:effectRef>
+      <a:fontRef idx="minor"/>
+    </dgm:style>
+  </dgm:styleLbl>
+  <dgm:styleLbl name="alignAcc1">
+    <dgm:scene3d>
+      <a:camera prst="orthographicFront"/>
+      <a:lightRig rig="threePt" dir="t"/>
+    </dgm:scene3d>
+    <dgm:sp3d/>
+    <dgm:txPr/>
+    <dgm:style>
+      <a:lnRef idx="2">
+        <a:scrgbClr r="0" g="0" b="0"/>
+      </a:lnRef>
+      <a:fillRef idx="1">
+        <a:scrgbClr r="0" g="0" b="0"/>
+      </a:fillRef>
+      <a:effectRef idx="0">
+        <a:scrgbClr r="0" g="0" b="0"/>
+      </a:effectRef>
+      <a:fontRef idx="minor"/>
+    </dgm:style>
+  </dgm:styleLbl>
+  <dgm:styleLbl name="trAlignAcc1">
+    <dgm:scene3d>
+      <a:camera prst="orthographicFront"/>
+      <a:lightRig rig="threePt" dir="t"/>
+    </dgm:scene3d>
+    <dgm:sp3d/>
+    <dgm:txPr/>
+    <dgm:style>
+      <a:lnRef idx="1">
+        <a:scrgbClr r="0" g="0" b="0"/>
+      </a:lnRef>
+      <a:fillRef idx="1">
+        <a:scrgbClr r="0" g="0" b="0"/>
+      </a:fillRef>
+      <a:effectRef idx="0">
+        <a:scrgbClr r="0" g="0" b="0"/>
+      </a:effectRef>
+      <a:fontRef idx="minor"/>
+    </dgm:style>
+  </dgm:styleLbl>
+  <dgm:styleLbl name="bgAcc1">
+    <dgm:scene3d>
+      <a:camera prst="orthographicFront"/>
+      <a:lightRig rig="threePt" dir="t"/>
+    </dgm:scene3d>
+    <dgm:sp3d/>
+    <dgm:txPr/>
+    <dgm:style>
+      <a:lnRef idx="2">
+        <a:scrgbClr r="0" g="0" b="0"/>
+      </a:lnRef>
+      <a:fillRef idx="1">
+        <a:scrgbClr r="0" g="0" b="0"/>
+      </a:fillRef>
+      <a:effectRef idx="0">
+        <a:scrgbClr r="0" g="0" b="0"/>
+      </a:effectRef>
+      <a:fontRef idx="minor"/>
+    </dgm:style>
+  </dgm:styleLbl>
+  <dgm:styleLbl name="solidFgAcc1">
+    <dgm:scene3d>
+      <a:camera prst="orthographicFront"/>
+      <a:lightRig rig="threePt" dir="t"/>
+    </dgm:scene3d>
+    <dgm:sp3d/>
+    <dgm:txPr/>
+    <dgm:style>
+      <a:lnRef idx="2">
+        <a:scrgbClr r="0" g="0" b="0"/>
+      </a:lnRef>
+      <a:fillRef idx="1">
+        <a:scrgbClr r="0" g="0" b="0"/>
+      </a:fillRef>
+      <a:effectRef idx="0">
+        <a:scrgbClr r="0" g="0" b="0"/>
+      </a:effectRef>
+      <a:fontRef idx="minor"/>
+    </dgm:style>
+  </dgm:styleLbl>
+  <dgm:styleLbl name="solidAlignAcc1">
+    <dgm:scene3d>
+      <a:camera prst="orthographicFront"/>
+      <a:lightRig rig="threePt" dir="t"/>
+    </dgm:scene3d>
+    <dgm:sp3d/>
+    <dgm:txPr/>
+    <dgm:style>
+      <a:lnRef idx="2">
+        <a:scrgbClr r="0" g="0" b="0"/>
+      </a:lnRef>
+      <a:fillRef idx="1">
+        <a:scrgbClr r="0" g="0" b="0"/>
+      </a:fillRef>
+      <a:effectRef idx="0">
+        <a:scrgbClr r="0" g="0" b="0"/>
+      </a:effectRef>
+      <a:fontRef idx="minor"/>
+    </dgm:style>
+  </dgm:styleLbl>
+  <dgm:styleLbl name="solidBgAcc1">
+    <dgm:scene3d>
+      <a:camera prst="orthographicFront"/>
+      <a:lightRig rig="threePt" dir="t"/>
+    </dgm:scene3d>
+    <dgm:sp3d/>
+    <dgm:txPr/>
+    <dgm:style>
+      <a:lnRef idx="2">
+        <a:scrgbClr r="0" g="0" b="0"/>
+      </a:lnRef>
+      <a:fillRef idx="1">
+        <a:scrgbClr r="0" g="0" b="0"/>
+      </a:fillRef>
+      <a:effectRef idx="0">
+        <a:scrgbClr r="0" g="0" b="0"/>
+      </a:effectRef>
+      <a:fontRef idx="minor"/>
+    </dgm:style>
+  </dgm:styleLbl>
+  <dgm:styleLbl name="fgAccFollowNode1">
+    <dgm:scene3d>
+      <a:camera prst="orthographicFront"/>
+      <a:lightRig rig="threePt" dir="t"/>
+    </dgm:scene3d>
+    <dgm:sp3d/>
+    <dgm:txPr/>
+    <dgm:style>
+      <a:lnRef idx="2">
+        <a:scrgbClr r="0" g="0" b="0"/>
+      </a:lnRef>
+      <a:fillRef idx="1">
+        <a:scrgbClr r="0" g="0" b="0"/>
+      </a:fillRef>
+      <a:effectRef idx="0">
+        <a:scrgbClr r="0" g="0" b="0"/>
+      </a:effectRef>
+      <a:fontRef idx="minor"/>
+    </dgm:style>
+  </dgm:styleLbl>
+  <dgm:styleLbl name="alignAccFollowNode1">
+    <dgm:scene3d>
+      <a:camera prst="orthographicFront"/>
+      <a:lightRig rig="threePt" dir="t"/>
+    </dgm:scene3d>
+    <dgm:sp3d/>
+    <dgm:txPr/>
+    <dgm:style>
+      <a:lnRef idx="2">
+        <a:scrgbClr r="0" g="0" b="0"/>
+      </a:lnRef>
+      <a:fillRef idx="1">
+        <a:scrgbClr r="0" g="0" b="0"/>
+      </a:fillRef>
+      <a:effectRef idx="0">
+        <a:scrgbClr r="0" g="0" b="0"/>
+      </a:effectRef>
+      <a:fontRef idx="minor"/>
+    </dgm:style>
+  </dgm:styleLbl>
+  <dgm:styleLbl name="bgAccFollowNode1">
+    <dgm:scene3d>
+      <a:camera prst="orthographicFront"/>
+      <a:lightRig rig="threePt" dir="t"/>
+    </dgm:scene3d>
+    <dgm:sp3d/>
+    <dgm:txPr/>
+    <dgm:style>
+      <a:lnRef idx="2">
+        <a:scrgbClr r="0" g="0" b="0"/>
+      </a:lnRef>
+      <a:fillRef idx="1">
+        <a:scrgbClr r="0" g="0" b="0"/>
+      </a:fillRef>
+      <a:effectRef idx="0">
+        <a:scrgbClr r="0" g="0" b="0"/>
+      </a:effectRef>
+      <a:fontRef idx="minor"/>
+    </dgm:style>
+  </dgm:styleLbl>
+  <dgm:styleLbl name="fgAcc0">
+    <dgm:scene3d>
+      <a:camera prst="orthographicFront"/>
+      <a:lightRig rig="threePt" dir="t"/>
+    </dgm:scene3d>
+    <dgm:sp3d/>
+    <dgm:txPr/>
+    <dgm:style>
+      <a:lnRef idx="2">
+        <a:scrgbClr r="0" g="0" b="0"/>
+      </a:lnRef>
+      <a:fillRef idx="1">
+        <a:scrgbClr r="0" g="0" b="0"/>
+      </a:fillRef>
+      <a:effectRef idx="0">
+        <a:scrgbClr r="0" g="0" b="0"/>
+      </a:effectRef>
+      <a:fontRef idx="minor"/>
+    </dgm:style>
+  </dgm:styleLbl>
+  <dgm:styleLbl name="fgAcc2">
+    <dgm:scene3d>
+      <a:camera prst="orthographicFront"/>
+      <a:lightRig rig="threePt" dir="t"/>
+    </dgm:scene3d>
+    <dgm:sp3d/>
+    <dgm:txPr/>
+    <dgm:style>
+      <a:lnRef idx="2">
+        <a:scrgbClr r="0" g="0" b="0"/>
+      </a:lnRef>
+      <a:fillRef idx="1">
+        <a:scrgbClr r="0" g="0" b="0"/>
+      </a:fillRef>
+      <a:effectRef idx="0">
+        <a:scrgbClr r="0" g="0" b="0"/>
+      </a:effectRef>
+      <a:fontRef idx="minor"/>
+    </dgm:style>
+  </dgm:styleLbl>
+  <dgm:styleLbl name="fgAcc3">
+    <dgm:scene3d>
+      <a:camera prst="orthographicFront"/>
+      <a:lightRig rig="threePt" dir="t"/>
+    </dgm:scene3d>
+    <dgm:sp3d/>
+    <dgm:txPr/>
+    <dgm:style>
+      <a:lnRef idx="2">
+        <a:scrgbClr r="0" g="0" b="0"/>
+      </a:lnRef>
+      <a:fillRef idx="1">
+        <a:scrgbClr r="0" g="0" b="0"/>
+      </a:fillRef>
+      <a:effectRef idx="0">
+        <a:scrgbClr r="0" g="0" b="0"/>
+      </a:effectRef>
+      <a:fontRef idx="minor"/>
+    </dgm:style>
+  </dgm:styleLbl>
+  <dgm:styleLbl name="fgAcc4">
+    <dgm:scene3d>
+      <a:camera prst="orthographicFront"/>
+      <a:lightRig rig="threePt" dir="t"/>
+    </dgm:scene3d>
+    <dgm:sp3d/>
+    <dgm:txPr/>
+    <dgm:style>
+      <a:lnRef idx="2">
+        <a:scrgbClr r="0" g="0" b="0"/>
+      </a:lnRef>
+      <a:fillRef idx="1">
+        <a:scrgbClr r="0" g="0" b="0"/>
+      </a:fillRef>
+      <a:effectRef idx="0">
+        <a:scrgbClr r="0" g="0" b="0"/>
+      </a:effectRef>
+      <a:fontRef idx="minor"/>
+    </dgm:style>
+  </dgm:styleLbl>
+  <dgm:styleLbl name="bgShp">
+    <dgm:scene3d>
+      <a:camera prst="orthographicFront"/>
+      <a:lightRig rig="threePt" dir="t"/>
+    </dgm:scene3d>
+    <dgm:sp3d/>
+    <dgm:txPr/>
+    <dgm:style>
+      <a:lnRef idx="0">
+        <a:scrgbClr r="0" g="0" b="0"/>
+      </a:lnRef>
+      <a:fillRef idx="1">
+        <a:scrgbClr r="0" g="0" b="0"/>
+      </a:fillRef>
+      <a:effectRef idx="0">
+        <a:scrgbClr r="0" g="0" b="0"/>
+      </a:effectRef>
+      <a:fontRef idx="minor"/>
+    </dgm:style>
+  </dgm:styleLbl>
+  <dgm:styleLbl name="dkBgShp">
+    <dgm:scene3d>
+      <a:camera prst="orthographicFront"/>
+      <a:lightRig rig="threePt" dir="t"/>
+    </dgm:scene3d>
+    <dgm:sp3d/>
+    <dgm:txPr/>
+    <dgm:style>
+      <a:lnRef idx="0">
+        <a:scrgbClr r="0" g="0" b="0"/>
+      </a:lnRef>
+      <a:fillRef idx="1">
+        <a:scrgbClr r="0" g="0" b="0"/>
+      </a:fillRef>
+      <a:effectRef idx="0">
+        <a:scrgbClr r="0" g="0" b="0"/>
+      </a:effectRef>
+      <a:fontRef idx="minor"/>
+    </dgm:style>
+  </dgm:styleLbl>
+  <dgm:styleLbl name="trBgShp">
+    <dgm:scene3d>
+      <a:camera prst="orthographicFront"/>
+      <a:lightRig rig="threePt" dir="t"/>
+    </dgm:scene3d>
+    <dgm:sp3d/>
+    <dgm:txPr/>
+    <dgm:style>
+      <a:lnRef idx="0">
+        <a:scrgbClr r="0" g="0" b="0"/>
+      </a:lnRef>
+      <a:fillRef idx="1">
+        <a:scrgbClr r="0" g="0" b="0"/>
+      </a:fillRef>
+      <a:effectRef idx="0">
+        <a:scrgbClr r="0" g="0" b="0"/>
+      </a:effectRef>
+      <a:fontRef idx="minor"/>
+    </dgm:style>
+  </dgm:styleLbl>
+  <dgm:styleLbl name="fgShp">
+    <dgm:scene3d>
+      <a:camera prst="orthographicFront"/>
+      <a:lightRig rig="threePt" dir="t"/>
+    </dgm:scene3d>
+    <dgm:sp3d/>
+    <dgm:txPr/>
+    <dgm:style>
+      <a:lnRef idx="2">
+        <a:scrgbClr r="0" g="0" b="0"/>
+      </a:lnRef>
+      <a:fillRef idx="1">
+        <a:scrgbClr r="0" g="0" b="0"/>
+      </a:fillRef>
+      <a:effectRef idx="0">
+        <a:scrgbClr r="0" g="0" b="0"/>
+      </a:effectRef>
+      <a:fontRef idx="minor"/>
+    </dgm:style>
+  </dgm:styleLbl>
+  <dgm:styleLbl name="revTx">
+    <dgm:scene3d>
+      <a:camera prst="orthographicFront"/>
+      <a:lightRig rig="threePt" dir="t"/>
+    </dgm:scene3d>
+    <dgm:sp3d/>
+    <dgm:txPr/>
+    <dgm:style>
+      <a:lnRef idx="0">
+        <a:scrgbClr r="0" g="0" b="0"/>
+      </a:lnRef>
+      <a:fillRef idx="0">
+        <a:scrgbClr r="0" g="0" b="0"/>
+      </a:fillRef>
+      <a:effectRef idx="0">
+        <a:scrgbClr r="0" g="0" b="0"/>
+      </a:effectRef>
+      <a:fontRef idx="minor"/>
+    </dgm:style>
+  </dgm:styleLbl>
+</dgm:styleDef>
 </file>
 
 <file path=ppt/slideLayouts/slideLayout1.xml><?xml version="1.0" encoding="utf-8"?>
@@ -8894,7 +11944,7 @@
         </p:blipFill>
         <p:spPr>
           <a:xfrm>
-            <a:off x="411519" y="1890944"/>
+            <a:off x="331620" y="1294573"/>
             <a:ext cx="11528759" cy="4268853"/>
           </a:xfrm>
           <a:prstGeom prst="rect">
@@ -8954,7 +12004,7 @@
         </p:blipFill>
         <p:spPr>
           <a:xfrm>
-            <a:off x="99134" y="1957568"/>
+            <a:off x="198268" y="1470689"/>
             <a:ext cx="11993732" cy="3916622"/>
           </a:xfrm>
           <a:prstGeom prst="rect">
@@ -9014,8 +12064,8 @@
         </p:blipFill>
         <p:spPr>
           <a:xfrm>
-            <a:off x="0" y="2548157"/>
-            <a:ext cx="12192000" cy="1921483"/>
+            <a:off x="209161" y="2212255"/>
+            <a:ext cx="11773678" cy="1921483"/>
           </a:xfrm>
           <a:prstGeom prst="rect">
             <a:avLst/>
@@ -10526,23 +13576,7 @@
                   <a:schemeClr val="tx1"/>
                 </a:solidFill>
               </a:rPr>
-              <a:t>Um relatório representa um incidente relatado por um funcionário sobre </a:t>
-            </a:r>
-            <a:r>
-              <a:rPr lang="pt-PT">
-                <a:solidFill>
-                  <a:schemeClr val="tx1"/>
-                </a:solidFill>
-              </a:rPr>
-              <a:t>um veículo e é </a:t>
-            </a:r>
-            <a:r>
-              <a:rPr lang="pt-PT" dirty="0">
-                <a:solidFill>
-                  <a:schemeClr val="tx1"/>
-                </a:solidFill>
-              </a:rPr>
-              <a:t>composto por uma data, um estado, descrição, ID e gravidade.</a:t>
+              <a:t>Um relatório representa um incidente relatado por um funcionário sobre um veículo e é composto por uma data, um estado, descrição, ID e gravidade.</a:t>
             </a:r>
             <a:endParaRPr lang="pt-PT" b="1" dirty="0">
               <a:solidFill>
@@ -10862,6 +13896,16 @@
           <a:prstGeom prst="rect">
             <a:avLst/>
           </a:prstGeom>
+          <a:ln>
+            <a:noFill/>
+          </a:ln>
+          <a:effectLst>
+            <a:outerShdw blurRad="292100" dist="139700" dir="2700000" algn="tl" rotWithShape="0">
+              <a:srgbClr val="333333">
+                <a:alpha val="65000"/>
+              </a:srgbClr>
+            </a:outerShdw>
+          </a:effectLst>
         </p:spPr>
       </p:pic>
       <p:sp>
@@ -10892,6 +13936,10 @@
           </a:bodyPr>
           <a:lstStyle/>
           <a:p>
+            <a:pPr marL="342900" indent="-342900">
+              <a:buFont typeface="Arial" panose="020B0604020202020204" pitchFamily="34" charset="0"/>
+              <a:buChar char="•"/>
+            </a:pPr>
             <a:r>
               <a:rPr lang="pt-PT" sz="2000" b="1" u="sng" dirty="0">
                 <a:effectLst>
@@ -10972,6 +14020,2831 @@
 </file>
 
 <file path=ppt/slides/slide26.xml><?xml version="1.0" encoding="utf-8"?>
+<p:sld xmlns:a="http://schemas.openxmlformats.org/drawingml/2006/main" xmlns:r="http://schemas.openxmlformats.org/officeDocument/2006/relationships" xmlns:p="http://schemas.openxmlformats.org/presentationml/2006/main">
+  <p:cSld>
+    <p:spTree>
+      <p:nvGrpSpPr>
+        <p:cNvPr id="1" name=""/>
+        <p:cNvGrpSpPr/>
+        <p:nvPr/>
+      </p:nvGrpSpPr>
+      <p:grpSpPr>
+        <a:xfrm>
+          <a:off x="0" y="0"/>
+          <a:ext cx="0" cy="0"/>
+          <a:chOff x="0" y="0"/>
+          <a:chExt cx="0" cy="0"/>
+        </a:xfrm>
+      </p:grpSpPr>
+      <p:sp>
+        <p:nvSpPr>
+          <p:cNvPr id="3" name="Marcador de Posição de Conteúdo 2">
+            <a:extLst>
+              <a:ext uri="{FF2B5EF4-FFF2-40B4-BE49-F238E27FC236}">
+                <a16:creationId xmlns:a16="http://schemas.microsoft.com/office/drawing/2014/main" id="{A8D9F90C-B715-C3B8-7785-E5CE4667443B}"/>
+              </a:ext>
+            </a:extLst>
+          </p:cNvPr>
+          <p:cNvSpPr>
+            <a:spLocks noGrp="1"/>
+          </p:cNvSpPr>
+          <p:nvPr>
+            <p:ph idx="1"/>
+          </p:nvPr>
+        </p:nvSpPr>
+        <p:spPr>
+          <a:xfrm>
+            <a:off x="1782146" y="877078"/>
+            <a:ext cx="7128589" cy="5379377"/>
+          </a:xfrm>
+        </p:spPr>
+        <p:txBody>
+          <a:bodyPr/>
+          <a:lstStyle/>
+          <a:p>
+            <a:pPr algn="just"/>
+            <a:r>
+              <a:rPr lang="pt-PT" sz="1800" b="1" u="sng" dirty="0">
+                <a:effectLst>
+                  <a:outerShdw blurRad="38100" dist="38100" dir="2700000" algn="tl">
+                    <a:srgbClr val="000000">
+                      <a:alpha val="43137"/>
+                    </a:srgbClr>
+                  </a:outerShdw>
+                </a:effectLst>
+              </a:rPr>
+              <a:t>Relacionamento Encomenda(1,n) – Cliente(1,1)</a:t>
+            </a:r>
+          </a:p>
+          <a:p>
+            <a:pPr marL="0" indent="0" algn="just">
+              <a:buNone/>
+            </a:pPr>
+            <a:r>
+              <a:rPr lang="pt-PT" u="sng" dirty="0">
+                <a:effectLst/>
+              </a:rPr>
+              <a:t>Relacionamento</a:t>
+            </a:r>
+            <a:r>
+              <a:rPr lang="pt-PT" dirty="0">
+                <a:effectLst/>
+              </a:rPr>
+              <a:t>: Cliente tem Encomenda</a:t>
+            </a:r>
+          </a:p>
+          <a:p>
+            <a:pPr marL="0" indent="0" algn="just">
+              <a:buNone/>
+            </a:pPr>
+            <a:r>
+              <a:rPr lang="pt-PT" u="sng" dirty="0">
+                <a:effectLst/>
+              </a:rPr>
+              <a:t>Descrição</a:t>
+            </a:r>
+            <a:r>
+              <a:rPr lang="pt-PT" dirty="0">
+                <a:effectLst/>
+              </a:rPr>
+              <a:t>: Uma encomenda está associada a um e só um cliente, um cliente pode ter uma ou mais encomendas.</a:t>
+            </a:r>
+          </a:p>
+          <a:p>
+            <a:pPr marL="0" indent="0" algn="just">
+              <a:buNone/>
+            </a:pPr>
+            <a:endParaRPr lang="pt-PT" u="sng" dirty="0"/>
+          </a:p>
+          <a:p>
+            <a:pPr marL="0" indent="0" algn="just">
+              <a:buNone/>
+            </a:pPr>
+            <a:endParaRPr lang="pt-PT" u="sng" dirty="0"/>
+          </a:p>
+          <a:p>
+            <a:pPr algn="just"/>
+            <a:r>
+              <a:rPr lang="pt-PT" sz="1800" b="1" u="sng" dirty="0">
+                <a:effectLst>
+                  <a:outerShdw blurRad="38100" dist="38100" dir="2700000" algn="tl">
+                    <a:srgbClr val="000000">
+                      <a:alpha val="43137"/>
+                    </a:srgbClr>
+                  </a:outerShdw>
+                </a:effectLst>
+              </a:rPr>
+              <a:t>Relacionamento Encomenda(1,n) – Item(1,n)</a:t>
+            </a:r>
+          </a:p>
+          <a:p>
+            <a:pPr marL="0" indent="0" algn="just">
+              <a:buNone/>
+            </a:pPr>
+            <a:r>
+              <a:rPr lang="pt-PT" u="sng" dirty="0">
+                <a:effectLst/>
+              </a:rPr>
+              <a:t>Relacionamento</a:t>
+            </a:r>
+            <a:r>
+              <a:rPr lang="pt-PT" dirty="0">
+                <a:effectLst/>
+              </a:rPr>
+              <a:t>: Cliente tem item</a:t>
+            </a:r>
+          </a:p>
+          <a:p>
+            <a:pPr marL="0" indent="0" algn="just">
+              <a:buNone/>
+            </a:pPr>
+            <a:r>
+              <a:rPr lang="pt-PT" u="sng" dirty="0">
+                <a:effectLst/>
+              </a:rPr>
+              <a:t>Descrição</a:t>
+            </a:r>
+            <a:r>
+              <a:rPr lang="pt-PT" dirty="0">
+                <a:effectLst/>
+              </a:rPr>
+              <a:t>: Uma encomenda tem um ou mais</a:t>
+            </a:r>
+          </a:p>
+          <a:p>
+            <a:pPr marL="0" indent="0" algn="just">
+              <a:buNone/>
+            </a:pPr>
+            <a:r>
+              <a:rPr lang="pt-PT" dirty="0"/>
+              <a:t>Itens, cada item pode estar em uma ou mais</a:t>
+            </a:r>
+          </a:p>
+          <a:p>
+            <a:pPr marL="0" indent="0" algn="just">
+              <a:buNone/>
+            </a:pPr>
+            <a:r>
+              <a:rPr lang="pt-PT" sz="1800" dirty="0"/>
+              <a:t>Encomendas.</a:t>
+            </a:r>
+          </a:p>
+          <a:p>
+            <a:pPr marL="0" indent="0" algn="just">
+              <a:buNone/>
+            </a:pPr>
+            <a:endParaRPr lang="pt-PT" u="sng" dirty="0"/>
+          </a:p>
+          <a:p>
+            <a:pPr marL="0" indent="0" algn="just">
+              <a:buNone/>
+            </a:pPr>
+            <a:endParaRPr lang="pt-PT" u="sng" dirty="0"/>
+          </a:p>
+          <a:p>
+            <a:pPr marL="0" indent="0" algn="just">
+              <a:buNone/>
+            </a:pPr>
+            <a:endParaRPr lang="pt-PT" u="sng" dirty="0">
+              <a:effectLst/>
+            </a:endParaRPr>
+          </a:p>
+          <a:p>
+            <a:pPr marL="0" indent="0" algn="just">
+              <a:buNone/>
+            </a:pPr>
+            <a:endParaRPr lang="pt-PT" u="sng" dirty="0"/>
+          </a:p>
+          <a:p>
+            <a:pPr marL="0" indent="0" algn="just">
+              <a:buNone/>
+            </a:pPr>
+            <a:endParaRPr lang="pt-PT" u="sng" dirty="0">
+              <a:effectLst/>
+            </a:endParaRPr>
+          </a:p>
+          <a:p>
+            <a:pPr algn="just"/>
+            <a:endParaRPr lang="pt-PT" sz="1800" b="1" u="sng" dirty="0">
+              <a:effectLst>
+                <a:outerShdw blurRad="38100" dist="38100" dir="2700000" algn="tl">
+                  <a:srgbClr val="000000">
+                    <a:alpha val="43137"/>
+                  </a:srgbClr>
+                </a:outerShdw>
+              </a:effectLst>
+            </a:endParaRPr>
+          </a:p>
+          <a:p>
+            <a:pPr algn="just"/>
+            <a:endParaRPr lang="pt-PT" dirty="0"/>
+          </a:p>
+        </p:txBody>
+      </p:sp>
+      <p:pic>
+        <p:nvPicPr>
+          <p:cNvPr id="5" name="Imagem 4">
+            <a:extLst>
+              <a:ext uri="{FF2B5EF4-FFF2-40B4-BE49-F238E27FC236}">
+                <a16:creationId xmlns:a16="http://schemas.microsoft.com/office/drawing/2014/main" id="{6E174925-04BA-3195-89DA-8D4DB2728A05}"/>
+              </a:ext>
+            </a:extLst>
+          </p:cNvPr>
+          <p:cNvPicPr>
+            <a:picLocks noChangeAspect="1"/>
+          </p:cNvPicPr>
+          <p:nvPr/>
+        </p:nvPicPr>
+        <p:blipFill>
+          <a:blip r:embed="rId2"/>
+          <a:stretch>
+            <a:fillRect/>
+          </a:stretch>
+        </p:blipFill>
+        <p:spPr>
+          <a:xfrm>
+            <a:off x="8780106" y="765110"/>
+            <a:ext cx="2694552" cy="2320545"/>
+          </a:xfrm>
+          <a:prstGeom prst="rect">
+            <a:avLst/>
+          </a:prstGeom>
+          <a:ln>
+            <a:noFill/>
+          </a:ln>
+          <a:effectLst>
+            <a:outerShdw blurRad="292100" dist="139700" dir="2700000" algn="tl" rotWithShape="0">
+              <a:srgbClr val="333333">
+                <a:alpha val="65000"/>
+              </a:srgbClr>
+            </a:outerShdw>
+          </a:effectLst>
+        </p:spPr>
+      </p:pic>
+      <p:pic>
+        <p:nvPicPr>
+          <p:cNvPr id="7" name="Imagem 6">
+            <a:extLst>
+              <a:ext uri="{FF2B5EF4-FFF2-40B4-BE49-F238E27FC236}">
+                <a16:creationId xmlns:a16="http://schemas.microsoft.com/office/drawing/2014/main" id="{65C8F795-5A9E-A127-86EB-197C5DE1F053}"/>
+              </a:ext>
+            </a:extLst>
+          </p:cNvPr>
+          <p:cNvPicPr>
+            <a:picLocks noChangeAspect="1"/>
+          </p:cNvPicPr>
+          <p:nvPr/>
+        </p:nvPicPr>
+        <p:blipFill>
+          <a:blip r:embed="rId3"/>
+          <a:stretch>
+            <a:fillRect/>
+          </a:stretch>
+        </p:blipFill>
+        <p:spPr>
+          <a:xfrm>
+            <a:off x="7292965" y="3637234"/>
+            <a:ext cx="4630517" cy="1165961"/>
+          </a:xfrm>
+          <a:prstGeom prst="rect">
+            <a:avLst/>
+          </a:prstGeom>
+          <a:ln>
+            <a:noFill/>
+          </a:ln>
+          <a:effectLst>
+            <a:outerShdw blurRad="292100" dist="139700" dir="2700000" algn="tl" rotWithShape="0">
+              <a:srgbClr val="333333">
+                <a:alpha val="65000"/>
+              </a:srgbClr>
+            </a:outerShdw>
+          </a:effectLst>
+        </p:spPr>
+      </p:pic>
+    </p:spTree>
+    <p:extLst>
+      <p:ext uri="{BB962C8B-B14F-4D97-AF65-F5344CB8AC3E}">
+        <p14:creationId xmlns:p14="http://schemas.microsoft.com/office/powerpoint/2010/main" val="2364804217"/>
+      </p:ext>
+    </p:extLst>
+  </p:cSld>
+  <p:clrMapOvr>
+    <a:masterClrMapping/>
+  </p:clrMapOvr>
+</p:sld>
+</file>
+
+<file path=ppt/slides/slide27.xml><?xml version="1.0" encoding="utf-8"?>
+<p:sld xmlns:a="http://schemas.openxmlformats.org/drawingml/2006/main" xmlns:r="http://schemas.openxmlformats.org/officeDocument/2006/relationships" xmlns:p="http://schemas.openxmlformats.org/presentationml/2006/main">
+  <p:cSld>
+    <p:spTree>
+      <p:nvGrpSpPr>
+        <p:cNvPr id="1" name=""/>
+        <p:cNvGrpSpPr/>
+        <p:nvPr/>
+      </p:nvGrpSpPr>
+      <p:grpSpPr>
+        <a:xfrm>
+          <a:off x="0" y="0"/>
+          <a:ext cx="0" cy="0"/>
+          <a:chOff x="0" y="0"/>
+          <a:chExt cx="0" cy="0"/>
+        </a:xfrm>
+      </p:grpSpPr>
+      <p:sp>
+        <p:nvSpPr>
+          <p:cNvPr id="3" name="Marcador de Posição de Conteúdo 2">
+            <a:extLst>
+              <a:ext uri="{FF2B5EF4-FFF2-40B4-BE49-F238E27FC236}">
+                <a16:creationId xmlns:a16="http://schemas.microsoft.com/office/drawing/2014/main" id="{A8D9F90C-B715-C3B8-7785-E5CE4667443B}"/>
+              </a:ext>
+            </a:extLst>
+          </p:cNvPr>
+          <p:cNvSpPr>
+            <a:spLocks noGrp="1"/>
+          </p:cNvSpPr>
+          <p:nvPr>
+            <p:ph idx="1"/>
+          </p:nvPr>
+        </p:nvSpPr>
+        <p:spPr>
+          <a:xfrm>
+            <a:off x="1782146" y="877078"/>
+            <a:ext cx="7072605" cy="5379377"/>
+          </a:xfrm>
+        </p:spPr>
+        <p:txBody>
+          <a:bodyPr/>
+          <a:lstStyle/>
+          <a:p>
+            <a:pPr algn="just"/>
+            <a:r>
+              <a:rPr lang="pt-PT" sz="1800" b="1" u="sng" dirty="0">
+                <a:effectLst>
+                  <a:outerShdw blurRad="38100" dist="38100" dir="2700000" algn="tl">
+                    <a:srgbClr val="000000">
+                      <a:alpha val="43137"/>
+                    </a:srgbClr>
+                  </a:outerShdw>
+                </a:effectLst>
+              </a:rPr>
+              <a:t>Relacionamento Percurso(0,n) – Funcionário(1,n)</a:t>
+            </a:r>
+          </a:p>
+          <a:p>
+            <a:pPr marL="0" indent="0" algn="just">
+              <a:buNone/>
+            </a:pPr>
+            <a:r>
+              <a:rPr lang="pt-PT" u="sng" dirty="0">
+                <a:effectLst/>
+              </a:rPr>
+              <a:t>Relacionamento</a:t>
+            </a:r>
+            <a:r>
+              <a:rPr lang="pt-PT" dirty="0">
+                <a:effectLst/>
+              </a:rPr>
+              <a:t>: Funcionário realiza Percurso</a:t>
+            </a:r>
+          </a:p>
+          <a:p>
+            <a:pPr marL="0" indent="0" algn="just">
+              <a:buNone/>
+            </a:pPr>
+            <a:r>
+              <a:rPr lang="pt-PT" u="sng" dirty="0">
+                <a:effectLst/>
+              </a:rPr>
+              <a:t>Descrição</a:t>
+            </a:r>
+            <a:r>
+              <a:rPr lang="pt-PT" dirty="0">
+                <a:effectLst/>
+              </a:rPr>
+              <a:t>: Cada funcionário pode ou não realizar ‘n’ percursos, cada percurso tem associado um ou mais funcionários.</a:t>
+            </a:r>
+            <a:endParaRPr lang="pt-PT" u="sng" dirty="0"/>
+          </a:p>
+          <a:p>
+            <a:pPr marL="0" indent="0">
+              <a:buNone/>
+            </a:pPr>
+            <a:endParaRPr lang="pt-PT" u="sng" dirty="0"/>
+          </a:p>
+          <a:p>
+            <a:r>
+              <a:rPr lang="pt-PT" sz="1800" b="1" u="sng" dirty="0">
+                <a:effectLst>
+                  <a:outerShdw blurRad="38100" dist="38100" dir="2700000" algn="tl">
+                    <a:srgbClr val="000000">
+                      <a:alpha val="43137"/>
+                    </a:srgbClr>
+                  </a:outerShdw>
+                </a:effectLst>
+              </a:rPr>
+              <a:t>Relacionamento Funcionário(1,1) – Relatório(1,n)</a:t>
+            </a:r>
+          </a:p>
+          <a:p>
+            <a:pPr marL="0" indent="0">
+              <a:buNone/>
+            </a:pPr>
+            <a:r>
+              <a:rPr lang="pt-PT" u="sng" dirty="0">
+                <a:effectLst/>
+              </a:rPr>
+              <a:t>Relacionamento</a:t>
+            </a:r>
+            <a:r>
+              <a:rPr lang="pt-PT" dirty="0">
+                <a:effectLst/>
+              </a:rPr>
+              <a:t>: Funcionário faz Relatório</a:t>
+            </a:r>
+          </a:p>
+          <a:p>
+            <a:pPr marL="0" indent="0" algn="just">
+              <a:buNone/>
+            </a:pPr>
+            <a:r>
+              <a:rPr lang="pt-PT" u="sng" dirty="0">
+                <a:effectLst/>
+              </a:rPr>
+              <a:t>Descrição</a:t>
+            </a:r>
+            <a:r>
+              <a:rPr lang="pt-PT" u="sng" dirty="0"/>
+              <a:t>:</a:t>
+            </a:r>
+            <a:r>
+              <a:rPr lang="pt-PT" dirty="0"/>
+              <a:t> Cada funcionário pode fazer um ou mais relatórios, os relatórios têm associados um e um só funcionário.</a:t>
+            </a:r>
+            <a:endParaRPr lang="pt-PT" sz="1800" dirty="0"/>
+          </a:p>
+          <a:p>
+            <a:pPr marL="0" indent="0">
+              <a:buNone/>
+            </a:pPr>
+            <a:endParaRPr lang="pt-PT" u="sng" dirty="0"/>
+          </a:p>
+          <a:p>
+            <a:pPr marL="0" indent="0">
+              <a:buNone/>
+            </a:pPr>
+            <a:endParaRPr lang="pt-PT" u="sng" dirty="0"/>
+          </a:p>
+          <a:p>
+            <a:pPr marL="0" indent="0">
+              <a:buNone/>
+            </a:pPr>
+            <a:endParaRPr lang="pt-PT" u="sng" dirty="0">
+              <a:effectLst/>
+            </a:endParaRPr>
+          </a:p>
+          <a:p>
+            <a:pPr marL="0" indent="0">
+              <a:buNone/>
+            </a:pPr>
+            <a:endParaRPr lang="pt-PT" u="sng" dirty="0"/>
+          </a:p>
+          <a:p>
+            <a:pPr marL="0" indent="0">
+              <a:buNone/>
+            </a:pPr>
+            <a:endParaRPr lang="pt-PT" u="sng" dirty="0">
+              <a:effectLst/>
+            </a:endParaRPr>
+          </a:p>
+          <a:p>
+            <a:endParaRPr lang="pt-PT" sz="1800" b="1" u="sng" dirty="0">
+              <a:effectLst>
+                <a:outerShdw blurRad="38100" dist="38100" dir="2700000" algn="tl">
+                  <a:srgbClr val="000000">
+                    <a:alpha val="43137"/>
+                  </a:srgbClr>
+                </a:outerShdw>
+              </a:effectLst>
+            </a:endParaRPr>
+          </a:p>
+          <a:p>
+            <a:endParaRPr lang="pt-PT" dirty="0"/>
+          </a:p>
+        </p:txBody>
+      </p:sp>
+      <p:pic>
+        <p:nvPicPr>
+          <p:cNvPr id="4" name="Imagem 3">
+            <a:extLst>
+              <a:ext uri="{FF2B5EF4-FFF2-40B4-BE49-F238E27FC236}">
+                <a16:creationId xmlns:a16="http://schemas.microsoft.com/office/drawing/2014/main" id="{5BB54D04-308C-8DD5-DF46-E190680E2D44}"/>
+              </a:ext>
+            </a:extLst>
+          </p:cNvPr>
+          <p:cNvPicPr>
+            <a:picLocks noChangeAspect="1"/>
+          </p:cNvPicPr>
+          <p:nvPr/>
+        </p:nvPicPr>
+        <p:blipFill>
+          <a:blip r:embed="rId2"/>
+          <a:stretch>
+            <a:fillRect/>
+          </a:stretch>
+        </p:blipFill>
+        <p:spPr>
+          <a:xfrm>
+            <a:off x="8935256" y="751817"/>
+            <a:ext cx="2949196" cy="1752752"/>
+          </a:xfrm>
+          <a:prstGeom prst="rect">
+            <a:avLst/>
+          </a:prstGeom>
+          <a:ln>
+            <a:noFill/>
+          </a:ln>
+          <a:effectLst>
+            <a:outerShdw blurRad="292100" dist="139700" dir="2700000" algn="tl" rotWithShape="0">
+              <a:srgbClr val="333333">
+                <a:alpha val="65000"/>
+              </a:srgbClr>
+            </a:outerShdw>
+          </a:effectLst>
+        </p:spPr>
+      </p:pic>
+      <p:pic>
+        <p:nvPicPr>
+          <p:cNvPr id="8" name="Imagem 7">
+            <a:extLst>
+              <a:ext uri="{FF2B5EF4-FFF2-40B4-BE49-F238E27FC236}">
+                <a16:creationId xmlns:a16="http://schemas.microsoft.com/office/drawing/2014/main" id="{A04DFA94-9BB2-24A7-28D0-36D500A88870}"/>
+              </a:ext>
+            </a:extLst>
+          </p:cNvPr>
+          <p:cNvPicPr>
+            <a:picLocks noChangeAspect="1"/>
+          </p:cNvPicPr>
+          <p:nvPr/>
+        </p:nvPicPr>
+        <p:blipFill>
+          <a:blip r:embed="rId3"/>
+          <a:stretch>
+            <a:fillRect/>
+          </a:stretch>
+        </p:blipFill>
+        <p:spPr>
+          <a:xfrm>
+            <a:off x="6469485" y="5051201"/>
+            <a:ext cx="5334462" cy="929721"/>
+          </a:xfrm>
+          <a:prstGeom prst="rect">
+            <a:avLst/>
+          </a:prstGeom>
+          <a:ln>
+            <a:noFill/>
+          </a:ln>
+          <a:effectLst>
+            <a:outerShdw blurRad="292100" dist="139700" dir="2700000" algn="tl" rotWithShape="0">
+              <a:srgbClr val="333333">
+                <a:alpha val="65000"/>
+              </a:srgbClr>
+            </a:outerShdw>
+          </a:effectLst>
+        </p:spPr>
+      </p:pic>
+    </p:spTree>
+    <p:extLst>
+      <p:ext uri="{BB962C8B-B14F-4D97-AF65-F5344CB8AC3E}">
+        <p14:creationId xmlns:p14="http://schemas.microsoft.com/office/powerpoint/2010/main" val="1512208568"/>
+      </p:ext>
+    </p:extLst>
+  </p:cSld>
+  <p:clrMapOvr>
+    <a:masterClrMapping/>
+  </p:clrMapOvr>
+</p:sld>
+</file>
+
+<file path=ppt/slides/slide28.xml><?xml version="1.0" encoding="utf-8"?>
+<p:sld xmlns:a="http://schemas.openxmlformats.org/drawingml/2006/main" xmlns:r="http://schemas.openxmlformats.org/officeDocument/2006/relationships" xmlns:p="http://schemas.openxmlformats.org/presentationml/2006/main">
+  <p:cSld>
+    <p:spTree>
+      <p:nvGrpSpPr>
+        <p:cNvPr id="1" name=""/>
+        <p:cNvGrpSpPr/>
+        <p:nvPr/>
+      </p:nvGrpSpPr>
+      <p:grpSpPr>
+        <a:xfrm>
+          <a:off x="0" y="0"/>
+          <a:ext cx="0" cy="0"/>
+          <a:chOff x="0" y="0"/>
+          <a:chExt cx="0" cy="0"/>
+        </a:xfrm>
+      </p:grpSpPr>
+      <p:sp>
+        <p:nvSpPr>
+          <p:cNvPr id="3" name="Marcador de Posição de Conteúdo 2">
+            <a:extLst>
+              <a:ext uri="{FF2B5EF4-FFF2-40B4-BE49-F238E27FC236}">
+                <a16:creationId xmlns:a16="http://schemas.microsoft.com/office/drawing/2014/main" id="{A8D9F90C-B715-C3B8-7785-E5CE4667443B}"/>
+              </a:ext>
+            </a:extLst>
+          </p:cNvPr>
+          <p:cNvSpPr>
+            <a:spLocks noGrp="1"/>
+          </p:cNvSpPr>
+          <p:nvPr>
+            <p:ph idx="1"/>
+          </p:nvPr>
+        </p:nvSpPr>
+        <p:spPr>
+          <a:xfrm>
+            <a:off x="1782146" y="877078"/>
+            <a:ext cx="7072605" cy="5379377"/>
+          </a:xfrm>
+        </p:spPr>
+        <p:txBody>
+          <a:bodyPr/>
+          <a:lstStyle/>
+          <a:p>
+            <a:pPr algn="just"/>
+            <a:r>
+              <a:rPr lang="pt-PT" sz="1800" b="1" u="sng" dirty="0">
+                <a:effectLst>
+                  <a:outerShdw blurRad="38100" dist="38100" dir="2700000" algn="tl">
+                    <a:srgbClr val="000000">
+                      <a:alpha val="43137"/>
+                    </a:srgbClr>
+                  </a:outerShdw>
+                </a:effectLst>
+              </a:rPr>
+              <a:t>Relacionamento Relatório(</a:t>
+            </a:r>
+            <a:r>
+              <a:rPr lang="pt-PT" b="1" u="sng" dirty="0">
+                <a:effectLst>
+                  <a:outerShdw blurRad="38100" dist="38100" dir="2700000" algn="tl">
+                    <a:srgbClr val="000000">
+                      <a:alpha val="43137"/>
+                    </a:srgbClr>
+                  </a:outerShdw>
+                </a:effectLst>
+              </a:rPr>
+              <a:t>0</a:t>
+            </a:r>
+            <a:r>
+              <a:rPr lang="pt-PT" sz="1800" b="1" u="sng" dirty="0">
+                <a:effectLst>
+                  <a:outerShdw blurRad="38100" dist="38100" dir="2700000" algn="tl">
+                    <a:srgbClr val="000000">
+                      <a:alpha val="43137"/>
+                    </a:srgbClr>
+                  </a:outerShdw>
+                </a:effectLst>
+              </a:rPr>
+              <a:t>,n) – Veículo(1,</a:t>
+            </a:r>
+            <a:r>
+              <a:rPr lang="pt-PT" b="1" u="sng" dirty="0">
+                <a:effectLst>
+                  <a:outerShdw blurRad="38100" dist="38100" dir="2700000" algn="tl">
+                    <a:srgbClr val="000000">
+                      <a:alpha val="43137"/>
+                    </a:srgbClr>
+                  </a:outerShdw>
+                </a:effectLst>
+              </a:rPr>
+              <a:t>1</a:t>
+            </a:r>
+            <a:r>
+              <a:rPr lang="pt-PT" sz="1800" b="1" u="sng" dirty="0">
+                <a:effectLst>
+                  <a:outerShdw blurRad="38100" dist="38100" dir="2700000" algn="tl">
+                    <a:srgbClr val="000000">
+                      <a:alpha val="43137"/>
+                    </a:srgbClr>
+                  </a:outerShdw>
+                </a:effectLst>
+              </a:rPr>
+              <a:t>)</a:t>
+            </a:r>
+          </a:p>
+          <a:p>
+            <a:pPr marL="0" indent="0" algn="just">
+              <a:buNone/>
+            </a:pPr>
+            <a:r>
+              <a:rPr lang="pt-PT" u="sng" dirty="0">
+                <a:effectLst/>
+              </a:rPr>
+              <a:t>Relacionamento</a:t>
+            </a:r>
+            <a:r>
+              <a:rPr lang="pt-PT" dirty="0">
+                <a:effectLst/>
+              </a:rPr>
+              <a:t>: Relatório acerca de Veículo</a:t>
+            </a:r>
+          </a:p>
+          <a:p>
+            <a:pPr marL="0" indent="0" algn="just">
+              <a:buNone/>
+            </a:pPr>
+            <a:r>
+              <a:rPr lang="pt-PT" u="sng" dirty="0">
+                <a:effectLst/>
+              </a:rPr>
+              <a:t>Descrição</a:t>
+            </a:r>
+            <a:r>
+              <a:rPr lang="pt-PT" dirty="0">
+                <a:effectLst/>
+              </a:rPr>
+              <a:t>: Cada veículo pode ou não ter ‘n’ relatórios, os relat</a:t>
+            </a:r>
+            <a:r>
+              <a:rPr lang="pt-PT" dirty="0"/>
+              <a:t>órios têm apenas um veículo incluído.</a:t>
+            </a:r>
+            <a:endParaRPr lang="pt-PT" u="sng" dirty="0"/>
+          </a:p>
+          <a:p>
+            <a:pPr marL="0" indent="0">
+              <a:buNone/>
+            </a:pPr>
+            <a:endParaRPr lang="pt-PT" u="sng" dirty="0"/>
+          </a:p>
+          <a:p>
+            <a:pPr marL="0" indent="0">
+              <a:buNone/>
+            </a:pPr>
+            <a:endParaRPr lang="pt-PT" sz="1800" b="1" u="sng" dirty="0">
+              <a:effectLst>
+                <a:outerShdw blurRad="38100" dist="38100" dir="2700000" algn="tl">
+                  <a:srgbClr val="000000">
+                    <a:alpha val="43137"/>
+                  </a:srgbClr>
+                </a:outerShdw>
+              </a:effectLst>
+            </a:endParaRPr>
+          </a:p>
+          <a:p>
+            <a:pPr marL="0" indent="0">
+              <a:buNone/>
+            </a:pPr>
+            <a:endParaRPr lang="pt-PT" b="1" u="sng" dirty="0">
+              <a:effectLst>
+                <a:outerShdw blurRad="38100" dist="38100" dir="2700000" algn="tl">
+                  <a:srgbClr val="000000">
+                    <a:alpha val="43137"/>
+                  </a:srgbClr>
+                </a:outerShdw>
+              </a:effectLst>
+            </a:endParaRPr>
+          </a:p>
+          <a:p>
+            <a:r>
+              <a:rPr lang="pt-PT" sz="1800" b="1" u="sng" dirty="0">
+                <a:effectLst>
+                  <a:outerShdw blurRad="38100" dist="38100" dir="2700000" algn="tl">
+                    <a:srgbClr val="000000">
+                      <a:alpha val="43137"/>
+                    </a:srgbClr>
+                  </a:outerShdw>
+                </a:effectLst>
+              </a:rPr>
+              <a:t>Relacionamento Veículo(</a:t>
+            </a:r>
+            <a:r>
+              <a:rPr lang="pt-PT" b="1" u="sng" dirty="0">
+                <a:effectLst>
+                  <a:outerShdw blurRad="38100" dist="38100" dir="2700000" algn="tl">
+                    <a:srgbClr val="000000">
+                      <a:alpha val="43137"/>
+                    </a:srgbClr>
+                  </a:outerShdw>
+                </a:effectLst>
+              </a:rPr>
+              <a:t>0</a:t>
+            </a:r>
+            <a:r>
+              <a:rPr lang="pt-PT" sz="1800" b="1" u="sng" dirty="0">
+                <a:effectLst>
+                  <a:outerShdw blurRad="38100" dist="38100" dir="2700000" algn="tl">
+                    <a:srgbClr val="000000">
+                      <a:alpha val="43137"/>
+                    </a:srgbClr>
+                  </a:outerShdw>
+                </a:effectLst>
+              </a:rPr>
+              <a:t>,n) – Tipos de conservação(1,n)</a:t>
+            </a:r>
+          </a:p>
+          <a:p>
+            <a:pPr marL="0" indent="0">
+              <a:buNone/>
+            </a:pPr>
+            <a:r>
+              <a:rPr lang="pt-PT" u="sng" dirty="0">
+                <a:effectLst/>
+              </a:rPr>
+              <a:t>Relacionamento</a:t>
+            </a:r>
+            <a:r>
+              <a:rPr lang="pt-PT" dirty="0">
+                <a:effectLst/>
+              </a:rPr>
+              <a:t>: Veículo satisfaz  Tipos de conservação</a:t>
+            </a:r>
+          </a:p>
+          <a:p>
+            <a:pPr marL="0" indent="0" algn="just">
+              <a:buNone/>
+            </a:pPr>
+            <a:r>
+              <a:rPr lang="pt-PT" u="sng" dirty="0">
+                <a:effectLst/>
+              </a:rPr>
+              <a:t>Descrição</a:t>
+            </a:r>
+            <a:r>
+              <a:rPr lang="pt-PT" u="sng" dirty="0"/>
+              <a:t>:</a:t>
+            </a:r>
+            <a:r>
+              <a:rPr lang="pt-PT" dirty="0"/>
+              <a:t> Cada veículo satisfaz um ou mais tipos de conservação, os tipos de conservação podem ou não ser satisfeitos por alguns veículos.</a:t>
+            </a:r>
+            <a:endParaRPr lang="pt-PT" sz="1800" dirty="0"/>
+          </a:p>
+          <a:p>
+            <a:pPr marL="0" indent="0">
+              <a:buNone/>
+            </a:pPr>
+            <a:endParaRPr lang="pt-PT" u="sng" dirty="0"/>
+          </a:p>
+          <a:p>
+            <a:pPr marL="0" indent="0">
+              <a:buNone/>
+            </a:pPr>
+            <a:endParaRPr lang="pt-PT" u="sng" dirty="0"/>
+          </a:p>
+          <a:p>
+            <a:pPr marL="0" indent="0">
+              <a:buNone/>
+            </a:pPr>
+            <a:endParaRPr lang="pt-PT" u="sng" dirty="0">
+              <a:effectLst/>
+            </a:endParaRPr>
+          </a:p>
+          <a:p>
+            <a:pPr marL="0" indent="0">
+              <a:buNone/>
+            </a:pPr>
+            <a:endParaRPr lang="pt-PT" u="sng" dirty="0"/>
+          </a:p>
+          <a:p>
+            <a:pPr marL="0" indent="0">
+              <a:buNone/>
+            </a:pPr>
+            <a:endParaRPr lang="pt-PT" u="sng" dirty="0">
+              <a:effectLst/>
+            </a:endParaRPr>
+          </a:p>
+          <a:p>
+            <a:endParaRPr lang="pt-PT" sz="1800" b="1" u="sng" dirty="0">
+              <a:effectLst>
+                <a:outerShdw blurRad="38100" dist="38100" dir="2700000" algn="tl">
+                  <a:srgbClr val="000000">
+                    <a:alpha val="43137"/>
+                  </a:srgbClr>
+                </a:outerShdw>
+              </a:effectLst>
+            </a:endParaRPr>
+          </a:p>
+          <a:p>
+            <a:endParaRPr lang="pt-PT" dirty="0"/>
+          </a:p>
+        </p:txBody>
+      </p:sp>
+      <p:pic>
+        <p:nvPicPr>
+          <p:cNvPr id="5" name="Imagem 4">
+            <a:extLst>
+              <a:ext uri="{FF2B5EF4-FFF2-40B4-BE49-F238E27FC236}">
+                <a16:creationId xmlns:a16="http://schemas.microsoft.com/office/drawing/2014/main" id="{E8D7AA0D-FD80-FF25-4B18-81C860D5FAAE}"/>
+              </a:ext>
+            </a:extLst>
+          </p:cNvPr>
+          <p:cNvPicPr>
+            <a:picLocks noChangeAspect="1"/>
+          </p:cNvPicPr>
+          <p:nvPr/>
+        </p:nvPicPr>
+        <p:blipFill>
+          <a:blip r:embed="rId2"/>
+          <a:stretch>
+            <a:fillRect/>
+          </a:stretch>
+        </p:blipFill>
+        <p:spPr>
+          <a:xfrm>
+            <a:off x="9030514" y="977815"/>
+            <a:ext cx="2758679" cy="2209992"/>
+          </a:xfrm>
+          <a:prstGeom prst="rect">
+            <a:avLst/>
+          </a:prstGeom>
+          <a:ln>
+            <a:noFill/>
+          </a:ln>
+          <a:effectLst>
+            <a:outerShdw blurRad="292100" dist="139700" dir="2700000" algn="tl" rotWithShape="0">
+              <a:srgbClr val="333333">
+                <a:alpha val="65000"/>
+              </a:srgbClr>
+            </a:outerShdw>
+          </a:effectLst>
+        </p:spPr>
+      </p:pic>
+      <p:pic>
+        <p:nvPicPr>
+          <p:cNvPr id="7" name="Imagem 6">
+            <a:extLst>
+              <a:ext uri="{FF2B5EF4-FFF2-40B4-BE49-F238E27FC236}">
+                <a16:creationId xmlns:a16="http://schemas.microsoft.com/office/drawing/2014/main" id="{21243F66-8BE0-4EAD-5615-9BECACF4E8F1}"/>
+              </a:ext>
+            </a:extLst>
+          </p:cNvPr>
+          <p:cNvPicPr>
+            <a:picLocks noChangeAspect="1"/>
+          </p:cNvPicPr>
+          <p:nvPr/>
+        </p:nvPicPr>
+        <p:blipFill>
+          <a:blip r:embed="rId3"/>
+          <a:stretch>
+            <a:fillRect/>
+          </a:stretch>
+        </p:blipFill>
+        <p:spPr>
+          <a:xfrm>
+            <a:off x="8854751" y="3463567"/>
+            <a:ext cx="3215919" cy="1844200"/>
+          </a:xfrm>
+          <a:prstGeom prst="rect">
+            <a:avLst/>
+          </a:prstGeom>
+          <a:ln>
+            <a:noFill/>
+          </a:ln>
+          <a:effectLst>
+            <a:outerShdw blurRad="292100" dist="139700" dir="2700000" algn="tl" rotWithShape="0">
+              <a:srgbClr val="333333">
+                <a:alpha val="65000"/>
+              </a:srgbClr>
+            </a:outerShdw>
+          </a:effectLst>
+        </p:spPr>
+      </p:pic>
+    </p:spTree>
+    <p:extLst>
+      <p:ext uri="{BB962C8B-B14F-4D97-AF65-F5344CB8AC3E}">
+        <p14:creationId xmlns:p14="http://schemas.microsoft.com/office/powerpoint/2010/main" val="74839488"/>
+      </p:ext>
+    </p:extLst>
+  </p:cSld>
+  <p:clrMapOvr>
+    <a:masterClrMapping/>
+  </p:clrMapOvr>
+</p:sld>
+</file>
+
+<file path=ppt/slides/slide29.xml><?xml version="1.0" encoding="utf-8"?>
+<p:sld xmlns:a="http://schemas.openxmlformats.org/drawingml/2006/main" xmlns:r="http://schemas.openxmlformats.org/officeDocument/2006/relationships" xmlns:p="http://schemas.openxmlformats.org/presentationml/2006/main">
+  <p:cSld>
+    <p:spTree>
+      <p:nvGrpSpPr>
+        <p:cNvPr id="1" name=""/>
+        <p:cNvGrpSpPr/>
+        <p:nvPr/>
+      </p:nvGrpSpPr>
+      <p:grpSpPr>
+        <a:xfrm>
+          <a:off x="0" y="0"/>
+          <a:ext cx="0" cy="0"/>
+          <a:chOff x="0" y="0"/>
+          <a:chExt cx="0" cy="0"/>
+        </a:xfrm>
+      </p:grpSpPr>
+      <p:sp>
+        <p:nvSpPr>
+          <p:cNvPr id="3" name="Marcador de Posição de Conteúdo 2">
+            <a:extLst>
+              <a:ext uri="{FF2B5EF4-FFF2-40B4-BE49-F238E27FC236}">
+                <a16:creationId xmlns:a16="http://schemas.microsoft.com/office/drawing/2014/main" id="{A8D9F90C-B715-C3B8-7785-E5CE4667443B}"/>
+              </a:ext>
+            </a:extLst>
+          </p:cNvPr>
+          <p:cNvSpPr>
+            <a:spLocks noGrp="1"/>
+          </p:cNvSpPr>
+          <p:nvPr>
+            <p:ph idx="1"/>
+          </p:nvPr>
+        </p:nvSpPr>
+        <p:spPr>
+          <a:xfrm>
+            <a:off x="1782146" y="877078"/>
+            <a:ext cx="6603097" cy="5379377"/>
+          </a:xfrm>
+        </p:spPr>
+        <p:txBody>
+          <a:bodyPr/>
+          <a:lstStyle/>
+          <a:p>
+            <a:pPr algn="just"/>
+            <a:r>
+              <a:rPr lang="pt-PT" sz="1800" b="1" u="sng" dirty="0">
+                <a:effectLst>
+                  <a:outerShdw blurRad="38100" dist="38100" dir="2700000" algn="tl">
+                    <a:srgbClr val="000000">
+                      <a:alpha val="43137"/>
+                    </a:srgbClr>
+                  </a:outerShdw>
+                </a:effectLst>
+              </a:rPr>
+              <a:t>Relacionamento Item(</a:t>
+            </a:r>
+            <a:r>
+              <a:rPr lang="pt-PT" b="1" u="sng" dirty="0">
+                <a:effectLst>
+                  <a:outerShdw blurRad="38100" dist="38100" dir="2700000" algn="tl">
+                    <a:srgbClr val="000000">
+                      <a:alpha val="43137"/>
+                    </a:srgbClr>
+                  </a:outerShdw>
+                </a:effectLst>
+              </a:rPr>
+              <a:t>0</a:t>
+            </a:r>
+            <a:r>
+              <a:rPr lang="pt-PT" sz="1800" b="1" u="sng" dirty="0">
+                <a:effectLst>
+                  <a:outerShdw blurRad="38100" dist="38100" dir="2700000" algn="tl">
+                    <a:srgbClr val="000000">
+                      <a:alpha val="43137"/>
+                    </a:srgbClr>
+                  </a:outerShdw>
+                </a:effectLst>
+              </a:rPr>
+              <a:t>,n) – Tipos de conservação(1,n)</a:t>
+            </a:r>
+          </a:p>
+          <a:p>
+            <a:pPr marL="0" indent="0" algn="just">
+              <a:buNone/>
+            </a:pPr>
+            <a:r>
+              <a:rPr lang="pt-PT" u="sng" dirty="0">
+                <a:effectLst/>
+              </a:rPr>
+              <a:t>Relacionamento</a:t>
+            </a:r>
+            <a:r>
+              <a:rPr lang="pt-PT" dirty="0">
+                <a:effectLst/>
+              </a:rPr>
+              <a:t>: Item necessita de Tipo de conservação</a:t>
+            </a:r>
+          </a:p>
+          <a:p>
+            <a:pPr marL="0" indent="0" algn="just">
+              <a:buNone/>
+            </a:pPr>
+            <a:r>
+              <a:rPr lang="pt-PT" u="sng" dirty="0">
+                <a:effectLst/>
+              </a:rPr>
+              <a:t>Descrição</a:t>
+            </a:r>
+            <a:r>
+              <a:rPr lang="pt-PT" dirty="0">
+                <a:effectLst/>
+              </a:rPr>
+              <a:t>: Cada item necessita de um ou mais tipos de conservação, os tipos de conservação são requeridos ou não para alguns itens.</a:t>
+            </a:r>
+            <a:endParaRPr lang="pt-PT" u="sng" dirty="0"/>
+          </a:p>
+          <a:p>
+            <a:pPr marL="0" indent="0">
+              <a:buNone/>
+            </a:pPr>
+            <a:endParaRPr lang="pt-PT" sz="1800" b="1" u="sng" dirty="0">
+              <a:effectLst>
+                <a:outerShdw blurRad="38100" dist="38100" dir="2700000" algn="tl">
+                  <a:srgbClr val="000000">
+                    <a:alpha val="43137"/>
+                  </a:srgbClr>
+                </a:outerShdw>
+              </a:effectLst>
+            </a:endParaRPr>
+          </a:p>
+          <a:p>
+            <a:pPr marL="0" indent="0">
+              <a:buNone/>
+            </a:pPr>
+            <a:endParaRPr lang="pt-PT" b="1" u="sng" dirty="0">
+              <a:effectLst>
+                <a:outerShdw blurRad="38100" dist="38100" dir="2700000" algn="tl">
+                  <a:srgbClr val="000000">
+                    <a:alpha val="43137"/>
+                  </a:srgbClr>
+                </a:outerShdw>
+              </a:effectLst>
+            </a:endParaRPr>
+          </a:p>
+          <a:p>
+            <a:pPr marL="0" indent="0">
+              <a:buNone/>
+            </a:pPr>
+            <a:endParaRPr lang="pt-PT" sz="1800" b="1" u="sng" dirty="0">
+              <a:effectLst>
+                <a:outerShdw blurRad="38100" dist="38100" dir="2700000" algn="tl">
+                  <a:srgbClr val="000000">
+                    <a:alpha val="43137"/>
+                  </a:srgbClr>
+                </a:outerShdw>
+              </a:effectLst>
+            </a:endParaRPr>
+          </a:p>
+          <a:p>
+            <a:r>
+              <a:rPr lang="pt-PT" sz="1800" b="1" u="sng" dirty="0">
+                <a:effectLst>
+                  <a:outerShdw blurRad="38100" dist="38100" dir="2700000" algn="tl">
+                    <a:srgbClr val="000000">
+                      <a:alpha val="43137"/>
+                    </a:srgbClr>
+                  </a:outerShdw>
+                </a:effectLst>
+              </a:rPr>
+              <a:t>Relacionamento Item(1,n) – Compra(1,n)</a:t>
+            </a:r>
+          </a:p>
+          <a:p>
+            <a:pPr marL="0" indent="0">
+              <a:buNone/>
+            </a:pPr>
+            <a:r>
+              <a:rPr lang="pt-PT" u="sng" dirty="0">
+                <a:effectLst/>
+              </a:rPr>
+              <a:t>Relacionamento</a:t>
+            </a:r>
+            <a:r>
+              <a:rPr lang="pt-PT" dirty="0">
+                <a:effectLst/>
+              </a:rPr>
+              <a:t>: Item adquirido em Compra</a:t>
+            </a:r>
+          </a:p>
+          <a:p>
+            <a:pPr marL="0" indent="0" algn="just">
+              <a:buNone/>
+            </a:pPr>
+            <a:r>
+              <a:rPr lang="pt-PT" u="sng" dirty="0">
+                <a:effectLst/>
+              </a:rPr>
+              <a:t>Descrição</a:t>
+            </a:r>
+            <a:r>
+              <a:rPr lang="pt-PT" u="sng" dirty="0"/>
+              <a:t>:</a:t>
+            </a:r>
+            <a:r>
+              <a:rPr lang="pt-PT" dirty="0"/>
+              <a:t> Um ou mais itens são adquiridos por cada compra, cada compra é composta por um ou mais itens.</a:t>
+            </a:r>
+            <a:endParaRPr lang="pt-PT" sz="1800" dirty="0"/>
+          </a:p>
+          <a:p>
+            <a:pPr marL="0" indent="0">
+              <a:buNone/>
+            </a:pPr>
+            <a:endParaRPr lang="pt-PT" u="sng" dirty="0"/>
+          </a:p>
+          <a:p>
+            <a:pPr marL="0" indent="0">
+              <a:buNone/>
+            </a:pPr>
+            <a:endParaRPr lang="pt-PT" u="sng" dirty="0"/>
+          </a:p>
+          <a:p>
+            <a:pPr marL="0" indent="0">
+              <a:buNone/>
+            </a:pPr>
+            <a:endParaRPr lang="pt-PT" u="sng" dirty="0">
+              <a:effectLst/>
+            </a:endParaRPr>
+          </a:p>
+          <a:p>
+            <a:pPr marL="0" indent="0">
+              <a:buNone/>
+            </a:pPr>
+            <a:endParaRPr lang="pt-PT" u="sng" dirty="0"/>
+          </a:p>
+          <a:p>
+            <a:pPr marL="0" indent="0">
+              <a:buNone/>
+            </a:pPr>
+            <a:endParaRPr lang="pt-PT" u="sng" dirty="0">
+              <a:effectLst/>
+            </a:endParaRPr>
+          </a:p>
+          <a:p>
+            <a:endParaRPr lang="pt-PT" sz="1800" b="1" u="sng" dirty="0">
+              <a:effectLst>
+                <a:outerShdw blurRad="38100" dist="38100" dir="2700000" algn="tl">
+                  <a:srgbClr val="000000">
+                    <a:alpha val="43137"/>
+                  </a:srgbClr>
+                </a:outerShdw>
+              </a:effectLst>
+            </a:endParaRPr>
+          </a:p>
+          <a:p>
+            <a:endParaRPr lang="pt-PT" dirty="0"/>
+          </a:p>
+        </p:txBody>
+      </p:sp>
+      <p:pic>
+        <p:nvPicPr>
+          <p:cNvPr id="4" name="Imagem 3">
+            <a:extLst>
+              <a:ext uri="{FF2B5EF4-FFF2-40B4-BE49-F238E27FC236}">
+                <a16:creationId xmlns:a16="http://schemas.microsoft.com/office/drawing/2014/main" id="{2B7910C5-061C-B420-4D66-32C6D2D36549}"/>
+              </a:ext>
+            </a:extLst>
+          </p:cNvPr>
+          <p:cNvPicPr>
+            <a:picLocks noChangeAspect="1"/>
+          </p:cNvPicPr>
+          <p:nvPr/>
+        </p:nvPicPr>
+        <p:blipFill>
+          <a:blip r:embed="rId2"/>
+          <a:stretch>
+            <a:fillRect/>
+          </a:stretch>
+        </p:blipFill>
+        <p:spPr>
+          <a:xfrm>
+            <a:off x="8940398" y="1388007"/>
+            <a:ext cx="2690093" cy="1767993"/>
+          </a:xfrm>
+          <a:prstGeom prst="rect">
+            <a:avLst/>
+          </a:prstGeom>
+          <a:ln>
+            <a:noFill/>
+          </a:ln>
+          <a:effectLst>
+            <a:outerShdw blurRad="292100" dist="139700" dir="2700000" algn="tl" rotWithShape="0">
+              <a:srgbClr val="333333">
+                <a:alpha val="65000"/>
+              </a:srgbClr>
+            </a:outerShdw>
+          </a:effectLst>
+        </p:spPr>
+      </p:pic>
+      <p:pic>
+        <p:nvPicPr>
+          <p:cNvPr id="8" name="Imagem 7">
+            <a:extLst>
+              <a:ext uri="{FF2B5EF4-FFF2-40B4-BE49-F238E27FC236}">
+                <a16:creationId xmlns:a16="http://schemas.microsoft.com/office/drawing/2014/main" id="{F0943CBD-FEB4-BE20-DC75-33204CD84F4B}"/>
+              </a:ext>
+            </a:extLst>
+          </p:cNvPr>
+          <p:cNvPicPr>
+            <a:picLocks noChangeAspect="1"/>
+          </p:cNvPicPr>
+          <p:nvPr/>
+        </p:nvPicPr>
+        <p:blipFill>
+          <a:blip r:embed="rId3"/>
+          <a:stretch>
+            <a:fillRect/>
+          </a:stretch>
+        </p:blipFill>
+        <p:spPr>
+          <a:xfrm>
+            <a:off x="8523090" y="3563334"/>
+            <a:ext cx="3524708" cy="2693121"/>
+          </a:xfrm>
+          <a:prstGeom prst="rect">
+            <a:avLst/>
+          </a:prstGeom>
+          <a:ln>
+            <a:noFill/>
+          </a:ln>
+          <a:effectLst>
+            <a:outerShdw blurRad="292100" dist="139700" dir="2700000" algn="tl" rotWithShape="0">
+              <a:srgbClr val="333333">
+                <a:alpha val="65000"/>
+              </a:srgbClr>
+            </a:outerShdw>
+          </a:effectLst>
+        </p:spPr>
+      </p:pic>
+    </p:spTree>
+    <p:extLst>
+      <p:ext uri="{BB962C8B-B14F-4D97-AF65-F5344CB8AC3E}">
+        <p14:creationId xmlns:p14="http://schemas.microsoft.com/office/powerpoint/2010/main" val="1138249574"/>
+      </p:ext>
+    </p:extLst>
+  </p:cSld>
+  <p:clrMapOvr>
+    <a:masterClrMapping/>
+  </p:clrMapOvr>
+</p:sld>
+</file>
+
+<file path=ppt/slides/slide3.xml><?xml version="1.0" encoding="utf-8"?>
+<p:sld xmlns:a="http://schemas.openxmlformats.org/drawingml/2006/main" xmlns:r="http://schemas.openxmlformats.org/officeDocument/2006/relationships" xmlns:p="http://schemas.openxmlformats.org/presentationml/2006/main">
+  <p:cSld>
+    <p:spTree>
+      <p:nvGrpSpPr>
+        <p:cNvPr id="1" name=""/>
+        <p:cNvGrpSpPr/>
+        <p:nvPr/>
+      </p:nvGrpSpPr>
+      <p:grpSpPr>
+        <a:xfrm>
+          <a:off x="0" y="0"/>
+          <a:ext cx="0" cy="0"/>
+          <a:chOff x="0" y="0"/>
+          <a:chExt cx="0" cy="0"/>
+        </a:xfrm>
+      </p:grpSpPr>
+      <p:sp>
+        <p:nvSpPr>
+          <p:cNvPr id="2" name="Título 1">
+            <a:extLst>
+              <a:ext uri="{FF2B5EF4-FFF2-40B4-BE49-F238E27FC236}">
+                <a16:creationId xmlns:a16="http://schemas.microsoft.com/office/drawing/2014/main" id="{955023A1-A3FF-EB22-DE1D-F1048E73C95A}"/>
+              </a:ext>
+            </a:extLst>
+          </p:cNvPr>
+          <p:cNvSpPr>
+            <a:spLocks noGrp="1"/>
+          </p:cNvSpPr>
+          <p:nvPr>
+            <p:ph type="title"/>
+          </p:nvPr>
+        </p:nvSpPr>
+        <p:spPr>
+          <a:xfrm>
+            <a:off x="2619558" y="624110"/>
+            <a:ext cx="8911687" cy="1280890"/>
+          </a:xfrm>
+        </p:spPr>
+        <p:txBody>
+          <a:bodyPr>
+            <a:normAutofit/>
+          </a:bodyPr>
+          <a:lstStyle/>
+          <a:p>
+            <a:r>
+              <a:rPr lang="pt-PT" sz="4800" b="1" dirty="0">
+                <a:solidFill>
+                  <a:schemeClr val="tx1"/>
+                </a:solidFill>
+              </a:rPr>
+              <a:t>Índice</a:t>
+            </a:r>
+          </a:p>
+        </p:txBody>
+      </p:sp>
+      <p:sp>
+        <p:nvSpPr>
+          <p:cNvPr id="3" name="Marcador de Posição de Conteúdo 2">
+            <a:extLst>
+              <a:ext uri="{FF2B5EF4-FFF2-40B4-BE49-F238E27FC236}">
+                <a16:creationId xmlns:a16="http://schemas.microsoft.com/office/drawing/2014/main" id="{558887E8-6BA6-B321-A07F-9BEE8E3A6A04}"/>
+              </a:ext>
+            </a:extLst>
+          </p:cNvPr>
+          <p:cNvSpPr>
+            <a:spLocks noGrp="1"/>
+          </p:cNvSpPr>
+          <p:nvPr>
+            <p:ph idx="1"/>
+          </p:nvPr>
+        </p:nvSpPr>
+        <p:spPr>
+          <a:xfrm>
+            <a:off x="1141413" y="1786270"/>
+            <a:ext cx="9905999" cy="4561367"/>
+          </a:xfrm>
+        </p:spPr>
+        <p:txBody>
+          <a:bodyPr>
+            <a:normAutofit fontScale="92500" lnSpcReduction="10000"/>
+          </a:bodyPr>
+          <a:lstStyle/>
+          <a:p>
+            <a:pPr marL="0" indent="0">
+              <a:buNone/>
+            </a:pPr>
+            <a:r>
+              <a:rPr lang="pt-PT" sz="3100" b="1" dirty="0">
+                <a:solidFill>
+                  <a:schemeClr val="tx1"/>
+                </a:solidFill>
+                <a:effectLst/>
+                <a:latin typeface="Abadi" panose="020B0604020104020204" pitchFamily="34" charset="0"/>
+              </a:rPr>
+              <a:t>3. Modelação Conceptual</a:t>
+            </a:r>
+          </a:p>
+          <a:p>
+            <a:r>
+              <a:rPr lang="pt-PT" dirty="0">
+                <a:solidFill>
+                  <a:schemeClr val="tx1"/>
+                </a:solidFill>
+                <a:effectLst/>
+                <a:latin typeface="Abadi" panose="020B0604020104020204" pitchFamily="34" charset="0"/>
+              </a:rPr>
+              <a:t>3.1 Apresentação da abordagem de modelação realizada</a:t>
+            </a:r>
+          </a:p>
+          <a:p>
+            <a:r>
+              <a:rPr lang="pt-PT" dirty="0">
+                <a:solidFill>
+                  <a:schemeClr val="tx1"/>
+                </a:solidFill>
+                <a:effectLst/>
+                <a:latin typeface="Abadi" panose="020B0604020104020204" pitchFamily="34" charset="0"/>
+              </a:rPr>
+              <a:t>3.2 Identificação e caracterização das entidades </a:t>
+            </a:r>
+          </a:p>
+          <a:p>
+            <a:r>
+              <a:rPr lang="pt-PT" dirty="0">
+                <a:solidFill>
+                  <a:schemeClr val="tx1"/>
+                </a:solidFill>
+                <a:effectLst/>
+                <a:latin typeface="Abadi" panose="020B0604020104020204" pitchFamily="34" charset="0"/>
+              </a:rPr>
+              <a:t>3.3 Identificação e caracterização dos relacionamentos</a:t>
+            </a:r>
+          </a:p>
+          <a:p>
+            <a:r>
+              <a:rPr lang="pt-PT" dirty="0">
+                <a:solidFill>
+                  <a:schemeClr val="tx1"/>
+                </a:solidFill>
+                <a:effectLst/>
+                <a:latin typeface="Abadi" panose="020B0604020104020204" pitchFamily="34" charset="0"/>
+              </a:rPr>
+              <a:t>3.4 Identificação e caracterização da associação dos atributos com as entidades e relacionamentos.</a:t>
+            </a:r>
+          </a:p>
+          <a:p>
+            <a:r>
+              <a:rPr lang="pt-PT" dirty="0">
+                <a:solidFill>
+                  <a:schemeClr val="tx1"/>
+                </a:solidFill>
+                <a:effectLst/>
+                <a:latin typeface="Abadi" panose="020B0604020104020204" pitchFamily="34" charset="0"/>
+              </a:rPr>
+              <a:t>3.5 Apresentação e explicação do diagrama ER produzido</a:t>
+            </a:r>
+          </a:p>
+          <a:p>
+            <a:pPr marL="0" indent="0">
+              <a:buNone/>
+            </a:pPr>
+            <a:r>
+              <a:rPr lang="pt-PT" sz="3100" b="1" dirty="0">
+                <a:solidFill>
+                  <a:schemeClr val="tx1"/>
+                </a:solidFill>
+                <a:effectLst/>
+                <a:latin typeface="Abadi" panose="020B0604020104020204" pitchFamily="34" charset="0"/>
+              </a:rPr>
+              <a:t>4. Modelação Lógica</a:t>
+            </a:r>
+          </a:p>
+          <a:p>
+            <a:r>
+              <a:rPr lang="pt-PT" dirty="0">
+                <a:solidFill>
+                  <a:schemeClr val="tx1"/>
+                </a:solidFill>
+                <a:effectLst/>
+                <a:latin typeface="Abadi" panose="020B0604020104020204" pitchFamily="34" charset="0"/>
+              </a:rPr>
+              <a:t>4.1 Construção e validação do modelo de dados lógico</a:t>
+            </a:r>
+          </a:p>
+          <a:p>
+            <a:r>
+              <a:rPr lang="pt-PT" dirty="0">
+                <a:solidFill>
+                  <a:schemeClr val="tx1"/>
+                </a:solidFill>
+                <a:effectLst/>
+                <a:latin typeface="Abadi" panose="020B0604020104020204" pitchFamily="34" charset="0"/>
+              </a:rPr>
+              <a:t>4.2 Normalização de Dados</a:t>
+            </a:r>
+          </a:p>
+          <a:p>
+            <a:r>
+              <a:rPr lang="pt-PT" dirty="0">
+                <a:solidFill>
+                  <a:schemeClr val="tx1"/>
+                </a:solidFill>
+                <a:effectLst/>
+                <a:latin typeface="Abadi" panose="020B0604020104020204" pitchFamily="34" charset="0"/>
+              </a:rPr>
+              <a:t>4.3 Apresentação e explicação do modelo lógico produzido</a:t>
+            </a:r>
+          </a:p>
+          <a:p>
+            <a:r>
+              <a:rPr lang="pt-PT" dirty="0">
+                <a:solidFill>
+                  <a:schemeClr val="tx1"/>
+                </a:solidFill>
+                <a:effectLst/>
+                <a:latin typeface="Abadi" panose="020B0604020104020204" pitchFamily="34" charset="0"/>
+              </a:rPr>
+              <a:t>4.4 Validação do modelo com interrogações do utilizador</a:t>
+            </a:r>
+            <a:endParaRPr lang="pt-PT" dirty="0">
+              <a:solidFill>
+                <a:schemeClr val="tx1"/>
+              </a:solidFill>
+              <a:latin typeface="Abadi" panose="020B0604020104020204" pitchFamily="34" charset="0"/>
+            </a:endParaRPr>
+          </a:p>
+        </p:txBody>
+      </p:sp>
+    </p:spTree>
+    <p:extLst>
+      <p:ext uri="{BB962C8B-B14F-4D97-AF65-F5344CB8AC3E}">
+        <p14:creationId xmlns:p14="http://schemas.microsoft.com/office/powerpoint/2010/main" val="1621368749"/>
+      </p:ext>
+    </p:extLst>
+  </p:cSld>
+  <p:clrMapOvr>
+    <a:masterClrMapping/>
+  </p:clrMapOvr>
+</p:sld>
+</file>
+
+<file path=ppt/slides/slide30.xml><?xml version="1.0" encoding="utf-8"?>
+<p:sld xmlns:a="http://schemas.openxmlformats.org/drawingml/2006/main" xmlns:r="http://schemas.openxmlformats.org/officeDocument/2006/relationships" xmlns:p="http://schemas.openxmlformats.org/presentationml/2006/main">
+  <p:cSld>
+    <p:spTree>
+      <p:nvGrpSpPr>
+        <p:cNvPr id="1" name=""/>
+        <p:cNvGrpSpPr/>
+        <p:nvPr/>
+      </p:nvGrpSpPr>
+      <p:grpSpPr>
+        <a:xfrm>
+          <a:off x="0" y="0"/>
+          <a:ext cx="0" cy="0"/>
+          <a:chOff x="0" y="0"/>
+          <a:chExt cx="0" cy="0"/>
+        </a:xfrm>
+      </p:grpSpPr>
+      <p:sp>
+        <p:nvSpPr>
+          <p:cNvPr id="3" name="Marcador de Posição de Conteúdo 2">
+            <a:extLst>
+              <a:ext uri="{FF2B5EF4-FFF2-40B4-BE49-F238E27FC236}">
+                <a16:creationId xmlns:a16="http://schemas.microsoft.com/office/drawing/2014/main" id="{A8D9F90C-B715-C3B8-7785-E5CE4667443B}"/>
+              </a:ext>
+            </a:extLst>
+          </p:cNvPr>
+          <p:cNvSpPr>
+            <a:spLocks noGrp="1"/>
+          </p:cNvSpPr>
+          <p:nvPr>
+            <p:ph idx="1"/>
+          </p:nvPr>
+        </p:nvSpPr>
+        <p:spPr>
+          <a:xfrm>
+            <a:off x="1614196" y="877078"/>
+            <a:ext cx="6771047" cy="5379377"/>
+          </a:xfrm>
+        </p:spPr>
+        <p:txBody>
+          <a:bodyPr/>
+          <a:lstStyle/>
+          <a:p>
+            <a:pPr algn="just"/>
+            <a:r>
+              <a:rPr lang="pt-PT" sz="1800" b="1" u="sng" dirty="0">
+                <a:effectLst>
+                  <a:outerShdw blurRad="38100" dist="38100" dir="2700000" algn="tl">
+                    <a:srgbClr val="000000">
+                      <a:alpha val="43137"/>
+                    </a:srgbClr>
+                  </a:outerShdw>
+                </a:effectLst>
+              </a:rPr>
+              <a:t>Relacionamento Compra (</a:t>
+            </a:r>
+            <a:r>
+              <a:rPr lang="pt-PT" b="1" u="sng" dirty="0">
+                <a:effectLst>
+                  <a:outerShdw blurRad="38100" dist="38100" dir="2700000" algn="tl">
+                    <a:srgbClr val="000000">
+                      <a:alpha val="43137"/>
+                    </a:srgbClr>
+                  </a:outerShdw>
+                </a:effectLst>
+              </a:rPr>
+              <a:t>0</a:t>
+            </a:r>
+            <a:r>
+              <a:rPr lang="pt-PT" sz="1800" b="1" u="sng" dirty="0">
+                <a:effectLst>
+                  <a:outerShdw blurRad="38100" dist="38100" dir="2700000" algn="tl">
+                    <a:srgbClr val="000000">
+                      <a:alpha val="43137"/>
+                    </a:srgbClr>
+                  </a:outerShdw>
+                </a:effectLst>
+              </a:rPr>
+              <a:t>,n) – Fornecedor(1,</a:t>
+            </a:r>
+            <a:r>
+              <a:rPr lang="pt-PT" b="1" u="sng" dirty="0">
+                <a:effectLst>
+                  <a:outerShdw blurRad="38100" dist="38100" dir="2700000" algn="tl">
+                    <a:srgbClr val="000000">
+                      <a:alpha val="43137"/>
+                    </a:srgbClr>
+                  </a:outerShdw>
+                </a:effectLst>
+              </a:rPr>
+              <a:t>1</a:t>
+            </a:r>
+            <a:r>
+              <a:rPr lang="pt-PT" sz="1800" b="1" u="sng" dirty="0">
+                <a:effectLst>
+                  <a:outerShdw blurRad="38100" dist="38100" dir="2700000" algn="tl">
+                    <a:srgbClr val="000000">
+                      <a:alpha val="43137"/>
+                    </a:srgbClr>
+                  </a:outerShdw>
+                </a:effectLst>
+              </a:rPr>
+              <a:t>)</a:t>
+            </a:r>
+          </a:p>
+          <a:p>
+            <a:pPr marL="0" indent="0" algn="just">
+              <a:buNone/>
+            </a:pPr>
+            <a:r>
+              <a:rPr lang="pt-PT" u="sng" dirty="0">
+                <a:effectLst/>
+              </a:rPr>
+              <a:t>Relacionamento</a:t>
+            </a:r>
+            <a:r>
+              <a:rPr lang="pt-PT" dirty="0">
+                <a:effectLst/>
+              </a:rPr>
+              <a:t>: Compra feita a Fornecedor</a:t>
+            </a:r>
+          </a:p>
+          <a:p>
+            <a:pPr marL="0" indent="0" algn="just">
+              <a:buNone/>
+            </a:pPr>
+            <a:r>
+              <a:rPr lang="pt-PT" u="sng" dirty="0">
+                <a:effectLst/>
+              </a:rPr>
+              <a:t>Descrição</a:t>
+            </a:r>
+            <a:r>
+              <a:rPr lang="pt-PT" dirty="0">
+                <a:effectLst/>
+              </a:rPr>
+              <a:t>: Cada compra tem associada um fornecedor, um fornecedor pode ou não fazer vendas à empresa.</a:t>
+            </a:r>
+            <a:endParaRPr lang="pt-PT" u="sng" dirty="0"/>
+          </a:p>
+          <a:p>
+            <a:pPr marL="0" indent="0">
+              <a:buNone/>
+            </a:pPr>
+            <a:endParaRPr lang="pt-PT" sz="1800" b="1" u="sng" dirty="0">
+              <a:effectLst>
+                <a:outerShdw blurRad="38100" dist="38100" dir="2700000" algn="tl">
+                  <a:srgbClr val="000000">
+                    <a:alpha val="43137"/>
+                  </a:srgbClr>
+                </a:outerShdw>
+              </a:effectLst>
+            </a:endParaRPr>
+          </a:p>
+          <a:p>
+            <a:pPr marL="0" indent="0">
+              <a:buNone/>
+            </a:pPr>
+            <a:endParaRPr lang="pt-PT" b="1" u="sng" dirty="0">
+              <a:effectLst>
+                <a:outerShdw blurRad="38100" dist="38100" dir="2700000" algn="tl">
+                  <a:srgbClr val="000000">
+                    <a:alpha val="43137"/>
+                  </a:srgbClr>
+                </a:outerShdw>
+              </a:effectLst>
+            </a:endParaRPr>
+          </a:p>
+          <a:p>
+            <a:pPr marL="0" indent="0">
+              <a:buNone/>
+            </a:pPr>
+            <a:endParaRPr lang="pt-PT" sz="1800" b="1" u="sng" dirty="0">
+              <a:effectLst>
+                <a:outerShdw blurRad="38100" dist="38100" dir="2700000" algn="tl">
+                  <a:srgbClr val="000000">
+                    <a:alpha val="43137"/>
+                  </a:srgbClr>
+                </a:outerShdw>
+              </a:effectLst>
+            </a:endParaRPr>
+          </a:p>
+          <a:p>
+            <a:r>
+              <a:rPr lang="pt-PT" sz="1800" b="1" u="sng" dirty="0">
+                <a:effectLst>
+                  <a:outerShdw blurRad="38100" dist="38100" dir="2700000" algn="tl">
+                    <a:srgbClr val="000000">
+                      <a:alpha val="43137"/>
+                    </a:srgbClr>
+                  </a:outerShdw>
+                </a:effectLst>
+              </a:rPr>
+              <a:t>Relacionamento Contactos(1,n) – Fornecedor(</a:t>
+            </a:r>
+            <a:r>
+              <a:rPr lang="pt-PT" b="1" u="sng" dirty="0">
+                <a:effectLst>
+                  <a:outerShdw blurRad="38100" dist="38100" dir="2700000" algn="tl">
+                    <a:srgbClr val="000000">
+                      <a:alpha val="43137"/>
+                    </a:srgbClr>
+                  </a:outerShdw>
+                </a:effectLst>
+              </a:rPr>
+              <a:t>0</a:t>
+            </a:r>
+            <a:r>
+              <a:rPr lang="pt-PT" sz="1800" b="1" u="sng" dirty="0">
+                <a:effectLst>
+                  <a:outerShdw blurRad="38100" dist="38100" dir="2700000" algn="tl">
+                    <a:srgbClr val="000000">
+                      <a:alpha val="43137"/>
+                    </a:srgbClr>
+                  </a:outerShdw>
+                </a:effectLst>
+              </a:rPr>
+              <a:t>,</a:t>
+            </a:r>
+            <a:r>
+              <a:rPr lang="pt-PT" b="1" u="sng" dirty="0">
+                <a:effectLst>
+                  <a:outerShdw blurRad="38100" dist="38100" dir="2700000" algn="tl">
+                    <a:srgbClr val="000000">
+                      <a:alpha val="43137"/>
+                    </a:srgbClr>
+                  </a:outerShdw>
+                </a:effectLst>
+              </a:rPr>
+              <a:t>1</a:t>
+            </a:r>
+            <a:r>
+              <a:rPr lang="pt-PT" sz="1800" b="1" u="sng" dirty="0">
+                <a:effectLst>
+                  <a:outerShdw blurRad="38100" dist="38100" dir="2700000" algn="tl">
+                    <a:srgbClr val="000000">
+                      <a:alpha val="43137"/>
+                    </a:srgbClr>
+                  </a:outerShdw>
+                </a:effectLst>
+              </a:rPr>
+              <a:t>)</a:t>
+            </a:r>
+          </a:p>
+          <a:p>
+            <a:pPr marL="0" indent="0">
+              <a:buNone/>
+            </a:pPr>
+            <a:r>
+              <a:rPr lang="pt-PT" u="sng" dirty="0">
+                <a:effectLst/>
+              </a:rPr>
+              <a:t>Relacionamento</a:t>
+            </a:r>
+            <a:r>
+              <a:rPr lang="pt-PT" dirty="0">
+                <a:effectLst/>
+              </a:rPr>
+              <a:t>: Contactos associados a Fornecedor</a:t>
+            </a:r>
+          </a:p>
+          <a:p>
+            <a:pPr marL="0" indent="0" algn="just">
+              <a:buNone/>
+            </a:pPr>
+            <a:r>
+              <a:rPr lang="pt-PT" u="sng" dirty="0">
+                <a:effectLst/>
+              </a:rPr>
+              <a:t>Descrição</a:t>
+            </a:r>
+            <a:r>
+              <a:rPr lang="pt-PT" u="sng" dirty="0"/>
+              <a:t>:</a:t>
+            </a:r>
+            <a:r>
+              <a:rPr lang="pt-PT" dirty="0"/>
+              <a:t> Um fornecedor tem um ou mais contactos, os contactos podem estar ou não associados aos fornecedores.</a:t>
+            </a:r>
+            <a:endParaRPr lang="pt-PT" u="sng" dirty="0"/>
+          </a:p>
+          <a:p>
+            <a:pPr marL="0" indent="0">
+              <a:buNone/>
+            </a:pPr>
+            <a:endParaRPr lang="pt-PT" u="sng" dirty="0"/>
+          </a:p>
+          <a:p>
+            <a:pPr marL="0" indent="0">
+              <a:buNone/>
+            </a:pPr>
+            <a:endParaRPr lang="pt-PT" u="sng" dirty="0">
+              <a:effectLst/>
+            </a:endParaRPr>
+          </a:p>
+          <a:p>
+            <a:pPr marL="0" indent="0">
+              <a:buNone/>
+            </a:pPr>
+            <a:endParaRPr lang="pt-PT" u="sng" dirty="0"/>
+          </a:p>
+          <a:p>
+            <a:pPr marL="0" indent="0">
+              <a:buNone/>
+            </a:pPr>
+            <a:endParaRPr lang="pt-PT" u="sng" dirty="0">
+              <a:effectLst/>
+            </a:endParaRPr>
+          </a:p>
+          <a:p>
+            <a:endParaRPr lang="pt-PT" sz="1800" b="1" u="sng" dirty="0">
+              <a:effectLst>
+                <a:outerShdw blurRad="38100" dist="38100" dir="2700000" algn="tl">
+                  <a:srgbClr val="000000">
+                    <a:alpha val="43137"/>
+                  </a:srgbClr>
+                </a:outerShdw>
+              </a:effectLst>
+            </a:endParaRPr>
+          </a:p>
+          <a:p>
+            <a:endParaRPr lang="pt-PT" dirty="0"/>
+          </a:p>
+        </p:txBody>
+      </p:sp>
+      <p:pic>
+        <p:nvPicPr>
+          <p:cNvPr id="12" name="Imagem 11">
+            <a:extLst>
+              <a:ext uri="{FF2B5EF4-FFF2-40B4-BE49-F238E27FC236}">
+                <a16:creationId xmlns:a16="http://schemas.microsoft.com/office/drawing/2014/main" id="{B6677997-CB9C-CD41-D9B2-5594095ED89D}"/>
+              </a:ext>
+            </a:extLst>
+          </p:cNvPr>
+          <p:cNvPicPr>
+            <a:picLocks noChangeAspect="1"/>
+          </p:cNvPicPr>
+          <p:nvPr/>
+        </p:nvPicPr>
+        <p:blipFill>
+          <a:blip r:embed="rId2"/>
+          <a:stretch>
+            <a:fillRect/>
+          </a:stretch>
+        </p:blipFill>
+        <p:spPr>
+          <a:xfrm>
+            <a:off x="8385243" y="1311871"/>
+            <a:ext cx="3706001" cy="1874464"/>
+          </a:xfrm>
+          <a:prstGeom prst="rect">
+            <a:avLst/>
+          </a:prstGeom>
+          <a:ln>
+            <a:noFill/>
+          </a:ln>
+          <a:effectLst>
+            <a:outerShdw blurRad="292100" dist="139700" dir="2700000" algn="tl" rotWithShape="0">
+              <a:srgbClr val="333333">
+                <a:alpha val="65000"/>
+              </a:srgbClr>
+            </a:outerShdw>
+          </a:effectLst>
+        </p:spPr>
+      </p:pic>
+      <p:pic>
+        <p:nvPicPr>
+          <p:cNvPr id="15" name="Imagem 14">
+            <a:extLst>
+              <a:ext uri="{FF2B5EF4-FFF2-40B4-BE49-F238E27FC236}">
+                <a16:creationId xmlns:a16="http://schemas.microsoft.com/office/drawing/2014/main" id="{B1230520-D9C0-0B5C-E69A-AE5E49A1FA6C}"/>
+              </a:ext>
+            </a:extLst>
+          </p:cNvPr>
+          <p:cNvPicPr>
+            <a:picLocks noChangeAspect="1"/>
+          </p:cNvPicPr>
+          <p:nvPr/>
+        </p:nvPicPr>
+        <p:blipFill>
+          <a:blip r:embed="rId3"/>
+          <a:stretch>
+            <a:fillRect/>
+          </a:stretch>
+        </p:blipFill>
+        <p:spPr>
+          <a:xfrm>
+            <a:off x="8998086" y="3855690"/>
+            <a:ext cx="2639394" cy="1732358"/>
+          </a:xfrm>
+          <a:prstGeom prst="rect">
+            <a:avLst/>
+          </a:prstGeom>
+          <a:ln>
+            <a:noFill/>
+          </a:ln>
+          <a:effectLst>
+            <a:outerShdw blurRad="292100" dist="139700" dir="2700000" algn="tl" rotWithShape="0">
+              <a:srgbClr val="333333">
+                <a:alpha val="65000"/>
+              </a:srgbClr>
+            </a:outerShdw>
+          </a:effectLst>
+        </p:spPr>
+      </p:pic>
+    </p:spTree>
+    <p:extLst>
+      <p:ext uri="{BB962C8B-B14F-4D97-AF65-F5344CB8AC3E}">
+        <p14:creationId xmlns:p14="http://schemas.microsoft.com/office/powerpoint/2010/main" val="3325022174"/>
+      </p:ext>
+    </p:extLst>
+  </p:cSld>
+  <p:clrMapOvr>
+    <a:masterClrMapping/>
+  </p:clrMapOvr>
+</p:sld>
+</file>
+
+<file path=ppt/slides/slide31.xml><?xml version="1.0" encoding="utf-8"?>
+<p:sld xmlns:a="http://schemas.openxmlformats.org/drawingml/2006/main" xmlns:r="http://schemas.openxmlformats.org/officeDocument/2006/relationships" xmlns:p="http://schemas.openxmlformats.org/presentationml/2006/main">
+  <p:cSld>
+    <p:spTree>
+      <p:nvGrpSpPr>
+        <p:cNvPr id="1" name=""/>
+        <p:cNvGrpSpPr/>
+        <p:nvPr/>
+      </p:nvGrpSpPr>
+      <p:grpSpPr>
+        <a:xfrm>
+          <a:off x="0" y="0"/>
+          <a:ext cx="0" cy="0"/>
+          <a:chOff x="0" y="0"/>
+          <a:chExt cx="0" cy="0"/>
+        </a:xfrm>
+      </p:grpSpPr>
+      <p:sp>
+        <p:nvSpPr>
+          <p:cNvPr id="3" name="Marcador de Posição de Conteúdo 2">
+            <a:extLst>
+              <a:ext uri="{FF2B5EF4-FFF2-40B4-BE49-F238E27FC236}">
+                <a16:creationId xmlns:a16="http://schemas.microsoft.com/office/drawing/2014/main" id="{A8D9F90C-B715-C3B8-7785-E5CE4667443B}"/>
+              </a:ext>
+            </a:extLst>
+          </p:cNvPr>
+          <p:cNvSpPr>
+            <a:spLocks noGrp="1"/>
+          </p:cNvSpPr>
+          <p:nvPr>
+            <p:ph idx="1"/>
+          </p:nvPr>
+        </p:nvSpPr>
+        <p:spPr>
+          <a:xfrm>
+            <a:off x="1614196" y="877078"/>
+            <a:ext cx="6771047" cy="5379377"/>
+          </a:xfrm>
+        </p:spPr>
+        <p:txBody>
+          <a:bodyPr/>
+          <a:lstStyle/>
+          <a:p>
+            <a:pPr algn="just"/>
+            <a:r>
+              <a:rPr lang="pt-PT" sz="1800" b="1" u="sng" dirty="0">
+                <a:effectLst>
+                  <a:outerShdw blurRad="38100" dist="38100" dir="2700000" algn="tl">
+                    <a:srgbClr val="000000">
+                      <a:alpha val="43137"/>
+                    </a:srgbClr>
+                  </a:outerShdw>
+                </a:effectLst>
+              </a:rPr>
+              <a:t>Relacionamento Contactos(1,n) – Cliente(0,1)</a:t>
+            </a:r>
+          </a:p>
+          <a:p>
+            <a:pPr marL="0" indent="0" algn="just">
+              <a:buNone/>
+            </a:pPr>
+            <a:r>
+              <a:rPr lang="pt-PT" u="sng" dirty="0">
+                <a:effectLst/>
+              </a:rPr>
+              <a:t>Relacionamento</a:t>
+            </a:r>
+            <a:r>
+              <a:rPr lang="pt-PT" dirty="0">
+                <a:effectLst/>
+              </a:rPr>
+              <a:t>: Contactos associados a Cliente</a:t>
+            </a:r>
+          </a:p>
+          <a:p>
+            <a:pPr marL="0" indent="0" algn="just">
+              <a:buNone/>
+            </a:pPr>
+            <a:r>
+              <a:rPr lang="pt-PT" u="sng" dirty="0">
+                <a:effectLst/>
+              </a:rPr>
+              <a:t>Descrição</a:t>
+            </a:r>
+            <a:r>
+              <a:rPr lang="pt-PT" dirty="0">
+                <a:effectLst/>
+              </a:rPr>
+              <a:t>: </a:t>
+            </a:r>
+            <a:r>
+              <a:rPr lang="pt-PT" dirty="0"/>
+              <a:t>Um cliente tem um ou mais contactos, os contactos podem estar ou não associados aos clientes.</a:t>
+            </a:r>
+            <a:endParaRPr lang="pt-PT" u="sng" dirty="0"/>
+          </a:p>
+          <a:p>
+            <a:pPr marL="0" indent="0">
+              <a:buNone/>
+            </a:pPr>
+            <a:endParaRPr lang="pt-PT" sz="1800" b="1" u="sng" dirty="0">
+              <a:effectLst>
+                <a:outerShdw blurRad="38100" dist="38100" dir="2700000" algn="tl">
+                  <a:srgbClr val="000000">
+                    <a:alpha val="43137"/>
+                  </a:srgbClr>
+                </a:outerShdw>
+              </a:effectLst>
+            </a:endParaRPr>
+          </a:p>
+          <a:p>
+            <a:pPr marL="0" indent="0">
+              <a:buNone/>
+            </a:pPr>
+            <a:endParaRPr lang="pt-PT" sz="1800" b="1" u="sng" dirty="0">
+              <a:effectLst>
+                <a:outerShdw blurRad="38100" dist="38100" dir="2700000" algn="tl">
+                  <a:srgbClr val="000000">
+                    <a:alpha val="43137"/>
+                  </a:srgbClr>
+                </a:outerShdw>
+              </a:effectLst>
+            </a:endParaRPr>
+          </a:p>
+          <a:p>
+            <a:pPr marL="0" indent="0">
+              <a:buNone/>
+            </a:pPr>
+            <a:endParaRPr lang="pt-PT" sz="1800" b="1" u="sng" dirty="0">
+              <a:effectLst>
+                <a:outerShdw blurRad="38100" dist="38100" dir="2700000" algn="tl">
+                  <a:srgbClr val="000000">
+                    <a:alpha val="43137"/>
+                  </a:srgbClr>
+                </a:outerShdw>
+              </a:effectLst>
+            </a:endParaRPr>
+          </a:p>
+          <a:p>
+            <a:pPr marL="0" indent="0">
+              <a:buNone/>
+            </a:pPr>
+            <a:endParaRPr lang="pt-PT" b="1" u="sng" dirty="0">
+              <a:effectLst>
+                <a:outerShdw blurRad="38100" dist="38100" dir="2700000" algn="tl">
+                  <a:srgbClr val="000000">
+                    <a:alpha val="43137"/>
+                  </a:srgbClr>
+                </a:outerShdw>
+              </a:effectLst>
+            </a:endParaRPr>
+          </a:p>
+          <a:p>
+            <a:r>
+              <a:rPr lang="pt-PT" sz="1800" b="1" u="sng" dirty="0">
+                <a:effectLst>
+                  <a:outerShdw blurRad="38100" dist="38100" dir="2700000" algn="tl">
+                    <a:srgbClr val="000000">
+                      <a:alpha val="43137"/>
+                    </a:srgbClr>
+                  </a:outerShdw>
+                </a:effectLst>
+              </a:rPr>
+              <a:t>Relacionamento Encomenda(1,n) – Cliente(1,</a:t>
+            </a:r>
+            <a:r>
+              <a:rPr lang="pt-PT" b="1" u="sng" dirty="0">
+                <a:effectLst>
+                  <a:outerShdw blurRad="38100" dist="38100" dir="2700000" algn="tl">
+                    <a:srgbClr val="000000">
+                      <a:alpha val="43137"/>
+                    </a:srgbClr>
+                  </a:outerShdw>
+                </a:effectLst>
+              </a:rPr>
+              <a:t>1</a:t>
+            </a:r>
+            <a:r>
+              <a:rPr lang="pt-PT" sz="1800" b="1" u="sng" dirty="0">
+                <a:effectLst>
+                  <a:outerShdw blurRad="38100" dist="38100" dir="2700000" algn="tl">
+                    <a:srgbClr val="000000">
+                      <a:alpha val="43137"/>
+                    </a:srgbClr>
+                  </a:outerShdw>
+                </a:effectLst>
+              </a:rPr>
+              <a:t>)</a:t>
+            </a:r>
+          </a:p>
+          <a:p>
+            <a:pPr marL="0" indent="0">
+              <a:buNone/>
+            </a:pPr>
+            <a:r>
+              <a:rPr lang="pt-PT" u="sng" dirty="0">
+                <a:effectLst/>
+              </a:rPr>
+              <a:t>Relacionamento</a:t>
+            </a:r>
+            <a:r>
+              <a:rPr lang="pt-PT" dirty="0">
+                <a:effectLst/>
+              </a:rPr>
+              <a:t>: Encomenda tem Cliente</a:t>
+            </a:r>
+          </a:p>
+          <a:p>
+            <a:pPr marL="0" indent="0" algn="just">
+              <a:buNone/>
+            </a:pPr>
+            <a:r>
+              <a:rPr lang="pt-PT" u="sng" dirty="0">
+                <a:effectLst/>
+              </a:rPr>
+              <a:t>Descrição</a:t>
+            </a:r>
+            <a:r>
+              <a:rPr lang="pt-PT" u="sng" dirty="0"/>
+              <a:t>:</a:t>
+            </a:r>
+            <a:r>
+              <a:rPr lang="pt-PT" dirty="0"/>
+              <a:t> Cada encomenda tem um e um só cliente, cada cliente tem uma ou mais encomendas.</a:t>
+            </a:r>
+            <a:endParaRPr lang="pt-PT" u="sng" dirty="0"/>
+          </a:p>
+          <a:p>
+            <a:pPr marL="0" indent="0">
+              <a:buNone/>
+            </a:pPr>
+            <a:endParaRPr lang="pt-PT" u="sng" dirty="0"/>
+          </a:p>
+          <a:p>
+            <a:pPr marL="0" indent="0">
+              <a:buNone/>
+            </a:pPr>
+            <a:endParaRPr lang="pt-PT" u="sng" dirty="0">
+              <a:effectLst/>
+            </a:endParaRPr>
+          </a:p>
+          <a:p>
+            <a:pPr marL="0" indent="0">
+              <a:buNone/>
+            </a:pPr>
+            <a:endParaRPr lang="pt-PT" u="sng" dirty="0"/>
+          </a:p>
+          <a:p>
+            <a:pPr marL="0" indent="0">
+              <a:buNone/>
+            </a:pPr>
+            <a:endParaRPr lang="pt-PT" u="sng" dirty="0">
+              <a:effectLst/>
+            </a:endParaRPr>
+          </a:p>
+          <a:p>
+            <a:endParaRPr lang="pt-PT" sz="1800" b="1" u="sng" dirty="0">
+              <a:effectLst>
+                <a:outerShdw blurRad="38100" dist="38100" dir="2700000" algn="tl">
+                  <a:srgbClr val="000000">
+                    <a:alpha val="43137"/>
+                  </a:srgbClr>
+                </a:outerShdw>
+              </a:effectLst>
+            </a:endParaRPr>
+          </a:p>
+          <a:p>
+            <a:endParaRPr lang="pt-PT" dirty="0"/>
+          </a:p>
+        </p:txBody>
+      </p:sp>
+      <p:pic>
+        <p:nvPicPr>
+          <p:cNvPr id="17" name="Imagem 16">
+            <a:extLst>
+              <a:ext uri="{FF2B5EF4-FFF2-40B4-BE49-F238E27FC236}">
+                <a16:creationId xmlns:a16="http://schemas.microsoft.com/office/drawing/2014/main" id="{8803060C-B94D-29FA-33A5-1F21A66998A2}"/>
+              </a:ext>
+            </a:extLst>
+          </p:cNvPr>
+          <p:cNvPicPr>
+            <a:picLocks noChangeAspect="1"/>
+          </p:cNvPicPr>
+          <p:nvPr/>
+        </p:nvPicPr>
+        <p:blipFill>
+          <a:blip r:embed="rId2"/>
+          <a:stretch>
+            <a:fillRect/>
+          </a:stretch>
+        </p:blipFill>
+        <p:spPr>
+          <a:xfrm>
+            <a:off x="8815915" y="968464"/>
+            <a:ext cx="2415749" cy="1798476"/>
+          </a:xfrm>
+          <a:prstGeom prst="rect">
+            <a:avLst/>
+          </a:prstGeom>
+          <a:ln>
+            <a:noFill/>
+          </a:ln>
+          <a:effectLst>
+            <a:outerShdw blurRad="292100" dist="139700" dir="2700000" algn="tl" rotWithShape="0">
+              <a:srgbClr val="333333">
+                <a:alpha val="65000"/>
+              </a:srgbClr>
+            </a:outerShdw>
+          </a:effectLst>
+        </p:spPr>
+      </p:pic>
+      <p:pic>
+        <p:nvPicPr>
+          <p:cNvPr id="4" name="Imagem 3">
+            <a:extLst>
+              <a:ext uri="{FF2B5EF4-FFF2-40B4-BE49-F238E27FC236}">
+                <a16:creationId xmlns:a16="http://schemas.microsoft.com/office/drawing/2014/main" id="{8D7761E6-046F-753E-1005-B707E7DE509A}"/>
+              </a:ext>
+            </a:extLst>
+          </p:cNvPr>
+          <p:cNvPicPr>
+            <a:picLocks noChangeAspect="1"/>
+          </p:cNvPicPr>
+          <p:nvPr/>
+        </p:nvPicPr>
+        <p:blipFill>
+          <a:blip r:embed="rId3"/>
+          <a:stretch>
+            <a:fillRect/>
+          </a:stretch>
+        </p:blipFill>
+        <p:spPr>
+          <a:xfrm>
+            <a:off x="8648261" y="3793854"/>
+            <a:ext cx="2751058" cy="2095682"/>
+          </a:xfrm>
+          <a:prstGeom prst="rect">
+            <a:avLst/>
+          </a:prstGeom>
+          <a:ln>
+            <a:noFill/>
+          </a:ln>
+          <a:effectLst>
+            <a:outerShdw blurRad="292100" dist="139700" dir="2700000" algn="tl" rotWithShape="0">
+              <a:srgbClr val="333333">
+                <a:alpha val="65000"/>
+              </a:srgbClr>
+            </a:outerShdw>
+          </a:effectLst>
+        </p:spPr>
+      </p:pic>
+    </p:spTree>
+    <p:extLst>
+      <p:ext uri="{BB962C8B-B14F-4D97-AF65-F5344CB8AC3E}">
+        <p14:creationId xmlns:p14="http://schemas.microsoft.com/office/powerpoint/2010/main" val="819101544"/>
+      </p:ext>
+    </p:extLst>
+  </p:cSld>
+  <p:clrMapOvr>
+    <a:masterClrMapping/>
+  </p:clrMapOvr>
+</p:sld>
+</file>
+
+<file path=ppt/slides/slide32.xml><?xml version="1.0" encoding="utf-8"?>
+<p:sld xmlns:a="http://schemas.openxmlformats.org/drawingml/2006/main" xmlns:r="http://schemas.openxmlformats.org/officeDocument/2006/relationships" xmlns:p="http://schemas.openxmlformats.org/presentationml/2006/main">
+  <p:cSld>
+    <p:spTree>
+      <p:nvGrpSpPr>
+        <p:cNvPr id="1" name=""/>
+        <p:cNvGrpSpPr/>
+        <p:nvPr/>
+      </p:nvGrpSpPr>
+      <p:grpSpPr>
+        <a:xfrm>
+          <a:off x="0" y="0"/>
+          <a:ext cx="0" cy="0"/>
+          <a:chOff x="0" y="0"/>
+          <a:chExt cx="0" cy="0"/>
+        </a:xfrm>
+      </p:grpSpPr>
+      <p:sp>
+        <p:nvSpPr>
+          <p:cNvPr id="3" name="Marcador de Posição de Conteúdo 2">
+            <a:extLst>
+              <a:ext uri="{FF2B5EF4-FFF2-40B4-BE49-F238E27FC236}">
+                <a16:creationId xmlns:a16="http://schemas.microsoft.com/office/drawing/2014/main" id="{A8D9F90C-B715-C3B8-7785-E5CE4667443B}"/>
+              </a:ext>
+            </a:extLst>
+          </p:cNvPr>
+          <p:cNvSpPr>
+            <a:spLocks noGrp="1"/>
+          </p:cNvSpPr>
+          <p:nvPr>
+            <p:ph idx="1"/>
+          </p:nvPr>
+        </p:nvSpPr>
+        <p:spPr>
+          <a:xfrm>
+            <a:off x="1614196" y="877078"/>
+            <a:ext cx="6771047" cy="5379377"/>
+          </a:xfrm>
+        </p:spPr>
+        <p:txBody>
+          <a:bodyPr/>
+          <a:lstStyle/>
+          <a:p>
+            <a:pPr algn="just"/>
+            <a:r>
+              <a:rPr lang="pt-PT" sz="1800" b="1" u="sng" dirty="0">
+                <a:effectLst>
+                  <a:outerShdw blurRad="38100" dist="38100" dir="2700000" algn="tl">
+                    <a:srgbClr val="000000">
+                      <a:alpha val="43137"/>
+                    </a:srgbClr>
+                  </a:outerShdw>
+                </a:effectLst>
+              </a:rPr>
+              <a:t>Relacionamento Encomenda(</a:t>
+            </a:r>
+            <a:r>
+              <a:rPr lang="pt-PT" b="1" u="sng" dirty="0">
+                <a:effectLst>
+                  <a:outerShdw blurRad="38100" dist="38100" dir="2700000" algn="tl">
+                    <a:srgbClr val="000000">
+                      <a:alpha val="43137"/>
+                    </a:srgbClr>
+                  </a:outerShdw>
+                </a:effectLst>
+              </a:rPr>
+              <a:t>0</a:t>
+            </a:r>
+            <a:r>
+              <a:rPr lang="pt-PT" sz="1800" b="1" u="sng" dirty="0">
+                <a:effectLst>
+                  <a:outerShdw blurRad="38100" dist="38100" dir="2700000" algn="tl">
+                    <a:srgbClr val="000000">
+                      <a:alpha val="43137"/>
+                    </a:srgbClr>
+                  </a:outerShdw>
+                </a:effectLst>
+              </a:rPr>
+              <a:t>,n) – Endereço(</a:t>
+            </a:r>
+            <a:r>
+              <a:rPr lang="pt-PT" b="1" u="sng" dirty="0">
+                <a:effectLst>
+                  <a:outerShdw blurRad="38100" dist="38100" dir="2700000" algn="tl">
+                    <a:srgbClr val="000000">
+                      <a:alpha val="43137"/>
+                    </a:srgbClr>
+                  </a:outerShdw>
+                </a:effectLst>
+              </a:rPr>
+              <a:t>1</a:t>
+            </a:r>
+            <a:r>
+              <a:rPr lang="pt-PT" sz="1800" b="1" u="sng" dirty="0">
+                <a:effectLst>
+                  <a:outerShdw blurRad="38100" dist="38100" dir="2700000" algn="tl">
+                    <a:srgbClr val="000000">
+                      <a:alpha val="43137"/>
+                    </a:srgbClr>
+                  </a:outerShdw>
+                </a:effectLst>
+              </a:rPr>
+              <a:t>,1)</a:t>
+            </a:r>
+          </a:p>
+          <a:p>
+            <a:pPr marL="0" indent="0" algn="just">
+              <a:buNone/>
+            </a:pPr>
+            <a:r>
+              <a:rPr lang="pt-PT" u="sng" dirty="0">
+                <a:effectLst/>
+              </a:rPr>
+              <a:t>Relacionamento</a:t>
+            </a:r>
+            <a:r>
+              <a:rPr lang="pt-PT" dirty="0">
+                <a:effectLst/>
+              </a:rPr>
+              <a:t>: Encomenda endereçada a Endereço</a:t>
+            </a:r>
+          </a:p>
+          <a:p>
+            <a:pPr marL="0" indent="0" algn="just">
+              <a:buNone/>
+            </a:pPr>
+            <a:r>
+              <a:rPr lang="pt-PT" u="sng" dirty="0">
+                <a:effectLst/>
+              </a:rPr>
+              <a:t>Descrição</a:t>
+            </a:r>
+            <a:r>
+              <a:rPr lang="pt-PT" dirty="0">
+                <a:effectLst/>
+              </a:rPr>
+              <a:t>: Cada encomenda está endereçada a um e um só endereço, um endereço tem ou nã</a:t>
+            </a:r>
+            <a:r>
+              <a:rPr lang="pt-PT" dirty="0"/>
+              <a:t>o várias encomendas associadas.</a:t>
+            </a:r>
+            <a:endParaRPr lang="pt-PT" u="sng" dirty="0"/>
+          </a:p>
+          <a:p>
+            <a:pPr marL="0" indent="0">
+              <a:buNone/>
+            </a:pPr>
+            <a:endParaRPr lang="pt-PT" sz="1800" b="1" u="sng" dirty="0">
+              <a:effectLst>
+                <a:outerShdw blurRad="38100" dist="38100" dir="2700000" algn="tl">
+                  <a:srgbClr val="000000">
+                    <a:alpha val="43137"/>
+                  </a:srgbClr>
+                </a:outerShdw>
+              </a:effectLst>
+            </a:endParaRPr>
+          </a:p>
+          <a:p>
+            <a:pPr marL="0" indent="0">
+              <a:buNone/>
+            </a:pPr>
+            <a:endParaRPr lang="pt-PT" sz="1800" b="1" u="sng" dirty="0">
+              <a:effectLst>
+                <a:outerShdw blurRad="38100" dist="38100" dir="2700000" algn="tl">
+                  <a:srgbClr val="000000">
+                    <a:alpha val="43137"/>
+                  </a:srgbClr>
+                </a:outerShdw>
+              </a:effectLst>
+            </a:endParaRPr>
+          </a:p>
+          <a:p>
+            <a:pPr marL="0" indent="0">
+              <a:buNone/>
+            </a:pPr>
+            <a:endParaRPr lang="pt-PT" sz="1800" b="1" u="sng" dirty="0">
+              <a:effectLst>
+                <a:outerShdw blurRad="38100" dist="38100" dir="2700000" algn="tl">
+                  <a:srgbClr val="000000">
+                    <a:alpha val="43137"/>
+                  </a:srgbClr>
+                </a:outerShdw>
+              </a:effectLst>
+            </a:endParaRPr>
+          </a:p>
+          <a:p>
+            <a:r>
+              <a:rPr lang="pt-PT" sz="1800" b="1" u="sng" dirty="0">
+                <a:effectLst>
+                  <a:outerShdw blurRad="38100" dist="38100" dir="2700000" algn="tl">
+                    <a:srgbClr val="000000">
+                      <a:alpha val="43137"/>
+                    </a:srgbClr>
+                  </a:outerShdw>
+                </a:effectLst>
+              </a:rPr>
+              <a:t>Relacionamento Fornecedor(</a:t>
+            </a:r>
+            <a:r>
+              <a:rPr lang="pt-PT" b="1" u="sng" dirty="0">
+                <a:effectLst>
+                  <a:outerShdw blurRad="38100" dist="38100" dir="2700000" algn="tl">
+                    <a:srgbClr val="000000">
+                      <a:alpha val="43137"/>
+                    </a:srgbClr>
+                  </a:outerShdw>
+                </a:effectLst>
+              </a:rPr>
+              <a:t>0</a:t>
+            </a:r>
+            <a:r>
+              <a:rPr lang="pt-PT" sz="1800" b="1" u="sng" dirty="0">
+                <a:effectLst>
+                  <a:outerShdw blurRad="38100" dist="38100" dir="2700000" algn="tl">
+                    <a:srgbClr val="000000">
+                      <a:alpha val="43137"/>
+                    </a:srgbClr>
+                  </a:outerShdw>
+                </a:effectLst>
+              </a:rPr>
+              <a:t>,</a:t>
+            </a:r>
+            <a:r>
+              <a:rPr lang="pt-PT" b="1" u="sng" dirty="0">
+                <a:effectLst>
+                  <a:outerShdw blurRad="38100" dist="38100" dir="2700000" algn="tl">
+                    <a:srgbClr val="000000">
+                      <a:alpha val="43137"/>
+                    </a:srgbClr>
+                  </a:outerShdw>
+                </a:effectLst>
+              </a:rPr>
+              <a:t>1</a:t>
+            </a:r>
+            <a:r>
+              <a:rPr lang="pt-PT" sz="1800" b="1" u="sng" dirty="0">
+                <a:effectLst>
+                  <a:outerShdw blurRad="38100" dist="38100" dir="2700000" algn="tl">
+                    <a:srgbClr val="000000">
+                      <a:alpha val="43137"/>
+                    </a:srgbClr>
+                  </a:outerShdw>
+                </a:effectLst>
+              </a:rPr>
+              <a:t>) – Endereço(1,</a:t>
+            </a:r>
+            <a:r>
+              <a:rPr lang="pt-PT" b="1" u="sng" dirty="0">
+                <a:effectLst>
+                  <a:outerShdw blurRad="38100" dist="38100" dir="2700000" algn="tl">
+                    <a:srgbClr val="000000">
+                      <a:alpha val="43137"/>
+                    </a:srgbClr>
+                  </a:outerShdw>
+                </a:effectLst>
+              </a:rPr>
+              <a:t>n</a:t>
+            </a:r>
+            <a:r>
+              <a:rPr lang="pt-PT" sz="1800" b="1" u="sng" dirty="0">
+                <a:effectLst>
+                  <a:outerShdw blurRad="38100" dist="38100" dir="2700000" algn="tl">
+                    <a:srgbClr val="000000">
+                      <a:alpha val="43137"/>
+                    </a:srgbClr>
+                  </a:outerShdw>
+                </a:effectLst>
+              </a:rPr>
+              <a:t>)</a:t>
+            </a:r>
+          </a:p>
+          <a:p>
+            <a:pPr marL="0" indent="0">
+              <a:buNone/>
+            </a:pPr>
+            <a:r>
+              <a:rPr lang="pt-PT" u="sng" dirty="0">
+                <a:effectLst/>
+              </a:rPr>
+              <a:t>Relacionamento</a:t>
+            </a:r>
+            <a:r>
+              <a:rPr lang="pt-PT" dirty="0">
+                <a:effectLst/>
+              </a:rPr>
+              <a:t>: Fornecedor Localizado em Endereço</a:t>
+            </a:r>
+          </a:p>
+          <a:p>
+            <a:pPr marL="0" indent="0" algn="just">
+              <a:buNone/>
+            </a:pPr>
+            <a:r>
+              <a:rPr lang="pt-PT" u="sng" dirty="0">
+                <a:effectLst/>
+              </a:rPr>
+              <a:t>Descrição</a:t>
+            </a:r>
+            <a:r>
+              <a:rPr lang="pt-PT" u="sng" dirty="0"/>
+              <a:t>:</a:t>
+            </a:r>
+            <a:r>
+              <a:rPr lang="pt-PT" dirty="0"/>
+              <a:t> Um fornecedor localiza-se em um ou mais endereços, cada endereço pode ou não localizar fornecedores.</a:t>
+            </a:r>
+            <a:endParaRPr lang="pt-PT" u="sng" dirty="0"/>
+          </a:p>
+          <a:p>
+            <a:pPr marL="0" indent="0">
+              <a:buNone/>
+            </a:pPr>
+            <a:endParaRPr lang="pt-PT" u="sng" dirty="0"/>
+          </a:p>
+          <a:p>
+            <a:pPr marL="0" indent="0">
+              <a:buNone/>
+            </a:pPr>
+            <a:endParaRPr lang="pt-PT" u="sng" dirty="0">
+              <a:effectLst/>
+            </a:endParaRPr>
+          </a:p>
+          <a:p>
+            <a:pPr marL="0" indent="0">
+              <a:buNone/>
+            </a:pPr>
+            <a:endParaRPr lang="pt-PT" u="sng" dirty="0"/>
+          </a:p>
+          <a:p>
+            <a:pPr marL="0" indent="0">
+              <a:buNone/>
+            </a:pPr>
+            <a:endParaRPr lang="pt-PT" u="sng" dirty="0">
+              <a:effectLst/>
+            </a:endParaRPr>
+          </a:p>
+          <a:p>
+            <a:endParaRPr lang="pt-PT" sz="1800" b="1" u="sng" dirty="0">
+              <a:effectLst>
+                <a:outerShdw blurRad="38100" dist="38100" dir="2700000" algn="tl">
+                  <a:srgbClr val="000000">
+                    <a:alpha val="43137"/>
+                  </a:srgbClr>
+                </a:outerShdw>
+              </a:effectLst>
+            </a:endParaRPr>
+          </a:p>
+          <a:p>
+            <a:endParaRPr lang="pt-PT" dirty="0"/>
+          </a:p>
+        </p:txBody>
+      </p:sp>
+      <p:pic>
+        <p:nvPicPr>
+          <p:cNvPr id="5" name="Imagem 4">
+            <a:extLst>
+              <a:ext uri="{FF2B5EF4-FFF2-40B4-BE49-F238E27FC236}">
+                <a16:creationId xmlns:a16="http://schemas.microsoft.com/office/drawing/2014/main" id="{ABBA0078-7783-2976-A461-9AF904BEEECD}"/>
+              </a:ext>
+            </a:extLst>
+          </p:cNvPr>
+          <p:cNvPicPr>
+            <a:picLocks noChangeAspect="1"/>
+          </p:cNvPicPr>
+          <p:nvPr/>
+        </p:nvPicPr>
+        <p:blipFill>
+          <a:blip r:embed="rId2"/>
+          <a:stretch>
+            <a:fillRect/>
+          </a:stretch>
+        </p:blipFill>
+        <p:spPr>
+          <a:xfrm>
+            <a:off x="8385243" y="877078"/>
+            <a:ext cx="3360711" cy="2331922"/>
+          </a:xfrm>
+          <a:prstGeom prst="rect">
+            <a:avLst/>
+          </a:prstGeom>
+          <a:ln>
+            <a:noFill/>
+          </a:ln>
+          <a:effectLst>
+            <a:outerShdw blurRad="292100" dist="139700" dir="2700000" algn="tl" rotWithShape="0">
+              <a:srgbClr val="333333">
+                <a:alpha val="65000"/>
+              </a:srgbClr>
+            </a:outerShdw>
+          </a:effectLst>
+        </p:spPr>
+      </p:pic>
+      <p:pic>
+        <p:nvPicPr>
+          <p:cNvPr id="7" name="Imagem 6">
+            <a:extLst>
+              <a:ext uri="{FF2B5EF4-FFF2-40B4-BE49-F238E27FC236}">
+                <a16:creationId xmlns:a16="http://schemas.microsoft.com/office/drawing/2014/main" id="{A1705F0C-5646-7794-FC13-8646E0E76AF0}"/>
+              </a:ext>
+            </a:extLst>
+          </p:cNvPr>
+          <p:cNvPicPr>
+            <a:picLocks noChangeAspect="1"/>
+          </p:cNvPicPr>
+          <p:nvPr/>
+        </p:nvPicPr>
+        <p:blipFill>
+          <a:blip r:embed="rId3"/>
+          <a:stretch>
+            <a:fillRect/>
+          </a:stretch>
+        </p:blipFill>
+        <p:spPr>
+          <a:xfrm>
+            <a:off x="8454542" y="3910519"/>
+            <a:ext cx="3291412" cy="2070404"/>
+          </a:xfrm>
+          <a:prstGeom prst="rect">
+            <a:avLst/>
+          </a:prstGeom>
+          <a:ln>
+            <a:noFill/>
+          </a:ln>
+          <a:effectLst>
+            <a:outerShdw blurRad="292100" dist="139700" dir="2700000" algn="tl" rotWithShape="0">
+              <a:srgbClr val="333333">
+                <a:alpha val="65000"/>
+              </a:srgbClr>
+            </a:outerShdw>
+          </a:effectLst>
+        </p:spPr>
+      </p:pic>
+    </p:spTree>
+    <p:extLst>
+      <p:ext uri="{BB962C8B-B14F-4D97-AF65-F5344CB8AC3E}">
+        <p14:creationId xmlns:p14="http://schemas.microsoft.com/office/powerpoint/2010/main" val="3497621361"/>
+      </p:ext>
+    </p:extLst>
+  </p:cSld>
+  <p:clrMapOvr>
+    <a:masterClrMapping/>
+  </p:clrMapOvr>
+</p:sld>
+</file>
+
+<file path=ppt/slides/slide33.xml><?xml version="1.0" encoding="utf-8"?>
 <p:sld xmlns:a="http://schemas.openxmlformats.org/drawingml/2006/main" xmlns:r="http://schemas.openxmlformats.org/officeDocument/2006/relationships" xmlns:p="http://schemas.openxmlformats.org/presentationml/2006/main">
   <p:cSld>
     <p:spTree>
@@ -11071,7 +16944,7 @@
 </p:sld>
 </file>
 
-<file path=ppt/slides/slide27.xml><?xml version="1.0" encoding="utf-8"?>
+<file path=ppt/slides/slide34.xml><?xml version="1.0" encoding="utf-8"?>
 <p:sld xmlns:a="http://schemas.openxmlformats.org/drawingml/2006/main" xmlns:r="http://schemas.openxmlformats.org/officeDocument/2006/relationships" xmlns:p="http://schemas.openxmlformats.org/presentationml/2006/main">
   <p:cSld>
     <p:bg>
@@ -11225,7 +17098,7 @@
 </p:sld>
 </file>
 
-<file path=ppt/slides/slide28.xml><?xml version="1.0" encoding="utf-8"?>
+<file path=ppt/slides/slide35.xml><?xml version="1.0" encoding="utf-8"?>
 <p:sld xmlns:a="http://schemas.openxmlformats.org/drawingml/2006/main" xmlns:r="http://schemas.openxmlformats.org/officeDocument/2006/relationships" xmlns:p="http://schemas.openxmlformats.org/presentationml/2006/main">
   <p:cSld>
     <p:spTree>
@@ -11285,7 +17158,7 @@
 </p:sld>
 </file>
 
-<file path=ppt/slides/slide29.xml><?xml version="1.0" encoding="utf-8"?>
+<file path=ppt/slides/slide36.xml><?xml version="1.0" encoding="utf-8"?>
 <p:sld xmlns:a="http://schemas.openxmlformats.org/drawingml/2006/main" xmlns:r="http://schemas.openxmlformats.org/officeDocument/2006/relationships" xmlns:p="http://schemas.openxmlformats.org/presentationml/2006/main">
   <p:cSld>
     <p:spTree>
@@ -11395,249 +17268,7 @@
 </p:sld>
 </file>
 
-<file path=ppt/slides/slide3.xml><?xml version="1.0" encoding="utf-8"?>
-<p:sld xmlns:a="http://schemas.openxmlformats.org/drawingml/2006/main" xmlns:r="http://schemas.openxmlformats.org/officeDocument/2006/relationships" xmlns:p="http://schemas.openxmlformats.org/presentationml/2006/main">
-  <p:cSld>
-    <p:spTree>
-      <p:nvGrpSpPr>
-        <p:cNvPr id="1" name=""/>
-        <p:cNvGrpSpPr/>
-        <p:nvPr/>
-      </p:nvGrpSpPr>
-      <p:grpSpPr>
-        <a:xfrm>
-          <a:off x="0" y="0"/>
-          <a:ext cx="0" cy="0"/>
-          <a:chOff x="0" y="0"/>
-          <a:chExt cx="0" cy="0"/>
-        </a:xfrm>
-      </p:grpSpPr>
-      <p:sp>
-        <p:nvSpPr>
-          <p:cNvPr id="2" name="Título 1">
-            <a:extLst>
-              <a:ext uri="{FF2B5EF4-FFF2-40B4-BE49-F238E27FC236}">
-                <a16:creationId xmlns:a16="http://schemas.microsoft.com/office/drawing/2014/main" id="{955023A1-A3FF-EB22-DE1D-F1048E73C95A}"/>
-              </a:ext>
-            </a:extLst>
-          </p:cNvPr>
-          <p:cNvSpPr>
-            <a:spLocks noGrp="1"/>
-          </p:cNvSpPr>
-          <p:nvPr>
-            <p:ph type="title"/>
-          </p:nvPr>
-        </p:nvSpPr>
-        <p:spPr>
-          <a:xfrm>
-            <a:off x="2619558" y="624110"/>
-            <a:ext cx="8911687" cy="1280890"/>
-          </a:xfrm>
-        </p:spPr>
-        <p:txBody>
-          <a:bodyPr>
-            <a:normAutofit/>
-          </a:bodyPr>
-          <a:lstStyle/>
-          <a:p>
-            <a:r>
-              <a:rPr lang="pt-PT" sz="4800" b="1" dirty="0">
-                <a:solidFill>
-                  <a:schemeClr val="tx1"/>
-                </a:solidFill>
-              </a:rPr>
-              <a:t>Índice</a:t>
-            </a:r>
-          </a:p>
-        </p:txBody>
-      </p:sp>
-      <p:sp>
-        <p:nvSpPr>
-          <p:cNvPr id="3" name="Marcador de Posição de Conteúdo 2">
-            <a:extLst>
-              <a:ext uri="{FF2B5EF4-FFF2-40B4-BE49-F238E27FC236}">
-                <a16:creationId xmlns:a16="http://schemas.microsoft.com/office/drawing/2014/main" id="{558887E8-6BA6-B321-A07F-9BEE8E3A6A04}"/>
-              </a:ext>
-            </a:extLst>
-          </p:cNvPr>
-          <p:cNvSpPr>
-            <a:spLocks noGrp="1"/>
-          </p:cNvSpPr>
-          <p:nvPr>
-            <p:ph idx="1"/>
-          </p:nvPr>
-        </p:nvSpPr>
-        <p:spPr>
-          <a:xfrm>
-            <a:off x="1141413" y="1786270"/>
-            <a:ext cx="9905999" cy="4561367"/>
-          </a:xfrm>
-        </p:spPr>
-        <p:txBody>
-          <a:bodyPr>
-            <a:normAutofit fontScale="92500" lnSpcReduction="10000"/>
-          </a:bodyPr>
-          <a:lstStyle/>
-          <a:p>
-            <a:pPr marL="0" indent="0">
-              <a:buNone/>
-            </a:pPr>
-            <a:r>
-              <a:rPr lang="pt-PT" sz="3100" b="1" dirty="0">
-                <a:solidFill>
-                  <a:schemeClr val="tx1"/>
-                </a:solidFill>
-                <a:effectLst/>
-                <a:latin typeface="Abadi" panose="020B0604020104020204" pitchFamily="34" charset="0"/>
-              </a:rPr>
-              <a:t>3. Modelação Conceptual</a:t>
-            </a:r>
-          </a:p>
-          <a:p>
-            <a:r>
-              <a:rPr lang="pt-PT" dirty="0">
-                <a:solidFill>
-                  <a:schemeClr val="tx1"/>
-                </a:solidFill>
-                <a:effectLst/>
-                <a:latin typeface="Abadi" panose="020B0604020104020204" pitchFamily="34" charset="0"/>
-              </a:rPr>
-              <a:t>3.1 Apresentação da abordagem de modelação realizada</a:t>
-            </a:r>
-          </a:p>
-          <a:p>
-            <a:r>
-              <a:rPr lang="pt-PT" dirty="0">
-                <a:solidFill>
-                  <a:schemeClr val="tx1"/>
-                </a:solidFill>
-                <a:effectLst/>
-                <a:latin typeface="Abadi" panose="020B0604020104020204" pitchFamily="34" charset="0"/>
-              </a:rPr>
-              <a:t>3.2 Identificação e caracterização das entidades </a:t>
-            </a:r>
-          </a:p>
-          <a:p>
-            <a:r>
-              <a:rPr lang="pt-PT" dirty="0">
-                <a:solidFill>
-                  <a:schemeClr val="tx1"/>
-                </a:solidFill>
-                <a:effectLst/>
-                <a:latin typeface="Abadi" panose="020B0604020104020204" pitchFamily="34" charset="0"/>
-              </a:rPr>
-              <a:t>3.3 Identificação e caracterização dos relacionamentos</a:t>
-            </a:r>
-          </a:p>
-          <a:p>
-            <a:r>
-              <a:rPr lang="pt-PT" dirty="0">
-                <a:solidFill>
-                  <a:schemeClr val="tx1"/>
-                </a:solidFill>
-                <a:effectLst/>
-                <a:latin typeface="Abadi" panose="020B0604020104020204" pitchFamily="34" charset="0"/>
-              </a:rPr>
-              <a:t>3.4 Identificação e caracterização da associação dos atributos com as entidades e relacionamentos.</a:t>
-            </a:r>
-          </a:p>
-          <a:p>
-            <a:r>
-              <a:rPr lang="pt-PT" dirty="0">
-                <a:solidFill>
-                  <a:schemeClr val="tx1"/>
-                </a:solidFill>
-                <a:effectLst/>
-                <a:latin typeface="Abadi" panose="020B0604020104020204" pitchFamily="34" charset="0"/>
-              </a:rPr>
-              <a:t>3.5 Apresentação e explicação do diagrama ER produzido</a:t>
-            </a:r>
-          </a:p>
-          <a:p>
-            <a:pPr marL="0" indent="0">
-              <a:buNone/>
-            </a:pPr>
-            <a:r>
-              <a:rPr lang="pt-PT" sz="3100" b="1" dirty="0">
-                <a:solidFill>
-                  <a:schemeClr val="tx1"/>
-                </a:solidFill>
-                <a:effectLst/>
-                <a:latin typeface="Abadi" panose="020B0604020104020204" pitchFamily="34" charset="0"/>
-              </a:rPr>
-              <a:t>4. Modelação Lógica</a:t>
-            </a:r>
-          </a:p>
-          <a:p>
-            <a:r>
-              <a:rPr lang="pt-PT" dirty="0">
-                <a:solidFill>
-                  <a:schemeClr val="tx1"/>
-                </a:solidFill>
-                <a:effectLst/>
-                <a:latin typeface="Abadi" panose="020B0604020104020204" pitchFamily="34" charset="0"/>
-              </a:rPr>
-              <a:t>4.1 Construção e validação do modelo de dados lógico</a:t>
-            </a:r>
-          </a:p>
-          <a:p>
-            <a:r>
-              <a:rPr lang="pt-PT" dirty="0">
-                <a:solidFill>
-                  <a:schemeClr val="tx1"/>
-                </a:solidFill>
-                <a:effectLst/>
-                <a:latin typeface="Abadi" panose="020B0604020104020204" pitchFamily="34" charset="0"/>
-              </a:rPr>
-              <a:t>4.2 Normalização de Dados</a:t>
-            </a:r>
-          </a:p>
-          <a:p>
-            <a:r>
-              <a:rPr lang="pt-PT" dirty="0">
-                <a:solidFill>
-                  <a:schemeClr val="tx1"/>
-                </a:solidFill>
-                <a:effectLst/>
-                <a:latin typeface="Abadi" panose="020B0604020104020204" pitchFamily="34" charset="0"/>
-              </a:rPr>
-              <a:t>4.3 Apresentação e explicação do modelo lógico produzido</a:t>
-            </a:r>
-          </a:p>
-          <a:p>
-            <a:r>
-              <a:rPr lang="pt-PT" dirty="0">
-                <a:solidFill>
-                  <a:schemeClr val="tx1"/>
-                </a:solidFill>
-                <a:effectLst/>
-                <a:latin typeface="Abadi" panose="020B0604020104020204" pitchFamily="34" charset="0"/>
-              </a:rPr>
-              <a:t>4.4 Validação do modelo com interrogações do utilizador</a:t>
-            </a:r>
-            <a:endParaRPr lang="pt-PT" dirty="0">
-              <a:solidFill>
-                <a:schemeClr val="tx1"/>
-              </a:solidFill>
-              <a:latin typeface="Abadi" panose="020B0604020104020204" pitchFamily="34" charset="0"/>
-            </a:endParaRPr>
-          </a:p>
-        </p:txBody>
-      </p:sp>
-    </p:spTree>
-    <p:extLst>
-      <p:ext uri="{BB962C8B-B14F-4D97-AF65-F5344CB8AC3E}">
-        <p14:creationId xmlns:p14="http://schemas.microsoft.com/office/powerpoint/2010/main" val="1621368749"/>
-      </p:ext>
-    </p:extLst>
-  </p:cSld>
-  <p:clrMapOvr>
-    <a:masterClrMapping/>
-  </p:clrMapOvr>
-</p:sld>
-</file>
-
-<file path=ppt/slides/slide30.xml><?xml version="1.0" encoding="utf-8"?>
+<file path=ppt/slides/slide37.xml><?xml version="1.0" encoding="utf-8"?>
 <p:sld xmlns:a="http://schemas.openxmlformats.org/drawingml/2006/main" xmlns:r="http://schemas.openxmlformats.org/officeDocument/2006/relationships" xmlns:p="http://schemas.openxmlformats.org/presentationml/2006/main">
   <p:cSld>
     <p:spTree>
@@ -11747,7 +17378,7 @@
 </p:sld>
 </file>
 
-<file path=ppt/slides/slide31.xml><?xml version="1.0" encoding="utf-8"?>
+<file path=ppt/slides/slide38.xml><?xml version="1.0" encoding="utf-8"?>
 <p:sld xmlns:a="http://schemas.openxmlformats.org/drawingml/2006/main" xmlns:r="http://schemas.openxmlformats.org/officeDocument/2006/relationships" xmlns:p="http://schemas.openxmlformats.org/presentationml/2006/main">
   <p:cSld>
     <p:spTree>
@@ -11857,7 +17488,7 @@
 </p:sld>
 </file>
 
-<file path=ppt/slides/slide32.xml><?xml version="1.0" encoding="utf-8"?>
+<file path=ppt/slides/slide39.xml><?xml version="1.0" encoding="utf-8"?>
 <p:sld xmlns:a="http://schemas.openxmlformats.org/drawingml/2006/main" xmlns:r="http://schemas.openxmlformats.org/officeDocument/2006/relationships" xmlns:p="http://schemas.openxmlformats.org/presentationml/2006/main">
   <p:cSld>
     <p:spTree>
@@ -11958,727 +17589,6 @@
     <p:extLst>
       <p:ext uri="{BB962C8B-B14F-4D97-AF65-F5344CB8AC3E}">
         <p14:creationId xmlns:p14="http://schemas.microsoft.com/office/powerpoint/2010/main" val="636115629"/>
-      </p:ext>
-    </p:extLst>
-  </p:cSld>
-  <p:clrMapOvr>
-    <a:masterClrMapping/>
-  </p:clrMapOvr>
-</p:sld>
-</file>
-
-<file path=ppt/slides/slide33.xml><?xml version="1.0" encoding="utf-8"?>
-<p:sld xmlns:a="http://schemas.openxmlformats.org/drawingml/2006/main" xmlns:r="http://schemas.openxmlformats.org/officeDocument/2006/relationships" xmlns:p="http://schemas.openxmlformats.org/presentationml/2006/main">
-  <p:cSld>
-    <p:spTree>
-      <p:nvGrpSpPr>
-        <p:cNvPr id="1" name=""/>
-        <p:cNvGrpSpPr/>
-        <p:nvPr/>
-      </p:nvGrpSpPr>
-      <p:grpSpPr>
-        <a:xfrm>
-          <a:off x="0" y="0"/>
-          <a:ext cx="0" cy="0"/>
-          <a:chOff x="0" y="0"/>
-          <a:chExt cx="0" cy="0"/>
-        </a:xfrm>
-      </p:grpSpPr>
-      <p:sp>
-        <p:nvSpPr>
-          <p:cNvPr id="2" name="Título 1">
-            <a:extLst>
-              <a:ext uri="{FF2B5EF4-FFF2-40B4-BE49-F238E27FC236}">
-                <a16:creationId xmlns:a16="http://schemas.microsoft.com/office/drawing/2014/main" id="{0A53C67D-07AA-297B-03DF-27442CF9363D}"/>
-              </a:ext>
-            </a:extLst>
-          </p:cNvPr>
-          <p:cNvSpPr>
-            <a:spLocks noGrp="1"/>
-          </p:cNvSpPr>
-          <p:nvPr>
-            <p:ph type="title"/>
-          </p:nvPr>
-        </p:nvSpPr>
-        <p:spPr/>
-        <p:txBody>
-          <a:bodyPr/>
-          <a:lstStyle/>
-          <a:p>
-            <a:endParaRPr lang="pt-PT"/>
-          </a:p>
-        </p:txBody>
-      </p:sp>
-      <p:sp>
-        <p:nvSpPr>
-          <p:cNvPr id="3" name="Marcador de Posição de Conteúdo 2">
-            <a:extLst>
-              <a:ext uri="{FF2B5EF4-FFF2-40B4-BE49-F238E27FC236}">
-                <a16:creationId xmlns:a16="http://schemas.microsoft.com/office/drawing/2014/main" id="{443D1A5C-6FA8-9FF7-5147-6E7682D640E2}"/>
-              </a:ext>
-            </a:extLst>
-          </p:cNvPr>
-          <p:cNvSpPr>
-            <a:spLocks noGrp="1"/>
-          </p:cNvSpPr>
-          <p:nvPr>
-            <p:ph idx="1"/>
-          </p:nvPr>
-        </p:nvSpPr>
-        <p:spPr/>
-        <p:txBody>
-          <a:bodyPr/>
-          <a:lstStyle/>
-          <a:p>
-            <a:endParaRPr lang="pt-PT"/>
-          </a:p>
-        </p:txBody>
-      </p:sp>
-      <p:pic>
-        <p:nvPicPr>
-          <p:cNvPr id="5" name="Imagem 4">
-            <a:extLst>
-              <a:ext uri="{FF2B5EF4-FFF2-40B4-BE49-F238E27FC236}">
-                <a16:creationId xmlns:a16="http://schemas.microsoft.com/office/drawing/2014/main" id="{079767F8-3921-1595-CC0F-4A9B86F900F1}"/>
-              </a:ext>
-            </a:extLst>
-          </p:cNvPr>
-          <p:cNvPicPr>
-            <a:picLocks noChangeAspect="1"/>
-          </p:cNvPicPr>
-          <p:nvPr/>
-        </p:nvPicPr>
-        <p:blipFill>
-          <a:blip r:embed="rId2"/>
-          <a:stretch>
-            <a:fillRect/>
-          </a:stretch>
-        </p:blipFill>
-        <p:spPr>
-          <a:xfrm>
-            <a:off x="2595074" y="1264435"/>
-            <a:ext cx="7297956" cy="4160331"/>
-          </a:xfrm>
-          <a:prstGeom prst="rect">
-            <a:avLst/>
-          </a:prstGeom>
-        </p:spPr>
-      </p:pic>
-    </p:spTree>
-    <p:extLst>
-      <p:ext uri="{BB962C8B-B14F-4D97-AF65-F5344CB8AC3E}">
-        <p14:creationId xmlns:p14="http://schemas.microsoft.com/office/powerpoint/2010/main" val="3521316486"/>
-      </p:ext>
-    </p:extLst>
-  </p:cSld>
-  <p:clrMapOvr>
-    <a:masterClrMapping/>
-  </p:clrMapOvr>
-</p:sld>
-</file>
-
-<file path=ppt/slides/slide34.xml><?xml version="1.0" encoding="utf-8"?>
-<p:sld xmlns:a="http://schemas.openxmlformats.org/drawingml/2006/main" xmlns:r="http://schemas.openxmlformats.org/officeDocument/2006/relationships" xmlns:p="http://schemas.openxmlformats.org/presentationml/2006/main">
-  <p:cSld>
-    <p:spTree>
-      <p:nvGrpSpPr>
-        <p:cNvPr id="1" name=""/>
-        <p:cNvGrpSpPr/>
-        <p:nvPr/>
-      </p:nvGrpSpPr>
-      <p:grpSpPr>
-        <a:xfrm>
-          <a:off x="0" y="0"/>
-          <a:ext cx="0" cy="0"/>
-          <a:chOff x="0" y="0"/>
-          <a:chExt cx="0" cy="0"/>
-        </a:xfrm>
-      </p:grpSpPr>
-      <p:sp>
-        <p:nvSpPr>
-          <p:cNvPr id="2" name="Título 1">
-            <a:extLst>
-              <a:ext uri="{FF2B5EF4-FFF2-40B4-BE49-F238E27FC236}">
-                <a16:creationId xmlns:a16="http://schemas.microsoft.com/office/drawing/2014/main" id="{442F9F87-B366-A4FF-8A3B-D0D99A6BEBCE}"/>
-              </a:ext>
-            </a:extLst>
-          </p:cNvPr>
-          <p:cNvSpPr>
-            <a:spLocks noGrp="1"/>
-          </p:cNvSpPr>
-          <p:nvPr>
-            <p:ph type="title"/>
-          </p:nvPr>
-        </p:nvSpPr>
-        <p:spPr/>
-        <p:txBody>
-          <a:bodyPr/>
-          <a:lstStyle/>
-          <a:p>
-            <a:endParaRPr lang="pt-PT"/>
-          </a:p>
-        </p:txBody>
-      </p:sp>
-      <p:sp>
-        <p:nvSpPr>
-          <p:cNvPr id="3" name="Marcador de Posição de Conteúdo 2">
-            <a:extLst>
-              <a:ext uri="{FF2B5EF4-FFF2-40B4-BE49-F238E27FC236}">
-                <a16:creationId xmlns:a16="http://schemas.microsoft.com/office/drawing/2014/main" id="{34A9B8A9-8632-4904-5932-88E75D7A5852}"/>
-              </a:ext>
-            </a:extLst>
-          </p:cNvPr>
-          <p:cNvSpPr>
-            <a:spLocks noGrp="1"/>
-          </p:cNvSpPr>
-          <p:nvPr>
-            <p:ph idx="1"/>
-          </p:nvPr>
-        </p:nvSpPr>
-        <p:spPr/>
-        <p:txBody>
-          <a:bodyPr/>
-          <a:lstStyle/>
-          <a:p>
-            <a:endParaRPr lang="pt-PT"/>
-          </a:p>
-        </p:txBody>
-      </p:sp>
-      <p:pic>
-        <p:nvPicPr>
-          <p:cNvPr id="5" name="Imagem 4">
-            <a:extLst>
-              <a:ext uri="{FF2B5EF4-FFF2-40B4-BE49-F238E27FC236}">
-                <a16:creationId xmlns:a16="http://schemas.microsoft.com/office/drawing/2014/main" id="{7ABDCD9F-9AD4-A1D5-9E1D-1268E41D5F3C}"/>
-              </a:ext>
-            </a:extLst>
-          </p:cNvPr>
-          <p:cNvPicPr>
-            <a:picLocks noChangeAspect="1"/>
-          </p:cNvPicPr>
-          <p:nvPr/>
-        </p:nvPicPr>
-        <p:blipFill>
-          <a:blip r:embed="rId2"/>
-          <a:stretch>
-            <a:fillRect/>
-          </a:stretch>
-        </p:blipFill>
-        <p:spPr>
-          <a:xfrm>
-            <a:off x="2036639" y="1551882"/>
-            <a:ext cx="8952407" cy="3754236"/>
-          </a:xfrm>
-          <a:prstGeom prst="rect">
-            <a:avLst/>
-          </a:prstGeom>
-        </p:spPr>
-      </p:pic>
-    </p:spTree>
-    <p:extLst>
-      <p:ext uri="{BB962C8B-B14F-4D97-AF65-F5344CB8AC3E}">
-        <p14:creationId xmlns:p14="http://schemas.microsoft.com/office/powerpoint/2010/main" val="170639069"/>
-      </p:ext>
-    </p:extLst>
-  </p:cSld>
-  <p:clrMapOvr>
-    <a:masterClrMapping/>
-  </p:clrMapOvr>
-</p:sld>
-</file>
-
-<file path=ppt/slides/slide35.xml><?xml version="1.0" encoding="utf-8"?>
-<p:sld xmlns:a="http://schemas.openxmlformats.org/drawingml/2006/main" xmlns:r="http://schemas.openxmlformats.org/officeDocument/2006/relationships" xmlns:p="http://schemas.openxmlformats.org/presentationml/2006/main">
-  <p:cSld>
-    <p:spTree>
-      <p:nvGrpSpPr>
-        <p:cNvPr id="1" name=""/>
-        <p:cNvGrpSpPr/>
-        <p:nvPr/>
-      </p:nvGrpSpPr>
-      <p:grpSpPr>
-        <a:xfrm>
-          <a:off x="0" y="0"/>
-          <a:ext cx="0" cy="0"/>
-          <a:chOff x="0" y="0"/>
-          <a:chExt cx="0" cy="0"/>
-        </a:xfrm>
-      </p:grpSpPr>
-      <p:sp>
-        <p:nvSpPr>
-          <p:cNvPr id="2" name="Título 1">
-            <a:extLst>
-              <a:ext uri="{FF2B5EF4-FFF2-40B4-BE49-F238E27FC236}">
-                <a16:creationId xmlns:a16="http://schemas.microsoft.com/office/drawing/2014/main" id="{F8B935F3-03DB-3A28-242C-2D13C29BF4FF}"/>
-              </a:ext>
-            </a:extLst>
-          </p:cNvPr>
-          <p:cNvSpPr>
-            <a:spLocks noGrp="1"/>
-          </p:cNvSpPr>
-          <p:nvPr>
-            <p:ph type="title"/>
-          </p:nvPr>
-        </p:nvSpPr>
-        <p:spPr/>
-        <p:txBody>
-          <a:bodyPr/>
-          <a:lstStyle/>
-          <a:p>
-            <a:endParaRPr lang="pt-PT"/>
-          </a:p>
-        </p:txBody>
-      </p:sp>
-      <p:sp>
-        <p:nvSpPr>
-          <p:cNvPr id="3" name="Marcador de Posição de Conteúdo 2">
-            <a:extLst>
-              <a:ext uri="{FF2B5EF4-FFF2-40B4-BE49-F238E27FC236}">
-                <a16:creationId xmlns:a16="http://schemas.microsoft.com/office/drawing/2014/main" id="{6FEC8EA4-417C-5BA1-B768-A5BF234F1527}"/>
-              </a:ext>
-            </a:extLst>
-          </p:cNvPr>
-          <p:cNvSpPr>
-            <a:spLocks noGrp="1"/>
-          </p:cNvSpPr>
-          <p:nvPr>
-            <p:ph idx="1"/>
-          </p:nvPr>
-        </p:nvSpPr>
-        <p:spPr/>
-        <p:txBody>
-          <a:bodyPr/>
-          <a:lstStyle/>
-          <a:p>
-            <a:endParaRPr lang="pt-PT"/>
-          </a:p>
-        </p:txBody>
-      </p:sp>
-      <p:pic>
-        <p:nvPicPr>
-          <p:cNvPr id="5" name="Imagem 4">
-            <a:extLst>
-              <a:ext uri="{FF2B5EF4-FFF2-40B4-BE49-F238E27FC236}">
-                <a16:creationId xmlns:a16="http://schemas.microsoft.com/office/drawing/2014/main" id="{4C9A3FEB-88F3-8069-B157-476E182054B3}"/>
-              </a:ext>
-            </a:extLst>
-          </p:cNvPr>
-          <p:cNvPicPr>
-            <a:picLocks noChangeAspect="1"/>
-          </p:cNvPicPr>
-          <p:nvPr/>
-        </p:nvPicPr>
-        <p:blipFill>
-          <a:blip r:embed="rId2"/>
-          <a:stretch>
-            <a:fillRect/>
-          </a:stretch>
-        </p:blipFill>
-        <p:spPr>
-          <a:xfrm>
-            <a:off x="2134117" y="1540912"/>
-            <a:ext cx="8576036" cy="3954633"/>
-          </a:xfrm>
-          <a:prstGeom prst="rect">
-            <a:avLst/>
-          </a:prstGeom>
-        </p:spPr>
-      </p:pic>
-    </p:spTree>
-    <p:extLst>
-      <p:ext uri="{BB962C8B-B14F-4D97-AF65-F5344CB8AC3E}">
-        <p14:creationId xmlns:p14="http://schemas.microsoft.com/office/powerpoint/2010/main" val="2865123402"/>
-      </p:ext>
-    </p:extLst>
-  </p:cSld>
-  <p:clrMapOvr>
-    <a:masterClrMapping/>
-  </p:clrMapOvr>
-</p:sld>
-</file>
-
-<file path=ppt/slides/slide36.xml><?xml version="1.0" encoding="utf-8"?>
-<p:sld xmlns:a="http://schemas.openxmlformats.org/drawingml/2006/main" xmlns:r="http://schemas.openxmlformats.org/officeDocument/2006/relationships" xmlns:p="http://schemas.openxmlformats.org/presentationml/2006/main">
-  <p:cSld>
-    <p:spTree>
-      <p:nvGrpSpPr>
-        <p:cNvPr id="1" name=""/>
-        <p:cNvGrpSpPr/>
-        <p:nvPr/>
-      </p:nvGrpSpPr>
-      <p:grpSpPr>
-        <a:xfrm>
-          <a:off x="0" y="0"/>
-          <a:ext cx="0" cy="0"/>
-          <a:chOff x="0" y="0"/>
-          <a:chExt cx="0" cy="0"/>
-        </a:xfrm>
-      </p:grpSpPr>
-      <p:sp>
-        <p:nvSpPr>
-          <p:cNvPr id="2" name="Título 1">
-            <a:extLst>
-              <a:ext uri="{FF2B5EF4-FFF2-40B4-BE49-F238E27FC236}">
-                <a16:creationId xmlns:a16="http://schemas.microsoft.com/office/drawing/2014/main" id="{451AF45B-1E37-C637-A366-7F9086A812D5}"/>
-              </a:ext>
-            </a:extLst>
-          </p:cNvPr>
-          <p:cNvSpPr>
-            <a:spLocks noGrp="1"/>
-          </p:cNvSpPr>
-          <p:nvPr>
-            <p:ph type="title"/>
-          </p:nvPr>
-        </p:nvSpPr>
-        <p:spPr/>
-        <p:txBody>
-          <a:bodyPr/>
-          <a:lstStyle/>
-          <a:p>
-            <a:endParaRPr lang="pt-PT"/>
-          </a:p>
-        </p:txBody>
-      </p:sp>
-      <p:sp>
-        <p:nvSpPr>
-          <p:cNvPr id="3" name="Marcador de Posição de Conteúdo 2">
-            <a:extLst>
-              <a:ext uri="{FF2B5EF4-FFF2-40B4-BE49-F238E27FC236}">
-                <a16:creationId xmlns:a16="http://schemas.microsoft.com/office/drawing/2014/main" id="{82AC2802-DCA8-0461-0C69-83CC83B5220F}"/>
-              </a:ext>
-            </a:extLst>
-          </p:cNvPr>
-          <p:cNvSpPr>
-            <a:spLocks noGrp="1"/>
-          </p:cNvSpPr>
-          <p:nvPr>
-            <p:ph idx="1"/>
-          </p:nvPr>
-        </p:nvSpPr>
-        <p:spPr>
-          <a:xfrm>
-            <a:off x="1467255" y="1779934"/>
-            <a:ext cx="10511586" cy="4453956"/>
-          </a:xfrm>
-        </p:spPr>
-        <p:txBody>
-          <a:bodyPr/>
-          <a:lstStyle/>
-          <a:p>
-            <a:endParaRPr lang="pt-PT" dirty="0"/>
-          </a:p>
-        </p:txBody>
-      </p:sp>
-      <p:pic>
-        <p:nvPicPr>
-          <p:cNvPr id="5" name="Imagem 4">
-            <a:extLst>
-              <a:ext uri="{FF2B5EF4-FFF2-40B4-BE49-F238E27FC236}">
-                <a16:creationId xmlns:a16="http://schemas.microsoft.com/office/drawing/2014/main" id="{D55F8F02-D4CF-582A-9FD7-35FFC3B4BD98}"/>
-              </a:ext>
-            </a:extLst>
-          </p:cNvPr>
-          <p:cNvPicPr>
-            <a:picLocks noChangeAspect="1"/>
-          </p:cNvPicPr>
-          <p:nvPr/>
-        </p:nvPicPr>
-        <p:blipFill>
-          <a:blip r:embed="rId2"/>
-          <a:stretch>
-            <a:fillRect/>
-          </a:stretch>
-        </p:blipFill>
-        <p:spPr>
-          <a:xfrm>
-            <a:off x="1669856" y="1590002"/>
-            <a:ext cx="9176414" cy="3677996"/>
-          </a:xfrm>
-          <a:prstGeom prst="rect">
-            <a:avLst/>
-          </a:prstGeom>
-        </p:spPr>
-      </p:pic>
-    </p:spTree>
-    <p:extLst>
-      <p:ext uri="{BB962C8B-B14F-4D97-AF65-F5344CB8AC3E}">
-        <p14:creationId xmlns:p14="http://schemas.microsoft.com/office/powerpoint/2010/main" val="3404321755"/>
-      </p:ext>
-    </p:extLst>
-  </p:cSld>
-  <p:clrMapOvr>
-    <a:masterClrMapping/>
-  </p:clrMapOvr>
-</p:sld>
-</file>
-
-<file path=ppt/slides/slide37.xml><?xml version="1.0" encoding="utf-8"?>
-<p:sld xmlns:a="http://schemas.openxmlformats.org/drawingml/2006/main" xmlns:r="http://schemas.openxmlformats.org/officeDocument/2006/relationships" xmlns:p="http://schemas.openxmlformats.org/presentationml/2006/main">
-  <p:cSld>
-    <p:spTree>
-      <p:nvGrpSpPr>
-        <p:cNvPr id="1" name=""/>
-        <p:cNvGrpSpPr/>
-        <p:nvPr/>
-      </p:nvGrpSpPr>
-      <p:grpSpPr>
-        <a:xfrm>
-          <a:off x="0" y="0"/>
-          <a:ext cx="0" cy="0"/>
-          <a:chOff x="0" y="0"/>
-          <a:chExt cx="0" cy="0"/>
-        </a:xfrm>
-      </p:grpSpPr>
-      <p:sp>
-        <p:nvSpPr>
-          <p:cNvPr id="2" name="Título 1">
-            <a:extLst>
-              <a:ext uri="{FF2B5EF4-FFF2-40B4-BE49-F238E27FC236}">
-                <a16:creationId xmlns:a16="http://schemas.microsoft.com/office/drawing/2014/main" id="{E970C318-1FAD-1C09-DAE3-7719497805D7}"/>
-              </a:ext>
-            </a:extLst>
-          </p:cNvPr>
-          <p:cNvSpPr>
-            <a:spLocks noGrp="1"/>
-          </p:cNvSpPr>
-          <p:nvPr>
-            <p:ph type="title"/>
-          </p:nvPr>
-        </p:nvSpPr>
-        <p:spPr/>
-        <p:txBody>
-          <a:bodyPr/>
-          <a:lstStyle/>
-          <a:p>
-            <a:endParaRPr lang="pt-PT" dirty="0"/>
-          </a:p>
-        </p:txBody>
-      </p:sp>
-      <p:sp>
-        <p:nvSpPr>
-          <p:cNvPr id="3" name="Marcador de Posição de Conteúdo 2">
-            <a:extLst>
-              <a:ext uri="{FF2B5EF4-FFF2-40B4-BE49-F238E27FC236}">
-                <a16:creationId xmlns:a16="http://schemas.microsoft.com/office/drawing/2014/main" id="{5A4C4DBD-7BB3-7CBA-85A9-7073A2A5CC1C}"/>
-              </a:ext>
-            </a:extLst>
-          </p:cNvPr>
-          <p:cNvSpPr>
-            <a:spLocks noGrp="1"/>
-          </p:cNvSpPr>
-          <p:nvPr>
-            <p:ph idx="1"/>
-          </p:nvPr>
-        </p:nvSpPr>
-        <p:spPr/>
-        <p:txBody>
-          <a:bodyPr/>
-          <a:lstStyle/>
-          <a:p>
-            <a:endParaRPr lang="pt-PT"/>
-          </a:p>
-        </p:txBody>
-      </p:sp>
-      <p:pic>
-        <p:nvPicPr>
-          <p:cNvPr id="7" name="Imagem 6">
-            <a:extLst>
-              <a:ext uri="{FF2B5EF4-FFF2-40B4-BE49-F238E27FC236}">
-                <a16:creationId xmlns:a16="http://schemas.microsoft.com/office/drawing/2014/main" id="{D21DF39B-31C7-5217-4814-0353EAB7B4A4}"/>
-              </a:ext>
-            </a:extLst>
-          </p:cNvPr>
-          <p:cNvPicPr>
-            <a:picLocks noChangeAspect="1"/>
-          </p:cNvPicPr>
-          <p:nvPr/>
-        </p:nvPicPr>
-        <p:blipFill>
-          <a:blip r:embed="rId2"/>
-          <a:stretch>
-            <a:fillRect/>
-          </a:stretch>
-        </p:blipFill>
-        <p:spPr>
-          <a:xfrm>
-            <a:off x="2709660" y="1588675"/>
-            <a:ext cx="7259063" cy="3972479"/>
-          </a:xfrm>
-          <a:prstGeom prst="rect">
-            <a:avLst/>
-          </a:prstGeom>
-        </p:spPr>
-      </p:pic>
-    </p:spTree>
-    <p:extLst>
-      <p:ext uri="{BB962C8B-B14F-4D97-AF65-F5344CB8AC3E}">
-        <p14:creationId xmlns:p14="http://schemas.microsoft.com/office/powerpoint/2010/main" val="4247504984"/>
-      </p:ext>
-    </p:extLst>
-  </p:cSld>
-  <p:clrMapOvr>
-    <a:masterClrMapping/>
-  </p:clrMapOvr>
-</p:sld>
-</file>
-
-<file path=ppt/slides/slide38.xml><?xml version="1.0" encoding="utf-8"?>
-<p:sld xmlns:a="http://schemas.openxmlformats.org/drawingml/2006/main" xmlns:r="http://schemas.openxmlformats.org/officeDocument/2006/relationships" xmlns:p="http://schemas.openxmlformats.org/presentationml/2006/main">
-  <p:cSld>
-    <p:spTree>
-      <p:nvGrpSpPr>
-        <p:cNvPr id="1" name=""/>
-        <p:cNvGrpSpPr/>
-        <p:nvPr/>
-      </p:nvGrpSpPr>
-      <p:grpSpPr>
-        <a:xfrm>
-          <a:off x="0" y="0"/>
-          <a:ext cx="0" cy="0"/>
-          <a:chOff x="0" y="0"/>
-          <a:chExt cx="0" cy="0"/>
-        </a:xfrm>
-      </p:grpSpPr>
-      <p:sp>
-        <p:nvSpPr>
-          <p:cNvPr id="2" name="Título 1">
-            <a:extLst>
-              <a:ext uri="{FF2B5EF4-FFF2-40B4-BE49-F238E27FC236}">
-                <a16:creationId xmlns:a16="http://schemas.microsoft.com/office/drawing/2014/main" id="{82D233BD-0DA1-B8AD-BACB-AA7F5CB5B648}"/>
-              </a:ext>
-            </a:extLst>
-          </p:cNvPr>
-          <p:cNvSpPr>
-            <a:spLocks noGrp="1"/>
-          </p:cNvSpPr>
-          <p:nvPr>
-            <p:ph type="title"/>
-          </p:nvPr>
-        </p:nvSpPr>
-        <p:spPr>
-          <a:xfrm>
-            <a:off x="497795" y="1469336"/>
-            <a:ext cx="3310725" cy="475855"/>
-          </a:xfrm>
-        </p:spPr>
-        <p:txBody>
-          <a:bodyPr>
-            <a:normAutofit fontScale="90000"/>
-          </a:bodyPr>
-          <a:lstStyle/>
-          <a:p>
-            <a:r>
-              <a:rPr lang="pt-PT" b="1" dirty="0">
-                <a:solidFill>
-                  <a:schemeClr val="tx1"/>
-                </a:solidFill>
-                <a:effectLst/>
-                <a:latin typeface="Abadi" panose="020B0604020104020204" pitchFamily="34" charset="0"/>
-              </a:rPr>
-              <a:t>3.5 Apresentação e explicação do diagrama ER produzido</a:t>
-            </a:r>
-            <a:endParaRPr lang="pt-PT" b="1" dirty="0">
-              <a:solidFill>
-                <a:schemeClr val="tx1"/>
-              </a:solidFill>
-            </a:endParaRPr>
-          </a:p>
-        </p:txBody>
-      </p:sp>
-      <p:pic>
-        <p:nvPicPr>
-          <p:cNvPr id="6" name="Imagem 5">
-            <a:extLst>
-              <a:ext uri="{FF2B5EF4-FFF2-40B4-BE49-F238E27FC236}">
-                <a16:creationId xmlns:a16="http://schemas.microsoft.com/office/drawing/2014/main" id="{5812E7E4-05EC-E304-26D2-7AC258562C12}"/>
-              </a:ext>
-            </a:extLst>
-          </p:cNvPr>
-          <p:cNvPicPr>
-            <a:picLocks noChangeAspect="1"/>
-          </p:cNvPicPr>
-          <p:nvPr/>
-        </p:nvPicPr>
-        <p:blipFill>
-          <a:blip r:embed="rId2"/>
-          <a:stretch>
-            <a:fillRect/>
-          </a:stretch>
-        </p:blipFill>
-        <p:spPr>
-          <a:xfrm>
-            <a:off x="3808520" y="1083075"/>
-            <a:ext cx="8022646" cy="4507104"/>
-          </a:xfrm>
-          <a:prstGeom prst="rect">
-            <a:avLst/>
-          </a:prstGeom>
-        </p:spPr>
-      </p:pic>
-    </p:spTree>
-    <p:extLst>
-      <p:ext uri="{BB962C8B-B14F-4D97-AF65-F5344CB8AC3E}">
-        <p14:creationId xmlns:p14="http://schemas.microsoft.com/office/powerpoint/2010/main" val="1334778605"/>
-      </p:ext>
-    </p:extLst>
-  </p:cSld>
-  <p:clrMapOvr>
-    <a:masterClrMapping/>
-  </p:clrMapOvr>
-</p:sld>
-</file>
-
-<file path=ppt/slides/slide39.xml><?xml version="1.0" encoding="utf-8"?>
-<p:sld xmlns:a="http://schemas.openxmlformats.org/drawingml/2006/main" xmlns:r="http://schemas.openxmlformats.org/officeDocument/2006/relationships" xmlns:p="http://schemas.openxmlformats.org/presentationml/2006/main">
-  <p:cSld>
-    <p:spTree>
-      <p:nvGrpSpPr>
-        <p:cNvPr id="1" name=""/>
-        <p:cNvGrpSpPr/>
-        <p:nvPr/>
-      </p:nvGrpSpPr>
-      <p:grpSpPr>
-        <a:xfrm>
-          <a:off x="0" y="0"/>
-          <a:ext cx="0" cy="0"/>
-          <a:chOff x="0" y="0"/>
-          <a:chExt cx="0" cy="0"/>
-        </a:xfrm>
-      </p:grpSpPr>
-      <p:pic>
-        <p:nvPicPr>
-          <p:cNvPr id="4" name="Imagem 3">
-            <a:extLst>
-              <a:ext uri="{FF2B5EF4-FFF2-40B4-BE49-F238E27FC236}">
-                <a16:creationId xmlns:a16="http://schemas.microsoft.com/office/drawing/2014/main" id="{0163DC56-9BA6-FE86-11A3-CF9131059365}"/>
-              </a:ext>
-            </a:extLst>
-          </p:cNvPr>
-          <p:cNvPicPr>
-            <a:picLocks noChangeAspect="1"/>
-          </p:cNvPicPr>
-          <p:nvPr/>
-        </p:nvPicPr>
-        <p:blipFill>
-          <a:blip r:embed="rId2"/>
-          <a:stretch>
-            <a:fillRect/>
-          </a:stretch>
-        </p:blipFill>
-        <p:spPr>
-          <a:xfrm>
-            <a:off x="2184701" y="1207364"/>
-            <a:ext cx="8813085" cy="4935760"/>
-          </a:xfrm>
-          <a:prstGeom prst="rect">
-            <a:avLst/>
-          </a:prstGeom>
-        </p:spPr>
-      </p:pic>
-    </p:spTree>
-    <p:extLst>
-      <p:ext uri="{BB962C8B-B14F-4D97-AF65-F5344CB8AC3E}">
-        <p14:creationId xmlns:p14="http://schemas.microsoft.com/office/powerpoint/2010/main" val="1490232617"/>
       </p:ext>
     </p:extLst>
   </p:cSld>
@@ -13144,6 +18054,727 @@
 <file path=ppt/slides/slide40.xml><?xml version="1.0" encoding="utf-8"?>
 <p:sld xmlns:a="http://schemas.openxmlformats.org/drawingml/2006/main" xmlns:r="http://schemas.openxmlformats.org/officeDocument/2006/relationships" xmlns:p="http://schemas.openxmlformats.org/presentationml/2006/main">
   <p:cSld>
+    <p:spTree>
+      <p:nvGrpSpPr>
+        <p:cNvPr id="1" name=""/>
+        <p:cNvGrpSpPr/>
+        <p:nvPr/>
+      </p:nvGrpSpPr>
+      <p:grpSpPr>
+        <a:xfrm>
+          <a:off x="0" y="0"/>
+          <a:ext cx="0" cy="0"/>
+          <a:chOff x="0" y="0"/>
+          <a:chExt cx="0" cy="0"/>
+        </a:xfrm>
+      </p:grpSpPr>
+      <p:sp>
+        <p:nvSpPr>
+          <p:cNvPr id="2" name="Título 1">
+            <a:extLst>
+              <a:ext uri="{FF2B5EF4-FFF2-40B4-BE49-F238E27FC236}">
+                <a16:creationId xmlns:a16="http://schemas.microsoft.com/office/drawing/2014/main" id="{0A53C67D-07AA-297B-03DF-27442CF9363D}"/>
+              </a:ext>
+            </a:extLst>
+          </p:cNvPr>
+          <p:cNvSpPr>
+            <a:spLocks noGrp="1"/>
+          </p:cNvSpPr>
+          <p:nvPr>
+            <p:ph type="title"/>
+          </p:nvPr>
+        </p:nvSpPr>
+        <p:spPr/>
+        <p:txBody>
+          <a:bodyPr/>
+          <a:lstStyle/>
+          <a:p>
+            <a:endParaRPr lang="pt-PT"/>
+          </a:p>
+        </p:txBody>
+      </p:sp>
+      <p:sp>
+        <p:nvSpPr>
+          <p:cNvPr id="3" name="Marcador de Posição de Conteúdo 2">
+            <a:extLst>
+              <a:ext uri="{FF2B5EF4-FFF2-40B4-BE49-F238E27FC236}">
+                <a16:creationId xmlns:a16="http://schemas.microsoft.com/office/drawing/2014/main" id="{443D1A5C-6FA8-9FF7-5147-6E7682D640E2}"/>
+              </a:ext>
+            </a:extLst>
+          </p:cNvPr>
+          <p:cNvSpPr>
+            <a:spLocks noGrp="1"/>
+          </p:cNvSpPr>
+          <p:nvPr>
+            <p:ph idx="1"/>
+          </p:nvPr>
+        </p:nvSpPr>
+        <p:spPr/>
+        <p:txBody>
+          <a:bodyPr/>
+          <a:lstStyle/>
+          <a:p>
+            <a:endParaRPr lang="pt-PT"/>
+          </a:p>
+        </p:txBody>
+      </p:sp>
+      <p:pic>
+        <p:nvPicPr>
+          <p:cNvPr id="5" name="Imagem 4">
+            <a:extLst>
+              <a:ext uri="{FF2B5EF4-FFF2-40B4-BE49-F238E27FC236}">
+                <a16:creationId xmlns:a16="http://schemas.microsoft.com/office/drawing/2014/main" id="{079767F8-3921-1595-CC0F-4A9B86F900F1}"/>
+              </a:ext>
+            </a:extLst>
+          </p:cNvPr>
+          <p:cNvPicPr>
+            <a:picLocks noChangeAspect="1"/>
+          </p:cNvPicPr>
+          <p:nvPr/>
+        </p:nvPicPr>
+        <p:blipFill>
+          <a:blip r:embed="rId2"/>
+          <a:stretch>
+            <a:fillRect/>
+          </a:stretch>
+        </p:blipFill>
+        <p:spPr>
+          <a:xfrm>
+            <a:off x="2595074" y="1264435"/>
+            <a:ext cx="7297956" cy="4160331"/>
+          </a:xfrm>
+          <a:prstGeom prst="rect">
+            <a:avLst/>
+          </a:prstGeom>
+        </p:spPr>
+      </p:pic>
+    </p:spTree>
+    <p:extLst>
+      <p:ext uri="{BB962C8B-B14F-4D97-AF65-F5344CB8AC3E}">
+        <p14:creationId xmlns:p14="http://schemas.microsoft.com/office/powerpoint/2010/main" val="3521316486"/>
+      </p:ext>
+    </p:extLst>
+  </p:cSld>
+  <p:clrMapOvr>
+    <a:masterClrMapping/>
+  </p:clrMapOvr>
+</p:sld>
+</file>
+
+<file path=ppt/slides/slide41.xml><?xml version="1.0" encoding="utf-8"?>
+<p:sld xmlns:a="http://schemas.openxmlformats.org/drawingml/2006/main" xmlns:r="http://schemas.openxmlformats.org/officeDocument/2006/relationships" xmlns:p="http://schemas.openxmlformats.org/presentationml/2006/main">
+  <p:cSld>
+    <p:spTree>
+      <p:nvGrpSpPr>
+        <p:cNvPr id="1" name=""/>
+        <p:cNvGrpSpPr/>
+        <p:nvPr/>
+      </p:nvGrpSpPr>
+      <p:grpSpPr>
+        <a:xfrm>
+          <a:off x="0" y="0"/>
+          <a:ext cx="0" cy="0"/>
+          <a:chOff x="0" y="0"/>
+          <a:chExt cx="0" cy="0"/>
+        </a:xfrm>
+      </p:grpSpPr>
+      <p:sp>
+        <p:nvSpPr>
+          <p:cNvPr id="2" name="Título 1">
+            <a:extLst>
+              <a:ext uri="{FF2B5EF4-FFF2-40B4-BE49-F238E27FC236}">
+                <a16:creationId xmlns:a16="http://schemas.microsoft.com/office/drawing/2014/main" id="{442F9F87-B366-A4FF-8A3B-D0D99A6BEBCE}"/>
+              </a:ext>
+            </a:extLst>
+          </p:cNvPr>
+          <p:cNvSpPr>
+            <a:spLocks noGrp="1"/>
+          </p:cNvSpPr>
+          <p:nvPr>
+            <p:ph type="title"/>
+          </p:nvPr>
+        </p:nvSpPr>
+        <p:spPr/>
+        <p:txBody>
+          <a:bodyPr/>
+          <a:lstStyle/>
+          <a:p>
+            <a:endParaRPr lang="pt-PT"/>
+          </a:p>
+        </p:txBody>
+      </p:sp>
+      <p:sp>
+        <p:nvSpPr>
+          <p:cNvPr id="3" name="Marcador de Posição de Conteúdo 2">
+            <a:extLst>
+              <a:ext uri="{FF2B5EF4-FFF2-40B4-BE49-F238E27FC236}">
+                <a16:creationId xmlns:a16="http://schemas.microsoft.com/office/drawing/2014/main" id="{34A9B8A9-8632-4904-5932-88E75D7A5852}"/>
+              </a:ext>
+            </a:extLst>
+          </p:cNvPr>
+          <p:cNvSpPr>
+            <a:spLocks noGrp="1"/>
+          </p:cNvSpPr>
+          <p:nvPr>
+            <p:ph idx="1"/>
+          </p:nvPr>
+        </p:nvSpPr>
+        <p:spPr/>
+        <p:txBody>
+          <a:bodyPr/>
+          <a:lstStyle/>
+          <a:p>
+            <a:endParaRPr lang="pt-PT"/>
+          </a:p>
+        </p:txBody>
+      </p:sp>
+      <p:pic>
+        <p:nvPicPr>
+          <p:cNvPr id="5" name="Imagem 4">
+            <a:extLst>
+              <a:ext uri="{FF2B5EF4-FFF2-40B4-BE49-F238E27FC236}">
+                <a16:creationId xmlns:a16="http://schemas.microsoft.com/office/drawing/2014/main" id="{7ABDCD9F-9AD4-A1D5-9E1D-1268E41D5F3C}"/>
+              </a:ext>
+            </a:extLst>
+          </p:cNvPr>
+          <p:cNvPicPr>
+            <a:picLocks noChangeAspect="1"/>
+          </p:cNvPicPr>
+          <p:nvPr/>
+        </p:nvPicPr>
+        <p:blipFill>
+          <a:blip r:embed="rId2"/>
+          <a:stretch>
+            <a:fillRect/>
+          </a:stretch>
+        </p:blipFill>
+        <p:spPr>
+          <a:xfrm>
+            <a:off x="2036639" y="1551882"/>
+            <a:ext cx="8952407" cy="3754236"/>
+          </a:xfrm>
+          <a:prstGeom prst="rect">
+            <a:avLst/>
+          </a:prstGeom>
+        </p:spPr>
+      </p:pic>
+    </p:spTree>
+    <p:extLst>
+      <p:ext uri="{BB962C8B-B14F-4D97-AF65-F5344CB8AC3E}">
+        <p14:creationId xmlns:p14="http://schemas.microsoft.com/office/powerpoint/2010/main" val="170639069"/>
+      </p:ext>
+    </p:extLst>
+  </p:cSld>
+  <p:clrMapOvr>
+    <a:masterClrMapping/>
+  </p:clrMapOvr>
+</p:sld>
+</file>
+
+<file path=ppt/slides/slide42.xml><?xml version="1.0" encoding="utf-8"?>
+<p:sld xmlns:a="http://schemas.openxmlformats.org/drawingml/2006/main" xmlns:r="http://schemas.openxmlformats.org/officeDocument/2006/relationships" xmlns:p="http://schemas.openxmlformats.org/presentationml/2006/main">
+  <p:cSld>
+    <p:spTree>
+      <p:nvGrpSpPr>
+        <p:cNvPr id="1" name=""/>
+        <p:cNvGrpSpPr/>
+        <p:nvPr/>
+      </p:nvGrpSpPr>
+      <p:grpSpPr>
+        <a:xfrm>
+          <a:off x="0" y="0"/>
+          <a:ext cx="0" cy="0"/>
+          <a:chOff x="0" y="0"/>
+          <a:chExt cx="0" cy="0"/>
+        </a:xfrm>
+      </p:grpSpPr>
+      <p:sp>
+        <p:nvSpPr>
+          <p:cNvPr id="2" name="Título 1">
+            <a:extLst>
+              <a:ext uri="{FF2B5EF4-FFF2-40B4-BE49-F238E27FC236}">
+                <a16:creationId xmlns:a16="http://schemas.microsoft.com/office/drawing/2014/main" id="{F8B935F3-03DB-3A28-242C-2D13C29BF4FF}"/>
+              </a:ext>
+            </a:extLst>
+          </p:cNvPr>
+          <p:cNvSpPr>
+            <a:spLocks noGrp="1"/>
+          </p:cNvSpPr>
+          <p:nvPr>
+            <p:ph type="title"/>
+          </p:nvPr>
+        </p:nvSpPr>
+        <p:spPr/>
+        <p:txBody>
+          <a:bodyPr/>
+          <a:lstStyle/>
+          <a:p>
+            <a:endParaRPr lang="pt-PT"/>
+          </a:p>
+        </p:txBody>
+      </p:sp>
+      <p:sp>
+        <p:nvSpPr>
+          <p:cNvPr id="3" name="Marcador de Posição de Conteúdo 2">
+            <a:extLst>
+              <a:ext uri="{FF2B5EF4-FFF2-40B4-BE49-F238E27FC236}">
+                <a16:creationId xmlns:a16="http://schemas.microsoft.com/office/drawing/2014/main" id="{6FEC8EA4-417C-5BA1-B768-A5BF234F1527}"/>
+              </a:ext>
+            </a:extLst>
+          </p:cNvPr>
+          <p:cNvSpPr>
+            <a:spLocks noGrp="1"/>
+          </p:cNvSpPr>
+          <p:nvPr>
+            <p:ph idx="1"/>
+          </p:nvPr>
+        </p:nvSpPr>
+        <p:spPr/>
+        <p:txBody>
+          <a:bodyPr/>
+          <a:lstStyle/>
+          <a:p>
+            <a:endParaRPr lang="pt-PT"/>
+          </a:p>
+        </p:txBody>
+      </p:sp>
+      <p:pic>
+        <p:nvPicPr>
+          <p:cNvPr id="5" name="Imagem 4">
+            <a:extLst>
+              <a:ext uri="{FF2B5EF4-FFF2-40B4-BE49-F238E27FC236}">
+                <a16:creationId xmlns:a16="http://schemas.microsoft.com/office/drawing/2014/main" id="{4C9A3FEB-88F3-8069-B157-476E182054B3}"/>
+              </a:ext>
+            </a:extLst>
+          </p:cNvPr>
+          <p:cNvPicPr>
+            <a:picLocks noChangeAspect="1"/>
+          </p:cNvPicPr>
+          <p:nvPr/>
+        </p:nvPicPr>
+        <p:blipFill>
+          <a:blip r:embed="rId2"/>
+          <a:stretch>
+            <a:fillRect/>
+          </a:stretch>
+        </p:blipFill>
+        <p:spPr>
+          <a:xfrm>
+            <a:off x="2134117" y="1540912"/>
+            <a:ext cx="8576036" cy="3954633"/>
+          </a:xfrm>
+          <a:prstGeom prst="rect">
+            <a:avLst/>
+          </a:prstGeom>
+        </p:spPr>
+      </p:pic>
+    </p:spTree>
+    <p:extLst>
+      <p:ext uri="{BB962C8B-B14F-4D97-AF65-F5344CB8AC3E}">
+        <p14:creationId xmlns:p14="http://schemas.microsoft.com/office/powerpoint/2010/main" val="2865123402"/>
+      </p:ext>
+    </p:extLst>
+  </p:cSld>
+  <p:clrMapOvr>
+    <a:masterClrMapping/>
+  </p:clrMapOvr>
+</p:sld>
+</file>
+
+<file path=ppt/slides/slide43.xml><?xml version="1.0" encoding="utf-8"?>
+<p:sld xmlns:a="http://schemas.openxmlformats.org/drawingml/2006/main" xmlns:r="http://schemas.openxmlformats.org/officeDocument/2006/relationships" xmlns:p="http://schemas.openxmlformats.org/presentationml/2006/main">
+  <p:cSld>
+    <p:spTree>
+      <p:nvGrpSpPr>
+        <p:cNvPr id="1" name=""/>
+        <p:cNvGrpSpPr/>
+        <p:nvPr/>
+      </p:nvGrpSpPr>
+      <p:grpSpPr>
+        <a:xfrm>
+          <a:off x="0" y="0"/>
+          <a:ext cx="0" cy="0"/>
+          <a:chOff x="0" y="0"/>
+          <a:chExt cx="0" cy="0"/>
+        </a:xfrm>
+      </p:grpSpPr>
+      <p:sp>
+        <p:nvSpPr>
+          <p:cNvPr id="2" name="Título 1">
+            <a:extLst>
+              <a:ext uri="{FF2B5EF4-FFF2-40B4-BE49-F238E27FC236}">
+                <a16:creationId xmlns:a16="http://schemas.microsoft.com/office/drawing/2014/main" id="{451AF45B-1E37-C637-A366-7F9086A812D5}"/>
+              </a:ext>
+            </a:extLst>
+          </p:cNvPr>
+          <p:cNvSpPr>
+            <a:spLocks noGrp="1"/>
+          </p:cNvSpPr>
+          <p:nvPr>
+            <p:ph type="title"/>
+          </p:nvPr>
+        </p:nvSpPr>
+        <p:spPr/>
+        <p:txBody>
+          <a:bodyPr/>
+          <a:lstStyle/>
+          <a:p>
+            <a:endParaRPr lang="pt-PT"/>
+          </a:p>
+        </p:txBody>
+      </p:sp>
+      <p:sp>
+        <p:nvSpPr>
+          <p:cNvPr id="3" name="Marcador de Posição de Conteúdo 2">
+            <a:extLst>
+              <a:ext uri="{FF2B5EF4-FFF2-40B4-BE49-F238E27FC236}">
+                <a16:creationId xmlns:a16="http://schemas.microsoft.com/office/drawing/2014/main" id="{82AC2802-DCA8-0461-0C69-83CC83B5220F}"/>
+              </a:ext>
+            </a:extLst>
+          </p:cNvPr>
+          <p:cNvSpPr>
+            <a:spLocks noGrp="1"/>
+          </p:cNvSpPr>
+          <p:nvPr>
+            <p:ph idx="1"/>
+          </p:nvPr>
+        </p:nvSpPr>
+        <p:spPr>
+          <a:xfrm>
+            <a:off x="1467255" y="1779934"/>
+            <a:ext cx="10511586" cy="4453956"/>
+          </a:xfrm>
+        </p:spPr>
+        <p:txBody>
+          <a:bodyPr/>
+          <a:lstStyle/>
+          <a:p>
+            <a:endParaRPr lang="pt-PT" dirty="0"/>
+          </a:p>
+        </p:txBody>
+      </p:sp>
+      <p:pic>
+        <p:nvPicPr>
+          <p:cNvPr id="5" name="Imagem 4">
+            <a:extLst>
+              <a:ext uri="{FF2B5EF4-FFF2-40B4-BE49-F238E27FC236}">
+                <a16:creationId xmlns:a16="http://schemas.microsoft.com/office/drawing/2014/main" id="{D55F8F02-D4CF-582A-9FD7-35FFC3B4BD98}"/>
+              </a:ext>
+            </a:extLst>
+          </p:cNvPr>
+          <p:cNvPicPr>
+            <a:picLocks noChangeAspect="1"/>
+          </p:cNvPicPr>
+          <p:nvPr/>
+        </p:nvPicPr>
+        <p:blipFill>
+          <a:blip r:embed="rId2"/>
+          <a:stretch>
+            <a:fillRect/>
+          </a:stretch>
+        </p:blipFill>
+        <p:spPr>
+          <a:xfrm>
+            <a:off x="1669856" y="1590002"/>
+            <a:ext cx="9176414" cy="3677996"/>
+          </a:xfrm>
+          <a:prstGeom prst="rect">
+            <a:avLst/>
+          </a:prstGeom>
+        </p:spPr>
+      </p:pic>
+    </p:spTree>
+    <p:extLst>
+      <p:ext uri="{BB962C8B-B14F-4D97-AF65-F5344CB8AC3E}">
+        <p14:creationId xmlns:p14="http://schemas.microsoft.com/office/powerpoint/2010/main" val="3404321755"/>
+      </p:ext>
+    </p:extLst>
+  </p:cSld>
+  <p:clrMapOvr>
+    <a:masterClrMapping/>
+  </p:clrMapOvr>
+</p:sld>
+</file>
+
+<file path=ppt/slides/slide44.xml><?xml version="1.0" encoding="utf-8"?>
+<p:sld xmlns:a="http://schemas.openxmlformats.org/drawingml/2006/main" xmlns:r="http://schemas.openxmlformats.org/officeDocument/2006/relationships" xmlns:p="http://schemas.openxmlformats.org/presentationml/2006/main">
+  <p:cSld>
+    <p:spTree>
+      <p:nvGrpSpPr>
+        <p:cNvPr id="1" name=""/>
+        <p:cNvGrpSpPr/>
+        <p:nvPr/>
+      </p:nvGrpSpPr>
+      <p:grpSpPr>
+        <a:xfrm>
+          <a:off x="0" y="0"/>
+          <a:ext cx="0" cy="0"/>
+          <a:chOff x="0" y="0"/>
+          <a:chExt cx="0" cy="0"/>
+        </a:xfrm>
+      </p:grpSpPr>
+      <p:sp>
+        <p:nvSpPr>
+          <p:cNvPr id="2" name="Título 1">
+            <a:extLst>
+              <a:ext uri="{FF2B5EF4-FFF2-40B4-BE49-F238E27FC236}">
+                <a16:creationId xmlns:a16="http://schemas.microsoft.com/office/drawing/2014/main" id="{E970C318-1FAD-1C09-DAE3-7719497805D7}"/>
+              </a:ext>
+            </a:extLst>
+          </p:cNvPr>
+          <p:cNvSpPr>
+            <a:spLocks noGrp="1"/>
+          </p:cNvSpPr>
+          <p:nvPr>
+            <p:ph type="title"/>
+          </p:nvPr>
+        </p:nvSpPr>
+        <p:spPr/>
+        <p:txBody>
+          <a:bodyPr/>
+          <a:lstStyle/>
+          <a:p>
+            <a:endParaRPr lang="pt-PT" dirty="0"/>
+          </a:p>
+        </p:txBody>
+      </p:sp>
+      <p:sp>
+        <p:nvSpPr>
+          <p:cNvPr id="3" name="Marcador de Posição de Conteúdo 2">
+            <a:extLst>
+              <a:ext uri="{FF2B5EF4-FFF2-40B4-BE49-F238E27FC236}">
+                <a16:creationId xmlns:a16="http://schemas.microsoft.com/office/drawing/2014/main" id="{5A4C4DBD-7BB3-7CBA-85A9-7073A2A5CC1C}"/>
+              </a:ext>
+            </a:extLst>
+          </p:cNvPr>
+          <p:cNvSpPr>
+            <a:spLocks noGrp="1"/>
+          </p:cNvSpPr>
+          <p:nvPr>
+            <p:ph idx="1"/>
+          </p:nvPr>
+        </p:nvSpPr>
+        <p:spPr/>
+        <p:txBody>
+          <a:bodyPr/>
+          <a:lstStyle/>
+          <a:p>
+            <a:endParaRPr lang="pt-PT"/>
+          </a:p>
+        </p:txBody>
+      </p:sp>
+      <p:pic>
+        <p:nvPicPr>
+          <p:cNvPr id="7" name="Imagem 6">
+            <a:extLst>
+              <a:ext uri="{FF2B5EF4-FFF2-40B4-BE49-F238E27FC236}">
+                <a16:creationId xmlns:a16="http://schemas.microsoft.com/office/drawing/2014/main" id="{D21DF39B-31C7-5217-4814-0353EAB7B4A4}"/>
+              </a:ext>
+            </a:extLst>
+          </p:cNvPr>
+          <p:cNvPicPr>
+            <a:picLocks noChangeAspect="1"/>
+          </p:cNvPicPr>
+          <p:nvPr/>
+        </p:nvPicPr>
+        <p:blipFill>
+          <a:blip r:embed="rId2"/>
+          <a:stretch>
+            <a:fillRect/>
+          </a:stretch>
+        </p:blipFill>
+        <p:spPr>
+          <a:xfrm>
+            <a:off x="2709660" y="1588675"/>
+            <a:ext cx="7259063" cy="3972479"/>
+          </a:xfrm>
+          <a:prstGeom prst="rect">
+            <a:avLst/>
+          </a:prstGeom>
+        </p:spPr>
+      </p:pic>
+    </p:spTree>
+    <p:extLst>
+      <p:ext uri="{BB962C8B-B14F-4D97-AF65-F5344CB8AC3E}">
+        <p14:creationId xmlns:p14="http://schemas.microsoft.com/office/powerpoint/2010/main" val="4247504984"/>
+      </p:ext>
+    </p:extLst>
+  </p:cSld>
+  <p:clrMapOvr>
+    <a:masterClrMapping/>
+  </p:clrMapOvr>
+</p:sld>
+</file>
+
+<file path=ppt/slides/slide45.xml><?xml version="1.0" encoding="utf-8"?>
+<p:sld xmlns:a="http://schemas.openxmlformats.org/drawingml/2006/main" xmlns:r="http://schemas.openxmlformats.org/officeDocument/2006/relationships" xmlns:p="http://schemas.openxmlformats.org/presentationml/2006/main">
+  <p:cSld>
+    <p:spTree>
+      <p:nvGrpSpPr>
+        <p:cNvPr id="1" name=""/>
+        <p:cNvGrpSpPr/>
+        <p:nvPr/>
+      </p:nvGrpSpPr>
+      <p:grpSpPr>
+        <a:xfrm>
+          <a:off x="0" y="0"/>
+          <a:ext cx="0" cy="0"/>
+          <a:chOff x="0" y="0"/>
+          <a:chExt cx="0" cy="0"/>
+        </a:xfrm>
+      </p:grpSpPr>
+      <p:sp>
+        <p:nvSpPr>
+          <p:cNvPr id="2" name="Título 1">
+            <a:extLst>
+              <a:ext uri="{FF2B5EF4-FFF2-40B4-BE49-F238E27FC236}">
+                <a16:creationId xmlns:a16="http://schemas.microsoft.com/office/drawing/2014/main" id="{82D233BD-0DA1-B8AD-BACB-AA7F5CB5B648}"/>
+              </a:ext>
+            </a:extLst>
+          </p:cNvPr>
+          <p:cNvSpPr>
+            <a:spLocks noGrp="1"/>
+          </p:cNvSpPr>
+          <p:nvPr>
+            <p:ph type="title"/>
+          </p:nvPr>
+        </p:nvSpPr>
+        <p:spPr>
+          <a:xfrm>
+            <a:off x="497795" y="1469336"/>
+            <a:ext cx="3310725" cy="475855"/>
+          </a:xfrm>
+        </p:spPr>
+        <p:txBody>
+          <a:bodyPr>
+            <a:normAutofit fontScale="90000"/>
+          </a:bodyPr>
+          <a:lstStyle/>
+          <a:p>
+            <a:r>
+              <a:rPr lang="pt-PT" b="1" dirty="0">
+                <a:solidFill>
+                  <a:schemeClr val="tx1"/>
+                </a:solidFill>
+                <a:effectLst/>
+                <a:latin typeface="Abadi" panose="020B0604020104020204" pitchFamily="34" charset="0"/>
+              </a:rPr>
+              <a:t>3.5 Apresentação e explicação do diagrama ER produzido</a:t>
+            </a:r>
+            <a:endParaRPr lang="pt-PT" b="1" dirty="0">
+              <a:solidFill>
+                <a:schemeClr val="tx1"/>
+              </a:solidFill>
+            </a:endParaRPr>
+          </a:p>
+        </p:txBody>
+      </p:sp>
+      <p:pic>
+        <p:nvPicPr>
+          <p:cNvPr id="6" name="Imagem 5">
+            <a:extLst>
+              <a:ext uri="{FF2B5EF4-FFF2-40B4-BE49-F238E27FC236}">
+                <a16:creationId xmlns:a16="http://schemas.microsoft.com/office/drawing/2014/main" id="{5812E7E4-05EC-E304-26D2-7AC258562C12}"/>
+              </a:ext>
+            </a:extLst>
+          </p:cNvPr>
+          <p:cNvPicPr>
+            <a:picLocks noChangeAspect="1"/>
+          </p:cNvPicPr>
+          <p:nvPr/>
+        </p:nvPicPr>
+        <p:blipFill>
+          <a:blip r:embed="rId2"/>
+          <a:stretch>
+            <a:fillRect/>
+          </a:stretch>
+        </p:blipFill>
+        <p:spPr>
+          <a:xfrm>
+            <a:off x="3808520" y="1083075"/>
+            <a:ext cx="8022646" cy="4507104"/>
+          </a:xfrm>
+          <a:prstGeom prst="rect">
+            <a:avLst/>
+          </a:prstGeom>
+        </p:spPr>
+      </p:pic>
+    </p:spTree>
+    <p:extLst>
+      <p:ext uri="{BB962C8B-B14F-4D97-AF65-F5344CB8AC3E}">
+        <p14:creationId xmlns:p14="http://schemas.microsoft.com/office/powerpoint/2010/main" val="1334778605"/>
+      </p:ext>
+    </p:extLst>
+  </p:cSld>
+  <p:clrMapOvr>
+    <a:masterClrMapping/>
+  </p:clrMapOvr>
+</p:sld>
+</file>
+
+<file path=ppt/slides/slide46.xml><?xml version="1.0" encoding="utf-8"?>
+<p:sld xmlns:a="http://schemas.openxmlformats.org/drawingml/2006/main" xmlns:r="http://schemas.openxmlformats.org/officeDocument/2006/relationships" xmlns:p="http://schemas.openxmlformats.org/presentationml/2006/main">
+  <p:cSld>
+    <p:spTree>
+      <p:nvGrpSpPr>
+        <p:cNvPr id="1" name=""/>
+        <p:cNvGrpSpPr/>
+        <p:nvPr/>
+      </p:nvGrpSpPr>
+      <p:grpSpPr>
+        <a:xfrm>
+          <a:off x="0" y="0"/>
+          <a:ext cx="0" cy="0"/>
+          <a:chOff x="0" y="0"/>
+          <a:chExt cx="0" cy="0"/>
+        </a:xfrm>
+      </p:grpSpPr>
+      <p:pic>
+        <p:nvPicPr>
+          <p:cNvPr id="4" name="Imagem 3">
+            <a:extLst>
+              <a:ext uri="{FF2B5EF4-FFF2-40B4-BE49-F238E27FC236}">
+                <a16:creationId xmlns:a16="http://schemas.microsoft.com/office/drawing/2014/main" id="{0163DC56-9BA6-FE86-11A3-CF9131059365}"/>
+              </a:ext>
+            </a:extLst>
+          </p:cNvPr>
+          <p:cNvPicPr>
+            <a:picLocks noChangeAspect="1"/>
+          </p:cNvPicPr>
+          <p:nvPr/>
+        </p:nvPicPr>
+        <p:blipFill>
+          <a:blip r:embed="rId2"/>
+          <a:stretch>
+            <a:fillRect/>
+          </a:stretch>
+        </p:blipFill>
+        <p:spPr>
+          <a:xfrm>
+            <a:off x="2184701" y="1207364"/>
+            <a:ext cx="8813085" cy="4935760"/>
+          </a:xfrm>
+          <a:prstGeom prst="rect">
+            <a:avLst/>
+          </a:prstGeom>
+        </p:spPr>
+      </p:pic>
+    </p:spTree>
+    <p:extLst>
+      <p:ext uri="{BB962C8B-B14F-4D97-AF65-F5344CB8AC3E}">
+        <p14:creationId xmlns:p14="http://schemas.microsoft.com/office/powerpoint/2010/main" val="1490232617"/>
+      </p:ext>
+    </p:extLst>
+  </p:cSld>
+  <p:clrMapOvr>
+    <a:masterClrMapping/>
+  </p:clrMapOvr>
+</p:sld>
+</file>
+
+<file path=ppt/slides/slide47.xml><?xml version="1.0" encoding="utf-8"?>
+<p:sld xmlns:a="http://schemas.openxmlformats.org/drawingml/2006/main" xmlns:r="http://schemas.openxmlformats.org/officeDocument/2006/relationships" xmlns:p="http://schemas.openxmlformats.org/presentationml/2006/main">
+  <p:cSld>
     <p:bg>
       <p:bgPr>
         <a:solidFill>
@@ -13593,7 +19224,7 @@
 </p:sld>
 </file>
 
-<file path=ppt/slides/slide41.xml><?xml version="1.0" encoding="utf-8"?>
+<file path=ppt/slides/slide48.xml><?xml version="1.0" encoding="utf-8"?>
 <p:sld xmlns:a="http://schemas.openxmlformats.org/drawingml/2006/main" xmlns:r="http://schemas.openxmlformats.org/officeDocument/2006/relationships" xmlns:p="http://schemas.openxmlformats.org/presentationml/2006/main">
   <p:cSld>
     <p:spTree>
@@ -13674,7 +19305,13 @@
           <a:p>
             <a:r>
               <a:rPr lang="pt-PT" dirty="0"/>
-              <a:t>O nosso modelo lógico foi construído a partir do modelo concetual.</a:t>
+              <a:t>Após terminar a elaboração do esquema lógico a partir do conceptual, verificamos os diversos elementos, confrontando-os com os requisitos levantados e os elementos conceptuais.</a:t>
+            </a:r>
+          </a:p>
+          <a:p>
+            <a:r>
+              <a:rPr lang="pt-PT" dirty="0"/>
+              <a:t>De seguida, verificamos que está normalizada a terceira forma normal.</a:t>
             </a:r>
           </a:p>
         </p:txBody>
@@ -13692,7 +19329,7 @@
 </p:sld>
 </file>
 
-<file path=ppt/slides/slide42.xml><?xml version="1.0" encoding="utf-8"?>
+<file path=ppt/slides/slide49.xml><?xml version="1.0" encoding="utf-8"?>
 <p:sld xmlns:a="http://schemas.openxmlformats.org/drawingml/2006/main" xmlns:r="http://schemas.openxmlformats.org/officeDocument/2006/relationships" xmlns:p="http://schemas.openxmlformats.org/presentationml/2006/main">
   <p:cSld>
     <p:spTree>
@@ -13770,9 +19407,92 @@
           <a:lstStyle/>
           <a:p>
             <a:r>
-              <a:rPr lang="pt-PT" dirty="0"/>
-              <a:t>Certamente, está normalizado.</a:t>
-            </a:r>
+              <a:rPr lang="pt-PT" b="1" i="0" dirty="0">
+                <a:solidFill>
+                  <a:schemeClr val="tx1"/>
+                </a:solidFill>
+                <a:effectLst>
+                  <a:outerShdw blurRad="38100" dist="38100" dir="2700000" algn="tl">
+                    <a:srgbClr val="000000">
+                      <a:alpha val="43137"/>
+                    </a:srgbClr>
+                  </a:outerShdw>
+                </a:effectLst>
+                <a:latin typeface="Whitney"/>
+              </a:rPr>
+              <a:t>1FN-</a:t>
+            </a:r>
+            <a:r>
+              <a:rPr lang="pt-PT" b="0" i="0" dirty="0">
+                <a:solidFill>
+                  <a:schemeClr val="tx1"/>
+                </a:solidFill>
+                <a:effectLst/>
+                <a:latin typeface="Whitney"/>
+              </a:rPr>
+              <a:t> O modelo está na primeira forma normal pois cada atributo apenas contém valores atómicos. </a:t>
+            </a:r>
+          </a:p>
+          <a:p>
+            <a:r>
+              <a:rPr lang="pt-PT" b="1" i="0" dirty="0">
+                <a:solidFill>
+                  <a:schemeClr val="tx1"/>
+                </a:solidFill>
+                <a:effectLst>
+                  <a:outerShdw blurRad="38100" dist="38100" dir="2700000" algn="tl">
+                    <a:srgbClr val="000000">
+                      <a:alpha val="43137"/>
+                    </a:srgbClr>
+                  </a:outerShdw>
+                </a:effectLst>
+                <a:latin typeface="Whitney"/>
+              </a:rPr>
+              <a:t>2FN- </a:t>
+            </a:r>
+            <a:r>
+              <a:rPr lang="pt-PT" b="0" i="0" dirty="0">
+                <a:solidFill>
+                  <a:schemeClr val="tx1"/>
+                </a:solidFill>
+                <a:effectLst/>
+                <a:latin typeface="Whitney"/>
+              </a:rPr>
+              <a:t>O modelo está na segunda forma normal pois não há dependências parciais. </a:t>
+            </a:r>
+          </a:p>
+          <a:p>
+            <a:r>
+              <a:rPr lang="pt-PT" b="1" i="0" dirty="0">
+                <a:solidFill>
+                  <a:schemeClr val="tx1"/>
+                </a:solidFill>
+                <a:effectLst>
+                  <a:outerShdw blurRad="38100" dist="38100" dir="2700000" algn="tl">
+                    <a:srgbClr val="000000">
+                      <a:alpha val="43137"/>
+                    </a:srgbClr>
+                  </a:outerShdw>
+                </a:effectLst>
+                <a:latin typeface="Whitney"/>
+              </a:rPr>
+              <a:t>3FN-</a:t>
+            </a:r>
+            <a:r>
+              <a:rPr lang="pt-PT" b="0" i="0" dirty="0">
+                <a:solidFill>
+                  <a:schemeClr val="tx1"/>
+                </a:solidFill>
+                <a:effectLst/>
+                <a:latin typeface="Whitney"/>
+              </a:rPr>
+              <a:t> O modelo está na terceira forma normal pois não há dependências transitivas.</a:t>
+            </a:r>
+            <a:endParaRPr lang="pt-PT" dirty="0">
+              <a:solidFill>
+                <a:schemeClr val="tx1"/>
+              </a:solidFill>
+            </a:endParaRPr>
           </a:p>
         </p:txBody>
       </p:sp>
@@ -13789,7 +19509,200 @@
 </p:sld>
 </file>
 
-<file path=ppt/slides/slide43.xml><?xml version="1.0" encoding="utf-8"?>
+<file path=ppt/slides/slide5.xml><?xml version="1.0" encoding="utf-8"?>
+<p:sld xmlns:a="http://schemas.openxmlformats.org/drawingml/2006/main" xmlns:r="http://schemas.openxmlformats.org/officeDocument/2006/relationships" xmlns:p="http://schemas.openxmlformats.org/presentationml/2006/main">
+  <p:cSld>
+    <p:spTree>
+      <p:nvGrpSpPr>
+        <p:cNvPr id="1" name=""/>
+        <p:cNvGrpSpPr/>
+        <p:nvPr/>
+      </p:nvGrpSpPr>
+      <p:grpSpPr>
+        <a:xfrm>
+          <a:off x="0" y="0"/>
+          <a:ext cx="0" cy="0"/>
+          <a:chOff x="0" y="0"/>
+          <a:chExt cx="0" cy="0"/>
+        </a:xfrm>
+      </p:grpSpPr>
+      <p:sp>
+        <p:nvSpPr>
+          <p:cNvPr id="2" name="Título 1">
+            <a:extLst>
+              <a:ext uri="{FF2B5EF4-FFF2-40B4-BE49-F238E27FC236}">
+                <a16:creationId xmlns:a16="http://schemas.microsoft.com/office/drawing/2014/main" id="{8DBDA659-2CC8-758A-59E6-B756B1E9F041}"/>
+              </a:ext>
+            </a:extLst>
+          </p:cNvPr>
+          <p:cNvSpPr>
+            <a:spLocks noGrp="1"/>
+          </p:cNvSpPr>
+          <p:nvPr>
+            <p:ph type="title"/>
+          </p:nvPr>
+        </p:nvSpPr>
+        <p:spPr/>
+        <p:txBody>
+          <a:bodyPr>
+            <a:normAutofit/>
+          </a:bodyPr>
+          <a:lstStyle/>
+          <a:p>
+            <a:r>
+              <a:rPr lang="pt-PT" b="1" dirty="0">
+                <a:solidFill>
+                  <a:schemeClr val="tx1"/>
+                </a:solidFill>
+                <a:effectLst/>
+                <a:latin typeface="Abadi" panose="020B0604020104020204" pitchFamily="34" charset="0"/>
+              </a:rPr>
+              <a:t>1.1 Contexto de aplicação </a:t>
+            </a:r>
+            <a:endParaRPr lang="pt-PT" b="1" dirty="0">
+              <a:solidFill>
+                <a:schemeClr val="tx1"/>
+              </a:solidFill>
+              <a:latin typeface="Abadi" panose="020B0604020104020204" pitchFamily="34" charset="0"/>
+            </a:endParaRPr>
+          </a:p>
+        </p:txBody>
+      </p:sp>
+      <p:sp>
+        <p:nvSpPr>
+          <p:cNvPr id="3" name="Marcador de Posição de Conteúdo 2">
+            <a:extLst>
+              <a:ext uri="{FF2B5EF4-FFF2-40B4-BE49-F238E27FC236}">
+                <a16:creationId xmlns:a16="http://schemas.microsoft.com/office/drawing/2014/main" id="{A2B27D1D-4F66-91B5-69BF-C7A5AF4ED8BF}"/>
+              </a:ext>
+            </a:extLst>
+          </p:cNvPr>
+          <p:cNvSpPr>
+            <a:spLocks noGrp="1"/>
+          </p:cNvSpPr>
+          <p:nvPr>
+            <p:ph idx="1"/>
+          </p:nvPr>
+        </p:nvSpPr>
+        <p:spPr>
+          <a:xfrm>
+            <a:off x="1141412" y="2249487"/>
+            <a:ext cx="9905999" cy="3874866"/>
+          </a:xfrm>
+        </p:spPr>
+        <p:txBody>
+          <a:bodyPr>
+            <a:normAutofit fontScale="85000" lnSpcReduction="20000"/>
+          </a:bodyPr>
+          <a:lstStyle/>
+          <a:p>
+            <a:pPr marL="0" indent="0" algn="just" rtl="0">
+              <a:spcBef>
+                <a:spcPts val="0"/>
+              </a:spcBef>
+              <a:spcAft>
+                <a:spcPts val="0"/>
+              </a:spcAft>
+              <a:buNone/>
+            </a:pPr>
+            <a:r>
+              <a:rPr lang="pt-PT" sz="1800" b="1" i="0" u="none" strike="noStrike" dirty="0">
+                <a:solidFill>
+                  <a:srgbClr val="000000"/>
+                </a:solidFill>
+                <a:effectLst/>
+                <a:latin typeface="Arial" panose="020B0604020202020204" pitchFamily="34" charset="0"/>
+              </a:rPr>
+              <a:t>A empresa cliente é uma farmácia chamada “Saúde Monádica”, fundada em “30 de Abril de 1980” por “</a:t>
+            </a:r>
+            <a:r>
+              <a:rPr lang="pt-PT" sz="1800" b="1" i="0" u="none" strike="noStrike" dirty="0" err="1">
+                <a:solidFill>
+                  <a:srgbClr val="000000"/>
+                </a:solidFill>
+                <a:effectLst/>
+                <a:latin typeface="Arial" panose="020B0604020202020204" pitchFamily="34" charset="0"/>
+              </a:rPr>
+              <a:t>Dr</a:t>
+            </a:r>
+            <a:r>
+              <a:rPr lang="pt-PT" sz="1800" b="1" i="0" u="none" strike="noStrike" dirty="0">
+                <a:solidFill>
+                  <a:srgbClr val="000000"/>
+                </a:solidFill>
+                <a:effectLst/>
+                <a:latin typeface="Arial" panose="020B0604020202020204" pitchFamily="34" charset="0"/>
+              </a:rPr>
+              <a:t> Bernardo Esteves” e localizada em  “Coimbra”. A empresa funcionava em regime totalmente presencial, no entanto com o advento da Pandemia trazida pelo Covid-19, o fundador e a sua filha “Estefânia”, que realizou um mestrado em Marketing Digital, tiveram a ideia de implementar um sistema de entrega ao domicílio, limitada ao concelho de origem. Esta mudança trouxe-lhes grande sucesso e, então, a farmácia comprou dois armazéns, cada um com 2 estafetas, 2 técnicos farmacêuticos e 1 gestor de inventário, para potenciar esta expansão no novo mercado.</a:t>
+            </a:r>
+            <a:endParaRPr lang="pt-PT" b="1" dirty="0">
+              <a:effectLst/>
+            </a:endParaRPr>
+          </a:p>
+          <a:p>
+            <a:pPr marL="0" indent="0" algn="just" rtl="0">
+              <a:spcBef>
+                <a:spcPts val="0"/>
+              </a:spcBef>
+              <a:spcAft>
+                <a:spcPts val="0"/>
+              </a:spcAft>
+              <a:buNone/>
+            </a:pPr>
+            <a:r>
+              <a:rPr lang="pt-PT" sz="1800" b="1" i="0" u="none" strike="noStrike" dirty="0">
+                <a:solidFill>
+                  <a:srgbClr val="000000"/>
+                </a:solidFill>
+                <a:effectLst/>
+                <a:latin typeface="Arial" panose="020B0604020202020204" pitchFamily="34" charset="0"/>
+              </a:rPr>
+              <a:t>Parte do sucesso da empresa vem da consideração que “Dr. Bernardo” tem para com os seus funcionários e com a sua prestação. Dessa forma, adquiriu experiência considerável nos tipos de registos importantes para o melhor funcionamento da empresa, ao realizá-lo tudo pessoalmente e em anotações físicas. Especificamente, acredita ser crucial manter detalhes sobre todas as viaturas e sobre que complicações os funcionários experienciaram com elas, relatos esses infimamente detalhados. Para além disso, como médico de profissão, “Dr. Bernardo” demarca a importância de colocar a saúde à frente do negócio, de modo a não quebrar nenhuma norma. Isto implica aderir estritamente às normas de segurança para cada um dos seus produtos, sem exceção, por envolverem, potencialmente, conteúdo indispensável.</a:t>
+            </a:r>
+            <a:endParaRPr lang="pt-PT" b="1" dirty="0">
+              <a:effectLst/>
+            </a:endParaRPr>
+          </a:p>
+          <a:p>
+            <a:pPr marL="0" indent="0" algn="just" rtl="0">
+              <a:spcBef>
+                <a:spcPts val="0"/>
+              </a:spcBef>
+              <a:spcAft>
+                <a:spcPts val="0"/>
+              </a:spcAft>
+              <a:buNone/>
+            </a:pPr>
+            <a:r>
+              <a:rPr lang="pt-PT" sz="1800" b="1" i="0" u="none" strike="noStrike" dirty="0">
+                <a:solidFill>
+                  <a:srgbClr val="000000"/>
+                </a:solidFill>
+                <a:effectLst/>
+                <a:latin typeface="Arial" panose="020B0604020202020204" pitchFamily="34" charset="0"/>
+              </a:rPr>
+              <a:t>Apesar desta grande mudança, o “Dr. Bernardo” não tenciona parar, já mencionando construir mais dois grandes armazéns. No entanto, entendeu ser proveitoso primeiro investir num sistema computadorizado de organização, devido ao aumento da complexidade da entrega dos medicamentos e da gestão dos armazéns, antes de começar a pensar nessa expansão, já que implica a contratação de 1 gestor de inventário,  de 5 estafetas e de 3 técnicos farmacêuticos.</a:t>
+            </a:r>
+            <a:endParaRPr lang="pt-PT" b="1" dirty="0">
+              <a:effectLst/>
+            </a:endParaRPr>
+          </a:p>
+        </p:txBody>
+      </p:sp>
+    </p:spTree>
+    <p:extLst>
+      <p:ext uri="{BB962C8B-B14F-4D97-AF65-F5344CB8AC3E}">
+        <p14:creationId xmlns:p14="http://schemas.microsoft.com/office/powerpoint/2010/main" val="472415539"/>
+      </p:ext>
+    </p:extLst>
+  </p:cSld>
+  <p:clrMapOvr>
+    <a:masterClrMapping/>
+  </p:clrMapOvr>
+</p:sld>
+</file>
+
+<file path=ppt/slides/slide50.xml><?xml version="1.0" encoding="utf-8"?>
 <p:sld xmlns:a="http://schemas.openxmlformats.org/drawingml/2006/main" xmlns:r="http://schemas.openxmlformats.org/officeDocument/2006/relationships" xmlns:p="http://schemas.openxmlformats.org/presentationml/2006/main">
   <p:cSld>
     <p:bg>
@@ -13878,10 +19791,10 @@
       </p:sp>
       <p:pic>
         <p:nvPicPr>
-          <p:cNvPr id="4" name="Imagem 3">
+          <p:cNvPr id="5" name="Imagem 4">
             <a:extLst>
               <a:ext uri="{FF2B5EF4-FFF2-40B4-BE49-F238E27FC236}">
-                <a16:creationId xmlns:a16="http://schemas.microsoft.com/office/drawing/2014/main" id="{B2CE965C-4A14-9F2D-23CD-14948182890C}"/>
+                <a16:creationId xmlns:a16="http://schemas.microsoft.com/office/drawing/2014/main" id="{66695B54-CC6F-6741-9084-97C2E8298790}"/>
               </a:ext>
             </a:extLst>
           </p:cNvPr>
@@ -13891,19 +19804,35 @@
           <p:nvPr/>
         </p:nvPicPr>
         <p:blipFill>
-          <a:blip r:embed="rId2"/>
+          <a:blip r:embed="rId2">
+            <a:extLst>
+              <a:ext uri="{28A0092B-C50C-407E-A947-70E740481C1C}">
+                <a14:useLocalDpi xmlns:a14="http://schemas.microsoft.com/office/drawing/2010/main" val="0"/>
+              </a:ext>
+            </a:extLst>
+          </a:blip>
           <a:stretch>
             <a:fillRect/>
           </a:stretch>
         </p:blipFill>
         <p:spPr>
           <a:xfrm>
-            <a:off x="4102957" y="373604"/>
-            <a:ext cx="7316221" cy="5258534"/>
+            <a:off x="3741407" y="438262"/>
+            <a:ext cx="8039322" cy="5981475"/>
           </a:xfrm>
           <a:prstGeom prst="rect">
             <a:avLst/>
           </a:prstGeom>
+          <a:ln>
+            <a:noFill/>
+          </a:ln>
+          <a:effectLst>
+            <a:outerShdw blurRad="292100" dist="139700" dir="2700000" algn="tl" rotWithShape="0">
+              <a:srgbClr val="333333">
+                <a:alpha val="65000"/>
+              </a:srgbClr>
+            </a:outerShdw>
+          </a:effectLst>
         </p:spPr>
       </p:pic>
     </p:spTree>
@@ -13919,7 +19848,7 @@
 </p:sld>
 </file>
 
-<file path=ppt/slides/slide44.xml><?xml version="1.0" encoding="utf-8"?>
+<file path=ppt/slides/slide51.xml><?xml version="1.0" encoding="utf-8"?>
 <p:sld xmlns:a="http://schemas.openxmlformats.org/drawingml/2006/main" xmlns:r="http://schemas.openxmlformats.org/officeDocument/2006/relationships" xmlns:p="http://schemas.openxmlformats.org/presentationml/2006/main">
   <p:cSld>
     <p:spTree>
@@ -13961,59 +19890,52 @@
           </a:p>
         </p:txBody>
       </p:sp>
-      <p:sp>
-        <p:nvSpPr>
-          <p:cNvPr id="3" name="Marcador de Posição de Conteúdo 2">
+      <p:pic>
+        <p:nvPicPr>
+          <p:cNvPr id="6" name="Marcador de Posição de Conteúdo 5">
             <a:extLst>
               <a:ext uri="{FF2B5EF4-FFF2-40B4-BE49-F238E27FC236}">
-                <a16:creationId xmlns:a16="http://schemas.microsoft.com/office/drawing/2014/main" id="{96F89B51-E0D6-3343-862B-D2D3DFA2E20D}"/>
-              </a:ext>
-            </a:extLst>
-          </p:cNvPr>
-          <p:cNvSpPr>
-            <a:spLocks noGrp="1"/>
-          </p:cNvSpPr>
-          <p:nvPr>
-            <p:ph idx="1"/>
-          </p:nvPr>
-        </p:nvSpPr>
-        <p:spPr/>
-        <p:txBody>
-          <a:bodyPr/>
-          <a:lstStyle/>
-          <a:p>
-            <a:endParaRPr lang="pt-PT"/>
-          </a:p>
-        </p:txBody>
-      </p:sp>
-      <p:pic>
-        <p:nvPicPr>
-          <p:cNvPr id="5" name="Imagem 4">
-            <a:extLst>
-              <a:ext uri="{FF2B5EF4-FFF2-40B4-BE49-F238E27FC236}">
-                <a16:creationId xmlns:a16="http://schemas.microsoft.com/office/drawing/2014/main" id="{DA5D3F6C-40DB-7D50-6B6D-ECA5534873B9}"/>
+                <a16:creationId xmlns:a16="http://schemas.microsoft.com/office/drawing/2014/main" id="{5BFD8401-B9EC-88C5-F80B-03E5EFB7CEA5}"/>
               </a:ext>
             </a:extLst>
           </p:cNvPr>
           <p:cNvPicPr>
-            <a:picLocks noChangeAspect="1"/>
+            <a:picLocks noGrp="1" noChangeAspect="1"/>
           </p:cNvPicPr>
-          <p:nvPr/>
+          <p:nvPr>
+            <p:ph idx="1"/>
+          </p:nvPr>
         </p:nvPicPr>
         <p:blipFill>
-          <a:blip r:embed="rId2"/>
+          <a:blip r:embed="rId2">
+            <a:extLst>
+              <a:ext uri="{28A0092B-C50C-407E-A947-70E740481C1C}">
+                <a14:useLocalDpi xmlns:a14="http://schemas.microsoft.com/office/drawing/2010/main" val="0"/>
+              </a:ext>
+            </a:extLst>
+          </a:blip>
           <a:stretch>
             <a:fillRect/>
           </a:stretch>
         </p:blipFill>
         <p:spPr>
           <a:xfrm>
-            <a:off x="1966336" y="771154"/>
-            <a:ext cx="8259328" cy="5315692"/>
+            <a:off x="2706648" y="776214"/>
+            <a:ext cx="7106435" cy="5305572"/>
           </a:xfrm>
           <a:prstGeom prst="rect">
             <a:avLst/>
           </a:prstGeom>
+          <a:ln>
+            <a:noFill/>
+          </a:ln>
+          <a:effectLst>
+            <a:outerShdw blurRad="292100" dist="139700" dir="2700000" algn="tl" rotWithShape="0">
+              <a:srgbClr val="333333">
+                <a:alpha val="65000"/>
+              </a:srgbClr>
+            </a:outerShdw>
+          </a:effectLst>
         </p:spPr>
       </p:pic>
     </p:spTree>
@@ -14029,7 +19951,7 @@
 </p:sld>
 </file>
 
-<file path=ppt/slides/slide45.xml><?xml version="1.0" encoding="utf-8"?>
+<file path=ppt/slides/slide52.xml><?xml version="1.0" encoding="utf-8"?>
 <p:sld xmlns:a="http://schemas.openxmlformats.org/drawingml/2006/main" xmlns:r="http://schemas.openxmlformats.org/officeDocument/2006/relationships" xmlns:p="http://schemas.openxmlformats.org/presentationml/2006/main">
   <p:cSld>
     <p:spTree>
@@ -14098,32 +20020,58 @@
       </p:sp>
       <p:pic>
         <p:nvPicPr>
-          <p:cNvPr id="5" name="Imagem 4">
+          <p:cNvPr id="1026" name="Picture 2">
             <a:extLst>
               <a:ext uri="{FF2B5EF4-FFF2-40B4-BE49-F238E27FC236}">
-                <a16:creationId xmlns:a16="http://schemas.microsoft.com/office/drawing/2014/main" id="{43D709CB-97CD-F089-9FD5-B502170BE286}"/>
+                <a16:creationId xmlns:a16="http://schemas.microsoft.com/office/drawing/2014/main" id="{E22ED6D3-AA31-C2BE-E0B8-2CCFE21213C8}"/>
               </a:ext>
             </a:extLst>
           </p:cNvPr>
           <p:cNvPicPr>
-            <a:picLocks noChangeAspect="1"/>
+            <a:picLocks noChangeAspect="1" noChangeArrowheads="1"/>
           </p:cNvPicPr>
           <p:nvPr/>
         </p:nvPicPr>
         <p:blipFill>
-          <a:blip r:embed="rId2"/>
+          <a:blip r:embed="rId2">
+            <a:extLst>
+              <a:ext uri="{28A0092B-C50C-407E-A947-70E740481C1C}">
+                <a14:useLocalDpi xmlns:a14="http://schemas.microsoft.com/office/drawing/2010/main" val="0"/>
+              </a:ext>
+            </a:extLst>
+          </a:blip>
+          <a:srcRect/>
           <a:stretch>
             <a:fillRect/>
           </a:stretch>
         </p:blipFill>
-        <p:spPr>
+        <p:spPr bwMode="auto">
           <a:xfrm>
-            <a:off x="2133047" y="961680"/>
-            <a:ext cx="7925906" cy="4934639"/>
+            <a:off x="1376362" y="2601237"/>
+            <a:ext cx="9439275" cy="2200275"/>
           </a:xfrm>
           <a:prstGeom prst="rect">
             <a:avLst/>
           </a:prstGeom>
+          <a:ln>
+            <a:noFill/>
+          </a:ln>
+          <a:effectLst>
+            <a:outerShdw blurRad="292100" dist="139700" dir="2700000" algn="tl" rotWithShape="0">
+              <a:srgbClr val="333333">
+                <a:alpha val="65000"/>
+              </a:srgbClr>
+            </a:outerShdw>
+          </a:effectLst>
+          <a:extLst>
+            <a:ext uri="{909E8E84-426E-40DD-AFC4-6F175D3DCCD1}">
+              <a14:hiddenFill xmlns:a14="http://schemas.microsoft.com/office/drawing/2010/main">
+                <a:solidFill>
+                  <a:srgbClr val="FFFFFF"/>
+                </a:solidFill>
+              </a14:hiddenFill>
+            </a:ext>
+          </a:extLst>
         </p:spPr>
       </p:pic>
     </p:spTree>
@@ -14139,9 +20087,35 @@
 </p:sld>
 </file>
 
-<file path=ppt/slides/slide46.xml><?xml version="1.0" encoding="utf-8"?>
+<file path=ppt/slides/slide53.xml><?xml version="1.0" encoding="utf-8"?>
 <p:sld xmlns:a="http://schemas.openxmlformats.org/drawingml/2006/main" xmlns:r="http://schemas.openxmlformats.org/officeDocument/2006/relationships" xmlns:p="http://schemas.openxmlformats.org/presentationml/2006/main">
   <p:cSld>
+    <p:bg>
+      <p:bgPr>
+        <a:gradFill rotWithShape="1">
+          <a:gsLst>
+            <a:gs pos="0">
+              <a:schemeClr val="bg2">
+                <a:tint val="90000"/>
+                <a:satMod val="92000"/>
+                <a:lumMod val="120000"/>
+              </a:schemeClr>
+            </a:gs>
+            <a:gs pos="100000">
+              <a:schemeClr val="bg2">
+                <a:shade val="98000"/>
+                <a:satMod val="120000"/>
+                <a:lumMod val="98000"/>
+              </a:schemeClr>
+            </a:gs>
+          </a:gsLst>
+          <a:path path="circle">
+            <a:fillToRect l="50000" t="50000" r="100000" b="100000"/>
+          </a:path>
+        </a:gradFill>
+        <a:effectLst/>
+      </p:bgPr>
+    </p:bg>
     <p:spTree>
       <p:nvGrpSpPr>
         <p:cNvPr id="1" name=""/>
@@ -14156,6 +20130,66 @@
           <a:chExt cx="0" cy="0"/>
         </a:xfrm>
       </p:grpSpPr>
+      <p:sp useBgFill="1">
+        <p:nvSpPr>
+          <p:cNvPr id="2089" name="Rectangle 2054">
+            <a:extLst>
+              <a:ext uri="{FF2B5EF4-FFF2-40B4-BE49-F238E27FC236}">
+                <a16:creationId xmlns:a16="http://schemas.microsoft.com/office/drawing/2014/main" id="{E491B121-12B5-4977-A064-636AB0B9B0BD}"/>
+              </a:ext>
+              <a:ext uri="{C183D7F6-B498-43B3-948B-1728B52AA6E4}">
+                <adec:decorative xmlns:adec="http://schemas.microsoft.com/office/drawing/2017/decorative" val="1"/>
+              </a:ext>
+            </a:extLst>
+          </p:cNvPr>
+          <p:cNvSpPr>
+            <a:spLocks noGrp="1" noRot="1" noChangeAspect="1" noMove="1" noResize="1" noEditPoints="1" noAdjustHandles="1" noChangeArrowheads="1" noChangeShapeType="1" noTextEdit="1"/>
+          </p:cNvSpPr>
+          <p:nvPr>
+            <p:extLst>
+              <p:ext uri="{386F3935-93C4-4BCD-93E2-E3B085C9AB24}">
+                <p16:designElem xmlns:p16="http://schemas.microsoft.com/office/powerpoint/2015/main" val="1"/>
+              </p:ext>
+            </p:extLst>
+          </p:nvPr>
+        </p:nvSpPr>
+        <p:spPr>
+          <a:xfrm>
+            <a:off x="0" y="-786"/>
+            <a:ext cx="12192000" cy="6854038"/>
+          </a:xfrm>
+          <a:prstGeom prst="rect">
+            <a:avLst/>
+          </a:prstGeom>
+          <a:ln>
+            <a:noFill/>
+          </a:ln>
+        </p:spPr>
+        <p:style>
+          <a:lnRef idx="2">
+            <a:schemeClr val="accent1">
+              <a:shade val="50000"/>
+            </a:schemeClr>
+          </a:lnRef>
+          <a:fillRef idx="1">
+            <a:schemeClr val="accent1"/>
+          </a:fillRef>
+          <a:effectRef idx="0">
+            <a:schemeClr val="accent1"/>
+          </a:effectRef>
+          <a:fontRef idx="minor">
+            <a:schemeClr val="lt1"/>
+          </a:fontRef>
+        </p:style>
+        <p:txBody>
+          <a:bodyPr rtlCol="0" anchor="ctr"/>
+          <a:lstStyle/>
+          <a:p>
+            <a:pPr algn="ctr"/>
+            <a:endParaRPr lang="en-US"/>
+          </a:p>
+        </p:txBody>
+      </p:sp>
       <p:sp>
         <p:nvSpPr>
           <p:cNvPr id="2" name="Título 1">
@@ -14172,7 +20206,12 @@
             <p:ph type="title"/>
           </p:nvPr>
         </p:nvSpPr>
-        <p:spPr/>
+        <p:spPr>
+          <a:xfrm>
+            <a:off x="649224" y="645106"/>
+            <a:ext cx="6574536" cy="1259894"/>
+          </a:xfrm>
+        </p:spPr>
         <p:txBody>
           <a:bodyPr>
             <a:normAutofit/>
@@ -14180,22 +20219,69 @@
           <a:lstStyle/>
           <a:p>
             <a:r>
-              <a:rPr lang="pt-PT" b="1" dirty="0">
-                <a:solidFill>
-                  <a:schemeClr val="tx1"/>
-                </a:solidFill>
+              <a:rPr lang="pt-PT" b="1">
                 <a:effectLst/>
                 <a:latin typeface="Abadi" panose="020B0604020104020204" pitchFamily="34" charset="0"/>
               </a:rPr>
               <a:t>4.4 Validação do modelo com interrogações do utilizador</a:t>
             </a:r>
-            <a:endParaRPr lang="pt-PT" b="1" dirty="0">
-              <a:solidFill>
-                <a:schemeClr val="tx1"/>
-              </a:solidFill>
-            </a:endParaRPr>
+            <a:endParaRPr lang="pt-PT" b="1"/>
           </a:p>
         </p:txBody>
+      </p:sp>
+      <p:sp>
+        <p:nvSpPr>
+          <p:cNvPr id="2090" name="Rectangle 2056">
+            <a:extLst>
+              <a:ext uri="{FF2B5EF4-FFF2-40B4-BE49-F238E27FC236}">
+                <a16:creationId xmlns:a16="http://schemas.microsoft.com/office/drawing/2014/main" id="{2ED05F70-AB3E-4472-B26B-EFE6A5A59BC8}"/>
+              </a:ext>
+              <a:ext uri="{C183D7F6-B498-43B3-948B-1728B52AA6E4}">
+                <adec:decorative xmlns:adec="http://schemas.microsoft.com/office/drawing/2017/decorative" val="1"/>
+              </a:ext>
+            </a:extLst>
+          </p:cNvPr>
+          <p:cNvSpPr>
+            <a:spLocks noGrp="1" noRot="1" noChangeAspect="1" noMove="1" noResize="1" noEditPoints="1" noAdjustHandles="1" noChangeArrowheads="1" noChangeShapeType="1" noTextEdit="1"/>
+          </p:cNvSpPr>
+          <p:nvPr>
+            <p:extLst>
+              <p:ext uri="{386F3935-93C4-4BCD-93E2-E3B085C9AB24}">
+                <p16:designElem xmlns:p16="http://schemas.microsoft.com/office/powerpoint/2015/main" val="1"/>
+              </p:ext>
+            </p:extLst>
+          </p:nvPr>
+        </p:nvSpPr>
+        <p:spPr>
+          <a:xfrm>
+            <a:off x="0" y="0"/>
+            <a:ext cx="182880" cy="6858000"/>
+          </a:xfrm>
+          <a:prstGeom prst="rect">
+            <a:avLst/>
+          </a:prstGeom>
+          <a:solidFill>
+            <a:schemeClr val="tx2"/>
+          </a:solidFill>
+          <a:ln>
+            <a:noFill/>
+          </a:ln>
+          <a:effectLst/>
+        </p:spPr>
+        <p:style>
+          <a:lnRef idx="1">
+            <a:schemeClr val="accent1"/>
+          </a:lnRef>
+          <a:fillRef idx="3">
+            <a:schemeClr val="accent1"/>
+          </a:fillRef>
+          <a:effectRef idx="2">
+            <a:schemeClr val="accent1"/>
+          </a:effectRef>
+          <a:fontRef idx="minor">
+            <a:schemeClr val="lt1"/>
+          </a:fontRef>
+        </p:style>
       </p:sp>
       <p:sp>
         <p:nvSpPr>
@@ -14213,12 +20299,291 @@
             <p:ph idx="1"/>
           </p:nvPr>
         </p:nvSpPr>
-        <p:spPr/>
+        <p:spPr>
+          <a:xfrm>
+            <a:off x="649224" y="2133600"/>
+            <a:ext cx="6574535" cy="3759253"/>
+          </a:xfrm>
+        </p:spPr>
         <p:txBody>
-          <a:bodyPr/>
+          <a:bodyPr>
+            <a:normAutofit/>
+          </a:bodyPr>
           <a:lstStyle/>
           <a:p>
-            <a:endParaRPr lang="pt-PT" dirty="0"/>
+            <a:r>
+              <a:rPr lang="pt-PT" dirty="0"/>
+              <a:t>Depois da equipa terminar a elaboração do esquema lógico, verificamos com a staff da empresa os requisitos impostos anteriormente agora no modelo lógico e alguns exemplos de instruções que poderiam necessitar.</a:t>
+            </a:r>
+          </a:p>
+          <a:p>
+            <a:r>
+              <a:rPr lang="pt-PT" dirty="0"/>
+              <a:t>O modelo lógico acabou por satisfazer as necessidades da empresa e a equipa de implementação do sistema de base de dados pode avançar para a fase de criação da base de dados</a:t>
+            </a:r>
+          </a:p>
+        </p:txBody>
+      </p:sp>
+      <p:pic>
+        <p:nvPicPr>
+          <p:cNvPr id="2050" name="Picture 2">
+            <a:extLst>
+              <a:ext uri="{FF2B5EF4-FFF2-40B4-BE49-F238E27FC236}">
+                <a16:creationId xmlns:a16="http://schemas.microsoft.com/office/drawing/2014/main" id="{7067F730-DE45-E9B5-8D2A-3A12C228538E}"/>
+              </a:ext>
+            </a:extLst>
+          </p:cNvPr>
+          <p:cNvPicPr>
+            <a:picLocks noChangeAspect="1" noChangeArrowheads="1"/>
+          </p:cNvPicPr>
+          <p:nvPr/>
+        </p:nvPicPr>
+        <p:blipFill>
+          <a:blip r:embed="rId2">
+            <a:extLst>
+              <a:ext uri="{28A0092B-C50C-407E-A947-70E740481C1C}">
+                <a14:useLocalDpi xmlns:a14="http://schemas.microsoft.com/office/drawing/2010/main" val="0"/>
+              </a:ext>
+            </a:extLst>
+          </a:blip>
+          <a:stretch>
+            <a:fillRect/>
+          </a:stretch>
+        </p:blipFill>
+        <p:spPr bwMode="auto">
+          <a:xfrm>
+            <a:off x="7873537" y="645106"/>
+            <a:ext cx="3358557" cy="5247747"/>
+          </a:xfrm>
+          <a:prstGeom prst="rect">
+            <a:avLst/>
+          </a:prstGeom>
+          <a:noFill/>
+          <a:extLst>
+            <a:ext uri="{909E8E84-426E-40DD-AFC4-6F175D3DCCD1}">
+              <a14:hiddenFill xmlns:a14="http://schemas.microsoft.com/office/drawing/2010/main">
+                <a:solidFill>
+                  <a:srgbClr val="FFFFFF"/>
+                </a:solidFill>
+              </a14:hiddenFill>
+            </a:ext>
+          </a:extLst>
+        </p:spPr>
+      </p:pic>
+      <p:sp>
+        <p:nvSpPr>
+          <p:cNvPr id="2059" name="Freeform 11">
+            <a:extLst>
+              <a:ext uri="{FF2B5EF4-FFF2-40B4-BE49-F238E27FC236}">
+                <a16:creationId xmlns:a16="http://schemas.microsoft.com/office/drawing/2014/main" id="{21F6BE39-9E37-45F0-B10C-92305CFB7C77}"/>
+              </a:ext>
+              <a:ext uri="{C183D7F6-B498-43B3-948B-1728B52AA6E4}">
+                <adec:decorative xmlns:adec="http://schemas.microsoft.com/office/drawing/2017/decorative" val="1"/>
+              </a:ext>
+            </a:extLst>
+          </p:cNvPr>
+          <p:cNvSpPr>
+            <a:spLocks noGrp="1" noRot="1" noChangeAspect="1" noMove="1" noResize="1" noEditPoints="1" noAdjustHandles="1" noChangeArrowheads="1" noChangeShapeType="1" noTextEdit="1"/>
+          </p:cNvSpPr>
+          <p:nvPr>
+            <p:extLst>
+              <p:ext uri="{386F3935-93C4-4BCD-93E2-E3B085C9AB24}">
+                <p16:designElem xmlns:p16="http://schemas.microsoft.com/office/powerpoint/2015/main" val="1"/>
+              </p:ext>
+            </p:extLst>
+          </p:nvPr>
+        </p:nvSpPr>
+        <p:spPr>
+          <a:xfrm>
+            <a:off x="-1" y="6061223"/>
+            <a:ext cx="1038036" cy="506277"/>
+          </a:xfrm>
+          <a:custGeom>
+            <a:avLst/>
+            <a:gdLst>
+              <a:gd name="connsiteX0" fmla="*/ 0 w 1038036"/>
+              <a:gd name="connsiteY0" fmla="*/ 0 h 506277"/>
+              <a:gd name="connsiteX1" fmla="*/ 182880 w 1038036"/>
+              <a:gd name="connsiteY1" fmla="*/ 0 h 506277"/>
+              <a:gd name="connsiteX2" fmla="*/ 291705 w 1038036"/>
+              <a:gd name="connsiteY2" fmla="*/ 0 h 506277"/>
+              <a:gd name="connsiteX3" fmla="*/ 291705 w 1038036"/>
+              <a:gd name="connsiteY3" fmla="*/ 151 h 506277"/>
+              <a:gd name="connsiteX4" fmla="*/ 692049 w 1038036"/>
+              <a:gd name="connsiteY4" fmla="*/ 705 h 506277"/>
+              <a:gd name="connsiteX5" fmla="*/ 782744 w 1038036"/>
+              <a:gd name="connsiteY5" fmla="*/ 705 h 506277"/>
+              <a:gd name="connsiteX6" fmla="*/ 797001 w 1038036"/>
+              <a:gd name="connsiteY6" fmla="*/ 5473 h 506277"/>
+              <a:gd name="connsiteX7" fmla="*/ 801982 w 1038036"/>
+              <a:gd name="connsiteY7" fmla="*/ 10242 h 506277"/>
+              <a:gd name="connsiteX8" fmla="*/ 1030951 w 1038036"/>
+              <a:gd name="connsiteY8" fmla="*/ 239185 h 506277"/>
+              <a:gd name="connsiteX9" fmla="*/ 1030951 w 1038036"/>
+              <a:gd name="connsiteY9" fmla="*/ 267797 h 506277"/>
+              <a:gd name="connsiteX10" fmla="*/ 801982 w 1038036"/>
+              <a:gd name="connsiteY10" fmla="*/ 496740 h 506277"/>
+              <a:gd name="connsiteX11" fmla="*/ 797001 w 1038036"/>
+              <a:gd name="connsiteY11" fmla="*/ 501508 h 506277"/>
+              <a:gd name="connsiteX12" fmla="*/ 782744 w 1038036"/>
+              <a:gd name="connsiteY12" fmla="*/ 506277 h 506277"/>
+              <a:gd name="connsiteX13" fmla="*/ 692049 w 1038036"/>
+              <a:gd name="connsiteY13" fmla="*/ 506277 h 506277"/>
+              <a:gd name="connsiteX14" fmla="*/ 291705 w 1038036"/>
+              <a:gd name="connsiteY14" fmla="*/ 505140 h 506277"/>
+              <a:gd name="connsiteX15" fmla="*/ 291705 w 1038036"/>
+              <a:gd name="connsiteY15" fmla="*/ 506277 h 506277"/>
+              <a:gd name="connsiteX16" fmla="*/ 0 w 1038036"/>
+              <a:gd name="connsiteY16" fmla="*/ 506277 h 506277"/>
+            </a:gdLst>
+            <a:ahLst/>
+            <a:cxnLst>
+              <a:cxn ang="0">
+                <a:pos x="connsiteX0" y="connsiteY0"/>
+              </a:cxn>
+              <a:cxn ang="0">
+                <a:pos x="connsiteX1" y="connsiteY1"/>
+              </a:cxn>
+              <a:cxn ang="0">
+                <a:pos x="connsiteX2" y="connsiteY2"/>
+              </a:cxn>
+              <a:cxn ang="0">
+                <a:pos x="connsiteX3" y="connsiteY3"/>
+              </a:cxn>
+              <a:cxn ang="0">
+                <a:pos x="connsiteX4" y="connsiteY4"/>
+              </a:cxn>
+              <a:cxn ang="0">
+                <a:pos x="connsiteX5" y="connsiteY5"/>
+              </a:cxn>
+              <a:cxn ang="0">
+                <a:pos x="connsiteX6" y="connsiteY6"/>
+              </a:cxn>
+              <a:cxn ang="0">
+                <a:pos x="connsiteX7" y="connsiteY7"/>
+              </a:cxn>
+              <a:cxn ang="0">
+                <a:pos x="connsiteX8" y="connsiteY8"/>
+              </a:cxn>
+              <a:cxn ang="0">
+                <a:pos x="connsiteX9" y="connsiteY9"/>
+              </a:cxn>
+              <a:cxn ang="0">
+                <a:pos x="connsiteX10" y="connsiteY10"/>
+              </a:cxn>
+              <a:cxn ang="0">
+                <a:pos x="connsiteX11" y="connsiteY11"/>
+              </a:cxn>
+              <a:cxn ang="0">
+                <a:pos x="connsiteX12" y="connsiteY12"/>
+              </a:cxn>
+              <a:cxn ang="0">
+                <a:pos x="connsiteX13" y="connsiteY13"/>
+              </a:cxn>
+              <a:cxn ang="0">
+                <a:pos x="connsiteX14" y="connsiteY14"/>
+              </a:cxn>
+              <a:cxn ang="0">
+                <a:pos x="connsiteX15" y="connsiteY15"/>
+              </a:cxn>
+              <a:cxn ang="0">
+                <a:pos x="connsiteX16" y="connsiteY16"/>
+              </a:cxn>
+            </a:cxnLst>
+            <a:rect l="l" t="t" r="r" b="b"/>
+            <a:pathLst>
+              <a:path w="1038036" h="506277">
+                <a:moveTo>
+                  <a:pt x="0" y="0"/>
+                </a:moveTo>
+                <a:lnTo>
+                  <a:pt x="182880" y="0"/>
+                </a:lnTo>
+                <a:lnTo>
+                  <a:pt x="291705" y="0"/>
+                </a:lnTo>
+                <a:lnTo>
+                  <a:pt x="291705" y="151"/>
+                </a:lnTo>
+                <a:lnTo>
+                  <a:pt x="692049" y="705"/>
+                </a:lnTo>
+                <a:lnTo>
+                  <a:pt x="782744" y="705"/>
+                </a:lnTo>
+                <a:cubicBezTo>
+                  <a:pt x="787553" y="705"/>
+                  <a:pt x="792363" y="5473"/>
+                  <a:pt x="797001" y="5473"/>
+                </a:cubicBezTo>
+                <a:cubicBezTo>
+                  <a:pt x="797001" y="10242"/>
+                  <a:pt x="801982" y="10242"/>
+                  <a:pt x="801982" y="10242"/>
+                </a:cubicBezTo>
+                <a:lnTo>
+                  <a:pt x="1030951" y="239185"/>
+                </a:lnTo>
+                <a:cubicBezTo>
+                  <a:pt x="1040398" y="248722"/>
+                  <a:pt x="1040398" y="258259"/>
+                  <a:pt x="1030951" y="267797"/>
+                </a:cubicBezTo>
+                <a:lnTo>
+                  <a:pt x="801982" y="496740"/>
+                </a:lnTo>
+                <a:cubicBezTo>
+                  <a:pt x="800436" y="498363"/>
+                  <a:pt x="798547" y="499885"/>
+                  <a:pt x="797001" y="501508"/>
+                </a:cubicBezTo>
+                <a:cubicBezTo>
+                  <a:pt x="792363" y="506277"/>
+                  <a:pt x="787553" y="506277"/>
+                  <a:pt x="782744" y="506277"/>
+                </a:cubicBezTo>
+                <a:lnTo>
+                  <a:pt x="692049" y="506277"/>
+                </a:lnTo>
+                <a:lnTo>
+                  <a:pt x="291705" y="505140"/>
+                </a:lnTo>
+                <a:lnTo>
+                  <a:pt x="291705" y="506277"/>
+                </a:lnTo>
+                <a:lnTo>
+                  <a:pt x="0" y="506277"/>
+                </a:lnTo>
+                <a:close/>
+              </a:path>
+            </a:pathLst>
+          </a:custGeom>
+          <a:ln>
+            <a:noFill/>
+          </a:ln>
+        </p:spPr>
+        <p:style>
+          <a:lnRef idx="2">
+            <a:schemeClr val="accent1">
+              <a:shade val="50000"/>
+            </a:schemeClr>
+          </a:lnRef>
+          <a:fillRef idx="1">
+            <a:schemeClr val="accent1"/>
+          </a:fillRef>
+          <a:effectRef idx="0">
+            <a:schemeClr val="accent1"/>
+          </a:effectRef>
+          <a:fontRef idx="minor">
+            <a:schemeClr val="lt1"/>
+          </a:fontRef>
+        </p:style>
+        <p:txBody>
+          <a:bodyPr rtlCol="0" anchor="ctr"/>
+          <a:lstStyle/>
+          <a:p>
+            <a:pPr algn="ctr"/>
+            <a:endParaRPr lang="en-US"/>
           </a:p>
         </p:txBody>
       </p:sp>
@@ -14235,9 +20600,35 @@
 </p:sld>
 </file>
 
-<file path=ppt/slides/slide47.xml><?xml version="1.0" encoding="utf-8"?>
+<file path=ppt/slides/slide54.xml><?xml version="1.0" encoding="utf-8"?>
 <p:sld xmlns:a="http://schemas.openxmlformats.org/drawingml/2006/main" xmlns:r="http://schemas.openxmlformats.org/officeDocument/2006/relationships" xmlns:p="http://schemas.openxmlformats.org/presentationml/2006/main">
   <p:cSld>
+    <p:bg>
+      <p:bgPr>
+        <a:gradFill rotWithShape="1">
+          <a:gsLst>
+            <a:gs pos="0">
+              <a:schemeClr val="bg2">
+                <a:tint val="90000"/>
+                <a:satMod val="92000"/>
+                <a:lumMod val="120000"/>
+              </a:schemeClr>
+            </a:gs>
+            <a:gs pos="100000">
+              <a:schemeClr val="bg2">
+                <a:shade val="98000"/>
+                <a:satMod val="120000"/>
+                <a:lumMod val="98000"/>
+              </a:schemeClr>
+            </a:gs>
+          </a:gsLst>
+          <a:path path="circle">
+            <a:fillToRect l="50000" t="50000" r="100000" b="100000"/>
+          </a:path>
+        </a:gradFill>
+        <a:effectLst/>
+      </p:bgPr>
+    </p:bg>
     <p:spTree>
       <p:nvGrpSpPr>
         <p:cNvPr id="1" name=""/>
@@ -14254,6 +20645,69 @@
       </p:grpSpPr>
       <p:sp>
         <p:nvSpPr>
+          <p:cNvPr id="15" name="Rectangle 8">
+            <a:extLst>
+              <a:ext uri="{FF2B5EF4-FFF2-40B4-BE49-F238E27FC236}">
+                <a16:creationId xmlns:a16="http://schemas.microsoft.com/office/drawing/2014/main" id="{A3D9AEEE-1CCD-43C0-BA3E-16D60A6E23C0}"/>
+              </a:ext>
+              <a:ext uri="{C183D7F6-B498-43B3-948B-1728B52AA6E4}">
+                <adec:decorative xmlns:adec="http://schemas.microsoft.com/office/drawing/2017/decorative" val="1"/>
+              </a:ext>
+            </a:extLst>
+          </p:cNvPr>
+          <p:cNvSpPr>
+            <a:spLocks noGrp="1" noRot="1" noChangeAspect="1" noMove="1" noResize="1" noEditPoints="1" noAdjustHandles="1" noChangeArrowheads="1" noChangeShapeType="1" noTextEdit="1"/>
+          </p:cNvSpPr>
+          <p:nvPr>
+            <p:extLst>
+              <p:ext uri="{386F3935-93C4-4BCD-93E2-E3B085C9AB24}">
+                <p16:designElem xmlns:p16="http://schemas.microsoft.com/office/powerpoint/2015/main" val="1"/>
+              </p:ext>
+            </p:extLst>
+          </p:nvPr>
+        </p:nvSpPr>
+        <p:spPr>
+          <a:xfrm>
+            <a:off x="1" y="0"/>
+            <a:ext cx="4059079" cy="6858000"/>
+          </a:xfrm>
+          <a:prstGeom prst="rect">
+            <a:avLst/>
+          </a:prstGeom>
+          <a:solidFill>
+            <a:schemeClr val="tx2"/>
+          </a:solidFill>
+          <a:ln>
+            <a:noFill/>
+          </a:ln>
+        </p:spPr>
+        <p:style>
+          <a:lnRef idx="2">
+            <a:schemeClr val="accent1">
+              <a:shade val="50000"/>
+            </a:schemeClr>
+          </a:lnRef>
+          <a:fillRef idx="1">
+            <a:schemeClr val="accent1"/>
+          </a:fillRef>
+          <a:effectRef idx="0">
+            <a:schemeClr val="accent1"/>
+          </a:effectRef>
+          <a:fontRef idx="minor">
+            <a:schemeClr val="lt1"/>
+          </a:fontRef>
+        </p:style>
+        <p:txBody>
+          <a:bodyPr rtlCol="0" anchor="ctr"/>
+          <a:lstStyle/>
+          <a:p>
+            <a:pPr algn="ctr"/>
+            <a:endParaRPr lang="en-US"/>
+          </a:p>
+        </p:txBody>
+      </p:sp>
+      <p:sp>
+        <p:nvSpPr>
           <p:cNvPr id="2" name="Título 1">
             <a:extLst>
               <a:ext uri="{FF2B5EF4-FFF2-40B4-BE49-F238E27FC236}">
@@ -14268,13 +20722,31 @@
             <p:ph type="title"/>
           </p:nvPr>
         </p:nvSpPr>
-        <p:spPr/>
+        <p:spPr>
+          <a:xfrm>
+            <a:off x="1259893" y="3101093"/>
+            <a:ext cx="2454052" cy="3029344"/>
+          </a:xfrm>
+        </p:spPr>
         <p:txBody>
-          <a:bodyPr/>
+          <a:bodyPr>
+            <a:normAutofit/>
+          </a:bodyPr>
           <a:lstStyle/>
           <a:p>
             <a:r>
-              <a:rPr lang="pt-PT" dirty="0"/>
+              <a:rPr lang="pt-PT" sz="3200" b="1">
+                <a:solidFill>
+                  <a:schemeClr val="bg1"/>
+                </a:solidFill>
+                <a:effectLst>
+                  <a:outerShdw blurRad="38100" dist="38100" dir="2700000" algn="tl">
+                    <a:srgbClr val="000000">
+                      <a:alpha val="43137"/>
+                    </a:srgbClr>
+                  </a:outerShdw>
+                </a:effectLst>
+              </a:rPr>
               <a:t>Trabalho futuro</a:t>
             </a:r>
           </a:p>
@@ -14282,54 +20754,287 @@
       </p:sp>
       <p:sp>
         <p:nvSpPr>
-          <p:cNvPr id="3" name="Marcador de Posição de Conteúdo 2">
+          <p:cNvPr id="16" name="Freeform 11">
             <a:extLst>
               <a:ext uri="{FF2B5EF4-FFF2-40B4-BE49-F238E27FC236}">
-                <a16:creationId xmlns:a16="http://schemas.microsoft.com/office/drawing/2014/main" id="{71364231-DBCC-D202-0712-90C9867550DE}"/>
+                <a16:creationId xmlns:a16="http://schemas.microsoft.com/office/drawing/2014/main" id="{60F880A6-33D3-4EEC-A780-B73559B9F24C}"/>
+              </a:ext>
+              <a:ext uri="{C183D7F6-B498-43B3-948B-1728B52AA6E4}">
+                <adec:decorative xmlns:adec="http://schemas.microsoft.com/office/drawing/2017/decorative" val="1"/>
               </a:ext>
             </a:extLst>
           </p:cNvPr>
           <p:cNvSpPr>
-            <a:spLocks noGrp="1"/>
+            <a:spLocks noGrp="1" noRot="1" noChangeAspect="1" noMove="1" noResize="1" noEditPoints="1" noAdjustHandles="1" noChangeArrowheads="1" noChangeShapeType="1" noTextEdit="1"/>
           </p:cNvSpPr>
           <p:nvPr>
-            <p:ph idx="1"/>
+            <p:extLst>
+              <p:ext uri="{386F3935-93C4-4BCD-93E2-E3B085C9AB24}">
+                <p16:designElem xmlns:p16="http://schemas.microsoft.com/office/powerpoint/2015/main" val="1"/>
+              </p:ext>
+            </p:extLst>
+          </p:nvPr>
+        </p:nvSpPr>
+        <p:spPr bwMode="auto">
+          <a:xfrm flipV="1">
+            <a:off x="-159" y="3179901"/>
+            <a:ext cx="1098194" cy="514066"/>
+          </a:xfrm>
+          <a:custGeom>
+            <a:avLst/>
+            <a:gdLst>
+              <a:gd name="connsiteX0" fmla="*/ 10000 w 10044"/>
+              <a:gd name="connsiteY0" fmla="*/ 4701 h 9966"/>
+              <a:gd name="connsiteX1" fmla="*/ 8559 w 10044"/>
+              <a:gd name="connsiteY1" fmla="*/ 188 h 9966"/>
+              <a:gd name="connsiteX2" fmla="*/ 8527 w 10044"/>
+              <a:gd name="connsiteY2" fmla="*/ 94 h 9966"/>
+              <a:gd name="connsiteX3" fmla="*/ 8438 w 10044"/>
+              <a:gd name="connsiteY3" fmla="*/ 0 h 9966"/>
+              <a:gd name="connsiteX4" fmla="*/ 7867 w 10044"/>
+              <a:gd name="connsiteY4" fmla="*/ 0 h 9966"/>
+              <a:gd name="connsiteX5" fmla="*/ 0 w 10044"/>
+              <a:gd name="connsiteY5" fmla="*/ 70 h 9966"/>
+              <a:gd name="connsiteX6" fmla="*/ 3132 w 10044"/>
+              <a:gd name="connsiteY6" fmla="*/ 9763 h 9966"/>
+              <a:gd name="connsiteX7" fmla="*/ 7867 w 10044"/>
+              <a:gd name="connsiteY7" fmla="*/ 9966 h 9966"/>
+              <a:gd name="connsiteX8" fmla="*/ 8438 w 10044"/>
+              <a:gd name="connsiteY8" fmla="*/ 9966 h 9966"/>
+              <a:gd name="connsiteX9" fmla="*/ 8527 w 10044"/>
+              <a:gd name="connsiteY9" fmla="*/ 9872 h 9966"/>
+              <a:gd name="connsiteX10" fmla="*/ 8559 w 10044"/>
+              <a:gd name="connsiteY10" fmla="*/ 9778 h 9966"/>
+              <a:gd name="connsiteX11" fmla="*/ 10000 w 10044"/>
+              <a:gd name="connsiteY11" fmla="*/ 5265 h 9966"/>
+              <a:gd name="connsiteX12" fmla="*/ 10000 w 10044"/>
+              <a:gd name="connsiteY12" fmla="*/ 4701 h 9966"/>
+              <a:gd name="connsiteX0" fmla="*/ 6839 w 6883"/>
+              <a:gd name="connsiteY0" fmla="*/ 4885 h 10168"/>
+              <a:gd name="connsiteX1" fmla="*/ 5405 w 6883"/>
+              <a:gd name="connsiteY1" fmla="*/ 357 h 10168"/>
+              <a:gd name="connsiteX2" fmla="*/ 5373 w 6883"/>
+              <a:gd name="connsiteY2" fmla="*/ 262 h 10168"/>
+              <a:gd name="connsiteX3" fmla="*/ 5284 w 6883"/>
+              <a:gd name="connsiteY3" fmla="*/ 168 h 10168"/>
+              <a:gd name="connsiteX4" fmla="*/ 4716 w 6883"/>
+              <a:gd name="connsiteY4" fmla="*/ 168 h 10168"/>
+              <a:gd name="connsiteX5" fmla="*/ 50 w 6883"/>
+              <a:gd name="connsiteY5" fmla="*/ 0 h 10168"/>
+              <a:gd name="connsiteX6" fmla="*/ 1 w 6883"/>
+              <a:gd name="connsiteY6" fmla="*/ 9964 h 10168"/>
+              <a:gd name="connsiteX7" fmla="*/ 4716 w 6883"/>
+              <a:gd name="connsiteY7" fmla="*/ 10168 h 10168"/>
+              <a:gd name="connsiteX8" fmla="*/ 5284 w 6883"/>
+              <a:gd name="connsiteY8" fmla="*/ 10168 h 10168"/>
+              <a:gd name="connsiteX9" fmla="*/ 5373 w 6883"/>
+              <a:gd name="connsiteY9" fmla="*/ 10074 h 10168"/>
+              <a:gd name="connsiteX10" fmla="*/ 5405 w 6883"/>
+              <a:gd name="connsiteY10" fmla="*/ 9979 h 10168"/>
+              <a:gd name="connsiteX11" fmla="*/ 6839 w 6883"/>
+              <a:gd name="connsiteY11" fmla="*/ 5451 h 10168"/>
+              <a:gd name="connsiteX12" fmla="*/ 6839 w 6883"/>
+              <a:gd name="connsiteY12" fmla="*/ 4885 h 10168"/>
+            </a:gdLst>
+            <a:ahLst/>
+            <a:cxnLst>
+              <a:cxn ang="0">
+                <a:pos x="connsiteX0" y="connsiteY0"/>
+              </a:cxn>
+              <a:cxn ang="0">
+                <a:pos x="connsiteX1" y="connsiteY1"/>
+              </a:cxn>
+              <a:cxn ang="0">
+                <a:pos x="connsiteX2" y="connsiteY2"/>
+              </a:cxn>
+              <a:cxn ang="0">
+                <a:pos x="connsiteX3" y="connsiteY3"/>
+              </a:cxn>
+              <a:cxn ang="0">
+                <a:pos x="connsiteX4" y="connsiteY4"/>
+              </a:cxn>
+              <a:cxn ang="0">
+                <a:pos x="connsiteX5" y="connsiteY5"/>
+              </a:cxn>
+              <a:cxn ang="0">
+                <a:pos x="connsiteX6" y="connsiteY6"/>
+              </a:cxn>
+              <a:cxn ang="0">
+                <a:pos x="connsiteX7" y="connsiteY7"/>
+              </a:cxn>
+              <a:cxn ang="0">
+                <a:pos x="connsiteX8" y="connsiteY8"/>
+              </a:cxn>
+              <a:cxn ang="0">
+                <a:pos x="connsiteX9" y="connsiteY9"/>
+              </a:cxn>
+              <a:cxn ang="0">
+                <a:pos x="connsiteX10" y="connsiteY10"/>
+              </a:cxn>
+              <a:cxn ang="0">
+                <a:pos x="connsiteX11" y="connsiteY11"/>
+              </a:cxn>
+              <a:cxn ang="0">
+                <a:pos x="connsiteX12" y="connsiteY12"/>
+              </a:cxn>
+            </a:cxnLst>
+            <a:rect l="l" t="t" r="r" b="b"/>
+            <a:pathLst>
+              <a:path w="6883" h="10168">
+                <a:moveTo>
+                  <a:pt x="6839" y="4885"/>
+                </a:moveTo>
+                <a:lnTo>
+                  <a:pt x="5405" y="357"/>
+                </a:lnTo>
+                <a:cubicBezTo>
+                  <a:pt x="5395" y="325"/>
+                  <a:pt x="5383" y="294"/>
+                  <a:pt x="5373" y="262"/>
+                </a:cubicBezTo>
+                <a:cubicBezTo>
+                  <a:pt x="5344" y="168"/>
+                  <a:pt x="5314" y="168"/>
+                  <a:pt x="5284" y="168"/>
+                </a:cubicBezTo>
+                <a:lnTo>
+                  <a:pt x="4716" y="168"/>
+                </a:lnTo>
+                <a:lnTo>
+                  <a:pt x="50" y="0"/>
+                </a:lnTo>
+                <a:cubicBezTo>
+                  <a:pt x="59" y="3322"/>
+                  <a:pt x="-8" y="6643"/>
+                  <a:pt x="1" y="9964"/>
+                </a:cubicBezTo>
+                <a:lnTo>
+                  <a:pt x="4716" y="10168"/>
+                </a:lnTo>
+                <a:lnTo>
+                  <a:pt x="5284" y="10168"/>
+                </a:lnTo>
+                <a:cubicBezTo>
+                  <a:pt x="5314" y="10168"/>
+                  <a:pt x="5344" y="10074"/>
+                  <a:pt x="5373" y="10074"/>
+                </a:cubicBezTo>
+                <a:cubicBezTo>
+                  <a:pt x="5373" y="9979"/>
+                  <a:pt x="5405" y="9979"/>
+                  <a:pt x="5405" y="9979"/>
+                </a:cubicBezTo>
+                <a:lnTo>
+                  <a:pt x="6839" y="5451"/>
+                </a:lnTo>
+                <a:cubicBezTo>
+                  <a:pt x="6898" y="5262"/>
+                  <a:pt x="6898" y="5074"/>
+                  <a:pt x="6839" y="4885"/>
+                </a:cubicBezTo>
+                <a:close/>
+              </a:path>
+            </a:pathLst>
+          </a:custGeom>
+          <a:solidFill>
+            <a:schemeClr val="accent1"/>
+          </a:solidFill>
+          <a:ln>
+            <a:noFill/>
+          </a:ln>
+        </p:spPr>
+      </p:sp>
+      <p:sp useBgFill="1">
+        <p:nvSpPr>
+          <p:cNvPr id="17" name="Rectangle 12">
+            <a:extLst>
+              <a:ext uri="{FF2B5EF4-FFF2-40B4-BE49-F238E27FC236}">
+                <a16:creationId xmlns:a16="http://schemas.microsoft.com/office/drawing/2014/main" id="{2C6246ED-0535-4496-A8F6-1E80CC4EB853}"/>
+              </a:ext>
+              <a:ext uri="{C183D7F6-B498-43B3-948B-1728B52AA6E4}">
+                <adec:decorative xmlns:adec="http://schemas.microsoft.com/office/drawing/2017/decorative" val="1"/>
+              </a:ext>
+            </a:extLst>
+          </p:cNvPr>
+          <p:cNvSpPr>
+            <a:spLocks noGrp="1" noRot="1" noChangeAspect="1" noMove="1" noResize="1" noEditPoints="1" noAdjustHandles="1" noChangeArrowheads="1" noChangeShapeType="1" noTextEdit="1"/>
+          </p:cNvSpPr>
+          <p:nvPr>
+            <p:extLst>
+              <p:ext uri="{386F3935-93C4-4BCD-93E2-E3B085C9AB24}">
+                <p16:designElem xmlns:p16="http://schemas.microsoft.com/office/powerpoint/2015/main" val="1"/>
+              </p:ext>
+            </p:extLst>
           </p:nvPr>
         </p:nvSpPr>
         <p:spPr>
           <a:xfrm>
-            <a:off x="2530721" y="2142930"/>
-            <a:ext cx="8915400" cy="3777622"/>
+            <a:off x="4795736" y="0"/>
+            <a:ext cx="7396264" cy="6858000"/>
           </a:xfrm>
+          <a:prstGeom prst="rect">
+            <a:avLst/>
+          </a:prstGeom>
+          <a:ln>
+            <a:noFill/>
+          </a:ln>
         </p:spPr>
+        <p:style>
+          <a:lnRef idx="2">
+            <a:schemeClr val="accent1">
+              <a:shade val="50000"/>
+            </a:schemeClr>
+          </a:lnRef>
+          <a:fillRef idx="1">
+            <a:schemeClr val="accent1"/>
+          </a:fillRef>
+          <a:effectRef idx="0">
+            <a:schemeClr val="accent1"/>
+          </a:effectRef>
+          <a:fontRef idx="minor">
+            <a:schemeClr val="lt1"/>
+          </a:fontRef>
+        </p:style>
         <p:txBody>
-          <a:bodyPr/>
+          <a:bodyPr rtlCol="0" anchor="ctr"/>
           <a:lstStyle/>
           <a:p>
-            <a:r>
-              <a:rPr lang="pt-PT" dirty="0"/>
-              <a:t>Implementar entregas rotineiras</a:t>
-            </a:r>
-          </a:p>
-          <a:p>
-            <a:r>
-              <a:rPr lang="pt-PT" dirty="0"/>
-              <a:t>Criar um diagrama de </a:t>
-            </a:r>
-            <a:r>
-              <a:rPr lang="pt-PT" dirty="0" err="1"/>
-              <a:t>Gantt</a:t>
-            </a:r>
-            <a:r>
-              <a:rPr lang="pt-PT" dirty="0"/>
-              <a:t> para organização do trabalho</a:t>
-            </a:r>
-          </a:p>
-          <a:p>
-            <a:endParaRPr lang="pt-PT" dirty="0"/>
+            <a:pPr algn="ctr"/>
+            <a:endParaRPr lang="en-US"/>
           </a:p>
         </p:txBody>
       </p:sp>
+      <p:graphicFrame>
+        <p:nvGraphicFramePr>
+          <p:cNvPr id="18" name="Marcador de Posição de Conteúdo 2">
+            <a:extLst>
+              <a:ext uri="{FF2B5EF4-FFF2-40B4-BE49-F238E27FC236}">
+                <a16:creationId xmlns:a16="http://schemas.microsoft.com/office/drawing/2014/main" id="{157077EA-082D-4338-3AC7-4C1355FC9D69}"/>
+              </a:ext>
+            </a:extLst>
+          </p:cNvPr>
+          <p:cNvGraphicFramePr>
+            <a:graphicFrameLocks noGrp="1"/>
+          </p:cNvGraphicFramePr>
+          <p:nvPr>
+            <p:ph idx="1"/>
+            <p:extLst>
+              <p:ext uri="{D42A27DB-BD31-4B8C-83A1-F6EECF244321}">
+                <p14:modId xmlns:p14="http://schemas.microsoft.com/office/powerpoint/2010/main" val="829379689"/>
+              </p:ext>
+            </p:extLst>
+          </p:nvPr>
+        </p:nvGraphicFramePr>
+        <p:xfrm>
+          <a:off x="4713144" y="641551"/>
+          <a:ext cx="6832212" cy="5264779"/>
+        </p:xfrm>
+        <a:graphic>
+          <a:graphicData uri="http://schemas.openxmlformats.org/drawingml/2006/diagram">
+            <dgm:relIds xmlns:dgm="http://schemas.openxmlformats.org/drawingml/2006/diagram" xmlns:r="http://schemas.openxmlformats.org/officeDocument/2006/relationships" r:dm="rId2" r:lo="rId3" r:qs="rId4" r:cs="rId5"/>
+          </a:graphicData>
+        </a:graphic>
+      </p:graphicFrame>
     </p:spTree>
     <p:extLst>
       <p:ext uri="{BB962C8B-B14F-4D97-AF65-F5344CB8AC3E}">
@@ -14343,7 +21048,7 @@
 </p:sld>
 </file>
 
-<file path=ppt/slides/slide48.xml><?xml version="1.0" encoding="utf-8"?>
+<file path=ppt/slides/slide55.xml><?xml version="1.0" encoding="utf-8"?>
 <p:sld xmlns:a="http://schemas.openxmlformats.org/drawingml/2006/main" xmlns:r="http://schemas.openxmlformats.org/officeDocument/2006/relationships" xmlns:p="http://schemas.openxmlformats.org/presentationml/2006/main">
   <p:cSld>
     <p:spTree>
@@ -14383,7 +21088,7 @@
           <a:p>
             <a:r>
               <a:rPr lang="pt-PT" dirty="0"/>
-              <a:t>Bibliografia</a:t>
+              <a:t>Referências</a:t>
             </a:r>
           </a:p>
         </p:txBody>
@@ -14468,211 +21173,6 @@
     <p:extLst>
       <p:ext uri="{BB962C8B-B14F-4D97-AF65-F5344CB8AC3E}">
         <p14:creationId xmlns:p14="http://schemas.microsoft.com/office/powerpoint/2010/main" val="540418576"/>
-      </p:ext>
-    </p:extLst>
-  </p:cSld>
-  <p:clrMapOvr>
-    <a:masterClrMapping/>
-  </p:clrMapOvr>
-  <mc:AlternateContent xmlns:mc="http://schemas.openxmlformats.org/markup-compatibility/2006" xmlns:p15="http://schemas.microsoft.com/office/powerpoint/2012/main">
-    <mc:Choice Requires="p15">
-      <p:transition xmlns:p14="http://schemas.microsoft.com/office/powerpoint/2010/main" spd="slow" p14:dur="1250">
-        <p15:prstTrans prst="airplane"/>
-      </p:transition>
-    </mc:Choice>
-    <mc:Fallback xmlns="">
-      <p:transition spd="slow">
-        <p:fade/>
-      </p:transition>
-    </mc:Fallback>
-  </mc:AlternateContent>
-</p:sld>
-</file>
-
-<file path=ppt/slides/slide5.xml><?xml version="1.0" encoding="utf-8"?>
-<p:sld xmlns:a="http://schemas.openxmlformats.org/drawingml/2006/main" xmlns:r="http://schemas.openxmlformats.org/officeDocument/2006/relationships" xmlns:p="http://schemas.openxmlformats.org/presentationml/2006/main">
-  <p:cSld>
-    <p:spTree>
-      <p:nvGrpSpPr>
-        <p:cNvPr id="1" name=""/>
-        <p:cNvGrpSpPr/>
-        <p:nvPr/>
-      </p:nvGrpSpPr>
-      <p:grpSpPr>
-        <a:xfrm>
-          <a:off x="0" y="0"/>
-          <a:ext cx="0" cy="0"/>
-          <a:chOff x="0" y="0"/>
-          <a:chExt cx="0" cy="0"/>
-        </a:xfrm>
-      </p:grpSpPr>
-      <p:sp>
-        <p:nvSpPr>
-          <p:cNvPr id="2" name="Título 1">
-            <a:extLst>
-              <a:ext uri="{FF2B5EF4-FFF2-40B4-BE49-F238E27FC236}">
-                <a16:creationId xmlns:a16="http://schemas.microsoft.com/office/drawing/2014/main" id="{8DBDA659-2CC8-758A-59E6-B756B1E9F041}"/>
-              </a:ext>
-            </a:extLst>
-          </p:cNvPr>
-          <p:cNvSpPr>
-            <a:spLocks noGrp="1"/>
-          </p:cNvSpPr>
-          <p:nvPr>
-            <p:ph type="title"/>
-          </p:nvPr>
-        </p:nvSpPr>
-        <p:spPr/>
-        <p:txBody>
-          <a:bodyPr>
-            <a:normAutofit/>
-          </a:bodyPr>
-          <a:lstStyle/>
-          <a:p>
-            <a:r>
-              <a:rPr lang="pt-PT" b="1" dirty="0">
-                <a:solidFill>
-                  <a:schemeClr val="tx1"/>
-                </a:solidFill>
-                <a:effectLst/>
-                <a:latin typeface="Abadi" panose="020B0604020104020204" pitchFamily="34" charset="0"/>
-              </a:rPr>
-              <a:t>1.1 Contexto de aplicação </a:t>
-            </a:r>
-            <a:endParaRPr lang="pt-PT" b="1" dirty="0">
-              <a:solidFill>
-                <a:schemeClr val="tx1"/>
-              </a:solidFill>
-              <a:latin typeface="Abadi" panose="020B0604020104020204" pitchFamily="34" charset="0"/>
-            </a:endParaRPr>
-          </a:p>
-        </p:txBody>
-      </p:sp>
-      <p:sp>
-        <p:nvSpPr>
-          <p:cNvPr id="3" name="Marcador de Posição de Conteúdo 2">
-            <a:extLst>
-              <a:ext uri="{FF2B5EF4-FFF2-40B4-BE49-F238E27FC236}">
-                <a16:creationId xmlns:a16="http://schemas.microsoft.com/office/drawing/2014/main" id="{A2B27D1D-4F66-91B5-69BF-C7A5AF4ED8BF}"/>
-              </a:ext>
-            </a:extLst>
-          </p:cNvPr>
-          <p:cNvSpPr>
-            <a:spLocks noGrp="1"/>
-          </p:cNvSpPr>
-          <p:nvPr>
-            <p:ph idx="1"/>
-          </p:nvPr>
-        </p:nvSpPr>
-        <p:spPr>
-          <a:xfrm>
-            <a:off x="1141412" y="2249487"/>
-            <a:ext cx="9905999" cy="3874866"/>
-          </a:xfrm>
-        </p:spPr>
-        <p:txBody>
-          <a:bodyPr>
-            <a:normAutofit fontScale="85000" lnSpcReduction="20000"/>
-          </a:bodyPr>
-          <a:lstStyle/>
-          <a:p>
-            <a:pPr marL="0" indent="0" algn="just" rtl="0">
-              <a:spcBef>
-                <a:spcPts val="0"/>
-              </a:spcBef>
-              <a:spcAft>
-                <a:spcPts val="0"/>
-              </a:spcAft>
-              <a:buNone/>
-            </a:pPr>
-            <a:r>
-              <a:rPr lang="pt-PT" sz="1800" b="1" i="0" u="none" strike="noStrike" dirty="0">
-                <a:solidFill>
-                  <a:srgbClr val="000000"/>
-                </a:solidFill>
-                <a:effectLst/>
-                <a:latin typeface="Arial" panose="020B0604020202020204" pitchFamily="34" charset="0"/>
-              </a:rPr>
-              <a:t>A empresa cliente é uma farmácia chamada “Saúde Monádica”, fundada em “30 de Abril de 1980” por “</a:t>
-            </a:r>
-            <a:r>
-              <a:rPr lang="pt-PT" sz="1800" b="1" i="0" u="none" strike="noStrike" dirty="0" err="1">
-                <a:solidFill>
-                  <a:srgbClr val="000000"/>
-                </a:solidFill>
-                <a:effectLst/>
-                <a:latin typeface="Arial" panose="020B0604020202020204" pitchFamily="34" charset="0"/>
-              </a:rPr>
-              <a:t>Dr</a:t>
-            </a:r>
-            <a:r>
-              <a:rPr lang="pt-PT" sz="1800" b="1" i="0" u="none" strike="noStrike" dirty="0">
-                <a:solidFill>
-                  <a:srgbClr val="000000"/>
-                </a:solidFill>
-                <a:effectLst/>
-                <a:latin typeface="Arial" panose="020B0604020202020204" pitchFamily="34" charset="0"/>
-              </a:rPr>
-              <a:t> Bernardo Esteves” e localizada em  “Coimbra”. A empresa funcionava em regime totalmente presencial, no entanto com o advento da Pandemia trazida pelo Covid-19, o fundador e a sua filha “Estefânia”, que realizou um mestrado em Marketing Digital, tiveram a ideia de implementar um sistema de entrega ao domicílio, limitada ao concelho de origem. Esta mudança trouxe-lhes grande sucesso e, então, a farmácia comprou dois armazéns, cada um com 2 estafetas, 2 técnicos farmacêuticos e 1 gestor de inventário, para potenciar esta expansão no novo mercado.</a:t>
-            </a:r>
-            <a:endParaRPr lang="pt-PT" b="1" dirty="0">
-              <a:effectLst/>
-            </a:endParaRPr>
-          </a:p>
-          <a:p>
-            <a:pPr marL="0" indent="0" algn="just" rtl="0">
-              <a:spcBef>
-                <a:spcPts val="0"/>
-              </a:spcBef>
-              <a:spcAft>
-                <a:spcPts val="0"/>
-              </a:spcAft>
-              <a:buNone/>
-            </a:pPr>
-            <a:r>
-              <a:rPr lang="pt-PT" sz="1800" b="1" i="0" u="none" strike="noStrike" dirty="0">
-                <a:solidFill>
-                  <a:srgbClr val="000000"/>
-                </a:solidFill>
-                <a:effectLst/>
-                <a:latin typeface="Arial" panose="020B0604020202020204" pitchFamily="34" charset="0"/>
-              </a:rPr>
-              <a:t>Parte do sucesso da empresa vem da consideração que “Dr. Bernardo” tem para com os seus funcionários e com a sua prestação. Dessa forma, adquiriu experiência considerável nos tipos de registos importantes para o melhor funcionamento da empresa, ao realizá-lo tudo pessoalmente e em anotações físicas. Especificamente, acredita ser crucial manter detalhes sobre todas as viaturas e sobre que complicações os funcionários experienciaram com elas, relatos esses infimamente detalhados. Para além disso, como médico de profissão, “Dr. Bernardo” demarca a importância de colocar a saúde à frente do negócio, de modo a não quebrar nenhuma norma. Isto implica aderir estritamente às normas de segurança para cada um dos seus produtos, sem exceção, por envolverem, potencialmente, conteúdo indispensável.</a:t>
-            </a:r>
-            <a:endParaRPr lang="pt-PT" b="1" dirty="0">
-              <a:effectLst/>
-            </a:endParaRPr>
-          </a:p>
-          <a:p>
-            <a:pPr marL="0" indent="0" algn="just" rtl="0">
-              <a:spcBef>
-                <a:spcPts val="0"/>
-              </a:spcBef>
-              <a:spcAft>
-                <a:spcPts val="0"/>
-              </a:spcAft>
-              <a:buNone/>
-            </a:pPr>
-            <a:r>
-              <a:rPr lang="pt-PT" sz="1800" b="1" i="0" u="none" strike="noStrike" dirty="0">
-                <a:solidFill>
-                  <a:srgbClr val="000000"/>
-                </a:solidFill>
-                <a:effectLst/>
-                <a:latin typeface="Arial" panose="020B0604020202020204" pitchFamily="34" charset="0"/>
-              </a:rPr>
-              <a:t>Apesar desta grande mudança, o “Dr. Bernardo” não tenciona parar, já mencionando construir mais dois grandes armazéns. No entanto, entendeu ser proveitoso primeiro investir num sistema computadorizado de organização, devido ao aumento da complexidade da entrega dos medicamentos e da gestão dos armazéns, antes de começar a pensar nessa expansão, já que implica a contratação de 1 gestor de inventário,  de 5 estafetas e de 3 técnicos farmacêuticos.</a:t>
-            </a:r>
-            <a:endParaRPr lang="pt-PT" b="1" dirty="0">
-              <a:effectLst/>
-            </a:endParaRPr>
-          </a:p>
-        </p:txBody>
-      </p:sp>
-    </p:spTree>
-    <p:extLst>
-      <p:ext uri="{BB962C8B-B14F-4D97-AF65-F5344CB8AC3E}">
-        <p14:creationId xmlns:p14="http://schemas.microsoft.com/office/powerpoint/2010/main" val="472415539"/>
       </p:ext>
     </p:extLst>
   </p:cSld>
@@ -15434,7 +21934,7 @@
         </p:nvSpPr>
         <p:spPr>
           <a:xfrm>
-            <a:off x="1141412" y="903767"/>
+            <a:off x="1143000" y="1398290"/>
             <a:ext cx="9905999" cy="4887434"/>
           </a:xfrm>
         </p:spPr>
@@ -15752,6 +22252,10 @@
             </a:r>
           </a:p>
           <a:p>
+            <a:pPr>
+              <a:buFont typeface="Arial" panose="020B0604020202020204" pitchFamily="34" charset="0"/>
+              <a:buChar char="•"/>
+            </a:pPr>
             <a:r>
               <a:rPr lang="pt-PT" sz="2400" b="0" i="0" u="none" strike="noStrike" dirty="0">
                 <a:solidFill>
@@ -15790,17 +22294,16 @@
                 <a:effectLst/>
                 <a:latin typeface="Arial" panose="020B0604020202020204" pitchFamily="34" charset="0"/>
               </a:rPr>
-              <a:t>rapidez pretendida</a:t>
-            </a:r>
-            <a:r>
-              <a:rPr lang="pt-PT" sz="2400" b="0" i="0" u="none" strike="noStrike" dirty="0">
+              <a:t>rapidez (prioridade) pretendida</a:t>
+            </a:r>
+            <a:r>
+              <a:rPr lang="pt-PT" sz="2400" dirty="0">
                 <a:solidFill>
                   <a:srgbClr val="000000"/>
                 </a:solidFill>
-                <a:effectLst/>
                 <a:latin typeface="Arial" panose="020B0604020202020204" pitchFamily="34" charset="0"/>
               </a:rPr>
-              <a:t>, limitando certos tipos de material a certas viaturas (segurança).</a:t>
+              <a:t>.</a:t>
             </a:r>
             <a:endParaRPr lang="pt-PT" b="1" dirty="0">
               <a:solidFill>
@@ -16218,6 +22721,34 @@
               </a:rPr>
               <a:t>Garantir a segurança do material entregue, tal como, se necessário, a sua entrega em tempo útil.</a:t>
             </a:r>
+          </a:p>
+          <a:p>
+            <a:pPr algn="just" rtl="0" fontAlgn="base">
+              <a:spcBef>
+                <a:spcPts val="0"/>
+              </a:spcBef>
+              <a:spcAft>
+                <a:spcPts val="0"/>
+              </a:spcAft>
+              <a:buFont typeface="Arial" panose="020B0604020202020204" pitchFamily="34" charset="0"/>
+              <a:buChar char="•"/>
+            </a:pPr>
+            <a:r>
+              <a:rPr lang="pt-PT" dirty="0">
+                <a:solidFill>
+                  <a:srgbClr val="000000"/>
+                </a:solidFill>
+                <a:latin typeface="Arial" panose="020B0604020202020204" pitchFamily="34" charset="0"/>
+              </a:rPr>
+              <a:t>Manutenção do stock e das entidades que o fornecem.</a:t>
+            </a:r>
+            <a:endParaRPr lang="pt-PT" sz="1800" b="0" i="0" u="none" strike="noStrike" dirty="0">
+              <a:solidFill>
+                <a:srgbClr val="000000"/>
+              </a:solidFill>
+              <a:effectLst/>
+              <a:latin typeface="Arial" panose="020B0604020202020204" pitchFamily="34" charset="0"/>
+            </a:endParaRPr>
           </a:p>
           <a:p>
             <a:endParaRPr lang="pt-PT" dirty="0"/>

--- a/Apresentação1.pptx
+++ b/Apresentação1.pptx
@@ -11908,6 +11908,32 @@
 <file path=ppt/slides/slide15.xml><?xml version="1.0" encoding="utf-8"?>
 <p:sld xmlns:a="http://schemas.openxmlformats.org/drawingml/2006/main" xmlns:r="http://schemas.openxmlformats.org/officeDocument/2006/relationships" xmlns:p="http://schemas.openxmlformats.org/presentationml/2006/main">
   <p:cSld>
+    <p:bg>
+      <p:bgPr>
+        <a:gradFill rotWithShape="1">
+          <a:gsLst>
+            <a:gs pos="0">
+              <a:schemeClr val="bg2">
+                <a:tint val="90000"/>
+                <a:satMod val="92000"/>
+                <a:lumMod val="120000"/>
+              </a:schemeClr>
+            </a:gs>
+            <a:gs pos="100000">
+              <a:schemeClr val="bg2">
+                <a:shade val="98000"/>
+                <a:satMod val="120000"/>
+                <a:lumMod val="98000"/>
+              </a:schemeClr>
+            </a:gs>
+          </a:gsLst>
+          <a:path path="circle">
+            <a:fillToRect l="50000" t="50000" r="100000" b="100000"/>
+          </a:path>
+        </a:gradFill>
+        <a:effectLst/>
+      </p:bgPr>
+    </p:bg>
     <p:spTree>
       <p:nvGrpSpPr>
         <p:cNvPr id="1" name=""/>
@@ -11922,34 +11948,2505 @@
           <a:chExt cx="0" cy="0"/>
         </a:xfrm>
       </p:grpSpPr>
+      <p:grpSp>
+        <p:nvGrpSpPr>
+          <p:cNvPr id="1033" name="Group 1032">
+            <a:extLst>
+              <a:ext uri="{FF2B5EF4-FFF2-40B4-BE49-F238E27FC236}">
+                <a16:creationId xmlns:a16="http://schemas.microsoft.com/office/drawing/2014/main" id="{58DF5B7A-7785-49C6-B4EB-252FF28C2132}"/>
+              </a:ext>
+              <a:ext uri="{C183D7F6-B498-43B3-948B-1728B52AA6E4}">
+                <adec:decorative xmlns:adec="http://schemas.microsoft.com/office/drawing/2017/decorative" val="1"/>
+              </a:ext>
+            </a:extLst>
+          </p:cNvPr>
+          <p:cNvGrpSpPr>
+            <a:grpSpLocks noGrp="1" noUngrp="1" noRot="1" noChangeAspect="1" noMove="1" noResize="1"/>
+          </p:cNvGrpSpPr>
+          <p:nvPr>
+            <p:extLst>
+              <p:ext uri="{386F3935-93C4-4BCD-93E2-E3B085C9AB24}">
+                <p16:designElem xmlns:p16="http://schemas.microsoft.com/office/powerpoint/2015/main" val="1"/>
+              </p:ext>
+            </p:extLst>
+          </p:nvPr>
+        </p:nvGrpSpPr>
+        <p:grpSpPr>
+          <a:xfrm>
+            <a:off x="9" y="228600"/>
+            <a:ext cx="2851523" cy="6638625"/>
+            <a:chOff x="2487613" y="285750"/>
+            <a:chExt cx="2428875" cy="5654676"/>
+          </a:xfrm>
+        </p:grpSpPr>
+        <p:sp>
+          <p:nvSpPr>
+            <p:cNvPr id="1034" name="Freeform 11">
+              <a:extLst>
+                <a:ext uri="{FF2B5EF4-FFF2-40B4-BE49-F238E27FC236}">
+                  <a16:creationId xmlns:a16="http://schemas.microsoft.com/office/drawing/2014/main" id="{78BD0529-90E2-47B4-8D13-CEE11A154183}"/>
+                </a:ext>
+                <a:ext uri="{C183D7F6-B498-43B3-948B-1728B52AA6E4}">
+                  <adec:decorative xmlns:adec="http://schemas.microsoft.com/office/drawing/2017/decorative" val="1"/>
+                </a:ext>
+              </a:extLst>
+            </p:cNvPr>
+            <p:cNvSpPr/>
+            <p:nvPr>
+              <p:extLst>
+                <p:ext uri="{386F3935-93C4-4BCD-93E2-E3B085C9AB24}">
+                  <p16:designElem xmlns:p16="http://schemas.microsoft.com/office/powerpoint/2015/main" val="1"/>
+                </p:ext>
+              </p:extLst>
+            </p:nvPr>
+          </p:nvSpPr>
+          <p:spPr bwMode="auto">
+            <a:xfrm>
+              <a:off x="2487613" y="2284413"/>
+              <a:ext cx="85725" cy="533400"/>
+            </a:xfrm>
+            <a:custGeom>
+              <a:avLst/>
+              <a:gdLst/>
+              <a:ahLst/>
+              <a:cxnLst/>
+              <a:rect l="0" t="0" r="r" b="b"/>
+              <a:pathLst>
+                <a:path w="22" h="136">
+                  <a:moveTo>
+                    <a:pt x="22" y="136"/>
+                  </a:moveTo>
+                  <a:cubicBezTo>
+                    <a:pt x="20" y="117"/>
+                    <a:pt x="19" y="99"/>
+                    <a:pt x="17" y="80"/>
+                  </a:cubicBezTo>
+                  <a:cubicBezTo>
+                    <a:pt x="11" y="54"/>
+                    <a:pt x="6" y="27"/>
+                    <a:pt x="0" y="0"/>
+                  </a:cubicBezTo>
+                  <a:cubicBezTo>
+                    <a:pt x="0" y="35"/>
+                    <a:pt x="0" y="35"/>
+                    <a:pt x="0" y="35"/>
+                  </a:cubicBezTo>
+                  <a:cubicBezTo>
+                    <a:pt x="6" y="64"/>
+                    <a:pt x="13" y="94"/>
+                    <a:pt x="20" y="124"/>
+                  </a:cubicBezTo>
+                  <a:cubicBezTo>
+                    <a:pt x="20" y="128"/>
+                    <a:pt x="21" y="132"/>
+                    <a:pt x="22" y="136"/>
+                  </a:cubicBezTo>
+                  <a:close/>
+                </a:path>
+              </a:pathLst>
+            </a:custGeom>
+            <a:solidFill>
+              <a:schemeClr val="tx2">
+                <a:alpha val="20000"/>
+              </a:schemeClr>
+            </a:solidFill>
+            <a:ln>
+              <a:noFill/>
+            </a:ln>
+          </p:spPr>
+        </p:sp>
+        <p:sp>
+          <p:nvSpPr>
+            <p:cNvPr id="1035" name="Freeform 12">
+              <a:extLst>
+                <a:ext uri="{FF2B5EF4-FFF2-40B4-BE49-F238E27FC236}">
+                  <a16:creationId xmlns:a16="http://schemas.microsoft.com/office/drawing/2014/main" id="{AE127430-162B-43FD-A02F-6E8AD8FD95EA}"/>
+                </a:ext>
+                <a:ext uri="{C183D7F6-B498-43B3-948B-1728B52AA6E4}">
+                  <adec:decorative xmlns:adec="http://schemas.microsoft.com/office/drawing/2017/decorative" val="1"/>
+                </a:ext>
+              </a:extLst>
+            </p:cNvPr>
+            <p:cNvSpPr/>
+            <p:nvPr>
+              <p:extLst>
+                <p:ext uri="{386F3935-93C4-4BCD-93E2-E3B085C9AB24}">
+                  <p16:designElem xmlns:p16="http://schemas.microsoft.com/office/powerpoint/2015/main" val="1"/>
+                </p:ext>
+              </p:extLst>
+            </p:nvPr>
+          </p:nvSpPr>
+          <p:spPr bwMode="auto">
+            <a:xfrm>
+              <a:off x="2597151" y="2779713"/>
+              <a:ext cx="550863" cy="1978025"/>
+            </a:xfrm>
+            <a:custGeom>
+              <a:avLst/>
+              <a:gdLst/>
+              <a:ahLst/>
+              <a:cxnLst/>
+              <a:rect l="0" t="0" r="r" b="b"/>
+              <a:pathLst>
+                <a:path w="140" h="504">
+                  <a:moveTo>
+                    <a:pt x="86" y="350"/>
+                  </a:moveTo>
+                  <a:cubicBezTo>
+                    <a:pt x="103" y="402"/>
+                    <a:pt x="120" y="453"/>
+                    <a:pt x="139" y="504"/>
+                  </a:cubicBezTo>
+                  <a:cubicBezTo>
+                    <a:pt x="139" y="495"/>
+                    <a:pt x="139" y="487"/>
+                    <a:pt x="140" y="478"/>
+                  </a:cubicBezTo>
+                  <a:cubicBezTo>
+                    <a:pt x="124" y="435"/>
+                    <a:pt x="109" y="391"/>
+                    <a:pt x="95" y="347"/>
+                  </a:cubicBezTo>
+                  <a:cubicBezTo>
+                    <a:pt x="58" y="233"/>
+                    <a:pt x="27" y="117"/>
+                    <a:pt x="0" y="0"/>
+                  </a:cubicBezTo>
+                  <a:cubicBezTo>
+                    <a:pt x="2" y="20"/>
+                    <a:pt x="4" y="41"/>
+                    <a:pt x="6" y="61"/>
+                  </a:cubicBezTo>
+                  <a:cubicBezTo>
+                    <a:pt x="30" y="158"/>
+                    <a:pt x="56" y="255"/>
+                    <a:pt x="86" y="350"/>
+                  </a:cubicBezTo>
+                  <a:close/>
+                </a:path>
+              </a:pathLst>
+            </a:custGeom>
+            <a:solidFill>
+              <a:schemeClr val="tx2">
+                <a:alpha val="20000"/>
+              </a:schemeClr>
+            </a:solidFill>
+            <a:ln>
+              <a:noFill/>
+            </a:ln>
+          </p:spPr>
+        </p:sp>
+        <p:sp>
+          <p:nvSpPr>
+            <p:cNvPr id="1036" name="Freeform 13">
+              <a:extLst>
+                <a:ext uri="{FF2B5EF4-FFF2-40B4-BE49-F238E27FC236}">
+                  <a16:creationId xmlns:a16="http://schemas.microsoft.com/office/drawing/2014/main" id="{7A6023CB-BCF4-4A3C-B04B-EFF677921718}"/>
+                </a:ext>
+                <a:ext uri="{C183D7F6-B498-43B3-948B-1728B52AA6E4}">
+                  <adec:decorative xmlns:adec="http://schemas.microsoft.com/office/drawing/2017/decorative" val="1"/>
+                </a:ext>
+              </a:extLst>
+            </p:cNvPr>
+            <p:cNvSpPr/>
+            <p:nvPr>
+              <p:extLst>
+                <p:ext uri="{386F3935-93C4-4BCD-93E2-E3B085C9AB24}">
+                  <p16:designElem xmlns:p16="http://schemas.microsoft.com/office/powerpoint/2015/main" val="1"/>
+                </p:ext>
+              </p:extLst>
+            </p:nvPr>
+          </p:nvSpPr>
+          <p:spPr bwMode="auto">
+            <a:xfrm>
+              <a:off x="3175001" y="4730750"/>
+              <a:ext cx="519113" cy="1209675"/>
+            </a:xfrm>
+            <a:custGeom>
+              <a:avLst/>
+              <a:gdLst/>
+              <a:ahLst/>
+              <a:cxnLst/>
+              <a:rect l="0" t="0" r="r" b="b"/>
+              <a:pathLst>
+                <a:path w="132" h="308">
+                  <a:moveTo>
+                    <a:pt x="8" y="22"/>
+                  </a:moveTo>
+                  <a:cubicBezTo>
+                    <a:pt x="5" y="15"/>
+                    <a:pt x="2" y="8"/>
+                    <a:pt x="0" y="0"/>
+                  </a:cubicBezTo>
+                  <a:cubicBezTo>
+                    <a:pt x="0" y="10"/>
+                    <a:pt x="0" y="19"/>
+                    <a:pt x="0" y="29"/>
+                  </a:cubicBezTo>
+                  <a:cubicBezTo>
+                    <a:pt x="21" y="85"/>
+                    <a:pt x="44" y="140"/>
+                    <a:pt x="68" y="194"/>
+                  </a:cubicBezTo>
+                  <a:cubicBezTo>
+                    <a:pt x="85" y="232"/>
+                    <a:pt x="104" y="270"/>
+                    <a:pt x="123" y="308"/>
+                  </a:cubicBezTo>
+                  <a:cubicBezTo>
+                    <a:pt x="132" y="308"/>
+                    <a:pt x="132" y="308"/>
+                    <a:pt x="132" y="308"/>
+                  </a:cubicBezTo>
+                  <a:cubicBezTo>
+                    <a:pt x="113" y="269"/>
+                    <a:pt x="94" y="230"/>
+                    <a:pt x="77" y="190"/>
+                  </a:cubicBezTo>
+                  <a:cubicBezTo>
+                    <a:pt x="52" y="135"/>
+                    <a:pt x="29" y="79"/>
+                    <a:pt x="8" y="22"/>
+                  </a:cubicBezTo>
+                  <a:close/>
+                </a:path>
+              </a:pathLst>
+            </a:custGeom>
+            <a:solidFill>
+              <a:schemeClr val="tx2">
+                <a:alpha val="20000"/>
+              </a:schemeClr>
+            </a:solidFill>
+            <a:ln>
+              <a:noFill/>
+            </a:ln>
+          </p:spPr>
+        </p:sp>
+        <p:sp>
+          <p:nvSpPr>
+            <p:cNvPr id="1037" name="Freeform 14">
+              <a:extLst>
+                <a:ext uri="{FF2B5EF4-FFF2-40B4-BE49-F238E27FC236}">
+                  <a16:creationId xmlns:a16="http://schemas.microsoft.com/office/drawing/2014/main" id="{98B0FCF0-0865-45E1-977A-5BFDD0EFCA87}"/>
+                </a:ext>
+                <a:ext uri="{C183D7F6-B498-43B3-948B-1728B52AA6E4}">
+                  <adec:decorative xmlns:adec="http://schemas.microsoft.com/office/drawing/2017/decorative" val="1"/>
+                </a:ext>
+              </a:extLst>
+            </p:cNvPr>
+            <p:cNvSpPr/>
+            <p:nvPr>
+              <p:extLst>
+                <p:ext uri="{386F3935-93C4-4BCD-93E2-E3B085C9AB24}">
+                  <p16:designElem xmlns:p16="http://schemas.microsoft.com/office/powerpoint/2015/main" val="1"/>
+                </p:ext>
+              </p:extLst>
+            </p:nvPr>
+          </p:nvSpPr>
+          <p:spPr bwMode="auto">
+            <a:xfrm>
+              <a:off x="3305176" y="5630863"/>
+              <a:ext cx="146050" cy="309563"/>
+            </a:xfrm>
+            <a:custGeom>
+              <a:avLst/>
+              <a:gdLst/>
+              <a:ahLst/>
+              <a:cxnLst/>
+              <a:rect l="0" t="0" r="r" b="b"/>
+              <a:pathLst>
+                <a:path w="37" h="79">
+                  <a:moveTo>
+                    <a:pt x="28" y="79"/>
+                  </a:moveTo>
+                  <a:cubicBezTo>
+                    <a:pt x="37" y="79"/>
+                    <a:pt x="37" y="79"/>
+                    <a:pt x="37" y="79"/>
+                  </a:cubicBezTo>
+                  <a:cubicBezTo>
+                    <a:pt x="24" y="53"/>
+                    <a:pt x="12" y="27"/>
+                    <a:pt x="0" y="0"/>
+                  </a:cubicBezTo>
+                  <a:cubicBezTo>
+                    <a:pt x="8" y="27"/>
+                    <a:pt x="17" y="53"/>
+                    <a:pt x="28" y="79"/>
+                  </a:cubicBezTo>
+                  <a:close/>
+                </a:path>
+              </a:pathLst>
+            </a:custGeom>
+            <a:solidFill>
+              <a:schemeClr val="tx2">
+                <a:alpha val="20000"/>
+              </a:schemeClr>
+            </a:solidFill>
+            <a:ln>
+              <a:noFill/>
+            </a:ln>
+          </p:spPr>
+        </p:sp>
+        <p:sp>
+          <p:nvSpPr>
+            <p:cNvPr id="1038" name="Freeform 15">
+              <a:extLst>
+                <a:ext uri="{FF2B5EF4-FFF2-40B4-BE49-F238E27FC236}">
+                  <a16:creationId xmlns:a16="http://schemas.microsoft.com/office/drawing/2014/main" id="{C1FF2792-ADB4-44D2-B7EF-6E3503725DB9}"/>
+                </a:ext>
+                <a:ext uri="{C183D7F6-B498-43B3-948B-1728B52AA6E4}">
+                  <adec:decorative xmlns:adec="http://schemas.microsoft.com/office/drawing/2017/decorative" val="1"/>
+                </a:ext>
+              </a:extLst>
+            </p:cNvPr>
+            <p:cNvSpPr/>
+            <p:nvPr>
+              <p:extLst>
+                <p:ext uri="{386F3935-93C4-4BCD-93E2-E3B085C9AB24}">
+                  <p16:designElem xmlns:p16="http://schemas.microsoft.com/office/powerpoint/2015/main" val="1"/>
+                </p:ext>
+              </p:extLst>
+            </p:nvPr>
+          </p:nvSpPr>
+          <p:spPr bwMode="auto">
+            <a:xfrm>
+              <a:off x="2573338" y="2817813"/>
+              <a:ext cx="700088" cy="2835275"/>
+            </a:xfrm>
+            <a:custGeom>
+              <a:avLst/>
+              <a:gdLst/>
+              <a:ahLst/>
+              <a:cxnLst/>
+              <a:rect l="0" t="0" r="r" b="b"/>
+              <a:pathLst>
+                <a:path w="178" h="722">
+                  <a:moveTo>
+                    <a:pt x="162" y="660"/>
+                  </a:moveTo>
+                  <a:cubicBezTo>
+                    <a:pt x="145" y="618"/>
+                    <a:pt x="130" y="576"/>
+                    <a:pt x="116" y="534"/>
+                  </a:cubicBezTo>
+                  <a:cubicBezTo>
+                    <a:pt x="84" y="437"/>
+                    <a:pt x="59" y="337"/>
+                    <a:pt x="40" y="236"/>
+                  </a:cubicBezTo>
+                  <a:cubicBezTo>
+                    <a:pt x="29" y="175"/>
+                    <a:pt x="20" y="113"/>
+                    <a:pt x="12" y="51"/>
+                  </a:cubicBezTo>
+                  <a:cubicBezTo>
+                    <a:pt x="8" y="34"/>
+                    <a:pt x="4" y="17"/>
+                    <a:pt x="0" y="0"/>
+                  </a:cubicBezTo>
+                  <a:cubicBezTo>
+                    <a:pt x="8" y="79"/>
+                    <a:pt x="19" y="159"/>
+                    <a:pt x="33" y="237"/>
+                  </a:cubicBezTo>
+                  <a:cubicBezTo>
+                    <a:pt x="51" y="339"/>
+                    <a:pt x="76" y="439"/>
+                    <a:pt x="107" y="537"/>
+                  </a:cubicBezTo>
+                  <a:cubicBezTo>
+                    <a:pt x="123" y="586"/>
+                    <a:pt x="141" y="634"/>
+                    <a:pt x="160" y="681"/>
+                  </a:cubicBezTo>
+                  <a:cubicBezTo>
+                    <a:pt x="166" y="695"/>
+                    <a:pt x="172" y="708"/>
+                    <a:pt x="178" y="722"/>
+                  </a:cubicBezTo>
+                  <a:cubicBezTo>
+                    <a:pt x="176" y="717"/>
+                    <a:pt x="175" y="713"/>
+                    <a:pt x="174" y="708"/>
+                  </a:cubicBezTo>
+                  <a:cubicBezTo>
+                    <a:pt x="169" y="692"/>
+                    <a:pt x="165" y="676"/>
+                    <a:pt x="162" y="660"/>
+                  </a:cubicBezTo>
+                  <a:close/>
+                </a:path>
+              </a:pathLst>
+            </a:custGeom>
+            <a:solidFill>
+              <a:schemeClr val="tx2">
+                <a:alpha val="20000"/>
+              </a:schemeClr>
+            </a:solidFill>
+            <a:ln>
+              <a:noFill/>
+            </a:ln>
+          </p:spPr>
+        </p:sp>
+        <p:sp>
+          <p:nvSpPr>
+            <p:cNvPr id="1039" name="Freeform 16">
+              <a:extLst>
+                <a:ext uri="{FF2B5EF4-FFF2-40B4-BE49-F238E27FC236}">
+                  <a16:creationId xmlns:a16="http://schemas.microsoft.com/office/drawing/2014/main" id="{B7B0F0A2-D4CD-4EA5-96E9-9E282F25CD05}"/>
+                </a:ext>
+                <a:ext uri="{C183D7F6-B498-43B3-948B-1728B52AA6E4}">
+                  <adec:decorative xmlns:adec="http://schemas.microsoft.com/office/drawing/2017/decorative" val="1"/>
+                </a:ext>
+              </a:extLst>
+            </p:cNvPr>
+            <p:cNvSpPr/>
+            <p:nvPr>
+              <p:extLst>
+                <p:ext uri="{386F3935-93C4-4BCD-93E2-E3B085C9AB24}">
+                  <p16:designElem xmlns:p16="http://schemas.microsoft.com/office/powerpoint/2015/main" val="1"/>
+                </p:ext>
+              </p:extLst>
+            </p:nvPr>
+          </p:nvSpPr>
+          <p:spPr bwMode="auto">
+            <a:xfrm>
+              <a:off x="2506663" y="285750"/>
+              <a:ext cx="90488" cy="2493963"/>
+            </a:xfrm>
+            <a:custGeom>
+              <a:avLst/>
+              <a:gdLst/>
+              <a:ahLst/>
+              <a:cxnLst/>
+              <a:rect l="0" t="0" r="r" b="b"/>
+              <a:pathLst>
+                <a:path w="23" h="635">
+                  <a:moveTo>
+                    <a:pt x="11" y="577"/>
+                  </a:moveTo>
+                  <a:cubicBezTo>
+                    <a:pt x="12" y="581"/>
+                    <a:pt x="12" y="585"/>
+                    <a:pt x="12" y="589"/>
+                  </a:cubicBezTo>
+                  <a:cubicBezTo>
+                    <a:pt x="15" y="603"/>
+                    <a:pt x="19" y="617"/>
+                    <a:pt x="22" y="632"/>
+                  </a:cubicBezTo>
+                  <a:cubicBezTo>
+                    <a:pt x="22" y="633"/>
+                    <a:pt x="22" y="634"/>
+                    <a:pt x="23" y="635"/>
+                  </a:cubicBezTo>
+                  <a:cubicBezTo>
+                    <a:pt x="21" y="615"/>
+                    <a:pt x="19" y="596"/>
+                    <a:pt x="17" y="576"/>
+                  </a:cubicBezTo>
+                  <a:cubicBezTo>
+                    <a:pt x="9" y="474"/>
+                    <a:pt x="5" y="372"/>
+                    <a:pt x="5" y="269"/>
+                  </a:cubicBezTo>
+                  <a:cubicBezTo>
+                    <a:pt x="6" y="179"/>
+                    <a:pt x="9" y="90"/>
+                    <a:pt x="15" y="0"/>
+                  </a:cubicBezTo>
+                  <a:cubicBezTo>
+                    <a:pt x="12" y="0"/>
+                    <a:pt x="12" y="0"/>
+                    <a:pt x="12" y="0"/>
+                  </a:cubicBezTo>
+                  <a:cubicBezTo>
+                    <a:pt x="5" y="89"/>
+                    <a:pt x="2" y="179"/>
+                    <a:pt x="1" y="269"/>
+                  </a:cubicBezTo>
+                  <a:cubicBezTo>
+                    <a:pt x="0" y="372"/>
+                    <a:pt x="3" y="474"/>
+                    <a:pt x="11" y="577"/>
+                  </a:cubicBezTo>
+                  <a:close/>
+                </a:path>
+              </a:pathLst>
+            </a:custGeom>
+            <a:solidFill>
+              <a:schemeClr val="tx2">
+                <a:alpha val="20000"/>
+              </a:schemeClr>
+            </a:solidFill>
+            <a:ln>
+              <a:noFill/>
+            </a:ln>
+          </p:spPr>
+        </p:sp>
+        <p:sp>
+          <p:nvSpPr>
+            <p:cNvPr id="1040" name="Freeform 17">
+              <a:extLst>
+                <a:ext uri="{FF2B5EF4-FFF2-40B4-BE49-F238E27FC236}">
+                  <a16:creationId xmlns:a16="http://schemas.microsoft.com/office/drawing/2014/main" id="{FBBC4912-27C6-4C5E-9C40-AE9B6644E54A}"/>
+                </a:ext>
+                <a:ext uri="{C183D7F6-B498-43B3-948B-1728B52AA6E4}">
+                  <adec:decorative xmlns:adec="http://schemas.microsoft.com/office/drawing/2017/decorative" val="1"/>
+                </a:ext>
+              </a:extLst>
+            </p:cNvPr>
+            <p:cNvSpPr/>
+            <p:nvPr>
+              <p:extLst>
+                <p:ext uri="{386F3935-93C4-4BCD-93E2-E3B085C9AB24}">
+                  <p16:designElem xmlns:p16="http://schemas.microsoft.com/office/powerpoint/2015/main" val="1"/>
+                </p:ext>
+              </p:extLst>
+            </p:nvPr>
+          </p:nvSpPr>
+          <p:spPr bwMode="auto">
+            <a:xfrm>
+              <a:off x="2554288" y="2598738"/>
+              <a:ext cx="66675" cy="420688"/>
+            </a:xfrm>
+            <a:custGeom>
+              <a:avLst/>
+              <a:gdLst/>
+              <a:ahLst/>
+              <a:cxnLst/>
+              <a:rect l="0" t="0" r="r" b="b"/>
+              <a:pathLst>
+                <a:path w="17" h="107">
+                  <a:moveTo>
+                    <a:pt x="0" y="0"/>
+                  </a:moveTo>
+                  <a:cubicBezTo>
+                    <a:pt x="2" y="19"/>
+                    <a:pt x="3" y="37"/>
+                    <a:pt x="5" y="56"/>
+                  </a:cubicBezTo>
+                  <a:cubicBezTo>
+                    <a:pt x="9" y="73"/>
+                    <a:pt x="13" y="90"/>
+                    <a:pt x="17" y="107"/>
+                  </a:cubicBezTo>
+                  <a:cubicBezTo>
+                    <a:pt x="15" y="87"/>
+                    <a:pt x="13" y="66"/>
+                    <a:pt x="11" y="46"/>
+                  </a:cubicBezTo>
+                  <a:cubicBezTo>
+                    <a:pt x="10" y="45"/>
+                    <a:pt x="10" y="44"/>
+                    <a:pt x="10" y="43"/>
+                  </a:cubicBezTo>
+                  <a:cubicBezTo>
+                    <a:pt x="7" y="28"/>
+                    <a:pt x="3" y="14"/>
+                    <a:pt x="0" y="0"/>
+                  </a:cubicBezTo>
+                  <a:close/>
+                </a:path>
+              </a:pathLst>
+            </a:custGeom>
+            <a:solidFill>
+              <a:schemeClr val="tx2">
+                <a:alpha val="20000"/>
+              </a:schemeClr>
+            </a:solidFill>
+            <a:ln>
+              <a:noFill/>
+            </a:ln>
+          </p:spPr>
+        </p:sp>
+        <p:sp>
+          <p:nvSpPr>
+            <p:cNvPr id="1041" name="Freeform 18">
+              <a:extLst>
+                <a:ext uri="{FF2B5EF4-FFF2-40B4-BE49-F238E27FC236}">
+                  <a16:creationId xmlns:a16="http://schemas.microsoft.com/office/drawing/2014/main" id="{127E474D-BE64-49E8-8C82-691642D0BCD1}"/>
+                </a:ext>
+                <a:ext uri="{C183D7F6-B498-43B3-948B-1728B52AA6E4}">
+                  <adec:decorative xmlns:adec="http://schemas.microsoft.com/office/drawing/2017/decorative" val="1"/>
+                </a:ext>
+              </a:extLst>
+            </p:cNvPr>
+            <p:cNvSpPr/>
+            <p:nvPr>
+              <p:extLst>
+                <p:ext uri="{386F3935-93C4-4BCD-93E2-E3B085C9AB24}">
+                  <p16:designElem xmlns:p16="http://schemas.microsoft.com/office/powerpoint/2015/main" val="1"/>
+                </p:ext>
+              </p:extLst>
+            </p:nvPr>
+          </p:nvSpPr>
+          <p:spPr bwMode="auto">
+            <a:xfrm>
+              <a:off x="3143251" y="4757738"/>
+              <a:ext cx="161925" cy="873125"/>
+            </a:xfrm>
+            <a:custGeom>
+              <a:avLst/>
+              <a:gdLst/>
+              <a:ahLst/>
+              <a:cxnLst/>
+              <a:rect l="0" t="0" r="r" b="b"/>
+              <a:pathLst>
+                <a:path w="41" h="222">
+                  <a:moveTo>
+                    <a:pt x="0" y="0"/>
+                  </a:moveTo>
+                  <a:cubicBezTo>
+                    <a:pt x="0" y="31"/>
+                    <a:pt x="2" y="62"/>
+                    <a:pt x="5" y="93"/>
+                  </a:cubicBezTo>
+                  <a:cubicBezTo>
+                    <a:pt x="8" y="117"/>
+                    <a:pt x="12" y="142"/>
+                    <a:pt x="17" y="166"/>
+                  </a:cubicBezTo>
+                  <a:cubicBezTo>
+                    <a:pt x="19" y="172"/>
+                    <a:pt x="22" y="178"/>
+                    <a:pt x="24" y="184"/>
+                  </a:cubicBezTo>
+                  <a:cubicBezTo>
+                    <a:pt x="30" y="197"/>
+                    <a:pt x="35" y="209"/>
+                    <a:pt x="41" y="222"/>
+                  </a:cubicBezTo>
+                  <a:cubicBezTo>
+                    <a:pt x="40" y="219"/>
+                    <a:pt x="39" y="215"/>
+                    <a:pt x="38" y="212"/>
+                  </a:cubicBezTo>
+                  <a:cubicBezTo>
+                    <a:pt x="26" y="172"/>
+                    <a:pt x="18" y="132"/>
+                    <a:pt x="13" y="92"/>
+                  </a:cubicBezTo>
+                  <a:cubicBezTo>
+                    <a:pt x="11" y="68"/>
+                    <a:pt x="9" y="45"/>
+                    <a:pt x="8" y="22"/>
+                  </a:cubicBezTo>
+                  <a:cubicBezTo>
+                    <a:pt x="8" y="21"/>
+                    <a:pt x="7" y="20"/>
+                    <a:pt x="7" y="18"/>
+                  </a:cubicBezTo>
+                  <a:cubicBezTo>
+                    <a:pt x="5" y="12"/>
+                    <a:pt x="2" y="6"/>
+                    <a:pt x="0" y="0"/>
+                  </a:cubicBezTo>
+                  <a:close/>
+                </a:path>
+              </a:pathLst>
+            </a:custGeom>
+            <a:solidFill>
+              <a:schemeClr val="tx2">
+                <a:alpha val="20000"/>
+              </a:schemeClr>
+            </a:solidFill>
+            <a:ln>
+              <a:noFill/>
+            </a:ln>
+          </p:spPr>
+        </p:sp>
+        <p:sp>
+          <p:nvSpPr>
+            <p:cNvPr id="1042" name="Freeform 19">
+              <a:extLst>
+                <a:ext uri="{FF2B5EF4-FFF2-40B4-BE49-F238E27FC236}">
+                  <a16:creationId xmlns:a16="http://schemas.microsoft.com/office/drawing/2014/main" id="{A385E451-43CB-441B-83EE-28ACB6BCBC89}"/>
+                </a:ext>
+                <a:ext uri="{C183D7F6-B498-43B3-948B-1728B52AA6E4}">
+                  <adec:decorative xmlns:adec="http://schemas.microsoft.com/office/drawing/2017/decorative" val="1"/>
+                </a:ext>
+              </a:extLst>
+            </p:cNvPr>
+            <p:cNvSpPr/>
+            <p:nvPr>
+              <p:extLst>
+                <p:ext uri="{386F3935-93C4-4BCD-93E2-E3B085C9AB24}">
+                  <p16:designElem xmlns:p16="http://schemas.microsoft.com/office/powerpoint/2015/main" val="1"/>
+                </p:ext>
+              </p:extLst>
+            </p:nvPr>
+          </p:nvSpPr>
+          <p:spPr bwMode="auto">
+            <a:xfrm>
+              <a:off x="3148013" y="1282700"/>
+              <a:ext cx="1768475" cy="3448050"/>
+            </a:xfrm>
+            <a:custGeom>
+              <a:avLst/>
+              <a:gdLst/>
+              <a:ahLst/>
+              <a:cxnLst/>
+              <a:rect l="0" t="0" r="r" b="b"/>
+              <a:pathLst>
+                <a:path w="450" h="878">
+                  <a:moveTo>
+                    <a:pt x="7" y="854"/>
+                  </a:moveTo>
+                  <a:cubicBezTo>
+                    <a:pt x="10" y="772"/>
+                    <a:pt x="26" y="691"/>
+                    <a:pt x="50" y="613"/>
+                  </a:cubicBezTo>
+                  <a:cubicBezTo>
+                    <a:pt x="75" y="535"/>
+                    <a:pt x="109" y="460"/>
+                    <a:pt x="149" y="388"/>
+                  </a:cubicBezTo>
+                  <a:cubicBezTo>
+                    <a:pt x="189" y="316"/>
+                    <a:pt x="235" y="248"/>
+                    <a:pt x="285" y="183"/>
+                  </a:cubicBezTo>
+                  <a:cubicBezTo>
+                    <a:pt x="310" y="151"/>
+                    <a:pt x="337" y="119"/>
+                    <a:pt x="364" y="89"/>
+                  </a:cubicBezTo>
+                  <a:cubicBezTo>
+                    <a:pt x="378" y="74"/>
+                    <a:pt x="392" y="58"/>
+                    <a:pt x="406" y="44"/>
+                  </a:cubicBezTo>
+                  <a:cubicBezTo>
+                    <a:pt x="421" y="29"/>
+                    <a:pt x="435" y="15"/>
+                    <a:pt x="450" y="1"/>
+                  </a:cubicBezTo>
+                  <a:cubicBezTo>
+                    <a:pt x="450" y="0"/>
+                    <a:pt x="450" y="0"/>
+                    <a:pt x="450" y="0"/>
+                  </a:cubicBezTo>
+                  <a:cubicBezTo>
+                    <a:pt x="434" y="14"/>
+                    <a:pt x="420" y="28"/>
+                    <a:pt x="405" y="43"/>
+                  </a:cubicBezTo>
+                  <a:cubicBezTo>
+                    <a:pt x="391" y="57"/>
+                    <a:pt x="377" y="72"/>
+                    <a:pt x="363" y="88"/>
+                  </a:cubicBezTo>
+                  <a:cubicBezTo>
+                    <a:pt x="335" y="118"/>
+                    <a:pt x="308" y="149"/>
+                    <a:pt x="283" y="181"/>
+                  </a:cubicBezTo>
+                  <a:cubicBezTo>
+                    <a:pt x="232" y="246"/>
+                    <a:pt x="185" y="314"/>
+                    <a:pt x="145" y="386"/>
+                  </a:cubicBezTo>
+                  <a:cubicBezTo>
+                    <a:pt x="104" y="457"/>
+                    <a:pt x="70" y="533"/>
+                    <a:pt x="45" y="611"/>
+                  </a:cubicBezTo>
+                  <a:cubicBezTo>
+                    <a:pt x="19" y="690"/>
+                    <a:pt x="3" y="771"/>
+                    <a:pt x="0" y="854"/>
+                  </a:cubicBezTo>
+                  <a:cubicBezTo>
+                    <a:pt x="0" y="856"/>
+                    <a:pt x="0" y="857"/>
+                    <a:pt x="0" y="859"/>
+                  </a:cubicBezTo>
+                  <a:cubicBezTo>
+                    <a:pt x="2" y="865"/>
+                    <a:pt x="4" y="872"/>
+                    <a:pt x="7" y="878"/>
+                  </a:cubicBezTo>
+                  <a:cubicBezTo>
+                    <a:pt x="7" y="870"/>
+                    <a:pt x="7" y="862"/>
+                    <a:pt x="7" y="854"/>
+                  </a:cubicBezTo>
+                  <a:close/>
+                </a:path>
+              </a:pathLst>
+            </a:custGeom>
+            <a:solidFill>
+              <a:schemeClr val="tx2">
+                <a:alpha val="20000"/>
+              </a:schemeClr>
+            </a:solidFill>
+            <a:ln>
+              <a:noFill/>
+            </a:ln>
+          </p:spPr>
+        </p:sp>
+        <p:sp>
+          <p:nvSpPr>
+            <p:cNvPr id="1043" name="Freeform 20">
+              <a:extLst>
+                <a:ext uri="{FF2B5EF4-FFF2-40B4-BE49-F238E27FC236}">
+                  <a16:creationId xmlns:a16="http://schemas.microsoft.com/office/drawing/2014/main" id="{5BF91B89-051C-49D8-9029-83A1F52B0E38}"/>
+                </a:ext>
+                <a:ext uri="{C183D7F6-B498-43B3-948B-1728B52AA6E4}">
+                  <adec:decorative xmlns:adec="http://schemas.microsoft.com/office/drawing/2017/decorative" val="1"/>
+                </a:ext>
+              </a:extLst>
+            </p:cNvPr>
+            <p:cNvSpPr/>
+            <p:nvPr>
+              <p:extLst>
+                <p:ext uri="{386F3935-93C4-4BCD-93E2-E3B085C9AB24}">
+                  <p16:designElem xmlns:p16="http://schemas.microsoft.com/office/powerpoint/2015/main" val="1"/>
+                </p:ext>
+              </p:extLst>
+            </p:nvPr>
+          </p:nvSpPr>
+          <p:spPr bwMode="auto">
+            <a:xfrm>
+              <a:off x="3273426" y="5653088"/>
+              <a:ext cx="138113" cy="287338"/>
+            </a:xfrm>
+            <a:custGeom>
+              <a:avLst/>
+              <a:gdLst/>
+              <a:ahLst/>
+              <a:cxnLst/>
+              <a:rect l="0" t="0" r="r" b="b"/>
+              <a:pathLst>
+                <a:path w="35" h="73">
+                  <a:moveTo>
+                    <a:pt x="0" y="0"/>
+                  </a:moveTo>
+                  <a:cubicBezTo>
+                    <a:pt x="7" y="24"/>
+                    <a:pt x="16" y="49"/>
+                    <a:pt x="26" y="73"/>
+                  </a:cubicBezTo>
+                  <a:cubicBezTo>
+                    <a:pt x="35" y="73"/>
+                    <a:pt x="35" y="73"/>
+                    <a:pt x="35" y="73"/>
+                  </a:cubicBezTo>
+                  <a:cubicBezTo>
+                    <a:pt x="23" y="49"/>
+                    <a:pt x="11" y="24"/>
+                    <a:pt x="0" y="0"/>
+                  </a:cubicBezTo>
+                  <a:close/>
+                </a:path>
+              </a:pathLst>
+            </a:custGeom>
+            <a:solidFill>
+              <a:schemeClr val="tx2">
+                <a:alpha val="20000"/>
+              </a:schemeClr>
+            </a:solidFill>
+            <a:ln>
+              <a:noFill/>
+            </a:ln>
+          </p:spPr>
+        </p:sp>
+        <p:sp>
+          <p:nvSpPr>
+            <p:cNvPr id="1044" name="Freeform 21">
+              <a:extLst>
+                <a:ext uri="{FF2B5EF4-FFF2-40B4-BE49-F238E27FC236}">
+                  <a16:creationId xmlns:a16="http://schemas.microsoft.com/office/drawing/2014/main" id="{42329880-D64F-4074-ABE4-348FDC7FB1F4}"/>
+                </a:ext>
+                <a:ext uri="{C183D7F6-B498-43B3-948B-1728B52AA6E4}">
+                  <adec:decorative xmlns:adec="http://schemas.microsoft.com/office/drawing/2017/decorative" val="1"/>
+                </a:ext>
+              </a:extLst>
+            </p:cNvPr>
+            <p:cNvSpPr/>
+            <p:nvPr>
+              <p:extLst>
+                <p:ext uri="{386F3935-93C4-4BCD-93E2-E3B085C9AB24}">
+                  <p16:designElem xmlns:p16="http://schemas.microsoft.com/office/powerpoint/2015/main" val="1"/>
+                </p:ext>
+              </p:extLst>
+            </p:nvPr>
+          </p:nvSpPr>
+          <p:spPr bwMode="auto">
+            <a:xfrm>
+              <a:off x="3143251" y="4656138"/>
+              <a:ext cx="31750" cy="188913"/>
+            </a:xfrm>
+            <a:custGeom>
+              <a:avLst/>
+              <a:gdLst/>
+              <a:ahLst/>
+              <a:cxnLst/>
+              <a:rect l="0" t="0" r="r" b="b"/>
+              <a:pathLst>
+                <a:path w="8" h="48">
+                  <a:moveTo>
+                    <a:pt x="7" y="44"/>
+                  </a:moveTo>
+                  <a:cubicBezTo>
+                    <a:pt x="7" y="46"/>
+                    <a:pt x="8" y="47"/>
+                    <a:pt x="8" y="48"/>
+                  </a:cubicBezTo>
+                  <a:cubicBezTo>
+                    <a:pt x="8" y="38"/>
+                    <a:pt x="8" y="29"/>
+                    <a:pt x="8" y="19"/>
+                  </a:cubicBezTo>
+                  <a:cubicBezTo>
+                    <a:pt x="5" y="13"/>
+                    <a:pt x="3" y="6"/>
+                    <a:pt x="1" y="0"/>
+                  </a:cubicBezTo>
+                  <a:cubicBezTo>
+                    <a:pt x="0" y="9"/>
+                    <a:pt x="0" y="17"/>
+                    <a:pt x="0" y="26"/>
+                  </a:cubicBezTo>
+                  <a:cubicBezTo>
+                    <a:pt x="2" y="32"/>
+                    <a:pt x="5" y="38"/>
+                    <a:pt x="7" y="44"/>
+                  </a:cubicBezTo>
+                  <a:close/>
+                </a:path>
+              </a:pathLst>
+            </a:custGeom>
+            <a:solidFill>
+              <a:schemeClr val="tx2">
+                <a:alpha val="20000"/>
+              </a:schemeClr>
+            </a:solidFill>
+            <a:ln>
+              <a:noFill/>
+            </a:ln>
+          </p:spPr>
+        </p:sp>
+        <p:sp>
+          <p:nvSpPr>
+            <p:cNvPr id="1045" name="Freeform 22">
+              <a:extLst>
+                <a:ext uri="{FF2B5EF4-FFF2-40B4-BE49-F238E27FC236}">
+                  <a16:creationId xmlns:a16="http://schemas.microsoft.com/office/drawing/2014/main" id="{2FAD4595-5B16-442B-A756-924FB136A5C6}"/>
+                </a:ext>
+                <a:ext uri="{C183D7F6-B498-43B3-948B-1728B52AA6E4}">
+                  <adec:decorative xmlns:adec="http://schemas.microsoft.com/office/drawing/2017/decorative" val="1"/>
+                </a:ext>
+              </a:extLst>
+            </p:cNvPr>
+            <p:cNvSpPr/>
+            <p:nvPr>
+              <p:extLst>
+                <p:ext uri="{386F3935-93C4-4BCD-93E2-E3B085C9AB24}">
+                  <p16:designElem xmlns:p16="http://schemas.microsoft.com/office/powerpoint/2015/main" val="1"/>
+                </p:ext>
+              </p:extLst>
+            </p:nvPr>
+          </p:nvSpPr>
+          <p:spPr bwMode="auto">
+            <a:xfrm>
+              <a:off x="3211513" y="5410200"/>
+              <a:ext cx="203200" cy="530225"/>
+            </a:xfrm>
+            <a:custGeom>
+              <a:avLst/>
+              <a:gdLst/>
+              <a:ahLst/>
+              <a:cxnLst/>
+              <a:rect l="0" t="0" r="r" b="b"/>
+              <a:pathLst>
+                <a:path w="52" h="135">
+                  <a:moveTo>
+                    <a:pt x="7" y="18"/>
+                  </a:moveTo>
+                  <a:cubicBezTo>
+                    <a:pt x="5" y="12"/>
+                    <a:pt x="2" y="6"/>
+                    <a:pt x="0" y="0"/>
+                  </a:cubicBezTo>
+                  <a:cubicBezTo>
+                    <a:pt x="3" y="16"/>
+                    <a:pt x="7" y="32"/>
+                    <a:pt x="12" y="48"/>
+                  </a:cubicBezTo>
+                  <a:cubicBezTo>
+                    <a:pt x="13" y="53"/>
+                    <a:pt x="14" y="57"/>
+                    <a:pt x="16" y="62"/>
+                  </a:cubicBezTo>
+                  <a:cubicBezTo>
+                    <a:pt x="27" y="86"/>
+                    <a:pt x="39" y="111"/>
+                    <a:pt x="51" y="135"/>
+                  </a:cubicBezTo>
+                  <a:cubicBezTo>
+                    <a:pt x="52" y="135"/>
+                    <a:pt x="52" y="135"/>
+                    <a:pt x="52" y="135"/>
+                  </a:cubicBezTo>
+                  <a:cubicBezTo>
+                    <a:pt x="41" y="109"/>
+                    <a:pt x="32" y="83"/>
+                    <a:pt x="24" y="56"/>
+                  </a:cubicBezTo>
+                  <a:cubicBezTo>
+                    <a:pt x="18" y="43"/>
+                    <a:pt x="13" y="31"/>
+                    <a:pt x="7" y="18"/>
+                  </a:cubicBezTo>
+                  <a:close/>
+                </a:path>
+              </a:pathLst>
+            </a:custGeom>
+            <a:solidFill>
+              <a:schemeClr val="tx2">
+                <a:alpha val="20000"/>
+              </a:schemeClr>
+            </a:solidFill>
+            <a:ln>
+              <a:noFill/>
+            </a:ln>
+          </p:spPr>
+        </p:sp>
+      </p:grpSp>
+      <p:grpSp>
+        <p:nvGrpSpPr>
+          <p:cNvPr id="1047" name="Group 1046">
+            <a:extLst>
+              <a:ext uri="{FF2B5EF4-FFF2-40B4-BE49-F238E27FC236}">
+                <a16:creationId xmlns:a16="http://schemas.microsoft.com/office/drawing/2014/main" id="{9F9B151E-1B34-4FA6-A53D-B92F787D9EAD}"/>
+              </a:ext>
+              <a:ext uri="{C183D7F6-B498-43B3-948B-1728B52AA6E4}">
+                <adec:decorative xmlns:adec="http://schemas.microsoft.com/office/drawing/2017/decorative" val="1"/>
+              </a:ext>
+            </a:extLst>
+          </p:cNvPr>
+          <p:cNvGrpSpPr>
+            <a:grpSpLocks noGrp="1" noUngrp="1" noRot="1" noChangeAspect="1" noMove="1" noResize="1"/>
+          </p:cNvGrpSpPr>
+          <p:nvPr>
+            <p:extLst>
+              <p:ext uri="{386F3935-93C4-4BCD-93E2-E3B085C9AB24}">
+                <p16:designElem xmlns:p16="http://schemas.microsoft.com/office/powerpoint/2015/main" val="1"/>
+              </p:ext>
+            </p:extLst>
+          </p:nvPr>
+        </p:nvGrpSpPr>
+        <p:grpSpPr>
+          <a:xfrm>
+            <a:off x="27224" y="-786"/>
+            <a:ext cx="2356675" cy="6854040"/>
+            <a:chOff x="6627813" y="194833"/>
+            <a:chExt cx="1952625" cy="5678918"/>
+          </a:xfrm>
+        </p:grpSpPr>
+        <p:sp>
+          <p:nvSpPr>
+            <p:cNvPr id="1048" name="Freeform 27">
+              <a:extLst>
+                <a:ext uri="{FF2B5EF4-FFF2-40B4-BE49-F238E27FC236}">
+                  <a16:creationId xmlns:a16="http://schemas.microsoft.com/office/drawing/2014/main" id="{617ED8F6-0AA2-4080-ADCB-6C7CE17598B9}"/>
+                </a:ext>
+                <a:ext uri="{C183D7F6-B498-43B3-948B-1728B52AA6E4}">
+                  <adec:decorative xmlns:adec="http://schemas.microsoft.com/office/drawing/2017/decorative" val="1"/>
+                </a:ext>
+              </a:extLst>
+            </p:cNvPr>
+            <p:cNvSpPr/>
+            <p:nvPr>
+              <p:extLst>
+                <p:ext uri="{386F3935-93C4-4BCD-93E2-E3B085C9AB24}">
+                  <p16:designElem xmlns:p16="http://schemas.microsoft.com/office/powerpoint/2015/main" val="1"/>
+                </p:ext>
+              </p:extLst>
+            </p:nvPr>
+          </p:nvSpPr>
+          <p:spPr bwMode="auto">
+            <a:xfrm>
+              <a:off x="6627813" y="194833"/>
+              <a:ext cx="409575" cy="3646488"/>
+            </a:xfrm>
+            <a:custGeom>
+              <a:avLst/>
+              <a:gdLst/>
+              <a:ahLst/>
+              <a:cxnLst/>
+              <a:rect l="0" t="0" r="r" b="b"/>
+              <a:pathLst>
+                <a:path w="103" h="920">
+                  <a:moveTo>
+                    <a:pt x="7" y="210"/>
+                  </a:moveTo>
+                  <a:cubicBezTo>
+                    <a:pt x="11" y="288"/>
+                    <a:pt x="17" y="367"/>
+                    <a:pt x="26" y="445"/>
+                  </a:cubicBezTo>
+                  <a:cubicBezTo>
+                    <a:pt x="34" y="523"/>
+                    <a:pt x="44" y="601"/>
+                    <a:pt x="57" y="679"/>
+                  </a:cubicBezTo>
+                  <a:cubicBezTo>
+                    <a:pt x="69" y="757"/>
+                    <a:pt x="84" y="834"/>
+                    <a:pt x="101" y="911"/>
+                  </a:cubicBezTo>
+                  <a:cubicBezTo>
+                    <a:pt x="102" y="914"/>
+                    <a:pt x="103" y="917"/>
+                    <a:pt x="103" y="920"/>
+                  </a:cubicBezTo>
+                  <a:cubicBezTo>
+                    <a:pt x="102" y="905"/>
+                    <a:pt x="100" y="889"/>
+                    <a:pt x="99" y="874"/>
+                  </a:cubicBezTo>
+                  <a:cubicBezTo>
+                    <a:pt x="99" y="871"/>
+                    <a:pt x="99" y="868"/>
+                    <a:pt x="99" y="866"/>
+                  </a:cubicBezTo>
+                  <a:cubicBezTo>
+                    <a:pt x="85" y="803"/>
+                    <a:pt x="73" y="741"/>
+                    <a:pt x="63" y="678"/>
+                  </a:cubicBezTo>
+                  <a:cubicBezTo>
+                    <a:pt x="50" y="600"/>
+                    <a:pt x="39" y="523"/>
+                    <a:pt x="30" y="444"/>
+                  </a:cubicBezTo>
+                  <a:cubicBezTo>
+                    <a:pt x="21" y="366"/>
+                    <a:pt x="14" y="288"/>
+                    <a:pt x="9" y="209"/>
+                  </a:cubicBezTo>
+                  <a:cubicBezTo>
+                    <a:pt x="7" y="170"/>
+                    <a:pt x="5" y="131"/>
+                    <a:pt x="3" y="92"/>
+                  </a:cubicBezTo>
+                  <a:cubicBezTo>
+                    <a:pt x="2" y="61"/>
+                    <a:pt x="1" y="31"/>
+                    <a:pt x="1" y="0"/>
+                  </a:cubicBezTo>
+                  <a:cubicBezTo>
+                    <a:pt x="0" y="0"/>
+                    <a:pt x="0" y="0"/>
+                    <a:pt x="0" y="0"/>
+                  </a:cubicBezTo>
+                  <a:cubicBezTo>
+                    <a:pt x="0" y="31"/>
+                    <a:pt x="1" y="61"/>
+                    <a:pt x="1" y="92"/>
+                  </a:cubicBezTo>
+                  <a:cubicBezTo>
+                    <a:pt x="3" y="131"/>
+                    <a:pt x="4" y="170"/>
+                    <a:pt x="7" y="210"/>
+                  </a:cubicBezTo>
+                  <a:close/>
+                </a:path>
+              </a:pathLst>
+            </a:custGeom>
+            <a:solidFill>
+              <a:schemeClr val="tx2"/>
+            </a:solidFill>
+            <a:ln>
+              <a:noFill/>
+            </a:ln>
+          </p:spPr>
+        </p:sp>
+        <p:sp>
+          <p:nvSpPr>
+            <p:cNvPr id="1049" name="Freeform 28">
+              <a:extLst>
+                <a:ext uri="{FF2B5EF4-FFF2-40B4-BE49-F238E27FC236}">
+                  <a16:creationId xmlns:a16="http://schemas.microsoft.com/office/drawing/2014/main" id="{76F017FD-AF02-4E22-A564-5DCC93F5368C}"/>
+                </a:ext>
+                <a:ext uri="{C183D7F6-B498-43B3-948B-1728B52AA6E4}">
+                  <adec:decorative xmlns:adec="http://schemas.microsoft.com/office/drawing/2017/decorative" val="1"/>
+                </a:ext>
+              </a:extLst>
+            </p:cNvPr>
+            <p:cNvSpPr/>
+            <p:nvPr>
+              <p:extLst>
+                <p:ext uri="{386F3935-93C4-4BCD-93E2-E3B085C9AB24}">
+                  <p16:designElem xmlns:p16="http://schemas.microsoft.com/office/powerpoint/2015/main" val="1"/>
+                </p:ext>
+              </p:extLst>
+            </p:nvPr>
+          </p:nvSpPr>
+          <p:spPr bwMode="auto">
+            <a:xfrm>
+              <a:off x="7061201" y="3771900"/>
+              <a:ext cx="350838" cy="1309688"/>
+            </a:xfrm>
+            <a:custGeom>
+              <a:avLst/>
+              <a:gdLst/>
+              <a:ahLst/>
+              <a:cxnLst/>
+              <a:rect l="0" t="0" r="r" b="b"/>
+              <a:pathLst>
+                <a:path w="88" h="330">
+                  <a:moveTo>
+                    <a:pt x="53" y="229"/>
+                  </a:moveTo>
+                  <a:cubicBezTo>
+                    <a:pt x="64" y="263"/>
+                    <a:pt x="75" y="297"/>
+                    <a:pt x="88" y="330"/>
+                  </a:cubicBezTo>
+                  <a:cubicBezTo>
+                    <a:pt x="88" y="323"/>
+                    <a:pt x="88" y="315"/>
+                    <a:pt x="88" y="308"/>
+                  </a:cubicBezTo>
+                  <a:cubicBezTo>
+                    <a:pt x="88" y="307"/>
+                    <a:pt x="88" y="305"/>
+                    <a:pt x="88" y="304"/>
+                  </a:cubicBezTo>
+                  <a:cubicBezTo>
+                    <a:pt x="79" y="278"/>
+                    <a:pt x="70" y="252"/>
+                    <a:pt x="62" y="226"/>
+                  </a:cubicBezTo>
+                  <a:cubicBezTo>
+                    <a:pt x="38" y="152"/>
+                    <a:pt x="17" y="76"/>
+                    <a:pt x="0" y="0"/>
+                  </a:cubicBezTo>
+                  <a:cubicBezTo>
+                    <a:pt x="2" y="21"/>
+                    <a:pt x="4" y="42"/>
+                    <a:pt x="7" y="63"/>
+                  </a:cubicBezTo>
+                  <a:cubicBezTo>
+                    <a:pt x="21" y="119"/>
+                    <a:pt x="36" y="174"/>
+                    <a:pt x="53" y="229"/>
+                  </a:cubicBezTo>
+                  <a:close/>
+                </a:path>
+              </a:pathLst>
+            </a:custGeom>
+            <a:solidFill>
+              <a:schemeClr val="tx2"/>
+            </a:solidFill>
+            <a:ln>
+              <a:noFill/>
+            </a:ln>
+          </p:spPr>
+        </p:sp>
+        <p:sp>
+          <p:nvSpPr>
+            <p:cNvPr id="1050" name="Freeform 29">
+              <a:extLst>
+                <a:ext uri="{FF2B5EF4-FFF2-40B4-BE49-F238E27FC236}">
+                  <a16:creationId xmlns:a16="http://schemas.microsoft.com/office/drawing/2014/main" id="{61F8A187-FAA8-4625-AC70-EE2C7499D5AB}"/>
+                </a:ext>
+                <a:ext uri="{C183D7F6-B498-43B3-948B-1728B52AA6E4}">
+                  <adec:decorative xmlns:adec="http://schemas.microsoft.com/office/drawing/2017/decorative" val="1"/>
+                </a:ext>
+              </a:extLst>
+            </p:cNvPr>
+            <p:cNvSpPr/>
+            <p:nvPr>
+              <p:extLst>
+                <p:ext uri="{386F3935-93C4-4BCD-93E2-E3B085C9AB24}">
+                  <p16:designElem xmlns:p16="http://schemas.microsoft.com/office/powerpoint/2015/main" val="1"/>
+                </p:ext>
+              </p:extLst>
+            </p:nvPr>
+          </p:nvSpPr>
+          <p:spPr bwMode="auto">
+            <a:xfrm>
+              <a:off x="7439026" y="5053013"/>
+              <a:ext cx="357188" cy="820738"/>
+            </a:xfrm>
+            <a:custGeom>
+              <a:avLst/>
+              <a:gdLst/>
+              <a:ahLst/>
+              <a:cxnLst/>
+              <a:rect l="0" t="0" r="r" b="b"/>
+              <a:pathLst>
+                <a:path w="90" h="207">
+                  <a:moveTo>
+                    <a:pt x="6" y="15"/>
+                  </a:moveTo>
+                  <a:cubicBezTo>
+                    <a:pt x="4" y="10"/>
+                    <a:pt x="2" y="5"/>
+                    <a:pt x="0" y="0"/>
+                  </a:cubicBezTo>
+                  <a:cubicBezTo>
+                    <a:pt x="0" y="9"/>
+                    <a:pt x="0" y="19"/>
+                    <a:pt x="1" y="29"/>
+                  </a:cubicBezTo>
+                  <a:cubicBezTo>
+                    <a:pt x="14" y="62"/>
+                    <a:pt x="27" y="95"/>
+                    <a:pt x="42" y="127"/>
+                  </a:cubicBezTo>
+                  <a:cubicBezTo>
+                    <a:pt x="54" y="154"/>
+                    <a:pt x="67" y="181"/>
+                    <a:pt x="80" y="207"/>
+                  </a:cubicBezTo>
+                  <a:cubicBezTo>
+                    <a:pt x="90" y="207"/>
+                    <a:pt x="90" y="207"/>
+                    <a:pt x="90" y="207"/>
+                  </a:cubicBezTo>
+                  <a:cubicBezTo>
+                    <a:pt x="76" y="180"/>
+                    <a:pt x="63" y="152"/>
+                    <a:pt x="50" y="123"/>
+                  </a:cubicBezTo>
+                  <a:cubicBezTo>
+                    <a:pt x="34" y="88"/>
+                    <a:pt x="20" y="51"/>
+                    <a:pt x="6" y="15"/>
+                  </a:cubicBezTo>
+                  <a:close/>
+                </a:path>
+              </a:pathLst>
+            </a:custGeom>
+            <a:solidFill>
+              <a:schemeClr val="tx2"/>
+            </a:solidFill>
+            <a:ln>
+              <a:noFill/>
+            </a:ln>
+          </p:spPr>
+        </p:sp>
+        <p:sp>
+          <p:nvSpPr>
+            <p:cNvPr id="1051" name="Freeform 30">
+              <a:extLst>
+                <a:ext uri="{FF2B5EF4-FFF2-40B4-BE49-F238E27FC236}">
+                  <a16:creationId xmlns:a16="http://schemas.microsoft.com/office/drawing/2014/main" id="{6D431C21-669A-42BC-A2DF-9092CA729B25}"/>
+                </a:ext>
+                <a:ext uri="{C183D7F6-B498-43B3-948B-1728B52AA6E4}">
+                  <adec:decorative xmlns:adec="http://schemas.microsoft.com/office/drawing/2017/decorative" val="1"/>
+                </a:ext>
+              </a:extLst>
+            </p:cNvPr>
+            <p:cNvSpPr/>
+            <p:nvPr>
+              <p:extLst>
+                <p:ext uri="{386F3935-93C4-4BCD-93E2-E3B085C9AB24}">
+                  <p16:designElem xmlns:p16="http://schemas.microsoft.com/office/powerpoint/2015/main" val="1"/>
+                </p:ext>
+              </p:extLst>
+            </p:nvPr>
+          </p:nvSpPr>
+          <p:spPr bwMode="auto">
+            <a:xfrm>
+              <a:off x="7037388" y="3811588"/>
+              <a:ext cx="457200" cy="1852613"/>
+            </a:xfrm>
+            <a:custGeom>
+              <a:avLst/>
+              <a:gdLst/>
+              <a:ahLst/>
+              <a:cxnLst/>
+              <a:rect l="0" t="0" r="r" b="b"/>
+              <a:pathLst>
+                <a:path w="115" h="467">
+                  <a:moveTo>
+                    <a:pt x="101" y="409"/>
+                  </a:moveTo>
+                  <a:cubicBezTo>
+                    <a:pt x="93" y="388"/>
+                    <a:pt x="85" y="366"/>
+                    <a:pt x="78" y="344"/>
+                  </a:cubicBezTo>
+                  <a:cubicBezTo>
+                    <a:pt x="57" y="281"/>
+                    <a:pt x="41" y="216"/>
+                    <a:pt x="29" y="151"/>
+                  </a:cubicBezTo>
+                  <a:cubicBezTo>
+                    <a:pt x="22" y="119"/>
+                    <a:pt x="17" y="86"/>
+                    <a:pt x="13" y="53"/>
+                  </a:cubicBezTo>
+                  <a:cubicBezTo>
+                    <a:pt x="9" y="35"/>
+                    <a:pt x="4" y="18"/>
+                    <a:pt x="0" y="0"/>
+                  </a:cubicBezTo>
+                  <a:cubicBezTo>
+                    <a:pt x="5" y="51"/>
+                    <a:pt x="12" y="102"/>
+                    <a:pt x="21" y="152"/>
+                  </a:cubicBezTo>
+                  <a:cubicBezTo>
+                    <a:pt x="33" y="218"/>
+                    <a:pt x="49" y="283"/>
+                    <a:pt x="69" y="347"/>
+                  </a:cubicBezTo>
+                  <a:cubicBezTo>
+                    <a:pt x="79" y="378"/>
+                    <a:pt x="90" y="410"/>
+                    <a:pt x="103" y="441"/>
+                  </a:cubicBezTo>
+                  <a:cubicBezTo>
+                    <a:pt x="107" y="449"/>
+                    <a:pt x="111" y="458"/>
+                    <a:pt x="115" y="467"/>
+                  </a:cubicBezTo>
+                  <a:cubicBezTo>
+                    <a:pt x="114" y="464"/>
+                    <a:pt x="113" y="461"/>
+                    <a:pt x="112" y="458"/>
+                  </a:cubicBezTo>
+                  <a:cubicBezTo>
+                    <a:pt x="108" y="442"/>
+                    <a:pt x="104" y="425"/>
+                    <a:pt x="101" y="409"/>
+                  </a:cubicBezTo>
+                  <a:close/>
+                </a:path>
+              </a:pathLst>
+            </a:custGeom>
+            <a:solidFill>
+              <a:schemeClr val="tx2"/>
+            </a:solidFill>
+            <a:ln>
+              <a:noFill/>
+            </a:ln>
+          </p:spPr>
+        </p:sp>
+        <p:sp>
+          <p:nvSpPr>
+            <p:cNvPr id="1052" name="Freeform 31">
+              <a:extLst>
+                <a:ext uri="{FF2B5EF4-FFF2-40B4-BE49-F238E27FC236}">
+                  <a16:creationId xmlns:a16="http://schemas.microsoft.com/office/drawing/2014/main" id="{D143DDDF-3A80-4C43-BBCF-8EC128010208}"/>
+                </a:ext>
+                <a:ext uri="{C183D7F6-B498-43B3-948B-1728B52AA6E4}">
+                  <adec:decorative xmlns:adec="http://schemas.microsoft.com/office/drawing/2017/decorative" val="1"/>
+                </a:ext>
+              </a:extLst>
+            </p:cNvPr>
+            <p:cNvSpPr/>
+            <p:nvPr>
+              <p:extLst>
+                <p:ext uri="{386F3935-93C4-4BCD-93E2-E3B085C9AB24}">
+                  <p16:designElem xmlns:p16="http://schemas.microsoft.com/office/powerpoint/2015/main" val="1"/>
+                </p:ext>
+              </p:extLst>
+            </p:nvPr>
+          </p:nvSpPr>
+          <p:spPr bwMode="auto">
+            <a:xfrm>
+              <a:off x="6992938" y="1263650"/>
+              <a:ext cx="144463" cy="2508250"/>
+            </a:xfrm>
+            <a:custGeom>
+              <a:avLst/>
+              <a:gdLst/>
+              <a:ahLst/>
+              <a:cxnLst/>
+              <a:rect l="0" t="0" r="r" b="b"/>
+              <a:pathLst>
+                <a:path w="36" h="633">
+                  <a:moveTo>
+                    <a:pt x="17" y="633"/>
+                  </a:moveTo>
+                  <a:cubicBezTo>
+                    <a:pt x="15" y="621"/>
+                    <a:pt x="14" y="609"/>
+                    <a:pt x="13" y="597"/>
+                  </a:cubicBezTo>
+                  <a:cubicBezTo>
+                    <a:pt x="8" y="530"/>
+                    <a:pt x="5" y="464"/>
+                    <a:pt x="5" y="398"/>
+                  </a:cubicBezTo>
+                  <a:cubicBezTo>
+                    <a:pt x="5" y="331"/>
+                    <a:pt x="8" y="265"/>
+                    <a:pt x="13" y="198"/>
+                  </a:cubicBezTo>
+                  <a:cubicBezTo>
+                    <a:pt x="15" y="165"/>
+                    <a:pt x="18" y="132"/>
+                    <a:pt x="22" y="99"/>
+                  </a:cubicBezTo>
+                  <a:cubicBezTo>
+                    <a:pt x="26" y="66"/>
+                    <a:pt x="30" y="33"/>
+                    <a:pt x="36" y="0"/>
+                  </a:cubicBezTo>
+                  <a:cubicBezTo>
+                    <a:pt x="35" y="0"/>
+                    <a:pt x="35" y="0"/>
+                    <a:pt x="35" y="0"/>
+                  </a:cubicBezTo>
+                  <a:cubicBezTo>
+                    <a:pt x="29" y="33"/>
+                    <a:pt x="24" y="66"/>
+                    <a:pt x="20" y="99"/>
+                  </a:cubicBezTo>
+                  <a:cubicBezTo>
+                    <a:pt x="16" y="132"/>
+                    <a:pt x="13" y="165"/>
+                    <a:pt x="10" y="198"/>
+                  </a:cubicBezTo>
+                  <a:cubicBezTo>
+                    <a:pt x="4" y="264"/>
+                    <a:pt x="1" y="331"/>
+                    <a:pt x="1" y="398"/>
+                  </a:cubicBezTo>
+                  <a:cubicBezTo>
+                    <a:pt x="0" y="461"/>
+                    <a:pt x="2" y="525"/>
+                    <a:pt x="7" y="589"/>
+                  </a:cubicBezTo>
+                  <a:cubicBezTo>
+                    <a:pt x="10" y="603"/>
+                    <a:pt x="13" y="618"/>
+                    <a:pt x="16" y="632"/>
+                  </a:cubicBezTo>
+                  <a:cubicBezTo>
+                    <a:pt x="16" y="632"/>
+                    <a:pt x="17" y="633"/>
+                    <a:pt x="17" y="633"/>
+                  </a:cubicBezTo>
+                  <a:close/>
+                </a:path>
+              </a:pathLst>
+            </a:custGeom>
+            <a:solidFill>
+              <a:schemeClr val="tx2"/>
+            </a:solidFill>
+            <a:ln>
+              <a:noFill/>
+            </a:ln>
+          </p:spPr>
+        </p:sp>
+        <p:sp>
+          <p:nvSpPr>
+            <p:cNvPr id="1053" name="Freeform 32">
+              <a:extLst>
+                <a:ext uri="{FF2B5EF4-FFF2-40B4-BE49-F238E27FC236}">
+                  <a16:creationId xmlns:a16="http://schemas.microsoft.com/office/drawing/2014/main" id="{313BFF88-4BDD-4CC4-A514-C7D655779147}"/>
+                </a:ext>
+                <a:ext uri="{C183D7F6-B498-43B3-948B-1728B52AA6E4}">
+                  <adec:decorative xmlns:adec="http://schemas.microsoft.com/office/drawing/2017/decorative" val="1"/>
+                </a:ext>
+              </a:extLst>
+            </p:cNvPr>
+            <p:cNvSpPr/>
+            <p:nvPr>
+              <p:extLst>
+                <p:ext uri="{386F3935-93C4-4BCD-93E2-E3B085C9AB24}">
+                  <p16:designElem xmlns:p16="http://schemas.microsoft.com/office/powerpoint/2015/main" val="1"/>
+                </p:ext>
+              </p:extLst>
+            </p:nvPr>
+          </p:nvSpPr>
+          <p:spPr bwMode="auto">
+            <a:xfrm>
+              <a:off x="7526338" y="5640388"/>
+              <a:ext cx="111125" cy="233363"/>
+            </a:xfrm>
+            <a:custGeom>
+              <a:avLst/>
+              <a:gdLst/>
+              <a:ahLst/>
+              <a:cxnLst/>
+              <a:rect l="0" t="0" r="r" b="b"/>
+              <a:pathLst>
+                <a:path w="28" h="59">
+                  <a:moveTo>
+                    <a:pt x="22" y="59"/>
+                  </a:moveTo>
+                  <a:cubicBezTo>
+                    <a:pt x="28" y="59"/>
+                    <a:pt x="28" y="59"/>
+                    <a:pt x="28" y="59"/>
+                  </a:cubicBezTo>
+                  <a:cubicBezTo>
+                    <a:pt x="18" y="40"/>
+                    <a:pt x="9" y="20"/>
+                    <a:pt x="0" y="0"/>
+                  </a:cubicBezTo>
+                  <a:cubicBezTo>
+                    <a:pt x="6" y="20"/>
+                    <a:pt x="13" y="40"/>
+                    <a:pt x="22" y="59"/>
+                  </a:cubicBezTo>
+                  <a:close/>
+                </a:path>
+              </a:pathLst>
+            </a:custGeom>
+            <a:solidFill>
+              <a:schemeClr val="tx2"/>
+            </a:solidFill>
+            <a:ln>
+              <a:noFill/>
+            </a:ln>
+          </p:spPr>
+        </p:sp>
+        <p:sp>
+          <p:nvSpPr>
+            <p:cNvPr id="1054" name="Freeform 33">
+              <a:extLst>
+                <a:ext uri="{FF2B5EF4-FFF2-40B4-BE49-F238E27FC236}">
+                  <a16:creationId xmlns:a16="http://schemas.microsoft.com/office/drawing/2014/main" id="{BA235B4A-F8AD-4C1E-9074-3562538136C5}"/>
+                </a:ext>
+                <a:ext uri="{C183D7F6-B498-43B3-948B-1728B52AA6E4}">
+                  <adec:decorative xmlns:adec="http://schemas.microsoft.com/office/drawing/2017/decorative" val="1"/>
+                </a:ext>
+              </a:extLst>
+            </p:cNvPr>
+            <p:cNvSpPr/>
+            <p:nvPr>
+              <p:extLst>
+                <p:ext uri="{386F3935-93C4-4BCD-93E2-E3B085C9AB24}">
+                  <p16:designElem xmlns:p16="http://schemas.microsoft.com/office/powerpoint/2015/main" val="1"/>
+                </p:ext>
+              </p:extLst>
+            </p:nvPr>
+          </p:nvSpPr>
+          <p:spPr bwMode="auto">
+            <a:xfrm>
+              <a:off x="7021513" y="3598863"/>
+              <a:ext cx="68263" cy="423863"/>
+            </a:xfrm>
+            <a:custGeom>
+              <a:avLst/>
+              <a:gdLst/>
+              <a:ahLst/>
+              <a:cxnLst/>
+              <a:rect l="0" t="0" r="r" b="b"/>
+              <a:pathLst>
+                <a:path w="17" h="107">
+                  <a:moveTo>
+                    <a:pt x="4" y="54"/>
+                  </a:moveTo>
+                  <a:cubicBezTo>
+                    <a:pt x="8" y="72"/>
+                    <a:pt x="13" y="89"/>
+                    <a:pt x="17" y="107"/>
+                  </a:cubicBezTo>
+                  <a:cubicBezTo>
+                    <a:pt x="14" y="86"/>
+                    <a:pt x="12" y="65"/>
+                    <a:pt x="10" y="44"/>
+                  </a:cubicBezTo>
+                  <a:cubicBezTo>
+                    <a:pt x="10" y="44"/>
+                    <a:pt x="9" y="43"/>
+                    <a:pt x="9" y="43"/>
+                  </a:cubicBezTo>
+                  <a:cubicBezTo>
+                    <a:pt x="6" y="29"/>
+                    <a:pt x="3" y="14"/>
+                    <a:pt x="0" y="0"/>
+                  </a:cubicBezTo>
+                  <a:cubicBezTo>
+                    <a:pt x="0" y="2"/>
+                    <a:pt x="0" y="5"/>
+                    <a:pt x="0" y="8"/>
+                  </a:cubicBezTo>
+                  <a:cubicBezTo>
+                    <a:pt x="1" y="23"/>
+                    <a:pt x="3" y="39"/>
+                    <a:pt x="4" y="54"/>
+                  </a:cubicBezTo>
+                  <a:close/>
+                </a:path>
+              </a:pathLst>
+            </a:custGeom>
+            <a:solidFill>
+              <a:schemeClr val="tx2"/>
+            </a:solidFill>
+            <a:ln>
+              <a:noFill/>
+            </a:ln>
+          </p:spPr>
+        </p:sp>
+        <p:sp>
+          <p:nvSpPr>
+            <p:cNvPr id="1055" name="Freeform 34">
+              <a:extLst>
+                <a:ext uri="{FF2B5EF4-FFF2-40B4-BE49-F238E27FC236}">
+                  <a16:creationId xmlns:a16="http://schemas.microsoft.com/office/drawing/2014/main" id="{281D9204-5CB0-44D1-B01F-5FFF6BDB2883}"/>
+                </a:ext>
+                <a:ext uri="{C183D7F6-B498-43B3-948B-1728B52AA6E4}">
+                  <adec:decorative xmlns:adec="http://schemas.microsoft.com/office/drawing/2017/decorative" val="1"/>
+                </a:ext>
+              </a:extLst>
+            </p:cNvPr>
+            <p:cNvSpPr/>
+            <p:nvPr>
+              <p:extLst>
+                <p:ext uri="{386F3935-93C4-4BCD-93E2-E3B085C9AB24}">
+                  <p16:designElem xmlns:p16="http://schemas.microsoft.com/office/powerpoint/2015/main" val="1"/>
+                </p:ext>
+              </p:extLst>
+            </p:nvPr>
+          </p:nvSpPr>
+          <p:spPr bwMode="auto">
+            <a:xfrm>
+              <a:off x="7412038" y="2801938"/>
+              <a:ext cx="1168400" cy="2251075"/>
+            </a:xfrm>
+            <a:custGeom>
+              <a:avLst/>
+              <a:gdLst/>
+              <a:ahLst/>
+              <a:cxnLst/>
+              <a:rect l="0" t="0" r="r" b="b"/>
+              <a:pathLst>
+                <a:path w="294" h="568">
+                  <a:moveTo>
+                    <a:pt x="8" y="553"/>
+                  </a:moveTo>
+                  <a:cubicBezTo>
+                    <a:pt x="9" y="501"/>
+                    <a:pt x="19" y="448"/>
+                    <a:pt x="35" y="397"/>
+                  </a:cubicBezTo>
+                  <a:cubicBezTo>
+                    <a:pt x="51" y="347"/>
+                    <a:pt x="73" y="298"/>
+                    <a:pt x="99" y="252"/>
+                  </a:cubicBezTo>
+                  <a:cubicBezTo>
+                    <a:pt x="124" y="205"/>
+                    <a:pt x="154" y="161"/>
+                    <a:pt x="187" y="119"/>
+                  </a:cubicBezTo>
+                  <a:cubicBezTo>
+                    <a:pt x="203" y="98"/>
+                    <a:pt x="220" y="77"/>
+                    <a:pt x="238" y="58"/>
+                  </a:cubicBezTo>
+                  <a:cubicBezTo>
+                    <a:pt x="247" y="48"/>
+                    <a:pt x="256" y="38"/>
+                    <a:pt x="265" y="28"/>
+                  </a:cubicBezTo>
+                  <a:cubicBezTo>
+                    <a:pt x="274" y="19"/>
+                    <a:pt x="284" y="9"/>
+                    <a:pt x="294" y="0"/>
+                  </a:cubicBezTo>
+                  <a:cubicBezTo>
+                    <a:pt x="293" y="0"/>
+                    <a:pt x="293" y="0"/>
+                    <a:pt x="293" y="0"/>
+                  </a:cubicBezTo>
+                  <a:cubicBezTo>
+                    <a:pt x="283" y="9"/>
+                    <a:pt x="273" y="18"/>
+                    <a:pt x="264" y="27"/>
+                  </a:cubicBezTo>
+                  <a:cubicBezTo>
+                    <a:pt x="255" y="37"/>
+                    <a:pt x="246" y="47"/>
+                    <a:pt x="237" y="56"/>
+                  </a:cubicBezTo>
+                  <a:cubicBezTo>
+                    <a:pt x="218" y="76"/>
+                    <a:pt x="201" y="96"/>
+                    <a:pt x="185" y="117"/>
+                  </a:cubicBezTo>
+                  <a:cubicBezTo>
+                    <a:pt x="151" y="159"/>
+                    <a:pt x="121" y="203"/>
+                    <a:pt x="95" y="249"/>
+                  </a:cubicBezTo>
+                  <a:cubicBezTo>
+                    <a:pt x="68" y="296"/>
+                    <a:pt x="46" y="345"/>
+                    <a:pt x="30" y="396"/>
+                  </a:cubicBezTo>
+                  <a:cubicBezTo>
+                    <a:pt x="13" y="445"/>
+                    <a:pt x="3" y="497"/>
+                    <a:pt x="0" y="549"/>
+                  </a:cubicBezTo>
+                  <a:cubicBezTo>
+                    <a:pt x="3" y="555"/>
+                    <a:pt x="5" y="561"/>
+                    <a:pt x="7" y="568"/>
+                  </a:cubicBezTo>
+                  <a:cubicBezTo>
+                    <a:pt x="7" y="563"/>
+                    <a:pt x="7" y="558"/>
+                    <a:pt x="8" y="553"/>
+                  </a:cubicBezTo>
+                  <a:close/>
+                </a:path>
+              </a:pathLst>
+            </a:custGeom>
+            <a:solidFill>
+              <a:schemeClr val="tx2"/>
+            </a:solidFill>
+            <a:ln>
+              <a:noFill/>
+            </a:ln>
+          </p:spPr>
+        </p:sp>
+        <p:sp>
+          <p:nvSpPr>
+            <p:cNvPr id="1056" name="Freeform 35">
+              <a:extLst>
+                <a:ext uri="{FF2B5EF4-FFF2-40B4-BE49-F238E27FC236}">
+                  <a16:creationId xmlns:a16="http://schemas.microsoft.com/office/drawing/2014/main" id="{4DD213C5-5C2A-403A-AAEF-E495E64AEB9B}"/>
+                </a:ext>
+                <a:ext uri="{C183D7F6-B498-43B3-948B-1728B52AA6E4}">
+                  <adec:decorative xmlns:adec="http://schemas.microsoft.com/office/drawing/2017/decorative" val="1"/>
+                </a:ext>
+              </a:extLst>
+            </p:cNvPr>
+            <p:cNvSpPr/>
+            <p:nvPr>
+              <p:extLst>
+                <p:ext uri="{386F3935-93C4-4BCD-93E2-E3B085C9AB24}">
+                  <p16:designElem xmlns:p16="http://schemas.microsoft.com/office/powerpoint/2015/main" val="1"/>
+                </p:ext>
+              </p:extLst>
+            </p:nvPr>
+          </p:nvSpPr>
+          <p:spPr bwMode="auto">
+            <a:xfrm>
+              <a:off x="7494588" y="5664200"/>
+              <a:ext cx="100013" cy="209550"/>
+            </a:xfrm>
+            <a:custGeom>
+              <a:avLst/>
+              <a:gdLst/>
+              <a:ahLst/>
+              <a:cxnLst/>
+              <a:rect l="0" t="0" r="r" b="b"/>
+              <a:pathLst>
+                <a:path w="25" h="53">
+                  <a:moveTo>
+                    <a:pt x="0" y="0"/>
+                  </a:moveTo>
+                  <a:cubicBezTo>
+                    <a:pt x="5" y="18"/>
+                    <a:pt x="12" y="36"/>
+                    <a:pt x="19" y="53"/>
+                  </a:cubicBezTo>
+                  <a:cubicBezTo>
+                    <a:pt x="25" y="53"/>
+                    <a:pt x="25" y="53"/>
+                    <a:pt x="25" y="53"/>
+                  </a:cubicBezTo>
+                  <a:cubicBezTo>
+                    <a:pt x="16" y="36"/>
+                    <a:pt x="8" y="18"/>
+                    <a:pt x="0" y="0"/>
+                  </a:cubicBezTo>
+                  <a:close/>
+                </a:path>
+              </a:pathLst>
+            </a:custGeom>
+            <a:solidFill>
+              <a:schemeClr val="tx2"/>
+            </a:solidFill>
+            <a:ln>
+              <a:noFill/>
+            </a:ln>
+          </p:spPr>
+        </p:sp>
+        <p:sp>
+          <p:nvSpPr>
+            <p:cNvPr id="1057" name="Freeform 36">
+              <a:extLst>
+                <a:ext uri="{FF2B5EF4-FFF2-40B4-BE49-F238E27FC236}">
+                  <a16:creationId xmlns:a16="http://schemas.microsoft.com/office/drawing/2014/main" id="{3D07FF46-5E32-4BEE-B85D-107AD341D480}"/>
+                </a:ext>
+                <a:ext uri="{C183D7F6-B498-43B3-948B-1728B52AA6E4}">
+                  <adec:decorative xmlns:adec="http://schemas.microsoft.com/office/drawing/2017/decorative" val="1"/>
+                </a:ext>
+              </a:extLst>
+            </p:cNvPr>
+            <p:cNvSpPr/>
+            <p:nvPr>
+              <p:extLst>
+                <p:ext uri="{386F3935-93C4-4BCD-93E2-E3B085C9AB24}">
+                  <p16:designElem xmlns:p16="http://schemas.microsoft.com/office/powerpoint/2015/main" val="1"/>
+                </p:ext>
+              </p:extLst>
+            </p:nvPr>
+          </p:nvSpPr>
+          <p:spPr bwMode="auto">
+            <a:xfrm>
+              <a:off x="7412038" y="5081588"/>
+              <a:ext cx="114300" cy="558800"/>
+            </a:xfrm>
+            <a:custGeom>
+              <a:avLst/>
+              <a:gdLst/>
+              <a:ahLst/>
+              <a:cxnLst/>
+              <a:rect l="0" t="0" r="r" b="b"/>
+              <a:pathLst>
+                <a:path w="29" h="141">
+                  <a:moveTo>
+                    <a:pt x="0" y="0"/>
+                  </a:moveTo>
+                  <a:cubicBezTo>
+                    <a:pt x="0" y="30"/>
+                    <a:pt x="2" y="60"/>
+                    <a:pt x="7" y="89"/>
+                  </a:cubicBezTo>
+                  <a:cubicBezTo>
+                    <a:pt x="11" y="98"/>
+                    <a:pt x="14" y="108"/>
+                    <a:pt x="18" y="117"/>
+                  </a:cubicBezTo>
+                  <a:cubicBezTo>
+                    <a:pt x="22" y="125"/>
+                    <a:pt x="25" y="133"/>
+                    <a:pt x="29" y="141"/>
+                  </a:cubicBezTo>
+                  <a:cubicBezTo>
+                    <a:pt x="28" y="139"/>
+                    <a:pt x="28" y="137"/>
+                    <a:pt x="27" y="135"/>
+                  </a:cubicBezTo>
+                  <a:cubicBezTo>
+                    <a:pt x="16" y="98"/>
+                    <a:pt x="10" y="60"/>
+                    <a:pt x="8" y="22"/>
+                  </a:cubicBezTo>
+                  <a:cubicBezTo>
+                    <a:pt x="7" y="18"/>
+                    <a:pt x="5" y="15"/>
+                    <a:pt x="4" y="11"/>
+                  </a:cubicBezTo>
+                  <a:cubicBezTo>
+                    <a:pt x="2" y="7"/>
+                    <a:pt x="1" y="3"/>
+                    <a:pt x="0" y="0"/>
+                  </a:cubicBezTo>
+                  <a:close/>
+                </a:path>
+              </a:pathLst>
+            </a:custGeom>
+            <a:solidFill>
+              <a:schemeClr val="tx2"/>
+            </a:solidFill>
+            <a:ln>
+              <a:noFill/>
+            </a:ln>
+          </p:spPr>
+        </p:sp>
+        <p:sp>
+          <p:nvSpPr>
+            <p:cNvPr id="1058" name="Freeform 37">
+              <a:extLst>
+                <a:ext uri="{FF2B5EF4-FFF2-40B4-BE49-F238E27FC236}">
+                  <a16:creationId xmlns:a16="http://schemas.microsoft.com/office/drawing/2014/main" id="{4E5AE900-6815-4A65-9A96-CA280B3A8DF3}"/>
+                </a:ext>
+                <a:ext uri="{C183D7F6-B498-43B3-948B-1728B52AA6E4}">
+                  <adec:decorative xmlns:adec="http://schemas.microsoft.com/office/drawing/2017/decorative" val="1"/>
+                </a:ext>
+              </a:extLst>
+            </p:cNvPr>
+            <p:cNvSpPr/>
+            <p:nvPr>
+              <p:extLst>
+                <p:ext uri="{386F3935-93C4-4BCD-93E2-E3B085C9AB24}">
+                  <p16:designElem xmlns:p16="http://schemas.microsoft.com/office/powerpoint/2015/main" val="1"/>
+                </p:ext>
+              </p:extLst>
+            </p:nvPr>
+          </p:nvSpPr>
+          <p:spPr bwMode="auto">
+            <a:xfrm>
+              <a:off x="7412038" y="4978400"/>
+              <a:ext cx="31750" cy="188913"/>
+            </a:xfrm>
+            <a:custGeom>
+              <a:avLst/>
+              <a:gdLst/>
+              <a:ahLst/>
+              <a:cxnLst/>
+              <a:rect l="0" t="0" r="r" b="b"/>
+              <a:pathLst>
+                <a:path w="8" h="48">
+                  <a:moveTo>
+                    <a:pt x="0" y="26"/>
+                  </a:moveTo>
+                  <a:cubicBezTo>
+                    <a:pt x="1" y="29"/>
+                    <a:pt x="2" y="33"/>
+                    <a:pt x="4" y="37"/>
+                  </a:cubicBezTo>
+                  <a:cubicBezTo>
+                    <a:pt x="5" y="41"/>
+                    <a:pt x="7" y="44"/>
+                    <a:pt x="8" y="48"/>
+                  </a:cubicBezTo>
+                  <a:cubicBezTo>
+                    <a:pt x="7" y="38"/>
+                    <a:pt x="7" y="28"/>
+                    <a:pt x="7" y="19"/>
+                  </a:cubicBezTo>
+                  <a:cubicBezTo>
+                    <a:pt x="5" y="12"/>
+                    <a:pt x="3" y="6"/>
+                    <a:pt x="0" y="0"/>
+                  </a:cubicBezTo>
+                  <a:cubicBezTo>
+                    <a:pt x="0" y="1"/>
+                    <a:pt x="0" y="3"/>
+                    <a:pt x="0" y="4"/>
+                  </a:cubicBezTo>
+                  <a:cubicBezTo>
+                    <a:pt x="0" y="11"/>
+                    <a:pt x="0" y="19"/>
+                    <a:pt x="0" y="26"/>
+                  </a:cubicBezTo>
+                  <a:close/>
+                </a:path>
+              </a:pathLst>
+            </a:custGeom>
+            <a:solidFill>
+              <a:schemeClr val="tx2"/>
+            </a:solidFill>
+            <a:ln>
+              <a:noFill/>
+            </a:ln>
+          </p:spPr>
+        </p:sp>
+        <p:sp>
+          <p:nvSpPr>
+            <p:cNvPr id="1059" name="Freeform 38">
+              <a:extLst>
+                <a:ext uri="{FF2B5EF4-FFF2-40B4-BE49-F238E27FC236}">
+                  <a16:creationId xmlns:a16="http://schemas.microsoft.com/office/drawing/2014/main" id="{45EA57FC-ADA4-45DD-98E7-B0615C5306F6}"/>
+                </a:ext>
+                <a:ext uri="{C183D7F6-B498-43B3-948B-1728B52AA6E4}">
+                  <adec:decorative xmlns:adec="http://schemas.microsoft.com/office/drawing/2017/decorative" val="1"/>
+                </a:ext>
+              </a:extLst>
+            </p:cNvPr>
+            <p:cNvSpPr/>
+            <p:nvPr>
+              <p:extLst>
+                <p:ext uri="{386F3935-93C4-4BCD-93E2-E3B085C9AB24}">
+                  <p16:designElem xmlns:p16="http://schemas.microsoft.com/office/powerpoint/2015/main" val="1"/>
+                </p:ext>
+              </p:extLst>
+            </p:nvPr>
+          </p:nvSpPr>
+          <p:spPr bwMode="auto">
+            <a:xfrm>
+              <a:off x="7439026" y="5434013"/>
+              <a:ext cx="174625" cy="439738"/>
+            </a:xfrm>
+            <a:custGeom>
+              <a:avLst/>
+              <a:gdLst/>
+              <a:ahLst/>
+              <a:cxnLst/>
+              <a:rect l="0" t="0" r="r" b="b"/>
+              <a:pathLst>
+                <a:path w="44" h="111">
+                  <a:moveTo>
+                    <a:pt x="11" y="28"/>
+                  </a:moveTo>
+                  <a:cubicBezTo>
+                    <a:pt x="7" y="19"/>
+                    <a:pt x="4" y="9"/>
+                    <a:pt x="0" y="0"/>
+                  </a:cubicBezTo>
+                  <a:cubicBezTo>
+                    <a:pt x="3" y="16"/>
+                    <a:pt x="7" y="33"/>
+                    <a:pt x="11" y="49"/>
+                  </a:cubicBezTo>
+                  <a:cubicBezTo>
+                    <a:pt x="12" y="52"/>
+                    <a:pt x="13" y="55"/>
+                    <a:pt x="14" y="58"/>
+                  </a:cubicBezTo>
+                  <a:cubicBezTo>
+                    <a:pt x="22" y="76"/>
+                    <a:pt x="30" y="94"/>
+                    <a:pt x="39" y="111"/>
+                  </a:cubicBezTo>
+                  <a:cubicBezTo>
+                    <a:pt x="44" y="111"/>
+                    <a:pt x="44" y="111"/>
+                    <a:pt x="44" y="111"/>
+                  </a:cubicBezTo>
+                  <a:cubicBezTo>
+                    <a:pt x="35" y="92"/>
+                    <a:pt x="28" y="72"/>
+                    <a:pt x="22" y="52"/>
+                  </a:cubicBezTo>
+                  <a:cubicBezTo>
+                    <a:pt x="18" y="44"/>
+                    <a:pt x="15" y="36"/>
+                    <a:pt x="11" y="28"/>
+                  </a:cubicBezTo>
+                  <a:close/>
+                </a:path>
+              </a:pathLst>
+            </a:custGeom>
+            <a:solidFill>
+              <a:schemeClr val="tx2"/>
+            </a:solidFill>
+            <a:ln>
+              <a:noFill/>
+            </a:ln>
+          </p:spPr>
+        </p:sp>
+      </p:grpSp>
+      <p:sp>
+        <p:nvSpPr>
+          <p:cNvPr id="1061" name="Rectangle 1060">
+            <a:extLst>
+              <a:ext uri="{FF2B5EF4-FFF2-40B4-BE49-F238E27FC236}">
+                <a16:creationId xmlns:a16="http://schemas.microsoft.com/office/drawing/2014/main" id="{9FFA7C60-EEB5-45DC-B964-20A76F776EF5}"/>
+              </a:ext>
+              <a:ext uri="{C183D7F6-B498-43B3-948B-1728B52AA6E4}">
+                <adec:decorative xmlns:adec="http://schemas.microsoft.com/office/drawing/2017/decorative" val="1"/>
+              </a:ext>
+            </a:extLst>
+          </p:cNvPr>
+          <p:cNvSpPr>
+            <a:spLocks noGrp="1" noRot="1" noChangeAspect="1" noMove="1" noResize="1" noEditPoints="1" noAdjustHandles="1" noChangeArrowheads="1" noChangeShapeType="1" noTextEdit="1"/>
+          </p:cNvSpPr>
+          <p:nvPr>
+            <p:extLst>
+              <p:ext uri="{386F3935-93C4-4BCD-93E2-E3B085C9AB24}">
+                <p16:designElem xmlns:p16="http://schemas.microsoft.com/office/powerpoint/2015/main" val="1"/>
+              </p:ext>
+            </p:extLst>
+          </p:nvPr>
+        </p:nvSpPr>
+        <p:spPr>
+          <a:xfrm>
+            <a:off x="0" y="0"/>
+            <a:ext cx="182880" cy="6858000"/>
+          </a:xfrm>
+          <a:prstGeom prst="rect">
+            <a:avLst/>
+          </a:prstGeom>
+          <a:solidFill>
+            <a:schemeClr val="tx2"/>
+          </a:solidFill>
+          <a:ln>
+            <a:noFill/>
+          </a:ln>
+          <a:effectLst/>
+        </p:spPr>
+        <p:style>
+          <a:lnRef idx="1">
+            <a:schemeClr val="accent1"/>
+          </a:lnRef>
+          <a:fillRef idx="3">
+            <a:schemeClr val="accent1"/>
+          </a:fillRef>
+          <a:effectRef idx="2">
+            <a:schemeClr val="accent1"/>
+          </a:effectRef>
+          <a:fontRef idx="minor">
+            <a:schemeClr val="lt1"/>
+          </a:fontRef>
+        </p:style>
+      </p:sp>
+      <p:sp>
+        <p:nvSpPr>
+          <p:cNvPr id="1063" name="Freeform 11">
+            <a:extLst>
+              <a:ext uri="{FF2B5EF4-FFF2-40B4-BE49-F238E27FC236}">
+                <a16:creationId xmlns:a16="http://schemas.microsoft.com/office/drawing/2014/main" id="{7D84F46B-82DB-461C-88AC-F6C66B593E2C}"/>
+              </a:ext>
+              <a:ext uri="{C183D7F6-B498-43B3-948B-1728B52AA6E4}">
+                <adec:decorative xmlns:adec="http://schemas.microsoft.com/office/drawing/2017/decorative" val="1"/>
+              </a:ext>
+            </a:extLst>
+          </p:cNvPr>
+          <p:cNvSpPr>
+            <a:spLocks noGrp="1" noRot="1" noChangeAspect="1" noMove="1" noResize="1" noEditPoints="1" noAdjustHandles="1" noChangeArrowheads="1" noChangeShapeType="1" noTextEdit="1"/>
+          </p:cNvSpPr>
+          <p:nvPr>
+            <p:extLst>
+              <p:ext uri="{386F3935-93C4-4BCD-93E2-E3B085C9AB24}">
+                <p16:designElem xmlns:p16="http://schemas.microsoft.com/office/powerpoint/2015/main" val="1"/>
+              </p:ext>
+            </p:extLst>
+          </p:nvPr>
+        </p:nvSpPr>
+        <p:spPr bwMode="auto">
+          <a:xfrm flipV="1">
+            <a:off x="-4189" y="714375"/>
+            <a:ext cx="1588527" cy="507297"/>
+          </a:xfrm>
+          <a:custGeom>
+            <a:avLst/>
+            <a:gdLst/>
+            <a:ahLst/>
+            <a:cxnLst/>
+            <a:rect l="l" t="t" r="r" b="b"/>
+            <a:pathLst>
+              <a:path w="9248" h="10000">
+                <a:moveTo>
+                  <a:pt x="9248" y="4701"/>
+                </a:moveTo>
+                <a:lnTo>
+                  <a:pt x="7915" y="188"/>
+                </a:lnTo>
+                <a:cubicBezTo>
+                  <a:pt x="7906" y="156"/>
+                  <a:pt x="7895" y="126"/>
+                  <a:pt x="7886" y="94"/>
+                </a:cubicBezTo>
+                <a:cubicBezTo>
+                  <a:pt x="7859" y="0"/>
+                  <a:pt x="7831" y="0"/>
+                  <a:pt x="7803" y="0"/>
+                </a:cubicBezTo>
+                <a:lnTo>
+                  <a:pt x="7275" y="0"/>
+                </a:lnTo>
+                <a:lnTo>
+                  <a:pt x="0" y="70"/>
+                </a:lnTo>
+                <a:cubicBezTo>
+                  <a:pt x="8" y="3380"/>
+                  <a:pt x="17" y="6690"/>
+                  <a:pt x="25" y="10000"/>
+                </a:cubicBezTo>
+                <a:lnTo>
+                  <a:pt x="7275" y="9966"/>
+                </a:lnTo>
+                <a:lnTo>
+                  <a:pt x="7803" y="9966"/>
+                </a:lnTo>
+                <a:cubicBezTo>
+                  <a:pt x="7831" y="9966"/>
+                  <a:pt x="7859" y="9872"/>
+                  <a:pt x="7886" y="9872"/>
+                </a:cubicBezTo>
+                <a:cubicBezTo>
+                  <a:pt x="7886" y="9778"/>
+                  <a:pt x="7915" y="9778"/>
+                  <a:pt x="7915" y="9778"/>
+                </a:cubicBezTo>
+                <a:lnTo>
+                  <a:pt x="9248" y="5265"/>
+                </a:lnTo>
+                <a:cubicBezTo>
+                  <a:pt x="9303" y="5077"/>
+                  <a:pt x="9303" y="4889"/>
+                  <a:pt x="9248" y="4701"/>
+                </a:cubicBezTo>
+                <a:close/>
+              </a:path>
+            </a:pathLst>
+          </a:custGeom>
+          <a:solidFill>
+            <a:schemeClr val="accent1"/>
+          </a:solidFill>
+          <a:ln>
+            <a:noFill/>
+          </a:ln>
+        </p:spPr>
+      </p:sp>
+      <p:sp>
+        <p:nvSpPr>
+          <p:cNvPr id="1065" name="Rectangle 1064">
+            <a:extLst>
+              <a:ext uri="{FF2B5EF4-FFF2-40B4-BE49-F238E27FC236}">
+                <a16:creationId xmlns:a16="http://schemas.microsoft.com/office/drawing/2014/main" id="{6A55F051-97DE-49FF-BB21-0EDA63C246F1}"/>
+              </a:ext>
+              <a:ext uri="{C183D7F6-B498-43B3-948B-1728B52AA6E4}">
+                <adec:decorative xmlns:adec="http://schemas.microsoft.com/office/drawing/2017/decorative" val="1"/>
+              </a:ext>
+            </a:extLst>
+          </p:cNvPr>
+          <p:cNvSpPr>
+            <a:spLocks noGrp="1" noRot="1" noChangeAspect="1" noMove="1" noResize="1" noEditPoints="1" noAdjustHandles="1" noChangeArrowheads="1" noChangeShapeType="1" noTextEdit="1"/>
+          </p:cNvSpPr>
+          <p:nvPr>
+            <p:extLst>
+              <p:ext uri="{386F3935-93C4-4BCD-93E2-E3B085C9AB24}">
+                <p16:designElem xmlns:p16="http://schemas.microsoft.com/office/powerpoint/2015/main" val="1"/>
+              </p:ext>
+            </p:extLst>
+          </p:nvPr>
+        </p:nvSpPr>
+        <p:spPr>
+          <a:xfrm>
+            <a:off x="0" y="0"/>
+            <a:ext cx="12192000" cy="6858000"/>
+          </a:xfrm>
+          <a:prstGeom prst="rect">
+            <a:avLst/>
+          </a:prstGeom>
+          <a:solidFill>
+            <a:schemeClr val="bg2"/>
+          </a:solidFill>
+          <a:ln>
+            <a:noFill/>
+          </a:ln>
+        </p:spPr>
+        <p:style>
+          <a:lnRef idx="2">
+            <a:schemeClr val="accent1">
+              <a:shade val="50000"/>
+            </a:schemeClr>
+          </a:lnRef>
+          <a:fillRef idx="1">
+            <a:schemeClr val="accent1"/>
+          </a:fillRef>
+          <a:effectRef idx="0">
+            <a:schemeClr val="accent1"/>
+          </a:effectRef>
+          <a:fontRef idx="minor">
+            <a:schemeClr val="lt1"/>
+          </a:fontRef>
+        </p:style>
+        <p:txBody>
+          <a:bodyPr rtlCol="0" anchor="ctr"/>
+          <a:lstStyle/>
+          <a:p>
+            <a:pPr algn="ctr"/>
+            <a:endParaRPr lang="en-US"/>
+          </a:p>
+        </p:txBody>
+      </p:sp>
+      <p:sp>
+        <p:nvSpPr>
+          <p:cNvPr id="1067" name="Rectangle 1066">
+            <a:extLst>
+              <a:ext uri="{FF2B5EF4-FFF2-40B4-BE49-F238E27FC236}">
+                <a16:creationId xmlns:a16="http://schemas.microsoft.com/office/drawing/2014/main" id="{7E1612B4-AD89-404E-AE2A-48CCF1FE0538}"/>
+              </a:ext>
+              <a:ext uri="{C183D7F6-B498-43B3-948B-1728B52AA6E4}">
+                <adec:decorative xmlns:adec="http://schemas.microsoft.com/office/drawing/2017/decorative" val="1"/>
+              </a:ext>
+            </a:extLst>
+          </p:cNvPr>
+          <p:cNvSpPr>
+            <a:spLocks noGrp="1" noRot="1" noChangeAspect="1" noMove="1" noResize="1" noEditPoints="1" noAdjustHandles="1" noChangeArrowheads="1" noChangeShapeType="1" noTextEdit="1"/>
+          </p:cNvSpPr>
+          <p:nvPr>
+            <p:extLst>
+              <p:ext uri="{386F3935-93C4-4BCD-93E2-E3B085C9AB24}">
+                <p16:designElem xmlns:p16="http://schemas.microsoft.com/office/powerpoint/2015/main" val="1"/>
+              </p:ext>
+            </p:extLst>
+          </p:nvPr>
+        </p:nvSpPr>
+        <p:spPr>
+          <a:xfrm>
+            <a:off x="477012" y="480060"/>
+            <a:ext cx="11237976" cy="5897880"/>
+          </a:xfrm>
+          <a:prstGeom prst="rect">
+            <a:avLst/>
+          </a:prstGeom>
+          <a:solidFill>
+            <a:srgbClr val="FFFFFF"/>
+          </a:solidFill>
+          <a:ln w="25400" cap="sq">
+            <a:solidFill>
+              <a:srgbClr val="9BECFF"/>
+            </a:solidFill>
+            <a:miter lim="800000"/>
+          </a:ln>
+        </p:spPr>
+        <p:style>
+          <a:lnRef idx="2">
+            <a:schemeClr val="accent1">
+              <a:shade val="50000"/>
+            </a:schemeClr>
+          </a:lnRef>
+          <a:fillRef idx="1">
+            <a:schemeClr val="accent1"/>
+          </a:fillRef>
+          <a:effectRef idx="0">
+            <a:schemeClr val="accent1"/>
+          </a:effectRef>
+          <a:fontRef idx="minor">
+            <a:schemeClr val="lt1"/>
+          </a:fontRef>
+        </p:style>
+        <p:txBody>
+          <a:bodyPr rtlCol="0" anchor="ctr"/>
+          <a:lstStyle/>
+          <a:p>
+            <a:pPr algn="ctr"/>
+            <a:endParaRPr lang="en-US"/>
+          </a:p>
+        </p:txBody>
+      </p:sp>
       <p:pic>
         <p:nvPicPr>
-          <p:cNvPr id="5" name="Imagem 4">
+          <p:cNvPr id="1028" name="Picture 4">
             <a:extLst>
               <a:ext uri="{FF2B5EF4-FFF2-40B4-BE49-F238E27FC236}">
-                <a16:creationId xmlns:a16="http://schemas.microsoft.com/office/drawing/2014/main" id="{F106C30A-C4C8-1334-C50B-FC278E644665}"/>
+                <a16:creationId xmlns:a16="http://schemas.microsoft.com/office/drawing/2014/main" id="{37A97C72-F508-CD1A-4CA0-A978335E7013}"/>
               </a:ext>
             </a:extLst>
           </p:cNvPr>
           <p:cNvPicPr>
-            <a:picLocks noChangeAspect="1"/>
+            <a:picLocks noChangeAspect="1" noChangeArrowheads="1"/>
           </p:cNvPicPr>
           <p:nvPr/>
         </p:nvPicPr>
-        <p:blipFill>
-          <a:blip r:embed="rId2"/>
-          <a:stretch>
-            <a:fillRect/>
-          </a:stretch>
+        <p:blipFill rotWithShape="1">
+          <a:blip r:embed="rId2">
+            <a:extLst>
+              <a:ext uri="{28A0092B-C50C-407E-A947-70E740481C1C}">
+                <a14:useLocalDpi xmlns:a14="http://schemas.microsoft.com/office/drawing/2010/main" val="0"/>
+              </a:ext>
+            </a:extLst>
+          </a:blip>
+          <a:srcRect r="1" b="9180"/>
+          <a:stretch/>
         </p:blipFill>
-        <p:spPr>
+        <p:spPr bwMode="auto">
           <a:xfrm>
-            <a:off x="331620" y="1294573"/>
-            <a:ext cx="11528759" cy="4268853"/>
+            <a:off x="643467" y="643467"/>
+            <a:ext cx="10905066" cy="5571066"/>
           </a:xfrm>
           <a:prstGeom prst="rect">
             <a:avLst/>
           </a:prstGeom>
+          <a:noFill/>
+          <a:extLst>
+            <a:ext uri="{909E8E84-426E-40DD-AFC4-6F175D3DCCD1}">
+              <a14:hiddenFill xmlns:a14="http://schemas.microsoft.com/office/drawing/2010/main">
+                <a:solidFill>
+                  <a:srgbClr val="FFFFFF"/>
+                </a:solidFill>
+              </a14:hiddenFill>
+            </a:ext>
+          </a:extLst>
         </p:spPr>
       </p:pic>
     </p:spTree>
@@ -11968,6 +14465,32 @@
 <file path=ppt/slides/slide16.xml><?xml version="1.0" encoding="utf-8"?>
 <p:sld xmlns:a="http://schemas.openxmlformats.org/drawingml/2006/main" xmlns:r="http://schemas.openxmlformats.org/officeDocument/2006/relationships" xmlns:p="http://schemas.openxmlformats.org/presentationml/2006/main">
   <p:cSld>
+    <p:bg>
+      <p:bgPr>
+        <a:gradFill rotWithShape="1">
+          <a:gsLst>
+            <a:gs pos="0">
+              <a:schemeClr val="bg2">
+                <a:tint val="90000"/>
+                <a:satMod val="92000"/>
+                <a:lumMod val="120000"/>
+              </a:schemeClr>
+            </a:gs>
+            <a:gs pos="100000">
+              <a:schemeClr val="bg2">
+                <a:shade val="98000"/>
+                <a:satMod val="120000"/>
+                <a:lumMod val="98000"/>
+              </a:schemeClr>
+            </a:gs>
+          </a:gsLst>
+          <a:path path="circle">
+            <a:fillToRect l="50000" t="50000" r="100000" b="100000"/>
+          </a:path>
+        </a:gradFill>
+        <a:effectLst/>
+      </p:bgPr>
+    </p:bg>
     <p:spTree>
       <p:nvGrpSpPr>
         <p:cNvPr id="1" name=""/>
@@ -11982,34 +14505,2505 @@
           <a:chExt cx="0" cy="0"/>
         </a:xfrm>
       </p:grpSpPr>
+      <p:grpSp>
+        <p:nvGrpSpPr>
+          <p:cNvPr id="2055" name="Group 2054">
+            <a:extLst>
+              <a:ext uri="{FF2B5EF4-FFF2-40B4-BE49-F238E27FC236}">
+                <a16:creationId xmlns:a16="http://schemas.microsoft.com/office/drawing/2014/main" id="{58DF5B7A-7785-49C6-B4EB-252FF28C2132}"/>
+              </a:ext>
+              <a:ext uri="{C183D7F6-B498-43B3-948B-1728B52AA6E4}">
+                <adec:decorative xmlns:adec="http://schemas.microsoft.com/office/drawing/2017/decorative" val="1"/>
+              </a:ext>
+            </a:extLst>
+          </p:cNvPr>
+          <p:cNvGrpSpPr>
+            <a:grpSpLocks noGrp="1" noUngrp="1" noRot="1" noChangeAspect="1" noMove="1" noResize="1"/>
+          </p:cNvGrpSpPr>
+          <p:nvPr>
+            <p:extLst>
+              <p:ext uri="{386F3935-93C4-4BCD-93E2-E3B085C9AB24}">
+                <p16:designElem xmlns:p16="http://schemas.microsoft.com/office/powerpoint/2015/main" val="1"/>
+              </p:ext>
+            </p:extLst>
+          </p:nvPr>
+        </p:nvGrpSpPr>
+        <p:grpSpPr>
+          <a:xfrm>
+            <a:off x="9" y="228600"/>
+            <a:ext cx="2851523" cy="6638625"/>
+            <a:chOff x="2487613" y="285750"/>
+            <a:chExt cx="2428875" cy="5654676"/>
+          </a:xfrm>
+        </p:grpSpPr>
+        <p:sp>
+          <p:nvSpPr>
+            <p:cNvPr id="2056" name="Freeform 11">
+              <a:extLst>
+                <a:ext uri="{FF2B5EF4-FFF2-40B4-BE49-F238E27FC236}">
+                  <a16:creationId xmlns:a16="http://schemas.microsoft.com/office/drawing/2014/main" id="{78BD0529-90E2-47B4-8D13-CEE11A154183}"/>
+                </a:ext>
+                <a:ext uri="{C183D7F6-B498-43B3-948B-1728B52AA6E4}">
+                  <adec:decorative xmlns:adec="http://schemas.microsoft.com/office/drawing/2017/decorative" val="1"/>
+                </a:ext>
+              </a:extLst>
+            </p:cNvPr>
+            <p:cNvSpPr/>
+            <p:nvPr>
+              <p:extLst>
+                <p:ext uri="{386F3935-93C4-4BCD-93E2-E3B085C9AB24}">
+                  <p16:designElem xmlns:p16="http://schemas.microsoft.com/office/powerpoint/2015/main" val="1"/>
+                </p:ext>
+              </p:extLst>
+            </p:nvPr>
+          </p:nvSpPr>
+          <p:spPr bwMode="auto">
+            <a:xfrm>
+              <a:off x="2487613" y="2284413"/>
+              <a:ext cx="85725" cy="533400"/>
+            </a:xfrm>
+            <a:custGeom>
+              <a:avLst/>
+              <a:gdLst/>
+              <a:ahLst/>
+              <a:cxnLst/>
+              <a:rect l="0" t="0" r="r" b="b"/>
+              <a:pathLst>
+                <a:path w="22" h="136">
+                  <a:moveTo>
+                    <a:pt x="22" y="136"/>
+                  </a:moveTo>
+                  <a:cubicBezTo>
+                    <a:pt x="20" y="117"/>
+                    <a:pt x="19" y="99"/>
+                    <a:pt x="17" y="80"/>
+                  </a:cubicBezTo>
+                  <a:cubicBezTo>
+                    <a:pt x="11" y="54"/>
+                    <a:pt x="6" y="27"/>
+                    <a:pt x="0" y="0"/>
+                  </a:cubicBezTo>
+                  <a:cubicBezTo>
+                    <a:pt x="0" y="35"/>
+                    <a:pt x="0" y="35"/>
+                    <a:pt x="0" y="35"/>
+                  </a:cubicBezTo>
+                  <a:cubicBezTo>
+                    <a:pt x="6" y="64"/>
+                    <a:pt x="13" y="94"/>
+                    <a:pt x="20" y="124"/>
+                  </a:cubicBezTo>
+                  <a:cubicBezTo>
+                    <a:pt x="20" y="128"/>
+                    <a:pt x="21" y="132"/>
+                    <a:pt x="22" y="136"/>
+                  </a:cubicBezTo>
+                  <a:close/>
+                </a:path>
+              </a:pathLst>
+            </a:custGeom>
+            <a:solidFill>
+              <a:schemeClr val="tx2">
+                <a:alpha val="20000"/>
+              </a:schemeClr>
+            </a:solidFill>
+            <a:ln>
+              <a:noFill/>
+            </a:ln>
+          </p:spPr>
+        </p:sp>
+        <p:sp>
+          <p:nvSpPr>
+            <p:cNvPr id="2057" name="Freeform 12">
+              <a:extLst>
+                <a:ext uri="{FF2B5EF4-FFF2-40B4-BE49-F238E27FC236}">
+                  <a16:creationId xmlns:a16="http://schemas.microsoft.com/office/drawing/2014/main" id="{AE127430-162B-43FD-A02F-6E8AD8FD95EA}"/>
+                </a:ext>
+                <a:ext uri="{C183D7F6-B498-43B3-948B-1728B52AA6E4}">
+                  <adec:decorative xmlns:adec="http://schemas.microsoft.com/office/drawing/2017/decorative" val="1"/>
+                </a:ext>
+              </a:extLst>
+            </p:cNvPr>
+            <p:cNvSpPr/>
+            <p:nvPr>
+              <p:extLst>
+                <p:ext uri="{386F3935-93C4-4BCD-93E2-E3B085C9AB24}">
+                  <p16:designElem xmlns:p16="http://schemas.microsoft.com/office/powerpoint/2015/main" val="1"/>
+                </p:ext>
+              </p:extLst>
+            </p:nvPr>
+          </p:nvSpPr>
+          <p:spPr bwMode="auto">
+            <a:xfrm>
+              <a:off x="2597151" y="2779713"/>
+              <a:ext cx="550863" cy="1978025"/>
+            </a:xfrm>
+            <a:custGeom>
+              <a:avLst/>
+              <a:gdLst/>
+              <a:ahLst/>
+              <a:cxnLst/>
+              <a:rect l="0" t="0" r="r" b="b"/>
+              <a:pathLst>
+                <a:path w="140" h="504">
+                  <a:moveTo>
+                    <a:pt x="86" y="350"/>
+                  </a:moveTo>
+                  <a:cubicBezTo>
+                    <a:pt x="103" y="402"/>
+                    <a:pt x="120" y="453"/>
+                    <a:pt x="139" y="504"/>
+                  </a:cubicBezTo>
+                  <a:cubicBezTo>
+                    <a:pt x="139" y="495"/>
+                    <a:pt x="139" y="487"/>
+                    <a:pt x="140" y="478"/>
+                  </a:cubicBezTo>
+                  <a:cubicBezTo>
+                    <a:pt x="124" y="435"/>
+                    <a:pt x="109" y="391"/>
+                    <a:pt x="95" y="347"/>
+                  </a:cubicBezTo>
+                  <a:cubicBezTo>
+                    <a:pt x="58" y="233"/>
+                    <a:pt x="27" y="117"/>
+                    <a:pt x="0" y="0"/>
+                  </a:cubicBezTo>
+                  <a:cubicBezTo>
+                    <a:pt x="2" y="20"/>
+                    <a:pt x="4" y="41"/>
+                    <a:pt x="6" y="61"/>
+                  </a:cubicBezTo>
+                  <a:cubicBezTo>
+                    <a:pt x="30" y="158"/>
+                    <a:pt x="56" y="255"/>
+                    <a:pt x="86" y="350"/>
+                  </a:cubicBezTo>
+                  <a:close/>
+                </a:path>
+              </a:pathLst>
+            </a:custGeom>
+            <a:solidFill>
+              <a:schemeClr val="tx2">
+                <a:alpha val="20000"/>
+              </a:schemeClr>
+            </a:solidFill>
+            <a:ln>
+              <a:noFill/>
+            </a:ln>
+          </p:spPr>
+        </p:sp>
+        <p:sp>
+          <p:nvSpPr>
+            <p:cNvPr id="2058" name="Freeform 13">
+              <a:extLst>
+                <a:ext uri="{FF2B5EF4-FFF2-40B4-BE49-F238E27FC236}">
+                  <a16:creationId xmlns:a16="http://schemas.microsoft.com/office/drawing/2014/main" id="{7A6023CB-BCF4-4A3C-B04B-EFF677921718}"/>
+                </a:ext>
+                <a:ext uri="{C183D7F6-B498-43B3-948B-1728B52AA6E4}">
+                  <adec:decorative xmlns:adec="http://schemas.microsoft.com/office/drawing/2017/decorative" val="1"/>
+                </a:ext>
+              </a:extLst>
+            </p:cNvPr>
+            <p:cNvSpPr/>
+            <p:nvPr>
+              <p:extLst>
+                <p:ext uri="{386F3935-93C4-4BCD-93E2-E3B085C9AB24}">
+                  <p16:designElem xmlns:p16="http://schemas.microsoft.com/office/powerpoint/2015/main" val="1"/>
+                </p:ext>
+              </p:extLst>
+            </p:nvPr>
+          </p:nvSpPr>
+          <p:spPr bwMode="auto">
+            <a:xfrm>
+              <a:off x="3175001" y="4730750"/>
+              <a:ext cx="519113" cy="1209675"/>
+            </a:xfrm>
+            <a:custGeom>
+              <a:avLst/>
+              <a:gdLst/>
+              <a:ahLst/>
+              <a:cxnLst/>
+              <a:rect l="0" t="0" r="r" b="b"/>
+              <a:pathLst>
+                <a:path w="132" h="308">
+                  <a:moveTo>
+                    <a:pt x="8" y="22"/>
+                  </a:moveTo>
+                  <a:cubicBezTo>
+                    <a:pt x="5" y="15"/>
+                    <a:pt x="2" y="8"/>
+                    <a:pt x="0" y="0"/>
+                  </a:cubicBezTo>
+                  <a:cubicBezTo>
+                    <a:pt x="0" y="10"/>
+                    <a:pt x="0" y="19"/>
+                    <a:pt x="0" y="29"/>
+                  </a:cubicBezTo>
+                  <a:cubicBezTo>
+                    <a:pt x="21" y="85"/>
+                    <a:pt x="44" y="140"/>
+                    <a:pt x="68" y="194"/>
+                  </a:cubicBezTo>
+                  <a:cubicBezTo>
+                    <a:pt x="85" y="232"/>
+                    <a:pt x="104" y="270"/>
+                    <a:pt x="123" y="308"/>
+                  </a:cubicBezTo>
+                  <a:cubicBezTo>
+                    <a:pt x="132" y="308"/>
+                    <a:pt x="132" y="308"/>
+                    <a:pt x="132" y="308"/>
+                  </a:cubicBezTo>
+                  <a:cubicBezTo>
+                    <a:pt x="113" y="269"/>
+                    <a:pt x="94" y="230"/>
+                    <a:pt x="77" y="190"/>
+                  </a:cubicBezTo>
+                  <a:cubicBezTo>
+                    <a:pt x="52" y="135"/>
+                    <a:pt x="29" y="79"/>
+                    <a:pt x="8" y="22"/>
+                  </a:cubicBezTo>
+                  <a:close/>
+                </a:path>
+              </a:pathLst>
+            </a:custGeom>
+            <a:solidFill>
+              <a:schemeClr val="tx2">
+                <a:alpha val="20000"/>
+              </a:schemeClr>
+            </a:solidFill>
+            <a:ln>
+              <a:noFill/>
+            </a:ln>
+          </p:spPr>
+        </p:sp>
+        <p:sp>
+          <p:nvSpPr>
+            <p:cNvPr id="2059" name="Freeform 14">
+              <a:extLst>
+                <a:ext uri="{FF2B5EF4-FFF2-40B4-BE49-F238E27FC236}">
+                  <a16:creationId xmlns:a16="http://schemas.microsoft.com/office/drawing/2014/main" id="{98B0FCF0-0865-45E1-977A-5BFDD0EFCA87}"/>
+                </a:ext>
+                <a:ext uri="{C183D7F6-B498-43B3-948B-1728B52AA6E4}">
+                  <adec:decorative xmlns:adec="http://schemas.microsoft.com/office/drawing/2017/decorative" val="1"/>
+                </a:ext>
+              </a:extLst>
+            </p:cNvPr>
+            <p:cNvSpPr/>
+            <p:nvPr>
+              <p:extLst>
+                <p:ext uri="{386F3935-93C4-4BCD-93E2-E3B085C9AB24}">
+                  <p16:designElem xmlns:p16="http://schemas.microsoft.com/office/powerpoint/2015/main" val="1"/>
+                </p:ext>
+              </p:extLst>
+            </p:nvPr>
+          </p:nvSpPr>
+          <p:spPr bwMode="auto">
+            <a:xfrm>
+              <a:off x="3305176" y="5630863"/>
+              <a:ext cx="146050" cy="309563"/>
+            </a:xfrm>
+            <a:custGeom>
+              <a:avLst/>
+              <a:gdLst/>
+              <a:ahLst/>
+              <a:cxnLst/>
+              <a:rect l="0" t="0" r="r" b="b"/>
+              <a:pathLst>
+                <a:path w="37" h="79">
+                  <a:moveTo>
+                    <a:pt x="28" y="79"/>
+                  </a:moveTo>
+                  <a:cubicBezTo>
+                    <a:pt x="37" y="79"/>
+                    <a:pt x="37" y="79"/>
+                    <a:pt x="37" y="79"/>
+                  </a:cubicBezTo>
+                  <a:cubicBezTo>
+                    <a:pt x="24" y="53"/>
+                    <a:pt x="12" y="27"/>
+                    <a:pt x="0" y="0"/>
+                  </a:cubicBezTo>
+                  <a:cubicBezTo>
+                    <a:pt x="8" y="27"/>
+                    <a:pt x="17" y="53"/>
+                    <a:pt x="28" y="79"/>
+                  </a:cubicBezTo>
+                  <a:close/>
+                </a:path>
+              </a:pathLst>
+            </a:custGeom>
+            <a:solidFill>
+              <a:schemeClr val="tx2">
+                <a:alpha val="20000"/>
+              </a:schemeClr>
+            </a:solidFill>
+            <a:ln>
+              <a:noFill/>
+            </a:ln>
+          </p:spPr>
+        </p:sp>
+        <p:sp>
+          <p:nvSpPr>
+            <p:cNvPr id="2060" name="Freeform 15">
+              <a:extLst>
+                <a:ext uri="{FF2B5EF4-FFF2-40B4-BE49-F238E27FC236}">
+                  <a16:creationId xmlns:a16="http://schemas.microsoft.com/office/drawing/2014/main" id="{C1FF2792-ADB4-44D2-B7EF-6E3503725DB9}"/>
+                </a:ext>
+                <a:ext uri="{C183D7F6-B498-43B3-948B-1728B52AA6E4}">
+                  <adec:decorative xmlns:adec="http://schemas.microsoft.com/office/drawing/2017/decorative" val="1"/>
+                </a:ext>
+              </a:extLst>
+            </p:cNvPr>
+            <p:cNvSpPr/>
+            <p:nvPr>
+              <p:extLst>
+                <p:ext uri="{386F3935-93C4-4BCD-93E2-E3B085C9AB24}">
+                  <p16:designElem xmlns:p16="http://schemas.microsoft.com/office/powerpoint/2015/main" val="1"/>
+                </p:ext>
+              </p:extLst>
+            </p:nvPr>
+          </p:nvSpPr>
+          <p:spPr bwMode="auto">
+            <a:xfrm>
+              <a:off x="2573338" y="2817813"/>
+              <a:ext cx="700088" cy="2835275"/>
+            </a:xfrm>
+            <a:custGeom>
+              <a:avLst/>
+              <a:gdLst/>
+              <a:ahLst/>
+              <a:cxnLst/>
+              <a:rect l="0" t="0" r="r" b="b"/>
+              <a:pathLst>
+                <a:path w="178" h="722">
+                  <a:moveTo>
+                    <a:pt x="162" y="660"/>
+                  </a:moveTo>
+                  <a:cubicBezTo>
+                    <a:pt x="145" y="618"/>
+                    <a:pt x="130" y="576"/>
+                    <a:pt x="116" y="534"/>
+                  </a:cubicBezTo>
+                  <a:cubicBezTo>
+                    <a:pt x="84" y="437"/>
+                    <a:pt x="59" y="337"/>
+                    <a:pt x="40" y="236"/>
+                  </a:cubicBezTo>
+                  <a:cubicBezTo>
+                    <a:pt x="29" y="175"/>
+                    <a:pt x="20" y="113"/>
+                    <a:pt x="12" y="51"/>
+                  </a:cubicBezTo>
+                  <a:cubicBezTo>
+                    <a:pt x="8" y="34"/>
+                    <a:pt x="4" y="17"/>
+                    <a:pt x="0" y="0"/>
+                  </a:cubicBezTo>
+                  <a:cubicBezTo>
+                    <a:pt x="8" y="79"/>
+                    <a:pt x="19" y="159"/>
+                    <a:pt x="33" y="237"/>
+                  </a:cubicBezTo>
+                  <a:cubicBezTo>
+                    <a:pt x="51" y="339"/>
+                    <a:pt x="76" y="439"/>
+                    <a:pt x="107" y="537"/>
+                  </a:cubicBezTo>
+                  <a:cubicBezTo>
+                    <a:pt x="123" y="586"/>
+                    <a:pt x="141" y="634"/>
+                    <a:pt x="160" y="681"/>
+                  </a:cubicBezTo>
+                  <a:cubicBezTo>
+                    <a:pt x="166" y="695"/>
+                    <a:pt x="172" y="708"/>
+                    <a:pt x="178" y="722"/>
+                  </a:cubicBezTo>
+                  <a:cubicBezTo>
+                    <a:pt x="176" y="717"/>
+                    <a:pt x="175" y="713"/>
+                    <a:pt x="174" y="708"/>
+                  </a:cubicBezTo>
+                  <a:cubicBezTo>
+                    <a:pt x="169" y="692"/>
+                    <a:pt x="165" y="676"/>
+                    <a:pt x="162" y="660"/>
+                  </a:cubicBezTo>
+                  <a:close/>
+                </a:path>
+              </a:pathLst>
+            </a:custGeom>
+            <a:solidFill>
+              <a:schemeClr val="tx2">
+                <a:alpha val="20000"/>
+              </a:schemeClr>
+            </a:solidFill>
+            <a:ln>
+              <a:noFill/>
+            </a:ln>
+          </p:spPr>
+        </p:sp>
+        <p:sp>
+          <p:nvSpPr>
+            <p:cNvPr id="2061" name="Freeform 16">
+              <a:extLst>
+                <a:ext uri="{FF2B5EF4-FFF2-40B4-BE49-F238E27FC236}">
+                  <a16:creationId xmlns:a16="http://schemas.microsoft.com/office/drawing/2014/main" id="{B7B0F0A2-D4CD-4EA5-96E9-9E282F25CD05}"/>
+                </a:ext>
+                <a:ext uri="{C183D7F6-B498-43B3-948B-1728B52AA6E4}">
+                  <adec:decorative xmlns:adec="http://schemas.microsoft.com/office/drawing/2017/decorative" val="1"/>
+                </a:ext>
+              </a:extLst>
+            </p:cNvPr>
+            <p:cNvSpPr/>
+            <p:nvPr>
+              <p:extLst>
+                <p:ext uri="{386F3935-93C4-4BCD-93E2-E3B085C9AB24}">
+                  <p16:designElem xmlns:p16="http://schemas.microsoft.com/office/powerpoint/2015/main" val="1"/>
+                </p:ext>
+              </p:extLst>
+            </p:nvPr>
+          </p:nvSpPr>
+          <p:spPr bwMode="auto">
+            <a:xfrm>
+              <a:off x="2506663" y="285750"/>
+              <a:ext cx="90488" cy="2493963"/>
+            </a:xfrm>
+            <a:custGeom>
+              <a:avLst/>
+              <a:gdLst/>
+              <a:ahLst/>
+              <a:cxnLst/>
+              <a:rect l="0" t="0" r="r" b="b"/>
+              <a:pathLst>
+                <a:path w="23" h="635">
+                  <a:moveTo>
+                    <a:pt x="11" y="577"/>
+                  </a:moveTo>
+                  <a:cubicBezTo>
+                    <a:pt x="12" y="581"/>
+                    <a:pt x="12" y="585"/>
+                    <a:pt x="12" y="589"/>
+                  </a:cubicBezTo>
+                  <a:cubicBezTo>
+                    <a:pt x="15" y="603"/>
+                    <a:pt x="19" y="617"/>
+                    <a:pt x="22" y="632"/>
+                  </a:cubicBezTo>
+                  <a:cubicBezTo>
+                    <a:pt x="22" y="633"/>
+                    <a:pt x="22" y="634"/>
+                    <a:pt x="23" y="635"/>
+                  </a:cubicBezTo>
+                  <a:cubicBezTo>
+                    <a:pt x="21" y="615"/>
+                    <a:pt x="19" y="596"/>
+                    <a:pt x="17" y="576"/>
+                  </a:cubicBezTo>
+                  <a:cubicBezTo>
+                    <a:pt x="9" y="474"/>
+                    <a:pt x="5" y="372"/>
+                    <a:pt x="5" y="269"/>
+                  </a:cubicBezTo>
+                  <a:cubicBezTo>
+                    <a:pt x="6" y="179"/>
+                    <a:pt x="9" y="90"/>
+                    <a:pt x="15" y="0"/>
+                  </a:cubicBezTo>
+                  <a:cubicBezTo>
+                    <a:pt x="12" y="0"/>
+                    <a:pt x="12" y="0"/>
+                    <a:pt x="12" y="0"/>
+                  </a:cubicBezTo>
+                  <a:cubicBezTo>
+                    <a:pt x="5" y="89"/>
+                    <a:pt x="2" y="179"/>
+                    <a:pt x="1" y="269"/>
+                  </a:cubicBezTo>
+                  <a:cubicBezTo>
+                    <a:pt x="0" y="372"/>
+                    <a:pt x="3" y="474"/>
+                    <a:pt x="11" y="577"/>
+                  </a:cubicBezTo>
+                  <a:close/>
+                </a:path>
+              </a:pathLst>
+            </a:custGeom>
+            <a:solidFill>
+              <a:schemeClr val="tx2">
+                <a:alpha val="20000"/>
+              </a:schemeClr>
+            </a:solidFill>
+            <a:ln>
+              <a:noFill/>
+            </a:ln>
+          </p:spPr>
+        </p:sp>
+        <p:sp>
+          <p:nvSpPr>
+            <p:cNvPr id="2062" name="Freeform 17">
+              <a:extLst>
+                <a:ext uri="{FF2B5EF4-FFF2-40B4-BE49-F238E27FC236}">
+                  <a16:creationId xmlns:a16="http://schemas.microsoft.com/office/drawing/2014/main" id="{FBBC4912-27C6-4C5E-9C40-AE9B6644E54A}"/>
+                </a:ext>
+                <a:ext uri="{C183D7F6-B498-43B3-948B-1728B52AA6E4}">
+                  <adec:decorative xmlns:adec="http://schemas.microsoft.com/office/drawing/2017/decorative" val="1"/>
+                </a:ext>
+              </a:extLst>
+            </p:cNvPr>
+            <p:cNvSpPr/>
+            <p:nvPr>
+              <p:extLst>
+                <p:ext uri="{386F3935-93C4-4BCD-93E2-E3B085C9AB24}">
+                  <p16:designElem xmlns:p16="http://schemas.microsoft.com/office/powerpoint/2015/main" val="1"/>
+                </p:ext>
+              </p:extLst>
+            </p:nvPr>
+          </p:nvSpPr>
+          <p:spPr bwMode="auto">
+            <a:xfrm>
+              <a:off x="2554288" y="2598738"/>
+              <a:ext cx="66675" cy="420688"/>
+            </a:xfrm>
+            <a:custGeom>
+              <a:avLst/>
+              <a:gdLst/>
+              <a:ahLst/>
+              <a:cxnLst/>
+              <a:rect l="0" t="0" r="r" b="b"/>
+              <a:pathLst>
+                <a:path w="17" h="107">
+                  <a:moveTo>
+                    <a:pt x="0" y="0"/>
+                  </a:moveTo>
+                  <a:cubicBezTo>
+                    <a:pt x="2" y="19"/>
+                    <a:pt x="3" y="37"/>
+                    <a:pt x="5" y="56"/>
+                  </a:cubicBezTo>
+                  <a:cubicBezTo>
+                    <a:pt x="9" y="73"/>
+                    <a:pt x="13" y="90"/>
+                    <a:pt x="17" y="107"/>
+                  </a:cubicBezTo>
+                  <a:cubicBezTo>
+                    <a:pt x="15" y="87"/>
+                    <a:pt x="13" y="66"/>
+                    <a:pt x="11" y="46"/>
+                  </a:cubicBezTo>
+                  <a:cubicBezTo>
+                    <a:pt x="10" y="45"/>
+                    <a:pt x="10" y="44"/>
+                    <a:pt x="10" y="43"/>
+                  </a:cubicBezTo>
+                  <a:cubicBezTo>
+                    <a:pt x="7" y="28"/>
+                    <a:pt x="3" y="14"/>
+                    <a:pt x="0" y="0"/>
+                  </a:cubicBezTo>
+                  <a:close/>
+                </a:path>
+              </a:pathLst>
+            </a:custGeom>
+            <a:solidFill>
+              <a:schemeClr val="tx2">
+                <a:alpha val="20000"/>
+              </a:schemeClr>
+            </a:solidFill>
+            <a:ln>
+              <a:noFill/>
+            </a:ln>
+          </p:spPr>
+        </p:sp>
+        <p:sp>
+          <p:nvSpPr>
+            <p:cNvPr id="2063" name="Freeform 18">
+              <a:extLst>
+                <a:ext uri="{FF2B5EF4-FFF2-40B4-BE49-F238E27FC236}">
+                  <a16:creationId xmlns:a16="http://schemas.microsoft.com/office/drawing/2014/main" id="{127E474D-BE64-49E8-8C82-691642D0BCD1}"/>
+                </a:ext>
+                <a:ext uri="{C183D7F6-B498-43B3-948B-1728B52AA6E4}">
+                  <adec:decorative xmlns:adec="http://schemas.microsoft.com/office/drawing/2017/decorative" val="1"/>
+                </a:ext>
+              </a:extLst>
+            </p:cNvPr>
+            <p:cNvSpPr/>
+            <p:nvPr>
+              <p:extLst>
+                <p:ext uri="{386F3935-93C4-4BCD-93E2-E3B085C9AB24}">
+                  <p16:designElem xmlns:p16="http://schemas.microsoft.com/office/powerpoint/2015/main" val="1"/>
+                </p:ext>
+              </p:extLst>
+            </p:nvPr>
+          </p:nvSpPr>
+          <p:spPr bwMode="auto">
+            <a:xfrm>
+              <a:off x="3143251" y="4757738"/>
+              <a:ext cx="161925" cy="873125"/>
+            </a:xfrm>
+            <a:custGeom>
+              <a:avLst/>
+              <a:gdLst/>
+              <a:ahLst/>
+              <a:cxnLst/>
+              <a:rect l="0" t="0" r="r" b="b"/>
+              <a:pathLst>
+                <a:path w="41" h="222">
+                  <a:moveTo>
+                    <a:pt x="0" y="0"/>
+                  </a:moveTo>
+                  <a:cubicBezTo>
+                    <a:pt x="0" y="31"/>
+                    <a:pt x="2" y="62"/>
+                    <a:pt x="5" y="93"/>
+                  </a:cubicBezTo>
+                  <a:cubicBezTo>
+                    <a:pt x="8" y="117"/>
+                    <a:pt x="12" y="142"/>
+                    <a:pt x="17" y="166"/>
+                  </a:cubicBezTo>
+                  <a:cubicBezTo>
+                    <a:pt x="19" y="172"/>
+                    <a:pt x="22" y="178"/>
+                    <a:pt x="24" y="184"/>
+                  </a:cubicBezTo>
+                  <a:cubicBezTo>
+                    <a:pt x="30" y="197"/>
+                    <a:pt x="35" y="209"/>
+                    <a:pt x="41" y="222"/>
+                  </a:cubicBezTo>
+                  <a:cubicBezTo>
+                    <a:pt x="40" y="219"/>
+                    <a:pt x="39" y="215"/>
+                    <a:pt x="38" y="212"/>
+                  </a:cubicBezTo>
+                  <a:cubicBezTo>
+                    <a:pt x="26" y="172"/>
+                    <a:pt x="18" y="132"/>
+                    <a:pt x="13" y="92"/>
+                  </a:cubicBezTo>
+                  <a:cubicBezTo>
+                    <a:pt x="11" y="68"/>
+                    <a:pt x="9" y="45"/>
+                    <a:pt x="8" y="22"/>
+                  </a:cubicBezTo>
+                  <a:cubicBezTo>
+                    <a:pt x="8" y="21"/>
+                    <a:pt x="7" y="20"/>
+                    <a:pt x="7" y="18"/>
+                  </a:cubicBezTo>
+                  <a:cubicBezTo>
+                    <a:pt x="5" y="12"/>
+                    <a:pt x="2" y="6"/>
+                    <a:pt x="0" y="0"/>
+                  </a:cubicBezTo>
+                  <a:close/>
+                </a:path>
+              </a:pathLst>
+            </a:custGeom>
+            <a:solidFill>
+              <a:schemeClr val="tx2">
+                <a:alpha val="20000"/>
+              </a:schemeClr>
+            </a:solidFill>
+            <a:ln>
+              <a:noFill/>
+            </a:ln>
+          </p:spPr>
+        </p:sp>
+        <p:sp>
+          <p:nvSpPr>
+            <p:cNvPr id="2064" name="Freeform 19">
+              <a:extLst>
+                <a:ext uri="{FF2B5EF4-FFF2-40B4-BE49-F238E27FC236}">
+                  <a16:creationId xmlns:a16="http://schemas.microsoft.com/office/drawing/2014/main" id="{A385E451-43CB-441B-83EE-28ACB6BCBC89}"/>
+                </a:ext>
+                <a:ext uri="{C183D7F6-B498-43B3-948B-1728B52AA6E4}">
+                  <adec:decorative xmlns:adec="http://schemas.microsoft.com/office/drawing/2017/decorative" val="1"/>
+                </a:ext>
+              </a:extLst>
+            </p:cNvPr>
+            <p:cNvSpPr/>
+            <p:nvPr>
+              <p:extLst>
+                <p:ext uri="{386F3935-93C4-4BCD-93E2-E3B085C9AB24}">
+                  <p16:designElem xmlns:p16="http://schemas.microsoft.com/office/powerpoint/2015/main" val="1"/>
+                </p:ext>
+              </p:extLst>
+            </p:nvPr>
+          </p:nvSpPr>
+          <p:spPr bwMode="auto">
+            <a:xfrm>
+              <a:off x="3148013" y="1282700"/>
+              <a:ext cx="1768475" cy="3448050"/>
+            </a:xfrm>
+            <a:custGeom>
+              <a:avLst/>
+              <a:gdLst/>
+              <a:ahLst/>
+              <a:cxnLst/>
+              <a:rect l="0" t="0" r="r" b="b"/>
+              <a:pathLst>
+                <a:path w="450" h="878">
+                  <a:moveTo>
+                    <a:pt x="7" y="854"/>
+                  </a:moveTo>
+                  <a:cubicBezTo>
+                    <a:pt x="10" y="772"/>
+                    <a:pt x="26" y="691"/>
+                    <a:pt x="50" y="613"/>
+                  </a:cubicBezTo>
+                  <a:cubicBezTo>
+                    <a:pt x="75" y="535"/>
+                    <a:pt x="109" y="460"/>
+                    <a:pt x="149" y="388"/>
+                  </a:cubicBezTo>
+                  <a:cubicBezTo>
+                    <a:pt x="189" y="316"/>
+                    <a:pt x="235" y="248"/>
+                    <a:pt x="285" y="183"/>
+                  </a:cubicBezTo>
+                  <a:cubicBezTo>
+                    <a:pt x="310" y="151"/>
+                    <a:pt x="337" y="119"/>
+                    <a:pt x="364" y="89"/>
+                  </a:cubicBezTo>
+                  <a:cubicBezTo>
+                    <a:pt x="378" y="74"/>
+                    <a:pt x="392" y="58"/>
+                    <a:pt x="406" y="44"/>
+                  </a:cubicBezTo>
+                  <a:cubicBezTo>
+                    <a:pt x="421" y="29"/>
+                    <a:pt x="435" y="15"/>
+                    <a:pt x="450" y="1"/>
+                  </a:cubicBezTo>
+                  <a:cubicBezTo>
+                    <a:pt x="450" y="0"/>
+                    <a:pt x="450" y="0"/>
+                    <a:pt x="450" y="0"/>
+                  </a:cubicBezTo>
+                  <a:cubicBezTo>
+                    <a:pt x="434" y="14"/>
+                    <a:pt x="420" y="28"/>
+                    <a:pt x="405" y="43"/>
+                  </a:cubicBezTo>
+                  <a:cubicBezTo>
+                    <a:pt x="391" y="57"/>
+                    <a:pt x="377" y="72"/>
+                    <a:pt x="363" y="88"/>
+                  </a:cubicBezTo>
+                  <a:cubicBezTo>
+                    <a:pt x="335" y="118"/>
+                    <a:pt x="308" y="149"/>
+                    <a:pt x="283" y="181"/>
+                  </a:cubicBezTo>
+                  <a:cubicBezTo>
+                    <a:pt x="232" y="246"/>
+                    <a:pt x="185" y="314"/>
+                    <a:pt x="145" y="386"/>
+                  </a:cubicBezTo>
+                  <a:cubicBezTo>
+                    <a:pt x="104" y="457"/>
+                    <a:pt x="70" y="533"/>
+                    <a:pt x="45" y="611"/>
+                  </a:cubicBezTo>
+                  <a:cubicBezTo>
+                    <a:pt x="19" y="690"/>
+                    <a:pt x="3" y="771"/>
+                    <a:pt x="0" y="854"/>
+                  </a:cubicBezTo>
+                  <a:cubicBezTo>
+                    <a:pt x="0" y="856"/>
+                    <a:pt x="0" y="857"/>
+                    <a:pt x="0" y="859"/>
+                  </a:cubicBezTo>
+                  <a:cubicBezTo>
+                    <a:pt x="2" y="865"/>
+                    <a:pt x="4" y="872"/>
+                    <a:pt x="7" y="878"/>
+                  </a:cubicBezTo>
+                  <a:cubicBezTo>
+                    <a:pt x="7" y="870"/>
+                    <a:pt x="7" y="862"/>
+                    <a:pt x="7" y="854"/>
+                  </a:cubicBezTo>
+                  <a:close/>
+                </a:path>
+              </a:pathLst>
+            </a:custGeom>
+            <a:solidFill>
+              <a:schemeClr val="tx2">
+                <a:alpha val="20000"/>
+              </a:schemeClr>
+            </a:solidFill>
+            <a:ln>
+              <a:noFill/>
+            </a:ln>
+          </p:spPr>
+        </p:sp>
+        <p:sp>
+          <p:nvSpPr>
+            <p:cNvPr id="2065" name="Freeform 20">
+              <a:extLst>
+                <a:ext uri="{FF2B5EF4-FFF2-40B4-BE49-F238E27FC236}">
+                  <a16:creationId xmlns:a16="http://schemas.microsoft.com/office/drawing/2014/main" id="{5BF91B89-051C-49D8-9029-83A1F52B0E38}"/>
+                </a:ext>
+                <a:ext uri="{C183D7F6-B498-43B3-948B-1728B52AA6E4}">
+                  <adec:decorative xmlns:adec="http://schemas.microsoft.com/office/drawing/2017/decorative" val="1"/>
+                </a:ext>
+              </a:extLst>
+            </p:cNvPr>
+            <p:cNvSpPr/>
+            <p:nvPr>
+              <p:extLst>
+                <p:ext uri="{386F3935-93C4-4BCD-93E2-E3B085C9AB24}">
+                  <p16:designElem xmlns:p16="http://schemas.microsoft.com/office/powerpoint/2015/main" val="1"/>
+                </p:ext>
+              </p:extLst>
+            </p:nvPr>
+          </p:nvSpPr>
+          <p:spPr bwMode="auto">
+            <a:xfrm>
+              <a:off x="3273426" y="5653088"/>
+              <a:ext cx="138113" cy="287338"/>
+            </a:xfrm>
+            <a:custGeom>
+              <a:avLst/>
+              <a:gdLst/>
+              <a:ahLst/>
+              <a:cxnLst/>
+              <a:rect l="0" t="0" r="r" b="b"/>
+              <a:pathLst>
+                <a:path w="35" h="73">
+                  <a:moveTo>
+                    <a:pt x="0" y="0"/>
+                  </a:moveTo>
+                  <a:cubicBezTo>
+                    <a:pt x="7" y="24"/>
+                    <a:pt x="16" y="49"/>
+                    <a:pt x="26" y="73"/>
+                  </a:cubicBezTo>
+                  <a:cubicBezTo>
+                    <a:pt x="35" y="73"/>
+                    <a:pt x="35" y="73"/>
+                    <a:pt x="35" y="73"/>
+                  </a:cubicBezTo>
+                  <a:cubicBezTo>
+                    <a:pt x="23" y="49"/>
+                    <a:pt x="11" y="24"/>
+                    <a:pt x="0" y="0"/>
+                  </a:cubicBezTo>
+                  <a:close/>
+                </a:path>
+              </a:pathLst>
+            </a:custGeom>
+            <a:solidFill>
+              <a:schemeClr val="tx2">
+                <a:alpha val="20000"/>
+              </a:schemeClr>
+            </a:solidFill>
+            <a:ln>
+              <a:noFill/>
+            </a:ln>
+          </p:spPr>
+        </p:sp>
+        <p:sp>
+          <p:nvSpPr>
+            <p:cNvPr id="2066" name="Freeform 21">
+              <a:extLst>
+                <a:ext uri="{FF2B5EF4-FFF2-40B4-BE49-F238E27FC236}">
+                  <a16:creationId xmlns:a16="http://schemas.microsoft.com/office/drawing/2014/main" id="{42329880-D64F-4074-ABE4-348FDC7FB1F4}"/>
+                </a:ext>
+                <a:ext uri="{C183D7F6-B498-43B3-948B-1728B52AA6E4}">
+                  <adec:decorative xmlns:adec="http://schemas.microsoft.com/office/drawing/2017/decorative" val="1"/>
+                </a:ext>
+              </a:extLst>
+            </p:cNvPr>
+            <p:cNvSpPr/>
+            <p:nvPr>
+              <p:extLst>
+                <p:ext uri="{386F3935-93C4-4BCD-93E2-E3B085C9AB24}">
+                  <p16:designElem xmlns:p16="http://schemas.microsoft.com/office/powerpoint/2015/main" val="1"/>
+                </p:ext>
+              </p:extLst>
+            </p:nvPr>
+          </p:nvSpPr>
+          <p:spPr bwMode="auto">
+            <a:xfrm>
+              <a:off x="3143251" y="4656138"/>
+              <a:ext cx="31750" cy="188913"/>
+            </a:xfrm>
+            <a:custGeom>
+              <a:avLst/>
+              <a:gdLst/>
+              <a:ahLst/>
+              <a:cxnLst/>
+              <a:rect l="0" t="0" r="r" b="b"/>
+              <a:pathLst>
+                <a:path w="8" h="48">
+                  <a:moveTo>
+                    <a:pt x="7" y="44"/>
+                  </a:moveTo>
+                  <a:cubicBezTo>
+                    <a:pt x="7" y="46"/>
+                    <a:pt x="8" y="47"/>
+                    <a:pt x="8" y="48"/>
+                  </a:cubicBezTo>
+                  <a:cubicBezTo>
+                    <a:pt x="8" y="38"/>
+                    <a:pt x="8" y="29"/>
+                    <a:pt x="8" y="19"/>
+                  </a:cubicBezTo>
+                  <a:cubicBezTo>
+                    <a:pt x="5" y="13"/>
+                    <a:pt x="3" y="6"/>
+                    <a:pt x="1" y="0"/>
+                  </a:cubicBezTo>
+                  <a:cubicBezTo>
+                    <a:pt x="0" y="9"/>
+                    <a:pt x="0" y="17"/>
+                    <a:pt x="0" y="26"/>
+                  </a:cubicBezTo>
+                  <a:cubicBezTo>
+                    <a:pt x="2" y="32"/>
+                    <a:pt x="5" y="38"/>
+                    <a:pt x="7" y="44"/>
+                  </a:cubicBezTo>
+                  <a:close/>
+                </a:path>
+              </a:pathLst>
+            </a:custGeom>
+            <a:solidFill>
+              <a:schemeClr val="tx2">
+                <a:alpha val="20000"/>
+              </a:schemeClr>
+            </a:solidFill>
+            <a:ln>
+              <a:noFill/>
+            </a:ln>
+          </p:spPr>
+        </p:sp>
+        <p:sp>
+          <p:nvSpPr>
+            <p:cNvPr id="2067" name="Freeform 22">
+              <a:extLst>
+                <a:ext uri="{FF2B5EF4-FFF2-40B4-BE49-F238E27FC236}">
+                  <a16:creationId xmlns:a16="http://schemas.microsoft.com/office/drawing/2014/main" id="{2FAD4595-5B16-442B-A756-924FB136A5C6}"/>
+                </a:ext>
+                <a:ext uri="{C183D7F6-B498-43B3-948B-1728B52AA6E4}">
+                  <adec:decorative xmlns:adec="http://schemas.microsoft.com/office/drawing/2017/decorative" val="1"/>
+                </a:ext>
+              </a:extLst>
+            </p:cNvPr>
+            <p:cNvSpPr/>
+            <p:nvPr>
+              <p:extLst>
+                <p:ext uri="{386F3935-93C4-4BCD-93E2-E3B085C9AB24}">
+                  <p16:designElem xmlns:p16="http://schemas.microsoft.com/office/powerpoint/2015/main" val="1"/>
+                </p:ext>
+              </p:extLst>
+            </p:nvPr>
+          </p:nvSpPr>
+          <p:spPr bwMode="auto">
+            <a:xfrm>
+              <a:off x="3211513" y="5410200"/>
+              <a:ext cx="203200" cy="530225"/>
+            </a:xfrm>
+            <a:custGeom>
+              <a:avLst/>
+              <a:gdLst/>
+              <a:ahLst/>
+              <a:cxnLst/>
+              <a:rect l="0" t="0" r="r" b="b"/>
+              <a:pathLst>
+                <a:path w="52" h="135">
+                  <a:moveTo>
+                    <a:pt x="7" y="18"/>
+                  </a:moveTo>
+                  <a:cubicBezTo>
+                    <a:pt x="5" y="12"/>
+                    <a:pt x="2" y="6"/>
+                    <a:pt x="0" y="0"/>
+                  </a:cubicBezTo>
+                  <a:cubicBezTo>
+                    <a:pt x="3" y="16"/>
+                    <a:pt x="7" y="32"/>
+                    <a:pt x="12" y="48"/>
+                  </a:cubicBezTo>
+                  <a:cubicBezTo>
+                    <a:pt x="13" y="53"/>
+                    <a:pt x="14" y="57"/>
+                    <a:pt x="16" y="62"/>
+                  </a:cubicBezTo>
+                  <a:cubicBezTo>
+                    <a:pt x="27" y="86"/>
+                    <a:pt x="39" y="111"/>
+                    <a:pt x="51" y="135"/>
+                  </a:cubicBezTo>
+                  <a:cubicBezTo>
+                    <a:pt x="52" y="135"/>
+                    <a:pt x="52" y="135"/>
+                    <a:pt x="52" y="135"/>
+                  </a:cubicBezTo>
+                  <a:cubicBezTo>
+                    <a:pt x="41" y="109"/>
+                    <a:pt x="32" y="83"/>
+                    <a:pt x="24" y="56"/>
+                  </a:cubicBezTo>
+                  <a:cubicBezTo>
+                    <a:pt x="18" y="43"/>
+                    <a:pt x="13" y="31"/>
+                    <a:pt x="7" y="18"/>
+                  </a:cubicBezTo>
+                  <a:close/>
+                </a:path>
+              </a:pathLst>
+            </a:custGeom>
+            <a:solidFill>
+              <a:schemeClr val="tx2">
+                <a:alpha val="20000"/>
+              </a:schemeClr>
+            </a:solidFill>
+            <a:ln>
+              <a:noFill/>
+            </a:ln>
+          </p:spPr>
+        </p:sp>
+      </p:grpSp>
+      <p:grpSp>
+        <p:nvGrpSpPr>
+          <p:cNvPr id="2069" name="Group 2068">
+            <a:extLst>
+              <a:ext uri="{FF2B5EF4-FFF2-40B4-BE49-F238E27FC236}">
+                <a16:creationId xmlns:a16="http://schemas.microsoft.com/office/drawing/2014/main" id="{9F9B151E-1B34-4FA6-A53D-B92F787D9EAD}"/>
+              </a:ext>
+              <a:ext uri="{C183D7F6-B498-43B3-948B-1728B52AA6E4}">
+                <adec:decorative xmlns:adec="http://schemas.microsoft.com/office/drawing/2017/decorative" val="1"/>
+              </a:ext>
+            </a:extLst>
+          </p:cNvPr>
+          <p:cNvGrpSpPr>
+            <a:grpSpLocks noGrp="1" noUngrp="1" noRot="1" noChangeAspect="1" noMove="1" noResize="1"/>
+          </p:cNvGrpSpPr>
+          <p:nvPr>
+            <p:extLst>
+              <p:ext uri="{386F3935-93C4-4BCD-93E2-E3B085C9AB24}">
+                <p16:designElem xmlns:p16="http://schemas.microsoft.com/office/powerpoint/2015/main" val="1"/>
+              </p:ext>
+            </p:extLst>
+          </p:nvPr>
+        </p:nvGrpSpPr>
+        <p:grpSpPr>
+          <a:xfrm>
+            <a:off x="27224" y="-786"/>
+            <a:ext cx="2356675" cy="6854040"/>
+            <a:chOff x="6627813" y="194833"/>
+            <a:chExt cx="1952625" cy="5678918"/>
+          </a:xfrm>
+        </p:grpSpPr>
+        <p:sp>
+          <p:nvSpPr>
+            <p:cNvPr id="2070" name="Freeform 27">
+              <a:extLst>
+                <a:ext uri="{FF2B5EF4-FFF2-40B4-BE49-F238E27FC236}">
+                  <a16:creationId xmlns:a16="http://schemas.microsoft.com/office/drawing/2014/main" id="{617ED8F6-0AA2-4080-ADCB-6C7CE17598B9}"/>
+                </a:ext>
+                <a:ext uri="{C183D7F6-B498-43B3-948B-1728B52AA6E4}">
+                  <adec:decorative xmlns:adec="http://schemas.microsoft.com/office/drawing/2017/decorative" val="1"/>
+                </a:ext>
+              </a:extLst>
+            </p:cNvPr>
+            <p:cNvSpPr/>
+            <p:nvPr>
+              <p:extLst>
+                <p:ext uri="{386F3935-93C4-4BCD-93E2-E3B085C9AB24}">
+                  <p16:designElem xmlns:p16="http://schemas.microsoft.com/office/powerpoint/2015/main" val="1"/>
+                </p:ext>
+              </p:extLst>
+            </p:nvPr>
+          </p:nvSpPr>
+          <p:spPr bwMode="auto">
+            <a:xfrm>
+              <a:off x="6627813" y="194833"/>
+              <a:ext cx="409575" cy="3646488"/>
+            </a:xfrm>
+            <a:custGeom>
+              <a:avLst/>
+              <a:gdLst/>
+              <a:ahLst/>
+              <a:cxnLst/>
+              <a:rect l="0" t="0" r="r" b="b"/>
+              <a:pathLst>
+                <a:path w="103" h="920">
+                  <a:moveTo>
+                    <a:pt x="7" y="210"/>
+                  </a:moveTo>
+                  <a:cubicBezTo>
+                    <a:pt x="11" y="288"/>
+                    <a:pt x="17" y="367"/>
+                    <a:pt x="26" y="445"/>
+                  </a:cubicBezTo>
+                  <a:cubicBezTo>
+                    <a:pt x="34" y="523"/>
+                    <a:pt x="44" y="601"/>
+                    <a:pt x="57" y="679"/>
+                  </a:cubicBezTo>
+                  <a:cubicBezTo>
+                    <a:pt x="69" y="757"/>
+                    <a:pt x="84" y="834"/>
+                    <a:pt x="101" y="911"/>
+                  </a:cubicBezTo>
+                  <a:cubicBezTo>
+                    <a:pt x="102" y="914"/>
+                    <a:pt x="103" y="917"/>
+                    <a:pt x="103" y="920"/>
+                  </a:cubicBezTo>
+                  <a:cubicBezTo>
+                    <a:pt x="102" y="905"/>
+                    <a:pt x="100" y="889"/>
+                    <a:pt x="99" y="874"/>
+                  </a:cubicBezTo>
+                  <a:cubicBezTo>
+                    <a:pt x="99" y="871"/>
+                    <a:pt x="99" y="868"/>
+                    <a:pt x="99" y="866"/>
+                  </a:cubicBezTo>
+                  <a:cubicBezTo>
+                    <a:pt x="85" y="803"/>
+                    <a:pt x="73" y="741"/>
+                    <a:pt x="63" y="678"/>
+                  </a:cubicBezTo>
+                  <a:cubicBezTo>
+                    <a:pt x="50" y="600"/>
+                    <a:pt x="39" y="523"/>
+                    <a:pt x="30" y="444"/>
+                  </a:cubicBezTo>
+                  <a:cubicBezTo>
+                    <a:pt x="21" y="366"/>
+                    <a:pt x="14" y="288"/>
+                    <a:pt x="9" y="209"/>
+                  </a:cubicBezTo>
+                  <a:cubicBezTo>
+                    <a:pt x="7" y="170"/>
+                    <a:pt x="5" y="131"/>
+                    <a:pt x="3" y="92"/>
+                  </a:cubicBezTo>
+                  <a:cubicBezTo>
+                    <a:pt x="2" y="61"/>
+                    <a:pt x="1" y="31"/>
+                    <a:pt x="1" y="0"/>
+                  </a:cubicBezTo>
+                  <a:cubicBezTo>
+                    <a:pt x="0" y="0"/>
+                    <a:pt x="0" y="0"/>
+                    <a:pt x="0" y="0"/>
+                  </a:cubicBezTo>
+                  <a:cubicBezTo>
+                    <a:pt x="0" y="31"/>
+                    <a:pt x="1" y="61"/>
+                    <a:pt x="1" y="92"/>
+                  </a:cubicBezTo>
+                  <a:cubicBezTo>
+                    <a:pt x="3" y="131"/>
+                    <a:pt x="4" y="170"/>
+                    <a:pt x="7" y="210"/>
+                  </a:cubicBezTo>
+                  <a:close/>
+                </a:path>
+              </a:pathLst>
+            </a:custGeom>
+            <a:solidFill>
+              <a:schemeClr val="tx2"/>
+            </a:solidFill>
+            <a:ln>
+              <a:noFill/>
+            </a:ln>
+          </p:spPr>
+        </p:sp>
+        <p:sp>
+          <p:nvSpPr>
+            <p:cNvPr id="2071" name="Freeform 28">
+              <a:extLst>
+                <a:ext uri="{FF2B5EF4-FFF2-40B4-BE49-F238E27FC236}">
+                  <a16:creationId xmlns:a16="http://schemas.microsoft.com/office/drawing/2014/main" id="{76F017FD-AF02-4E22-A564-5DCC93F5368C}"/>
+                </a:ext>
+                <a:ext uri="{C183D7F6-B498-43B3-948B-1728B52AA6E4}">
+                  <adec:decorative xmlns:adec="http://schemas.microsoft.com/office/drawing/2017/decorative" val="1"/>
+                </a:ext>
+              </a:extLst>
+            </p:cNvPr>
+            <p:cNvSpPr/>
+            <p:nvPr>
+              <p:extLst>
+                <p:ext uri="{386F3935-93C4-4BCD-93E2-E3B085C9AB24}">
+                  <p16:designElem xmlns:p16="http://schemas.microsoft.com/office/powerpoint/2015/main" val="1"/>
+                </p:ext>
+              </p:extLst>
+            </p:nvPr>
+          </p:nvSpPr>
+          <p:spPr bwMode="auto">
+            <a:xfrm>
+              <a:off x="7061201" y="3771900"/>
+              <a:ext cx="350838" cy="1309688"/>
+            </a:xfrm>
+            <a:custGeom>
+              <a:avLst/>
+              <a:gdLst/>
+              <a:ahLst/>
+              <a:cxnLst/>
+              <a:rect l="0" t="0" r="r" b="b"/>
+              <a:pathLst>
+                <a:path w="88" h="330">
+                  <a:moveTo>
+                    <a:pt x="53" y="229"/>
+                  </a:moveTo>
+                  <a:cubicBezTo>
+                    <a:pt x="64" y="263"/>
+                    <a:pt x="75" y="297"/>
+                    <a:pt x="88" y="330"/>
+                  </a:cubicBezTo>
+                  <a:cubicBezTo>
+                    <a:pt x="88" y="323"/>
+                    <a:pt x="88" y="315"/>
+                    <a:pt x="88" y="308"/>
+                  </a:cubicBezTo>
+                  <a:cubicBezTo>
+                    <a:pt x="88" y="307"/>
+                    <a:pt x="88" y="305"/>
+                    <a:pt x="88" y="304"/>
+                  </a:cubicBezTo>
+                  <a:cubicBezTo>
+                    <a:pt x="79" y="278"/>
+                    <a:pt x="70" y="252"/>
+                    <a:pt x="62" y="226"/>
+                  </a:cubicBezTo>
+                  <a:cubicBezTo>
+                    <a:pt x="38" y="152"/>
+                    <a:pt x="17" y="76"/>
+                    <a:pt x="0" y="0"/>
+                  </a:cubicBezTo>
+                  <a:cubicBezTo>
+                    <a:pt x="2" y="21"/>
+                    <a:pt x="4" y="42"/>
+                    <a:pt x="7" y="63"/>
+                  </a:cubicBezTo>
+                  <a:cubicBezTo>
+                    <a:pt x="21" y="119"/>
+                    <a:pt x="36" y="174"/>
+                    <a:pt x="53" y="229"/>
+                  </a:cubicBezTo>
+                  <a:close/>
+                </a:path>
+              </a:pathLst>
+            </a:custGeom>
+            <a:solidFill>
+              <a:schemeClr val="tx2"/>
+            </a:solidFill>
+            <a:ln>
+              <a:noFill/>
+            </a:ln>
+          </p:spPr>
+        </p:sp>
+        <p:sp>
+          <p:nvSpPr>
+            <p:cNvPr id="2072" name="Freeform 29">
+              <a:extLst>
+                <a:ext uri="{FF2B5EF4-FFF2-40B4-BE49-F238E27FC236}">
+                  <a16:creationId xmlns:a16="http://schemas.microsoft.com/office/drawing/2014/main" id="{61F8A187-FAA8-4625-AC70-EE2C7499D5AB}"/>
+                </a:ext>
+                <a:ext uri="{C183D7F6-B498-43B3-948B-1728B52AA6E4}">
+                  <adec:decorative xmlns:adec="http://schemas.microsoft.com/office/drawing/2017/decorative" val="1"/>
+                </a:ext>
+              </a:extLst>
+            </p:cNvPr>
+            <p:cNvSpPr/>
+            <p:nvPr>
+              <p:extLst>
+                <p:ext uri="{386F3935-93C4-4BCD-93E2-E3B085C9AB24}">
+                  <p16:designElem xmlns:p16="http://schemas.microsoft.com/office/powerpoint/2015/main" val="1"/>
+                </p:ext>
+              </p:extLst>
+            </p:nvPr>
+          </p:nvSpPr>
+          <p:spPr bwMode="auto">
+            <a:xfrm>
+              <a:off x="7439026" y="5053013"/>
+              <a:ext cx="357188" cy="820738"/>
+            </a:xfrm>
+            <a:custGeom>
+              <a:avLst/>
+              <a:gdLst/>
+              <a:ahLst/>
+              <a:cxnLst/>
+              <a:rect l="0" t="0" r="r" b="b"/>
+              <a:pathLst>
+                <a:path w="90" h="207">
+                  <a:moveTo>
+                    <a:pt x="6" y="15"/>
+                  </a:moveTo>
+                  <a:cubicBezTo>
+                    <a:pt x="4" y="10"/>
+                    <a:pt x="2" y="5"/>
+                    <a:pt x="0" y="0"/>
+                  </a:cubicBezTo>
+                  <a:cubicBezTo>
+                    <a:pt x="0" y="9"/>
+                    <a:pt x="0" y="19"/>
+                    <a:pt x="1" y="29"/>
+                  </a:cubicBezTo>
+                  <a:cubicBezTo>
+                    <a:pt x="14" y="62"/>
+                    <a:pt x="27" y="95"/>
+                    <a:pt x="42" y="127"/>
+                  </a:cubicBezTo>
+                  <a:cubicBezTo>
+                    <a:pt x="54" y="154"/>
+                    <a:pt x="67" y="181"/>
+                    <a:pt x="80" y="207"/>
+                  </a:cubicBezTo>
+                  <a:cubicBezTo>
+                    <a:pt x="90" y="207"/>
+                    <a:pt x="90" y="207"/>
+                    <a:pt x="90" y="207"/>
+                  </a:cubicBezTo>
+                  <a:cubicBezTo>
+                    <a:pt x="76" y="180"/>
+                    <a:pt x="63" y="152"/>
+                    <a:pt x="50" y="123"/>
+                  </a:cubicBezTo>
+                  <a:cubicBezTo>
+                    <a:pt x="34" y="88"/>
+                    <a:pt x="20" y="51"/>
+                    <a:pt x="6" y="15"/>
+                  </a:cubicBezTo>
+                  <a:close/>
+                </a:path>
+              </a:pathLst>
+            </a:custGeom>
+            <a:solidFill>
+              <a:schemeClr val="tx2"/>
+            </a:solidFill>
+            <a:ln>
+              <a:noFill/>
+            </a:ln>
+          </p:spPr>
+        </p:sp>
+        <p:sp>
+          <p:nvSpPr>
+            <p:cNvPr id="2073" name="Freeform 30">
+              <a:extLst>
+                <a:ext uri="{FF2B5EF4-FFF2-40B4-BE49-F238E27FC236}">
+                  <a16:creationId xmlns:a16="http://schemas.microsoft.com/office/drawing/2014/main" id="{6D431C21-669A-42BC-A2DF-9092CA729B25}"/>
+                </a:ext>
+                <a:ext uri="{C183D7F6-B498-43B3-948B-1728B52AA6E4}">
+                  <adec:decorative xmlns:adec="http://schemas.microsoft.com/office/drawing/2017/decorative" val="1"/>
+                </a:ext>
+              </a:extLst>
+            </p:cNvPr>
+            <p:cNvSpPr/>
+            <p:nvPr>
+              <p:extLst>
+                <p:ext uri="{386F3935-93C4-4BCD-93E2-E3B085C9AB24}">
+                  <p16:designElem xmlns:p16="http://schemas.microsoft.com/office/powerpoint/2015/main" val="1"/>
+                </p:ext>
+              </p:extLst>
+            </p:nvPr>
+          </p:nvSpPr>
+          <p:spPr bwMode="auto">
+            <a:xfrm>
+              <a:off x="7037388" y="3811588"/>
+              <a:ext cx="457200" cy="1852613"/>
+            </a:xfrm>
+            <a:custGeom>
+              <a:avLst/>
+              <a:gdLst/>
+              <a:ahLst/>
+              <a:cxnLst/>
+              <a:rect l="0" t="0" r="r" b="b"/>
+              <a:pathLst>
+                <a:path w="115" h="467">
+                  <a:moveTo>
+                    <a:pt x="101" y="409"/>
+                  </a:moveTo>
+                  <a:cubicBezTo>
+                    <a:pt x="93" y="388"/>
+                    <a:pt x="85" y="366"/>
+                    <a:pt x="78" y="344"/>
+                  </a:cubicBezTo>
+                  <a:cubicBezTo>
+                    <a:pt x="57" y="281"/>
+                    <a:pt x="41" y="216"/>
+                    <a:pt x="29" y="151"/>
+                  </a:cubicBezTo>
+                  <a:cubicBezTo>
+                    <a:pt x="22" y="119"/>
+                    <a:pt x="17" y="86"/>
+                    <a:pt x="13" y="53"/>
+                  </a:cubicBezTo>
+                  <a:cubicBezTo>
+                    <a:pt x="9" y="35"/>
+                    <a:pt x="4" y="18"/>
+                    <a:pt x="0" y="0"/>
+                  </a:cubicBezTo>
+                  <a:cubicBezTo>
+                    <a:pt x="5" y="51"/>
+                    <a:pt x="12" y="102"/>
+                    <a:pt x="21" y="152"/>
+                  </a:cubicBezTo>
+                  <a:cubicBezTo>
+                    <a:pt x="33" y="218"/>
+                    <a:pt x="49" y="283"/>
+                    <a:pt x="69" y="347"/>
+                  </a:cubicBezTo>
+                  <a:cubicBezTo>
+                    <a:pt x="79" y="378"/>
+                    <a:pt x="90" y="410"/>
+                    <a:pt x="103" y="441"/>
+                  </a:cubicBezTo>
+                  <a:cubicBezTo>
+                    <a:pt x="107" y="449"/>
+                    <a:pt x="111" y="458"/>
+                    <a:pt x="115" y="467"/>
+                  </a:cubicBezTo>
+                  <a:cubicBezTo>
+                    <a:pt x="114" y="464"/>
+                    <a:pt x="113" y="461"/>
+                    <a:pt x="112" y="458"/>
+                  </a:cubicBezTo>
+                  <a:cubicBezTo>
+                    <a:pt x="108" y="442"/>
+                    <a:pt x="104" y="425"/>
+                    <a:pt x="101" y="409"/>
+                  </a:cubicBezTo>
+                  <a:close/>
+                </a:path>
+              </a:pathLst>
+            </a:custGeom>
+            <a:solidFill>
+              <a:schemeClr val="tx2"/>
+            </a:solidFill>
+            <a:ln>
+              <a:noFill/>
+            </a:ln>
+          </p:spPr>
+        </p:sp>
+        <p:sp>
+          <p:nvSpPr>
+            <p:cNvPr id="2074" name="Freeform 31">
+              <a:extLst>
+                <a:ext uri="{FF2B5EF4-FFF2-40B4-BE49-F238E27FC236}">
+                  <a16:creationId xmlns:a16="http://schemas.microsoft.com/office/drawing/2014/main" id="{D143DDDF-3A80-4C43-BBCF-8EC128010208}"/>
+                </a:ext>
+                <a:ext uri="{C183D7F6-B498-43B3-948B-1728B52AA6E4}">
+                  <adec:decorative xmlns:adec="http://schemas.microsoft.com/office/drawing/2017/decorative" val="1"/>
+                </a:ext>
+              </a:extLst>
+            </p:cNvPr>
+            <p:cNvSpPr/>
+            <p:nvPr>
+              <p:extLst>
+                <p:ext uri="{386F3935-93C4-4BCD-93E2-E3B085C9AB24}">
+                  <p16:designElem xmlns:p16="http://schemas.microsoft.com/office/powerpoint/2015/main" val="1"/>
+                </p:ext>
+              </p:extLst>
+            </p:nvPr>
+          </p:nvSpPr>
+          <p:spPr bwMode="auto">
+            <a:xfrm>
+              <a:off x="6992938" y="1263650"/>
+              <a:ext cx="144463" cy="2508250"/>
+            </a:xfrm>
+            <a:custGeom>
+              <a:avLst/>
+              <a:gdLst/>
+              <a:ahLst/>
+              <a:cxnLst/>
+              <a:rect l="0" t="0" r="r" b="b"/>
+              <a:pathLst>
+                <a:path w="36" h="633">
+                  <a:moveTo>
+                    <a:pt x="17" y="633"/>
+                  </a:moveTo>
+                  <a:cubicBezTo>
+                    <a:pt x="15" y="621"/>
+                    <a:pt x="14" y="609"/>
+                    <a:pt x="13" y="597"/>
+                  </a:cubicBezTo>
+                  <a:cubicBezTo>
+                    <a:pt x="8" y="530"/>
+                    <a:pt x="5" y="464"/>
+                    <a:pt x="5" y="398"/>
+                  </a:cubicBezTo>
+                  <a:cubicBezTo>
+                    <a:pt x="5" y="331"/>
+                    <a:pt x="8" y="265"/>
+                    <a:pt x="13" y="198"/>
+                  </a:cubicBezTo>
+                  <a:cubicBezTo>
+                    <a:pt x="15" y="165"/>
+                    <a:pt x="18" y="132"/>
+                    <a:pt x="22" y="99"/>
+                  </a:cubicBezTo>
+                  <a:cubicBezTo>
+                    <a:pt x="26" y="66"/>
+                    <a:pt x="30" y="33"/>
+                    <a:pt x="36" y="0"/>
+                  </a:cubicBezTo>
+                  <a:cubicBezTo>
+                    <a:pt x="35" y="0"/>
+                    <a:pt x="35" y="0"/>
+                    <a:pt x="35" y="0"/>
+                  </a:cubicBezTo>
+                  <a:cubicBezTo>
+                    <a:pt x="29" y="33"/>
+                    <a:pt x="24" y="66"/>
+                    <a:pt x="20" y="99"/>
+                  </a:cubicBezTo>
+                  <a:cubicBezTo>
+                    <a:pt x="16" y="132"/>
+                    <a:pt x="13" y="165"/>
+                    <a:pt x="10" y="198"/>
+                  </a:cubicBezTo>
+                  <a:cubicBezTo>
+                    <a:pt x="4" y="264"/>
+                    <a:pt x="1" y="331"/>
+                    <a:pt x="1" y="398"/>
+                  </a:cubicBezTo>
+                  <a:cubicBezTo>
+                    <a:pt x="0" y="461"/>
+                    <a:pt x="2" y="525"/>
+                    <a:pt x="7" y="589"/>
+                  </a:cubicBezTo>
+                  <a:cubicBezTo>
+                    <a:pt x="10" y="603"/>
+                    <a:pt x="13" y="618"/>
+                    <a:pt x="16" y="632"/>
+                  </a:cubicBezTo>
+                  <a:cubicBezTo>
+                    <a:pt x="16" y="632"/>
+                    <a:pt x="17" y="633"/>
+                    <a:pt x="17" y="633"/>
+                  </a:cubicBezTo>
+                  <a:close/>
+                </a:path>
+              </a:pathLst>
+            </a:custGeom>
+            <a:solidFill>
+              <a:schemeClr val="tx2"/>
+            </a:solidFill>
+            <a:ln>
+              <a:noFill/>
+            </a:ln>
+          </p:spPr>
+        </p:sp>
+        <p:sp>
+          <p:nvSpPr>
+            <p:cNvPr id="2075" name="Freeform 32">
+              <a:extLst>
+                <a:ext uri="{FF2B5EF4-FFF2-40B4-BE49-F238E27FC236}">
+                  <a16:creationId xmlns:a16="http://schemas.microsoft.com/office/drawing/2014/main" id="{313BFF88-4BDD-4CC4-A514-C7D655779147}"/>
+                </a:ext>
+                <a:ext uri="{C183D7F6-B498-43B3-948B-1728B52AA6E4}">
+                  <adec:decorative xmlns:adec="http://schemas.microsoft.com/office/drawing/2017/decorative" val="1"/>
+                </a:ext>
+              </a:extLst>
+            </p:cNvPr>
+            <p:cNvSpPr/>
+            <p:nvPr>
+              <p:extLst>
+                <p:ext uri="{386F3935-93C4-4BCD-93E2-E3B085C9AB24}">
+                  <p16:designElem xmlns:p16="http://schemas.microsoft.com/office/powerpoint/2015/main" val="1"/>
+                </p:ext>
+              </p:extLst>
+            </p:nvPr>
+          </p:nvSpPr>
+          <p:spPr bwMode="auto">
+            <a:xfrm>
+              <a:off x="7526338" y="5640388"/>
+              <a:ext cx="111125" cy="233363"/>
+            </a:xfrm>
+            <a:custGeom>
+              <a:avLst/>
+              <a:gdLst/>
+              <a:ahLst/>
+              <a:cxnLst/>
+              <a:rect l="0" t="0" r="r" b="b"/>
+              <a:pathLst>
+                <a:path w="28" h="59">
+                  <a:moveTo>
+                    <a:pt x="22" y="59"/>
+                  </a:moveTo>
+                  <a:cubicBezTo>
+                    <a:pt x="28" y="59"/>
+                    <a:pt x="28" y="59"/>
+                    <a:pt x="28" y="59"/>
+                  </a:cubicBezTo>
+                  <a:cubicBezTo>
+                    <a:pt x="18" y="40"/>
+                    <a:pt x="9" y="20"/>
+                    <a:pt x="0" y="0"/>
+                  </a:cubicBezTo>
+                  <a:cubicBezTo>
+                    <a:pt x="6" y="20"/>
+                    <a:pt x="13" y="40"/>
+                    <a:pt x="22" y="59"/>
+                  </a:cubicBezTo>
+                  <a:close/>
+                </a:path>
+              </a:pathLst>
+            </a:custGeom>
+            <a:solidFill>
+              <a:schemeClr val="tx2"/>
+            </a:solidFill>
+            <a:ln>
+              <a:noFill/>
+            </a:ln>
+          </p:spPr>
+        </p:sp>
+        <p:sp>
+          <p:nvSpPr>
+            <p:cNvPr id="2076" name="Freeform 33">
+              <a:extLst>
+                <a:ext uri="{FF2B5EF4-FFF2-40B4-BE49-F238E27FC236}">
+                  <a16:creationId xmlns:a16="http://schemas.microsoft.com/office/drawing/2014/main" id="{BA235B4A-F8AD-4C1E-9074-3562538136C5}"/>
+                </a:ext>
+                <a:ext uri="{C183D7F6-B498-43B3-948B-1728B52AA6E4}">
+                  <adec:decorative xmlns:adec="http://schemas.microsoft.com/office/drawing/2017/decorative" val="1"/>
+                </a:ext>
+              </a:extLst>
+            </p:cNvPr>
+            <p:cNvSpPr/>
+            <p:nvPr>
+              <p:extLst>
+                <p:ext uri="{386F3935-93C4-4BCD-93E2-E3B085C9AB24}">
+                  <p16:designElem xmlns:p16="http://schemas.microsoft.com/office/powerpoint/2015/main" val="1"/>
+                </p:ext>
+              </p:extLst>
+            </p:nvPr>
+          </p:nvSpPr>
+          <p:spPr bwMode="auto">
+            <a:xfrm>
+              <a:off x="7021513" y="3598863"/>
+              <a:ext cx="68263" cy="423863"/>
+            </a:xfrm>
+            <a:custGeom>
+              <a:avLst/>
+              <a:gdLst/>
+              <a:ahLst/>
+              <a:cxnLst/>
+              <a:rect l="0" t="0" r="r" b="b"/>
+              <a:pathLst>
+                <a:path w="17" h="107">
+                  <a:moveTo>
+                    <a:pt x="4" y="54"/>
+                  </a:moveTo>
+                  <a:cubicBezTo>
+                    <a:pt x="8" y="72"/>
+                    <a:pt x="13" y="89"/>
+                    <a:pt x="17" y="107"/>
+                  </a:cubicBezTo>
+                  <a:cubicBezTo>
+                    <a:pt x="14" y="86"/>
+                    <a:pt x="12" y="65"/>
+                    <a:pt x="10" y="44"/>
+                  </a:cubicBezTo>
+                  <a:cubicBezTo>
+                    <a:pt x="10" y="44"/>
+                    <a:pt x="9" y="43"/>
+                    <a:pt x="9" y="43"/>
+                  </a:cubicBezTo>
+                  <a:cubicBezTo>
+                    <a:pt x="6" y="29"/>
+                    <a:pt x="3" y="14"/>
+                    <a:pt x="0" y="0"/>
+                  </a:cubicBezTo>
+                  <a:cubicBezTo>
+                    <a:pt x="0" y="2"/>
+                    <a:pt x="0" y="5"/>
+                    <a:pt x="0" y="8"/>
+                  </a:cubicBezTo>
+                  <a:cubicBezTo>
+                    <a:pt x="1" y="23"/>
+                    <a:pt x="3" y="39"/>
+                    <a:pt x="4" y="54"/>
+                  </a:cubicBezTo>
+                  <a:close/>
+                </a:path>
+              </a:pathLst>
+            </a:custGeom>
+            <a:solidFill>
+              <a:schemeClr val="tx2"/>
+            </a:solidFill>
+            <a:ln>
+              <a:noFill/>
+            </a:ln>
+          </p:spPr>
+        </p:sp>
+        <p:sp>
+          <p:nvSpPr>
+            <p:cNvPr id="2077" name="Freeform 34">
+              <a:extLst>
+                <a:ext uri="{FF2B5EF4-FFF2-40B4-BE49-F238E27FC236}">
+                  <a16:creationId xmlns:a16="http://schemas.microsoft.com/office/drawing/2014/main" id="{281D9204-5CB0-44D1-B01F-5FFF6BDB2883}"/>
+                </a:ext>
+                <a:ext uri="{C183D7F6-B498-43B3-948B-1728B52AA6E4}">
+                  <adec:decorative xmlns:adec="http://schemas.microsoft.com/office/drawing/2017/decorative" val="1"/>
+                </a:ext>
+              </a:extLst>
+            </p:cNvPr>
+            <p:cNvSpPr/>
+            <p:nvPr>
+              <p:extLst>
+                <p:ext uri="{386F3935-93C4-4BCD-93E2-E3B085C9AB24}">
+                  <p16:designElem xmlns:p16="http://schemas.microsoft.com/office/powerpoint/2015/main" val="1"/>
+                </p:ext>
+              </p:extLst>
+            </p:nvPr>
+          </p:nvSpPr>
+          <p:spPr bwMode="auto">
+            <a:xfrm>
+              <a:off x="7412038" y="2801938"/>
+              <a:ext cx="1168400" cy="2251075"/>
+            </a:xfrm>
+            <a:custGeom>
+              <a:avLst/>
+              <a:gdLst/>
+              <a:ahLst/>
+              <a:cxnLst/>
+              <a:rect l="0" t="0" r="r" b="b"/>
+              <a:pathLst>
+                <a:path w="294" h="568">
+                  <a:moveTo>
+                    <a:pt x="8" y="553"/>
+                  </a:moveTo>
+                  <a:cubicBezTo>
+                    <a:pt x="9" y="501"/>
+                    <a:pt x="19" y="448"/>
+                    <a:pt x="35" y="397"/>
+                  </a:cubicBezTo>
+                  <a:cubicBezTo>
+                    <a:pt x="51" y="347"/>
+                    <a:pt x="73" y="298"/>
+                    <a:pt x="99" y="252"/>
+                  </a:cubicBezTo>
+                  <a:cubicBezTo>
+                    <a:pt x="124" y="205"/>
+                    <a:pt x="154" y="161"/>
+                    <a:pt x="187" y="119"/>
+                  </a:cubicBezTo>
+                  <a:cubicBezTo>
+                    <a:pt x="203" y="98"/>
+                    <a:pt x="220" y="77"/>
+                    <a:pt x="238" y="58"/>
+                  </a:cubicBezTo>
+                  <a:cubicBezTo>
+                    <a:pt x="247" y="48"/>
+                    <a:pt x="256" y="38"/>
+                    <a:pt x="265" y="28"/>
+                  </a:cubicBezTo>
+                  <a:cubicBezTo>
+                    <a:pt x="274" y="19"/>
+                    <a:pt x="284" y="9"/>
+                    <a:pt x="294" y="0"/>
+                  </a:cubicBezTo>
+                  <a:cubicBezTo>
+                    <a:pt x="293" y="0"/>
+                    <a:pt x="293" y="0"/>
+                    <a:pt x="293" y="0"/>
+                  </a:cubicBezTo>
+                  <a:cubicBezTo>
+                    <a:pt x="283" y="9"/>
+                    <a:pt x="273" y="18"/>
+                    <a:pt x="264" y="27"/>
+                  </a:cubicBezTo>
+                  <a:cubicBezTo>
+                    <a:pt x="255" y="37"/>
+                    <a:pt x="246" y="47"/>
+                    <a:pt x="237" y="56"/>
+                  </a:cubicBezTo>
+                  <a:cubicBezTo>
+                    <a:pt x="218" y="76"/>
+                    <a:pt x="201" y="96"/>
+                    <a:pt x="185" y="117"/>
+                  </a:cubicBezTo>
+                  <a:cubicBezTo>
+                    <a:pt x="151" y="159"/>
+                    <a:pt x="121" y="203"/>
+                    <a:pt x="95" y="249"/>
+                  </a:cubicBezTo>
+                  <a:cubicBezTo>
+                    <a:pt x="68" y="296"/>
+                    <a:pt x="46" y="345"/>
+                    <a:pt x="30" y="396"/>
+                  </a:cubicBezTo>
+                  <a:cubicBezTo>
+                    <a:pt x="13" y="445"/>
+                    <a:pt x="3" y="497"/>
+                    <a:pt x="0" y="549"/>
+                  </a:cubicBezTo>
+                  <a:cubicBezTo>
+                    <a:pt x="3" y="555"/>
+                    <a:pt x="5" y="561"/>
+                    <a:pt x="7" y="568"/>
+                  </a:cubicBezTo>
+                  <a:cubicBezTo>
+                    <a:pt x="7" y="563"/>
+                    <a:pt x="7" y="558"/>
+                    <a:pt x="8" y="553"/>
+                  </a:cubicBezTo>
+                  <a:close/>
+                </a:path>
+              </a:pathLst>
+            </a:custGeom>
+            <a:solidFill>
+              <a:schemeClr val="tx2"/>
+            </a:solidFill>
+            <a:ln>
+              <a:noFill/>
+            </a:ln>
+          </p:spPr>
+        </p:sp>
+        <p:sp>
+          <p:nvSpPr>
+            <p:cNvPr id="2078" name="Freeform 35">
+              <a:extLst>
+                <a:ext uri="{FF2B5EF4-FFF2-40B4-BE49-F238E27FC236}">
+                  <a16:creationId xmlns:a16="http://schemas.microsoft.com/office/drawing/2014/main" id="{4DD213C5-5C2A-403A-AAEF-E495E64AEB9B}"/>
+                </a:ext>
+                <a:ext uri="{C183D7F6-B498-43B3-948B-1728B52AA6E4}">
+                  <adec:decorative xmlns:adec="http://schemas.microsoft.com/office/drawing/2017/decorative" val="1"/>
+                </a:ext>
+              </a:extLst>
+            </p:cNvPr>
+            <p:cNvSpPr/>
+            <p:nvPr>
+              <p:extLst>
+                <p:ext uri="{386F3935-93C4-4BCD-93E2-E3B085C9AB24}">
+                  <p16:designElem xmlns:p16="http://schemas.microsoft.com/office/powerpoint/2015/main" val="1"/>
+                </p:ext>
+              </p:extLst>
+            </p:nvPr>
+          </p:nvSpPr>
+          <p:spPr bwMode="auto">
+            <a:xfrm>
+              <a:off x="7494588" y="5664200"/>
+              <a:ext cx="100013" cy="209550"/>
+            </a:xfrm>
+            <a:custGeom>
+              <a:avLst/>
+              <a:gdLst/>
+              <a:ahLst/>
+              <a:cxnLst/>
+              <a:rect l="0" t="0" r="r" b="b"/>
+              <a:pathLst>
+                <a:path w="25" h="53">
+                  <a:moveTo>
+                    <a:pt x="0" y="0"/>
+                  </a:moveTo>
+                  <a:cubicBezTo>
+                    <a:pt x="5" y="18"/>
+                    <a:pt x="12" y="36"/>
+                    <a:pt x="19" y="53"/>
+                  </a:cubicBezTo>
+                  <a:cubicBezTo>
+                    <a:pt x="25" y="53"/>
+                    <a:pt x="25" y="53"/>
+                    <a:pt x="25" y="53"/>
+                  </a:cubicBezTo>
+                  <a:cubicBezTo>
+                    <a:pt x="16" y="36"/>
+                    <a:pt x="8" y="18"/>
+                    <a:pt x="0" y="0"/>
+                  </a:cubicBezTo>
+                  <a:close/>
+                </a:path>
+              </a:pathLst>
+            </a:custGeom>
+            <a:solidFill>
+              <a:schemeClr val="tx2"/>
+            </a:solidFill>
+            <a:ln>
+              <a:noFill/>
+            </a:ln>
+          </p:spPr>
+        </p:sp>
+        <p:sp>
+          <p:nvSpPr>
+            <p:cNvPr id="2079" name="Freeform 36">
+              <a:extLst>
+                <a:ext uri="{FF2B5EF4-FFF2-40B4-BE49-F238E27FC236}">
+                  <a16:creationId xmlns:a16="http://schemas.microsoft.com/office/drawing/2014/main" id="{3D07FF46-5E32-4BEE-B85D-107AD341D480}"/>
+                </a:ext>
+                <a:ext uri="{C183D7F6-B498-43B3-948B-1728B52AA6E4}">
+                  <adec:decorative xmlns:adec="http://schemas.microsoft.com/office/drawing/2017/decorative" val="1"/>
+                </a:ext>
+              </a:extLst>
+            </p:cNvPr>
+            <p:cNvSpPr/>
+            <p:nvPr>
+              <p:extLst>
+                <p:ext uri="{386F3935-93C4-4BCD-93E2-E3B085C9AB24}">
+                  <p16:designElem xmlns:p16="http://schemas.microsoft.com/office/powerpoint/2015/main" val="1"/>
+                </p:ext>
+              </p:extLst>
+            </p:nvPr>
+          </p:nvSpPr>
+          <p:spPr bwMode="auto">
+            <a:xfrm>
+              <a:off x="7412038" y="5081588"/>
+              <a:ext cx="114300" cy="558800"/>
+            </a:xfrm>
+            <a:custGeom>
+              <a:avLst/>
+              <a:gdLst/>
+              <a:ahLst/>
+              <a:cxnLst/>
+              <a:rect l="0" t="0" r="r" b="b"/>
+              <a:pathLst>
+                <a:path w="29" h="141">
+                  <a:moveTo>
+                    <a:pt x="0" y="0"/>
+                  </a:moveTo>
+                  <a:cubicBezTo>
+                    <a:pt x="0" y="30"/>
+                    <a:pt x="2" y="60"/>
+                    <a:pt x="7" y="89"/>
+                  </a:cubicBezTo>
+                  <a:cubicBezTo>
+                    <a:pt x="11" y="98"/>
+                    <a:pt x="14" y="108"/>
+                    <a:pt x="18" y="117"/>
+                  </a:cubicBezTo>
+                  <a:cubicBezTo>
+                    <a:pt x="22" y="125"/>
+                    <a:pt x="25" y="133"/>
+                    <a:pt x="29" y="141"/>
+                  </a:cubicBezTo>
+                  <a:cubicBezTo>
+                    <a:pt x="28" y="139"/>
+                    <a:pt x="28" y="137"/>
+                    <a:pt x="27" y="135"/>
+                  </a:cubicBezTo>
+                  <a:cubicBezTo>
+                    <a:pt x="16" y="98"/>
+                    <a:pt x="10" y="60"/>
+                    <a:pt x="8" y="22"/>
+                  </a:cubicBezTo>
+                  <a:cubicBezTo>
+                    <a:pt x="7" y="18"/>
+                    <a:pt x="5" y="15"/>
+                    <a:pt x="4" y="11"/>
+                  </a:cubicBezTo>
+                  <a:cubicBezTo>
+                    <a:pt x="2" y="7"/>
+                    <a:pt x="1" y="3"/>
+                    <a:pt x="0" y="0"/>
+                  </a:cubicBezTo>
+                  <a:close/>
+                </a:path>
+              </a:pathLst>
+            </a:custGeom>
+            <a:solidFill>
+              <a:schemeClr val="tx2"/>
+            </a:solidFill>
+            <a:ln>
+              <a:noFill/>
+            </a:ln>
+          </p:spPr>
+        </p:sp>
+        <p:sp>
+          <p:nvSpPr>
+            <p:cNvPr id="2080" name="Freeform 37">
+              <a:extLst>
+                <a:ext uri="{FF2B5EF4-FFF2-40B4-BE49-F238E27FC236}">
+                  <a16:creationId xmlns:a16="http://schemas.microsoft.com/office/drawing/2014/main" id="{4E5AE900-6815-4A65-9A96-CA280B3A8DF3}"/>
+                </a:ext>
+                <a:ext uri="{C183D7F6-B498-43B3-948B-1728B52AA6E4}">
+                  <adec:decorative xmlns:adec="http://schemas.microsoft.com/office/drawing/2017/decorative" val="1"/>
+                </a:ext>
+              </a:extLst>
+            </p:cNvPr>
+            <p:cNvSpPr/>
+            <p:nvPr>
+              <p:extLst>
+                <p:ext uri="{386F3935-93C4-4BCD-93E2-E3B085C9AB24}">
+                  <p16:designElem xmlns:p16="http://schemas.microsoft.com/office/powerpoint/2015/main" val="1"/>
+                </p:ext>
+              </p:extLst>
+            </p:nvPr>
+          </p:nvSpPr>
+          <p:spPr bwMode="auto">
+            <a:xfrm>
+              <a:off x="7412038" y="4978400"/>
+              <a:ext cx="31750" cy="188913"/>
+            </a:xfrm>
+            <a:custGeom>
+              <a:avLst/>
+              <a:gdLst/>
+              <a:ahLst/>
+              <a:cxnLst/>
+              <a:rect l="0" t="0" r="r" b="b"/>
+              <a:pathLst>
+                <a:path w="8" h="48">
+                  <a:moveTo>
+                    <a:pt x="0" y="26"/>
+                  </a:moveTo>
+                  <a:cubicBezTo>
+                    <a:pt x="1" y="29"/>
+                    <a:pt x="2" y="33"/>
+                    <a:pt x="4" y="37"/>
+                  </a:cubicBezTo>
+                  <a:cubicBezTo>
+                    <a:pt x="5" y="41"/>
+                    <a:pt x="7" y="44"/>
+                    <a:pt x="8" y="48"/>
+                  </a:cubicBezTo>
+                  <a:cubicBezTo>
+                    <a:pt x="7" y="38"/>
+                    <a:pt x="7" y="28"/>
+                    <a:pt x="7" y="19"/>
+                  </a:cubicBezTo>
+                  <a:cubicBezTo>
+                    <a:pt x="5" y="12"/>
+                    <a:pt x="3" y="6"/>
+                    <a:pt x="0" y="0"/>
+                  </a:cubicBezTo>
+                  <a:cubicBezTo>
+                    <a:pt x="0" y="1"/>
+                    <a:pt x="0" y="3"/>
+                    <a:pt x="0" y="4"/>
+                  </a:cubicBezTo>
+                  <a:cubicBezTo>
+                    <a:pt x="0" y="11"/>
+                    <a:pt x="0" y="19"/>
+                    <a:pt x="0" y="26"/>
+                  </a:cubicBezTo>
+                  <a:close/>
+                </a:path>
+              </a:pathLst>
+            </a:custGeom>
+            <a:solidFill>
+              <a:schemeClr val="tx2"/>
+            </a:solidFill>
+            <a:ln>
+              <a:noFill/>
+            </a:ln>
+          </p:spPr>
+        </p:sp>
+        <p:sp>
+          <p:nvSpPr>
+            <p:cNvPr id="2081" name="Freeform 38">
+              <a:extLst>
+                <a:ext uri="{FF2B5EF4-FFF2-40B4-BE49-F238E27FC236}">
+                  <a16:creationId xmlns:a16="http://schemas.microsoft.com/office/drawing/2014/main" id="{45EA57FC-ADA4-45DD-98E7-B0615C5306F6}"/>
+                </a:ext>
+                <a:ext uri="{C183D7F6-B498-43B3-948B-1728B52AA6E4}">
+                  <adec:decorative xmlns:adec="http://schemas.microsoft.com/office/drawing/2017/decorative" val="1"/>
+                </a:ext>
+              </a:extLst>
+            </p:cNvPr>
+            <p:cNvSpPr/>
+            <p:nvPr>
+              <p:extLst>
+                <p:ext uri="{386F3935-93C4-4BCD-93E2-E3B085C9AB24}">
+                  <p16:designElem xmlns:p16="http://schemas.microsoft.com/office/powerpoint/2015/main" val="1"/>
+                </p:ext>
+              </p:extLst>
+            </p:nvPr>
+          </p:nvSpPr>
+          <p:spPr bwMode="auto">
+            <a:xfrm>
+              <a:off x="7439026" y="5434013"/>
+              <a:ext cx="174625" cy="439738"/>
+            </a:xfrm>
+            <a:custGeom>
+              <a:avLst/>
+              <a:gdLst/>
+              <a:ahLst/>
+              <a:cxnLst/>
+              <a:rect l="0" t="0" r="r" b="b"/>
+              <a:pathLst>
+                <a:path w="44" h="111">
+                  <a:moveTo>
+                    <a:pt x="11" y="28"/>
+                  </a:moveTo>
+                  <a:cubicBezTo>
+                    <a:pt x="7" y="19"/>
+                    <a:pt x="4" y="9"/>
+                    <a:pt x="0" y="0"/>
+                  </a:cubicBezTo>
+                  <a:cubicBezTo>
+                    <a:pt x="3" y="16"/>
+                    <a:pt x="7" y="33"/>
+                    <a:pt x="11" y="49"/>
+                  </a:cubicBezTo>
+                  <a:cubicBezTo>
+                    <a:pt x="12" y="52"/>
+                    <a:pt x="13" y="55"/>
+                    <a:pt x="14" y="58"/>
+                  </a:cubicBezTo>
+                  <a:cubicBezTo>
+                    <a:pt x="22" y="76"/>
+                    <a:pt x="30" y="94"/>
+                    <a:pt x="39" y="111"/>
+                  </a:cubicBezTo>
+                  <a:cubicBezTo>
+                    <a:pt x="44" y="111"/>
+                    <a:pt x="44" y="111"/>
+                    <a:pt x="44" y="111"/>
+                  </a:cubicBezTo>
+                  <a:cubicBezTo>
+                    <a:pt x="35" y="92"/>
+                    <a:pt x="28" y="72"/>
+                    <a:pt x="22" y="52"/>
+                  </a:cubicBezTo>
+                  <a:cubicBezTo>
+                    <a:pt x="18" y="44"/>
+                    <a:pt x="15" y="36"/>
+                    <a:pt x="11" y="28"/>
+                  </a:cubicBezTo>
+                  <a:close/>
+                </a:path>
+              </a:pathLst>
+            </a:custGeom>
+            <a:solidFill>
+              <a:schemeClr val="tx2"/>
+            </a:solidFill>
+            <a:ln>
+              <a:noFill/>
+            </a:ln>
+          </p:spPr>
+        </p:sp>
+      </p:grpSp>
+      <p:sp>
+        <p:nvSpPr>
+          <p:cNvPr id="2083" name="Rectangle 2082">
+            <a:extLst>
+              <a:ext uri="{FF2B5EF4-FFF2-40B4-BE49-F238E27FC236}">
+                <a16:creationId xmlns:a16="http://schemas.microsoft.com/office/drawing/2014/main" id="{9FFA7C60-EEB5-45DC-B964-20A76F776EF5}"/>
+              </a:ext>
+              <a:ext uri="{C183D7F6-B498-43B3-948B-1728B52AA6E4}">
+                <adec:decorative xmlns:adec="http://schemas.microsoft.com/office/drawing/2017/decorative" val="1"/>
+              </a:ext>
+            </a:extLst>
+          </p:cNvPr>
+          <p:cNvSpPr>
+            <a:spLocks noGrp="1" noRot="1" noChangeAspect="1" noMove="1" noResize="1" noEditPoints="1" noAdjustHandles="1" noChangeArrowheads="1" noChangeShapeType="1" noTextEdit="1"/>
+          </p:cNvSpPr>
+          <p:nvPr>
+            <p:extLst>
+              <p:ext uri="{386F3935-93C4-4BCD-93E2-E3B085C9AB24}">
+                <p16:designElem xmlns:p16="http://schemas.microsoft.com/office/powerpoint/2015/main" val="1"/>
+              </p:ext>
+            </p:extLst>
+          </p:nvPr>
+        </p:nvSpPr>
+        <p:spPr>
+          <a:xfrm>
+            <a:off x="0" y="0"/>
+            <a:ext cx="182880" cy="6858000"/>
+          </a:xfrm>
+          <a:prstGeom prst="rect">
+            <a:avLst/>
+          </a:prstGeom>
+          <a:solidFill>
+            <a:schemeClr val="tx2"/>
+          </a:solidFill>
+          <a:ln>
+            <a:noFill/>
+          </a:ln>
+          <a:effectLst/>
+        </p:spPr>
+        <p:style>
+          <a:lnRef idx="1">
+            <a:schemeClr val="accent1"/>
+          </a:lnRef>
+          <a:fillRef idx="3">
+            <a:schemeClr val="accent1"/>
+          </a:fillRef>
+          <a:effectRef idx="2">
+            <a:schemeClr val="accent1"/>
+          </a:effectRef>
+          <a:fontRef idx="minor">
+            <a:schemeClr val="lt1"/>
+          </a:fontRef>
+        </p:style>
+      </p:sp>
+      <p:sp>
+        <p:nvSpPr>
+          <p:cNvPr id="2085" name="Freeform 11">
+            <a:extLst>
+              <a:ext uri="{FF2B5EF4-FFF2-40B4-BE49-F238E27FC236}">
+                <a16:creationId xmlns:a16="http://schemas.microsoft.com/office/drawing/2014/main" id="{7D84F46B-82DB-461C-88AC-F6C66B593E2C}"/>
+              </a:ext>
+              <a:ext uri="{C183D7F6-B498-43B3-948B-1728B52AA6E4}">
+                <adec:decorative xmlns:adec="http://schemas.microsoft.com/office/drawing/2017/decorative" val="1"/>
+              </a:ext>
+            </a:extLst>
+          </p:cNvPr>
+          <p:cNvSpPr>
+            <a:spLocks noGrp="1" noRot="1" noChangeAspect="1" noMove="1" noResize="1" noEditPoints="1" noAdjustHandles="1" noChangeArrowheads="1" noChangeShapeType="1" noTextEdit="1"/>
+          </p:cNvSpPr>
+          <p:nvPr>
+            <p:extLst>
+              <p:ext uri="{386F3935-93C4-4BCD-93E2-E3B085C9AB24}">
+                <p16:designElem xmlns:p16="http://schemas.microsoft.com/office/powerpoint/2015/main" val="1"/>
+              </p:ext>
+            </p:extLst>
+          </p:nvPr>
+        </p:nvSpPr>
+        <p:spPr bwMode="auto">
+          <a:xfrm flipV="1">
+            <a:off x="-4189" y="714375"/>
+            <a:ext cx="1588527" cy="507297"/>
+          </a:xfrm>
+          <a:custGeom>
+            <a:avLst/>
+            <a:gdLst/>
+            <a:ahLst/>
+            <a:cxnLst/>
+            <a:rect l="l" t="t" r="r" b="b"/>
+            <a:pathLst>
+              <a:path w="9248" h="10000">
+                <a:moveTo>
+                  <a:pt x="9248" y="4701"/>
+                </a:moveTo>
+                <a:lnTo>
+                  <a:pt x="7915" y="188"/>
+                </a:lnTo>
+                <a:cubicBezTo>
+                  <a:pt x="7906" y="156"/>
+                  <a:pt x="7895" y="126"/>
+                  <a:pt x="7886" y="94"/>
+                </a:cubicBezTo>
+                <a:cubicBezTo>
+                  <a:pt x="7859" y="0"/>
+                  <a:pt x="7831" y="0"/>
+                  <a:pt x="7803" y="0"/>
+                </a:cubicBezTo>
+                <a:lnTo>
+                  <a:pt x="7275" y="0"/>
+                </a:lnTo>
+                <a:lnTo>
+                  <a:pt x="0" y="70"/>
+                </a:lnTo>
+                <a:cubicBezTo>
+                  <a:pt x="8" y="3380"/>
+                  <a:pt x="17" y="6690"/>
+                  <a:pt x="25" y="10000"/>
+                </a:cubicBezTo>
+                <a:lnTo>
+                  <a:pt x="7275" y="9966"/>
+                </a:lnTo>
+                <a:lnTo>
+                  <a:pt x="7803" y="9966"/>
+                </a:lnTo>
+                <a:cubicBezTo>
+                  <a:pt x="7831" y="9966"/>
+                  <a:pt x="7859" y="9872"/>
+                  <a:pt x="7886" y="9872"/>
+                </a:cubicBezTo>
+                <a:cubicBezTo>
+                  <a:pt x="7886" y="9778"/>
+                  <a:pt x="7915" y="9778"/>
+                  <a:pt x="7915" y="9778"/>
+                </a:cubicBezTo>
+                <a:lnTo>
+                  <a:pt x="9248" y="5265"/>
+                </a:lnTo>
+                <a:cubicBezTo>
+                  <a:pt x="9303" y="5077"/>
+                  <a:pt x="9303" y="4889"/>
+                  <a:pt x="9248" y="4701"/>
+                </a:cubicBezTo>
+                <a:close/>
+              </a:path>
+            </a:pathLst>
+          </a:custGeom>
+          <a:solidFill>
+            <a:schemeClr val="accent1"/>
+          </a:solidFill>
+          <a:ln>
+            <a:noFill/>
+          </a:ln>
+        </p:spPr>
+      </p:sp>
+      <p:sp>
+        <p:nvSpPr>
+          <p:cNvPr id="2087" name="Rectangle 2086">
+            <a:extLst>
+              <a:ext uri="{FF2B5EF4-FFF2-40B4-BE49-F238E27FC236}">
+                <a16:creationId xmlns:a16="http://schemas.microsoft.com/office/drawing/2014/main" id="{6A55F051-97DE-49FF-BB21-0EDA63C246F1}"/>
+              </a:ext>
+              <a:ext uri="{C183D7F6-B498-43B3-948B-1728B52AA6E4}">
+                <adec:decorative xmlns:adec="http://schemas.microsoft.com/office/drawing/2017/decorative" val="1"/>
+              </a:ext>
+            </a:extLst>
+          </p:cNvPr>
+          <p:cNvSpPr>
+            <a:spLocks noGrp="1" noRot="1" noChangeAspect="1" noMove="1" noResize="1" noEditPoints="1" noAdjustHandles="1" noChangeArrowheads="1" noChangeShapeType="1" noTextEdit="1"/>
+          </p:cNvSpPr>
+          <p:nvPr>
+            <p:extLst>
+              <p:ext uri="{386F3935-93C4-4BCD-93E2-E3B085C9AB24}">
+                <p16:designElem xmlns:p16="http://schemas.microsoft.com/office/powerpoint/2015/main" val="1"/>
+              </p:ext>
+            </p:extLst>
+          </p:nvPr>
+        </p:nvSpPr>
+        <p:spPr>
+          <a:xfrm>
+            <a:off x="0" y="0"/>
+            <a:ext cx="12192000" cy="6858000"/>
+          </a:xfrm>
+          <a:prstGeom prst="rect">
+            <a:avLst/>
+          </a:prstGeom>
+          <a:solidFill>
+            <a:schemeClr val="bg2"/>
+          </a:solidFill>
+          <a:ln>
+            <a:noFill/>
+          </a:ln>
+        </p:spPr>
+        <p:style>
+          <a:lnRef idx="2">
+            <a:schemeClr val="accent1">
+              <a:shade val="50000"/>
+            </a:schemeClr>
+          </a:lnRef>
+          <a:fillRef idx="1">
+            <a:schemeClr val="accent1"/>
+          </a:fillRef>
+          <a:effectRef idx="0">
+            <a:schemeClr val="accent1"/>
+          </a:effectRef>
+          <a:fontRef idx="minor">
+            <a:schemeClr val="lt1"/>
+          </a:fontRef>
+        </p:style>
+        <p:txBody>
+          <a:bodyPr rtlCol="0" anchor="ctr"/>
+          <a:lstStyle/>
+          <a:p>
+            <a:pPr algn="ctr"/>
+            <a:endParaRPr lang="en-US"/>
+          </a:p>
+        </p:txBody>
+      </p:sp>
+      <p:sp>
+        <p:nvSpPr>
+          <p:cNvPr id="2089" name="Rectangle 2088">
+            <a:extLst>
+              <a:ext uri="{FF2B5EF4-FFF2-40B4-BE49-F238E27FC236}">
+                <a16:creationId xmlns:a16="http://schemas.microsoft.com/office/drawing/2014/main" id="{7E1612B4-AD89-404E-AE2A-48CCF1FE0538}"/>
+              </a:ext>
+              <a:ext uri="{C183D7F6-B498-43B3-948B-1728B52AA6E4}">
+                <adec:decorative xmlns:adec="http://schemas.microsoft.com/office/drawing/2017/decorative" val="1"/>
+              </a:ext>
+            </a:extLst>
+          </p:cNvPr>
+          <p:cNvSpPr>
+            <a:spLocks noGrp="1" noRot="1" noChangeAspect="1" noMove="1" noResize="1" noEditPoints="1" noAdjustHandles="1" noChangeArrowheads="1" noChangeShapeType="1" noTextEdit="1"/>
+          </p:cNvSpPr>
+          <p:nvPr>
+            <p:extLst>
+              <p:ext uri="{386F3935-93C4-4BCD-93E2-E3B085C9AB24}">
+                <p16:designElem xmlns:p16="http://schemas.microsoft.com/office/powerpoint/2015/main" val="1"/>
+              </p:ext>
+            </p:extLst>
+          </p:nvPr>
+        </p:nvSpPr>
+        <p:spPr>
+          <a:xfrm>
+            <a:off x="477012" y="480060"/>
+            <a:ext cx="11237976" cy="5897880"/>
+          </a:xfrm>
+          <a:prstGeom prst="rect">
+            <a:avLst/>
+          </a:prstGeom>
+          <a:solidFill>
+            <a:srgbClr val="FFFFFF"/>
+          </a:solidFill>
+          <a:ln w="25400" cap="sq">
+            <a:solidFill>
+              <a:srgbClr val="98ECFA"/>
+            </a:solidFill>
+            <a:miter lim="800000"/>
+          </a:ln>
+        </p:spPr>
+        <p:style>
+          <a:lnRef idx="2">
+            <a:schemeClr val="accent1">
+              <a:shade val="50000"/>
+            </a:schemeClr>
+          </a:lnRef>
+          <a:fillRef idx="1">
+            <a:schemeClr val="accent1"/>
+          </a:fillRef>
+          <a:effectRef idx="0">
+            <a:schemeClr val="accent1"/>
+          </a:effectRef>
+          <a:fontRef idx="minor">
+            <a:schemeClr val="lt1"/>
+          </a:fontRef>
+        </p:style>
+        <p:txBody>
+          <a:bodyPr rtlCol="0" anchor="ctr"/>
+          <a:lstStyle/>
+          <a:p>
+            <a:pPr algn="ctr"/>
+            <a:endParaRPr lang="en-US"/>
+          </a:p>
+        </p:txBody>
+      </p:sp>
       <p:pic>
         <p:nvPicPr>
-          <p:cNvPr id="5" name="Imagem 4">
+          <p:cNvPr id="2050" name="Picture 2">
             <a:extLst>
               <a:ext uri="{FF2B5EF4-FFF2-40B4-BE49-F238E27FC236}">
-                <a16:creationId xmlns:a16="http://schemas.microsoft.com/office/drawing/2014/main" id="{AE28F1AF-EB55-6A17-DDE7-692183608F0C}"/>
+                <a16:creationId xmlns:a16="http://schemas.microsoft.com/office/drawing/2014/main" id="{8437AD3B-7268-4FB4-0237-290FDE6B9BC8}"/>
               </a:ext>
             </a:extLst>
           </p:cNvPr>
           <p:cNvPicPr>
-            <a:picLocks noChangeAspect="1"/>
+            <a:picLocks noChangeAspect="1" noChangeArrowheads="1"/>
           </p:cNvPicPr>
           <p:nvPr/>
         </p:nvPicPr>
-        <p:blipFill>
-          <a:blip r:embed="rId2"/>
-          <a:stretch>
-            <a:fillRect/>
-          </a:stretch>
+        <p:blipFill rotWithShape="1">
+          <a:blip r:embed="rId2">
+            <a:extLst>
+              <a:ext uri="{28A0092B-C50C-407E-A947-70E740481C1C}">
+                <a14:useLocalDpi xmlns:a14="http://schemas.microsoft.com/office/drawing/2010/main" val="0"/>
+              </a:ext>
+            </a:extLst>
+          </a:blip>
+          <a:srcRect l="130" r="12273" b="-1"/>
+          <a:stretch/>
         </p:blipFill>
-        <p:spPr>
+        <p:spPr bwMode="auto">
           <a:xfrm>
-            <a:off x="198268" y="1470689"/>
-            <a:ext cx="11993732" cy="3916622"/>
+            <a:off x="643467" y="643467"/>
+            <a:ext cx="10905066" cy="5571066"/>
           </a:xfrm>
           <a:prstGeom prst="rect">
             <a:avLst/>
           </a:prstGeom>
+          <a:noFill/>
+          <a:extLst>
+            <a:ext uri="{909E8E84-426E-40DD-AFC4-6F175D3DCCD1}">
+              <a14:hiddenFill xmlns:a14="http://schemas.microsoft.com/office/drawing/2010/main">
+                <a:solidFill>
+                  <a:srgbClr val="FFFFFF"/>
+                </a:solidFill>
+              </a14:hiddenFill>
+            </a:ext>
+          </a:extLst>
         </p:spPr>
       </p:pic>
     </p:spTree>
@@ -12028,6 +17022,32 @@
 <file path=ppt/slides/slide17.xml><?xml version="1.0" encoding="utf-8"?>
 <p:sld xmlns:a="http://schemas.openxmlformats.org/drawingml/2006/main" xmlns:r="http://schemas.openxmlformats.org/officeDocument/2006/relationships" xmlns:p="http://schemas.openxmlformats.org/presentationml/2006/main">
   <p:cSld>
+    <p:bg>
+      <p:bgPr>
+        <a:gradFill rotWithShape="1">
+          <a:gsLst>
+            <a:gs pos="0">
+              <a:schemeClr val="bg2">
+                <a:tint val="90000"/>
+                <a:satMod val="92000"/>
+                <a:lumMod val="120000"/>
+              </a:schemeClr>
+            </a:gs>
+            <a:gs pos="100000">
+              <a:schemeClr val="bg2">
+                <a:shade val="98000"/>
+                <a:satMod val="120000"/>
+                <a:lumMod val="98000"/>
+              </a:schemeClr>
+            </a:gs>
+          </a:gsLst>
+          <a:path path="circle">
+            <a:fillToRect l="50000" t="50000" r="100000" b="100000"/>
+          </a:path>
+        </a:gradFill>
+        <a:effectLst/>
+      </p:bgPr>
+    </p:bg>
     <p:spTree>
       <p:nvGrpSpPr>
         <p:cNvPr id="1" name=""/>
@@ -12042,36 +17062,2722 @@
           <a:chExt cx="0" cy="0"/>
         </a:xfrm>
       </p:grpSpPr>
+      <p:grpSp>
+        <p:nvGrpSpPr>
+          <p:cNvPr id="3128" name="Group 3127">
+            <a:extLst>
+              <a:ext uri="{FF2B5EF4-FFF2-40B4-BE49-F238E27FC236}">
+                <a16:creationId xmlns:a16="http://schemas.microsoft.com/office/drawing/2014/main" id="{259C671B-1B22-4141-A9C0-2E7941FDA7C2}"/>
+              </a:ext>
+              <a:ext uri="{C183D7F6-B498-43B3-948B-1728B52AA6E4}">
+                <adec:decorative xmlns:adec="http://schemas.microsoft.com/office/drawing/2017/decorative" val="1"/>
+              </a:ext>
+            </a:extLst>
+          </p:cNvPr>
+          <p:cNvGrpSpPr>
+            <a:grpSpLocks noGrp="1" noUngrp="1" noRot="1" noChangeAspect="1" noMove="1" noResize="1"/>
+          </p:cNvGrpSpPr>
+          <p:nvPr>
+            <p:extLst>
+              <p:ext uri="{386F3935-93C4-4BCD-93E2-E3B085C9AB24}">
+                <p16:designElem xmlns:p16="http://schemas.microsoft.com/office/powerpoint/2015/main" val="1"/>
+              </p:ext>
+            </p:extLst>
+          </p:nvPr>
+        </p:nvGrpSpPr>
+        <p:grpSpPr>
+          <a:xfrm>
+            <a:off x="9" y="228600"/>
+            <a:ext cx="2851523" cy="6638625"/>
+            <a:chOff x="2487613" y="285750"/>
+            <a:chExt cx="2428875" cy="5654676"/>
+          </a:xfrm>
+        </p:grpSpPr>
+        <p:sp>
+          <p:nvSpPr>
+            <p:cNvPr id="3129" name="Freeform 11">
+              <a:extLst>
+                <a:ext uri="{FF2B5EF4-FFF2-40B4-BE49-F238E27FC236}">
+                  <a16:creationId xmlns:a16="http://schemas.microsoft.com/office/drawing/2014/main" id="{7B2F5A4B-FA0F-4625-82F7-1D3F11281BBA}"/>
+                </a:ext>
+                <a:ext uri="{C183D7F6-B498-43B3-948B-1728B52AA6E4}">
+                  <adec:decorative xmlns:adec="http://schemas.microsoft.com/office/drawing/2017/decorative" val="1"/>
+                </a:ext>
+              </a:extLst>
+            </p:cNvPr>
+            <p:cNvSpPr/>
+            <p:nvPr>
+              <p:extLst>
+                <p:ext uri="{386F3935-93C4-4BCD-93E2-E3B085C9AB24}">
+                  <p16:designElem xmlns:p16="http://schemas.microsoft.com/office/powerpoint/2015/main" val="1"/>
+                </p:ext>
+              </p:extLst>
+            </p:nvPr>
+          </p:nvSpPr>
+          <p:spPr bwMode="auto">
+            <a:xfrm>
+              <a:off x="2487613" y="2284413"/>
+              <a:ext cx="85725" cy="533400"/>
+            </a:xfrm>
+            <a:custGeom>
+              <a:avLst/>
+              <a:gdLst/>
+              <a:ahLst/>
+              <a:cxnLst/>
+              <a:rect l="0" t="0" r="r" b="b"/>
+              <a:pathLst>
+                <a:path w="22" h="136">
+                  <a:moveTo>
+                    <a:pt x="22" y="136"/>
+                  </a:moveTo>
+                  <a:cubicBezTo>
+                    <a:pt x="20" y="117"/>
+                    <a:pt x="19" y="99"/>
+                    <a:pt x="17" y="80"/>
+                  </a:cubicBezTo>
+                  <a:cubicBezTo>
+                    <a:pt x="11" y="54"/>
+                    <a:pt x="6" y="27"/>
+                    <a:pt x="0" y="0"/>
+                  </a:cubicBezTo>
+                  <a:cubicBezTo>
+                    <a:pt x="0" y="35"/>
+                    <a:pt x="0" y="35"/>
+                    <a:pt x="0" y="35"/>
+                  </a:cubicBezTo>
+                  <a:cubicBezTo>
+                    <a:pt x="6" y="64"/>
+                    <a:pt x="13" y="94"/>
+                    <a:pt x="20" y="124"/>
+                  </a:cubicBezTo>
+                  <a:cubicBezTo>
+                    <a:pt x="20" y="128"/>
+                    <a:pt x="21" y="132"/>
+                    <a:pt x="22" y="136"/>
+                  </a:cubicBezTo>
+                  <a:close/>
+                </a:path>
+              </a:pathLst>
+            </a:custGeom>
+            <a:solidFill>
+              <a:schemeClr val="tx2">
+                <a:alpha val="20000"/>
+              </a:schemeClr>
+            </a:solidFill>
+            <a:ln>
+              <a:noFill/>
+            </a:ln>
+          </p:spPr>
+        </p:sp>
+        <p:sp>
+          <p:nvSpPr>
+            <p:cNvPr id="3130" name="Freeform 12">
+              <a:extLst>
+                <a:ext uri="{FF2B5EF4-FFF2-40B4-BE49-F238E27FC236}">
+                  <a16:creationId xmlns:a16="http://schemas.microsoft.com/office/drawing/2014/main" id="{9ACB0BAE-722F-4C91-8C2A-44EF768E836D}"/>
+                </a:ext>
+                <a:ext uri="{C183D7F6-B498-43B3-948B-1728B52AA6E4}">
+                  <adec:decorative xmlns:adec="http://schemas.microsoft.com/office/drawing/2017/decorative" val="1"/>
+                </a:ext>
+              </a:extLst>
+            </p:cNvPr>
+            <p:cNvSpPr/>
+            <p:nvPr>
+              <p:extLst>
+                <p:ext uri="{386F3935-93C4-4BCD-93E2-E3B085C9AB24}">
+                  <p16:designElem xmlns:p16="http://schemas.microsoft.com/office/powerpoint/2015/main" val="1"/>
+                </p:ext>
+              </p:extLst>
+            </p:nvPr>
+          </p:nvSpPr>
+          <p:spPr bwMode="auto">
+            <a:xfrm>
+              <a:off x="2597151" y="2779713"/>
+              <a:ext cx="550863" cy="1978025"/>
+            </a:xfrm>
+            <a:custGeom>
+              <a:avLst/>
+              <a:gdLst/>
+              <a:ahLst/>
+              <a:cxnLst/>
+              <a:rect l="0" t="0" r="r" b="b"/>
+              <a:pathLst>
+                <a:path w="140" h="504">
+                  <a:moveTo>
+                    <a:pt x="86" y="350"/>
+                  </a:moveTo>
+                  <a:cubicBezTo>
+                    <a:pt x="103" y="402"/>
+                    <a:pt x="120" y="453"/>
+                    <a:pt x="139" y="504"/>
+                  </a:cubicBezTo>
+                  <a:cubicBezTo>
+                    <a:pt x="139" y="495"/>
+                    <a:pt x="139" y="487"/>
+                    <a:pt x="140" y="478"/>
+                  </a:cubicBezTo>
+                  <a:cubicBezTo>
+                    <a:pt x="124" y="435"/>
+                    <a:pt x="109" y="391"/>
+                    <a:pt x="95" y="347"/>
+                  </a:cubicBezTo>
+                  <a:cubicBezTo>
+                    <a:pt x="58" y="233"/>
+                    <a:pt x="27" y="117"/>
+                    <a:pt x="0" y="0"/>
+                  </a:cubicBezTo>
+                  <a:cubicBezTo>
+                    <a:pt x="2" y="20"/>
+                    <a:pt x="4" y="41"/>
+                    <a:pt x="6" y="61"/>
+                  </a:cubicBezTo>
+                  <a:cubicBezTo>
+                    <a:pt x="30" y="158"/>
+                    <a:pt x="56" y="255"/>
+                    <a:pt x="86" y="350"/>
+                  </a:cubicBezTo>
+                  <a:close/>
+                </a:path>
+              </a:pathLst>
+            </a:custGeom>
+            <a:solidFill>
+              <a:schemeClr val="tx2">
+                <a:alpha val="20000"/>
+              </a:schemeClr>
+            </a:solidFill>
+            <a:ln>
+              <a:noFill/>
+            </a:ln>
+          </p:spPr>
+        </p:sp>
+        <p:sp>
+          <p:nvSpPr>
+            <p:cNvPr id="3131" name="Freeform 13">
+              <a:extLst>
+                <a:ext uri="{FF2B5EF4-FFF2-40B4-BE49-F238E27FC236}">
+                  <a16:creationId xmlns:a16="http://schemas.microsoft.com/office/drawing/2014/main" id="{C3AC4D9F-59AC-421A-9FF3-C936CEC43978}"/>
+                </a:ext>
+                <a:ext uri="{C183D7F6-B498-43B3-948B-1728B52AA6E4}">
+                  <adec:decorative xmlns:adec="http://schemas.microsoft.com/office/drawing/2017/decorative" val="1"/>
+                </a:ext>
+              </a:extLst>
+            </p:cNvPr>
+            <p:cNvSpPr/>
+            <p:nvPr>
+              <p:extLst>
+                <p:ext uri="{386F3935-93C4-4BCD-93E2-E3B085C9AB24}">
+                  <p16:designElem xmlns:p16="http://schemas.microsoft.com/office/powerpoint/2015/main" val="1"/>
+                </p:ext>
+              </p:extLst>
+            </p:nvPr>
+          </p:nvSpPr>
+          <p:spPr bwMode="auto">
+            <a:xfrm>
+              <a:off x="3175001" y="4730750"/>
+              <a:ext cx="519113" cy="1209675"/>
+            </a:xfrm>
+            <a:custGeom>
+              <a:avLst/>
+              <a:gdLst/>
+              <a:ahLst/>
+              <a:cxnLst/>
+              <a:rect l="0" t="0" r="r" b="b"/>
+              <a:pathLst>
+                <a:path w="132" h="308">
+                  <a:moveTo>
+                    <a:pt x="8" y="22"/>
+                  </a:moveTo>
+                  <a:cubicBezTo>
+                    <a:pt x="5" y="15"/>
+                    <a:pt x="2" y="8"/>
+                    <a:pt x="0" y="0"/>
+                  </a:cubicBezTo>
+                  <a:cubicBezTo>
+                    <a:pt x="0" y="10"/>
+                    <a:pt x="0" y="19"/>
+                    <a:pt x="0" y="29"/>
+                  </a:cubicBezTo>
+                  <a:cubicBezTo>
+                    <a:pt x="21" y="85"/>
+                    <a:pt x="44" y="140"/>
+                    <a:pt x="68" y="194"/>
+                  </a:cubicBezTo>
+                  <a:cubicBezTo>
+                    <a:pt x="85" y="232"/>
+                    <a:pt x="104" y="270"/>
+                    <a:pt x="123" y="308"/>
+                  </a:cubicBezTo>
+                  <a:cubicBezTo>
+                    <a:pt x="132" y="308"/>
+                    <a:pt x="132" y="308"/>
+                    <a:pt x="132" y="308"/>
+                  </a:cubicBezTo>
+                  <a:cubicBezTo>
+                    <a:pt x="113" y="269"/>
+                    <a:pt x="94" y="230"/>
+                    <a:pt x="77" y="190"/>
+                  </a:cubicBezTo>
+                  <a:cubicBezTo>
+                    <a:pt x="52" y="135"/>
+                    <a:pt x="29" y="79"/>
+                    <a:pt x="8" y="22"/>
+                  </a:cubicBezTo>
+                  <a:close/>
+                </a:path>
+              </a:pathLst>
+            </a:custGeom>
+            <a:solidFill>
+              <a:schemeClr val="tx2">
+                <a:alpha val="20000"/>
+              </a:schemeClr>
+            </a:solidFill>
+            <a:ln>
+              <a:noFill/>
+            </a:ln>
+          </p:spPr>
+        </p:sp>
+        <p:sp>
+          <p:nvSpPr>
+            <p:cNvPr id="3132" name="Freeform 14">
+              <a:extLst>
+                <a:ext uri="{FF2B5EF4-FFF2-40B4-BE49-F238E27FC236}">
+                  <a16:creationId xmlns:a16="http://schemas.microsoft.com/office/drawing/2014/main" id="{797BCE03-677D-4D65-A4D1-1FD721DD5D62}"/>
+                </a:ext>
+                <a:ext uri="{C183D7F6-B498-43B3-948B-1728B52AA6E4}">
+                  <adec:decorative xmlns:adec="http://schemas.microsoft.com/office/drawing/2017/decorative" val="1"/>
+                </a:ext>
+              </a:extLst>
+            </p:cNvPr>
+            <p:cNvSpPr/>
+            <p:nvPr>
+              <p:extLst>
+                <p:ext uri="{386F3935-93C4-4BCD-93E2-E3B085C9AB24}">
+                  <p16:designElem xmlns:p16="http://schemas.microsoft.com/office/powerpoint/2015/main" val="1"/>
+                </p:ext>
+              </p:extLst>
+            </p:nvPr>
+          </p:nvSpPr>
+          <p:spPr bwMode="auto">
+            <a:xfrm>
+              <a:off x="3305176" y="5630863"/>
+              <a:ext cx="146050" cy="309563"/>
+            </a:xfrm>
+            <a:custGeom>
+              <a:avLst/>
+              <a:gdLst/>
+              <a:ahLst/>
+              <a:cxnLst/>
+              <a:rect l="0" t="0" r="r" b="b"/>
+              <a:pathLst>
+                <a:path w="37" h="79">
+                  <a:moveTo>
+                    <a:pt x="28" y="79"/>
+                  </a:moveTo>
+                  <a:cubicBezTo>
+                    <a:pt x="37" y="79"/>
+                    <a:pt x="37" y="79"/>
+                    <a:pt x="37" y="79"/>
+                  </a:cubicBezTo>
+                  <a:cubicBezTo>
+                    <a:pt x="24" y="53"/>
+                    <a:pt x="12" y="27"/>
+                    <a:pt x="0" y="0"/>
+                  </a:cubicBezTo>
+                  <a:cubicBezTo>
+                    <a:pt x="8" y="27"/>
+                    <a:pt x="17" y="53"/>
+                    <a:pt x="28" y="79"/>
+                  </a:cubicBezTo>
+                  <a:close/>
+                </a:path>
+              </a:pathLst>
+            </a:custGeom>
+            <a:solidFill>
+              <a:schemeClr val="tx2">
+                <a:alpha val="20000"/>
+              </a:schemeClr>
+            </a:solidFill>
+            <a:ln>
+              <a:noFill/>
+            </a:ln>
+          </p:spPr>
+        </p:sp>
+        <p:sp>
+          <p:nvSpPr>
+            <p:cNvPr id="3133" name="Freeform 15">
+              <a:extLst>
+                <a:ext uri="{FF2B5EF4-FFF2-40B4-BE49-F238E27FC236}">
+                  <a16:creationId xmlns:a16="http://schemas.microsoft.com/office/drawing/2014/main" id="{D007E5D0-0B4E-4094-988C-9917146C2D19}"/>
+                </a:ext>
+                <a:ext uri="{C183D7F6-B498-43B3-948B-1728B52AA6E4}">
+                  <adec:decorative xmlns:adec="http://schemas.microsoft.com/office/drawing/2017/decorative" val="1"/>
+                </a:ext>
+              </a:extLst>
+            </p:cNvPr>
+            <p:cNvSpPr/>
+            <p:nvPr>
+              <p:extLst>
+                <p:ext uri="{386F3935-93C4-4BCD-93E2-E3B085C9AB24}">
+                  <p16:designElem xmlns:p16="http://schemas.microsoft.com/office/powerpoint/2015/main" val="1"/>
+                </p:ext>
+              </p:extLst>
+            </p:nvPr>
+          </p:nvSpPr>
+          <p:spPr bwMode="auto">
+            <a:xfrm>
+              <a:off x="2573338" y="2817813"/>
+              <a:ext cx="700088" cy="2835275"/>
+            </a:xfrm>
+            <a:custGeom>
+              <a:avLst/>
+              <a:gdLst/>
+              <a:ahLst/>
+              <a:cxnLst/>
+              <a:rect l="0" t="0" r="r" b="b"/>
+              <a:pathLst>
+                <a:path w="178" h="722">
+                  <a:moveTo>
+                    <a:pt x="162" y="660"/>
+                  </a:moveTo>
+                  <a:cubicBezTo>
+                    <a:pt x="145" y="618"/>
+                    <a:pt x="130" y="576"/>
+                    <a:pt x="116" y="534"/>
+                  </a:cubicBezTo>
+                  <a:cubicBezTo>
+                    <a:pt x="84" y="437"/>
+                    <a:pt x="59" y="337"/>
+                    <a:pt x="40" y="236"/>
+                  </a:cubicBezTo>
+                  <a:cubicBezTo>
+                    <a:pt x="29" y="175"/>
+                    <a:pt x="20" y="113"/>
+                    <a:pt x="12" y="51"/>
+                  </a:cubicBezTo>
+                  <a:cubicBezTo>
+                    <a:pt x="8" y="34"/>
+                    <a:pt x="4" y="17"/>
+                    <a:pt x="0" y="0"/>
+                  </a:cubicBezTo>
+                  <a:cubicBezTo>
+                    <a:pt x="8" y="79"/>
+                    <a:pt x="19" y="159"/>
+                    <a:pt x="33" y="237"/>
+                  </a:cubicBezTo>
+                  <a:cubicBezTo>
+                    <a:pt x="51" y="339"/>
+                    <a:pt x="76" y="439"/>
+                    <a:pt x="107" y="537"/>
+                  </a:cubicBezTo>
+                  <a:cubicBezTo>
+                    <a:pt x="123" y="586"/>
+                    <a:pt x="141" y="634"/>
+                    <a:pt x="160" y="681"/>
+                  </a:cubicBezTo>
+                  <a:cubicBezTo>
+                    <a:pt x="166" y="695"/>
+                    <a:pt x="172" y="708"/>
+                    <a:pt x="178" y="722"/>
+                  </a:cubicBezTo>
+                  <a:cubicBezTo>
+                    <a:pt x="176" y="717"/>
+                    <a:pt x="175" y="713"/>
+                    <a:pt x="174" y="708"/>
+                  </a:cubicBezTo>
+                  <a:cubicBezTo>
+                    <a:pt x="169" y="692"/>
+                    <a:pt x="165" y="676"/>
+                    <a:pt x="162" y="660"/>
+                  </a:cubicBezTo>
+                  <a:close/>
+                </a:path>
+              </a:pathLst>
+            </a:custGeom>
+            <a:solidFill>
+              <a:schemeClr val="tx2">
+                <a:alpha val="20000"/>
+              </a:schemeClr>
+            </a:solidFill>
+            <a:ln>
+              <a:noFill/>
+            </a:ln>
+          </p:spPr>
+        </p:sp>
+        <p:sp>
+          <p:nvSpPr>
+            <p:cNvPr id="3134" name="Freeform 16">
+              <a:extLst>
+                <a:ext uri="{FF2B5EF4-FFF2-40B4-BE49-F238E27FC236}">
+                  <a16:creationId xmlns:a16="http://schemas.microsoft.com/office/drawing/2014/main" id="{024DB804-C06B-4A0A-AC43-6BCCB7D76008}"/>
+                </a:ext>
+                <a:ext uri="{C183D7F6-B498-43B3-948B-1728B52AA6E4}">
+                  <adec:decorative xmlns:adec="http://schemas.microsoft.com/office/drawing/2017/decorative" val="1"/>
+                </a:ext>
+              </a:extLst>
+            </p:cNvPr>
+            <p:cNvSpPr/>
+            <p:nvPr>
+              <p:extLst>
+                <p:ext uri="{386F3935-93C4-4BCD-93E2-E3B085C9AB24}">
+                  <p16:designElem xmlns:p16="http://schemas.microsoft.com/office/powerpoint/2015/main" val="1"/>
+                </p:ext>
+              </p:extLst>
+            </p:nvPr>
+          </p:nvSpPr>
+          <p:spPr bwMode="auto">
+            <a:xfrm>
+              <a:off x="2506663" y="285750"/>
+              <a:ext cx="90488" cy="2493963"/>
+            </a:xfrm>
+            <a:custGeom>
+              <a:avLst/>
+              <a:gdLst/>
+              <a:ahLst/>
+              <a:cxnLst/>
+              <a:rect l="0" t="0" r="r" b="b"/>
+              <a:pathLst>
+                <a:path w="23" h="635">
+                  <a:moveTo>
+                    <a:pt x="11" y="577"/>
+                  </a:moveTo>
+                  <a:cubicBezTo>
+                    <a:pt x="12" y="581"/>
+                    <a:pt x="12" y="585"/>
+                    <a:pt x="12" y="589"/>
+                  </a:cubicBezTo>
+                  <a:cubicBezTo>
+                    <a:pt x="15" y="603"/>
+                    <a:pt x="19" y="617"/>
+                    <a:pt x="22" y="632"/>
+                  </a:cubicBezTo>
+                  <a:cubicBezTo>
+                    <a:pt x="22" y="633"/>
+                    <a:pt x="22" y="634"/>
+                    <a:pt x="23" y="635"/>
+                  </a:cubicBezTo>
+                  <a:cubicBezTo>
+                    <a:pt x="21" y="615"/>
+                    <a:pt x="19" y="596"/>
+                    <a:pt x="17" y="576"/>
+                  </a:cubicBezTo>
+                  <a:cubicBezTo>
+                    <a:pt x="9" y="474"/>
+                    <a:pt x="5" y="372"/>
+                    <a:pt x="5" y="269"/>
+                  </a:cubicBezTo>
+                  <a:cubicBezTo>
+                    <a:pt x="6" y="179"/>
+                    <a:pt x="9" y="90"/>
+                    <a:pt x="15" y="0"/>
+                  </a:cubicBezTo>
+                  <a:cubicBezTo>
+                    <a:pt x="12" y="0"/>
+                    <a:pt x="12" y="0"/>
+                    <a:pt x="12" y="0"/>
+                  </a:cubicBezTo>
+                  <a:cubicBezTo>
+                    <a:pt x="5" y="89"/>
+                    <a:pt x="2" y="179"/>
+                    <a:pt x="1" y="269"/>
+                  </a:cubicBezTo>
+                  <a:cubicBezTo>
+                    <a:pt x="0" y="372"/>
+                    <a:pt x="3" y="474"/>
+                    <a:pt x="11" y="577"/>
+                  </a:cubicBezTo>
+                  <a:close/>
+                </a:path>
+              </a:pathLst>
+            </a:custGeom>
+            <a:solidFill>
+              <a:schemeClr val="tx2">
+                <a:alpha val="20000"/>
+              </a:schemeClr>
+            </a:solidFill>
+            <a:ln>
+              <a:noFill/>
+            </a:ln>
+          </p:spPr>
+        </p:sp>
+        <p:sp>
+          <p:nvSpPr>
+            <p:cNvPr id="3135" name="Freeform 17">
+              <a:extLst>
+                <a:ext uri="{FF2B5EF4-FFF2-40B4-BE49-F238E27FC236}">
+                  <a16:creationId xmlns:a16="http://schemas.microsoft.com/office/drawing/2014/main" id="{B51DC17A-305E-486E-A527-5E8068E9EFBC}"/>
+                </a:ext>
+                <a:ext uri="{C183D7F6-B498-43B3-948B-1728B52AA6E4}">
+                  <adec:decorative xmlns:adec="http://schemas.microsoft.com/office/drawing/2017/decorative" val="1"/>
+                </a:ext>
+              </a:extLst>
+            </p:cNvPr>
+            <p:cNvSpPr/>
+            <p:nvPr>
+              <p:extLst>
+                <p:ext uri="{386F3935-93C4-4BCD-93E2-E3B085C9AB24}">
+                  <p16:designElem xmlns:p16="http://schemas.microsoft.com/office/powerpoint/2015/main" val="1"/>
+                </p:ext>
+              </p:extLst>
+            </p:nvPr>
+          </p:nvSpPr>
+          <p:spPr bwMode="auto">
+            <a:xfrm>
+              <a:off x="2554288" y="2598738"/>
+              <a:ext cx="66675" cy="420688"/>
+            </a:xfrm>
+            <a:custGeom>
+              <a:avLst/>
+              <a:gdLst/>
+              <a:ahLst/>
+              <a:cxnLst/>
+              <a:rect l="0" t="0" r="r" b="b"/>
+              <a:pathLst>
+                <a:path w="17" h="107">
+                  <a:moveTo>
+                    <a:pt x="0" y="0"/>
+                  </a:moveTo>
+                  <a:cubicBezTo>
+                    <a:pt x="2" y="19"/>
+                    <a:pt x="3" y="37"/>
+                    <a:pt x="5" y="56"/>
+                  </a:cubicBezTo>
+                  <a:cubicBezTo>
+                    <a:pt x="9" y="73"/>
+                    <a:pt x="13" y="90"/>
+                    <a:pt x="17" y="107"/>
+                  </a:cubicBezTo>
+                  <a:cubicBezTo>
+                    <a:pt x="15" y="87"/>
+                    <a:pt x="13" y="66"/>
+                    <a:pt x="11" y="46"/>
+                  </a:cubicBezTo>
+                  <a:cubicBezTo>
+                    <a:pt x="10" y="45"/>
+                    <a:pt x="10" y="44"/>
+                    <a:pt x="10" y="43"/>
+                  </a:cubicBezTo>
+                  <a:cubicBezTo>
+                    <a:pt x="7" y="28"/>
+                    <a:pt x="3" y="14"/>
+                    <a:pt x="0" y="0"/>
+                  </a:cubicBezTo>
+                  <a:close/>
+                </a:path>
+              </a:pathLst>
+            </a:custGeom>
+            <a:solidFill>
+              <a:schemeClr val="tx2">
+                <a:alpha val="20000"/>
+              </a:schemeClr>
+            </a:solidFill>
+            <a:ln>
+              <a:noFill/>
+            </a:ln>
+          </p:spPr>
+        </p:sp>
+        <p:sp>
+          <p:nvSpPr>
+            <p:cNvPr id="3136" name="Freeform 18">
+              <a:extLst>
+                <a:ext uri="{FF2B5EF4-FFF2-40B4-BE49-F238E27FC236}">
+                  <a16:creationId xmlns:a16="http://schemas.microsoft.com/office/drawing/2014/main" id="{B6CCA716-6D46-4523-BF96-FF1B0C546448}"/>
+                </a:ext>
+                <a:ext uri="{C183D7F6-B498-43B3-948B-1728B52AA6E4}">
+                  <adec:decorative xmlns:adec="http://schemas.microsoft.com/office/drawing/2017/decorative" val="1"/>
+                </a:ext>
+              </a:extLst>
+            </p:cNvPr>
+            <p:cNvSpPr/>
+            <p:nvPr>
+              <p:extLst>
+                <p:ext uri="{386F3935-93C4-4BCD-93E2-E3B085C9AB24}">
+                  <p16:designElem xmlns:p16="http://schemas.microsoft.com/office/powerpoint/2015/main" val="1"/>
+                </p:ext>
+              </p:extLst>
+            </p:nvPr>
+          </p:nvSpPr>
+          <p:spPr bwMode="auto">
+            <a:xfrm>
+              <a:off x="3143251" y="4757738"/>
+              <a:ext cx="161925" cy="873125"/>
+            </a:xfrm>
+            <a:custGeom>
+              <a:avLst/>
+              <a:gdLst/>
+              <a:ahLst/>
+              <a:cxnLst/>
+              <a:rect l="0" t="0" r="r" b="b"/>
+              <a:pathLst>
+                <a:path w="41" h="222">
+                  <a:moveTo>
+                    <a:pt x="0" y="0"/>
+                  </a:moveTo>
+                  <a:cubicBezTo>
+                    <a:pt x="0" y="31"/>
+                    <a:pt x="2" y="62"/>
+                    <a:pt x="5" y="93"/>
+                  </a:cubicBezTo>
+                  <a:cubicBezTo>
+                    <a:pt x="8" y="117"/>
+                    <a:pt x="12" y="142"/>
+                    <a:pt x="17" y="166"/>
+                  </a:cubicBezTo>
+                  <a:cubicBezTo>
+                    <a:pt x="19" y="172"/>
+                    <a:pt x="22" y="178"/>
+                    <a:pt x="24" y="184"/>
+                  </a:cubicBezTo>
+                  <a:cubicBezTo>
+                    <a:pt x="30" y="197"/>
+                    <a:pt x="35" y="209"/>
+                    <a:pt x="41" y="222"/>
+                  </a:cubicBezTo>
+                  <a:cubicBezTo>
+                    <a:pt x="40" y="219"/>
+                    <a:pt x="39" y="215"/>
+                    <a:pt x="38" y="212"/>
+                  </a:cubicBezTo>
+                  <a:cubicBezTo>
+                    <a:pt x="26" y="172"/>
+                    <a:pt x="18" y="132"/>
+                    <a:pt x="13" y="92"/>
+                  </a:cubicBezTo>
+                  <a:cubicBezTo>
+                    <a:pt x="11" y="68"/>
+                    <a:pt x="9" y="45"/>
+                    <a:pt x="8" y="22"/>
+                  </a:cubicBezTo>
+                  <a:cubicBezTo>
+                    <a:pt x="8" y="21"/>
+                    <a:pt x="7" y="20"/>
+                    <a:pt x="7" y="18"/>
+                  </a:cubicBezTo>
+                  <a:cubicBezTo>
+                    <a:pt x="5" y="12"/>
+                    <a:pt x="2" y="6"/>
+                    <a:pt x="0" y="0"/>
+                  </a:cubicBezTo>
+                  <a:close/>
+                </a:path>
+              </a:pathLst>
+            </a:custGeom>
+            <a:solidFill>
+              <a:schemeClr val="tx2">
+                <a:alpha val="20000"/>
+              </a:schemeClr>
+            </a:solidFill>
+            <a:ln>
+              <a:noFill/>
+            </a:ln>
+          </p:spPr>
+        </p:sp>
+        <p:sp>
+          <p:nvSpPr>
+            <p:cNvPr id="3137" name="Freeform 19">
+              <a:extLst>
+                <a:ext uri="{FF2B5EF4-FFF2-40B4-BE49-F238E27FC236}">
+                  <a16:creationId xmlns:a16="http://schemas.microsoft.com/office/drawing/2014/main" id="{E632B09A-D30C-4268-B28B-ACD612763080}"/>
+                </a:ext>
+                <a:ext uri="{C183D7F6-B498-43B3-948B-1728B52AA6E4}">
+                  <adec:decorative xmlns:adec="http://schemas.microsoft.com/office/drawing/2017/decorative" val="1"/>
+                </a:ext>
+              </a:extLst>
+            </p:cNvPr>
+            <p:cNvSpPr/>
+            <p:nvPr>
+              <p:extLst>
+                <p:ext uri="{386F3935-93C4-4BCD-93E2-E3B085C9AB24}">
+                  <p16:designElem xmlns:p16="http://schemas.microsoft.com/office/powerpoint/2015/main" val="1"/>
+                </p:ext>
+              </p:extLst>
+            </p:nvPr>
+          </p:nvSpPr>
+          <p:spPr bwMode="auto">
+            <a:xfrm>
+              <a:off x="3148013" y="1282700"/>
+              <a:ext cx="1768475" cy="3448050"/>
+            </a:xfrm>
+            <a:custGeom>
+              <a:avLst/>
+              <a:gdLst/>
+              <a:ahLst/>
+              <a:cxnLst/>
+              <a:rect l="0" t="0" r="r" b="b"/>
+              <a:pathLst>
+                <a:path w="450" h="878">
+                  <a:moveTo>
+                    <a:pt x="7" y="854"/>
+                  </a:moveTo>
+                  <a:cubicBezTo>
+                    <a:pt x="10" y="772"/>
+                    <a:pt x="26" y="691"/>
+                    <a:pt x="50" y="613"/>
+                  </a:cubicBezTo>
+                  <a:cubicBezTo>
+                    <a:pt x="75" y="535"/>
+                    <a:pt x="109" y="460"/>
+                    <a:pt x="149" y="388"/>
+                  </a:cubicBezTo>
+                  <a:cubicBezTo>
+                    <a:pt x="189" y="316"/>
+                    <a:pt x="235" y="248"/>
+                    <a:pt x="285" y="183"/>
+                  </a:cubicBezTo>
+                  <a:cubicBezTo>
+                    <a:pt x="310" y="151"/>
+                    <a:pt x="337" y="119"/>
+                    <a:pt x="364" y="89"/>
+                  </a:cubicBezTo>
+                  <a:cubicBezTo>
+                    <a:pt x="378" y="74"/>
+                    <a:pt x="392" y="58"/>
+                    <a:pt x="406" y="44"/>
+                  </a:cubicBezTo>
+                  <a:cubicBezTo>
+                    <a:pt x="421" y="29"/>
+                    <a:pt x="435" y="15"/>
+                    <a:pt x="450" y="1"/>
+                  </a:cubicBezTo>
+                  <a:cubicBezTo>
+                    <a:pt x="450" y="0"/>
+                    <a:pt x="450" y="0"/>
+                    <a:pt x="450" y="0"/>
+                  </a:cubicBezTo>
+                  <a:cubicBezTo>
+                    <a:pt x="434" y="14"/>
+                    <a:pt x="420" y="28"/>
+                    <a:pt x="405" y="43"/>
+                  </a:cubicBezTo>
+                  <a:cubicBezTo>
+                    <a:pt x="391" y="57"/>
+                    <a:pt x="377" y="72"/>
+                    <a:pt x="363" y="88"/>
+                  </a:cubicBezTo>
+                  <a:cubicBezTo>
+                    <a:pt x="335" y="118"/>
+                    <a:pt x="308" y="149"/>
+                    <a:pt x="283" y="181"/>
+                  </a:cubicBezTo>
+                  <a:cubicBezTo>
+                    <a:pt x="232" y="246"/>
+                    <a:pt x="185" y="314"/>
+                    <a:pt x="145" y="386"/>
+                  </a:cubicBezTo>
+                  <a:cubicBezTo>
+                    <a:pt x="104" y="457"/>
+                    <a:pt x="70" y="533"/>
+                    <a:pt x="45" y="611"/>
+                  </a:cubicBezTo>
+                  <a:cubicBezTo>
+                    <a:pt x="19" y="690"/>
+                    <a:pt x="3" y="771"/>
+                    <a:pt x="0" y="854"/>
+                  </a:cubicBezTo>
+                  <a:cubicBezTo>
+                    <a:pt x="0" y="856"/>
+                    <a:pt x="0" y="857"/>
+                    <a:pt x="0" y="859"/>
+                  </a:cubicBezTo>
+                  <a:cubicBezTo>
+                    <a:pt x="2" y="865"/>
+                    <a:pt x="4" y="872"/>
+                    <a:pt x="7" y="878"/>
+                  </a:cubicBezTo>
+                  <a:cubicBezTo>
+                    <a:pt x="7" y="870"/>
+                    <a:pt x="7" y="862"/>
+                    <a:pt x="7" y="854"/>
+                  </a:cubicBezTo>
+                  <a:close/>
+                </a:path>
+              </a:pathLst>
+            </a:custGeom>
+            <a:solidFill>
+              <a:schemeClr val="tx2">
+                <a:alpha val="20000"/>
+              </a:schemeClr>
+            </a:solidFill>
+            <a:ln>
+              <a:noFill/>
+            </a:ln>
+          </p:spPr>
+        </p:sp>
+        <p:sp>
+          <p:nvSpPr>
+            <p:cNvPr id="3138" name="Freeform 20">
+              <a:extLst>
+                <a:ext uri="{FF2B5EF4-FFF2-40B4-BE49-F238E27FC236}">
+                  <a16:creationId xmlns:a16="http://schemas.microsoft.com/office/drawing/2014/main" id="{5FC839A4-228B-4EC0-8AF4-D8E38ECE67E1}"/>
+                </a:ext>
+                <a:ext uri="{C183D7F6-B498-43B3-948B-1728B52AA6E4}">
+                  <adec:decorative xmlns:adec="http://schemas.microsoft.com/office/drawing/2017/decorative" val="1"/>
+                </a:ext>
+              </a:extLst>
+            </p:cNvPr>
+            <p:cNvSpPr/>
+            <p:nvPr>
+              <p:extLst>
+                <p:ext uri="{386F3935-93C4-4BCD-93E2-E3B085C9AB24}">
+                  <p16:designElem xmlns:p16="http://schemas.microsoft.com/office/powerpoint/2015/main" val="1"/>
+                </p:ext>
+              </p:extLst>
+            </p:nvPr>
+          </p:nvSpPr>
+          <p:spPr bwMode="auto">
+            <a:xfrm>
+              <a:off x="3273426" y="5653088"/>
+              <a:ext cx="138113" cy="287338"/>
+            </a:xfrm>
+            <a:custGeom>
+              <a:avLst/>
+              <a:gdLst/>
+              <a:ahLst/>
+              <a:cxnLst/>
+              <a:rect l="0" t="0" r="r" b="b"/>
+              <a:pathLst>
+                <a:path w="35" h="73">
+                  <a:moveTo>
+                    <a:pt x="0" y="0"/>
+                  </a:moveTo>
+                  <a:cubicBezTo>
+                    <a:pt x="7" y="24"/>
+                    <a:pt x="16" y="49"/>
+                    <a:pt x="26" y="73"/>
+                  </a:cubicBezTo>
+                  <a:cubicBezTo>
+                    <a:pt x="35" y="73"/>
+                    <a:pt x="35" y="73"/>
+                    <a:pt x="35" y="73"/>
+                  </a:cubicBezTo>
+                  <a:cubicBezTo>
+                    <a:pt x="23" y="49"/>
+                    <a:pt x="11" y="24"/>
+                    <a:pt x="0" y="0"/>
+                  </a:cubicBezTo>
+                  <a:close/>
+                </a:path>
+              </a:pathLst>
+            </a:custGeom>
+            <a:solidFill>
+              <a:schemeClr val="tx2">
+                <a:alpha val="20000"/>
+              </a:schemeClr>
+            </a:solidFill>
+            <a:ln>
+              <a:noFill/>
+            </a:ln>
+          </p:spPr>
+        </p:sp>
+        <p:sp>
+          <p:nvSpPr>
+            <p:cNvPr id="3139" name="Freeform 21">
+              <a:extLst>
+                <a:ext uri="{FF2B5EF4-FFF2-40B4-BE49-F238E27FC236}">
+                  <a16:creationId xmlns:a16="http://schemas.microsoft.com/office/drawing/2014/main" id="{A8FFB1A1-5BB5-4551-87CD-F3365E6FE99E}"/>
+                </a:ext>
+                <a:ext uri="{C183D7F6-B498-43B3-948B-1728B52AA6E4}">
+                  <adec:decorative xmlns:adec="http://schemas.microsoft.com/office/drawing/2017/decorative" val="1"/>
+                </a:ext>
+              </a:extLst>
+            </p:cNvPr>
+            <p:cNvSpPr/>
+            <p:nvPr>
+              <p:extLst>
+                <p:ext uri="{386F3935-93C4-4BCD-93E2-E3B085C9AB24}">
+                  <p16:designElem xmlns:p16="http://schemas.microsoft.com/office/powerpoint/2015/main" val="1"/>
+                </p:ext>
+              </p:extLst>
+            </p:nvPr>
+          </p:nvSpPr>
+          <p:spPr bwMode="auto">
+            <a:xfrm>
+              <a:off x="3143251" y="4656138"/>
+              <a:ext cx="31750" cy="188913"/>
+            </a:xfrm>
+            <a:custGeom>
+              <a:avLst/>
+              <a:gdLst/>
+              <a:ahLst/>
+              <a:cxnLst/>
+              <a:rect l="0" t="0" r="r" b="b"/>
+              <a:pathLst>
+                <a:path w="8" h="48">
+                  <a:moveTo>
+                    <a:pt x="7" y="44"/>
+                  </a:moveTo>
+                  <a:cubicBezTo>
+                    <a:pt x="7" y="46"/>
+                    <a:pt x="8" y="47"/>
+                    <a:pt x="8" y="48"/>
+                  </a:cubicBezTo>
+                  <a:cubicBezTo>
+                    <a:pt x="8" y="38"/>
+                    <a:pt x="8" y="29"/>
+                    <a:pt x="8" y="19"/>
+                  </a:cubicBezTo>
+                  <a:cubicBezTo>
+                    <a:pt x="5" y="13"/>
+                    <a:pt x="3" y="6"/>
+                    <a:pt x="1" y="0"/>
+                  </a:cubicBezTo>
+                  <a:cubicBezTo>
+                    <a:pt x="0" y="9"/>
+                    <a:pt x="0" y="17"/>
+                    <a:pt x="0" y="26"/>
+                  </a:cubicBezTo>
+                  <a:cubicBezTo>
+                    <a:pt x="2" y="32"/>
+                    <a:pt x="5" y="38"/>
+                    <a:pt x="7" y="44"/>
+                  </a:cubicBezTo>
+                  <a:close/>
+                </a:path>
+              </a:pathLst>
+            </a:custGeom>
+            <a:solidFill>
+              <a:schemeClr val="tx2">
+                <a:alpha val="20000"/>
+              </a:schemeClr>
+            </a:solidFill>
+            <a:ln>
+              <a:noFill/>
+            </a:ln>
+          </p:spPr>
+        </p:sp>
+        <p:sp>
+          <p:nvSpPr>
+            <p:cNvPr id="3140" name="Freeform 22">
+              <a:extLst>
+                <a:ext uri="{FF2B5EF4-FFF2-40B4-BE49-F238E27FC236}">
+                  <a16:creationId xmlns:a16="http://schemas.microsoft.com/office/drawing/2014/main" id="{D05AF173-8E70-41FA-9254-DF9AC3DDA23D}"/>
+                </a:ext>
+                <a:ext uri="{C183D7F6-B498-43B3-948B-1728B52AA6E4}">
+                  <adec:decorative xmlns:adec="http://schemas.microsoft.com/office/drawing/2017/decorative" val="1"/>
+                </a:ext>
+              </a:extLst>
+            </p:cNvPr>
+            <p:cNvSpPr/>
+            <p:nvPr>
+              <p:extLst>
+                <p:ext uri="{386F3935-93C4-4BCD-93E2-E3B085C9AB24}">
+                  <p16:designElem xmlns:p16="http://schemas.microsoft.com/office/powerpoint/2015/main" val="1"/>
+                </p:ext>
+              </p:extLst>
+            </p:nvPr>
+          </p:nvSpPr>
+          <p:spPr bwMode="auto">
+            <a:xfrm>
+              <a:off x="3211513" y="5410200"/>
+              <a:ext cx="203200" cy="530225"/>
+            </a:xfrm>
+            <a:custGeom>
+              <a:avLst/>
+              <a:gdLst/>
+              <a:ahLst/>
+              <a:cxnLst/>
+              <a:rect l="0" t="0" r="r" b="b"/>
+              <a:pathLst>
+                <a:path w="52" h="135">
+                  <a:moveTo>
+                    <a:pt x="7" y="18"/>
+                  </a:moveTo>
+                  <a:cubicBezTo>
+                    <a:pt x="5" y="12"/>
+                    <a:pt x="2" y="6"/>
+                    <a:pt x="0" y="0"/>
+                  </a:cubicBezTo>
+                  <a:cubicBezTo>
+                    <a:pt x="3" y="16"/>
+                    <a:pt x="7" y="32"/>
+                    <a:pt x="12" y="48"/>
+                  </a:cubicBezTo>
+                  <a:cubicBezTo>
+                    <a:pt x="13" y="53"/>
+                    <a:pt x="14" y="57"/>
+                    <a:pt x="16" y="62"/>
+                  </a:cubicBezTo>
+                  <a:cubicBezTo>
+                    <a:pt x="27" y="86"/>
+                    <a:pt x="39" y="111"/>
+                    <a:pt x="51" y="135"/>
+                  </a:cubicBezTo>
+                  <a:cubicBezTo>
+                    <a:pt x="52" y="135"/>
+                    <a:pt x="52" y="135"/>
+                    <a:pt x="52" y="135"/>
+                  </a:cubicBezTo>
+                  <a:cubicBezTo>
+                    <a:pt x="41" y="109"/>
+                    <a:pt x="32" y="83"/>
+                    <a:pt x="24" y="56"/>
+                  </a:cubicBezTo>
+                  <a:cubicBezTo>
+                    <a:pt x="18" y="43"/>
+                    <a:pt x="13" y="31"/>
+                    <a:pt x="7" y="18"/>
+                  </a:cubicBezTo>
+                  <a:close/>
+                </a:path>
+              </a:pathLst>
+            </a:custGeom>
+            <a:solidFill>
+              <a:schemeClr val="tx2">
+                <a:alpha val="20000"/>
+              </a:schemeClr>
+            </a:solidFill>
+            <a:ln>
+              <a:noFill/>
+            </a:ln>
+          </p:spPr>
+        </p:sp>
+      </p:grpSp>
+      <p:grpSp>
+        <p:nvGrpSpPr>
+          <p:cNvPr id="3142" name="Group 3141">
+            <a:extLst>
+              <a:ext uri="{FF2B5EF4-FFF2-40B4-BE49-F238E27FC236}">
+                <a16:creationId xmlns:a16="http://schemas.microsoft.com/office/drawing/2014/main" id="{1D56A4CE-A3F4-4CFF-9A65-C029AC17B7CF}"/>
+              </a:ext>
+              <a:ext uri="{C183D7F6-B498-43B3-948B-1728B52AA6E4}">
+                <adec:decorative xmlns:adec="http://schemas.microsoft.com/office/drawing/2017/decorative" val="1"/>
+              </a:ext>
+            </a:extLst>
+          </p:cNvPr>
+          <p:cNvGrpSpPr>
+            <a:grpSpLocks noGrp="1" noUngrp="1" noRot="1" noChangeAspect="1" noMove="1" noResize="1"/>
+          </p:cNvGrpSpPr>
+          <p:nvPr>
+            <p:extLst>
+              <p:ext uri="{386F3935-93C4-4BCD-93E2-E3B085C9AB24}">
+                <p16:designElem xmlns:p16="http://schemas.microsoft.com/office/powerpoint/2015/main" val="1"/>
+              </p:ext>
+            </p:extLst>
+          </p:nvPr>
+        </p:nvGrpSpPr>
+        <p:grpSpPr>
+          <a:xfrm>
+            <a:off x="27224" y="-786"/>
+            <a:ext cx="2356675" cy="6854040"/>
+            <a:chOff x="6627813" y="194833"/>
+            <a:chExt cx="1952625" cy="5678918"/>
+          </a:xfrm>
+        </p:grpSpPr>
+        <p:sp>
+          <p:nvSpPr>
+            <p:cNvPr id="3143" name="Freeform 27">
+              <a:extLst>
+                <a:ext uri="{FF2B5EF4-FFF2-40B4-BE49-F238E27FC236}">
+                  <a16:creationId xmlns:a16="http://schemas.microsoft.com/office/drawing/2014/main" id="{DF669161-0B30-4C76-96BF-962027487D8B}"/>
+                </a:ext>
+                <a:ext uri="{C183D7F6-B498-43B3-948B-1728B52AA6E4}">
+                  <adec:decorative xmlns:adec="http://schemas.microsoft.com/office/drawing/2017/decorative" val="1"/>
+                </a:ext>
+              </a:extLst>
+            </p:cNvPr>
+            <p:cNvSpPr/>
+            <p:nvPr>
+              <p:extLst>
+                <p:ext uri="{386F3935-93C4-4BCD-93E2-E3B085C9AB24}">
+                  <p16:designElem xmlns:p16="http://schemas.microsoft.com/office/powerpoint/2015/main" val="1"/>
+                </p:ext>
+              </p:extLst>
+            </p:nvPr>
+          </p:nvSpPr>
+          <p:spPr bwMode="auto">
+            <a:xfrm>
+              <a:off x="6627813" y="194833"/>
+              <a:ext cx="409575" cy="3646488"/>
+            </a:xfrm>
+            <a:custGeom>
+              <a:avLst/>
+              <a:gdLst/>
+              <a:ahLst/>
+              <a:cxnLst/>
+              <a:rect l="0" t="0" r="r" b="b"/>
+              <a:pathLst>
+                <a:path w="103" h="920">
+                  <a:moveTo>
+                    <a:pt x="7" y="210"/>
+                  </a:moveTo>
+                  <a:cubicBezTo>
+                    <a:pt x="11" y="288"/>
+                    <a:pt x="17" y="367"/>
+                    <a:pt x="26" y="445"/>
+                  </a:cubicBezTo>
+                  <a:cubicBezTo>
+                    <a:pt x="34" y="523"/>
+                    <a:pt x="44" y="601"/>
+                    <a:pt x="57" y="679"/>
+                  </a:cubicBezTo>
+                  <a:cubicBezTo>
+                    <a:pt x="69" y="757"/>
+                    <a:pt x="84" y="834"/>
+                    <a:pt x="101" y="911"/>
+                  </a:cubicBezTo>
+                  <a:cubicBezTo>
+                    <a:pt x="102" y="914"/>
+                    <a:pt x="103" y="917"/>
+                    <a:pt x="103" y="920"/>
+                  </a:cubicBezTo>
+                  <a:cubicBezTo>
+                    <a:pt x="102" y="905"/>
+                    <a:pt x="100" y="889"/>
+                    <a:pt x="99" y="874"/>
+                  </a:cubicBezTo>
+                  <a:cubicBezTo>
+                    <a:pt x="99" y="871"/>
+                    <a:pt x="99" y="868"/>
+                    <a:pt x="99" y="866"/>
+                  </a:cubicBezTo>
+                  <a:cubicBezTo>
+                    <a:pt x="85" y="803"/>
+                    <a:pt x="73" y="741"/>
+                    <a:pt x="63" y="678"/>
+                  </a:cubicBezTo>
+                  <a:cubicBezTo>
+                    <a:pt x="50" y="600"/>
+                    <a:pt x="39" y="523"/>
+                    <a:pt x="30" y="444"/>
+                  </a:cubicBezTo>
+                  <a:cubicBezTo>
+                    <a:pt x="21" y="366"/>
+                    <a:pt x="14" y="288"/>
+                    <a:pt x="9" y="209"/>
+                  </a:cubicBezTo>
+                  <a:cubicBezTo>
+                    <a:pt x="7" y="170"/>
+                    <a:pt x="5" y="131"/>
+                    <a:pt x="3" y="92"/>
+                  </a:cubicBezTo>
+                  <a:cubicBezTo>
+                    <a:pt x="2" y="61"/>
+                    <a:pt x="1" y="31"/>
+                    <a:pt x="1" y="0"/>
+                  </a:cubicBezTo>
+                  <a:cubicBezTo>
+                    <a:pt x="0" y="0"/>
+                    <a:pt x="0" y="0"/>
+                    <a:pt x="0" y="0"/>
+                  </a:cubicBezTo>
+                  <a:cubicBezTo>
+                    <a:pt x="0" y="31"/>
+                    <a:pt x="1" y="61"/>
+                    <a:pt x="1" y="92"/>
+                  </a:cubicBezTo>
+                  <a:cubicBezTo>
+                    <a:pt x="3" y="131"/>
+                    <a:pt x="4" y="170"/>
+                    <a:pt x="7" y="210"/>
+                  </a:cubicBezTo>
+                  <a:close/>
+                </a:path>
+              </a:pathLst>
+            </a:custGeom>
+            <a:solidFill>
+              <a:schemeClr val="tx2"/>
+            </a:solidFill>
+            <a:ln>
+              <a:noFill/>
+            </a:ln>
+          </p:spPr>
+        </p:sp>
+        <p:sp>
+          <p:nvSpPr>
+            <p:cNvPr id="3144" name="Freeform 28">
+              <a:extLst>
+                <a:ext uri="{FF2B5EF4-FFF2-40B4-BE49-F238E27FC236}">
+                  <a16:creationId xmlns:a16="http://schemas.microsoft.com/office/drawing/2014/main" id="{A5232353-CF7C-44DD-8BEE-1C8FF54CDDCA}"/>
+                </a:ext>
+                <a:ext uri="{C183D7F6-B498-43B3-948B-1728B52AA6E4}">
+                  <adec:decorative xmlns:adec="http://schemas.microsoft.com/office/drawing/2017/decorative" val="1"/>
+                </a:ext>
+              </a:extLst>
+            </p:cNvPr>
+            <p:cNvSpPr/>
+            <p:nvPr>
+              <p:extLst>
+                <p:ext uri="{386F3935-93C4-4BCD-93E2-E3B085C9AB24}">
+                  <p16:designElem xmlns:p16="http://schemas.microsoft.com/office/powerpoint/2015/main" val="1"/>
+                </p:ext>
+              </p:extLst>
+            </p:nvPr>
+          </p:nvSpPr>
+          <p:spPr bwMode="auto">
+            <a:xfrm>
+              <a:off x="7061201" y="3771900"/>
+              <a:ext cx="350838" cy="1309688"/>
+            </a:xfrm>
+            <a:custGeom>
+              <a:avLst/>
+              <a:gdLst/>
+              <a:ahLst/>
+              <a:cxnLst/>
+              <a:rect l="0" t="0" r="r" b="b"/>
+              <a:pathLst>
+                <a:path w="88" h="330">
+                  <a:moveTo>
+                    <a:pt x="53" y="229"/>
+                  </a:moveTo>
+                  <a:cubicBezTo>
+                    <a:pt x="64" y="263"/>
+                    <a:pt x="75" y="297"/>
+                    <a:pt x="88" y="330"/>
+                  </a:cubicBezTo>
+                  <a:cubicBezTo>
+                    <a:pt x="88" y="323"/>
+                    <a:pt x="88" y="315"/>
+                    <a:pt x="88" y="308"/>
+                  </a:cubicBezTo>
+                  <a:cubicBezTo>
+                    <a:pt x="88" y="307"/>
+                    <a:pt x="88" y="305"/>
+                    <a:pt x="88" y="304"/>
+                  </a:cubicBezTo>
+                  <a:cubicBezTo>
+                    <a:pt x="79" y="278"/>
+                    <a:pt x="70" y="252"/>
+                    <a:pt x="62" y="226"/>
+                  </a:cubicBezTo>
+                  <a:cubicBezTo>
+                    <a:pt x="38" y="152"/>
+                    <a:pt x="17" y="76"/>
+                    <a:pt x="0" y="0"/>
+                  </a:cubicBezTo>
+                  <a:cubicBezTo>
+                    <a:pt x="2" y="21"/>
+                    <a:pt x="4" y="42"/>
+                    <a:pt x="7" y="63"/>
+                  </a:cubicBezTo>
+                  <a:cubicBezTo>
+                    <a:pt x="21" y="119"/>
+                    <a:pt x="36" y="174"/>
+                    <a:pt x="53" y="229"/>
+                  </a:cubicBezTo>
+                  <a:close/>
+                </a:path>
+              </a:pathLst>
+            </a:custGeom>
+            <a:solidFill>
+              <a:schemeClr val="tx2"/>
+            </a:solidFill>
+            <a:ln>
+              <a:noFill/>
+            </a:ln>
+          </p:spPr>
+        </p:sp>
+        <p:sp>
+          <p:nvSpPr>
+            <p:cNvPr id="3145" name="Freeform 29">
+              <a:extLst>
+                <a:ext uri="{FF2B5EF4-FFF2-40B4-BE49-F238E27FC236}">
+                  <a16:creationId xmlns:a16="http://schemas.microsoft.com/office/drawing/2014/main" id="{AEA6CAE2-8741-4E88-A632-69C2B2EC581D}"/>
+                </a:ext>
+                <a:ext uri="{C183D7F6-B498-43B3-948B-1728B52AA6E4}">
+                  <adec:decorative xmlns:adec="http://schemas.microsoft.com/office/drawing/2017/decorative" val="1"/>
+                </a:ext>
+              </a:extLst>
+            </p:cNvPr>
+            <p:cNvSpPr/>
+            <p:nvPr>
+              <p:extLst>
+                <p:ext uri="{386F3935-93C4-4BCD-93E2-E3B085C9AB24}">
+                  <p16:designElem xmlns:p16="http://schemas.microsoft.com/office/powerpoint/2015/main" val="1"/>
+                </p:ext>
+              </p:extLst>
+            </p:nvPr>
+          </p:nvSpPr>
+          <p:spPr bwMode="auto">
+            <a:xfrm>
+              <a:off x="7439026" y="5053013"/>
+              <a:ext cx="357188" cy="820738"/>
+            </a:xfrm>
+            <a:custGeom>
+              <a:avLst/>
+              <a:gdLst/>
+              <a:ahLst/>
+              <a:cxnLst/>
+              <a:rect l="0" t="0" r="r" b="b"/>
+              <a:pathLst>
+                <a:path w="90" h="207">
+                  <a:moveTo>
+                    <a:pt x="6" y="15"/>
+                  </a:moveTo>
+                  <a:cubicBezTo>
+                    <a:pt x="4" y="10"/>
+                    <a:pt x="2" y="5"/>
+                    <a:pt x="0" y="0"/>
+                  </a:cubicBezTo>
+                  <a:cubicBezTo>
+                    <a:pt x="0" y="9"/>
+                    <a:pt x="0" y="19"/>
+                    <a:pt x="1" y="29"/>
+                  </a:cubicBezTo>
+                  <a:cubicBezTo>
+                    <a:pt x="14" y="62"/>
+                    <a:pt x="27" y="95"/>
+                    <a:pt x="42" y="127"/>
+                  </a:cubicBezTo>
+                  <a:cubicBezTo>
+                    <a:pt x="54" y="154"/>
+                    <a:pt x="67" y="181"/>
+                    <a:pt x="80" y="207"/>
+                  </a:cubicBezTo>
+                  <a:cubicBezTo>
+                    <a:pt x="90" y="207"/>
+                    <a:pt x="90" y="207"/>
+                    <a:pt x="90" y="207"/>
+                  </a:cubicBezTo>
+                  <a:cubicBezTo>
+                    <a:pt x="76" y="180"/>
+                    <a:pt x="63" y="152"/>
+                    <a:pt x="50" y="123"/>
+                  </a:cubicBezTo>
+                  <a:cubicBezTo>
+                    <a:pt x="34" y="88"/>
+                    <a:pt x="20" y="51"/>
+                    <a:pt x="6" y="15"/>
+                  </a:cubicBezTo>
+                  <a:close/>
+                </a:path>
+              </a:pathLst>
+            </a:custGeom>
+            <a:solidFill>
+              <a:schemeClr val="tx2"/>
+            </a:solidFill>
+            <a:ln>
+              <a:noFill/>
+            </a:ln>
+          </p:spPr>
+        </p:sp>
+        <p:sp>
+          <p:nvSpPr>
+            <p:cNvPr id="3146" name="Freeform 30">
+              <a:extLst>
+                <a:ext uri="{FF2B5EF4-FFF2-40B4-BE49-F238E27FC236}">
+                  <a16:creationId xmlns:a16="http://schemas.microsoft.com/office/drawing/2014/main" id="{014AC37D-4388-4AE6-9D4D-CCD99A608C04}"/>
+                </a:ext>
+                <a:ext uri="{C183D7F6-B498-43B3-948B-1728B52AA6E4}">
+                  <adec:decorative xmlns:adec="http://schemas.microsoft.com/office/drawing/2017/decorative" val="1"/>
+                </a:ext>
+              </a:extLst>
+            </p:cNvPr>
+            <p:cNvSpPr/>
+            <p:nvPr>
+              <p:extLst>
+                <p:ext uri="{386F3935-93C4-4BCD-93E2-E3B085C9AB24}">
+                  <p16:designElem xmlns:p16="http://schemas.microsoft.com/office/powerpoint/2015/main" val="1"/>
+                </p:ext>
+              </p:extLst>
+            </p:nvPr>
+          </p:nvSpPr>
+          <p:spPr bwMode="auto">
+            <a:xfrm>
+              <a:off x="7037388" y="3811588"/>
+              <a:ext cx="457200" cy="1852613"/>
+            </a:xfrm>
+            <a:custGeom>
+              <a:avLst/>
+              <a:gdLst/>
+              <a:ahLst/>
+              <a:cxnLst/>
+              <a:rect l="0" t="0" r="r" b="b"/>
+              <a:pathLst>
+                <a:path w="115" h="467">
+                  <a:moveTo>
+                    <a:pt x="101" y="409"/>
+                  </a:moveTo>
+                  <a:cubicBezTo>
+                    <a:pt x="93" y="388"/>
+                    <a:pt x="85" y="366"/>
+                    <a:pt x="78" y="344"/>
+                  </a:cubicBezTo>
+                  <a:cubicBezTo>
+                    <a:pt x="57" y="281"/>
+                    <a:pt x="41" y="216"/>
+                    <a:pt x="29" y="151"/>
+                  </a:cubicBezTo>
+                  <a:cubicBezTo>
+                    <a:pt x="22" y="119"/>
+                    <a:pt x="17" y="86"/>
+                    <a:pt x="13" y="53"/>
+                  </a:cubicBezTo>
+                  <a:cubicBezTo>
+                    <a:pt x="9" y="35"/>
+                    <a:pt x="4" y="18"/>
+                    <a:pt x="0" y="0"/>
+                  </a:cubicBezTo>
+                  <a:cubicBezTo>
+                    <a:pt x="5" y="51"/>
+                    <a:pt x="12" y="102"/>
+                    <a:pt x="21" y="152"/>
+                  </a:cubicBezTo>
+                  <a:cubicBezTo>
+                    <a:pt x="33" y="218"/>
+                    <a:pt x="49" y="283"/>
+                    <a:pt x="69" y="347"/>
+                  </a:cubicBezTo>
+                  <a:cubicBezTo>
+                    <a:pt x="79" y="378"/>
+                    <a:pt x="90" y="410"/>
+                    <a:pt x="103" y="441"/>
+                  </a:cubicBezTo>
+                  <a:cubicBezTo>
+                    <a:pt x="107" y="449"/>
+                    <a:pt x="111" y="458"/>
+                    <a:pt x="115" y="467"/>
+                  </a:cubicBezTo>
+                  <a:cubicBezTo>
+                    <a:pt x="114" y="464"/>
+                    <a:pt x="113" y="461"/>
+                    <a:pt x="112" y="458"/>
+                  </a:cubicBezTo>
+                  <a:cubicBezTo>
+                    <a:pt x="108" y="442"/>
+                    <a:pt x="104" y="425"/>
+                    <a:pt x="101" y="409"/>
+                  </a:cubicBezTo>
+                  <a:close/>
+                </a:path>
+              </a:pathLst>
+            </a:custGeom>
+            <a:solidFill>
+              <a:schemeClr val="tx2"/>
+            </a:solidFill>
+            <a:ln>
+              <a:noFill/>
+            </a:ln>
+          </p:spPr>
+        </p:sp>
+        <p:sp>
+          <p:nvSpPr>
+            <p:cNvPr id="3147" name="Freeform 31">
+              <a:extLst>
+                <a:ext uri="{FF2B5EF4-FFF2-40B4-BE49-F238E27FC236}">
+                  <a16:creationId xmlns:a16="http://schemas.microsoft.com/office/drawing/2014/main" id="{7FE084B0-333E-4F7C-83F1-F7D132527D75}"/>
+                </a:ext>
+                <a:ext uri="{C183D7F6-B498-43B3-948B-1728B52AA6E4}">
+                  <adec:decorative xmlns:adec="http://schemas.microsoft.com/office/drawing/2017/decorative" val="1"/>
+                </a:ext>
+              </a:extLst>
+            </p:cNvPr>
+            <p:cNvSpPr/>
+            <p:nvPr>
+              <p:extLst>
+                <p:ext uri="{386F3935-93C4-4BCD-93E2-E3B085C9AB24}">
+                  <p16:designElem xmlns:p16="http://schemas.microsoft.com/office/powerpoint/2015/main" val="1"/>
+                </p:ext>
+              </p:extLst>
+            </p:nvPr>
+          </p:nvSpPr>
+          <p:spPr bwMode="auto">
+            <a:xfrm>
+              <a:off x="6992938" y="1263650"/>
+              <a:ext cx="144463" cy="2508250"/>
+            </a:xfrm>
+            <a:custGeom>
+              <a:avLst/>
+              <a:gdLst/>
+              <a:ahLst/>
+              <a:cxnLst/>
+              <a:rect l="0" t="0" r="r" b="b"/>
+              <a:pathLst>
+                <a:path w="36" h="633">
+                  <a:moveTo>
+                    <a:pt x="17" y="633"/>
+                  </a:moveTo>
+                  <a:cubicBezTo>
+                    <a:pt x="15" y="621"/>
+                    <a:pt x="14" y="609"/>
+                    <a:pt x="13" y="597"/>
+                  </a:cubicBezTo>
+                  <a:cubicBezTo>
+                    <a:pt x="8" y="530"/>
+                    <a:pt x="5" y="464"/>
+                    <a:pt x="5" y="398"/>
+                  </a:cubicBezTo>
+                  <a:cubicBezTo>
+                    <a:pt x="5" y="331"/>
+                    <a:pt x="8" y="265"/>
+                    <a:pt x="13" y="198"/>
+                  </a:cubicBezTo>
+                  <a:cubicBezTo>
+                    <a:pt x="15" y="165"/>
+                    <a:pt x="18" y="132"/>
+                    <a:pt x="22" y="99"/>
+                  </a:cubicBezTo>
+                  <a:cubicBezTo>
+                    <a:pt x="26" y="66"/>
+                    <a:pt x="30" y="33"/>
+                    <a:pt x="36" y="0"/>
+                  </a:cubicBezTo>
+                  <a:cubicBezTo>
+                    <a:pt x="35" y="0"/>
+                    <a:pt x="35" y="0"/>
+                    <a:pt x="35" y="0"/>
+                  </a:cubicBezTo>
+                  <a:cubicBezTo>
+                    <a:pt x="29" y="33"/>
+                    <a:pt x="24" y="66"/>
+                    <a:pt x="20" y="99"/>
+                  </a:cubicBezTo>
+                  <a:cubicBezTo>
+                    <a:pt x="16" y="132"/>
+                    <a:pt x="13" y="165"/>
+                    <a:pt x="10" y="198"/>
+                  </a:cubicBezTo>
+                  <a:cubicBezTo>
+                    <a:pt x="4" y="264"/>
+                    <a:pt x="1" y="331"/>
+                    <a:pt x="1" y="398"/>
+                  </a:cubicBezTo>
+                  <a:cubicBezTo>
+                    <a:pt x="0" y="461"/>
+                    <a:pt x="2" y="525"/>
+                    <a:pt x="7" y="589"/>
+                  </a:cubicBezTo>
+                  <a:cubicBezTo>
+                    <a:pt x="10" y="603"/>
+                    <a:pt x="13" y="618"/>
+                    <a:pt x="16" y="632"/>
+                  </a:cubicBezTo>
+                  <a:cubicBezTo>
+                    <a:pt x="16" y="632"/>
+                    <a:pt x="17" y="633"/>
+                    <a:pt x="17" y="633"/>
+                  </a:cubicBezTo>
+                  <a:close/>
+                </a:path>
+              </a:pathLst>
+            </a:custGeom>
+            <a:solidFill>
+              <a:schemeClr val="tx2"/>
+            </a:solidFill>
+            <a:ln>
+              <a:noFill/>
+            </a:ln>
+          </p:spPr>
+        </p:sp>
+        <p:sp>
+          <p:nvSpPr>
+            <p:cNvPr id="3148" name="Freeform 32">
+              <a:extLst>
+                <a:ext uri="{FF2B5EF4-FFF2-40B4-BE49-F238E27FC236}">
+                  <a16:creationId xmlns:a16="http://schemas.microsoft.com/office/drawing/2014/main" id="{FDCFCB98-2E3A-4227-823C-80489BB2849E}"/>
+                </a:ext>
+                <a:ext uri="{C183D7F6-B498-43B3-948B-1728B52AA6E4}">
+                  <adec:decorative xmlns:adec="http://schemas.microsoft.com/office/drawing/2017/decorative" val="1"/>
+                </a:ext>
+              </a:extLst>
+            </p:cNvPr>
+            <p:cNvSpPr/>
+            <p:nvPr>
+              <p:extLst>
+                <p:ext uri="{386F3935-93C4-4BCD-93E2-E3B085C9AB24}">
+                  <p16:designElem xmlns:p16="http://schemas.microsoft.com/office/powerpoint/2015/main" val="1"/>
+                </p:ext>
+              </p:extLst>
+            </p:nvPr>
+          </p:nvSpPr>
+          <p:spPr bwMode="auto">
+            <a:xfrm>
+              <a:off x="7526338" y="5640388"/>
+              <a:ext cx="111125" cy="233363"/>
+            </a:xfrm>
+            <a:custGeom>
+              <a:avLst/>
+              <a:gdLst/>
+              <a:ahLst/>
+              <a:cxnLst/>
+              <a:rect l="0" t="0" r="r" b="b"/>
+              <a:pathLst>
+                <a:path w="28" h="59">
+                  <a:moveTo>
+                    <a:pt x="22" y="59"/>
+                  </a:moveTo>
+                  <a:cubicBezTo>
+                    <a:pt x="28" y="59"/>
+                    <a:pt x="28" y="59"/>
+                    <a:pt x="28" y="59"/>
+                  </a:cubicBezTo>
+                  <a:cubicBezTo>
+                    <a:pt x="18" y="40"/>
+                    <a:pt x="9" y="20"/>
+                    <a:pt x="0" y="0"/>
+                  </a:cubicBezTo>
+                  <a:cubicBezTo>
+                    <a:pt x="6" y="20"/>
+                    <a:pt x="13" y="40"/>
+                    <a:pt x="22" y="59"/>
+                  </a:cubicBezTo>
+                  <a:close/>
+                </a:path>
+              </a:pathLst>
+            </a:custGeom>
+            <a:solidFill>
+              <a:schemeClr val="tx2"/>
+            </a:solidFill>
+            <a:ln>
+              <a:noFill/>
+            </a:ln>
+          </p:spPr>
+        </p:sp>
+        <p:sp>
+          <p:nvSpPr>
+            <p:cNvPr id="3149" name="Freeform 33">
+              <a:extLst>
+                <a:ext uri="{FF2B5EF4-FFF2-40B4-BE49-F238E27FC236}">
+                  <a16:creationId xmlns:a16="http://schemas.microsoft.com/office/drawing/2014/main" id="{252F94DE-A6A3-4463-BE05-34281F1C8782}"/>
+                </a:ext>
+                <a:ext uri="{C183D7F6-B498-43B3-948B-1728B52AA6E4}">
+                  <adec:decorative xmlns:adec="http://schemas.microsoft.com/office/drawing/2017/decorative" val="1"/>
+                </a:ext>
+              </a:extLst>
+            </p:cNvPr>
+            <p:cNvSpPr/>
+            <p:nvPr>
+              <p:extLst>
+                <p:ext uri="{386F3935-93C4-4BCD-93E2-E3B085C9AB24}">
+                  <p16:designElem xmlns:p16="http://schemas.microsoft.com/office/powerpoint/2015/main" val="1"/>
+                </p:ext>
+              </p:extLst>
+            </p:nvPr>
+          </p:nvSpPr>
+          <p:spPr bwMode="auto">
+            <a:xfrm>
+              <a:off x="7021513" y="3598863"/>
+              <a:ext cx="68263" cy="423863"/>
+            </a:xfrm>
+            <a:custGeom>
+              <a:avLst/>
+              <a:gdLst/>
+              <a:ahLst/>
+              <a:cxnLst/>
+              <a:rect l="0" t="0" r="r" b="b"/>
+              <a:pathLst>
+                <a:path w="17" h="107">
+                  <a:moveTo>
+                    <a:pt x="4" y="54"/>
+                  </a:moveTo>
+                  <a:cubicBezTo>
+                    <a:pt x="8" y="72"/>
+                    <a:pt x="13" y="89"/>
+                    <a:pt x="17" y="107"/>
+                  </a:cubicBezTo>
+                  <a:cubicBezTo>
+                    <a:pt x="14" y="86"/>
+                    <a:pt x="12" y="65"/>
+                    <a:pt x="10" y="44"/>
+                  </a:cubicBezTo>
+                  <a:cubicBezTo>
+                    <a:pt x="10" y="44"/>
+                    <a:pt x="9" y="43"/>
+                    <a:pt x="9" y="43"/>
+                  </a:cubicBezTo>
+                  <a:cubicBezTo>
+                    <a:pt x="6" y="29"/>
+                    <a:pt x="3" y="14"/>
+                    <a:pt x="0" y="0"/>
+                  </a:cubicBezTo>
+                  <a:cubicBezTo>
+                    <a:pt x="0" y="2"/>
+                    <a:pt x="0" y="5"/>
+                    <a:pt x="0" y="8"/>
+                  </a:cubicBezTo>
+                  <a:cubicBezTo>
+                    <a:pt x="1" y="23"/>
+                    <a:pt x="3" y="39"/>
+                    <a:pt x="4" y="54"/>
+                  </a:cubicBezTo>
+                  <a:close/>
+                </a:path>
+              </a:pathLst>
+            </a:custGeom>
+            <a:solidFill>
+              <a:schemeClr val="tx2"/>
+            </a:solidFill>
+            <a:ln>
+              <a:noFill/>
+            </a:ln>
+          </p:spPr>
+        </p:sp>
+        <p:sp>
+          <p:nvSpPr>
+            <p:cNvPr id="3150" name="Freeform 34">
+              <a:extLst>
+                <a:ext uri="{FF2B5EF4-FFF2-40B4-BE49-F238E27FC236}">
+                  <a16:creationId xmlns:a16="http://schemas.microsoft.com/office/drawing/2014/main" id="{16EA21FA-886F-43CF-9D44-C1342F3055B3}"/>
+                </a:ext>
+                <a:ext uri="{C183D7F6-B498-43B3-948B-1728B52AA6E4}">
+                  <adec:decorative xmlns:adec="http://schemas.microsoft.com/office/drawing/2017/decorative" val="1"/>
+                </a:ext>
+              </a:extLst>
+            </p:cNvPr>
+            <p:cNvSpPr/>
+            <p:nvPr>
+              <p:extLst>
+                <p:ext uri="{386F3935-93C4-4BCD-93E2-E3B085C9AB24}">
+                  <p16:designElem xmlns:p16="http://schemas.microsoft.com/office/powerpoint/2015/main" val="1"/>
+                </p:ext>
+              </p:extLst>
+            </p:nvPr>
+          </p:nvSpPr>
+          <p:spPr bwMode="auto">
+            <a:xfrm>
+              <a:off x="7412038" y="2801938"/>
+              <a:ext cx="1168400" cy="2251075"/>
+            </a:xfrm>
+            <a:custGeom>
+              <a:avLst/>
+              <a:gdLst/>
+              <a:ahLst/>
+              <a:cxnLst/>
+              <a:rect l="0" t="0" r="r" b="b"/>
+              <a:pathLst>
+                <a:path w="294" h="568">
+                  <a:moveTo>
+                    <a:pt x="8" y="553"/>
+                  </a:moveTo>
+                  <a:cubicBezTo>
+                    <a:pt x="9" y="501"/>
+                    <a:pt x="19" y="448"/>
+                    <a:pt x="35" y="397"/>
+                  </a:cubicBezTo>
+                  <a:cubicBezTo>
+                    <a:pt x="51" y="347"/>
+                    <a:pt x="73" y="298"/>
+                    <a:pt x="99" y="252"/>
+                  </a:cubicBezTo>
+                  <a:cubicBezTo>
+                    <a:pt x="124" y="205"/>
+                    <a:pt x="154" y="161"/>
+                    <a:pt x="187" y="119"/>
+                  </a:cubicBezTo>
+                  <a:cubicBezTo>
+                    <a:pt x="203" y="98"/>
+                    <a:pt x="220" y="77"/>
+                    <a:pt x="238" y="58"/>
+                  </a:cubicBezTo>
+                  <a:cubicBezTo>
+                    <a:pt x="247" y="48"/>
+                    <a:pt x="256" y="38"/>
+                    <a:pt x="265" y="28"/>
+                  </a:cubicBezTo>
+                  <a:cubicBezTo>
+                    <a:pt x="274" y="19"/>
+                    <a:pt x="284" y="9"/>
+                    <a:pt x="294" y="0"/>
+                  </a:cubicBezTo>
+                  <a:cubicBezTo>
+                    <a:pt x="293" y="0"/>
+                    <a:pt x="293" y="0"/>
+                    <a:pt x="293" y="0"/>
+                  </a:cubicBezTo>
+                  <a:cubicBezTo>
+                    <a:pt x="283" y="9"/>
+                    <a:pt x="273" y="18"/>
+                    <a:pt x="264" y="27"/>
+                  </a:cubicBezTo>
+                  <a:cubicBezTo>
+                    <a:pt x="255" y="37"/>
+                    <a:pt x="246" y="47"/>
+                    <a:pt x="237" y="56"/>
+                  </a:cubicBezTo>
+                  <a:cubicBezTo>
+                    <a:pt x="218" y="76"/>
+                    <a:pt x="201" y="96"/>
+                    <a:pt x="185" y="117"/>
+                  </a:cubicBezTo>
+                  <a:cubicBezTo>
+                    <a:pt x="151" y="159"/>
+                    <a:pt x="121" y="203"/>
+                    <a:pt x="95" y="249"/>
+                  </a:cubicBezTo>
+                  <a:cubicBezTo>
+                    <a:pt x="68" y="296"/>
+                    <a:pt x="46" y="345"/>
+                    <a:pt x="30" y="396"/>
+                  </a:cubicBezTo>
+                  <a:cubicBezTo>
+                    <a:pt x="13" y="445"/>
+                    <a:pt x="3" y="497"/>
+                    <a:pt x="0" y="549"/>
+                  </a:cubicBezTo>
+                  <a:cubicBezTo>
+                    <a:pt x="3" y="555"/>
+                    <a:pt x="5" y="561"/>
+                    <a:pt x="7" y="568"/>
+                  </a:cubicBezTo>
+                  <a:cubicBezTo>
+                    <a:pt x="7" y="563"/>
+                    <a:pt x="7" y="558"/>
+                    <a:pt x="8" y="553"/>
+                  </a:cubicBezTo>
+                  <a:close/>
+                </a:path>
+              </a:pathLst>
+            </a:custGeom>
+            <a:solidFill>
+              <a:schemeClr val="tx2"/>
+            </a:solidFill>
+            <a:ln>
+              <a:noFill/>
+            </a:ln>
+          </p:spPr>
+        </p:sp>
+        <p:sp>
+          <p:nvSpPr>
+            <p:cNvPr id="3151" name="Freeform 35">
+              <a:extLst>
+                <a:ext uri="{FF2B5EF4-FFF2-40B4-BE49-F238E27FC236}">
+                  <a16:creationId xmlns:a16="http://schemas.microsoft.com/office/drawing/2014/main" id="{88C821A5-BCF7-47FE-894F-0ADC5FDB2883}"/>
+                </a:ext>
+                <a:ext uri="{C183D7F6-B498-43B3-948B-1728B52AA6E4}">
+                  <adec:decorative xmlns:adec="http://schemas.microsoft.com/office/drawing/2017/decorative" val="1"/>
+                </a:ext>
+              </a:extLst>
+            </p:cNvPr>
+            <p:cNvSpPr/>
+            <p:nvPr>
+              <p:extLst>
+                <p:ext uri="{386F3935-93C4-4BCD-93E2-E3B085C9AB24}">
+                  <p16:designElem xmlns:p16="http://schemas.microsoft.com/office/powerpoint/2015/main" val="1"/>
+                </p:ext>
+              </p:extLst>
+            </p:nvPr>
+          </p:nvSpPr>
+          <p:spPr bwMode="auto">
+            <a:xfrm>
+              <a:off x="7494588" y="5664200"/>
+              <a:ext cx="100013" cy="209550"/>
+            </a:xfrm>
+            <a:custGeom>
+              <a:avLst/>
+              <a:gdLst/>
+              <a:ahLst/>
+              <a:cxnLst/>
+              <a:rect l="0" t="0" r="r" b="b"/>
+              <a:pathLst>
+                <a:path w="25" h="53">
+                  <a:moveTo>
+                    <a:pt x="0" y="0"/>
+                  </a:moveTo>
+                  <a:cubicBezTo>
+                    <a:pt x="5" y="18"/>
+                    <a:pt x="12" y="36"/>
+                    <a:pt x="19" y="53"/>
+                  </a:cubicBezTo>
+                  <a:cubicBezTo>
+                    <a:pt x="25" y="53"/>
+                    <a:pt x="25" y="53"/>
+                    <a:pt x="25" y="53"/>
+                  </a:cubicBezTo>
+                  <a:cubicBezTo>
+                    <a:pt x="16" y="36"/>
+                    <a:pt x="8" y="18"/>
+                    <a:pt x="0" y="0"/>
+                  </a:cubicBezTo>
+                  <a:close/>
+                </a:path>
+              </a:pathLst>
+            </a:custGeom>
+            <a:solidFill>
+              <a:schemeClr val="tx2"/>
+            </a:solidFill>
+            <a:ln>
+              <a:noFill/>
+            </a:ln>
+          </p:spPr>
+        </p:sp>
+        <p:sp>
+          <p:nvSpPr>
+            <p:cNvPr id="3152" name="Freeform 36">
+              <a:extLst>
+                <a:ext uri="{FF2B5EF4-FFF2-40B4-BE49-F238E27FC236}">
+                  <a16:creationId xmlns:a16="http://schemas.microsoft.com/office/drawing/2014/main" id="{F8337ECE-206A-472E-AFC4-0F230C91E803}"/>
+                </a:ext>
+                <a:ext uri="{C183D7F6-B498-43B3-948B-1728B52AA6E4}">
+                  <adec:decorative xmlns:adec="http://schemas.microsoft.com/office/drawing/2017/decorative" val="1"/>
+                </a:ext>
+              </a:extLst>
+            </p:cNvPr>
+            <p:cNvSpPr/>
+            <p:nvPr>
+              <p:extLst>
+                <p:ext uri="{386F3935-93C4-4BCD-93E2-E3B085C9AB24}">
+                  <p16:designElem xmlns:p16="http://schemas.microsoft.com/office/powerpoint/2015/main" val="1"/>
+                </p:ext>
+              </p:extLst>
+            </p:nvPr>
+          </p:nvSpPr>
+          <p:spPr bwMode="auto">
+            <a:xfrm>
+              <a:off x="7412038" y="5081588"/>
+              <a:ext cx="114300" cy="558800"/>
+            </a:xfrm>
+            <a:custGeom>
+              <a:avLst/>
+              <a:gdLst/>
+              <a:ahLst/>
+              <a:cxnLst/>
+              <a:rect l="0" t="0" r="r" b="b"/>
+              <a:pathLst>
+                <a:path w="29" h="141">
+                  <a:moveTo>
+                    <a:pt x="0" y="0"/>
+                  </a:moveTo>
+                  <a:cubicBezTo>
+                    <a:pt x="0" y="30"/>
+                    <a:pt x="2" y="60"/>
+                    <a:pt x="7" y="89"/>
+                  </a:cubicBezTo>
+                  <a:cubicBezTo>
+                    <a:pt x="11" y="98"/>
+                    <a:pt x="14" y="108"/>
+                    <a:pt x="18" y="117"/>
+                  </a:cubicBezTo>
+                  <a:cubicBezTo>
+                    <a:pt x="22" y="125"/>
+                    <a:pt x="25" y="133"/>
+                    <a:pt x="29" y="141"/>
+                  </a:cubicBezTo>
+                  <a:cubicBezTo>
+                    <a:pt x="28" y="139"/>
+                    <a:pt x="28" y="137"/>
+                    <a:pt x="27" y="135"/>
+                  </a:cubicBezTo>
+                  <a:cubicBezTo>
+                    <a:pt x="16" y="98"/>
+                    <a:pt x="10" y="60"/>
+                    <a:pt x="8" y="22"/>
+                  </a:cubicBezTo>
+                  <a:cubicBezTo>
+                    <a:pt x="7" y="18"/>
+                    <a:pt x="5" y="15"/>
+                    <a:pt x="4" y="11"/>
+                  </a:cubicBezTo>
+                  <a:cubicBezTo>
+                    <a:pt x="2" y="7"/>
+                    <a:pt x="1" y="3"/>
+                    <a:pt x="0" y="0"/>
+                  </a:cubicBezTo>
+                  <a:close/>
+                </a:path>
+              </a:pathLst>
+            </a:custGeom>
+            <a:solidFill>
+              <a:schemeClr val="tx2"/>
+            </a:solidFill>
+            <a:ln>
+              <a:noFill/>
+            </a:ln>
+          </p:spPr>
+        </p:sp>
+        <p:sp>
+          <p:nvSpPr>
+            <p:cNvPr id="3153" name="Freeform 37">
+              <a:extLst>
+                <a:ext uri="{FF2B5EF4-FFF2-40B4-BE49-F238E27FC236}">
+                  <a16:creationId xmlns:a16="http://schemas.microsoft.com/office/drawing/2014/main" id="{90BB2EC4-D043-4B43-87E7-723A787EE8B0}"/>
+                </a:ext>
+                <a:ext uri="{C183D7F6-B498-43B3-948B-1728B52AA6E4}">
+                  <adec:decorative xmlns:adec="http://schemas.microsoft.com/office/drawing/2017/decorative" val="1"/>
+                </a:ext>
+              </a:extLst>
+            </p:cNvPr>
+            <p:cNvSpPr/>
+            <p:nvPr>
+              <p:extLst>
+                <p:ext uri="{386F3935-93C4-4BCD-93E2-E3B085C9AB24}">
+                  <p16:designElem xmlns:p16="http://schemas.microsoft.com/office/powerpoint/2015/main" val="1"/>
+                </p:ext>
+              </p:extLst>
+            </p:nvPr>
+          </p:nvSpPr>
+          <p:spPr bwMode="auto">
+            <a:xfrm>
+              <a:off x="7412038" y="4978400"/>
+              <a:ext cx="31750" cy="188913"/>
+            </a:xfrm>
+            <a:custGeom>
+              <a:avLst/>
+              <a:gdLst/>
+              <a:ahLst/>
+              <a:cxnLst/>
+              <a:rect l="0" t="0" r="r" b="b"/>
+              <a:pathLst>
+                <a:path w="8" h="48">
+                  <a:moveTo>
+                    <a:pt x="0" y="26"/>
+                  </a:moveTo>
+                  <a:cubicBezTo>
+                    <a:pt x="1" y="29"/>
+                    <a:pt x="2" y="33"/>
+                    <a:pt x="4" y="37"/>
+                  </a:cubicBezTo>
+                  <a:cubicBezTo>
+                    <a:pt x="5" y="41"/>
+                    <a:pt x="7" y="44"/>
+                    <a:pt x="8" y="48"/>
+                  </a:cubicBezTo>
+                  <a:cubicBezTo>
+                    <a:pt x="7" y="38"/>
+                    <a:pt x="7" y="28"/>
+                    <a:pt x="7" y="19"/>
+                  </a:cubicBezTo>
+                  <a:cubicBezTo>
+                    <a:pt x="5" y="12"/>
+                    <a:pt x="3" y="6"/>
+                    <a:pt x="0" y="0"/>
+                  </a:cubicBezTo>
+                  <a:cubicBezTo>
+                    <a:pt x="0" y="1"/>
+                    <a:pt x="0" y="3"/>
+                    <a:pt x="0" y="4"/>
+                  </a:cubicBezTo>
+                  <a:cubicBezTo>
+                    <a:pt x="0" y="11"/>
+                    <a:pt x="0" y="19"/>
+                    <a:pt x="0" y="26"/>
+                  </a:cubicBezTo>
+                  <a:close/>
+                </a:path>
+              </a:pathLst>
+            </a:custGeom>
+            <a:solidFill>
+              <a:schemeClr val="tx2"/>
+            </a:solidFill>
+            <a:ln>
+              <a:noFill/>
+            </a:ln>
+          </p:spPr>
+        </p:sp>
+        <p:sp>
+          <p:nvSpPr>
+            <p:cNvPr id="3154" name="Freeform 38">
+              <a:extLst>
+                <a:ext uri="{FF2B5EF4-FFF2-40B4-BE49-F238E27FC236}">
+                  <a16:creationId xmlns:a16="http://schemas.microsoft.com/office/drawing/2014/main" id="{04013015-AF71-47BC-BE4D-ED9EFA24FF2E}"/>
+                </a:ext>
+                <a:ext uri="{C183D7F6-B498-43B3-948B-1728B52AA6E4}">
+                  <adec:decorative xmlns:adec="http://schemas.microsoft.com/office/drawing/2017/decorative" val="1"/>
+                </a:ext>
+              </a:extLst>
+            </p:cNvPr>
+            <p:cNvSpPr/>
+            <p:nvPr>
+              <p:extLst>
+                <p:ext uri="{386F3935-93C4-4BCD-93E2-E3B085C9AB24}">
+                  <p16:designElem xmlns:p16="http://schemas.microsoft.com/office/powerpoint/2015/main" val="1"/>
+                </p:ext>
+              </p:extLst>
+            </p:nvPr>
+          </p:nvSpPr>
+          <p:spPr bwMode="auto">
+            <a:xfrm>
+              <a:off x="7439026" y="5434013"/>
+              <a:ext cx="174625" cy="439738"/>
+            </a:xfrm>
+            <a:custGeom>
+              <a:avLst/>
+              <a:gdLst/>
+              <a:ahLst/>
+              <a:cxnLst/>
+              <a:rect l="0" t="0" r="r" b="b"/>
+              <a:pathLst>
+                <a:path w="44" h="111">
+                  <a:moveTo>
+                    <a:pt x="11" y="28"/>
+                  </a:moveTo>
+                  <a:cubicBezTo>
+                    <a:pt x="7" y="19"/>
+                    <a:pt x="4" y="9"/>
+                    <a:pt x="0" y="0"/>
+                  </a:cubicBezTo>
+                  <a:cubicBezTo>
+                    <a:pt x="3" y="16"/>
+                    <a:pt x="7" y="33"/>
+                    <a:pt x="11" y="49"/>
+                  </a:cubicBezTo>
+                  <a:cubicBezTo>
+                    <a:pt x="12" y="52"/>
+                    <a:pt x="13" y="55"/>
+                    <a:pt x="14" y="58"/>
+                  </a:cubicBezTo>
+                  <a:cubicBezTo>
+                    <a:pt x="22" y="76"/>
+                    <a:pt x="30" y="94"/>
+                    <a:pt x="39" y="111"/>
+                  </a:cubicBezTo>
+                  <a:cubicBezTo>
+                    <a:pt x="44" y="111"/>
+                    <a:pt x="44" y="111"/>
+                    <a:pt x="44" y="111"/>
+                  </a:cubicBezTo>
+                  <a:cubicBezTo>
+                    <a:pt x="35" y="92"/>
+                    <a:pt x="28" y="72"/>
+                    <a:pt x="22" y="52"/>
+                  </a:cubicBezTo>
+                  <a:cubicBezTo>
+                    <a:pt x="18" y="44"/>
+                    <a:pt x="15" y="36"/>
+                    <a:pt x="11" y="28"/>
+                  </a:cubicBezTo>
+                  <a:close/>
+                </a:path>
+              </a:pathLst>
+            </a:custGeom>
+            <a:solidFill>
+              <a:schemeClr val="tx2"/>
+            </a:solidFill>
+            <a:ln>
+              <a:noFill/>
+            </a:ln>
+          </p:spPr>
+        </p:sp>
+      </p:grpSp>
+      <p:sp>
+        <p:nvSpPr>
+          <p:cNvPr id="3156" name="Rectangle 3155">
+            <a:extLst>
+              <a:ext uri="{FF2B5EF4-FFF2-40B4-BE49-F238E27FC236}">
+                <a16:creationId xmlns:a16="http://schemas.microsoft.com/office/drawing/2014/main" id="{71B30B18-D920-4E3E-B931-1F310244C1B8}"/>
+              </a:ext>
+              <a:ext uri="{C183D7F6-B498-43B3-948B-1728B52AA6E4}">
+                <adec:decorative xmlns:adec="http://schemas.microsoft.com/office/drawing/2017/decorative" val="1"/>
+              </a:ext>
+            </a:extLst>
+          </p:cNvPr>
+          <p:cNvSpPr>
+            <a:spLocks noGrp="1" noRot="1" noChangeAspect="1" noMove="1" noResize="1" noEditPoints="1" noAdjustHandles="1" noChangeArrowheads="1" noChangeShapeType="1" noTextEdit="1"/>
+          </p:cNvSpPr>
+          <p:nvPr>
+            <p:extLst>
+              <p:ext uri="{386F3935-93C4-4BCD-93E2-E3B085C9AB24}">
+                <p16:designElem xmlns:p16="http://schemas.microsoft.com/office/powerpoint/2015/main" val="1"/>
+              </p:ext>
+            </p:extLst>
+          </p:nvPr>
+        </p:nvSpPr>
+        <p:spPr>
+          <a:xfrm>
+            <a:off x="0" y="0"/>
+            <a:ext cx="182880" cy="6858000"/>
+          </a:xfrm>
+          <a:prstGeom prst="rect">
+            <a:avLst/>
+          </a:prstGeom>
+          <a:solidFill>
+            <a:schemeClr val="tx2"/>
+          </a:solidFill>
+          <a:ln>
+            <a:noFill/>
+          </a:ln>
+          <a:effectLst/>
+        </p:spPr>
+        <p:style>
+          <a:lnRef idx="1">
+            <a:schemeClr val="accent1"/>
+          </a:lnRef>
+          <a:fillRef idx="3">
+            <a:schemeClr val="accent1"/>
+          </a:fillRef>
+          <a:effectRef idx="2">
+            <a:schemeClr val="accent1"/>
+          </a:effectRef>
+          <a:fontRef idx="minor">
+            <a:schemeClr val="lt1"/>
+          </a:fontRef>
+        </p:style>
+      </p:sp>
+      <p:sp>
+        <p:nvSpPr>
+          <p:cNvPr id="3158" name="Freeform 11">
+            <a:extLst>
+              <a:ext uri="{FF2B5EF4-FFF2-40B4-BE49-F238E27FC236}">
+                <a16:creationId xmlns:a16="http://schemas.microsoft.com/office/drawing/2014/main" id="{C70EF50A-66E6-460A-8AF9-47A10D0D999C}"/>
+              </a:ext>
+              <a:ext uri="{C183D7F6-B498-43B3-948B-1728B52AA6E4}">
+                <adec:decorative xmlns:adec="http://schemas.microsoft.com/office/drawing/2017/decorative" val="1"/>
+              </a:ext>
+            </a:extLst>
+          </p:cNvPr>
+          <p:cNvSpPr>
+            <a:spLocks noGrp="1" noRot="1" noChangeAspect="1" noMove="1" noResize="1" noEditPoints="1" noAdjustHandles="1" noChangeArrowheads="1" noChangeShapeType="1" noTextEdit="1"/>
+          </p:cNvSpPr>
+          <p:nvPr>
+            <p:extLst>
+              <p:ext uri="{386F3935-93C4-4BCD-93E2-E3B085C9AB24}">
+                <p16:designElem xmlns:p16="http://schemas.microsoft.com/office/powerpoint/2015/main" val="1"/>
+              </p:ext>
+            </p:extLst>
+          </p:nvPr>
+        </p:nvSpPr>
+        <p:spPr bwMode="auto">
+          <a:xfrm flipV="1">
+            <a:off x="-4189" y="714375"/>
+            <a:ext cx="1588527" cy="507297"/>
+          </a:xfrm>
+          <a:custGeom>
+            <a:avLst/>
+            <a:gdLst/>
+            <a:ahLst/>
+            <a:cxnLst/>
+            <a:rect l="l" t="t" r="r" b="b"/>
+            <a:pathLst>
+              <a:path w="9248" h="10000">
+                <a:moveTo>
+                  <a:pt x="9248" y="4701"/>
+                </a:moveTo>
+                <a:lnTo>
+                  <a:pt x="7915" y="188"/>
+                </a:lnTo>
+                <a:cubicBezTo>
+                  <a:pt x="7906" y="156"/>
+                  <a:pt x="7895" y="126"/>
+                  <a:pt x="7886" y="94"/>
+                </a:cubicBezTo>
+                <a:cubicBezTo>
+                  <a:pt x="7859" y="0"/>
+                  <a:pt x="7831" y="0"/>
+                  <a:pt x="7803" y="0"/>
+                </a:cubicBezTo>
+                <a:lnTo>
+                  <a:pt x="7275" y="0"/>
+                </a:lnTo>
+                <a:lnTo>
+                  <a:pt x="0" y="70"/>
+                </a:lnTo>
+                <a:cubicBezTo>
+                  <a:pt x="8" y="3380"/>
+                  <a:pt x="17" y="6690"/>
+                  <a:pt x="25" y="10000"/>
+                </a:cubicBezTo>
+                <a:lnTo>
+                  <a:pt x="7275" y="9966"/>
+                </a:lnTo>
+                <a:lnTo>
+                  <a:pt x="7803" y="9966"/>
+                </a:lnTo>
+                <a:cubicBezTo>
+                  <a:pt x="7831" y="9966"/>
+                  <a:pt x="7859" y="9872"/>
+                  <a:pt x="7886" y="9872"/>
+                </a:cubicBezTo>
+                <a:cubicBezTo>
+                  <a:pt x="7886" y="9778"/>
+                  <a:pt x="7915" y="9778"/>
+                  <a:pt x="7915" y="9778"/>
+                </a:cubicBezTo>
+                <a:lnTo>
+                  <a:pt x="9248" y="5265"/>
+                </a:lnTo>
+                <a:cubicBezTo>
+                  <a:pt x="9303" y="5077"/>
+                  <a:pt x="9303" y="4889"/>
+                  <a:pt x="9248" y="4701"/>
+                </a:cubicBezTo>
+                <a:close/>
+              </a:path>
+            </a:pathLst>
+          </a:custGeom>
+          <a:solidFill>
+            <a:schemeClr val="accent1"/>
+          </a:solidFill>
+          <a:ln>
+            <a:noFill/>
+          </a:ln>
+        </p:spPr>
+      </p:sp>
+      <p:sp useBgFill="1">
+        <p:nvSpPr>
+          <p:cNvPr id="3160" name="Rectangle 3159">
+            <a:extLst>
+              <a:ext uri="{FF2B5EF4-FFF2-40B4-BE49-F238E27FC236}">
+                <a16:creationId xmlns:a16="http://schemas.microsoft.com/office/drawing/2014/main" id="{519DD9F9-F5C4-4212-9AF4-FA9113A5CDB1}"/>
+              </a:ext>
+              <a:ext uri="{C183D7F6-B498-43B3-948B-1728B52AA6E4}">
+                <adec:decorative xmlns:adec="http://schemas.microsoft.com/office/drawing/2017/decorative" val="1"/>
+              </a:ext>
+            </a:extLst>
+          </p:cNvPr>
+          <p:cNvSpPr>
+            <a:spLocks noGrp="1" noRot="1" noChangeAspect="1" noMove="1" noResize="1" noEditPoints="1" noAdjustHandles="1" noChangeArrowheads="1" noChangeShapeType="1" noTextEdit="1"/>
+          </p:cNvSpPr>
+          <p:nvPr>
+            <p:extLst>
+              <p:ext uri="{386F3935-93C4-4BCD-93E2-E3B085C9AB24}">
+                <p16:designElem xmlns:p16="http://schemas.microsoft.com/office/powerpoint/2015/main" val="1"/>
+              </p:ext>
+            </p:extLst>
+          </p:nvPr>
+        </p:nvSpPr>
+        <p:spPr>
+          <a:xfrm>
+            <a:off x="0" y="-786"/>
+            <a:ext cx="12192000" cy="6854038"/>
+          </a:xfrm>
+          <a:prstGeom prst="rect">
+            <a:avLst/>
+          </a:prstGeom>
+          <a:ln>
+            <a:noFill/>
+          </a:ln>
+        </p:spPr>
+        <p:style>
+          <a:lnRef idx="2">
+            <a:schemeClr val="accent1">
+              <a:shade val="50000"/>
+            </a:schemeClr>
+          </a:lnRef>
+          <a:fillRef idx="1">
+            <a:schemeClr val="accent1"/>
+          </a:fillRef>
+          <a:effectRef idx="0">
+            <a:schemeClr val="accent1"/>
+          </a:effectRef>
+          <a:fontRef idx="minor">
+            <a:schemeClr val="lt1"/>
+          </a:fontRef>
+        </p:style>
+        <p:txBody>
+          <a:bodyPr rtlCol="0" anchor="ctr"/>
+          <a:lstStyle/>
+          <a:p>
+            <a:pPr algn="ctr"/>
+            <a:endParaRPr lang="en-US"/>
+          </a:p>
+        </p:txBody>
+      </p:sp>
+      <p:sp>
+        <p:nvSpPr>
+          <p:cNvPr id="3162" name="Rectangle 3161">
+            <a:extLst>
+              <a:ext uri="{FF2B5EF4-FFF2-40B4-BE49-F238E27FC236}">
+                <a16:creationId xmlns:a16="http://schemas.microsoft.com/office/drawing/2014/main" id="{4D426F6C-F417-4549-8850-F25566CDD10E}"/>
+              </a:ext>
+              <a:ext uri="{C183D7F6-B498-43B3-948B-1728B52AA6E4}">
+                <adec:decorative xmlns:adec="http://schemas.microsoft.com/office/drawing/2017/decorative" val="1"/>
+              </a:ext>
+            </a:extLst>
+          </p:cNvPr>
+          <p:cNvSpPr>
+            <a:spLocks noGrp="1" noRot="1" noChangeAspect="1" noMove="1" noResize="1" noEditPoints="1" noAdjustHandles="1" noChangeArrowheads="1" noChangeShapeType="1" noTextEdit="1"/>
+          </p:cNvSpPr>
+          <p:nvPr>
+            <p:extLst>
+              <p:ext uri="{386F3935-93C4-4BCD-93E2-E3B085C9AB24}">
+                <p16:designElem xmlns:p16="http://schemas.microsoft.com/office/powerpoint/2015/main" val="1"/>
+              </p:ext>
+            </p:extLst>
+          </p:nvPr>
+        </p:nvSpPr>
+        <p:spPr>
+          <a:xfrm>
+            <a:off x="643467" y="643467"/>
+            <a:ext cx="10905066" cy="5260195"/>
+          </a:xfrm>
+          <a:prstGeom prst="rect">
+            <a:avLst/>
+          </a:prstGeom>
+          <a:solidFill>
+            <a:srgbClr val="FFFFFF"/>
+          </a:solidFill>
+          <a:ln w="12700" cap="sq">
+            <a:solidFill>
+              <a:schemeClr val="tx2"/>
+            </a:solidFill>
+            <a:miter lim="800000"/>
+          </a:ln>
+        </p:spPr>
+        <p:style>
+          <a:lnRef idx="2">
+            <a:schemeClr val="accent1">
+              <a:shade val="50000"/>
+            </a:schemeClr>
+          </a:lnRef>
+          <a:fillRef idx="1">
+            <a:schemeClr val="accent1"/>
+          </a:fillRef>
+          <a:effectRef idx="0">
+            <a:schemeClr val="accent1"/>
+          </a:effectRef>
+          <a:fontRef idx="minor">
+            <a:schemeClr val="lt1"/>
+          </a:fontRef>
+        </p:style>
+        <p:txBody>
+          <a:bodyPr rtlCol="0" anchor="ctr"/>
+          <a:lstStyle/>
+          <a:p>
+            <a:pPr algn="ctr"/>
+            <a:endParaRPr lang="en-US"/>
+          </a:p>
+        </p:txBody>
+      </p:sp>
       <p:pic>
         <p:nvPicPr>
-          <p:cNvPr id="5" name="Imagem 4">
+          <p:cNvPr id="3074" name="Picture 2">
             <a:extLst>
               <a:ext uri="{FF2B5EF4-FFF2-40B4-BE49-F238E27FC236}">
-                <a16:creationId xmlns:a16="http://schemas.microsoft.com/office/drawing/2014/main" id="{0DEBACB3-873C-B8B5-9395-8C99A962D6AB}"/>
+                <a16:creationId xmlns:a16="http://schemas.microsoft.com/office/drawing/2014/main" id="{D16C21BE-8D17-93AD-B211-9CFD9127CB4D}"/>
               </a:ext>
             </a:extLst>
           </p:cNvPr>
           <p:cNvPicPr>
-            <a:picLocks noChangeAspect="1"/>
+            <a:picLocks noChangeAspect="1" noChangeArrowheads="1"/>
           </p:cNvPicPr>
           <p:nvPr/>
         </p:nvPicPr>
         <p:blipFill>
-          <a:blip r:embed="rId2"/>
+          <a:blip r:embed="rId2">
+            <a:extLst>
+              <a:ext uri="{28A0092B-C50C-407E-A947-70E740481C1C}">
+                <a14:useLocalDpi xmlns:a14="http://schemas.microsoft.com/office/drawing/2010/main" val="0"/>
+              </a:ext>
+            </a:extLst>
+          </a:blip>
           <a:stretch>
             <a:fillRect/>
           </a:stretch>
         </p:blipFill>
-        <p:spPr>
+        <p:spPr bwMode="auto">
           <a:xfrm>
-            <a:off x="209161" y="2212255"/>
-            <a:ext cx="11773678" cy="1921483"/>
+            <a:off x="965200" y="2623802"/>
+            <a:ext cx="10261600" cy="1334007"/>
           </a:xfrm>
           <a:prstGeom prst="rect">
             <a:avLst/>
           </a:prstGeom>
+          <a:noFill/>
+          <a:extLst>
+            <a:ext uri="{909E8E84-426E-40DD-AFC4-6F175D3DCCD1}">
+              <a14:hiddenFill xmlns:a14="http://schemas.microsoft.com/office/drawing/2010/main">
+                <a:solidFill>
+                  <a:srgbClr val="FFFFFF"/>
+                </a:solidFill>
+              </a14:hiddenFill>
+            </a:ext>
+          </a:extLst>
         </p:spPr>
       </p:pic>
+      <p:sp>
+        <p:nvSpPr>
+          <p:cNvPr id="3164" name="Freeform 11">
+            <a:extLst>
+              <a:ext uri="{FF2B5EF4-FFF2-40B4-BE49-F238E27FC236}">
+                <a16:creationId xmlns:a16="http://schemas.microsoft.com/office/drawing/2014/main" id="{A62F81ED-B4A6-4AE5-80BE-E6269859D34D}"/>
+              </a:ext>
+              <a:ext uri="{C183D7F6-B498-43B3-948B-1728B52AA6E4}">
+                <adec:decorative xmlns:adec="http://schemas.microsoft.com/office/drawing/2017/decorative" val="1"/>
+              </a:ext>
+            </a:extLst>
+          </p:cNvPr>
+          <p:cNvSpPr>
+            <a:spLocks noGrp="1" noRot="1" noChangeAspect="1" noMove="1" noResize="1" noEditPoints="1" noAdjustHandles="1" noChangeArrowheads="1" noChangeShapeType="1" noTextEdit="1"/>
+          </p:cNvSpPr>
+          <p:nvPr>
+            <p:extLst>
+              <p:ext uri="{386F3935-93C4-4BCD-93E2-E3B085C9AB24}">
+                <p16:designElem xmlns:p16="http://schemas.microsoft.com/office/powerpoint/2015/main" val="1"/>
+              </p:ext>
+            </p:extLst>
+          </p:nvPr>
+        </p:nvSpPr>
+        <p:spPr>
+          <a:xfrm>
+            <a:off x="-1" y="6061223"/>
+            <a:ext cx="1038036" cy="506277"/>
+          </a:xfrm>
+          <a:custGeom>
+            <a:avLst/>
+            <a:gdLst>
+              <a:gd name="connsiteX0" fmla="*/ 0 w 1038036"/>
+              <a:gd name="connsiteY0" fmla="*/ 0 h 506277"/>
+              <a:gd name="connsiteX1" fmla="*/ 182880 w 1038036"/>
+              <a:gd name="connsiteY1" fmla="*/ 0 h 506277"/>
+              <a:gd name="connsiteX2" fmla="*/ 291705 w 1038036"/>
+              <a:gd name="connsiteY2" fmla="*/ 0 h 506277"/>
+              <a:gd name="connsiteX3" fmla="*/ 291705 w 1038036"/>
+              <a:gd name="connsiteY3" fmla="*/ 151 h 506277"/>
+              <a:gd name="connsiteX4" fmla="*/ 692049 w 1038036"/>
+              <a:gd name="connsiteY4" fmla="*/ 705 h 506277"/>
+              <a:gd name="connsiteX5" fmla="*/ 782744 w 1038036"/>
+              <a:gd name="connsiteY5" fmla="*/ 705 h 506277"/>
+              <a:gd name="connsiteX6" fmla="*/ 797001 w 1038036"/>
+              <a:gd name="connsiteY6" fmla="*/ 5473 h 506277"/>
+              <a:gd name="connsiteX7" fmla="*/ 801982 w 1038036"/>
+              <a:gd name="connsiteY7" fmla="*/ 10242 h 506277"/>
+              <a:gd name="connsiteX8" fmla="*/ 1030951 w 1038036"/>
+              <a:gd name="connsiteY8" fmla="*/ 239185 h 506277"/>
+              <a:gd name="connsiteX9" fmla="*/ 1030951 w 1038036"/>
+              <a:gd name="connsiteY9" fmla="*/ 267797 h 506277"/>
+              <a:gd name="connsiteX10" fmla="*/ 801982 w 1038036"/>
+              <a:gd name="connsiteY10" fmla="*/ 496740 h 506277"/>
+              <a:gd name="connsiteX11" fmla="*/ 797001 w 1038036"/>
+              <a:gd name="connsiteY11" fmla="*/ 501508 h 506277"/>
+              <a:gd name="connsiteX12" fmla="*/ 782744 w 1038036"/>
+              <a:gd name="connsiteY12" fmla="*/ 506277 h 506277"/>
+              <a:gd name="connsiteX13" fmla="*/ 692049 w 1038036"/>
+              <a:gd name="connsiteY13" fmla="*/ 506277 h 506277"/>
+              <a:gd name="connsiteX14" fmla="*/ 291705 w 1038036"/>
+              <a:gd name="connsiteY14" fmla="*/ 505140 h 506277"/>
+              <a:gd name="connsiteX15" fmla="*/ 291705 w 1038036"/>
+              <a:gd name="connsiteY15" fmla="*/ 506277 h 506277"/>
+              <a:gd name="connsiteX16" fmla="*/ 0 w 1038036"/>
+              <a:gd name="connsiteY16" fmla="*/ 506277 h 506277"/>
+            </a:gdLst>
+            <a:ahLst/>
+            <a:cxnLst>
+              <a:cxn ang="0">
+                <a:pos x="connsiteX0" y="connsiteY0"/>
+              </a:cxn>
+              <a:cxn ang="0">
+                <a:pos x="connsiteX1" y="connsiteY1"/>
+              </a:cxn>
+              <a:cxn ang="0">
+                <a:pos x="connsiteX2" y="connsiteY2"/>
+              </a:cxn>
+              <a:cxn ang="0">
+                <a:pos x="connsiteX3" y="connsiteY3"/>
+              </a:cxn>
+              <a:cxn ang="0">
+                <a:pos x="connsiteX4" y="connsiteY4"/>
+              </a:cxn>
+              <a:cxn ang="0">
+                <a:pos x="connsiteX5" y="connsiteY5"/>
+              </a:cxn>
+              <a:cxn ang="0">
+                <a:pos x="connsiteX6" y="connsiteY6"/>
+              </a:cxn>
+              <a:cxn ang="0">
+                <a:pos x="connsiteX7" y="connsiteY7"/>
+              </a:cxn>
+              <a:cxn ang="0">
+                <a:pos x="connsiteX8" y="connsiteY8"/>
+              </a:cxn>
+              <a:cxn ang="0">
+                <a:pos x="connsiteX9" y="connsiteY9"/>
+              </a:cxn>
+              <a:cxn ang="0">
+                <a:pos x="connsiteX10" y="connsiteY10"/>
+              </a:cxn>
+              <a:cxn ang="0">
+                <a:pos x="connsiteX11" y="connsiteY11"/>
+              </a:cxn>
+              <a:cxn ang="0">
+                <a:pos x="connsiteX12" y="connsiteY12"/>
+              </a:cxn>
+              <a:cxn ang="0">
+                <a:pos x="connsiteX13" y="connsiteY13"/>
+              </a:cxn>
+              <a:cxn ang="0">
+                <a:pos x="connsiteX14" y="connsiteY14"/>
+              </a:cxn>
+              <a:cxn ang="0">
+                <a:pos x="connsiteX15" y="connsiteY15"/>
+              </a:cxn>
+              <a:cxn ang="0">
+                <a:pos x="connsiteX16" y="connsiteY16"/>
+              </a:cxn>
+            </a:cxnLst>
+            <a:rect l="l" t="t" r="r" b="b"/>
+            <a:pathLst>
+              <a:path w="1038036" h="506277">
+                <a:moveTo>
+                  <a:pt x="0" y="0"/>
+                </a:moveTo>
+                <a:lnTo>
+                  <a:pt x="182880" y="0"/>
+                </a:lnTo>
+                <a:lnTo>
+                  <a:pt x="291705" y="0"/>
+                </a:lnTo>
+                <a:lnTo>
+                  <a:pt x="291705" y="151"/>
+                </a:lnTo>
+                <a:lnTo>
+                  <a:pt x="692049" y="705"/>
+                </a:lnTo>
+                <a:lnTo>
+                  <a:pt x="782744" y="705"/>
+                </a:lnTo>
+                <a:cubicBezTo>
+                  <a:pt x="787553" y="705"/>
+                  <a:pt x="792363" y="5473"/>
+                  <a:pt x="797001" y="5473"/>
+                </a:cubicBezTo>
+                <a:cubicBezTo>
+                  <a:pt x="797001" y="10242"/>
+                  <a:pt x="801982" y="10242"/>
+                  <a:pt x="801982" y="10242"/>
+                </a:cubicBezTo>
+                <a:lnTo>
+                  <a:pt x="1030951" y="239185"/>
+                </a:lnTo>
+                <a:cubicBezTo>
+                  <a:pt x="1040398" y="248722"/>
+                  <a:pt x="1040398" y="258259"/>
+                  <a:pt x="1030951" y="267797"/>
+                </a:cubicBezTo>
+                <a:lnTo>
+                  <a:pt x="801982" y="496740"/>
+                </a:lnTo>
+                <a:cubicBezTo>
+                  <a:pt x="800436" y="498363"/>
+                  <a:pt x="798547" y="499885"/>
+                  <a:pt x="797001" y="501508"/>
+                </a:cubicBezTo>
+                <a:cubicBezTo>
+                  <a:pt x="792363" y="506277"/>
+                  <a:pt x="787553" y="506277"/>
+                  <a:pt x="782744" y="506277"/>
+                </a:cubicBezTo>
+                <a:lnTo>
+                  <a:pt x="692049" y="506277"/>
+                </a:lnTo>
+                <a:lnTo>
+                  <a:pt x="291705" y="505140"/>
+                </a:lnTo>
+                <a:lnTo>
+                  <a:pt x="291705" y="506277"/>
+                </a:lnTo>
+                <a:lnTo>
+                  <a:pt x="0" y="506277"/>
+                </a:lnTo>
+                <a:close/>
+              </a:path>
+            </a:pathLst>
+          </a:custGeom>
+          <a:ln>
+            <a:noFill/>
+          </a:ln>
+        </p:spPr>
+        <p:style>
+          <a:lnRef idx="2">
+            <a:schemeClr val="accent1">
+              <a:shade val="50000"/>
+            </a:schemeClr>
+          </a:lnRef>
+          <a:fillRef idx="1">
+            <a:schemeClr val="accent1"/>
+          </a:fillRef>
+          <a:effectRef idx="0">
+            <a:schemeClr val="accent1"/>
+          </a:effectRef>
+          <a:fontRef idx="minor">
+            <a:schemeClr val="lt1"/>
+          </a:fontRef>
+        </p:style>
+        <p:txBody>
+          <a:bodyPr rtlCol="0" anchor="ctr"/>
+          <a:lstStyle/>
+          <a:p>
+            <a:pPr algn="ctr"/>
+            <a:endParaRPr lang="en-US"/>
+          </a:p>
+        </p:txBody>
+      </p:sp>
     </p:spTree>
     <p:extLst>
       <p:ext uri="{BB962C8B-B14F-4D97-AF65-F5344CB8AC3E}">
